--- a/Presentacion/Solver Foundation.pptx
+++ b/Presentacion/Solver Foundation.pptx
@@ -5,22 +5,21 @@
     <p:sldMasterId id="2147483648" r:id="rId1"/>
   </p:sldMasterIdLst>
   <p:notesMasterIdLst>
-    <p:notesMasterId r:id="rId15"/>
+    <p:notesMasterId r:id="rId14"/>
   </p:notesMasterIdLst>
   <p:sldIdLst>
     <p:sldId id="256" r:id="rId2"/>
-    <p:sldId id="257" r:id="rId3"/>
-    <p:sldId id="267" r:id="rId4"/>
-    <p:sldId id="258" r:id="rId5"/>
-    <p:sldId id="259" r:id="rId6"/>
-    <p:sldId id="260" r:id="rId7"/>
-    <p:sldId id="261" r:id="rId8"/>
-    <p:sldId id="262" r:id="rId9"/>
-    <p:sldId id="263" r:id="rId10"/>
-    <p:sldId id="264" r:id="rId11"/>
-    <p:sldId id="265" r:id="rId12"/>
-    <p:sldId id="266" r:id="rId13"/>
-    <p:sldId id="268" r:id="rId14"/>
+    <p:sldId id="267" r:id="rId3"/>
+    <p:sldId id="258" r:id="rId4"/>
+    <p:sldId id="259" r:id="rId5"/>
+    <p:sldId id="260" r:id="rId6"/>
+    <p:sldId id="261" r:id="rId7"/>
+    <p:sldId id="262" r:id="rId8"/>
+    <p:sldId id="263" r:id="rId9"/>
+    <p:sldId id="264" r:id="rId10"/>
+    <p:sldId id="265" r:id="rId11"/>
+    <p:sldId id="266" r:id="rId12"/>
+    <p:sldId id="268" r:id="rId13"/>
   </p:sldIdLst>
   <p:sldSz cx="12192000" cy="6858000"/>
   <p:notesSz cx="6858000" cy="9144000"/>
@@ -129,7 +128,6 @@
         </p14:section>
         <p14:section name="Introducción" id="{3D3C67AF-4F43-4205-8F7E-C4BDD32ACBFF}">
           <p14:sldIdLst>
-            <p14:sldId id="257"/>
             <p14:sldId id="267"/>
           </p14:sldIdLst>
         </p14:section>
@@ -161,6 +159,9 @@
         </p14:section>
       </p14:sectionLst>
     </p:ext>
+    <p:ext uri="{EFAFB233-063F-42B5-8137-9DF3F51BA10A}">
+      <p15:sldGuideLst xmlns:p15="http://schemas.microsoft.com/office/powerpoint/2012/main"/>
+    </p:ext>
   </p:extLst>
 </p:presentation>
 </file>
@@ -247,7 +248,7 @@
           <a:p>
             <a:fld id="{84DF9958-7801-4618-B573-6309E75BC87B}" type="datetimeFigureOut">
               <a:rPr lang="es-ES" smtClean="0"/>
-              <a:t>12/05/2019</a:t>
+              <a:t>13/05/2019</a:t>
             </a:fld>
             <a:endParaRPr lang="es-ES"/>
           </a:p>
@@ -659,7 +660,7 @@
     </p:spTree>
     <p:extLst>
       <p:ext uri="{BB962C8B-B14F-4D97-AF65-F5344CB8AC3E}">
-        <p14:creationId xmlns:p14="http://schemas.microsoft.com/office/powerpoint/2010/main" val="2955347113"/>
+        <p14:creationId xmlns:p14="http://schemas.microsoft.com/office/powerpoint/2010/main" val="1039840456"/>
       </p:ext>
     </p:extLst>
   </p:cSld>
@@ -715,76 +716,33 @@
           <a:p>
             <a:r>
               <a:rPr lang="es-ES" dirty="0"/>
-              <a:t>Es una solución para realizar programación matemática, modelizar y optimizar</a:t>
-            </a:r>
-          </a:p>
-          <a:p>
-            <a:r>
-              <a:rPr lang="es-ES" dirty="0"/>
-              <a:t>Se puede usar como librería para programar o como extensión para Excel</a:t>
+              <a:t>Lo primero que tenemos que decidir es que tipo de problema queremos solucionar, existen diferentes </a:t>
+            </a:r>
+            <a:r>
+              <a:rPr lang="es-ES" dirty="0" err="1"/>
+              <a:t>solvers</a:t>
+            </a:r>
+            <a:r>
+              <a:rPr lang="es-ES" dirty="0"/>
+              <a:t> que podemos usar en nuestro programa, dependiendo del modelo que queremos resolver, aunque siempre podemos usar el genérico y por debajo analizando el problema se elige un solucionador de los disponibles.</a:t>
+            </a:r>
+          </a:p>
+          <a:p>
+            <a:r>
+              <a:rPr lang="es-ES" dirty="0"/>
+              <a:t>También se pueden instalar </a:t>
+            </a:r>
+            <a:r>
+              <a:rPr lang="es-ES" dirty="0" err="1"/>
+              <a:t>solvers</a:t>
+            </a:r>
+            <a:r>
+              <a:rPr lang="es-ES" dirty="0"/>
+              <a:t> de terceros o desarrollarlos nosotros</a:t>
             </a:r>
           </a:p>
           <a:p>
             <a:endParaRPr lang="es-ES" dirty="0"/>
-          </a:p>
-          <a:p>
-            <a:r>
-              <a:rPr lang="es-ES" dirty="0"/>
-              <a:t>Esta descontinuado desde 2012 pero es perfectamente usable</a:t>
-            </a:r>
-          </a:p>
-          <a:p>
-            <a:endParaRPr lang="es-ES" dirty="0"/>
-          </a:p>
-          <a:p>
-            <a:r>
-              <a:rPr lang="es-ES" dirty="0"/>
-              <a:t>Para usarlo en código, desde visual </a:t>
-            </a:r>
-            <a:r>
-              <a:rPr lang="es-ES" dirty="0" err="1"/>
-              <a:t>studio</a:t>
-            </a:r>
-            <a:r>
-              <a:rPr lang="es-ES" dirty="0"/>
-              <a:t> importamos la librería con </a:t>
-            </a:r>
-            <a:r>
-              <a:rPr lang="es-ES" dirty="0" err="1"/>
-              <a:t>NuGet</a:t>
-            </a:r>
-            <a:r>
-              <a:rPr lang="es-ES" dirty="0"/>
-              <a:t>, el gestor de paquetes de visual </a:t>
-            </a:r>
-            <a:r>
-              <a:rPr lang="es-ES" dirty="0" err="1"/>
-              <a:t>studio</a:t>
-            </a:r>
-            <a:r>
-              <a:rPr lang="es-ES" dirty="0"/>
-              <a:t>.</a:t>
-            </a:r>
-          </a:p>
-          <a:p>
-            <a:r>
-              <a:rPr lang="es-ES" dirty="0"/>
-              <a:t>Si queremos usar la extensión de Excel y la documentación nos instalamos el paquete.</a:t>
-            </a:r>
-          </a:p>
-          <a:p>
-            <a:r>
-              <a:rPr lang="es-ES" dirty="0"/>
-              <a:t>También dejamos la </a:t>
-            </a:r>
-            <a:r>
-              <a:rPr lang="es-ES" dirty="0" err="1"/>
-              <a:t>url</a:t>
-            </a:r>
-            <a:r>
-              <a:rPr lang="es-ES" dirty="0"/>
-              <a:t> de la pagina dedicada en la MSDN</a:t>
-            </a:r>
           </a:p>
         </p:txBody>
       </p:sp>
@@ -814,7 +772,7 @@
     </p:spTree>
     <p:extLst>
       <p:ext uri="{BB962C8B-B14F-4D97-AF65-F5344CB8AC3E}">
-        <p14:creationId xmlns:p14="http://schemas.microsoft.com/office/powerpoint/2010/main" val="1039840456"/>
+        <p14:creationId xmlns:p14="http://schemas.microsoft.com/office/powerpoint/2010/main" val="3573404221"/>
       </p:ext>
     </p:extLst>
   </p:cSld>
@@ -870,33 +828,50 @@
           <a:p>
             <a:r>
               <a:rPr lang="es-ES" dirty="0"/>
-              <a:t>Lo primero que tenemos que decidir es que tipo de problema queremos solucionar, existen diferentes </a:t>
+              <a:t>Nos vamos a centrar en el </a:t>
             </a:r>
             <a:r>
               <a:rPr lang="es-ES" dirty="0" err="1"/>
-              <a:t>solvers</a:t>
-            </a:r>
-            <a:r>
-              <a:rPr lang="es-ES" dirty="0"/>
-              <a:t> que podemos usar en nuestro programa, dependiendo del modelo que queremos resolver, aunque siempre podemos usar el genérico y por debajo analizando el problema se elige un solucionador de los disponibles.</a:t>
-            </a:r>
-          </a:p>
-          <a:p>
-            <a:r>
-              <a:rPr lang="es-ES" dirty="0"/>
-              <a:t>También se pueden instalar </a:t>
+              <a:t>solver</a:t>
+            </a:r>
+            <a:r>
+              <a:rPr lang="es-ES" dirty="0"/>
+              <a:t> específico para problemas de restricciones.</a:t>
+            </a:r>
+          </a:p>
+          <a:p>
+            <a:endParaRPr lang="es-ES" dirty="0"/>
+          </a:p>
+          <a:p>
+            <a:r>
+              <a:rPr lang="es-ES" dirty="0"/>
+              <a:t>Tenemos que representar los dominios con un objeto </a:t>
             </a:r>
             <a:r>
               <a:rPr lang="es-ES" dirty="0" err="1"/>
-              <a:t>solvers</a:t>
-            </a:r>
-            <a:r>
-              <a:rPr lang="es-ES" dirty="0"/>
-              <a:t> de terceros o desarrollarlos nosotros</a:t>
+              <a:t>CpsDomain</a:t>
+            </a:r>
+            <a:r>
+              <a:rPr lang="es-ES" dirty="0"/>
+              <a:t> de cualquiera de los dominios disponibles que tenemos que establecer siempre los limites superiores e inferiores.</a:t>
             </a:r>
           </a:p>
           <a:p>
             <a:endParaRPr lang="es-ES" dirty="0"/>
+          </a:p>
+          <a:p>
+            <a:r>
+              <a:rPr lang="es-ES" dirty="0"/>
+              <a:t>Para las variables tenemos que usar el objeto </a:t>
+            </a:r>
+            <a:r>
+              <a:rPr lang="es-ES" dirty="0" err="1"/>
+              <a:t>CpsTerm</a:t>
+            </a:r>
+            <a:r>
+              <a:rPr lang="es-ES" dirty="0"/>
+              <a:t> </a:t>
+            </a:r>
           </a:p>
         </p:txBody>
       </p:sp>
@@ -926,7 +901,7 @@
     </p:spTree>
     <p:extLst>
       <p:ext uri="{BB962C8B-B14F-4D97-AF65-F5344CB8AC3E}">
-        <p14:creationId xmlns:p14="http://schemas.microsoft.com/office/powerpoint/2010/main" val="3573404221"/>
+        <p14:creationId xmlns:p14="http://schemas.microsoft.com/office/powerpoint/2010/main" val="2758117718"/>
       </p:ext>
     </p:extLst>
   </p:cSld>
@@ -982,7 +957,7 @@
           <a:p>
             <a:r>
               <a:rPr lang="es-ES" dirty="0"/>
-              <a:t>Nos vamos a centrar en el </a:t>
+              <a:t>Cuando agregamos las restricciones los hacemos directamente al </a:t>
             </a:r>
             <a:r>
               <a:rPr lang="es-ES" dirty="0" err="1"/>
@@ -990,7 +965,15 @@
             </a:r>
             <a:r>
               <a:rPr lang="es-ES" dirty="0"/>
-              <a:t> específico para problemas de restricciones.</a:t>
+              <a:t> invocando el método </a:t>
+            </a:r>
+            <a:r>
+              <a:rPr lang="es-ES" dirty="0" err="1"/>
+              <a:t>AddConstraint</a:t>
+            </a:r>
+            <a:r>
+              <a:rPr lang="es-ES" dirty="0"/>
+              <a:t>()</a:t>
             </a:r>
           </a:p>
           <a:p>
@@ -999,15 +982,45 @@
           <a:p>
             <a:r>
               <a:rPr lang="es-ES" dirty="0"/>
-              <a:t>Tenemos que representar los dominios con un objeto </a:t>
+              <a:t>Todas son </a:t>
             </a:r>
             <a:r>
               <a:rPr lang="es-ES" dirty="0" err="1"/>
-              <a:t>CpsDomain</a:t>
-            </a:r>
-            <a:r>
-              <a:rPr lang="es-ES" dirty="0"/>
-              <a:t> de cualquiera de los dominios disponibles que tenemos que establecer siempre los limites superiores e inferiores.</a:t>
+              <a:t>Hard</a:t>
+            </a:r>
+            <a:r>
+              <a:rPr lang="es-ES" dirty="0"/>
+              <a:t> </a:t>
+            </a:r>
+            <a:r>
+              <a:rPr lang="es-ES" dirty="0" err="1"/>
+              <a:t>Constraint</a:t>
+            </a:r>
+            <a:r>
+              <a:rPr lang="es-ES" dirty="0"/>
+              <a:t>, si queremos crear </a:t>
+            </a:r>
+            <a:r>
+              <a:rPr lang="es-ES" dirty="0" err="1"/>
+              <a:t>Soft</a:t>
+            </a:r>
+            <a:r>
+              <a:rPr lang="es-ES" dirty="0"/>
+              <a:t> </a:t>
+            </a:r>
+            <a:r>
+              <a:rPr lang="es-ES" dirty="0" err="1"/>
+              <a:t>Constraint</a:t>
+            </a:r>
+            <a:r>
+              <a:rPr lang="es-ES" dirty="0"/>
+              <a:t> tenemos que hacer algún truco.</a:t>
+            </a:r>
+          </a:p>
+          <a:p>
+            <a:r>
+              <a:rPr lang="es-ES" dirty="0"/>
+              <a:t>En este caso si intentamos minimizar la variable d intentaremos que el objeto ocupado valga 1</a:t>
             </a:r>
           </a:p>
           <a:p>
@@ -1016,15 +1029,7 @@
           <a:p>
             <a:r>
               <a:rPr lang="es-ES" dirty="0"/>
-              <a:t>Para las variables tenemos que usar el objeto </a:t>
-            </a:r>
-            <a:r>
-              <a:rPr lang="es-ES" dirty="0" err="1"/>
-              <a:t>CpsTerm</a:t>
-            </a:r>
-            <a:r>
-              <a:rPr lang="es-ES" dirty="0"/>
-              <a:t> </a:t>
+              <a:t>Como podemos ver en este ejemplo, que son las restricciones al problema de las n reinas </a:t>
             </a:r>
           </a:p>
         </p:txBody>
@@ -1055,7 +1060,7 @@
     </p:spTree>
     <p:extLst>
       <p:ext uri="{BB962C8B-B14F-4D97-AF65-F5344CB8AC3E}">
-        <p14:creationId xmlns:p14="http://schemas.microsoft.com/office/powerpoint/2010/main" val="2758117718"/>
+        <p14:creationId xmlns:p14="http://schemas.microsoft.com/office/powerpoint/2010/main" val="1424467022"/>
       </p:ext>
     </p:extLst>
   </p:cSld>
@@ -1110,81 +1115,186 @@
           <a:lstStyle/>
           <a:p>
             <a:r>
-              <a:rPr lang="es-ES" dirty="0"/>
-              <a:t>Cuando agregamos las restricciones los hacemos directamente al </a:t>
-            </a:r>
-            <a:r>
-              <a:rPr lang="es-ES" dirty="0" err="1"/>
-              <a:t>solver</a:t>
-            </a:r>
-            <a:r>
-              <a:rPr lang="es-ES" dirty="0"/>
-              <a:t> invocando el método </a:t>
-            </a:r>
-            <a:r>
-              <a:rPr lang="es-ES" dirty="0" err="1"/>
-              <a:t>AddConstraint</a:t>
-            </a:r>
-            <a:r>
-              <a:rPr lang="es-ES" dirty="0"/>
-              <a:t>()</a:t>
-            </a:r>
-          </a:p>
-          <a:p>
+              <a:rPr lang="es-ES" sz="1200" b="0" i="0" kern="1200" dirty="0" err="1">
+                <a:solidFill>
+                  <a:schemeClr val="tx1"/>
+                </a:solidFill>
+                <a:effectLst/>
+                <a:latin typeface="+mn-lt"/>
+                <a:ea typeface="+mn-ea"/>
+                <a:cs typeface="+mn-cs"/>
+              </a:rPr>
+              <a:t>AtMostMofN</a:t>
+            </a:r>
+            <a:r>
+              <a:rPr lang="es-ES" sz="1200" b="0" i="0" kern="1200" dirty="0">
+                <a:solidFill>
+                  <a:schemeClr val="tx1"/>
+                </a:solidFill>
+                <a:effectLst/>
+                <a:latin typeface="+mn-lt"/>
+                <a:ea typeface="+mn-ea"/>
+                <a:cs typeface="+mn-cs"/>
+              </a:rPr>
+              <a:t> Como mucho m elementos son true</a:t>
+            </a:r>
+          </a:p>
+          <a:p>
+            <a:r>
+              <a:rPr lang="es-ES" sz="1200" b="0" i="0" kern="1200" dirty="0" err="1">
+                <a:solidFill>
+                  <a:schemeClr val="tx1"/>
+                </a:solidFill>
+                <a:effectLst/>
+                <a:latin typeface="+mn-lt"/>
+                <a:ea typeface="+mn-ea"/>
+                <a:cs typeface="+mn-cs"/>
+              </a:rPr>
+              <a:t>Equal</a:t>
+            </a:r>
+            <a:r>
+              <a:rPr lang="es-ES" sz="1200" b="0" i="0" kern="1200" dirty="0">
+                <a:solidFill>
+                  <a:schemeClr val="tx1"/>
+                </a:solidFill>
+                <a:effectLst/>
+                <a:latin typeface="+mn-lt"/>
+                <a:ea typeface="+mn-ea"/>
+                <a:cs typeface="+mn-cs"/>
+              </a:rPr>
+              <a:t> y </a:t>
+            </a:r>
+            <a:r>
+              <a:rPr lang="es-ES" sz="1200" b="0" i="0" kern="1200" dirty="0" err="1">
+                <a:solidFill>
+                  <a:schemeClr val="tx1"/>
+                </a:solidFill>
+                <a:effectLst/>
+                <a:latin typeface="+mn-lt"/>
+                <a:ea typeface="+mn-ea"/>
+                <a:cs typeface="+mn-cs"/>
+              </a:rPr>
+              <a:t>Unecual</a:t>
+            </a:r>
+            <a:r>
+              <a:rPr lang="es-ES" sz="1200" b="0" i="0" kern="1200" dirty="0">
+                <a:solidFill>
+                  <a:schemeClr val="tx1"/>
+                </a:solidFill>
+                <a:effectLst/>
+                <a:latin typeface="+mn-lt"/>
+                <a:ea typeface="+mn-ea"/>
+                <a:cs typeface="+mn-cs"/>
+              </a:rPr>
+              <a:t> aseguran que todos los elementos de la entrada son iguales y tienen una sobrecarga para asegurar que todos los elementos son iguales a una constante</a:t>
+            </a:r>
+          </a:p>
+          <a:p>
+            <a:r>
+              <a:rPr lang="en-US" dirty="0" err="1"/>
+              <a:t>ExactlyMofN</a:t>
+            </a:r>
+            <a:r>
+              <a:rPr lang="en-US" dirty="0"/>
+              <a:t> </a:t>
+            </a:r>
+            <a:r>
+              <a:rPr lang="en-US" dirty="0" err="1"/>
+              <a:t>Exactamente</a:t>
+            </a:r>
+            <a:r>
+              <a:rPr lang="en-US" dirty="0"/>
+              <a:t> M </a:t>
+            </a:r>
+            <a:r>
+              <a:rPr lang="en-US" dirty="0" err="1"/>
+              <a:t>elementos</a:t>
+            </a:r>
+            <a:r>
+              <a:rPr lang="en-US" dirty="0"/>
+              <a:t> son true</a:t>
+            </a:r>
+          </a:p>
+          <a:p>
+            <a:r>
+              <a:rPr lang="en-US" dirty="0"/>
+              <a:t>Grater, </a:t>
+            </a:r>
+            <a:r>
+              <a:rPr lang="en-US" dirty="0" err="1"/>
+              <a:t>asegura</a:t>
+            </a:r>
+            <a:r>
+              <a:rPr lang="en-US" dirty="0"/>
+              <a:t> que los </a:t>
+            </a:r>
+            <a:r>
+              <a:rPr lang="en-US" dirty="0" err="1"/>
+              <a:t>elementos</a:t>
+            </a:r>
+            <a:r>
+              <a:rPr lang="en-US" dirty="0"/>
+              <a:t> </a:t>
+            </a:r>
+            <a:r>
+              <a:rPr lang="en-US" dirty="0" err="1"/>
+              <a:t>estan</a:t>
+            </a:r>
+            <a:r>
+              <a:rPr lang="en-US" dirty="0"/>
+              <a:t> </a:t>
+            </a:r>
+            <a:r>
+              <a:rPr lang="en-US" dirty="0" err="1"/>
+              <a:t>ordenaos</a:t>
+            </a:r>
+            <a:r>
+              <a:rPr lang="en-US" dirty="0"/>
+              <a:t> </a:t>
+            </a:r>
+            <a:r>
+              <a:rPr lang="en-US" dirty="0" err="1"/>
+              <a:t>crecientemente</a:t>
+            </a:r>
+            <a:endParaRPr lang="en-US" dirty="0"/>
+          </a:p>
+          <a:p>
+            <a:r>
+              <a:rPr lang="en-US" dirty="0" err="1"/>
+              <a:t>Implica</a:t>
+            </a:r>
+            <a:r>
+              <a:rPr lang="en-US" dirty="0"/>
+              <a:t> </a:t>
+            </a:r>
+            <a:r>
+              <a:rPr lang="en-US" dirty="0" err="1"/>
+              <a:t>antecedente</a:t>
+            </a:r>
+            <a:r>
+              <a:rPr lang="en-US" dirty="0"/>
+              <a:t> </a:t>
+            </a:r>
+            <a:r>
+              <a:rPr lang="en-US" dirty="0" err="1"/>
+              <a:t>implica</a:t>
+            </a:r>
+            <a:r>
+              <a:rPr lang="en-US" dirty="0"/>
+              <a:t> </a:t>
+            </a:r>
+            <a:r>
+              <a:rPr lang="en-US" dirty="0" err="1"/>
+              <a:t>consecuente</a:t>
+            </a:r>
+            <a:endParaRPr lang="en-US" dirty="0"/>
+          </a:p>
+          <a:p>
+            <a:r>
+              <a:rPr lang="en-US" dirty="0"/>
+              <a:t>Maximo</a:t>
+            </a:r>
             <a:endParaRPr lang="es-ES" dirty="0"/>
-          </a:p>
-          <a:p>
-            <a:r>
-              <a:rPr lang="es-ES" dirty="0"/>
-              <a:t>Todas son </a:t>
-            </a:r>
-            <a:r>
-              <a:rPr lang="es-ES" dirty="0" err="1"/>
-              <a:t>Hard</a:t>
-            </a:r>
-            <a:r>
-              <a:rPr lang="es-ES" dirty="0"/>
-              <a:t> </a:t>
-            </a:r>
-            <a:r>
-              <a:rPr lang="es-ES" dirty="0" err="1"/>
-              <a:t>Constraint</a:t>
-            </a:r>
-            <a:r>
-              <a:rPr lang="es-ES" dirty="0"/>
-              <a:t>, si queremos crear </a:t>
-            </a:r>
-            <a:r>
-              <a:rPr lang="es-ES" dirty="0" err="1"/>
-              <a:t>Soft</a:t>
-            </a:r>
-            <a:r>
-              <a:rPr lang="es-ES" dirty="0"/>
-              <a:t> </a:t>
-            </a:r>
-            <a:r>
-              <a:rPr lang="es-ES" dirty="0" err="1"/>
-              <a:t>Constraint</a:t>
-            </a:r>
-            <a:r>
-              <a:rPr lang="es-ES" dirty="0"/>
-              <a:t> tenemos que hacer algún truco.</a:t>
-            </a:r>
-          </a:p>
-          <a:p>
-            <a:r>
-              <a:rPr lang="es-ES" dirty="0"/>
-              <a:t>En este caso si intentamos minimizar la variable d intentaremos que el objeto ocupado valga 1</a:t>
-            </a:r>
-          </a:p>
-          <a:p>
-            <a:endParaRPr lang="es-ES" dirty="0"/>
-          </a:p>
-          <a:p>
-            <a:r>
-              <a:rPr lang="es-ES" dirty="0"/>
-              <a:t>Como podemos ver en este ejemplo, que son las restricciones al problema de las n reinas </a:t>
-            </a:r>
           </a:p>
         </p:txBody>
       </p:sp>
@@ -1214,7 +1324,7 @@
     </p:spTree>
     <p:extLst>
       <p:ext uri="{BB962C8B-B14F-4D97-AF65-F5344CB8AC3E}">
-        <p14:creationId xmlns:p14="http://schemas.microsoft.com/office/powerpoint/2010/main" val="1424467022"/>
+        <p14:creationId xmlns:p14="http://schemas.microsoft.com/office/powerpoint/2010/main" val="2611748133"/>
       </p:ext>
     </p:extLst>
   </p:cSld>
@@ -1268,97 +1378,85 @@
           <a:bodyPr/>
           <a:lstStyle/>
           <a:p>
-            <a:r>
-              <a:rPr lang="es-ES" sz="1200" b="0" i="0" kern="1200" dirty="0" err="1">
-                <a:solidFill>
-                  <a:schemeClr val="tx1"/>
-                </a:solidFill>
-                <a:effectLst/>
-                <a:latin typeface="+mn-lt"/>
-                <a:ea typeface="+mn-ea"/>
-                <a:cs typeface="+mn-cs"/>
-              </a:rPr>
-              <a:t>AtMostMofN</a:t>
-            </a:r>
-            <a:r>
-              <a:rPr lang="es-ES" sz="1200" b="0" i="0" kern="1200" dirty="0">
-                <a:solidFill>
-                  <a:schemeClr val="tx1"/>
-                </a:solidFill>
-                <a:effectLst/>
-                <a:latin typeface="+mn-lt"/>
-                <a:ea typeface="+mn-ea"/>
-                <a:cs typeface="+mn-cs"/>
-              </a:rPr>
-              <a:t> Como mucho m elementos son true</a:t>
-            </a:r>
-          </a:p>
-          <a:p>
-            <a:r>
-              <a:rPr lang="es-ES" sz="1200" b="0" i="0" kern="1200" dirty="0" err="1">
-                <a:solidFill>
-                  <a:schemeClr val="tx1"/>
-                </a:solidFill>
-                <a:effectLst/>
-                <a:latin typeface="+mn-lt"/>
-                <a:ea typeface="+mn-ea"/>
-                <a:cs typeface="+mn-cs"/>
-              </a:rPr>
-              <a:t>Equal</a:t>
-            </a:r>
-            <a:r>
-              <a:rPr lang="es-ES" sz="1200" b="0" i="0" kern="1200" dirty="0">
-                <a:solidFill>
-                  <a:schemeClr val="tx1"/>
-                </a:solidFill>
-                <a:effectLst/>
-                <a:latin typeface="+mn-lt"/>
-                <a:ea typeface="+mn-ea"/>
-                <a:cs typeface="+mn-cs"/>
-              </a:rPr>
-              <a:t> y </a:t>
-            </a:r>
-            <a:r>
-              <a:rPr lang="es-ES" sz="1200" b="0" i="0" kern="1200" dirty="0" err="1">
-                <a:solidFill>
-                  <a:schemeClr val="tx1"/>
-                </a:solidFill>
-                <a:effectLst/>
-                <a:latin typeface="+mn-lt"/>
-                <a:ea typeface="+mn-ea"/>
-                <a:cs typeface="+mn-cs"/>
-              </a:rPr>
-              <a:t>Unecual</a:t>
-            </a:r>
-            <a:r>
-              <a:rPr lang="es-ES" sz="1200" b="0" i="0" kern="1200" dirty="0">
-                <a:solidFill>
-                  <a:schemeClr val="tx1"/>
-                </a:solidFill>
-                <a:effectLst/>
-                <a:latin typeface="+mn-lt"/>
-                <a:ea typeface="+mn-ea"/>
-                <a:cs typeface="+mn-cs"/>
-              </a:rPr>
-              <a:t> aseguran que todos los elementos de la entrada son iguales y tienen una sobrecarga para asegurar que todos los elementos son iguales a una constante</a:t>
-            </a:r>
-          </a:p>
-          <a:p>
+            <a:pPr marL="0" marR="0" lvl="0" indent="0" algn="l" defTabSz="914400" rtl="0" eaLnBrk="1" fontAlgn="auto" latinLnBrk="0" hangingPunct="1">
+              <a:lnSpc>
+                <a:spcPct val="100000"/>
+              </a:lnSpc>
+              <a:spcBef>
+                <a:spcPts val="0"/>
+              </a:spcBef>
+              <a:spcAft>
+                <a:spcPts val="0"/>
+              </a:spcAft>
+              <a:buClrTx/>
+              <a:buSzTx/>
+              <a:buFontTx/>
+              <a:buNone/>
+              <a:tabLst/>
+              <a:defRPr/>
+            </a:pPr>
             <a:r>
               <a:rPr lang="en-US" dirty="0" err="1"/>
-              <a:t>ExactlyMofN</a:t>
+              <a:t>Ademas</a:t>
+            </a:r>
+            <a:r>
+              <a:rPr lang="en-US" dirty="0"/>
+              <a:t> de las </a:t>
+            </a:r>
+            <a:r>
+              <a:rPr lang="en-US" dirty="0" err="1"/>
+              <a:t>operaciones</a:t>
+            </a:r>
+            <a:r>
+              <a:rPr lang="en-US" dirty="0"/>
+              <a:t> de las </a:t>
+            </a:r>
+            <a:r>
+              <a:rPr lang="en-US" dirty="0" err="1"/>
+              <a:t>restricciones</a:t>
+            </a:r>
+            <a:r>
+              <a:rPr lang="en-US" dirty="0"/>
+              <a:t>  temenos </a:t>
+            </a:r>
+            <a:r>
+              <a:rPr lang="en-US" dirty="0" err="1"/>
+              <a:t>operaciones</a:t>
             </a:r>
             <a:r>
               <a:rPr lang="en-US" dirty="0"/>
               <a:t> </a:t>
             </a:r>
+          </a:p>
+          <a:p>
+            <a:pPr marL="0" marR="0" lvl="0" indent="0" algn="l" defTabSz="914400" rtl="0" eaLnBrk="1" fontAlgn="auto" latinLnBrk="0" hangingPunct="1">
+              <a:lnSpc>
+                <a:spcPct val="100000"/>
+              </a:lnSpc>
+              <a:spcBef>
+                <a:spcPts val="0"/>
+              </a:spcBef>
+              <a:spcAft>
+                <a:spcPts val="0"/>
+              </a:spcAft>
+              <a:buClrTx/>
+              <a:buSzTx/>
+              <a:buFontTx/>
+              <a:buNone/>
+              <a:tabLst/>
+              <a:defRPr/>
+            </a:pPr>
+            <a:r>
+              <a:rPr lang="en-US" dirty="0"/>
+              <a:t>And y Or </a:t>
+            </a:r>
             <a:r>
               <a:rPr lang="en-US" dirty="0" err="1"/>
-              <a:t>Exactamente</a:t>
+              <a:t>logicos</a:t>
             </a:r>
             <a:r>
               <a:rPr lang="en-US" dirty="0"/>
-              <a:t> M </a:t>
+              <a:t> de los </a:t>
             </a:r>
             <a:r>
               <a:rPr lang="en-US" dirty="0" err="1"/>
@@ -1366,25 +1464,30 @@
             </a:r>
             <a:r>
               <a:rPr lang="en-US" dirty="0"/>
-              <a:t> son true</a:t>
-            </a:r>
-          </a:p>
-          <a:p>
-            <a:r>
-              <a:rPr lang="en-US" dirty="0"/>
-              <a:t>Grater, </a:t>
-            </a:r>
+              <a:t> de entrada</a:t>
+            </a:r>
+          </a:p>
+          <a:p>
+            <a:pPr marL="0" marR="0" lvl="0" indent="0" algn="l" defTabSz="914400" rtl="0" eaLnBrk="1" fontAlgn="auto" latinLnBrk="0" hangingPunct="1">
+              <a:lnSpc>
+                <a:spcPct val="100000"/>
+              </a:lnSpc>
+              <a:spcBef>
+                <a:spcPts val="0"/>
+              </a:spcBef>
+              <a:spcAft>
+                <a:spcPts val="0"/>
+              </a:spcAft>
+              <a:buClrTx/>
+              <a:buSzTx/>
+              <a:buFontTx/>
+              <a:buNone/>
+              <a:tabLst/>
+              <a:defRPr/>
+            </a:pPr>
             <a:r>
               <a:rPr lang="en-US" dirty="0" err="1"/>
-              <a:t>asegura</a:t>
-            </a:r>
-            <a:r>
-              <a:rPr lang="en-US" dirty="0"/>
-              <a:t> que los </a:t>
-            </a:r>
-            <a:r>
-              <a:rPr lang="en-US" dirty="0" err="1"/>
-              <a:t>elementos</a:t>
+              <a:t>FilteredSum</a:t>
             </a:r>
             <a:r>
               <a:rPr lang="en-US" dirty="0"/>
@@ -1392,7 +1495,47 @@
             </a:r>
             <a:r>
               <a:rPr lang="en-US" dirty="0" err="1"/>
-              <a:t>estan</a:t>
+              <a:t>Sumamos</a:t>
+            </a:r>
+            <a:r>
+              <a:rPr lang="en-US" dirty="0"/>
+              <a:t> los terminus que </a:t>
+            </a:r>
+            <a:r>
+              <a:rPr lang="en-US" dirty="0" err="1"/>
+              <a:t>cumplan</a:t>
+            </a:r>
+            <a:r>
+              <a:rPr lang="en-US" dirty="0"/>
+              <a:t> la </a:t>
+            </a:r>
+            <a:r>
+              <a:rPr lang="en-US" dirty="0" err="1"/>
+              <a:t>condicion</a:t>
+            </a:r>
+            <a:r>
+              <a:rPr lang="en-US" dirty="0"/>
+              <a:t>, </a:t>
+            </a:r>
+            <a:r>
+              <a:rPr lang="en-US" dirty="0" err="1"/>
+              <a:t>pide</a:t>
+            </a:r>
+            <a:r>
+              <a:rPr lang="en-US" dirty="0"/>
+              <a:t> que los dos arrays </a:t>
+            </a:r>
+            <a:r>
+              <a:rPr lang="en-US" dirty="0" err="1"/>
+              <a:t>sean</a:t>
+            </a:r>
+            <a:r>
+              <a:rPr lang="en-US" dirty="0"/>
+              <a:t> del </a:t>
+            </a:r>
+            <a:r>
+              <a:rPr lang="en-US" dirty="0" err="1"/>
+              <a:t>mismo</a:t>
             </a:r>
             <a:r>
               <a:rPr lang="en-US" dirty="0"/>
@@ -1400,7 +1543,15 @@
             </a:r>
             <a:r>
               <a:rPr lang="en-US" dirty="0" err="1"/>
-              <a:t>ordenaos</a:t>
+              <a:t>tamaño</a:t>
+            </a:r>
+            <a:r>
+              <a:rPr lang="en-US" dirty="0"/>
+              <a:t> y se </a:t>
+            </a:r>
+            <a:r>
+              <a:rPr lang="en-US" dirty="0" err="1"/>
+              <a:t>evalua</a:t>
             </a:r>
             <a:r>
               <a:rPr lang="en-US" dirty="0"/>
@@ -1408,14 +1559,7 @@
             </a:r>
             <a:r>
               <a:rPr lang="en-US" dirty="0" err="1"/>
-              <a:t>crecientemente</a:t>
-            </a:r>
-            <a:endParaRPr lang="en-US" dirty="0"/>
-          </a:p>
-          <a:p>
-            <a:r>
-              <a:rPr lang="en-US" dirty="0" err="1"/>
-              <a:t>Implica</a:t>
+              <a:t>si</a:t>
             </a:r>
             <a:r>
               <a:rPr lang="en-US" dirty="0"/>
@@ -1423,7 +1567,7 @@
             </a:r>
             <a:r>
               <a:rPr lang="en-US" dirty="0" err="1"/>
-              <a:t>antecedente</a:t>
+              <a:t>cada</a:t>
             </a:r>
             <a:r>
               <a:rPr lang="en-US" dirty="0"/>
@@ -1431,7 +1575,7 @@
             </a:r>
             <a:r>
               <a:rPr lang="en-US" dirty="0" err="1"/>
-              <a:t>implica</a:t>
+              <a:t>termino</a:t>
             </a:r>
             <a:r>
               <a:rPr lang="en-US" dirty="0"/>
@@ -1439,16 +1583,43 @@
             </a:r>
             <a:r>
               <a:rPr lang="en-US" dirty="0" err="1"/>
-              <a:t>consecuente</a:t>
+              <a:t>cumple</a:t>
+            </a:r>
+            <a:r>
+              <a:rPr lang="en-US" dirty="0"/>
+              <a:t> </a:t>
+            </a:r>
+            <a:r>
+              <a:rPr lang="en-US" dirty="0" err="1"/>
+              <a:t>su</a:t>
+            </a:r>
+            <a:r>
+              <a:rPr lang="en-US" dirty="0"/>
+              <a:t> </a:t>
+            </a:r>
+            <a:r>
+              <a:rPr lang="en-US" dirty="0" err="1"/>
+              <a:t>condición</a:t>
+            </a:r>
+            <a:r>
+              <a:rPr lang="en-US" dirty="0"/>
+              <a:t> </a:t>
+            </a:r>
+            <a:r>
+              <a:rPr lang="en-US" dirty="0" err="1"/>
+              <a:t>asociada</a:t>
             </a:r>
             <a:endParaRPr lang="en-US" dirty="0"/>
           </a:p>
           <a:p>
             <a:r>
-              <a:rPr lang="en-US" dirty="0"/>
-              <a:t>Maximo</a:t>
-            </a:r>
-            <a:endParaRPr lang="es-ES" dirty="0"/>
+              <a:rPr lang="es-ES" dirty="0" err="1"/>
+              <a:t>SumProduct</a:t>
+            </a:r>
+            <a:r>
+              <a:rPr lang="es-ES" dirty="0"/>
+              <a:t> suma los productos de los objetos de entrada</a:t>
+            </a:r>
           </a:p>
         </p:txBody>
       </p:sp>
@@ -1478,7 +1649,7 @@
     </p:spTree>
     <p:extLst>
       <p:ext uri="{BB962C8B-B14F-4D97-AF65-F5344CB8AC3E}">
-        <p14:creationId xmlns:p14="http://schemas.microsoft.com/office/powerpoint/2010/main" val="2611748133"/>
+        <p14:creationId xmlns:p14="http://schemas.microsoft.com/office/powerpoint/2010/main" val="2717623907"/>
       </p:ext>
     </p:extLst>
   </p:cSld>
@@ -1532,248 +1703,29 @@
           <a:bodyPr/>
           <a:lstStyle/>
           <a:p>
-            <a:pPr marL="0" marR="0" lvl="0" indent="0" algn="l" defTabSz="914400" rtl="0" eaLnBrk="1" fontAlgn="auto" latinLnBrk="0" hangingPunct="1">
-              <a:lnSpc>
-                <a:spcPct val="100000"/>
-              </a:lnSpc>
-              <a:spcBef>
-                <a:spcPts val="0"/>
-              </a:spcBef>
-              <a:spcAft>
-                <a:spcPts val="0"/>
-              </a:spcAft>
-              <a:buClrTx/>
-              <a:buSzTx/>
-              <a:buFontTx/>
-              <a:buNone/>
-              <a:tabLst/>
-              <a:defRPr/>
-            </a:pPr>
-            <a:r>
-              <a:rPr lang="en-US" dirty="0" err="1"/>
-              <a:t>Ademas</a:t>
-            </a:r>
-            <a:r>
-              <a:rPr lang="en-US" dirty="0"/>
-              <a:t> de las </a:t>
-            </a:r>
-            <a:r>
-              <a:rPr lang="en-US" dirty="0" err="1"/>
-              <a:t>operaciones</a:t>
-            </a:r>
-            <a:r>
-              <a:rPr lang="en-US" dirty="0"/>
-              <a:t> de las </a:t>
-            </a:r>
-            <a:r>
-              <a:rPr lang="en-US" dirty="0" err="1"/>
-              <a:t>restricciones</a:t>
-            </a:r>
-            <a:r>
-              <a:rPr lang="en-US" dirty="0"/>
-              <a:t>  temenos </a:t>
-            </a:r>
-            <a:r>
-              <a:rPr lang="en-US" dirty="0" err="1"/>
-              <a:t>operaciones</a:t>
-            </a:r>
-            <a:r>
-              <a:rPr lang="en-US" dirty="0"/>
-              <a:t> </a:t>
-            </a:r>
-          </a:p>
-          <a:p>
-            <a:pPr marL="0" marR="0" lvl="0" indent="0" algn="l" defTabSz="914400" rtl="0" eaLnBrk="1" fontAlgn="auto" latinLnBrk="0" hangingPunct="1">
-              <a:lnSpc>
-                <a:spcPct val="100000"/>
-              </a:lnSpc>
-              <a:spcBef>
-                <a:spcPts val="0"/>
-              </a:spcBef>
-              <a:spcAft>
-                <a:spcPts val="0"/>
-              </a:spcAft>
-              <a:buClrTx/>
-              <a:buSzTx/>
-              <a:buFontTx/>
-              <a:buNone/>
-              <a:tabLst/>
-              <a:defRPr/>
-            </a:pPr>
-            <a:r>
-              <a:rPr lang="en-US" dirty="0"/>
-              <a:t>And y Or </a:t>
-            </a:r>
-            <a:r>
-              <a:rPr lang="en-US" dirty="0" err="1"/>
-              <a:t>logicos</a:t>
-            </a:r>
-            <a:r>
-              <a:rPr lang="en-US" dirty="0"/>
-              <a:t> de los </a:t>
-            </a:r>
-            <a:r>
-              <a:rPr lang="en-US" dirty="0" err="1"/>
-              <a:t>elementos</a:t>
-            </a:r>
-            <a:r>
-              <a:rPr lang="en-US" dirty="0"/>
-              <a:t> de entrada</a:t>
-            </a:r>
-          </a:p>
-          <a:p>
-            <a:pPr marL="0" marR="0" lvl="0" indent="0" algn="l" defTabSz="914400" rtl="0" eaLnBrk="1" fontAlgn="auto" latinLnBrk="0" hangingPunct="1">
-              <a:lnSpc>
-                <a:spcPct val="100000"/>
-              </a:lnSpc>
-              <a:spcBef>
-                <a:spcPts val="0"/>
-              </a:spcBef>
-              <a:spcAft>
-                <a:spcPts val="0"/>
-              </a:spcAft>
-              <a:buClrTx/>
-              <a:buSzTx/>
-              <a:buFontTx/>
-              <a:buNone/>
-              <a:tabLst/>
-              <a:defRPr/>
-            </a:pPr>
-            <a:r>
-              <a:rPr lang="en-US" dirty="0" err="1"/>
-              <a:t>FilteredSum</a:t>
-            </a:r>
-            <a:r>
-              <a:rPr lang="en-US" dirty="0"/>
-              <a:t> </a:t>
-            </a:r>
-            <a:r>
-              <a:rPr lang="en-US" dirty="0" err="1"/>
-              <a:t>Sumamos</a:t>
-            </a:r>
-            <a:r>
-              <a:rPr lang="en-US" dirty="0"/>
-              <a:t> los terminus que </a:t>
-            </a:r>
-            <a:r>
-              <a:rPr lang="en-US" dirty="0" err="1"/>
-              <a:t>cumplan</a:t>
-            </a:r>
-            <a:r>
-              <a:rPr lang="en-US" dirty="0"/>
-              <a:t> la </a:t>
-            </a:r>
-            <a:r>
-              <a:rPr lang="en-US" dirty="0" err="1"/>
-              <a:t>condicion</a:t>
-            </a:r>
-            <a:r>
-              <a:rPr lang="en-US" dirty="0"/>
-              <a:t>, </a:t>
-            </a:r>
-            <a:r>
-              <a:rPr lang="en-US" dirty="0" err="1"/>
-              <a:t>pide</a:t>
-            </a:r>
-            <a:r>
-              <a:rPr lang="en-US" dirty="0"/>
-              <a:t> que los dos arrays </a:t>
-            </a:r>
-            <a:r>
-              <a:rPr lang="en-US" dirty="0" err="1"/>
-              <a:t>sean</a:t>
-            </a:r>
-            <a:r>
-              <a:rPr lang="en-US" dirty="0"/>
-              <a:t> del </a:t>
-            </a:r>
-            <a:r>
-              <a:rPr lang="en-US" dirty="0" err="1"/>
-              <a:t>mismo</a:t>
-            </a:r>
-            <a:r>
-              <a:rPr lang="en-US" dirty="0"/>
-              <a:t> </a:t>
-            </a:r>
-            <a:r>
-              <a:rPr lang="en-US" dirty="0" err="1"/>
-              <a:t>tamaño</a:t>
-            </a:r>
-            <a:r>
-              <a:rPr lang="en-US" dirty="0"/>
-              <a:t> y se </a:t>
-            </a:r>
-            <a:r>
-              <a:rPr lang="en-US" dirty="0" err="1"/>
-              <a:t>evalua</a:t>
-            </a:r>
-            <a:r>
-              <a:rPr lang="en-US" dirty="0"/>
-              <a:t> </a:t>
-            </a:r>
-            <a:r>
-              <a:rPr lang="en-US" dirty="0" err="1"/>
-              <a:t>si</a:t>
-            </a:r>
-            <a:r>
-              <a:rPr lang="en-US" dirty="0"/>
-              <a:t> </a:t>
-            </a:r>
-            <a:r>
-              <a:rPr lang="en-US" dirty="0" err="1"/>
-              <a:t>cada</a:t>
-            </a:r>
-            <a:r>
-              <a:rPr lang="en-US" dirty="0"/>
-              <a:t> </a:t>
-            </a:r>
-            <a:r>
-              <a:rPr lang="en-US" dirty="0" err="1"/>
-              <a:t>termino</a:t>
-            </a:r>
-            <a:r>
-              <a:rPr lang="en-US" dirty="0"/>
-              <a:t> </a:t>
-            </a:r>
-            <a:r>
-              <a:rPr lang="en-US" dirty="0" err="1"/>
-              <a:t>cumple</a:t>
-            </a:r>
-            <a:r>
-              <a:rPr lang="en-US" dirty="0"/>
-              <a:t> </a:t>
-            </a:r>
-            <a:r>
-              <a:rPr lang="en-US" dirty="0" err="1"/>
-              <a:t>su</a:t>
-            </a:r>
-            <a:r>
-              <a:rPr lang="en-US" dirty="0"/>
-              <a:t> </a:t>
-            </a:r>
-            <a:r>
-              <a:rPr lang="en-US" dirty="0" err="1"/>
-              <a:t>condición</a:t>
-            </a:r>
-            <a:r>
-              <a:rPr lang="en-US" dirty="0"/>
-              <a:t> </a:t>
-            </a:r>
-            <a:r>
-              <a:rPr lang="en-US" dirty="0" err="1"/>
-              <a:t>asociada</a:t>
-            </a:r>
-            <a:endParaRPr lang="en-US" dirty="0"/>
-          </a:p>
-          <a:p>
+            <a:r>
+              <a:rPr lang="es-ES" dirty="0"/>
+              <a:t>Para resolver el modelo tenemos que invocar el método </a:t>
+            </a:r>
             <a:r>
               <a:rPr lang="es-ES" dirty="0" err="1"/>
-              <a:t>SumProduct</a:t>
-            </a:r>
-            <a:r>
-              <a:rPr lang="es-ES" dirty="0"/>
-              <a:t> suma los productos de los objetos de entrada</a:t>
-            </a:r>
+              <a:t>Solve</a:t>
+            </a:r>
+            <a:r>
+              <a:rPr lang="es-ES" dirty="0"/>
+              <a:t>, una vez que procesa y resuelve el modelo, o no, podemos consultar si ha encontrado solución la calidad de la solución.</a:t>
+            </a:r>
+          </a:p>
+          <a:p>
+            <a:r>
+              <a:rPr lang="es-ES" dirty="0"/>
+              <a:t>Cuando resuelve el modelo las variables de decisión se modifican y rellenan, por defecto nos va a devolver la primera de las soluciones encontradas, si queremos revisar el resto de soluciones hay que invocar el método </a:t>
+            </a:r>
+            <a:r>
+              <a:rPr lang="es-ES" dirty="0" err="1"/>
+              <a:t>GetNext</a:t>
+            </a:r>
+            <a:endParaRPr lang="es-ES" dirty="0"/>
           </a:p>
         </p:txBody>
       </p:sp>
@@ -1795,112 +1747,6 @@
             <a:fld id="{FCDA2D49-8E2A-4398-9C90-188927C70331}" type="slidenum">
               <a:rPr lang="es-ES" smtClean="0"/>
               <a:t>8</a:t>
-            </a:fld>
-            <a:endParaRPr lang="es-ES"/>
-          </a:p>
-        </p:txBody>
-      </p:sp>
-    </p:spTree>
-    <p:extLst>
-      <p:ext uri="{BB962C8B-B14F-4D97-AF65-F5344CB8AC3E}">
-        <p14:creationId xmlns:p14="http://schemas.microsoft.com/office/powerpoint/2010/main" val="2717623907"/>
-      </p:ext>
-    </p:extLst>
-  </p:cSld>
-  <p:clrMapOvr>
-    <a:masterClrMapping/>
-  </p:clrMapOvr>
-</p:notes>
-</file>
-
-<file path=ppt/notesSlides/notesSlide8.xml><?xml version="1.0" encoding="utf-8"?>
-<p:notes xmlns:a="http://schemas.openxmlformats.org/drawingml/2006/main" xmlns:r="http://schemas.openxmlformats.org/officeDocument/2006/relationships" xmlns:p="http://schemas.openxmlformats.org/presentationml/2006/main">
-  <p:cSld>
-    <p:spTree>
-      <p:nvGrpSpPr>
-        <p:cNvPr id="1" name=""/>
-        <p:cNvGrpSpPr/>
-        <p:nvPr/>
-      </p:nvGrpSpPr>
-      <p:grpSpPr>
-        <a:xfrm>
-          <a:off x="0" y="0"/>
-          <a:ext cx="0" cy="0"/>
-          <a:chOff x="0" y="0"/>
-          <a:chExt cx="0" cy="0"/>
-        </a:xfrm>
-      </p:grpSpPr>
-      <p:sp>
-        <p:nvSpPr>
-          <p:cNvPr id="2" name="Marcador de imagen de diapositiva 1"/>
-          <p:cNvSpPr>
-            <a:spLocks noGrp="1" noRot="1" noChangeAspect="1"/>
-          </p:cNvSpPr>
-          <p:nvPr>
-            <p:ph type="sldImg"/>
-          </p:nvPr>
-        </p:nvSpPr>
-        <p:spPr/>
-      </p:sp>
-      <p:sp>
-        <p:nvSpPr>
-          <p:cNvPr id="3" name="Marcador de notas 2"/>
-          <p:cNvSpPr>
-            <a:spLocks noGrp="1"/>
-          </p:cNvSpPr>
-          <p:nvPr>
-            <p:ph type="body" idx="1"/>
-          </p:nvPr>
-        </p:nvSpPr>
-        <p:spPr/>
-        <p:txBody>
-          <a:bodyPr/>
-          <a:lstStyle/>
-          <a:p>
-            <a:r>
-              <a:rPr lang="es-ES" dirty="0"/>
-              <a:t>Para resolver el modelo tenemos que invocar el método </a:t>
-            </a:r>
-            <a:r>
-              <a:rPr lang="es-ES" dirty="0" err="1"/>
-              <a:t>Solve</a:t>
-            </a:r>
-            <a:r>
-              <a:rPr lang="es-ES" dirty="0"/>
-              <a:t>, una vez que procesa y resuelve el modelo, o no, podemos consultar si ha encontrado solución la calidad de la solución.</a:t>
-            </a:r>
-          </a:p>
-          <a:p>
-            <a:r>
-              <a:rPr lang="es-ES" dirty="0"/>
-              <a:t>Cuando resuelve el modelo las variables de decisión se modifican y rellenan, por defecto nos va a devolver la primera de las soluciones encontradas, si queremos revisar el resto de soluciones hay que invocar el método </a:t>
-            </a:r>
-            <a:r>
-              <a:rPr lang="es-ES" dirty="0" err="1"/>
-              <a:t>GetNext</a:t>
-            </a:r>
-            <a:endParaRPr lang="es-ES" dirty="0"/>
-          </a:p>
-        </p:txBody>
-      </p:sp>
-      <p:sp>
-        <p:nvSpPr>
-          <p:cNvPr id="4" name="Marcador de número de diapositiva 3"/>
-          <p:cNvSpPr>
-            <a:spLocks noGrp="1"/>
-          </p:cNvSpPr>
-          <p:nvPr>
-            <p:ph type="sldNum" sz="quarter" idx="5"/>
-          </p:nvPr>
-        </p:nvSpPr>
-        <p:spPr/>
-        <p:txBody>
-          <a:bodyPr/>
-          <a:lstStyle/>
-          <a:p>
-            <a:fld id="{FCDA2D49-8E2A-4398-9C90-188927C70331}" type="slidenum">
-              <a:rPr lang="es-ES" smtClean="0"/>
-              <a:t>9</a:t>
             </a:fld>
             <a:endParaRPr lang="es-ES"/>
           </a:p>
@@ -2066,7 +1912,7 @@
           <a:p>
             <a:fld id="{EB538E4D-B150-4AC3-BB99-2E0AA2ACAD6A}" type="datetimeFigureOut">
               <a:rPr lang="es-ES" smtClean="0"/>
-              <a:t>12/05/2019</a:t>
+              <a:t>13/05/2019</a:t>
             </a:fld>
             <a:endParaRPr lang="es-ES"/>
           </a:p>
@@ -2264,7 +2110,7 @@
           <a:p>
             <a:fld id="{EB538E4D-B150-4AC3-BB99-2E0AA2ACAD6A}" type="datetimeFigureOut">
               <a:rPr lang="es-ES" smtClean="0"/>
-              <a:t>12/05/2019</a:t>
+              <a:t>13/05/2019</a:t>
             </a:fld>
             <a:endParaRPr lang="es-ES"/>
           </a:p>
@@ -2472,7 +2318,7 @@
           <a:p>
             <a:fld id="{EB538E4D-B150-4AC3-BB99-2E0AA2ACAD6A}" type="datetimeFigureOut">
               <a:rPr lang="es-ES" smtClean="0"/>
-              <a:t>12/05/2019</a:t>
+              <a:t>13/05/2019</a:t>
             </a:fld>
             <a:endParaRPr lang="es-ES"/>
           </a:p>
@@ -2670,7 +2516,7 @@
           <a:p>
             <a:fld id="{EB538E4D-B150-4AC3-BB99-2E0AA2ACAD6A}" type="datetimeFigureOut">
               <a:rPr lang="es-ES" smtClean="0"/>
-              <a:t>12/05/2019</a:t>
+              <a:t>13/05/2019</a:t>
             </a:fld>
             <a:endParaRPr lang="es-ES"/>
           </a:p>
@@ -2945,7 +2791,7 @@
           <a:p>
             <a:fld id="{EB538E4D-B150-4AC3-BB99-2E0AA2ACAD6A}" type="datetimeFigureOut">
               <a:rPr lang="es-ES" smtClean="0"/>
-              <a:t>12/05/2019</a:t>
+              <a:t>13/05/2019</a:t>
             </a:fld>
             <a:endParaRPr lang="es-ES"/>
           </a:p>
@@ -3210,7 +3056,7 @@
           <a:p>
             <a:fld id="{EB538E4D-B150-4AC3-BB99-2E0AA2ACAD6A}" type="datetimeFigureOut">
               <a:rPr lang="es-ES" smtClean="0"/>
-              <a:t>12/05/2019</a:t>
+              <a:t>13/05/2019</a:t>
             </a:fld>
             <a:endParaRPr lang="es-ES"/>
           </a:p>
@@ -3622,7 +3468,7 @@
           <a:p>
             <a:fld id="{EB538E4D-B150-4AC3-BB99-2E0AA2ACAD6A}" type="datetimeFigureOut">
               <a:rPr lang="es-ES" smtClean="0"/>
-              <a:t>12/05/2019</a:t>
+              <a:t>13/05/2019</a:t>
             </a:fld>
             <a:endParaRPr lang="es-ES"/>
           </a:p>
@@ -3763,7 +3609,7 @@
           <a:p>
             <a:fld id="{EB538E4D-B150-4AC3-BB99-2E0AA2ACAD6A}" type="datetimeFigureOut">
               <a:rPr lang="es-ES" smtClean="0"/>
-              <a:t>12/05/2019</a:t>
+              <a:t>13/05/2019</a:t>
             </a:fld>
             <a:endParaRPr lang="es-ES"/>
           </a:p>
@@ -3876,7 +3722,7 @@
           <a:p>
             <a:fld id="{EB538E4D-B150-4AC3-BB99-2E0AA2ACAD6A}" type="datetimeFigureOut">
               <a:rPr lang="es-ES" smtClean="0"/>
-              <a:t>12/05/2019</a:t>
+              <a:t>13/05/2019</a:t>
             </a:fld>
             <a:endParaRPr lang="es-ES"/>
           </a:p>
@@ -4187,7 +4033,7 @@
           <a:p>
             <a:fld id="{EB538E4D-B150-4AC3-BB99-2E0AA2ACAD6A}" type="datetimeFigureOut">
               <a:rPr lang="es-ES" smtClean="0"/>
-              <a:t>12/05/2019</a:t>
+              <a:t>13/05/2019</a:t>
             </a:fld>
             <a:endParaRPr lang="es-ES"/>
           </a:p>
@@ -4475,7 +4321,7 @@
           <a:p>
             <a:fld id="{EB538E4D-B150-4AC3-BB99-2E0AA2ACAD6A}" type="datetimeFigureOut">
               <a:rPr lang="es-ES" smtClean="0"/>
-              <a:t>12/05/2019</a:t>
+              <a:t>13/05/2019</a:t>
             </a:fld>
             <a:endParaRPr lang="es-ES"/>
           </a:p>
@@ -4716,7 +4562,7 @@
           <a:p>
             <a:fld id="{EB538E4D-B150-4AC3-BB99-2E0AA2ACAD6A}" type="datetimeFigureOut">
               <a:rPr lang="es-ES" smtClean="0"/>
-              <a:t>12/05/2019</a:t>
+              <a:t>13/05/2019</a:t>
             </a:fld>
             <a:endParaRPr lang="es-ES"/>
           </a:p>
@@ -5248,7 +5094,7 @@
           <a:p>
             <a:r>
               <a:rPr lang="es-ES" dirty="0"/>
-              <a:t>Ejemplo Calendario partidos</a:t>
+              <a:t>Ejemplo N Reinas</a:t>
             </a:r>
           </a:p>
         </p:txBody>
@@ -5268,7 +5114,7 @@
         <p:spPr>
           <a:xfrm>
             <a:off x="94343" y="1841242"/>
-            <a:ext cx="12003314" cy="5016758"/>
+            <a:ext cx="12003314" cy="4031873"/>
           </a:xfrm>
           <a:prstGeom prst="rect">
             <a:avLst/>
@@ -5437,7 +5283,7 @@
                 </a:solidFill>
                 <a:latin typeface="Consolas" panose="020B0609020204030204" pitchFamily="49" charset="0"/>
               </a:rPr>
-              <a:t> Equipos = </a:t>
+              <a:t> Filas = </a:t>
             </a:r>
             <a:r>
               <a:rPr lang="es-ES" sz="1600" dirty="0" err="1">
@@ -5484,7 +5330,7 @@
                 </a:solidFill>
                 <a:latin typeface="Consolas" panose="020B0609020204030204" pitchFamily="49" charset="0"/>
               </a:rPr>
-              <a:t>[][] partidos = </a:t>
+              <a:t>[] tablero = </a:t>
             </a:r>
             <a:r>
               <a:rPr lang="es-ES" sz="1600" dirty="0" err="1">
@@ -5493,16 +5339,16 @@
                 </a:solidFill>
                 <a:latin typeface="Consolas" panose="020B0609020204030204" pitchFamily="49" charset="0"/>
               </a:rPr>
-              <a:t>S.CreateVariableArray</a:t>
-            </a:r>
-            <a:r>
-              <a:rPr lang="es-ES" sz="1600" dirty="0">
-                <a:solidFill>
-                  <a:srgbClr val="000000"/>
-                </a:solidFill>
-                <a:latin typeface="Consolas" panose="020B0609020204030204" pitchFamily="49" charset="0"/>
-              </a:rPr>
-              <a:t>(Equipos, </a:t>
+              <a:t>S.CreateVariableVector</a:t>
+            </a:r>
+            <a:r>
+              <a:rPr lang="es-ES" sz="1600" dirty="0">
+                <a:solidFill>
+                  <a:srgbClr val="000000"/>
+                </a:solidFill>
+                <a:latin typeface="Consolas" panose="020B0609020204030204" pitchFamily="49" charset="0"/>
+              </a:rPr>
+              <a:t>(Filas, </a:t>
             </a:r>
             <a:r>
               <a:rPr lang="es-ES" sz="1600" dirty="0">
@@ -5511,16 +5357,16 @@
                 </a:solidFill>
                 <a:latin typeface="Consolas" panose="020B0609020204030204" pitchFamily="49" charset="0"/>
               </a:rPr>
-              <a:t>"Oponentes"</a:t>
-            </a:r>
-            <a:r>
-              <a:rPr lang="es-ES" sz="1600" dirty="0">
-                <a:solidFill>
-                  <a:srgbClr val="000000"/>
-                </a:solidFill>
-                <a:latin typeface="Consolas" panose="020B0609020204030204" pitchFamily="49" charset="0"/>
-              </a:rPr>
-              <a:t>, N, N - 1);</a:t>
+              <a:t>"Tablero"</a:t>
+            </a:r>
+            <a:r>
+              <a:rPr lang="es-ES" sz="1600" dirty="0">
+                <a:solidFill>
+                  <a:srgbClr val="000000"/>
+                </a:solidFill>
+                <a:latin typeface="Consolas" panose="020B0609020204030204" pitchFamily="49" charset="0"/>
+              </a:rPr>
+              <a:t>, N);</a:t>
             </a:r>
           </a:p>
           <a:p>
@@ -5533,7 +5379,7 @@
           </a:p>
           <a:p>
             <a:r>
-              <a:rPr lang="es-ES" sz="1600" dirty="0">
+              <a:rPr lang="nn-NO" sz="1600" dirty="0">
                 <a:solidFill>
                   <a:srgbClr val="000000"/>
                 </a:solidFill>
@@ -5542,7 +5388,7 @@
               <a:t>    </a:t>
             </a:r>
             <a:r>
-              <a:rPr lang="es-ES" sz="1600" dirty="0" err="1">
+              <a:rPr lang="nn-NO" sz="1600" dirty="0">
                 <a:solidFill>
                   <a:srgbClr val="0000FF"/>
                 </a:solidFill>
@@ -5551,7 +5397,7 @@
               <a:t>for</a:t>
             </a:r>
             <a:r>
-              <a:rPr lang="es-ES" sz="1600" dirty="0">
+              <a:rPr lang="nn-NO" sz="1600" dirty="0">
                 <a:solidFill>
                   <a:srgbClr val="000000"/>
                 </a:solidFill>
@@ -5560,7 +5406,7 @@
               <a:t> (</a:t>
             </a:r>
             <a:r>
-              <a:rPr lang="es-ES" sz="1600" dirty="0" err="1">
+              <a:rPr lang="nn-NO" sz="1600" dirty="0">
                 <a:solidFill>
                   <a:srgbClr val="0000FF"/>
                 </a:solidFill>
@@ -5569,71 +5415,13 @@
               <a:t>int</a:t>
             </a:r>
             <a:r>
-              <a:rPr lang="es-ES" sz="1600" dirty="0">
-                <a:solidFill>
-                  <a:srgbClr val="000000"/>
-                </a:solidFill>
-                <a:latin typeface="Consolas" panose="020B0609020204030204" pitchFamily="49" charset="0"/>
-              </a:rPr>
-              <a:t> t = 0; t &lt; N; t++)</a:t>
-            </a:r>
-          </a:p>
-          <a:p>
-            <a:r>
-              <a:rPr lang="es-ES" sz="1600" dirty="0">
-                <a:solidFill>
-                  <a:srgbClr val="000000"/>
-                </a:solidFill>
-                <a:latin typeface="Consolas" panose="020B0609020204030204" pitchFamily="49" charset="0"/>
-              </a:rPr>
-              <a:t>    {</a:t>
-            </a:r>
-          </a:p>
-          <a:p>
-            <a:r>
-              <a:rPr lang="es-ES" sz="1600" dirty="0">
-                <a:solidFill>
-                  <a:srgbClr val="000000"/>
-                </a:solidFill>
-                <a:latin typeface="Consolas" panose="020B0609020204030204" pitchFamily="49" charset="0"/>
-              </a:rPr>
-              <a:t>        </a:t>
-            </a:r>
-            <a:r>
-              <a:rPr lang="es-ES" sz="1600" dirty="0" err="1">
-                <a:solidFill>
-                  <a:srgbClr val="000000"/>
-                </a:solidFill>
-                <a:latin typeface="Consolas" panose="020B0609020204030204" pitchFamily="49" charset="0"/>
-              </a:rPr>
-              <a:t>S.AddConstraints</a:t>
-            </a:r>
-            <a:r>
-              <a:rPr lang="es-ES" sz="1600" dirty="0">
-                <a:solidFill>
-                  <a:srgbClr val="000000"/>
-                </a:solidFill>
-                <a:latin typeface="Consolas" panose="020B0609020204030204" pitchFamily="49" charset="0"/>
-              </a:rPr>
-              <a:t>(                   </a:t>
-            </a:r>
-            <a:r>
-              <a:rPr lang="es-ES" sz="1600" dirty="0">
-                <a:solidFill>
-                  <a:srgbClr val="008000"/>
-                </a:solidFill>
-                <a:latin typeface="Consolas" panose="020B0609020204030204" pitchFamily="49" charset="0"/>
-              </a:rPr>
-              <a:t>// Agregamos las </a:t>
-            </a:r>
-            <a:r>
-              <a:rPr lang="es-ES" sz="1600" dirty="0" err="1">
-                <a:solidFill>
-                  <a:srgbClr val="008000"/>
-                </a:solidFill>
-                <a:latin typeface="Consolas" panose="020B0609020204030204" pitchFamily="49" charset="0"/>
-              </a:rPr>
-              <a:t>constraints</a:t>
+              <a:rPr lang="nn-NO" sz="1600" dirty="0">
+                <a:solidFill>
+                  <a:srgbClr val="000000"/>
+                </a:solidFill>
+                <a:latin typeface="Consolas" panose="020B0609020204030204" pitchFamily="49" charset="0"/>
+              </a:rPr>
+              <a:t> i = 0; i &lt; N; i++)</a:t>
             </a:r>
             <a:endParaRPr lang="es-ES" sz="1600" dirty="0">
               <a:solidFill>
@@ -5644,40 +5432,49 @@
           </a:p>
           <a:p>
             <a:r>
-              <a:rPr lang="es-ES" sz="1600" dirty="0">
-                <a:solidFill>
-                  <a:srgbClr val="000000"/>
-                </a:solidFill>
-                <a:latin typeface="Consolas" panose="020B0609020204030204" pitchFamily="49" charset="0"/>
-              </a:rPr>
-              <a:t>          </a:t>
-            </a:r>
-            <a:r>
-              <a:rPr lang="es-ES" sz="1600" dirty="0" err="1">
-                <a:solidFill>
-                  <a:srgbClr val="000000"/>
-                </a:solidFill>
-                <a:latin typeface="Consolas" panose="020B0609020204030204" pitchFamily="49" charset="0"/>
-              </a:rPr>
-              <a:t>S.Unequal</a:t>
-            </a:r>
-            <a:r>
-              <a:rPr lang="es-ES" sz="1600" dirty="0">
-                <a:solidFill>
-                  <a:srgbClr val="000000"/>
-                </a:solidFill>
-                <a:latin typeface="Consolas" panose="020B0609020204030204" pitchFamily="49" charset="0"/>
-              </a:rPr>
-              <a:t>(t, partidos[t]),        </a:t>
-            </a:r>
-            <a:r>
-              <a:rPr lang="es-ES" sz="1600" dirty="0">
-                <a:solidFill>
-                  <a:srgbClr val="008000"/>
-                </a:solidFill>
-                <a:latin typeface="Consolas" panose="020B0609020204030204" pitchFamily="49" charset="0"/>
-              </a:rPr>
-              <a:t>// Un equipo no puede jugar consigo mismo</a:t>
+              <a:rPr lang="nb-NO" sz="1600" dirty="0">
+                <a:solidFill>
+                  <a:srgbClr val="000000"/>
+                </a:solidFill>
+                <a:latin typeface="Consolas" panose="020B0609020204030204" pitchFamily="49" charset="0"/>
+              </a:rPr>
+              <a:t>        </a:t>
+            </a:r>
+            <a:r>
+              <a:rPr lang="nb-NO" sz="1600" dirty="0">
+                <a:solidFill>
+                  <a:srgbClr val="0000FF"/>
+                </a:solidFill>
+                <a:latin typeface="Consolas" panose="020B0609020204030204" pitchFamily="49" charset="0"/>
+              </a:rPr>
+              <a:t>for</a:t>
+            </a:r>
+            <a:r>
+              <a:rPr lang="nb-NO" sz="1600" dirty="0">
+                <a:solidFill>
+                  <a:srgbClr val="000000"/>
+                </a:solidFill>
+                <a:latin typeface="Consolas" panose="020B0609020204030204" pitchFamily="49" charset="0"/>
+              </a:rPr>
+              <a:t> (</a:t>
+            </a:r>
+            <a:r>
+              <a:rPr lang="nb-NO" sz="1600" dirty="0">
+                <a:solidFill>
+                  <a:srgbClr val="0000FF"/>
+                </a:solidFill>
+                <a:latin typeface="Consolas" panose="020B0609020204030204" pitchFamily="49" charset="0"/>
+              </a:rPr>
+              <a:t>int</a:t>
+            </a:r>
+            <a:r>
+              <a:rPr lang="nb-NO" sz="1600" dirty="0">
+                <a:solidFill>
+                  <a:srgbClr val="000000"/>
+                </a:solidFill>
+                <a:latin typeface="Consolas" panose="020B0609020204030204" pitchFamily="49" charset="0"/>
+              </a:rPr>
+              <a:t> j = i + 1; j &lt; N; j++)</a:t>
             </a:r>
             <a:endParaRPr lang="es-ES" sz="1600" dirty="0">
               <a:solidFill>
@@ -5694,7 +5491,7 @@
                 </a:solidFill>
                 <a:latin typeface="Consolas" panose="020B0609020204030204" pitchFamily="49" charset="0"/>
               </a:rPr>
-              <a:t>          </a:t>
+              <a:t>            </a:t>
             </a:r>
             <a:r>
               <a:rPr lang="es-ES" sz="1600" dirty="0" err="1">
@@ -5703,16 +5500,45 @@
                 </a:solidFill>
                 <a:latin typeface="Consolas" panose="020B0609020204030204" pitchFamily="49" charset="0"/>
               </a:rPr>
-              <a:t>S.Equal</a:t>
-            </a:r>
-            <a:r>
-              <a:rPr lang="es-ES" sz="1600" dirty="0">
-                <a:solidFill>
-                  <a:srgbClr val="000000"/>
-                </a:solidFill>
-                <a:latin typeface="Consolas" panose="020B0609020204030204" pitchFamily="49" charset="0"/>
-              </a:rPr>
-              <a:t>(t ^ 1, partidos[t][0])    </a:t>
+              <a:t>S.AddConstraints</a:t>
+            </a:r>
+            <a:r>
+              <a:rPr lang="es-ES" sz="1600" dirty="0">
+                <a:solidFill>
+                  <a:srgbClr val="000000"/>
+                </a:solidFill>
+                <a:latin typeface="Consolas" panose="020B0609020204030204" pitchFamily="49" charset="0"/>
+              </a:rPr>
+              <a:t>(</a:t>
+            </a:r>
+          </a:p>
+          <a:p>
+            <a:r>
+              <a:rPr lang="es-ES" sz="1600" dirty="0">
+                <a:solidFill>
+                  <a:srgbClr val="000000"/>
+                </a:solidFill>
+                <a:latin typeface="Consolas" panose="020B0609020204030204" pitchFamily="49" charset="0"/>
+              </a:rPr>
+              <a:t>                </a:t>
+            </a:r>
+            <a:r>
+              <a:rPr lang="es-ES" sz="1600" dirty="0" err="1">
+                <a:solidFill>
+                  <a:srgbClr val="000000"/>
+                </a:solidFill>
+                <a:latin typeface="Consolas" panose="020B0609020204030204" pitchFamily="49" charset="0"/>
+              </a:rPr>
+              <a:t>S.Unequal</a:t>
+            </a:r>
+            <a:r>
+              <a:rPr lang="es-ES" sz="1600" dirty="0">
+                <a:solidFill>
+                  <a:srgbClr val="000000"/>
+                </a:solidFill>
+                <a:latin typeface="Consolas" panose="020B0609020204030204" pitchFamily="49" charset="0"/>
+              </a:rPr>
+              <a:t>(tablero[i], tablero[j]) </a:t>
             </a:r>
             <a:r>
               <a:rPr lang="es-ES" sz="1600" dirty="0">
@@ -5721,7 +5547,7 @@
                 </a:solidFill>
                 <a:latin typeface="Consolas" panose="020B0609020204030204" pitchFamily="49" charset="0"/>
               </a:rPr>
-              <a:t>// la primera ronda se emparejan pares con impares</a:t>
+              <a:t>// Fila</a:t>
             </a:r>
             <a:endParaRPr lang="es-ES" sz="1600" dirty="0">
               <a:solidFill>
@@ -5738,21 +5564,35 @@
                 </a:solidFill>
                 <a:latin typeface="Consolas" panose="020B0609020204030204" pitchFamily="49" charset="0"/>
               </a:rPr>
-              <a:t>        );</a:t>
-            </a:r>
-          </a:p>
-          <a:p>
-            <a:r>
-              <a:rPr lang="es-ES" sz="1600" dirty="0">
-                <a:solidFill>
-                  <a:srgbClr val="000000"/>
-                </a:solidFill>
-                <a:latin typeface="Consolas" panose="020B0609020204030204" pitchFamily="49" charset="0"/>
-              </a:rPr>
-              <a:t>    }</a:t>
-            </a:r>
-          </a:p>
-          <a:p>
+              <a:t>                , </a:t>
+            </a:r>
+            <a:r>
+              <a:rPr lang="es-ES" sz="1600" dirty="0" err="1">
+                <a:solidFill>
+                  <a:srgbClr val="000000"/>
+                </a:solidFill>
+                <a:latin typeface="Consolas" panose="020B0609020204030204" pitchFamily="49" charset="0"/>
+              </a:rPr>
+              <a:t>S.Unequal</a:t>
+            </a:r>
+            <a:r>
+              <a:rPr lang="es-ES" sz="1600" dirty="0">
+                <a:solidFill>
+                  <a:srgbClr val="000000"/>
+                </a:solidFill>
+                <a:latin typeface="Consolas" panose="020B0609020204030204" pitchFamily="49" charset="0"/>
+              </a:rPr>
+              <a:t>(tablero[j] + (j - i), tablero[i]) </a:t>
+            </a:r>
+            <a:r>
+              <a:rPr lang="es-ES" sz="1600" dirty="0">
+                <a:solidFill>
+                  <a:srgbClr val="008000"/>
+                </a:solidFill>
+                <a:latin typeface="Consolas" panose="020B0609020204030204" pitchFamily="49" charset="0"/>
+              </a:rPr>
+              <a:t>// Diagonal 1</a:t>
+            </a:r>
             <a:endParaRPr lang="es-ES" sz="1600" dirty="0">
               <a:solidFill>
                 <a:srgbClr val="000000"/>
@@ -5762,71 +5602,13 @@
           </a:p>
           <a:p>
             <a:r>
-              <a:rPr lang="pl-PL" sz="1600" dirty="0">
-                <a:solidFill>
-                  <a:srgbClr val="000000"/>
-                </a:solidFill>
-                <a:latin typeface="Consolas" panose="020B0609020204030204" pitchFamily="49" charset="0"/>
-              </a:rPr>
-              <a:t>    </a:t>
-            </a:r>
-            <a:r>
-              <a:rPr lang="pl-PL" sz="1600" dirty="0">
-                <a:solidFill>
-                  <a:srgbClr val="0000FF"/>
-                </a:solidFill>
-                <a:latin typeface="Consolas" panose="020B0609020204030204" pitchFamily="49" charset="0"/>
-              </a:rPr>
-              <a:t>for</a:t>
-            </a:r>
-            <a:r>
-              <a:rPr lang="pl-PL" sz="1600" dirty="0">
-                <a:solidFill>
-                  <a:srgbClr val="000000"/>
-                </a:solidFill>
-                <a:latin typeface="Consolas" panose="020B0609020204030204" pitchFamily="49" charset="0"/>
-              </a:rPr>
-              <a:t> (</a:t>
-            </a:r>
-            <a:r>
-              <a:rPr lang="pl-PL" sz="1600" dirty="0">
-                <a:solidFill>
-                  <a:srgbClr val="0000FF"/>
-                </a:solidFill>
-                <a:latin typeface="Consolas" panose="020B0609020204030204" pitchFamily="49" charset="0"/>
-              </a:rPr>
-              <a:t>int</a:t>
-            </a:r>
-            <a:r>
-              <a:rPr lang="pl-PL" sz="1600" dirty="0">
-                <a:solidFill>
-                  <a:srgbClr val="000000"/>
-                </a:solidFill>
-                <a:latin typeface="Consolas" panose="020B0609020204030204" pitchFamily="49" charset="0"/>
-              </a:rPr>
-              <a:t> w = 0; w &lt; N - 1; w++)</a:t>
-            </a:r>
-          </a:p>
-          <a:p>
-            <a:r>
-              <a:rPr lang="es-ES" sz="1600" dirty="0">
-                <a:solidFill>
-                  <a:srgbClr val="000000"/>
-                </a:solidFill>
-                <a:latin typeface="Consolas" panose="020B0609020204030204" pitchFamily="49" charset="0"/>
-              </a:rPr>
-              <a:t>    {</a:t>
-            </a:r>
-          </a:p>
-          <a:p>
-            <a:r>
-              <a:rPr lang="es-ES" sz="1600" dirty="0">
-                <a:solidFill>
-                  <a:srgbClr val="000000"/>
-                </a:solidFill>
-                <a:latin typeface="Consolas" panose="020B0609020204030204" pitchFamily="49" charset="0"/>
-              </a:rPr>
-              <a:t>       </a:t>
+              <a:rPr lang="es-ES" sz="1600" dirty="0">
+                <a:solidFill>
+                  <a:srgbClr val="000000"/>
+                </a:solidFill>
+                <a:latin typeface="Consolas" panose="020B0609020204030204" pitchFamily="49" charset="0"/>
+              </a:rPr>
+              <a:t>                , </a:t>
             </a:r>
             <a:r>
               <a:rPr lang="es-ES" sz="1600" dirty="0" err="1">
@@ -5835,24 +5617,6 @@
                 </a:solidFill>
                 <a:latin typeface="Consolas" panose="020B0609020204030204" pitchFamily="49" charset="0"/>
               </a:rPr>
-              <a:t>S.AddConstraints</a:t>
-            </a:r>
-            <a:r>
-              <a:rPr lang="es-ES" sz="1600" dirty="0">
-                <a:solidFill>
-                  <a:srgbClr val="000000"/>
-                </a:solidFill>
-                <a:latin typeface="Consolas" panose="020B0609020204030204" pitchFamily="49" charset="0"/>
-              </a:rPr>
-              <a:t>(</a:t>
-            </a:r>
-            <a:r>
-              <a:rPr lang="es-ES" sz="1600" dirty="0" err="1">
-                <a:solidFill>
-                  <a:srgbClr val="000000"/>
-                </a:solidFill>
-                <a:latin typeface="Consolas" panose="020B0609020204030204" pitchFamily="49" charset="0"/>
-              </a:rPr>
               <a:t>S.Unequal</a:t>
             </a:r>
             <a:r>
@@ -5862,25 +5626,7 @@
                 </a:solidFill>
                 <a:latin typeface="Consolas" panose="020B0609020204030204" pitchFamily="49" charset="0"/>
               </a:rPr>
-              <a:t>(</a:t>
-            </a:r>
-            <a:r>
-              <a:rPr lang="es-ES" sz="1600" dirty="0" err="1">
-                <a:solidFill>
-                  <a:srgbClr val="000000"/>
-                </a:solidFill>
-                <a:latin typeface="Consolas" panose="020B0609020204030204" pitchFamily="49" charset="0"/>
-              </a:rPr>
-              <a:t>GetColumn</a:t>
-            </a:r>
-            <a:r>
-              <a:rPr lang="es-ES" sz="1600" dirty="0">
-                <a:solidFill>
-                  <a:srgbClr val="000000"/>
-                </a:solidFill>
-                <a:latin typeface="Consolas" panose="020B0609020204030204" pitchFamily="49" charset="0"/>
-              </a:rPr>
-              <a:t>(partidos, w))); </a:t>
+              <a:t>(tablero[j] - (j - i), tablero[i]) </a:t>
             </a:r>
             <a:r>
               <a:rPr lang="es-ES" sz="1600" dirty="0">
@@ -5889,7 +5635,7 @@
                 </a:solidFill>
                 <a:latin typeface="Consolas" panose="020B0609020204030204" pitchFamily="49" charset="0"/>
               </a:rPr>
-              <a:t>// cada equipo solo juega una vez cada jornada</a:t>
+              <a:t>// Diagonal 2</a:t>
             </a:r>
             <a:endParaRPr lang="es-ES" sz="1600" dirty="0">
               <a:solidFill>
@@ -5906,7 +5652,72 @@
                 </a:solidFill>
                 <a:latin typeface="Consolas" panose="020B0609020204030204" pitchFamily="49" charset="0"/>
               </a:rPr>
-              <a:t>    }</a:t>
+              <a:t>                );</a:t>
+            </a:r>
+          </a:p>
+          <a:p>
+            <a:r>
+              <a:rPr lang="es-ES" sz="1600" dirty="0">
+                <a:solidFill>
+                  <a:srgbClr val="000000"/>
+                </a:solidFill>
+                <a:latin typeface="Consolas" panose="020B0609020204030204" pitchFamily="49" charset="0"/>
+              </a:rPr>
+              <a:t>    </a:t>
+            </a:r>
+            <a:r>
+              <a:rPr lang="es-ES" sz="1600" dirty="0" err="1">
+                <a:solidFill>
+                  <a:srgbClr val="0000FF"/>
+                </a:solidFill>
+                <a:latin typeface="Consolas" panose="020B0609020204030204" pitchFamily="49" charset="0"/>
+              </a:rPr>
+              <a:t>bool</a:t>
+            </a:r>
+            <a:r>
+              <a:rPr lang="es-ES" sz="1600" dirty="0">
+                <a:solidFill>
+                  <a:srgbClr val="000000"/>
+                </a:solidFill>
+                <a:latin typeface="Consolas" panose="020B0609020204030204" pitchFamily="49" charset="0"/>
+              </a:rPr>
+              <a:t> </a:t>
+            </a:r>
+            <a:r>
+              <a:rPr lang="es-ES" sz="1600" dirty="0" err="1">
+                <a:solidFill>
+                  <a:srgbClr val="000000"/>
+                </a:solidFill>
+                <a:latin typeface="Consolas" panose="020B0609020204030204" pitchFamily="49" charset="0"/>
+              </a:rPr>
+              <a:t>unsolved</a:t>
+            </a:r>
+            <a:r>
+              <a:rPr lang="es-ES" sz="1600" dirty="0">
+                <a:solidFill>
+                  <a:srgbClr val="000000"/>
+                </a:solidFill>
+                <a:latin typeface="Consolas" panose="020B0609020204030204" pitchFamily="49" charset="0"/>
+              </a:rPr>
+              <a:t> = </a:t>
+            </a:r>
+            <a:r>
+              <a:rPr lang="es-ES" sz="1600" dirty="0">
+                <a:solidFill>
+                  <a:srgbClr val="0000FF"/>
+                </a:solidFill>
+                <a:latin typeface="Consolas" panose="020B0609020204030204" pitchFamily="49" charset="0"/>
+              </a:rPr>
+              <a:t>true</a:t>
+            </a:r>
+            <a:r>
+              <a:rPr lang="es-ES" sz="1600" dirty="0">
+                <a:solidFill>
+                  <a:srgbClr val="000000"/>
+                </a:solidFill>
+                <a:latin typeface="Consolas" panose="020B0609020204030204" pitchFamily="49" charset="0"/>
+              </a:rPr>
+              <a:t>;</a:t>
             </a:r>
           </a:p>
           <a:p>
@@ -5991,7 +5802,7 @@
     </p:spTree>
     <p:extLst>
       <p:ext uri="{BB962C8B-B14F-4D97-AF65-F5344CB8AC3E}">
-        <p14:creationId xmlns:p14="http://schemas.microsoft.com/office/powerpoint/2010/main" val="1783863969"/>
+        <p14:creationId xmlns:p14="http://schemas.microsoft.com/office/powerpoint/2010/main" val="389766790"/>
       </p:ext>
     </p:extLst>
   </p:cSld>
@@ -6041,764 +5852,6 @@
           <a:p>
             <a:r>
               <a:rPr lang="es-ES" dirty="0"/>
-              <a:t>Ejemplo N Reinas</a:t>
-            </a:r>
-          </a:p>
-        </p:txBody>
-      </p:sp>
-      <p:sp>
-        <p:nvSpPr>
-          <p:cNvPr id="8" name="Rectángulo 7">
-            <a:extLst>
-              <a:ext uri="{FF2B5EF4-FFF2-40B4-BE49-F238E27FC236}">
-                <a16:creationId xmlns:a16="http://schemas.microsoft.com/office/drawing/2014/main" id="{542D0EB3-CC32-41E1-912C-B40690212E56}"/>
-              </a:ext>
-            </a:extLst>
-          </p:cNvPr>
-          <p:cNvSpPr/>
-          <p:nvPr/>
-        </p:nvSpPr>
-        <p:spPr>
-          <a:xfrm>
-            <a:off x="94343" y="1841242"/>
-            <a:ext cx="12003314" cy="4031873"/>
-          </a:xfrm>
-          <a:prstGeom prst="rect">
-            <a:avLst/>
-          </a:prstGeom>
-        </p:spPr>
-        <p:txBody>
-          <a:bodyPr wrap="square">
-            <a:spAutoFit/>
-          </a:bodyPr>
-          <a:lstStyle/>
-          <a:p>
-            <a:r>
-              <a:rPr lang="en-US" sz="1600" dirty="0">
-                <a:solidFill>
-                  <a:srgbClr val="0000FF"/>
-                </a:solidFill>
-                <a:latin typeface="Consolas" panose="020B0609020204030204" pitchFamily="49" charset="0"/>
-              </a:rPr>
-              <a:t>public</a:t>
-            </a:r>
-            <a:r>
-              <a:rPr lang="en-US" sz="1600" dirty="0">
-                <a:solidFill>
-                  <a:srgbClr val="000000"/>
-                </a:solidFill>
-                <a:latin typeface="Consolas" panose="020B0609020204030204" pitchFamily="49" charset="0"/>
-              </a:rPr>
-              <a:t> </a:t>
-            </a:r>
-            <a:r>
-              <a:rPr lang="en-US" sz="1600" dirty="0">
-                <a:solidFill>
-                  <a:srgbClr val="0000FF"/>
-                </a:solidFill>
-                <a:latin typeface="Consolas" panose="020B0609020204030204" pitchFamily="49" charset="0"/>
-              </a:rPr>
-              <a:t>static</a:t>
-            </a:r>
-            <a:r>
-              <a:rPr lang="en-US" sz="1600" dirty="0">
-                <a:solidFill>
-                  <a:srgbClr val="000000"/>
-                </a:solidFill>
-                <a:latin typeface="Consolas" panose="020B0609020204030204" pitchFamily="49" charset="0"/>
-              </a:rPr>
-              <a:t> </a:t>
-            </a:r>
-            <a:r>
-              <a:rPr lang="en-US" sz="1600" dirty="0">
-                <a:solidFill>
-                  <a:srgbClr val="0000FF"/>
-                </a:solidFill>
-                <a:latin typeface="Consolas" panose="020B0609020204030204" pitchFamily="49" charset="0"/>
-              </a:rPr>
-              <a:t>void</a:t>
-            </a:r>
-            <a:r>
-              <a:rPr lang="en-US" sz="1600" dirty="0">
-                <a:solidFill>
-                  <a:srgbClr val="000000"/>
-                </a:solidFill>
-                <a:latin typeface="Consolas" panose="020B0609020204030204" pitchFamily="49" charset="0"/>
-              </a:rPr>
-              <a:t> Run(</a:t>
-            </a:r>
-            <a:r>
-              <a:rPr lang="en-US" sz="1600" dirty="0">
-                <a:solidFill>
-                  <a:srgbClr val="0000FF"/>
-                </a:solidFill>
-                <a:latin typeface="Consolas" panose="020B0609020204030204" pitchFamily="49" charset="0"/>
-              </a:rPr>
-              <a:t>int</a:t>
-            </a:r>
-            <a:r>
-              <a:rPr lang="en-US" sz="1600" dirty="0">
-                <a:solidFill>
-                  <a:srgbClr val="000000"/>
-                </a:solidFill>
-                <a:latin typeface="Consolas" panose="020B0609020204030204" pitchFamily="49" charset="0"/>
-              </a:rPr>
-              <a:t> N)</a:t>
-            </a:r>
-          </a:p>
-          <a:p>
-            <a:r>
-              <a:rPr lang="es-ES" sz="1600" dirty="0">
-                <a:solidFill>
-                  <a:srgbClr val="000000"/>
-                </a:solidFill>
-                <a:latin typeface="Consolas" panose="020B0609020204030204" pitchFamily="49" charset="0"/>
-              </a:rPr>
-              <a:t>{</a:t>
-            </a:r>
-          </a:p>
-          <a:p>
-            <a:r>
-              <a:rPr lang="es-ES" sz="1600" dirty="0">
-                <a:solidFill>
-                  <a:srgbClr val="000000"/>
-                </a:solidFill>
-                <a:latin typeface="Consolas" panose="020B0609020204030204" pitchFamily="49" charset="0"/>
-              </a:rPr>
-              <a:t>    </a:t>
-            </a:r>
-            <a:r>
-              <a:rPr lang="es-ES" sz="1600" dirty="0" err="1">
-                <a:solidFill>
-                  <a:srgbClr val="000000"/>
-                </a:solidFill>
-                <a:latin typeface="Consolas" panose="020B0609020204030204" pitchFamily="49" charset="0"/>
-              </a:rPr>
-              <a:t>ConstraintSystem</a:t>
-            </a:r>
-            <a:r>
-              <a:rPr lang="es-ES" sz="1600" dirty="0">
-                <a:solidFill>
-                  <a:srgbClr val="000000"/>
-                </a:solidFill>
-                <a:latin typeface="Consolas" panose="020B0609020204030204" pitchFamily="49" charset="0"/>
-              </a:rPr>
-              <a:t> S = </a:t>
-            </a:r>
-            <a:r>
-              <a:rPr lang="es-ES" sz="1600" dirty="0" err="1">
-                <a:solidFill>
-                  <a:srgbClr val="000000"/>
-                </a:solidFill>
-                <a:latin typeface="Consolas" panose="020B0609020204030204" pitchFamily="49" charset="0"/>
-              </a:rPr>
-              <a:t>ConstraintSystem.CreateSolver</a:t>
-            </a:r>
-            <a:r>
-              <a:rPr lang="es-ES" sz="1600" dirty="0">
-                <a:solidFill>
-                  <a:srgbClr val="000000"/>
-                </a:solidFill>
-                <a:latin typeface="Consolas" panose="020B0609020204030204" pitchFamily="49" charset="0"/>
-              </a:rPr>
-              <a:t>();</a:t>
-            </a:r>
-          </a:p>
-          <a:p>
-            <a:r>
-              <a:rPr lang="es-ES" sz="1600" dirty="0">
-                <a:solidFill>
-                  <a:srgbClr val="000000"/>
-                </a:solidFill>
-                <a:latin typeface="Consolas" panose="020B0609020204030204" pitchFamily="49" charset="0"/>
-              </a:rPr>
-              <a:t>    </a:t>
-            </a:r>
-            <a:r>
-              <a:rPr lang="es-ES" sz="1600" dirty="0" err="1">
-                <a:solidFill>
-                  <a:srgbClr val="000000"/>
-                </a:solidFill>
-                <a:latin typeface="Consolas" panose="020B0609020204030204" pitchFamily="49" charset="0"/>
-              </a:rPr>
-              <a:t>CspDomain</a:t>
-            </a:r>
-            <a:r>
-              <a:rPr lang="es-ES" sz="1600" dirty="0">
-                <a:solidFill>
-                  <a:srgbClr val="000000"/>
-                </a:solidFill>
-                <a:latin typeface="Consolas" panose="020B0609020204030204" pitchFamily="49" charset="0"/>
-              </a:rPr>
-              <a:t> Filas = </a:t>
-            </a:r>
-            <a:r>
-              <a:rPr lang="es-ES" sz="1600" dirty="0" err="1">
-                <a:solidFill>
-                  <a:srgbClr val="000000"/>
-                </a:solidFill>
-                <a:latin typeface="Consolas" panose="020B0609020204030204" pitchFamily="49" charset="0"/>
-              </a:rPr>
-              <a:t>S.CreateIntegerInterval</a:t>
-            </a:r>
-            <a:r>
-              <a:rPr lang="es-ES" sz="1600" dirty="0">
-                <a:solidFill>
-                  <a:srgbClr val="000000"/>
-                </a:solidFill>
-                <a:latin typeface="Consolas" panose="020B0609020204030204" pitchFamily="49" charset="0"/>
-              </a:rPr>
-              <a:t>(0, N - 1);</a:t>
-            </a:r>
-          </a:p>
-          <a:p>
-            <a:r>
-              <a:rPr lang="es-ES" sz="1600" dirty="0">
-                <a:solidFill>
-                  <a:srgbClr val="000000"/>
-                </a:solidFill>
-                <a:latin typeface="Consolas" panose="020B0609020204030204" pitchFamily="49" charset="0"/>
-              </a:rPr>
-              <a:t>    </a:t>
-            </a:r>
-            <a:r>
-              <a:rPr lang="es-ES" sz="1600" dirty="0" err="1">
-                <a:solidFill>
-                  <a:srgbClr val="000000"/>
-                </a:solidFill>
-                <a:latin typeface="Consolas" panose="020B0609020204030204" pitchFamily="49" charset="0"/>
-              </a:rPr>
-              <a:t>CspTerm</a:t>
-            </a:r>
-            <a:r>
-              <a:rPr lang="es-ES" sz="1600" dirty="0">
-                <a:solidFill>
-                  <a:srgbClr val="000000"/>
-                </a:solidFill>
-                <a:latin typeface="Consolas" panose="020B0609020204030204" pitchFamily="49" charset="0"/>
-              </a:rPr>
-              <a:t>[] tablero = </a:t>
-            </a:r>
-            <a:r>
-              <a:rPr lang="es-ES" sz="1600" dirty="0" err="1">
-                <a:solidFill>
-                  <a:srgbClr val="000000"/>
-                </a:solidFill>
-                <a:latin typeface="Consolas" panose="020B0609020204030204" pitchFamily="49" charset="0"/>
-              </a:rPr>
-              <a:t>S.CreateVariableVector</a:t>
-            </a:r>
-            <a:r>
-              <a:rPr lang="es-ES" sz="1600" dirty="0">
-                <a:solidFill>
-                  <a:srgbClr val="000000"/>
-                </a:solidFill>
-                <a:latin typeface="Consolas" panose="020B0609020204030204" pitchFamily="49" charset="0"/>
-              </a:rPr>
-              <a:t>(Filas, </a:t>
-            </a:r>
-            <a:r>
-              <a:rPr lang="es-ES" sz="1600" dirty="0">
-                <a:solidFill>
-                  <a:srgbClr val="A31515"/>
-                </a:solidFill>
-                <a:latin typeface="Consolas" panose="020B0609020204030204" pitchFamily="49" charset="0"/>
-              </a:rPr>
-              <a:t>"Tablero"</a:t>
-            </a:r>
-            <a:r>
-              <a:rPr lang="es-ES" sz="1600" dirty="0">
-                <a:solidFill>
-                  <a:srgbClr val="000000"/>
-                </a:solidFill>
-                <a:latin typeface="Consolas" panose="020B0609020204030204" pitchFamily="49" charset="0"/>
-              </a:rPr>
-              <a:t>, N);</a:t>
-            </a:r>
-          </a:p>
-          <a:p>
-            <a:endParaRPr lang="es-ES" sz="1600" dirty="0">
-              <a:solidFill>
-                <a:srgbClr val="000000"/>
-              </a:solidFill>
-              <a:latin typeface="Consolas" panose="020B0609020204030204" pitchFamily="49" charset="0"/>
-            </a:endParaRPr>
-          </a:p>
-          <a:p>
-            <a:r>
-              <a:rPr lang="nn-NO" sz="1600" dirty="0">
-                <a:solidFill>
-                  <a:srgbClr val="000000"/>
-                </a:solidFill>
-                <a:latin typeface="Consolas" panose="020B0609020204030204" pitchFamily="49" charset="0"/>
-              </a:rPr>
-              <a:t>    </a:t>
-            </a:r>
-            <a:r>
-              <a:rPr lang="nn-NO" sz="1600" dirty="0">
-                <a:solidFill>
-                  <a:srgbClr val="0000FF"/>
-                </a:solidFill>
-                <a:latin typeface="Consolas" panose="020B0609020204030204" pitchFamily="49" charset="0"/>
-              </a:rPr>
-              <a:t>for</a:t>
-            </a:r>
-            <a:r>
-              <a:rPr lang="nn-NO" sz="1600" dirty="0">
-                <a:solidFill>
-                  <a:srgbClr val="000000"/>
-                </a:solidFill>
-                <a:latin typeface="Consolas" panose="020B0609020204030204" pitchFamily="49" charset="0"/>
-              </a:rPr>
-              <a:t> (</a:t>
-            </a:r>
-            <a:r>
-              <a:rPr lang="nn-NO" sz="1600" dirty="0">
-                <a:solidFill>
-                  <a:srgbClr val="0000FF"/>
-                </a:solidFill>
-                <a:latin typeface="Consolas" panose="020B0609020204030204" pitchFamily="49" charset="0"/>
-              </a:rPr>
-              <a:t>int</a:t>
-            </a:r>
-            <a:r>
-              <a:rPr lang="nn-NO" sz="1600" dirty="0">
-                <a:solidFill>
-                  <a:srgbClr val="000000"/>
-                </a:solidFill>
-                <a:latin typeface="Consolas" panose="020B0609020204030204" pitchFamily="49" charset="0"/>
-              </a:rPr>
-              <a:t> i = 0; i &lt; N; i++)</a:t>
-            </a:r>
-            <a:endParaRPr lang="es-ES" sz="1600" dirty="0">
-              <a:solidFill>
-                <a:srgbClr val="000000"/>
-              </a:solidFill>
-              <a:latin typeface="Consolas" panose="020B0609020204030204" pitchFamily="49" charset="0"/>
-            </a:endParaRPr>
-          </a:p>
-          <a:p>
-            <a:r>
-              <a:rPr lang="nb-NO" sz="1600" dirty="0">
-                <a:solidFill>
-                  <a:srgbClr val="000000"/>
-                </a:solidFill>
-                <a:latin typeface="Consolas" panose="020B0609020204030204" pitchFamily="49" charset="0"/>
-              </a:rPr>
-              <a:t>        </a:t>
-            </a:r>
-            <a:r>
-              <a:rPr lang="nb-NO" sz="1600" dirty="0">
-                <a:solidFill>
-                  <a:srgbClr val="0000FF"/>
-                </a:solidFill>
-                <a:latin typeface="Consolas" panose="020B0609020204030204" pitchFamily="49" charset="0"/>
-              </a:rPr>
-              <a:t>for</a:t>
-            </a:r>
-            <a:r>
-              <a:rPr lang="nb-NO" sz="1600" dirty="0">
-                <a:solidFill>
-                  <a:srgbClr val="000000"/>
-                </a:solidFill>
-                <a:latin typeface="Consolas" panose="020B0609020204030204" pitchFamily="49" charset="0"/>
-              </a:rPr>
-              <a:t> (</a:t>
-            </a:r>
-            <a:r>
-              <a:rPr lang="nb-NO" sz="1600" dirty="0">
-                <a:solidFill>
-                  <a:srgbClr val="0000FF"/>
-                </a:solidFill>
-                <a:latin typeface="Consolas" panose="020B0609020204030204" pitchFamily="49" charset="0"/>
-              </a:rPr>
-              <a:t>int</a:t>
-            </a:r>
-            <a:r>
-              <a:rPr lang="nb-NO" sz="1600" dirty="0">
-                <a:solidFill>
-                  <a:srgbClr val="000000"/>
-                </a:solidFill>
-                <a:latin typeface="Consolas" panose="020B0609020204030204" pitchFamily="49" charset="0"/>
-              </a:rPr>
-              <a:t> j = i + 1; j &lt; N; j++)</a:t>
-            </a:r>
-            <a:endParaRPr lang="es-ES" sz="1600" dirty="0">
-              <a:solidFill>
-                <a:srgbClr val="000000"/>
-              </a:solidFill>
-              <a:latin typeface="Consolas" panose="020B0609020204030204" pitchFamily="49" charset="0"/>
-            </a:endParaRPr>
-          </a:p>
-          <a:p>
-            <a:r>
-              <a:rPr lang="es-ES" sz="1600" dirty="0">
-                <a:solidFill>
-                  <a:srgbClr val="000000"/>
-                </a:solidFill>
-                <a:latin typeface="Consolas" panose="020B0609020204030204" pitchFamily="49" charset="0"/>
-              </a:rPr>
-              <a:t>            </a:t>
-            </a:r>
-            <a:r>
-              <a:rPr lang="es-ES" sz="1600" dirty="0" err="1">
-                <a:solidFill>
-                  <a:srgbClr val="000000"/>
-                </a:solidFill>
-                <a:latin typeface="Consolas" panose="020B0609020204030204" pitchFamily="49" charset="0"/>
-              </a:rPr>
-              <a:t>S.AddConstraints</a:t>
-            </a:r>
-            <a:r>
-              <a:rPr lang="es-ES" sz="1600" dirty="0">
-                <a:solidFill>
-                  <a:srgbClr val="000000"/>
-                </a:solidFill>
-                <a:latin typeface="Consolas" panose="020B0609020204030204" pitchFamily="49" charset="0"/>
-              </a:rPr>
-              <a:t>(</a:t>
-            </a:r>
-          </a:p>
-          <a:p>
-            <a:r>
-              <a:rPr lang="es-ES" sz="1600" dirty="0">
-                <a:solidFill>
-                  <a:srgbClr val="000000"/>
-                </a:solidFill>
-                <a:latin typeface="Consolas" panose="020B0609020204030204" pitchFamily="49" charset="0"/>
-              </a:rPr>
-              <a:t>                </a:t>
-            </a:r>
-            <a:r>
-              <a:rPr lang="es-ES" sz="1600" dirty="0" err="1">
-                <a:solidFill>
-                  <a:srgbClr val="000000"/>
-                </a:solidFill>
-                <a:latin typeface="Consolas" panose="020B0609020204030204" pitchFamily="49" charset="0"/>
-              </a:rPr>
-              <a:t>S.Unequal</a:t>
-            </a:r>
-            <a:r>
-              <a:rPr lang="es-ES" sz="1600" dirty="0">
-                <a:solidFill>
-                  <a:srgbClr val="000000"/>
-                </a:solidFill>
-                <a:latin typeface="Consolas" panose="020B0609020204030204" pitchFamily="49" charset="0"/>
-              </a:rPr>
-              <a:t>(tablero[i], tablero[j]) </a:t>
-            </a:r>
-            <a:r>
-              <a:rPr lang="es-ES" sz="1600" dirty="0">
-                <a:solidFill>
-                  <a:srgbClr val="008000"/>
-                </a:solidFill>
-                <a:latin typeface="Consolas" panose="020B0609020204030204" pitchFamily="49" charset="0"/>
-              </a:rPr>
-              <a:t>// Fila</a:t>
-            </a:r>
-            <a:endParaRPr lang="es-ES" sz="1600" dirty="0">
-              <a:solidFill>
-                <a:srgbClr val="000000"/>
-              </a:solidFill>
-              <a:latin typeface="Consolas" panose="020B0609020204030204" pitchFamily="49" charset="0"/>
-            </a:endParaRPr>
-          </a:p>
-          <a:p>
-            <a:r>
-              <a:rPr lang="es-ES" sz="1600" dirty="0">
-                <a:solidFill>
-                  <a:srgbClr val="000000"/>
-                </a:solidFill>
-                <a:latin typeface="Consolas" panose="020B0609020204030204" pitchFamily="49" charset="0"/>
-              </a:rPr>
-              <a:t>                , </a:t>
-            </a:r>
-            <a:r>
-              <a:rPr lang="es-ES" sz="1600" dirty="0" err="1">
-                <a:solidFill>
-                  <a:srgbClr val="000000"/>
-                </a:solidFill>
-                <a:latin typeface="Consolas" panose="020B0609020204030204" pitchFamily="49" charset="0"/>
-              </a:rPr>
-              <a:t>S.Unequal</a:t>
-            </a:r>
-            <a:r>
-              <a:rPr lang="es-ES" sz="1600" dirty="0">
-                <a:solidFill>
-                  <a:srgbClr val="000000"/>
-                </a:solidFill>
-                <a:latin typeface="Consolas" panose="020B0609020204030204" pitchFamily="49" charset="0"/>
-              </a:rPr>
-              <a:t>(tablero[j] + (j - i), tablero[i]) </a:t>
-            </a:r>
-            <a:r>
-              <a:rPr lang="es-ES" sz="1600" dirty="0">
-                <a:solidFill>
-                  <a:srgbClr val="008000"/>
-                </a:solidFill>
-                <a:latin typeface="Consolas" panose="020B0609020204030204" pitchFamily="49" charset="0"/>
-              </a:rPr>
-              <a:t>// Diagonal 1</a:t>
-            </a:r>
-            <a:endParaRPr lang="es-ES" sz="1600" dirty="0">
-              <a:solidFill>
-                <a:srgbClr val="000000"/>
-              </a:solidFill>
-              <a:latin typeface="Consolas" panose="020B0609020204030204" pitchFamily="49" charset="0"/>
-            </a:endParaRPr>
-          </a:p>
-          <a:p>
-            <a:r>
-              <a:rPr lang="es-ES" sz="1600" dirty="0">
-                <a:solidFill>
-                  <a:srgbClr val="000000"/>
-                </a:solidFill>
-                <a:latin typeface="Consolas" panose="020B0609020204030204" pitchFamily="49" charset="0"/>
-              </a:rPr>
-              <a:t>                , </a:t>
-            </a:r>
-            <a:r>
-              <a:rPr lang="es-ES" sz="1600" dirty="0" err="1">
-                <a:solidFill>
-                  <a:srgbClr val="000000"/>
-                </a:solidFill>
-                <a:latin typeface="Consolas" panose="020B0609020204030204" pitchFamily="49" charset="0"/>
-              </a:rPr>
-              <a:t>S.Unequal</a:t>
-            </a:r>
-            <a:r>
-              <a:rPr lang="es-ES" sz="1600" dirty="0">
-                <a:solidFill>
-                  <a:srgbClr val="000000"/>
-                </a:solidFill>
-                <a:latin typeface="Consolas" panose="020B0609020204030204" pitchFamily="49" charset="0"/>
-              </a:rPr>
-              <a:t>(tablero[j] - (j - i), tablero[i]) </a:t>
-            </a:r>
-            <a:r>
-              <a:rPr lang="es-ES" sz="1600" dirty="0">
-                <a:solidFill>
-                  <a:srgbClr val="008000"/>
-                </a:solidFill>
-                <a:latin typeface="Consolas" panose="020B0609020204030204" pitchFamily="49" charset="0"/>
-              </a:rPr>
-              <a:t>// Diagonal 2</a:t>
-            </a:r>
-            <a:endParaRPr lang="es-ES" sz="1600" dirty="0">
-              <a:solidFill>
-                <a:srgbClr val="000000"/>
-              </a:solidFill>
-              <a:latin typeface="Consolas" panose="020B0609020204030204" pitchFamily="49" charset="0"/>
-            </a:endParaRPr>
-          </a:p>
-          <a:p>
-            <a:r>
-              <a:rPr lang="es-ES" sz="1600" dirty="0">
-                <a:solidFill>
-                  <a:srgbClr val="000000"/>
-                </a:solidFill>
-                <a:latin typeface="Consolas" panose="020B0609020204030204" pitchFamily="49" charset="0"/>
-              </a:rPr>
-              <a:t>                );</a:t>
-            </a:r>
-          </a:p>
-          <a:p>
-            <a:r>
-              <a:rPr lang="es-ES" sz="1600" dirty="0">
-                <a:solidFill>
-                  <a:srgbClr val="000000"/>
-                </a:solidFill>
-                <a:latin typeface="Consolas" panose="020B0609020204030204" pitchFamily="49" charset="0"/>
-              </a:rPr>
-              <a:t>    </a:t>
-            </a:r>
-            <a:r>
-              <a:rPr lang="es-ES" sz="1600" dirty="0" err="1">
-                <a:solidFill>
-                  <a:srgbClr val="0000FF"/>
-                </a:solidFill>
-                <a:latin typeface="Consolas" panose="020B0609020204030204" pitchFamily="49" charset="0"/>
-              </a:rPr>
-              <a:t>bool</a:t>
-            </a:r>
-            <a:r>
-              <a:rPr lang="es-ES" sz="1600" dirty="0">
-                <a:solidFill>
-                  <a:srgbClr val="000000"/>
-                </a:solidFill>
-                <a:latin typeface="Consolas" panose="020B0609020204030204" pitchFamily="49" charset="0"/>
-              </a:rPr>
-              <a:t> </a:t>
-            </a:r>
-            <a:r>
-              <a:rPr lang="es-ES" sz="1600" dirty="0" err="1">
-                <a:solidFill>
-                  <a:srgbClr val="000000"/>
-                </a:solidFill>
-                <a:latin typeface="Consolas" panose="020B0609020204030204" pitchFamily="49" charset="0"/>
-              </a:rPr>
-              <a:t>unsolved</a:t>
-            </a:r>
-            <a:r>
-              <a:rPr lang="es-ES" sz="1600" dirty="0">
-                <a:solidFill>
-                  <a:srgbClr val="000000"/>
-                </a:solidFill>
-                <a:latin typeface="Consolas" panose="020B0609020204030204" pitchFamily="49" charset="0"/>
-              </a:rPr>
-              <a:t> = </a:t>
-            </a:r>
-            <a:r>
-              <a:rPr lang="es-ES" sz="1600" dirty="0">
-                <a:solidFill>
-                  <a:srgbClr val="0000FF"/>
-                </a:solidFill>
-                <a:latin typeface="Consolas" panose="020B0609020204030204" pitchFamily="49" charset="0"/>
-              </a:rPr>
-              <a:t>true</a:t>
-            </a:r>
-            <a:r>
-              <a:rPr lang="es-ES" sz="1600" dirty="0">
-                <a:solidFill>
-                  <a:srgbClr val="000000"/>
-                </a:solidFill>
-                <a:latin typeface="Consolas" panose="020B0609020204030204" pitchFamily="49" charset="0"/>
-              </a:rPr>
-              <a:t>;</a:t>
-            </a:r>
-          </a:p>
-          <a:p>
-            <a:r>
-              <a:rPr lang="es-ES" sz="1600" dirty="0">
-                <a:solidFill>
-                  <a:srgbClr val="000000"/>
-                </a:solidFill>
-                <a:latin typeface="Consolas" panose="020B0609020204030204" pitchFamily="49" charset="0"/>
-              </a:rPr>
-              <a:t>    </a:t>
-            </a:r>
-            <a:r>
-              <a:rPr lang="es-ES" sz="1600" dirty="0" err="1">
-                <a:solidFill>
-                  <a:srgbClr val="000000"/>
-                </a:solidFill>
-                <a:latin typeface="Consolas" panose="020B0609020204030204" pitchFamily="49" charset="0"/>
-              </a:rPr>
-              <a:t>ConstraintSolverSolution</a:t>
-            </a:r>
-            <a:r>
-              <a:rPr lang="es-ES" sz="1600" dirty="0">
-                <a:solidFill>
-                  <a:srgbClr val="000000"/>
-                </a:solidFill>
-                <a:latin typeface="Consolas" panose="020B0609020204030204" pitchFamily="49" charset="0"/>
-              </a:rPr>
-              <a:t> </a:t>
-            </a:r>
-            <a:r>
-              <a:rPr lang="es-ES" sz="1600" dirty="0" err="1">
-                <a:solidFill>
-                  <a:srgbClr val="000000"/>
-                </a:solidFill>
-                <a:latin typeface="Consolas" panose="020B0609020204030204" pitchFamily="49" charset="0"/>
-              </a:rPr>
-              <a:t>soln</a:t>
-            </a:r>
-            <a:r>
-              <a:rPr lang="es-ES" sz="1600" dirty="0">
-                <a:solidFill>
-                  <a:srgbClr val="000000"/>
-                </a:solidFill>
-                <a:latin typeface="Consolas" panose="020B0609020204030204" pitchFamily="49" charset="0"/>
-              </a:rPr>
-              <a:t> = </a:t>
-            </a:r>
-            <a:r>
-              <a:rPr lang="es-ES" sz="1600" dirty="0" err="1">
-                <a:solidFill>
-                  <a:srgbClr val="000000"/>
-                </a:solidFill>
-                <a:latin typeface="Consolas" panose="020B0609020204030204" pitchFamily="49" charset="0"/>
-              </a:rPr>
-              <a:t>S.Solve</a:t>
-            </a:r>
-            <a:r>
-              <a:rPr lang="es-ES" sz="1600" dirty="0">
-                <a:solidFill>
-                  <a:srgbClr val="000000"/>
-                </a:solidFill>
-                <a:latin typeface="Consolas" panose="020B0609020204030204" pitchFamily="49" charset="0"/>
-              </a:rPr>
-              <a:t>();</a:t>
-            </a:r>
-          </a:p>
-          <a:p>
-            <a:r>
-              <a:rPr lang="es-ES" sz="1600" dirty="0">
-                <a:solidFill>
-                  <a:srgbClr val="000000"/>
-                </a:solidFill>
-                <a:latin typeface="Consolas" panose="020B0609020204030204" pitchFamily="49" charset="0"/>
-              </a:rPr>
-              <a:t>}</a:t>
-            </a:r>
-            <a:endParaRPr lang="es-ES" sz="1600" dirty="0"/>
-          </a:p>
-        </p:txBody>
-      </p:sp>
-    </p:spTree>
-    <p:extLst>
-      <p:ext uri="{BB962C8B-B14F-4D97-AF65-F5344CB8AC3E}">
-        <p14:creationId xmlns:p14="http://schemas.microsoft.com/office/powerpoint/2010/main" val="389766790"/>
-      </p:ext>
-    </p:extLst>
-  </p:cSld>
-  <p:clrMapOvr>
-    <a:masterClrMapping/>
-  </p:clrMapOvr>
-</p:sld>
-</file>
-
-<file path=ppt/slides/slide12.xml><?xml version="1.0" encoding="utf-8"?>
-<p:sld xmlns:a="http://schemas.openxmlformats.org/drawingml/2006/main" xmlns:r="http://schemas.openxmlformats.org/officeDocument/2006/relationships" xmlns:p="http://schemas.openxmlformats.org/presentationml/2006/main">
-  <p:cSld>
-    <p:spTree>
-      <p:nvGrpSpPr>
-        <p:cNvPr id="1" name=""/>
-        <p:cNvGrpSpPr/>
-        <p:nvPr/>
-      </p:nvGrpSpPr>
-      <p:grpSpPr>
-        <a:xfrm>
-          <a:off x="0" y="0"/>
-          <a:ext cx="0" cy="0"/>
-          <a:chOff x="0" y="0"/>
-          <a:chExt cx="0" cy="0"/>
-        </a:xfrm>
-      </p:grpSpPr>
-      <p:sp>
-        <p:nvSpPr>
-          <p:cNvPr id="7" name="Título 6">
-            <a:extLst>
-              <a:ext uri="{FF2B5EF4-FFF2-40B4-BE49-F238E27FC236}">
-                <a16:creationId xmlns:a16="http://schemas.microsoft.com/office/drawing/2014/main" id="{B26E78DD-498D-4BBF-9885-1B53A8041E14}"/>
-              </a:ext>
-            </a:extLst>
-          </p:cNvPr>
-          <p:cNvSpPr>
-            <a:spLocks noGrp="1"/>
-          </p:cNvSpPr>
-          <p:nvPr>
-            <p:ph type="title"/>
-          </p:nvPr>
-        </p:nvSpPr>
-        <p:spPr/>
-        <p:txBody>
-          <a:bodyPr/>
-          <a:lstStyle/>
-          <a:p>
-            <a:r>
-              <a:rPr lang="es-ES" dirty="0"/>
               <a:t>Ejemplo Pintar mapa</a:t>
             </a:r>
           </a:p>
@@ -7999,7 +7052,7 @@
 </p:sld>
 </file>
 
-<file path=ppt/slides/slide13.xml><?xml version="1.0" encoding="utf-8"?>
+<file path=ppt/slides/slide12.xml><?xml version="1.0" encoding="utf-8"?>
 <p:sld xmlns:a="http://schemas.openxmlformats.org/drawingml/2006/main" xmlns:r="http://schemas.openxmlformats.org/officeDocument/2006/relationships" xmlns:p="http://schemas.openxmlformats.org/presentationml/2006/main">
   <p:cSld>
     <p:spTree>
@@ -8457,7 +7510,7 @@
         <p:spPr/>
         <p:txBody>
           <a:bodyPr>
-            <a:normAutofit lnSpcReduction="10000"/>
+            <a:normAutofit/>
           </a:bodyPr>
           <a:lstStyle/>
           <a:p>
@@ -8486,14 +7539,14 @@
             <a:pPr lvl="1"/>
             <a:r>
               <a:rPr lang="es-ES" dirty="0"/>
-              <a:t>Una solución de Microsoft para realizar programación matemática, modelizar y optimizar.</a:t>
+              <a:t>Programación matemática, modelizar y optimizar.</a:t>
             </a:r>
           </a:p>
           <a:p>
             <a:pPr lvl="1"/>
             <a:r>
               <a:rPr lang="es-ES" dirty="0"/>
-              <a:t>Se puede usar como librería para los proyectos en cualquier lenguaje </a:t>
+              <a:t>Librería </a:t>
             </a:r>
             <a:r>
               <a:rPr lang="es-ES" dirty="0" err="1"/>
@@ -8501,7 +7554,7 @@
             </a:r>
             <a:r>
               <a:rPr lang="es-ES" dirty="0"/>
-              <a:t> y como extensión para Excel</a:t>
+              <a:t> / Extensión Excel</a:t>
             </a:r>
           </a:p>
           <a:p>
@@ -8523,22 +7576,19 @@
             <a:pPr lvl="1"/>
             <a:r>
               <a:rPr lang="es-ES" dirty="0"/>
-              <a:t>Importamos la librería como paquete </a:t>
+              <a:t>Paquete </a:t>
             </a:r>
             <a:r>
               <a:rPr lang="es-ES" dirty="0" err="1"/>
               <a:t>NuGet</a:t>
             </a:r>
-            <a:r>
-              <a:rPr lang="es-ES" dirty="0"/>
-              <a:t> para proyectos de código</a:t>
-            </a:r>
+            <a:endParaRPr lang="es-ES" dirty="0"/>
           </a:p>
           <a:p>
             <a:pPr lvl="1"/>
             <a:r>
               <a:rPr lang="es-ES" dirty="0"/>
-              <a:t>Instalador de la extensión de Excel y documentación </a:t>
+              <a:t>Instalador </a:t>
             </a:r>
             <a:r>
               <a:rPr lang="es-ES" b="1" dirty="0">
@@ -8578,7 +7628,7 @@
     </p:spTree>
     <p:extLst>
       <p:ext uri="{BB962C8B-B14F-4D97-AF65-F5344CB8AC3E}">
-        <p14:creationId xmlns:p14="http://schemas.microsoft.com/office/powerpoint/2010/main" val="2300252200"/>
+        <p14:creationId xmlns:p14="http://schemas.microsoft.com/office/powerpoint/2010/main" val="1634976464"/>
       </p:ext>
     </p:extLst>
   </p:cSld>
@@ -8610,7 +7660,7 @@
           <p:cNvPr id="2" name="Título 1">
             <a:extLst>
               <a:ext uri="{FF2B5EF4-FFF2-40B4-BE49-F238E27FC236}">
-                <a16:creationId xmlns:a16="http://schemas.microsoft.com/office/drawing/2014/main" id="{2F1804F9-AB03-425C-B6DE-A64E70AD0A5F}"/>
+                <a16:creationId xmlns:a16="http://schemas.microsoft.com/office/drawing/2014/main" id="{360CBC80-E84D-4219-8585-E75ABE0BA9DB}"/>
               </a:ext>
             </a:extLst>
           </p:cNvPr>
@@ -8627,9 +7677,10 @@
           <a:lstStyle/>
           <a:p>
             <a:r>
-              <a:rPr lang="es-ES" dirty="0"/>
-              <a:t>Introducción</a:t>
-            </a:r>
+              <a:rPr lang="es-ES" dirty="0" err="1"/>
+              <a:t>Solvers</a:t>
+            </a:r>
+            <a:endParaRPr lang="es-ES" dirty="0"/>
           </a:p>
         </p:txBody>
       </p:sp>
@@ -8638,7 +7689,7 @@
           <p:cNvPr id="3" name="Marcador de contenido 2">
             <a:extLst>
               <a:ext uri="{FF2B5EF4-FFF2-40B4-BE49-F238E27FC236}">
-                <a16:creationId xmlns:a16="http://schemas.microsoft.com/office/drawing/2014/main" id="{7AE5047F-2579-4746-91AB-1564637BFE42}"/>
+                <a16:creationId xmlns:a16="http://schemas.microsoft.com/office/drawing/2014/main" id="{033AC1A0-78CC-4C1A-8B89-554FCA2B820F}"/>
               </a:ext>
             </a:extLst>
           </p:cNvPr>
@@ -8651,126 +7702,79 @@
         </p:nvSpPr>
         <p:spPr/>
         <p:txBody>
-          <a:bodyPr>
-            <a:normAutofit/>
-          </a:bodyPr>
+          <a:bodyPr/>
           <a:lstStyle/>
           <a:p>
             <a:r>
               <a:rPr lang="es-ES" dirty="0"/>
-              <a:t>¿Que es </a:t>
+              <a:t>Para diferentes problemas diferentes solucionadores (</a:t>
             </a:r>
             <a:r>
               <a:rPr lang="es-ES" dirty="0" err="1"/>
-              <a:t>Solver</a:t>
-            </a:r>
-            <a:r>
-              <a:rPr lang="es-ES" dirty="0"/>
-              <a:t> </a:t>
-            </a:r>
+              <a:t>solvers</a:t>
+            </a:r>
+            <a:r>
+              <a:rPr lang="es-ES" dirty="0"/>
+              <a:t>)</a:t>
+            </a:r>
+          </a:p>
+          <a:p>
+            <a:pPr lvl="1"/>
+            <a:r>
+              <a:rPr lang="es-ES" dirty="0"/>
+              <a:t>Simplex		</a:t>
+            </a:r>
+            <a:endParaRPr lang="es-ES" u="sng" dirty="0"/>
+          </a:p>
+          <a:p>
+            <a:pPr lvl="1"/>
+            <a:r>
+              <a:rPr lang="es-ES" dirty="0"/>
+              <a:t>Lineales		</a:t>
+            </a:r>
+          </a:p>
+          <a:p>
+            <a:pPr lvl="1"/>
+            <a:r>
+              <a:rPr lang="es-ES" dirty="0"/>
+              <a:t>No lineales	</a:t>
+            </a:r>
+          </a:p>
+          <a:p>
+            <a:pPr lvl="1"/>
             <a:r>
               <a:rPr lang="es-ES" dirty="0" err="1"/>
-              <a:t>foundation</a:t>
-            </a:r>
-            <a:r>
-              <a:rPr lang="es-ES" dirty="0"/>
-              <a:t>?</a:t>
-            </a:r>
+              <a:t>Constraints</a:t>
+            </a:r>
+            <a:endParaRPr lang="es-ES" dirty="0"/>
           </a:p>
           <a:p>
             <a:pPr lvl="1"/>
             <a:r>
               <a:rPr lang="es-ES" dirty="0"/>
-              <a:t>Programación matemática, modelizar y optimizar.</a:t>
+              <a:t>Satisfacción</a:t>
             </a:r>
           </a:p>
           <a:p>
             <a:pPr lvl="1"/>
             <a:r>
               <a:rPr lang="es-ES" dirty="0"/>
-              <a:t>Librería </a:t>
-            </a:r>
-            <a:r>
-              <a:rPr lang="es-ES" dirty="0" err="1"/>
-              <a:t>.Net</a:t>
-            </a:r>
-            <a:r>
-              <a:rPr lang="es-ES" dirty="0"/>
-              <a:t> / Extensión Excel</a:t>
+              <a:t>Genérico</a:t>
             </a:r>
           </a:p>
           <a:p>
             <a:pPr lvl="1"/>
-            <a:endParaRPr lang="es-ES" dirty="0"/>
-          </a:p>
-          <a:p>
-            <a:pPr lvl="1"/>
-            <a:r>
-              <a:rPr lang="es-ES" dirty="0"/>
-              <a:t>Descontinuado desde 2012</a:t>
-            </a:r>
-          </a:p>
-          <a:p>
-            <a:pPr lvl="1"/>
-            <a:endParaRPr lang="es-ES" dirty="0"/>
-          </a:p>
-          <a:p>
-            <a:pPr lvl="1"/>
-            <a:r>
-              <a:rPr lang="es-ES" dirty="0"/>
-              <a:t>Paquete </a:t>
-            </a:r>
-            <a:r>
-              <a:rPr lang="es-ES" dirty="0" err="1"/>
-              <a:t>NuGet</a:t>
-            </a:r>
-            <a:endParaRPr lang="es-ES" dirty="0"/>
-          </a:p>
-          <a:p>
-            <a:pPr lvl="1"/>
-            <a:r>
-              <a:rPr lang="es-ES" dirty="0"/>
-              <a:t>Instalador </a:t>
-            </a:r>
-            <a:r>
-              <a:rPr lang="es-ES" b="1" dirty="0">
-                <a:hlinkClick r:id="rId3"/>
-              </a:rPr>
-              <a:t>http://xurl.es/36dzi</a:t>
-            </a:r>
-            <a:r>
-              <a:rPr lang="es-ES" b="1" dirty="0"/>
-              <a:t> </a:t>
-            </a:r>
-          </a:p>
-          <a:p>
-            <a:pPr lvl="1"/>
-            <a:endParaRPr lang="es-ES" b="1" dirty="0"/>
-          </a:p>
-          <a:p>
-            <a:pPr lvl="1"/>
-            <a:r>
-              <a:rPr lang="es-ES" dirty="0"/>
-              <a:t>Documentación </a:t>
-            </a:r>
-            <a:r>
-              <a:rPr lang="es-ES" b="1" dirty="0">
-                <a:hlinkClick r:id="rId4"/>
-              </a:rPr>
-              <a:t>http://xurl.es/09khe</a:t>
-            </a:r>
-            <a:r>
-              <a:rPr lang="es-ES" b="1" dirty="0"/>
-              <a:t> </a:t>
-            </a:r>
-            <a:endParaRPr lang="es-ES" dirty="0"/>
+            <a:r>
+              <a:rPr lang="es-ES" dirty="0"/>
+              <a:t>De terceros</a:t>
+            </a:r>
           </a:p>
         </p:txBody>
       </p:sp>
     </p:spTree>
     <p:extLst>
       <p:ext uri="{BB962C8B-B14F-4D97-AF65-F5344CB8AC3E}">
-        <p14:creationId xmlns:p14="http://schemas.microsoft.com/office/powerpoint/2010/main" val="1634976464"/>
+        <p14:creationId xmlns:p14="http://schemas.microsoft.com/office/powerpoint/2010/main" val="1656543725"/>
       </p:ext>
     </p:extLst>
   </p:cSld>
@@ -8802,7 +7806,7 @@
           <p:cNvPr id="2" name="Título 1">
             <a:extLst>
               <a:ext uri="{FF2B5EF4-FFF2-40B4-BE49-F238E27FC236}">
-                <a16:creationId xmlns:a16="http://schemas.microsoft.com/office/drawing/2014/main" id="{360CBC80-E84D-4219-8585-E75ABE0BA9DB}"/>
+                <a16:creationId xmlns:a16="http://schemas.microsoft.com/office/drawing/2014/main" id="{2A6E65A0-A6D2-468B-8DA1-0D5E4C493EC2}"/>
               </a:ext>
             </a:extLst>
           </p:cNvPr>
@@ -8820,7 +7824,7 @@
           <a:p>
             <a:r>
               <a:rPr lang="es-ES" dirty="0" err="1"/>
-              <a:t>Solvers</a:t>
+              <a:t>ConstraintSystem</a:t>
             </a:r>
             <a:endParaRPr lang="es-ES" dirty="0"/>
           </a:p>
@@ -8828,10 +7832,10 @@
       </p:sp>
       <p:sp>
         <p:nvSpPr>
-          <p:cNvPr id="3" name="Marcador de contenido 2">
+          <p:cNvPr id="5" name="Marcador de contenido 4">
             <a:extLst>
               <a:ext uri="{FF2B5EF4-FFF2-40B4-BE49-F238E27FC236}">
-                <a16:creationId xmlns:a16="http://schemas.microsoft.com/office/drawing/2014/main" id="{033AC1A0-78CC-4C1A-8B89-554FCA2B820F}"/>
+                <a16:creationId xmlns:a16="http://schemas.microsoft.com/office/drawing/2014/main" id="{5C6FD143-D5BC-4919-92B4-392A290B7E0E}"/>
               </a:ext>
             </a:extLst>
           </p:cNvPr>
@@ -8839,76 +7843,157 @@
             <a:spLocks noGrp="1"/>
           </p:cNvSpPr>
           <p:nvPr>
-            <p:ph idx="1"/>
+            <p:ph sz="half" idx="1"/>
           </p:nvPr>
         </p:nvSpPr>
         <p:spPr/>
         <p:txBody>
-          <a:bodyPr/>
+          <a:bodyPr>
+            <a:normAutofit/>
+          </a:bodyPr>
           <a:lstStyle/>
           <a:p>
             <a:r>
               <a:rPr lang="es-ES" dirty="0"/>
-              <a:t>Para diferentes problemas diferentes solucionadores (</a:t>
-            </a:r>
+              <a:t>Dominios</a:t>
+            </a:r>
+          </a:p>
+          <a:p>
+            <a:pPr lvl="1"/>
             <a:r>
               <a:rPr lang="es-ES" dirty="0" err="1"/>
-              <a:t>solvers</a:t>
-            </a:r>
-            <a:r>
-              <a:rPr lang="es-ES" dirty="0"/>
-              <a:t>)</a:t>
+              <a:t>CspDomain</a:t>
+            </a:r>
+            <a:endParaRPr lang="es-ES" dirty="0"/>
+          </a:p>
+          <a:p>
+            <a:pPr lvl="2"/>
+            <a:r>
+              <a:rPr lang="es-ES" dirty="0" err="1"/>
+              <a:t>Boolean</a:t>
+            </a:r>
+            <a:endParaRPr lang="es-ES" dirty="0"/>
+          </a:p>
+          <a:p>
+            <a:pPr lvl="2"/>
+            <a:r>
+              <a:rPr lang="es-ES" dirty="0"/>
+              <a:t>Enteros</a:t>
+            </a:r>
+          </a:p>
+          <a:p>
+            <a:pPr lvl="2"/>
+            <a:r>
+              <a:rPr lang="es-ES" dirty="0"/>
+              <a:t>Reales</a:t>
+            </a:r>
+          </a:p>
+          <a:p>
+            <a:pPr lvl="2"/>
+            <a:r>
+              <a:rPr lang="es-ES" dirty="0" err="1"/>
+              <a:t>Double</a:t>
+            </a:r>
+            <a:r>
+              <a:rPr lang="es-ES" dirty="0"/>
+              <a:t> (Reales con doble precisión)</a:t>
+            </a:r>
+          </a:p>
+        </p:txBody>
+      </p:sp>
+      <p:sp>
+        <p:nvSpPr>
+          <p:cNvPr id="6" name="Marcador de contenido 5">
+            <a:extLst>
+              <a:ext uri="{FF2B5EF4-FFF2-40B4-BE49-F238E27FC236}">
+                <a16:creationId xmlns:a16="http://schemas.microsoft.com/office/drawing/2014/main" id="{1F6A7091-8862-4125-A784-9FC111230730}"/>
+              </a:ext>
+            </a:extLst>
+          </p:cNvPr>
+          <p:cNvSpPr>
+            <a:spLocks noGrp="1"/>
+          </p:cNvSpPr>
+          <p:nvPr>
+            <p:ph sz="half" idx="2"/>
+          </p:nvPr>
+        </p:nvSpPr>
+        <p:spPr/>
+        <p:txBody>
+          <a:bodyPr>
+            <a:normAutofit/>
+          </a:bodyPr>
+          <a:lstStyle/>
+          <a:p>
+            <a:r>
+              <a:rPr lang="es-ES" dirty="0"/>
+              <a:t>Variables</a:t>
             </a:r>
           </a:p>
           <a:p>
             <a:pPr lvl="1"/>
             <a:r>
-              <a:rPr lang="es-ES" dirty="0"/>
-              <a:t>Simplex		</a:t>
-            </a:r>
-            <a:endParaRPr lang="es-ES" u="sng" dirty="0"/>
+              <a:rPr lang="es-ES" dirty="0" err="1"/>
+              <a:t>CpsTerm</a:t>
+            </a:r>
+            <a:endParaRPr lang="es-ES" dirty="0"/>
+          </a:p>
+          <a:p>
+            <a:pPr lvl="2"/>
+            <a:r>
+              <a:rPr lang="es-ES" dirty="0"/>
+              <a:t>Constantes</a:t>
+            </a:r>
+          </a:p>
+          <a:p>
+            <a:pPr lvl="2"/>
+            <a:r>
+              <a:rPr lang="es-ES" dirty="0"/>
+              <a:t>Variables </a:t>
+            </a:r>
           </a:p>
           <a:p>
             <a:pPr lvl="1"/>
-            <a:r>
-              <a:rPr lang="es-ES" dirty="0"/>
-              <a:t>Lineales		</a:t>
-            </a:r>
+            <a:endParaRPr lang="es-ES" dirty="0"/>
           </a:p>
           <a:p>
             <a:pPr lvl="1"/>
             <a:r>
-              <a:rPr lang="es-ES" dirty="0"/>
-              <a:t>No lineales	</a:t>
-            </a:r>
+              <a:rPr lang="es-ES" dirty="0" err="1"/>
+              <a:t>CpsTerm</a:t>
+            </a:r>
+            <a:r>
+              <a:rPr lang="es-ES" dirty="0"/>
+              <a:t> []</a:t>
+            </a:r>
+          </a:p>
+          <a:p>
+            <a:pPr lvl="2"/>
+            <a:r>
+              <a:rPr lang="es-ES" dirty="0" err="1"/>
+              <a:t>Arrays</a:t>
+            </a:r>
+            <a:endParaRPr lang="es-ES" dirty="0"/>
           </a:p>
           <a:p>
             <a:pPr lvl="1"/>
+            <a:endParaRPr lang="es-ES" dirty="0"/>
+          </a:p>
+          <a:p>
+            <a:pPr lvl="1"/>
             <a:r>
               <a:rPr lang="es-ES" dirty="0" err="1"/>
-              <a:t>Constraints</a:t>
-            </a:r>
-            <a:endParaRPr lang="es-ES" dirty="0"/>
-          </a:p>
-          <a:p>
-            <a:pPr lvl="1"/>
-            <a:r>
-              <a:rPr lang="es-ES" dirty="0"/>
-              <a:t>Satisfacción</a:t>
-            </a:r>
-          </a:p>
-          <a:p>
-            <a:pPr lvl="1"/>
-            <a:r>
-              <a:rPr lang="es-ES" dirty="0"/>
-              <a:t>Genérico</a:t>
-            </a:r>
-          </a:p>
-          <a:p>
-            <a:pPr lvl="1"/>
-            <a:r>
-              <a:rPr lang="es-ES" dirty="0"/>
-              <a:t>De terceros</a:t>
+              <a:t>CpsTerm</a:t>
+            </a:r>
+            <a:r>
+              <a:rPr lang="es-ES" dirty="0"/>
+              <a:t>[][]</a:t>
+            </a:r>
+          </a:p>
+          <a:p>
+            <a:pPr lvl="2"/>
+            <a:r>
+              <a:rPr lang="es-ES" dirty="0"/>
+              <a:t>Matrices</a:t>
             </a:r>
           </a:p>
         </p:txBody>
@@ -8916,7 +8001,7 @@
     </p:spTree>
     <p:extLst>
       <p:ext uri="{BB962C8B-B14F-4D97-AF65-F5344CB8AC3E}">
-        <p14:creationId xmlns:p14="http://schemas.microsoft.com/office/powerpoint/2010/main" val="1656543725"/>
+        <p14:creationId xmlns:p14="http://schemas.microsoft.com/office/powerpoint/2010/main" val="1242763647"/>
       </p:ext>
     </p:extLst>
   </p:cSld>
@@ -8948,7 +8033,7 @@
           <p:cNvPr id="2" name="Título 1">
             <a:extLst>
               <a:ext uri="{FF2B5EF4-FFF2-40B4-BE49-F238E27FC236}">
-                <a16:creationId xmlns:a16="http://schemas.microsoft.com/office/drawing/2014/main" id="{2A6E65A0-A6D2-468B-8DA1-0D5E4C493EC2}"/>
+                <a16:creationId xmlns:a16="http://schemas.microsoft.com/office/drawing/2014/main" id="{32EFB992-2C30-4EAF-BEBE-3956E22AED80}"/>
               </a:ext>
             </a:extLst>
           </p:cNvPr>
@@ -8977,7 +8062,7 @@
           <p:cNvPr id="5" name="Marcador de contenido 4">
             <a:extLst>
               <a:ext uri="{FF2B5EF4-FFF2-40B4-BE49-F238E27FC236}">
-                <a16:creationId xmlns:a16="http://schemas.microsoft.com/office/drawing/2014/main" id="{5C6FD143-D5BC-4919-92B4-392A290B7E0E}"/>
+                <a16:creationId xmlns:a16="http://schemas.microsoft.com/office/drawing/2014/main" id="{3439BB0B-C629-40B8-82D2-FF38350C8542}"/>
               </a:ext>
             </a:extLst>
           </p:cNvPr>
@@ -8985,157 +8070,195 @@
             <a:spLocks noGrp="1"/>
           </p:cNvSpPr>
           <p:nvPr>
-            <p:ph sz="half" idx="1"/>
-          </p:nvPr>
-        </p:nvSpPr>
-        <p:spPr/>
-        <p:txBody>
-          <a:bodyPr>
-            <a:normAutofit/>
-          </a:bodyPr>
+            <p:ph idx="1"/>
+          </p:nvPr>
+        </p:nvSpPr>
+        <p:spPr>
+          <a:xfrm>
+            <a:off x="838200" y="1825625"/>
+            <a:ext cx="10515600" cy="2107746"/>
+          </a:xfrm>
+        </p:spPr>
+        <p:txBody>
+          <a:bodyPr/>
           <a:lstStyle/>
           <a:p>
             <a:r>
               <a:rPr lang="es-ES" dirty="0"/>
-              <a:t>Dominios</a:t>
+              <a:t>Restricciones</a:t>
             </a:r>
           </a:p>
           <a:p>
             <a:pPr lvl="1"/>
             <a:r>
+              <a:rPr lang="es-ES" dirty="0"/>
+              <a:t>Se agregan al </a:t>
+            </a:r>
+            <a:r>
               <a:rPr lang="es-ES" dirty="0" err="1"/>
-              <a:t>CspDomain</a:t>
+              <a:t>solver</a:t>
+            </a:r>
+            <a:r>
+              <a:rPr lang="es-ES" dirty="0"/>
+              <a:t> invocando </a:t>
+            </a:r>
+            <a:r>
+              <a:rPr lang="es-ES" dirty="0" err="1"/>
+              <a:t>AddConstraint</a:t>
+            </a:r>
+            <a:r>
+              <a:rPr lang="es-ES" dirty="0"/>
+              <a:t>()</a:t>
+            </a:r>
+          </a:p>
+          <a:p>
+            <a:pPr lvl="1"/>
+            <a:r>
+              <a:rPr lang="es-ES" dirty="0"/>
+              <a:t>Solo </a:t>
+            </a:r>
+            <a:r>
+              <a:rPr lang="es-ES" dirty="0" err="1"/>
+              <a:t>Hard</a:t>
+            </a:r>
+            <a:r>
+              <a:rPr lang="es-ES" dirty="0"/>
+              <a:t> </a:t>
+            </a:r>
+            <a:r>
+              <a:rPr lang="es-ES" dirty="0" err="1"/>
+              <a:t>Constraint</a:t>
             </a:r>
             <a:endParaRPr lang="es-ES" dirty="0"/>
           </a:p>
           <a:p>
+            <a:pPr lvl="1"/>
+            <a:r>
+              <a:rPr lang="es-ES" dirty="0"/>
+              <a:t>Para crear </a:t>
+            </a:r>
+            <a:r>
+              <a:rPr lang="es-ES" dirty="0" err="1"/>
+              <a:t>Soft</a:t>
+            </a:r>
+            <a:r>
+              <a:rPr lang="es-ES" dirty="0"/>
+              <a:t> </a:t>
+            </a:r>
+            <a:r>
+              <a:rPr lang="es-ES" dirty="0" err="1"/>
+              <a:t>Constraint</a:t>
+            </a:r>
+            <a:r>
+              <a:rPr lang="es-ES" dirty="0"/>
+              <a:t> tenemos que ponernos creativos</a:t>
+            </a:r>
+          </a:p>
+          <a:p>
             <a:pPr lvl="2"/>
             <a:r>
-              <a:rPr lang="es-ES" dirty="0" err="1"/>
-              <a:t>Boolean</a:t>
-            </a:r>
+              <a:rPr lang="es-ES" dirty="0"/>
+              <a:t>d == 1 – ocupado</a:t>
+            </a:r>
+          </a:p>
+          <a:p>
             <a:endParaRPr lang="es-ES" dirty="0"/>
           </a:p>
-          <a:p>
-            <a:pPr lvl="2"/>
-            <a:r>
-              <a:rPr lang="es-ES" dirty="0"/>
-              <a:t>Enteros</a:t>
-            </a:r>
-          </a:p>
-          <a:p>
-            <a:pPr lvl="2"/>
-            <a:r>
-              <a:rPr lang="es-ES" dirty="0"/>
-              <a:t>Reales</a:t>
-            </a:r>
-          </a:p>
-          <a:p>
-            <a:pPr lvl="2"/>
-            <a:r>
-              <a:rPr lang="es-ES" dirty="0" err="1"/>
-              <a:t>Double</a:t>
-            </a:r>
-            <a:r>
-              <a:rPr lang="es-ES" dirty="0"/>
-              <a:t> (Reales con doble precisión)</a:t>
-            </a:r>
-          </a:p>
-        </p:txBody>
-      </p:sp>
-      <p:sp>
-        <p:nvSpPr>
-          <p:cNvPr id="6" name="Marcador de contenido 5">
+        </p:txBody>
+      </p:sp>
+      <p:sp>
+        <p:nvSpPr>
+          <p:cNvPr id="6" name="CuadroTexto 5">
             <a:extLst>
               <a:ext uri="{FF2B5EF4-FFF2-40B4-BE49-F238E27FC236}">
-                <a16:creationId xmlns:a16="http://schemas.microsoft.com/office/drawing/2014/main" id="{1F6A7091-8862-4125-A784-9FC111230730}"/>
+                <a16:creationId xmlns:a16="http://schemas.microsoft.com/office/drawing/2014/main" id="{E76BC3E1-C1AA-4E60-8A01-03548C28054A}"/>
               </a:ext>
             </a:extLst>
           </p:cNvPr>
-          <p:cNvSpPr>
-            <a:spLocks noGrp="1"/>
-          </p:cNvSpPr>
-          <p:nvPr>
-            <p:ph sz="half" idx="2"/>
-          </p:nvPr>
-        </p:nvSpPr>
-        <p:spPr/>
-        <p:txBody>
-          <a:bodyPr>
-            <a:normAutofit/>
+          <p:cNvSpPr txBox="1"/>
+          <p:nvPr/>
+        </p:nvSpPr>
+        <p:spPr>
+          <a:xfrm>
+            <a:off x="2810759" y="4392890"/>
+            <a:ext cx="6570482" cy="1754326"/>
+          </a:xfrm>
+          <a:prstGeom prst="rect">
+            <a:avLst/>
+          </a:prstGeom>
+          <a:noFill/>
+        </p:spPr>
+        <p:txBody>
+          <a:bodyPr wrap="square" rtlCol="0">
+            <a:spAutoFit/>
           </a:bodyPr>
           <a:lstStyle/>
           <a:p>
             <a:r>
-              <a:rPr lang="es-ES" dirty="0"/>
-              <a:t>Variables</a:t>
-            </a:r>
-          </a:p>
-          <a:p>
-            <a:pPr lvl="1"/>
-            <a:r>
               <a:rPr lang="es-ES" dirty="0" err="1"/>
-              <a:t>CpsTerm</a:t>
-            </a:r>
-            <a:endParaRPr lang="es-ES" dirty="0"/>
-          </a:p>
-          <a:p>
-            <a:pPr lvl="2"/>
-            <a:r>
-              <a:rPr lang="es-ES" dirty="0"/>
-              <a:t>Constantes</a:t>
-            </a:r>
-          </a:p>
-          <a:p>
-            <a:pPr lvl="2"/>
-            <a:r>
-              <a:rPr lang="es-ES" dirty="0"/>
-              <a:t>Variables </a:t>
-            </a:r>
-          </a:p>
-          <a:p>
-            <a:pPr lvl="1"/>
-            <a:endParaRPr lang="es-ES" dirty="0"/>
-          </a:p>
-          <a:p>
-            <a:pPr lvl="1"/>
+              <a:t>CspTerm</a:t>
+            </a:r>
+            <a:r>
+              <a:rPr lang="es-ES" dirty="0"/>
+              <a:t>[] tablero;</a:t>
+            </a:r>
+          </a:p>
+          <a:p>
             <a:r>
               <a:rPr lang="es-ES" dirty="0" err="1"/>
-              <a:t>CpsTerm</a:t>
-            </a:r>
-            <a:r>
-              <a:rPr lang="es-ES" dirty="0"/>
-              <a:t> []</a:t>
-            </a:r>
-          </a:p>
-          <a:p>
-            <a:pPr lvl="2"/>
+              <a:t>S.AddConstraints</a:t>
+            </a:r>
+            <a:r>
+              <a:rPr lang="es-ES" dirty="0"/>
+              <a:t>(</a:t>
+            </a:r>
+          </a:p>
+          <a:p>
+            <a:r>
+              <a:rPr lang="es-ES" dirty="0"/>
+              <a:t>                        </a:t>
+            </a:r>
             <a:r>
               <a:rPr lang="es-ES" dirty="0" err="1"/>
-              <a:t>Arrays</a:t>
-            </a:r>
-            <a:endParaRPr lang="es-ES" dirty="0"/>
-          </a:p>
-          <a:p>
-            <a:pPr lvl="1"/>
-            <a:endParaRPr lang="es-ES" dirty="0"/>
-          </a:p>
-          <a:p>
-            <a:pPr lvl="1"/>
+              <a:t>S.Unequal</a:t>
+            </a:r>
+            <a:r>
+              <a:rPr lang="es-ES" dirty="0"/>
+              <a:t>(tablero[i], tablero[j]) // Fila</a:t>
+            </a:r>
+          </a:p>
+          <a:p>
+            <a:r>
+              <a:rPr lang="es-ES" dirty="0"/>
+              <a:t>                        , </a:t>
+            </a:r>
             <a:r>
               <a:rPr lang="es-ES" dirty="0" err="1"/>
-              <a:t>CpsTerm</a:t>
-            </a:r>
-            <a:r>
-              <a:rPr lang="es-ES" dirty="0"/>
-              <a:t>[][]</a:t>
-            </a:r>
-          </a:p>
-          <a:p>
-            <a:pPr lvl="2"/>
-            <a:r>
-              <a:rPr lang="es-ES" dirty="0"/>
-              <a:t>Matrices</a:t>
+              <a:t>S.Unequal</a:t>
+            </a:r>
+            <a:r>
+              <a:rPr lang="es-ES" dirty="0"/>
+              <a:t>(tablero[j] + (j - i), tablero[i]) // Diagonal 1</a:t>
+            </a:r>
+          </a:p>
+          <a:p>
+            <a:r>
+              <a:rPr lang="es-ES" dirty="0"/>
+              <a:t>                        , </a:t>
+            </a:r>
+            <a:r>
+              <a:rPr lang="es-ES" dirty="0" err="1"/>
+              <a:t>S.Unequal</a:t>
+            </a:r>
+            <a:r>
+              <a:rPr lang="es-ES" dirty="0"/>
+              <a:t>(tablero[j] - (j - i), tablero[i]) // Diagonal 2</a:t>
+            </a:r>
+          </a:p>
+          <a:p>
+            <a:r>
+              <a:rPr lang="es-ES" dirty="0"/>
+              <a:t>                        );</a:t>
             </a:r>
           </a:p>
         </p:txBody>
@@ -9143,7 +8266,7 @@
     </p:spTree>
     <p:extLst>
       <p:ext uri="{BB962C8B-B14F-4D97-AF65-F5344CB8AC3E}">
-        <p14:creationId xmlns:p14="http://schemas.microsoft.com/office/powerpoint/2010/main" val="1242763647"/>
+        <p14:creationId xmlns:p14="http://schemas.microsoft.com/office/powerpoint/2010/main" val="2260284546"/>
       </p:ext>
     </p:extLst>
   </p:cSld>
@@ -9175,7 +8298,7 @@
           <p:cNvPr id="2" name="Título 1">
             <a:extLst>
               <a:ext uri="{FF2B5EF4-FFF2-40B4-BE49-F238E27FC236}">
-                <a16:creationId xmlns:a16="http://schemas.microsoft.com/office/drawing/2014/main" id="{32EFB992-2C30-4EAF-BEBE-3956E22AED80}"/>
+                <a16:creationId xmlns:a16="http://schemas.microsoft.com/office/drawing/2014/main" id="{B79BAAA6-367C-4384-8DF7-1FDE238708AF}"/>
               </a:ext>
             </a:extLst>
           </p:cNvPr>
@@ -9201,10 +8324,10 @@
       </p:sp>
       <p:sp>
         <p:nvSpPr>
-          <p:cNvPr id="5" name="Marcador de contenido 4">
+          <p:cNvPr id="3" name="Marcador de contenido 2">
             <a:extLst>
               <a:ext uri="{FF2B5EF4-FFF2-40B4-BE49-F238E27FC236}">
-                <a16:creationId xmlns:a16="http://schemas.microsoft.com/office/drawing/2014/main" id="{3439BB0B-C629-40B8-82D2-FF38350C8542}"/>
+                <a16:creationId xmlns:a16="http://schemas.microsoft.com/office/drawing/2014/main" id="{CC5A98C9-1FD1-4AB0-8931-47D8BB94FFA6}"/>
               </a:ext>
             </a:extLst>
           </p:cNvPr>
@@ -9215,192 +8338,187 @@
             <p:ph idx="1"/>
           </p:nvPr>
         </p:nvSpPr>
-        <p:spPr>
-          <a:xfrm>
-            <a:off x="838200" y="1825625"/>
-            <a:ext cx="10515600" cy="2107746"/>
-          </a:xfrm>
-        </p:spPr>
+        <p:spPr/>
         <p:txBody>
           <a:bodyPr/>
           <a:lstStyle/>
           <a:p>
-            <a:r>
-              <a:rPr lang="es-ES" dirty="0"/>
+            <a:pPr>
+              <a:lnSpc>
+                <a:spcPct val="150000"/>
+              </a:lnSpc>
+            </a:pPr>
+            <a:r>
+              <a:rPr lang="en-US" dirty="0" err="1"/>
               <a:t>Restricciones</a:t>
             </a:r>
-          </a:p>
-          <a:p>
-            <a:pPr lvl="1"/>
-            <a:r>
-              <a:rPr lang="es-ES" dirty="0"/>
-              <a:t>Se agregan al </a:t>
-            </a:r>
+            <a:endParaRPr lang="en-US" dirty="0"/>
+          </a:p>
+          <a:p>
+            <a:pPr lvl="1">
+              <a:lnSpc>
+                <a:spcPct val="150000"/>
+              </a:lnSpc>
+            </a:pPr>
+            <a:r>
+              <a:rPr lang="en-US" dirty="0" err="1"/>
+              <a:t>AtMostMofN</a:t>
+            </a:r>
+            <a:r>
+              <a:rPr lang="en-US" dirty="0"/>
+              <a:t> ( int M, params </a:t>
+            </a:r>
+            <a:r>
+              <a:rPr lang="en-US" dirty="0" err="1"/>
+              <a:t>CspTerm</a:t>
+            </a:r>
+            <a:r>
+              <a:rPr lang="en-US" dirty="0"/>
+              <a:t>[] inputs )</a:t>
+            </a:r>
+            <a:endParaRPr lang="es-ES" dirty="0"/>
+          </a:p>
+          <a:p>
+            <a:pPr lvl="1">
+              <a:lnSpc>
+                <a:spcPct val="150000"/>
+              </a:lnSpc>
+            </a:pPr>
+            <a:r>
+              <a:rPr lang="en-US" dirty="0"/>
+              <a:t>Equal, Unequal ( </a:t>
+            </a:r>
+            <a:r>
+              <a:rPr lang="en-US" dirty="0" err="1"/>
+              <a:t>CspTerm</a:t>
+            </a:r>
+            <a:r>
+              <a:rPr lang="en-US" dirty="0"/>
+              <a:t>[] inputs )</a:t>
+            </a:r>
+          </a:p>
+          <a:p>
+            <a:pPr lvl="1">
+              <a:lnSpc>
+                <a:spcPct val="150000"/>
+              </a:lnSpc>
+            </a:pPr>
+            <a:r>
+              <a:rPr lang="en-US" dirty="0"/>
+              <a:t>Equal, Unequal ( Int constant, </a:t>
+            </a:r>
+            <a:r>
+              <a:rPr lang="en-US" dirty="0" err="1"/>
+              <a:t>CspTerm</a:t>
+            </a:r>
+            <a:r>
+              <a:rPr lang="en-US" dirty="0"/>
+              <a:t>[] inputs )</a:t>
+            </a:r>
+          </a:p>
+          <a:p>
+            <a:pPr lvl="1">
+              <a:lnSpc>
+                <a:spcPct val="150000"/>
+              </a:lnSpc>
+            </a:pPr>
+            <a:r>
+              <a:rPr lang="en-US" dirty="0" err="1"/>
+              <a:t>ExactlyMofN</a:t>
+            </a:r>
+            <a:r>
+              <a:rPr lang="en-US" dirty="0"/>
+              <a:t> ( int M, params </a:t>
+            </a:r>
+            <a:r>
+              <a:rPr lang="en-US" dirty="0" err="1"/>
+              <a:t>CspTerm</a:t>
+            </a:r>
+            <a:r>
+              <a:rPr lang="en-US" dirty="0"/>
+              <a:t>[] inputs )</a:t>
+            </a:r>
+          </a:p>
+          <a:p>
+            <a:pPr lvl="1">
+              <a:lnSpc>
+                <a:spcPct val="150000"/>
+              </a:lnSpc>
+            </a:pPr>
+            <a:r>
+              <a:rPr lang="en-US" dirty="0"/>
+              <a:t>Greater, </a:t>
+            </a:r>
+            <a:r>
+              <a:rPr lang="en-US" dirty="0" err="1"/>
+              <a:t>GreaterEqual</a:t>
+            </a:r>
+            <a:r>
+              <a:rPr lang="en-US" dirty="0"/>
+              <a:t>, Less, </a:t>
+            </a:r>
+            <a:r>
+              <a:rPr lang="en-US" dirty="0" err="1"/>
+              <a:t>LessEqual</a:t>
+            </a:r>
+            <a:r>
+              <a:rPr lang="en-US" dirty="0"/>
+              <a:t> ( </a:t>
+            </a:r>
+            <a:r>
+              <a:rPr lang="en-US" dirty="0" err="1"/>
+              <a:t>CspTerm</a:t>
+            </a:r>
+            <a:r>
+              <a:rPr lang="en-US" dirty="0"/>
+              <a:t>[] inputs )</a:t>
+            </a:r>
+          </a:p>
+          <a:p>
+            <a:pPr lvl="1">
+              <a:lnSpc>
+                <a:spcPct val="150000"/>
+              </a:lnSpc>
+            </a:pPr>
             <a:r>
               <a:rPr lang="es-ES" dirty="0" err="1"/>
-              <a:t>solver</a:t>
-            </a:r>
-            <a:r>
-              <a:rPr lang="es-ES" dirty="0"/>
-              <a:t> invocando </a:t>
-            </a:r>
-            <a:r>
-              <a:rPr lang="es-ES" dirty="0" err="1"/>
-              <a:t>AddConstraint</a:t>
-            </a:r>
-            <a:r>
-              <a:rPr lang="es-ES" dirty="0"/>
-              <a:t>()</a:t>
-            </a:r>
-          </a:p>
-          <a:p>
-            <a:pPr lvl="1"/>
-            <a:r>
-              <a:rPr lang="es-ES" dirty="0"/>
-              <a:t>Solo </a:t>
-            </a:r>
-            <a:r>
-              <a:rPr lang="es-ES" dirty="0" err="1"/>
-              <a:t>Hard</a:t>
-            </a:r>
-            <a:r>
-              <a:rPr lang="es-ES" dirty="0"/>
-              <a:t> </a:t>
-            </a:r>
-            <a:r>
-              <a:rPr lang="es-ES" dirty="0" err="1"/>
-              <a:t>Constraint</a:t>
-            </a:r>
-            <a:endParaRPr lang="es-ES" dirty="0"/>
-          </a:p>
-          <a:p>
-            <a:pPr lvl="1"/>
-            <a:r>
-              <a:rPr lang="es-ES" dirty="0"/>
-              <a:t>Para crear </a:t>
-            </a:r>
-            <a:r>
-              <a:rPr lang="es-ES" dirty="0" err="1"/>
-              <a:t>Soft</a:t>
-            </a:r>
-            <a:r>
-              <a:rPr lang="es-ES" dirty="0"/>
-              <a:t> </a:t>
-            </a:r>
-            <a:r>
-              <a:rPr lang="es-ES" dirty="0" err="1"/>
-              <a:t>Constraint</a:t>
-            </a:r>
-            <a:r>
-              <a:rPr lang="es-ES" dirty="0"/>
-              <a:t> tenemos que ponernos creativos</a:t>
-            </a:r>
-          </a:p>
-          <a:p>
-            <a:pPr lvl="2"/>
-            <a:r>
-              <a:rPr lang="es-ES" dirty="0"/>
-              <a:t>d == 1 – ocupado</a:t>
-            </a:r>
-          </a:p>
-          <a:p>
-            <a:endParaRPr lang="es-ES" dirty="0"/>
-          </a:p>
-        </p:txBody>
-      </p:sp>
-      <p:sp>
-        <p:nvSpPr>
-          <p:cNvPr id="6" name="CuadroTexto 5">
-            <a:extLst>
-              <a:ext uri="{FF2B5EF4-FFF2-40B4-BE49-F238E27FC236}">
-                <a16:creationId xmlns:a16="http://schemas.microsoft.com/office/drawing/2014/main" id="{E76BC3E1-C1AA-4E60-8A01-03548C28054A}"/>
-              </a:ext>
-            </a:extLst>
-          </p:cNvPr>
-          <p:cNvSpPr txBox="1"/>
-          <p:nvPr/>
-        </p:nvSpPr>
-        <p:spPr>
-          <a:xfrm>
-            <a:off x="2810759" y="4392890"/>
-            <a:ext cx="6570482" cy="1754326"/>
-          </a:xfrm>
-          <a:prstGeom prst="rect">
-            <a:avLst/>
-          </a:prstGeom>
-          <a:noFill/>
-        </p:spPr>
-        <p:txBody>
-          <a:bodyPr wrap="square" rtlCol="0">
-            <a:spAutoFit/>
-          </a:bodyPr>
-          <a:lstStyle/>
-          <a:p>
+              <a:t>Implies</a:t>
+            </a:r>
+            <a:r>
+              <a:rPr lang="es-ES" dirty="0"/>
+              <a:t> ( </a:t>
+            </a:r>
             <a:r>
               <a:rPr lang="es-ES" dirty="0" err="1"/>
               <a:t>CspTerm</a:t>
             </a:r>
             <a:r>
               <a:rPr lang="es-ES" dirty="0"/>
-              <a:t>[] tablero;</a:t>
-            </a:r>
-          </a:p>
-          <a:p>
+              <a:t> </a:t>
+            </a:r>
             <a:r>
               <a:rPr lang="es-ES" dirty="0" err="1"/>
-              <a:t>S.AddConstraints</a:t>
-            </a:r>
-            <a:r>
-              <a:rPr lang="es-ES" dirty="0"/>
-              <a:t>(</a:t>
-            </a:r>
-          </a:p>
-          <a:p>
-            <a:r>
-              <a:rPr lang="es-ES" dirty="0"/>
-              <a:t>                        </a:t>
+              <a:t>antecedent</a:t>
+            </a:r>
+            <a:r>
+              <a:rPr lang="es-ES" dirty="0"/>
+              <a:t>, </a:t>
             </a:r>
             <a:r>
               <a:rPr lang="es-ES" dirty="0" err="1"/>
-              <a:t>S.Unequal</a:t>
-            </a:r>
-            <a:r>
-              <a:rPr lang="es-ES" dirty="0"/>
-              <a:t>(tablero[i], tablero[j]) // Fila</a:t>
-            </a:r>
-          </a:p>
-          <a:p>
-            <a:r>
-              <a:rPr lang="es-ES" dirty="0"/>
-              <a:t>                        , </a:t>
+              <a:t>CspTerm</a:t>
+            </a:r>
+            <a:r>
+              <a:rPr lang="es-ES" dirty="0"/>
+              <a:t> </a:t>
             </a:r>
             <a:r>
               <a:rPr lang="es-ES" dirty="0" err="1"/>
-              <a:t>S.Unequal</a:t>
-            </a:r>
-            <a:r>
-              <a:rPr lang="es-ES" dirty="0"/>
-              <a:t>(tablero[j] + (j - i), tablero[i]) // Diagonal 1</a:t>
-            </a:r>
-          </a:p>
-          <a:p>
-            <a:r>
-              <a:rPr lang="es-ES" dirty="0"/>
-              <a:t>                        , </a:t>
-            </a:r>
-            <a:r>
-              <a:rPr lang="es-ES" dirty="0" err="1"/>
-              <a:t>S.Unequal</a:t>
-            </a:r>
-            <a:r>
-              <a:rPr lang="es-ES" dirty="0"/>
-              <a:t>(tablero[j] - (j - i), tablero[i]) // Diagonal 2</a:t>
-            </a:r>
-          </a:p>
-          <a:p>
-            <a:r>
-              <a:rPr lang="es-ES" dirty="0"/>
-              <a:t>                        );</a:t>
+              <a:t>consequent</a:t>
+            </a:r>
+            <a:r>
+              <a:rPr lang="es-ES" dirty="0"/>
+              <a:t>)</a:t>
             </a:r>
           </a:p>
         </p:txBody>
@@ -9408,7 +8526,7 @@
     </p:spTree>
     <p:extLst>
       <p:ext uri="{BB962C8B-B14F-4D97-AF65-F5344CB8AC3E}">
-        <p14:creationId xmlns:p14="http://schemas.microsoft.com/office/powerpoint/2010/main" val="2260284546"/>
+        <p14:creationId xmlns:p14="http://schemas.microsoft.com/office/powerpoint/2010/main" val="366485284"/>
       </p:ext>
     </p:extLst>
   </p:cSld>
@@ -9440,7 +8558,7 @@
           <p:cNvPr id="2" name="Título 1">
             <a:extLst>
               <a:ext uri="{FF2B5EF4-FFF2-40B4-BE49-F238E27FC236}">
-                <a16:creationId xmlns:a16="http://schemas.microsoft.com/office/drawing/2014/main" id="{B79BAAA6-367C-4384-8DF7-1FDE238708AF}"/>
+                <a16:creationId xmlns:a16="http://schemas.microsoft.com/office/drawing/2014/main" id="{87C3067D-8A9C-45F2-9306-3680BE4FF7CD}"/>
               </a:ext>
             </a:extLst>
           </p:cNvPr>
@@ -9469,7 +8587,7 @@
           <p:cNvPr id="3" name="Marcador de contenido 2">
             <a:extLst>
               <a:ext uri="{FF2B5EF4-FFF2-40B4-BE49-F238E27FC236}">
-                <a16:creationId xmlns:a16="http://schemas.microsoft.com/office/drawing/2014/main" id="{CC5A98C9-1FD1-4AB0-8931-47D8BB94FFA6}"/>
+                <a16:creationId xmlns:a16="http://schemas.microsoft.com/office/drawing/2014/main" id="{51C7F884-F8DB-4F05-AF35-8B326BA22301}"/>
               </a:ext>
             </a:extLst>
           </p:cNvPr>
@@ -9487,28 +8605,86 @@
           <a:p>
             <a:pPr>
               <a:lnSpc>
-                <a:spcPct val="150000"/>
+                <a:spcPct val="100000"/>
               </a:lnSpc>
             </a:pPr>
             <a:r>
               <a:rPr lang="en-US" dirty="0" err="1"/>
-              <a:t>Restricciones</a:t>
+              <a:t>Funciones</a:t>
             </a:r>
             <a:endParaRPr lang="en-US" dirty="0"/>
           </a:p>
           <a:p>
             <a:pPr lvl="1">
               <a:lnSpc>
-                <a:spcPct val="150000"/>
+                <a:spcPct val="100000"/>
               </a:lnSpc>
             </a:pPr>
             <a:r>
+              <a:rPr lang="es-ES" dirty="0" err="1"/>
+              <a:t>Abs</a:t>
+            </a:r>
+            <a:r>
+              <a:rPr lang="es-ES" dirty="0"/>
+              <a:t>( </a:t>
+            </a:r>
+            <a:r>
+              <a:rPr lang="es-ES" dirty="0" err="1"/>
+              <a:t>CspTerm</a:t>
+            </a:r>
+            <a:r>
+              <a:rPr lang="es-ES" dirty="0"/>
+              <a:t> input ) </a:t>
+            </a:r>
+          </a:p>
+          <a:p>
+            <a:pPr lvl="1">
+              <a:lnSpc>
+                <a:spcPct val="100000"/>
+              </a:lnSpc>
+            </a:pPr>
+            <a:r>
+              <a:rPr lang="es-ES" dirty="0"/>
+              <a:t>And, </a:t>
+            </a:r>
+            <a:r>
+              <a:rPr lang="es-ES" dirty="0" err="1"/>
+              <a:t>Or</a:t>
+            </a:r>
+            <a:r>
+              <a:rPr lang="es-ES" dirty="0"/>
+              <a:t> ( </a:t>
+            </a:r>
+            <a:r>
+              <a:rPr lang="es-ES" dirty="0" err="1"/>
+              <a:t>params</a:t>
+            </a:r>
+            <a:r>
+              <a:rPr lang="es-ES" dirty="0"/>
+              <a:t> </a:t>
+            </a:r>
+            <a:r>
+              <a:rPr lang="es-ES" dirty="0" err="1"/>
+              <a:t>CspTerm</a:t>
+            </a:r>
+            <a:r>
+              <a:rPr lang="es-ES" dirty="0"/>
+              <a:t>[] inputs )</a:t>
+            </a:r>
+          </a:p>
+          <a:p>
+            <a:pPr lvl="1">
+              <a:lnSpc>
+                <a:spcPct val="100000"/>
+              </a:lnSpc>
+            </a:pPr>
+            <a:r>
               <a:rPr lang="en-US" dirty="0" err="1"/>
-              <a:t>AtMostMofN</a:t>
+              <a:t>FilteredSum</a:t>
             </a:r>
             <a:r>
               <a:rPr lang="en-US" dirty="0"/>
-              <a:t> ( int M, params </a:t>
+              <a:t>( </a:t>
             </a:r>
             <a:r>
               <a:rPr lang="en-US" dirty="0" err="1"/>
@@ -9516,19 +8692,84 @@
             </a:r>
             <a:r>
               <a:rPr lang="en-US" dirty="0"/>
+              <a:t>[] conditions, </a:t>
+            </a:r>
+            <a:r>
+              <a:rPr lang="en-US" dirty="0" err="1"/>
+              <a:t>CspTerm</a:t>
+            </a:r>
+            <a:r>
+              <a:rPr lang="en-US" dirty="0"/>
               <a:t>[] inputs )</a:t>
             </a:r>
-            <a:endParaRPr lang="es-ES" dirty="0"/>
           </a:p>
           <a:p>
             <a:pPr lvl="1">
               <a:lnSpc>
-                <a:spcPct val="150000"/>
+                <a:spcPct val="100000"/>
               </a:lnSpc>
             </a:pPr>
             <a:r>
+              <a:rPr lang="es-ES" dirty="0"/>
+              <a:t>Max, Min ( </a:t>
+            </a:r>
+            <a:r>
+              <a:rPr lang="es-ES" dirty="0" err="1"/>
+              <a:t>params</a:t>
+            </a:r>
+            <a:r>
+              <a:rPr lang="es-ES" dirty="0"/>
+              <a:t> </a:t>
+            </a:r>
+            <a:r>
+              <a:rPr lang="es-ES" dirty="0" err="1"/>
+              <a:t>CspTerm</a:t>
+            </a:r>
+            <a:r>
+              <a:rPr lang="es-ES" dirty="0"/>
+              <a:t>[] inputs )</a:t>
+            </a:r>
+          </a:p>
+          <a:p>
+            <a:pPr lvl="1">
+              <a:lnSpc>
+                <a:spcPct val="100000"/>
+              </a:lnSpc>
+            </a:pPr>
+            <a:r>
+              <a:rPr lang="es-ES" dirty="0"/>
+              <a:t>Sum( </a:t>
+            </a:r>
+            <a:r>
+              <a:rPr lang="es-ES" dirty="0" err="1"/>
+              <a:t>params</a:t>
+            </a:r>
+            <a:r>
+              <a:rPr lang="es-ES" dirty="0"/>
+              <a:t> </a:t>
+            </a:r>
+            <a:r>
+              <a:rPr lang="es-ES" dirty="0" err="1"/>
+              <a:t>CspTerm</a:t>
+            </a:r>
+            <a:r>
+              <a:rPr lang="es-ES" dirty="0"/>
+              <a:t>[] inputs )</a:t>
+            </a:r>
+          </a:p>
+          <a:p>
+            <a:pPr lvl="1">
+              <a:lnSpc>
+                <a:spcPct val="100000"/>
+              </a:lnSpc>
+            </a:pPr>
+            <a:r>
+              <a:rPr lang="en-US" dirty="0" err="1"/>
+              <a:t>SumProduct</a:t>
+            </a:r>
+            <a:r>
               <a:rPr lang="en-US" dirty="0"/>
-              <a:t>Equal, Unequal ( </a:t>
+              <a:t>( </a:t>
             </a:r>
             <a:r>
               <a:rPr lang="en-US" dirty="0" err="1"/>
@@ -9536,131 +8777,131 @@
             </a:r>
             <a:r>
               <a:rPr lang="en-US" dirty="0"/>
-              <a:t>[] inputs )</a:t>
-            </a:r>
+              <a:t>[] inputs1, </a:t>
+            </a:r>
+            <a:r>
+              <a:rPr lang="en-US" dirty="0" err="1"/>
+              <a:t>CspTerm</a:t>
+            </a:r>
+            <a:r>
+              <a:rPr lang="en-US" dirty="0"/>
+              <a:t>[] inputs2 )</a:t>
+            </a:r>
+            <a:endParaRPr lang="es-ES" dirty="0"/>
           </a:p>
           <a:p>
             <a:pPr lvl="1">
               <a:lnSpc>
-                <a:spcPct val="150000"/>
+                <a:spcPct val="100000"/>
               </a:lnSpc>
             </a:pPr>
-            <a:r>
-              <a:rPr lang="en-US" dirty="0"/>
-              <a:t>Equal, Unequal ( Int constant, </a:t>
-            </a:r>
-            <a:r>
-              <a:rPr lang="en-US" dirty="0" err="1"/>
-              <a:t>CspTerm</a:t>
-            </a:r>
-            <a:r>
-              <a:rPr lang="en-US" dirty="0"/>
-              <a:t>[] inputs )</a:t>
-            </a:r>
-          </a:p>
-          <a:p>
-            <a:pPr lvl="1">
+            <a:endParaRPr lang="en-US" dirty="0"/>
+          </a:p>
+          <a:p>
+            <a:pPr>
               <a:lnSpc>
-                <a:spcPct val="150000"/>
+                <a:spcPct val="100000"/>
               </a:lnSpc>
             </a:pPr>
-            <a:r>
-              <a:rPr lang="en-US" dirty="0" err="1"/>
-              <a:t>ExactlyMofN</a:t>
-            </a:r>
-            <a:r>
-              <a:rPr lang="en-US" dirty="0"/>
-              <a:t> ( int M, params </a:t>
-            </a:r>
-            <a:r>
-              <a:rPr lang="en-US" dirty="0" err="1"/>
-              <a:t>CspTerm</a:t>
-            </a:r>
-            <a:r>
-              <a:rPr lang="en-US" dirty="0"/>
-              <a:t>[] inputs )</a:t>
-            </a:r>
-          </a:p>
-          <a:p>
-            <a:pPr lvl="1">
-              <a:lnSpc>
-                <a:spcPct val="150000"/>
-              </a:lnSpc>
-            </a:pPr>
-            <a:r>
-              <a:rPr lang="en-US" dirty="0"/>
-              <a:t>Greater, </a:t>
-            </a:r>
-            <a:r>
-              <a:rPr lang="en-US" dirty="0" err="1"/>
-              <a:t>GreaterEqual</a:t>
-            </a:r>
-            <a:r>
-              <a:rPr lang="en-US" dirty="0"/>
-              <a:t>, Less, </a:t>
-            </a:r>
-            <a:r>
-              <a:rPr lang="en-US" dirty="0" err="1"/>
-              <a:t>LessEqual</a:t>
-            </a:r>
-            <a:r>
-              <a:rPr lang="en-US" dirty="0"/>
-              <a:t> ( </a:t>
-            </a:r>
-            <a:r>
-              <a:rPr lang="en-US" dirty="0" err="1"/>
-              <a:t>CspTerm</a:t>
-            </a:r>
-            <a:r>
-              <a:rPr lang="en-US" dirty="0"/>
-              <a:t>[] inputs )</a:t>
-            </a:r>
-          </a:p>
-          <a:p>
-            <a:pPr lvl="1">
-              <a:lnSpc>
-                <a:spcPct val="150000"/>
-              </a:lnSpc>
-            </a:pPr>
-            <a:r>
-              <a:rPr lang="es-ES" dirty="0" err="1"/>
-              <a:t>Implies</a:t>
-            </a:r>
-            <a:r>
-              <a:rPr lang="es-ES" dirty="0"/>
-              <a:t> ( </a:t>
-            </a:r>
+            <a:endParaRPr lang="es-ES" dirty="0"/>
+          </a:p>
+        </p:txBody>
+      </p:sp>
+      <p:sp>
+        <p:nvSpPr>
+          <p:cNvPr id="4" name="CuadroTexto 3">
+            <a:extLst>
+              <a:ext uri="{FF2B5EF4-FFF2-40B4-BE49-F238E27FC236}">
+                <a16:creationId xmlns:a16="http://schemas.microsoft.com/office/drawing/2014/main" id="{14EC115F-949E-4300-8516-DFD0DE912CF3}"/>
+              </a:ext>
+            </a:extLst>
+          </p:cNvPr>
+          <p:cNvSpPr txBox="1"/>
+          <p:nvPr/>
+        </p:nvSpPr>
+        <p:spPr>
+          <a:xfrm>
+            <a:off x="2810759" y="5015547"/>
+            <a:ext cx="6570482" cy="1477328"/>
+          </a:xfrm>
+          <a:prstGeom prst="rect">
+            <a:avLst/>
+          </a:prstGeom>
+          <a:noFill/>
+        </p:spPr>
+        <p:txBody>
+          <a:bodyPr wrap="square" rtlCol="0">
+            <a:spAutoFit/>
+          </a:bodyPr>
+          <a:lstStyle/>
+          <a:p>
             <a:r>
               <a:rPr lang="es-ES" dirty="0" err="1"/>
               <a:t>CspTerm</a:t>
             </a:r>
             <a:r>
               <a:rPr lang="es-ES" dirty="0"/>
-              <a:t> </a:t>
-            </a:r>
+              <a:t>[] tablero;</a:t>
+            </a:r>
+          </a:p>
+          <a:p>
             <a:r>
               <a:rPr lang="es-ES" dirty="0" err="1"/>
-              <a:t>antecedent</a:t>
-            </a:r>
-            <a:r>
-              <a:rPr lang="es-ES" dirty="0"/>
-              <a:t>, </a:t>
+              <a:t>S.AddConstraints</a:t>
+            </a:r>
+            <a:r>
+              <a:rPr lang="es-ES" dirty="0"/>
+              <a:t>(</a:t>
+            </a:r>
+          </a:p>
+          <a:p>
+            <a:r>
+              <a:rPr lang="es-ES" dirty="0"/>
+              <a:t>                        </a:t>
             </a:r>
             <a:r>
               <a:rPr lang="es-ES" dirty="0" err="1"/>
-              <a:t>CspTerm</a:t>
-            </a:r>
-            <a:r>
-              <a:rPr lang="es-ES" dirty="0"/>
-              <a:t> </a:t>
+              <a:t>S.Equal</a:t>
+            </a:r>
+            <a:r>
+              <a:rPr lang="es-ES" dirty="0"/>
+              <a:t>(3, </a:t>
             </a:r>
             <a:r>
               <a:rPr lang="es-ES" dirty="0" err="1"/>
-              <a:t>consequent</a:t>
-            </a:r>
-            <a:r>
-              <a:rPr lang="es-ES" dirty="0"/>
-              <a:t>)</a:t>
+              <a:t>S.Sum</a:t>
+            </a:r>
+            <a:r>
+              <a:rPr lang="es-ES" dirty="0"/>
+              <a:t>(tablero))</a:t>
+            </a:r>
+          </a:p>
+          <a:p>
+            <a:r>
+              <a:rPr lang="es-ES" dirty="0"/>
+              <a:t>                        , </a:t>
+            </a:r>
+            <a:r>
+              <a:rPr lang="es-ES" dirty="0" err="1"/>
+              <a:t>S.Equal</a:t>
+            </a:r>
+            <a:r>
+              <a:rPr lang="es-ES" dirty="0"/>
+              <a:t>(10, </a:t>
+            </a:r>
+            <a:r>
+              <a:rPr lang="es-ES" dirty="0" err="1"/>
+              <a:t>S.Max</a:t>
+            </a:r>
+            <a:r>
+              <a:rPr lang="es-ES" dirty="0"/>
+              <a:t>(tablero))</a:t>
+            </a:r>
+          </a:p>
+          <a:p>
+            <a:r>
+              <a:rPr lang="es-ES" dirty="0"/>
+              <a:t>	      );</a:t>
             </a:r>
           </a:p>
         </p:txBody>
@@ -9668,7 +8909,7 @@
     </p:spTree>
     <p:extLst>
       <p:ext uri="{BB962C8B-B14F-4D97-AF65-F5344CB8AC3E}">
-        <p14:creationId xmlns:p14="http://schemas.microsoft.com/office/powerpoint/2010/main" val="366485284"/>
+        <p14:creationId xmlns:p14="http://schemas.microsoft.com/office/powerpoint/2010/main" val="3998718605"/>
       </p:ext>
     </p:extLst>
   </p:cSld>
@@ -9700,7 +8941,7 @@
           <p:cNvPr id="2" name="Título 1">
             <a:extLst>
               <a:ext uri="{FF2B5EF4-FFF2-40B4-BE49-F238E27FC236}">
-                <a16:creationId xmlns:a16="http://schemas.microsoft.com/office/drawing/2014/main" id="{87C3067D-8A9C-45F2-9306-3680BE4FF7CD}"/>
+                <a16:creationId xmlns:a16="http://schemas.microsoft.com/office/drawing/2014/main" id="{68E994DC-85C9-4AE6-807F-05DDA066B8D2}"/>
               </a:ext>
             </a:extLst>
           </p:cNvPr>
@@ -9729,7 +8970,7 @@
           <p:cNvPr id="3" name="Marcador de contenido 2">
             <a:extLst>
               <a:ext uri="{FF2B5EF4-FFF2-40B4-BE49-F238E27FC236}">
-                <a16:creationId xmlns:a16="http://schemas.microsoft.com/office/drawing/2014/main" id="{51C7F884-F8DB-4F05-AF35-8B326BA22301}"/>
+                <a16:creationId xmlns:a16="http://schemas.microsoft.com/office/drawing/2014/main" id="{FB61EF6A-E054-42C2-AA50-0D7E326E425C}"/>
               </a:ext>
             </a:extLst>
           </p:cNvPr>
@@ -9745,313 +8986,107 @@
           <a:bodyPr/>
           <a:lstStyle/>
           <a:p>
-            <a:pPr>
-              <a:lnSpc>
-                <a:spcPct val="100000"/>
-              </a:lnSpc>
-            </a:pPr>
+            <a:r>
+              <a:rPr lang="es-ES" dirty="0"/>
+              <a:t>Resolver el modelo</a:t>
+            </a:r>
+          </a:p>
+          <a:p>
+            <a:pPr lvl="1"/>
+            <a:r>
+              <a:rPr lang="es-ES" dirty="0"/>
+              <a:t>Invocamos el método </a:t>
+            </a:r>
+            <a:r>
+              <a:rPr lang="es-ES" dirty="0" err="1"/>
+              <a:t>Solve</a:t>
+            </a:r>
+            <a:r>
+              <a:rPr lang="es-ES" dirty="0"/>
+              <a:t>() que nos devuelve un objeto </a:t>
+            </a:r>
+            <a:r>
+              <a:rPr lang="es-ES" dirty="0" err="1"/>
+              <a:t>ConstraintSolverSolution</a:t>
+            </a:r>
+            <a:endParaRPr lang="es-ES" dirty="0"/>
+          </a:p>
+          <a:p>
+            <a:pPr lvl="1"/>
+            <a:r>
+              <a:rPr lang="es-ES" dirty="0"/>
+              <a:t>Propiedades</a:t>
+            </a:r>
+          </a:p>
+          <a:p>
+            <a:pPr lvl="2"/>
+            <a:r>
+              <a:rPr lang="es-ES" dirty="0" err="1"/>
+              <a:t>HasFoundSolution</a:t>
+            </a:r>
+            <a:endParaRPr lang="es-ES" dirty="0"/>
+          </a:p>
+          <a:p>
+            <a:pPr lvl="2"/>
+            <a:r>
+              <a:rPr lang="es-ES" dirty="0" err="1"/>
+              <a:t>Quality</a:t>
+            </a:r>
+            <a:endParaRPr lang="es-ES" dirty="0"/>
+          </a:p>
+          <a:p>
+            <a:pPr lvl="3"/>
+            <a:r>
+              <a:rPr lang="es-ES" dirty="0"/>
+              <a:t>Sin solución</a:t>
+            </a:r>
+          </a:p>
+          <a:p>
+            <a:pPr lvl="3"/>
+            <a:r>
+              <a:rPr lang="es-ES" dirty="0"/>
+              <a:t>Inviable</a:t>
+            </a:r>
+          </a:p>
+          <a:p>
+            <a:pPr lvl="3"/>
+            <a:r>
+              <a:rPr lang="es-ES" dirty="0"/>
+              <a:t>Viable</a:t>
+            </a:r>
+          </a:p>
+          <a:p>
+            <a:pPr lvl="3"/>
+            <a:r>
+              <a:rPr lang="es-ES" dirty="0"/>
+              <a:t>Optima</a:t>
+            </a:r>
+          </a:p>
+          <a:p>
+            <a:pPr lvl="1"/>
+            <a:r>
+              <a:rPr lang="es-ES" dirty="0"/>
+              <a:t>Obtener soluciones</a:t>
+            </a:r>
+          </a:p>
+          <a:p>
+            <a:pPr lvl="2"/>
             <a:r>
               <a:rPr lang="en-US" dirty="0" err="1"/>
-              <a:t>Funciones</a:t>
-            </a:r>
-            <a:endParaRPr lang="en-US" dirty="0"/>
-          </a:p>
-          <a:p>
-            <a:pPr lvl="1">
-              <a:lnSpc>
-                <a:spcPct val="100000"/>
-              </a:lnSpc>
-            </a:pPr>
-            <a:r>
-              <a:rPr lang="es-ES" dirty="0" err="1"/>
-              <a:t>Abs</a:t>
-            </a:r>
-            <a:r>
-              <a:rPr lang="es-ES" dirty="0"/>
-              <a:t>( </a:t>
-            </a:r>
-            <a:r>
-              <a:rPr lang="es-ES" dirty="0" err="1"/>
-              <a:t>CspTerm</a:t>
-            </a:r>
-            <a:r>
-              <a:rPr lang="es-ES" dirty="0"/>
-              <a:t> input ) </a:t>
-            </a:r>
-          </a:p>
-          <a:p>
-            <a:pPr lvl="1">
-              <a:lnSpc>
-                <a:spcPct val="100000"/>
-              </a:lnSpc>
-            </a:pPr>
-            <a:r>
-              <a:rPr lang="es-ES" dirty="0"/>
-              <a:t>And, </a:t>
-            </a:r>
-            <a:r>
-              <a:rPr lang="es-ES" dirty="0" err="1"/>
-              <a:t>Or</a:t>
-            </a:r>
-            <a:r>
-              <a:rPr lang="es-ES" dirty="0"/>
-              <a:t> ( </a:t>
-            </a:r>
-            <a:r>
-              <a:rPr lang="es-ES" dirty="0" err="1"/>
-              <a:t>params</a:t>
-            </a:r>
-            <a:r>
-              <a:rPr lang="es-ES" dirty="0"/>
-              <a:t> </a:t>
-            </a:r>
-            <a:r>
-              <a:rPr lang="es-ES" dirty="0" err="1"/>
-              <a:t>CspTerm</a:t>
-            </a:r>
-            <a:r>
-              <a:rPr lang="es-ES" dirty="0"/>
-              <a:t>[] inputs )</a:t>
-            </a:r>
-          </a:p>
-          <a:p>
-            <a:pPr lvl="1">
-              <a:lnSpc>
-                <a:spcPct val="100000"/>
-              </a:lnSpc>
-            </a:pPr>
-            <a:r>
-              <a:rPr lang="en-US" dirty="0" err="1"/>
-              <a:t>FilteredSum</a:t>
+              <a:t>GetNext</a:t>
             </a:r>
             <a:r>
               <a:rPr lang="en-US" dirty="0"/>
-              <a:t>( </a:t>
-            </a:r>
-            <a:r>
-              <a:rPr lang="en-US" dirty="0" err="1"/>
-              <a:t>CspTerm</a:t>
-            </a:r>
-            <a:r>
-              <a:rPr lang="en-US" dirty="0"/>
-              <a:t>[] conditions, </a:t>
-            </a:r>
-            <a:r>
-              <a:rPr lang="en-US" dirty="0" err="1"/>
-              <a:t>CspTerm</a:t>
-            </a:r>
-            <a:r>
-              <a:rPr lang="en-US" dirty="0"/>
-              <a:t>[] inputs )</a:t>
-            </a:r>
-          </a:p>
-          <a:p>
-            <a:pPr lvl="1">
-              <a:lnSpc>
-                <a:spcPct val="100000"/>
-              </a:lnSpc>
-            </a:pPr>
-            <a:r>
-              <a:rPr lang="es-ES" dirty="0"/>
-              <a:t>Max, Min ( </a:t>
-            </a:r>
-            <a:r>
-              <a:rPr lang="es-ES" dirty="0" err="1"/>
-              <a:t>params</a:t>
-            </a:r>
-            <a:r>
-              <a:rPr lang="es-ES" dirty="0"/>
-              <a:t> </a:t>
-            </a:r>
-            <a:r>
-              <a:rPr lang="es-ES" dirty="0" err="1"/>
-              <a:t>CspTerm</a:t>
-            </a:r>
-            <a:r>
-              <a:rPr lang="es-ES" dirty="0"/>
-              <a:t>[] inputs )</a:t>
-            </a:r>
-          </a:p>
-          <a:p>
-            <a:pPr lvl="1">
-              <a:lnSpc>
-                <a:spcPct val="100000"/>
-              </a:lnSpc>
-            </a:pPr>
-            <a:r>
-              <a:rPr lang="es-ES" dirty="0"/>
-              <a:t>Sum( </a:t>
-            </a:r>
-            <a:r>
-              <a:rPr lang="es-ES" dirty="0" err="1"/>
-              <a:t>params</a:t>
-            </a:r>
-            <a:r>
-              <a:rPr lang="es-ES" dirty="0"/>
-              <a:t> </a:t>
-            </a:r>
-            <a:r>
-              <a:rPr lang="es-ES" dirty="0" err="1"/>
-              <a:t>CspTerm</a:t>
-            </a:r>
-            <a:r>
-              <a:rPr lang="es-ES" dirty="0"/>
-              <a:t>[] inputs )</a:t>
-            </a:r>
-          </a:p>
-          <a:p>
-            <a:pPr lvl="1">
-              <a:lnSpc>
-                <a:spcPct val="100000"/>
-              </a:lnSpc>
-            </a:pPr>
-            <a:r>
-              <a:rPr lang="en-US" dirty="0" err="1"/>
-              <a:t>SumProduct</a:t>
-            </a:r>
-            <a:r>
-              <a:rPr lang="en-US" dirty="0"/>
-              <a:t>( </a:t>
-            </a:r>
-            <a:r>
-              <a:rPr lang="en-US" dirty="0" err="1"/>
-              <a:t>CspTerm</a:t>
-            </a:r>
-            <a:r>
-              <a:rPr lang="en-US" dirty="0"/>
-              <a:t>[] inputs1, </a:t>
-            </a:r>
-            <a:r>
-              <a:rPr lang="en-US" dirty="0" err="1"/>
-              <a:t>CspTerm</a:t>
-            </a:r>
-            <a:r>
-              <a:rPr lang="en-US" dirty="0"/>
-              <a:t>[] inputs2 )</a:t>
+              <a:t>()</a:t>
             </a:r>
             <a:endParaRPr lang="es-ES" dirty="0"/>
-          </a:p>
-          <a:p>
-            <a:pPr lvl="1">
-              <a:lnSpc>
-                <a:spcPct val="100000"/>
-              </a:lnSpc>
-            </a:pPr>
-            <a:endParaRPr lang="en-US" dirty="0"/>
-          </a:p>
-          <a:p>
-            <a:pPr>
-              <a:lnSpc>
-                <a:spcPct val="100000"/>
-              </a:lnSpc>
-            </a:pPr>
-            <a:endParaRPr lang="es-ES" dirty="0"/>
-          </a:p>
-        </p:txBody>
-      </p:sp>
-      <p:sp>
-        <p:nvSpPr>
-          <p:cNvPr id="4" name="CuadroTexto 3">
-            <a:extLst>
-              <a:ext uri="{FF2B5EF4-FFF2-40B4-BE49-F238E27FC236}">
-                <a16:creationId xmlns:a16="http://schemas.microsoft.com/office/drawing/2014/main" id="{14EC115F-949E-4300-8516-DFD0DE912CF3}"/>
-              </a:ext>
-            </a:extLst>
-          </p:cNvPr>
-          <p:cNvSpPr txBox="1"/>
-          <p:nvPr/>
-        </p:nvSpPr>
-        <p:spPr>
-          <a:xfrm>
-            <a:off x="2810759" y="5015547"/>
-            <a:ext cx="6570482" cy="1477328"/>
-          </a:xfrm>
-          <a:prstGeom prst="rect">
-            <a:avLst/>
-          </a:prstGeom>
-          <a:noFill/>
-        </p:spPr>
-        <p:txBody>
-          <a:bodyPr wrap="square" rtlCol="0">
-            <a:spAutoFit/>
-          </a:bodyPr>
-          <a:lstStyle/>
-          <a:p>
-            <a:r>
-              <a:rPr lang="es-ES" dirty="0" err="1"/>
-              <a:t>CspTerm</a:t>
-            </a:r>
-            <a:r>
-              <a:rPr lang="es-ES" dirty="0"/>
-              <a:t>[] tablero;</a:t>
-            </a:r>
-          </a:p>
-          <a:p>
-            <a:r>
-              <a:rPr lang="es-ES" dirty="0" err="1"/>
-              <a:t>S.AddConstraints</a:t>
-            </a:r>
-            <a:r>
-              <a:rPr lang="es-ES" dirty="0"/>
-              <a:t>(</a:t>
-            </a:r>
-          </a:p>
-          <a:p>
-            <a:r>
-              <a:rPr lang="es-ES" dirty="0"/>
-              <a:t>                        </a:t>
-            </a:r>
-            <a:r>
-              <a:rPr lang="es-ES" dirty="0" err="1"/>
-              <a:t>S.Equal</a:t>
-            </a:r>
-            <a:r>
-              <a:rPr lang="es-ES" dirty="0"/>
-              <a:t>(3, </a:t>
-            </a:r>
-            <a:r>
-              <a:rPr lang="es-ES" dirty="0" err="1"/>
-              <a:t>S.Sum</a:t>
-            </a:r>
-            <a:r>
-              <a:rPr lang="es-ES" dirty="0"/>
-              <a:t>(tablero))</a:t>
-            </a:r>
-          </a:p>
-          <a:p>
-            <a:r>
-              <a:rPr lang="es-ES" dirty="0"/>
-              <a:t>                        , </a:t>
-            </a:r>
-            <a:r>
-              <a:rPr lang="es-ES" dirty="0" err="1"/>
-              <a:t>S.Equal</a:t>
-            </a:r>
-            <a:r>
-              <a:rPr lang="es-ES" dirty="0"/>
-              <a:t>(10, </a:t>
-            </a:r>
-            <a:r>
-              <a:rPr lang="es-ES" dirty="0" err="1"/>
-              <a:t>S.Max</a:t>
-            </a:r>
-            <a:r>
-              <a:rPr lang="es-ES" dirty="0"/>
-              <a:t>(tablero))</a:t>
-            </a:r>
-          </a:p>
-          <a:p>
-            <a:r>
-              <a:rPr lang="es-ES" dirty="0"/>
-              <a:t>	      );</a:t>
-            </a:r>
           </a:p>
         </p:txBody>
       </p:sp>
     </p:spTree>
     <p:extLst>
       <p:ext uri="{BB962C8B-B14F-4D97-AF65-F5344CB8AC3E}">
-        <p14:creationId xmlns:p14="http://schemas.microsoft.com/office/powerpoint/2010/main" val="3998718605"/>
+        <p14:creationId xmlns:p14="http://schemas.microsoft.com/office/powerpoint/2010/main" val="2833877487"/>
       </p:ext>
     </p:extLst>
   </p:cSld>
@@ -10080,10 +9115,10 @@
       </p:grpSpPr>
       <p:sp>
         <p:nvSpPr>
-          <p:cNvPr id="2" name="Título 1">
+          <p:cNvPr id="7" name="Título 6">
             <a:extLst>
               <a:ext uri="{FF2B5EF4-FFF2-40B4-BE49-F238E27FC236}">
-                <a16:creationId xmlns:a16="http://schemas.microsoft.com/office/drawing/2014/main" id="{68E994DC-85C9-4AE6-807F-05DDA066B8D2}"/>
+                <a16:creationId xmlns:a16="http://schemas.microsoft.com/office/drawing/2014/main" id="{B26E78DD-498D-4BBF-9885-1B53A8041E14}"/>
               </a:ext>
             </a:extLst>
           </p:cNvPr>
@@ -10100,135 +9135,751 @@
           <a:lstStyle/>
           <a:p>
             <a:r>
-              <a:rPr lang="es-ES" dirty="0" err="1"/>
-              <a:t>ConstraintSystem</a:t>
-            </a:r>
-            <a:endParaRPr lang="es-ES" dirty="0"/>
-          </a:p>
-        </p:txBody>
-      </p:sp>
-      <p:sp>
-        <p:nvSpPr>
-          <p:cNvPr id="3" name="Marcador de contenido 2">
+              <a:rPr lang="es-ES" dirty="0"/>
+              <a:t>Ejemplo Calendario partidos</a:t>
+            </a:r>
+          </a:p>
+        </p:txBody>
+      </p:sp>
+      <p:sp>
+        <p:nvSpPr>
+          <p:cNvPr id="8" name="Rectángulo 7">
             <a:extLst>
               <a:ext uri="{FF2B5EF4-FFF2-40B4-BE49-F238E27FC236}">
-                <a16:creationId xmlns:a16="http://schemas.microsoft.com/office/drawing/2014/main" id="{FB61EF6A-E054-42C2-AA50-0D7E326E425C}"/>
+                <a16:creationId xmlns:a16="http://schemas.microsoft.com/office/drawing/2014/main" id="{542D0EB3-CC32-41E1-912C-B40690212E56}"/>
               </a:ext>
             </a:extLst>
           </p:cNvPr>
-          <p:cNvSpPr>
-            <a:spLocks noGrp="1"/>
-          </p:cNvSpPr>
-          <p:nvPr>
-            <p:ph idx="1"/>
-          </p:nvPr>
-        </p:nvSpPr>
-        <p:spPr/>
-        <p:txBody>
-          <a:bodyPr/>
+          <p:cNvSpPr/>
+          <p:nvPr/>
+        </p:nvSpPr>
+        <p:spPr>
+          <a:xfrm>
+            <a:off x="94343" y="1841242"/>
+            <a:ext cx="12003314" cy="5016758"/>
+          </a:xfrm>
+          <a:prstGeom prst="rect">
+            <a:avLst/>
+          </a:prstGeom>
+        </p:spPr>
+        <p:txBody>
+          <a:bodyPr wrap="square">
+            <a:spAutoFit/>
+          </a:bodyPr>
           <a:lstStyle/>
           <a:p>
             <a:r>
-              <a:rPr lang="es-ES" dirty="0"/>
-              <a:t>Resolver el modelo</a:t>
-            </a:r>
-          </a:p>
-          <a:p>
-            <a:pPr lvl="1"/>
-            <a:r>
-              <a:rPr lang="es-ES" dirty="0"/>
-              <a:t>Invocamos el método </a:t>
-            </a:r>
-            <a:r>
-              <a:rPr lang="es-ES" dirty="0" err="1"/>
-              <a:t>Solve</a:t>
-            </a:r>
-            <a:r>
-              <a:rPr lang="es-ES" dirty="0"/>
-              <a:t>() que nos devuelve un objeto </a:t>
-            </a:r>
-            <a:r>
-              <a:rPr lang="es-ES" dirty="0" err="1"/>
+              <a:rPr lang="en-US" sz="1600" dirty="0">
+                <a:solidFill>
+                  <a:srgbClr val="0000FF"/>
+                </a:solidFill>
+                <a:latin typeface="Consolas" panose="020B0609020204030204" pitchFamily="49" charset="0"/>
+              </a:rPr>
+              <a:t>public</a:t>
+            </a:r>
+            <a:r>
+              <a:rPr lang="en-US" sz="1600" dirty="0">
+                <a:solidFill>
+                  <a:srgbClr val="000000"/>
+                </a:solidFill>
+                <a:latin typeface="Consolas" panose="020B0609020204030204" pitchFamily="49" charset="0"/>
+              </a:rPr>
+              <a:t> </a:t>
+            </a:r>
+            <a:r>
+              <a:rPr lang="en-US" sz="1600" dirty="0">
+                <a:solidFill>
+                  <a:srgbClr val="0000FF"/>
+                </a:solidFill>
+                <a:latin typeface="Consolas" panose="020B0609020204030204" pitchFamily="49" charset="0"/>
+              </a:rPr>
+              <a:t>static</a:t>
+            </a:r>
+            <a:r>
+              <a:rPr lang="en-US" sz="1600" dirty="0">
+                <a:solidFill>
+                  <a:srgbClr val="000000"/>
+                </a:solidFill>
+                <a:latin typeface="Consolas" panose="020B0609020204030204" pitchFamily="49" charset="0"/>
+              </a:rPr>
+              <a:t> </a:t>
+            </a:r>
+            <a:r>
+              <a:rPr lang="en-US" sz="1600" dirty="0">
+                <a:solidFill>
+                  <a:srgbClr val="0000FF"/>
+                </a:solidFill>
+                <a:latin typeface="Consolas" panose="020B0609020204030204" pitchFamily="49" charset="0"/>
+              </a:rPr>
+              <a:t>void</a:t>
+            </a:r>
+            <a:r>
+              <a:rPr lang="en-US" sz="1600" dirty="0">
+                <a:solidFill>
+                  <a:srgbClr val="000000"/>
+                </a:solidFill>
+                <a:latin typeface="Consolas" panose="020B0609020204030204" pitchFamily="49" charset="0"/>
+              </a:rPr>
+              <a:t> Run(</a:t>
+            </a:r>
+            <a:r>
+              <a:rPr lang="en-US" sz="1600" dirty="0">
+                <a:solidFill>
+                  <a:srgbClr val="0000FF"/>
+                </a:solidFill>
+                <a:latin typeface="Consolas" panose="020B0609020204030204" pitchFamily="49" charset="0"/>
+              </a:rPr>
+              <a:t>int</a:t>
+            </a:r>
+            <a:r>
+              <a:rPr lang="en-US" sz="1600" dirty="0">
+                <a:solidFill>
+                  <a:srgbClr val="000000"/>
+                </a:solidFill>
+                <a:latin typeface="Consolas" panose="020B0609020204030204" pitchFamily="49" charset="0"/>
+              </a:rPr>
+              <a:t> N)</a:t>
+            </a:r>
+          </a:p>
+          <a:p>
+            <a:r>
+              <a:rPr lang="es-ES" sz="1600" dirty="0">
+                <a:solidFill>
+                  <a:srgbClr val="000000"/>
+                </a:solidFill>
+                <a:latin typeface="Consolas" panose="020B0609020204030204" pitchFamily="49" charset="0"/>
+              </a:rPr>
+              <a:t>{</a:t>
+            </a:r>
+          </a:p>
+          <a:p>
+            <a:r>
+              <a:rPr lang="es-ES" sz="1600" dirty="0">
+                <a:solidFill>
+                  <a:srgbClr val="000000"/>
+                </a:solidFill>
+                <a:latin typeface="Consolas" panose="020B0609020204030204" pitchFamily="49" charset="0"/>
+              </a:rPr>
+              <a:t>    </a:t>
+            </a:r>
+            <a:r>
+              <a:rPr lang="es-ES" sz="1600" dirty="0" err="1">
+                <a:solidFill>
+                  <a:srgbClr val="000000"/>
+                </a:solidFill>
+                <a:latin typeface="Consolas" panose="020B0609020204030204" pitchFamily="49" charset="0"/>
+              </a:rPr>
+              <a:t>ConstraintSystem</a:t>
+            </a:r>
+            <a:r>
+              <a:rPr lang="es-ES" sz="1600" dirty="0">
+                <a:solidFill>
+                  <a:srgbClr val="000000"/>
+                </a:solidFill>
+                <a:latin typeface="Consolas" panose="020B0609020204030204" pitchFamily="49" charset="0"/>
+              </a:rPr>
+              <a:t> S = </a:t>
+            </a:r>
+            <a:r>
+              <a:rPr lang="es-ES" sz="1600" dirty="0" err="1">
+                <a:solidFill>
+                  <a:srgbClr val="000000"/>
+                </a:solidFill>
+                <a:latin typeface="Consolas" panose="020B0609020204030204" pitchFamily="49" charset="0"/>
+              </a:rPr>
+              <a:t>ConstraintSystem.CreateSolver</a:t>
+            </a:r>
+            <a:r>
+              <a:rPr lang="es-ES" sz="1600" dirty="0">
+                <a:solidFill>
+                  <a:srgbClr val="000000"/>
+                </a:solidFill>
+                <a:latin typeface="Consolas" panose="020B0609020204030204" pitchFamily="49" charset="0"/>
+              </a:rPr>
+              <a:t>();</a:t>
+            </a:r>
+          </a:p>
+          <a:p>
+            <a:r>
+              <a:rPr lang="es-ES" sz="1600" dirty="0">
+                <a:solidFill>
+                  <a:srgbClr val="000000"/>
+                </a:solidFill>
+                <a:latin typeface="Consolas" panose="020B0609020204030204" pitchFamily="49" charset="0"/>
+              </a:rPr>
+              <a:t>    </a:t>
+            </a:r>
+            <a:r>
+              <a:rPr lang="es-ES" sz="1600" dirty="0" err="1">
+                <a:solidFill>
+                  <a:srgbClr val="000000"/>
+                </a:solidFill>
+                <a:latin typeface="Consolas" panose="020B0609020204030204" pitchFamily="49" charset="0"/>
+              </a:rPr>
+              <a:t>CspDomain</a:t>
+            </a:r>
+            <a:r>
+              <a:rPr lang="es-ES" sz="1600" dirty="0">
+                <a:solidFill>
+                  <a:srgbClr val="000000"/>
+                </a:solidFill>
+                <a:latin typeface="Consolas" panose="020B0609020204030204" pitchFamily="49" charset="0"/>
+              </a:rPr>
+              <a:t> Equipos = </a:t>
+            </a:r>
+            <a:r>
+              <a:rPr lang="es-ES" sz="1600" dirty="0" err="1">
+                <a:solidFill>
+                  <a:srgbClr val="000000"/>
+                </a:solidFill>
+                <a:latin typeface="Consolas" panose="020B0609020204030204" pitchFamily="49" charset="0"/>
+              </a:rPr>
+              <a:t>S.CreateIntegerInterval</a:t>
+            </a:r>
+            <a:r>
+              <a:rPr lang="es-ES" sz="1600" dirty="0">
+                <a:solidFill>
+                  <a:srgbClr val="000000"/>
+                </a:solidFill>
+                <a:latin typeface="Consolas" panose="020B0609020204030204" pitchFamily="49" charset="0"/>
+              </a:rPr>
+              <a:t>(0, N - 1);</a:t>
+            </a:r>
+          </a:p>
+          <a:p>
+            <a:r>
+              <a:rPr lang="es-ES" sz="1600" dirty="0">
+                <a:solidFill>
+                  <a:srgbClr val="000000"/>
+                </a:solidFill>
+                <a:latin typeface="Consolas" panose="020B0609020204030204" pitchFamily="49" charset="0"/>
+              </a:rPr>
+              <a:t>    </a:t>
+            </a:r>
+            <a:r>
+              <a:rPr lang="es-ES" sz="1600" dirty="0" err="1">
+                <a:solidFill>
+                  <a:srgbClr val="000000"/>
+                </a:solidFill>
+                <a:latin typeface="Consolas" panose="020B0609020204030204" pitchFamily="49" charset="0"/>
+              </a:rPr>
+              <a:t>CspTerm</a:t>
+            </a:r>
+            <a:r>
+              <a:rPr lang="es-ES" sz="1600" dirty="0">
+                <a:solidFill>
+                  <a:srgbClr val="000000"/>
+                </a:solidFill>
+                <a:latin typeface="Consolas" panose="020B0609020204030204" pitchFamily="49" charset="0"/>
+              </a:rPr>
+              <a:t>[][] partidos = </a:t>
+            </a:r>
+            <a:r>
+              <a:rPr lang="es-ES" sz="1600" dirty="0" err="1">
+                <a:solidFill>
+                  <a:srgbClr val="000000"/>
+                </a:solidFill>
+                <a:latin typeface="Consolas" panose="020B0609020204030204" pitchFamily="49" charset="0"/>
+              </a:rPr>
+              <a:t>S.CreateVariableArray</a:t>
+            </a:r>
+            <a:r>
+              <a:rPr lang="es-ES" sz="1600" dirty="0">
+                <a:solidFill>
+                  <a:srgbClr val="000000"/>
+                </a:solidFill>
+                <a:latin typeface="Consolas" panose="020B0609020204030204" pitchFamily="49" charset="0"/>
+              </a:rPr>
+              <a:t>(Equipos, </a:t>
+            </a:r>
+            <a:r>
+              <a:rPr lang="es-ES" sz="1600" dirty="0">
+                <a:solidFill>
+                  <a:srgbClr val="A31515"/>
+                </a:solidFill>
+                <a:latin typeface="Consolas" panose="020B0609020204030204" pitchFamily="49" charset="0"/>
+              </a:rPr>
+              <a:t>"Oponentes"</a:t>
+            </a:r>
+            <a:r>
+              <a:rPr lang="es-ES" sz="1600" dirty="0">
+                <a:solidFill>
+                  <a:srgbClr val="000000"/>
+                </a:solidFill>
+                <a:latin typeface="Consolas" panose="020B0609020204030204" pitchFamily="49" charset="0"/>
+              </a:rPr>
+              <a:t>, N, N - 1);</a:t>
+            </a:r>
+          </a:p>
+          <a:p>
+            <a:endParaRPr lang="es-ES" sz="1600" dirty="0">
+              <a:solidFill>
+                <a:srgbClr val="000000"/>
+              </a:solidFill>
+              <a:latin typeface="Consolas" panose="020B0609020204030204" pitchFamily="49" charset="0"/>
+            </a:endParaRPr>
+          </a:p>
+          <a:p>
+            <a:r>
+              <a:rPr lang="es-ES" sz="1600" dirty="0">
+                <a:solidFill>
+                  <a:srgbClr val="000000"/>
+                </a:solidFill>
+                <a:latin typeface="Consolas" panose="020B0609020204030204" pitchFamily="49" charset="0"/>
+              </a:rPr>
+              <a:t>    </a:t>
+            </a:r>
+            <a:r>
+              <a:rPr lang="es-ES" sz="1600" dirty="0" err="1">
+                <a:solidFill>
+                  <a:srgbClr val="0000FF"/>
+                </a:solidFill>
+                <a:latin typeface="Consolas" panose="020B0609020204030204" pitchFamily="49" charset="0"/>
+              </a:rPr>
+              <a:t>for</a:t>
+            </a:r>
+            <a:r>
+              <a:rPr lang="es-ES" sz="1600" dirty="0">
+                <a:solidFill>
+                  <a:srgbClr val="000000"/>
+                </a:solidFill>
+                <a:latin typeface="Consolas" panose="020B0609020204030204" pitchFamily="49" charset="0"/>
+              </a:rPr>
+              <a:t> (</a:t>
+            </a:r>
+            <a:r>
+              <a:rPr lang="es-ES" sz="1600" dirty="0" err="1">
+                <a:solidFill>
+                  <a:srgbClr val="0000FF"/>
+                </a:solidFill>
+                <a:latin typeface="Consolas" panose="020B0609020204030204" pitchFamily="49" charset="0"/>
+              </a:rPr>
+              <a:t>int</a:t>
+            </a:r>
+            <a:r>
+              <a:rPr lang="es-ES" sz="1600" dirty="0">
+                <a:solidFill>
+                  <a:srgbClr val="000000"/>
+                </a:solidFill>
+                <a:latin typeface="Consolas" panose="020B0609020204030204" pitchFamily="49" charset="0"/>
+              </a:rPr>
+              <a:t> t = 0; t &lt; N; t++)</a:t>
+            </a:r>
+          </a:p>
+          <a:p>
+            <a:r>
+              <a:rPr lang="es-ES" sz="1600" dirty="0">
+                <a:solidFill>
+                  <a:srgbClr val="000000"/>
+                </a:solidFill>
+                <a:latin typeface="Consolas" panose="020B0609020204030204" pitchFamily="49" charset="0"/>
+              </a:rPr>
+              <a:t>    {</a:t>
+            </a:r>
+          </a:p>
+          <a:p>
+            <a:r>
+              <a:rPr lang="es-ES" sz="1600" dirty="0">
+                <a:solidFill>
+                  <a:srgbClr val="000000"/>
+                </a:solidFill>
+                <a:latin typeface="Consolas" panose="020B0609020204030204" pitchFamily="49" charset="0"/>
+              </a:rPr>
+              <a:t>        </a:t>
+            </a:r>
+            <a:r>
+              <a:rPr lang="es-ES" sz="1600" dirty="0" err="1">
+                <a:solidFill>
+                  <a:srgbClr val="000000"/>
+                </a:solidFill>
+                <a:latin typeface="Consolas" panose="020B0609020204030204" pitchFamily="49" charset="0"/>
+              </a:rPr>
+              <a:t>S.AddConstraints</a:t>
+            </a:r>
+            <a:r>
+              <a:rPr lang="es-ES" sz="1600" dirty="0">
+                <a:solidFill>
+                  <a:srgbClr val="000000"/>
+                </a:solidFill>
+                <a:latin typeface="Consolas" panose="020B0609020204030204" pitchFamily="49" charset="0"/>
+              </a:rPr>
+              <a:t>(                   </a:t>
+            </a:r>
+            <a:r>
+              <a:rPr lang="es-ES" sz="1600" dirty="0">
+                <a:solidFill>
+                  <a:srgbClr val="008000"/>
+                </a:solidFill>
+                <a:latin typeface="Consolas" panose="020B0609020204030204" pitchFamily="49" charset="0"/>
+              </a:rPr>
+              <a:t>// Agregamos las </a:t>
+            </a:r>
+            <a:r>
+              <a:rPr lang="es-ES" sz="1600" dirty="0" err="1">
+                <a:solidFill>
+                  <a:srgbClr val="008000"/>
+                </a:solidFill>
+                <a:latin typeface="Consolas" panose="020B0609020204030204" pitchFamily="49" charset="0"/>
+              </a:rPr>
+              <a:t>constraints</a:t>
+            </a:r>
+            <a:endParaRPr lang="es-ES" sz="1600" dirty="0">
+              <a:solidFill>
+                <a:srgbClr val="000000"/>
+              </a:solidFill>
+              <a:latin typeface="Consolas" panose="020B0609020204030204" pitchFamily="49" charset="0"/>
+            </a:endParaRPr>
+          </a:p>
+          <a:p>
+            <a:r>
+              <a:rPr lang="es-ES" sz="1600" dirty="0">
+                <a:solidFill>
+                  <a:srgbClr val="000000"/>
+                </a:solidFill>
+                <a:latin typeface="Consolas" panose="020B0609020204030204" pitchFamily="49" charset="0"/>
+              </a:rPr>
+              <a:t>          </a:t>
+            </a:r>
+            <a:r>
+              <a:rPr lang="es-ES" sz="1600" dirty="0" err="1">
+                <a:solidFill>
+                  <a:srgbClr val="000000"/>
+                </a:solidFill>
+                <a:latin typeface="Consolas" panose="020B0609020204030204" pitchFamily="49" charset="0"/>
+              </a:rPr>
+              <a:t>S.Unequal</a:t>
+            </a:r>
+            <a:r>
+              <a:rPr lang="es-ES" sz="1600" dirty="0">
+                <a:solidFill>
+                  <a:srgbClr val="000000"/>
+                </a:solidFill>
+                <a:latin typeface="Consolas" panose="020B0609020204030204" pitchFamily="49" charset="0"/>
+              </a:rPr>
+              <a:t>(t, partidos[t]),        </a:t>
+            </a:r>
+            <a:r>
+              <a:rPr lang="es-ES" sz="1600" dirty="0">
+                <a:solidFill>
+                  <a:srgbClr val="008000"/>
+                </a:solidFill>
+                <a:latin typeface="Consolas" panose="020B0609020204030204" pitchFamily="49" charset="0"/>
+              </a:rPr>
+              <a:t>// Un equipo no puede jugar consigo mismo</a:t>
+            </a:r>
+            <a:endParaRPr lang="es-ES" sz="1600" dirty="0">
+              <a:solidFill>
+                <a:srgbClr val="000000"/>
+              </a:solidFill>
+              <a:latin typeface="Consolas" panose="020B0609020204030204" pitchFamily="49" charset="0"/>
+            </a:endParaRPr>
+          </a:p>
+          <a:p>
+            <a:r>
+              <a:rPr lang="es-ES" sz="1600" dirty="0">
+                <a:solidFill>
+                  <a:srgbClr val="000000"/>
+                </a:solidFill>
+                <a:latin typeface="Consolas" panose="020B0609020204030204" pitchFamily="49" charset="0"/>
+              </a:rPr>
+              <a:t>          </a:t>
+            </a:r>
+            <a:r>
+              <a:rPr lang="es-ES" sz="1600" dirty="0" err="1">
+                <a:solidFill>
+                  <a:srgbClr val="000000"/>
+                </a:solidFill>
+                <a:latin typeface="Consolas" panose="020B0609020204030204" pitchFamily="49" charset="0"/>
+              </a:rPr>
+              <a:t>S.Equal</a:t>
+            </a:r>
+            <a:r>
+              <a:rPr lang="es-ES" sz="1600" dirty="0">
+                <a:solidFill>
+                  <a:srgbClr val="000000"/>
+                </a:solidFill>
+                <a:latin typeface="Consolas" panose="020B0609020204030204" pitchFamily="49" charset="0"/>
+              </a:rPr>
+              <a:t>(t ^ 1, partidos[t][0])    </a:t>
+            </a:r>
+            <a:r>
+              <a:rPr lang="es-ES" sz="1600" dirty="0">
+                <a:solidFill>
+                  <a:srgbClr val="008000"/>
+                </a:solidFill>
+                <a:latin typeface="Consolas" panose="020B0609020204030204" pitchFamily="49" charset="0"/>
+              </a:rPr>
+              <a:t>// la primera ronda se emparejan pares con impares</a:t>
+            </a:r>
+            <a:endParaRPr lang="es-ES" sz="1600" dirty="0">
+              <a:solidFill>
+                <a:srgbClr val="000000"/>
+              </a:solidFill>
+              <a:latin typeface="Consolas" panose="020B0609020204030204" pitchFamily="49" charset="0"/>
+            </a:endParaRPr>
+          </a:p>
+          <a:p>
+            <a:r>
+              <a:rPr lang="es-ES" sz="1600" dirty="0">
+                <a:solidFill>
+                  <a:srgbClr val="000000"/>
+                </a:solidFill>
+                <a:latin typeface="Consolas" panose="020B0609020204030204" pitchFamily="49" charset="0"/>
+              </a:rPr>
+              <a:t>        );</a:t>
+            </a:r>
+          </a:p>
+          <a:p>
+            <a:r>
+              <a:rPr lang="es-ES" sz="1600" dirty="0">
+                <a:solidFill>
+                  <a:srgbClr val="000000"/>
+                </a:solidFill>
+                <a:latin typeface="Consolas" panose="020B0609020204030204" pitchFamily="49" charset="0"/>
+              </a:rPr>
+              <a:t>    }</a:t>
+            </a:r>
+          </a:p>
+          <a:p>
+            <a:endParaRPr lang="es-ES" sz="1600" dirty="0">
+              <a:solidFill>
+                <a:srgbClr val="000000"/>
+              </a:solidFill>
+              <a:latin typeface="Consolas" panose="020B0609020204030204" pitchFamily="49" charset="0"/>
+            </a:endParaRPr>
+          </a:p>
+          <a:p>
+            <a:r>
+              <a:rPr lang="pl-PL" sz="1600" dirty="0">
+                <a:solidFill>
+                  <a:srgbClr val="000000"/>
+                </a:solidFill>
+                <a:latin typeface="Consolas" panose="020B0609020204030204" pitchFamily="49" charset="0"/>
+              </a:rPr>
+              <a:t>    </a:t>
+            </a:r>
+            <a:r>
+              <a:rPr lang="pl-PL" sz="1600" dirty="0">
+                <a:solidFill>
+                  <a:srgbClr val="0000FF"/>
+                </a:solidFill>
+                <a:latin typeface="Consolas" panose="020B0609020204030204" pitchFamily="49" charset="0"/>
+              </a:rPr>
+              <a:t>for</a:t>
+            </a:r>
+            <a:r>
+              <a:rPr lang="pl-PL" sz="1600" dirty="0">
+                <a:solidFill>
+                  <a:srgbClr val="000000"/>
+                </a:solidFill>
+                <a:latin typeface="Consolas" panose="020B0609020204030204" pitchFamily="49" charset="0"/>
+              </a:rPr>
+              <a:t> (</a:t>
+            </a:r>
+            <a:r>
+              <a:rPr lang="pl-PL" sz="1600" dirty="0">
+                <a:solidFill>
+                  <a:srgbClr val="0000FF"/>
+                </a:solidFill>
+                <a:latin typeface="Consolas" panose="020B0609020204030204" pitchFamily="49" charset="0"/>
+              </a:rPr>
+              <a:t>int</a:t>
+            </a:r>
+            <a:r>
+              <a:rPr lang="pl-PL" sz="1600" dirty="0">
+                <a:solidFill>
+                  <a:srgbClr val="000000"/>
+                </a:solidFill>
+                <a:latin typeface="Consolas" panose="020B0609020204030204" pitchFamily="49" charset="0"/>
+              </a:rPr>
+              <a:t> w = 0; w &lt; N - 1; w++)</a:t>
+            </a:r>
+          </a:p>
+          <a:p>
+            <a:r>
+              <a:rPr lang="es-ES" sz="1600" dirty="0">
+                <a:solidFill>
+                  <a:srgbClr val="000000"/>
+                </a:solidFill>
+                <a:latin typeface="Consolas" panose="020B0609020204030204" pitchFamily="49" charset="0"/>
+              </a:rPr>
+              <a:t>    {</a:t>
+            </a:r>
+          </a:p>
+          <a:p>
+            <a:r>
+              <a:rPr lang="es-ES" sz="1600" dirty="0">
+                <a:solidFill>
+                  <a:srgbClr val="000000"/>
+                </a:solidFill>
+                <a:latin typeface="Consolas" panose="020B0609020204030204" pitchFamily="49" charset="0"/>
+              </a:rPr>
+              <a:t>       </a:t>
+            </a:r>
+            <a:r>
+              <a:rPr lang="es-ES" sz="1600" dirty="0" err="1">
+                <a:solidFill>
+                  <a:srgbClr val="000000"/>
+                </a:solidFill>
+                <a:latin typeface="Consolas" panose="020B0609020204030204" pitchFamily="49" charset="0"/>
+              </a:rPr>
+              <a:t>S.AddConstraints</a:t>
+            </a:r>
+            <a:r>
+              <a:rPr lang="es-ES" sz="1600" dirty="0">
+                <a:solidFill>
+                  <a:srgbClr val="000000"/>
+                </a:solidFill>
+                <a:latin typeface="Consolas" panose="020B0609020204030204" pitchFamily="49" charset="0"/>
+              </a:rPr>
+              <a:t>(</a:t>
+            </a:r>
+            <a:r>
+              <a:rPr lang="es-ES" sz="1600" dirty="0" err="1">
+                <a:solidFill>
+                  <a:srgbClr val="000000"/>
+                </a:solidFill>
+                <a:latin typeface="Consolas" panose="020B0609020204030204" pitchFamily="49" charset="0"/>
+              </a:rPr>
+              <a:t>S.Unequal</a:t>
+            </a:r>
+            <a:r>
+              <a:rPr lang="es-ES" sz="1600" dirty="0">
+                <a:solidFill>
+                  <a:srgbClr val="000000"/>
+                </a:solidFill>
+                <a:latin typeface="Consolas" panose="020B0609020204030204" pitchFamily="49" charset="0"/>
+              </a:rPr>
+              <a:t>(</a:t>
+            </a:r>
+            <a:r>
+              <a:rPr lang="es-ES" sz="1600" dirty="0" err="1">
+                <a:solidFill>
+                  <a:srgbClr val="000000"/>
+                </a:solidFill>
+                <a:latin typeface="Consolas" panose="020B0609020204030204" pitchFamily="49" charset="0"/>
+              </a:rPr>
+              <a:t>GetColumn</a:t>
+            </a:r>
+            <a:r>
+              <a:rPr lang="es-ES" sz="1600" dirty="0">
+                <a:solidFill>
+                  <a:srgbClr val="000000"/>
+                </a:solidFill>
+                <a:latin typeface="Consolas" panose="020B0609020204030204" pitchFamily="49" charset="0"/>
+              </a:rPr>
+              <a:t>(partidos, w))); </a:t>
+            </a:r>
+            <a:r>
+              <a:rPr lang="es-ES" sz="1600" dirty="0">
+                <a:solidFill>
+                  <a:srgbClr val="008000"/>
+                </a:solidFill>
+                <a:latin typeface="Consolas" panose="020B0609020204030204" pitchFamily="49" charset="0"/>
+              </a:rPr>
+              <a:t>// cada equipo solo juega una vez cada jornada</a:t>
+            </a:r>
+            <a:endParaRPr lang="es-ES" sz="1600" dirty="0">
+              <a:solidFill>
+                <a:srgbClr val="000000"/>
+              </a:solidFill>
+              <a:latin typeface="Consolas" panose="020B0609020204030204" pitchFamily="49" charset="0"/>
+            </a:endParaRPr>
+          </a:p>
+          <a:p>
+            <a:r>
+              <a:rPr lang="es-ES" sz="1600" dirty="0">
+                <a:solidFill>
+                  <a:srgbClr val="000000"/>
+                </a:solidFill>
+                <a:latin typeface="Consolas" panose="020B0609020204030204" pitchFamily="49" charset="0"/>
+              </a:rPr>
+              <a:t>    }</a:t>
+            </a:r>
+          </a:p>
+          <a:p>
+            <a:r>
+              <a:rPr lang="es-ES" sz="1600" dirty="0">
+                <a:solidFill>
+                  <a:srgbClr val="000000"/>
+                </a:solidFill>
+                <a:latin typeface="Consolas" panose="020B0609020204030204" pitchFamily="49" charset="0"/>
+              </a:rPr>
+              <a:t>    </a:t>
+            </a:r>
+            <a:r>
+              <a:rPr lang="es-ES" sz="1600" dirty="0" err="1">
+                <a:solidFill>
+                  <a:srgbClr val="000000"/>
+                </a:solidFill>
+                <a:latin typeface="Consolas" panose="020B0609020204030204" pitchFamily="49" charset="0"/>
+              </a:rPr>
               <a:t>ConstraintSolverSolution</a:t>
             </a:r>
-            <a:endParaRPr lang="es-ES" dirty="0"/>
-          </a:p>
-          <a:p>
-            <a:pPr lvl="1"/>
-            <a:r>
-              <a:rPr lang="es-ES" dirty="0"/>
-              <a:t>Propiedades</a:t>
-            </a:r>
-          </a:p>
-          <a:p>
-            <a:pPr lvl="2"/>
-            <a:r>
-              <a:rPr lang="es-ES" dirty="0" err="1"/>
-              <a:t>HasFoundSolution</a:t>
-            </a:r>
-            <a:endParaRPr lang="es-ES" dirty="0"/>
-          </a:p>
-          <a:p>
-            <a:pPr lvl="2"/>
-            <a:r>
-              <a:rPr lang="es-ES" dirty="0" err="1"/>
-              <a:t>Quality</a:t>
-            </a:r>
-            <a:endParaRPr lang="es-ES" dirty="0"/>
-          </a:p>
-          <a:p>
-            <a:pPr lvl="3"/>
-            <a:r>
-              <a:rPr lang="es-ES" dirty="0"/>
-              <a:t>Sin solución</a:t>
-            </a:r>
-          </a:p>
-          <a:p>
-            <a:pPr lvl="3"/>
-            <a:r>
-              <a:rPr lang="es-ES" dirty="0"/>
-              <a:t>Inviable</a:t>
-            </a:r>
-          </a:p>
-          <a:p>
-            <a:pPr lvl="3"/>
-            <a:r>
-              <a:rPr lang="es-ES" dirty="0"/>
-              <a:t>Viable</a:t>
-            </a:r>
-          </a:p>
-          <a:p>
-            <a:pPr lvl="3"/>
-            <a:r>
-              <a:rPr lang="es-ES" dirty="0"/>
-              <a:t>Optima</a:t>
-            </a:r>
-          </a:p>
-          <a:p>
-            <a:pPr lvl="1"/>
-            <a:r>
-              <a:rPr lang="es-ES" dirty="0"/>
-              <a:t>Obtener soluciones</a:t>
-            </a:r>
-          </a:p>
-          <a:p>
-            <a:pPr lvl="2"/>
-            <a:r>
-              <a:rPr lang="en-US" dirty="0" err="1"/>
-              <a:t>GetNext</a:t>
-            </a:r>
-            <a:r>
-              <a:rPr lang="en-US" dirty="0"/>
-              <a:t>()</a:t>
-            </a:r>
-            <a:endParaRPr lang="es-ES" dirty="0"/>
+            <a:r>
+              <a:rPr lang="es-ES" sz="1600" dirty="0">
+                <a:solidFill>
+                  <a:srgbClr val="000000"/>
+                </a:solidFill>
+                <a:latin typeface="Consolas" panose="020B0609020204030204" pitchFamily="49" charset="0"/>
+              </a:rPr>
+              <a:t> </a:t>
+            </a:r>
+            <a:r>
+              <a:rPr lang="es-ES" sz="1600" dirty="0" err="1">
+                <a:solidFill>
+                  <a:srgbClr val="000000"/>
+                </a:solidFill>
+                <a:latin typeface="Consolas" panose="020B0609020204030204" pitchFamily="49" charset="0"/>
+              </a:rPr>
+              <a:t>soln</a:t>
+            </a:r>
+            <a:r>
+              <a:rPr lang="es-ES" sz="1600" dirty="0">
+                <a:solidFill>
+                  <a:srgbClr val="000000"/>
+                </a:solidFill>
+                <a:latin typeface="Consolas" panose="020B0609020204030204" pitchFamily="49" charset="0"/>
+              </a:rPr>
+              <a:t> = </a:t>
+            </a:r>
+            <a:r>
+              <a:rPr lang="es-ES" sz="1600" dirty="0" err="1">
+                <a:solidFill>
+                  <a:srgbClr val="000000"/>
+                </a:solidFill>
+                <a:latin typeface="Consolas" panose="020B0609020204030204" pitchFamily="49" charset="0"/>
+              </a:rPr>
+              <a:t>S.Solve</a:t>
+            </a:r>
+            <a:r>
+              <a:rPr lang="es-ES" sz="1600" dirty="0">
+                <a:solidFill>
+                  <a:srgbClr val="000000"/>
+                </a:solidFill>
+                <a:latin typeface="Consolas" panose="020B0609020204030204" pitchFamily="49" charset="0"/>
+              </a:rPr>
+              <a:t>();</a:t>
+            </a:r>
+          </a:p>
+          <a:p>
+            <a:r>
+              <a:rPr lang="es-ES" sz="1600" dirty="0">
+                <a:solidFill>
+                  <a:srgbClr val="000000"/>
+                </a:solidFill>
+                <a:latin typeface="Consolas" panose="020B0609020204030204" pitchFamily="49" charset="0"/>
+              </a:rPr>
+              <a:t>}</a:t>
+            </a:r>
+            <a:endParaRPr lang="es-ES" sz="1600" dirty="0"/>
           </a:p>
         </p:txBody>
       </p:sp>
     </p:spTree>
     <p:extLst>
       <p:ext uri="{BB962C8B-B14F-4D97-AF65-F5344CB8AC3E}">
-        <p14:creationId xmlns:p14="http://schemas.microsoft.com/office/powerpoint/2010/main" val="2833877487"/>
+        <p14:creationId xmlns:p14="http://schemas.microsoft.com/office/powerpoint/2010/main" val="1783863969"/>
       </p:ext>
     </p:extLst>
   </p:cSld>

--- a/Presentacion/Solver Foundation.pptx
+++ b/Presentacion/Solver Foundation.pptx
@@ -5,21 +5,22 @@
     <p:sldMasterId id="2147483648" r:id="rId1"/>
   </p:sldMasterIdLst>
   <p:notesMasterIdLst>
-    <p:notesMasterId r:id="rId14"/>
+    <p:notesMasterId r:id="rId15"/>
   </p:notesMasterIdLst>
   <p:sldIdLst>
     <p:sldId id="256" r:id="rId2"/>
     <p:sldId id="267" r:id="rId3"/>
     <p:sldId id="258" r:id="rId4"/>
-    <p:sldId id="259" r:id="rId5"/>
-    <p:sldId id="260" r:id="rId6"/>
-    <p:sldId id="261" r:id="rId7"/>
-    <p:sldId id="262" r:id="rId8"/>
-    <p:sldId id="263" r:id="rId9"/>
-    <p:sldId id="264" r:id="rId10"/>
-    <p:sldId id="265" r:id="rId11"/>
-    <p:sldId id="266" r:id="rId12"/>
-    <p:sldId id="268" r:id="rId13"/>
+    <p:sldId id="274" r:id="rId5"/>
+    <p:sldId id="259" r:id="rId6"/>
+    <p:sldId id="273" r:id="rId7"/>
+    <p:sldId id="269" r:id="rId8"/>
+    <p:sldId id="272" r:id="rId9"/>
+    <p:sldId id="263" r:id="rId10"/>
+    <p:sldId id="264" r:id="rId11"/>
+    <p:sldId id="265" r:id="rId12"/>
+    <p:sldId id="266" r:id="rId13"/>
+    <p:sldId id="268" r:id="rId14"/>
   </p:sldIdLst>
   <p:sldSz cx="12192000" cy="6858000"/>
   <p:notesSz cx="6858000" cy="9144000"/>
@@ -134,14 +135,15 @@
         <p14:section name="Solvers" id="{9153F55B-B845-475C-A8AF-3F075C855332}">
           <p14:sldIdLst>
             <p14:sldId id="258"/>
+            <p14:sldId id="274"/>
           </p14:sldIdLst>
         </p14:section>
         <p14:section name="Restricciones" id="{44E19A14-BD1B-4B02-8FBC-DD59A9D4D976}">
           <p14:sldIdLst>
             <p14:sldId id="259"/>
-            <p14:sldId id="260"/>
-            <p14:sldId id="261"/>
-            <p14:sldId id="262"/>
+            <p14:sldId id="273"/>
+            <p14:sldId id="269"/>
+            <p14:sldId id="272"/>
             <p14:sldId id="263"/>
           </p14:sldIdLst>
         </p14:section>
@@ -160,7 +162,18 @@
       </p14:sectionLst>
     </p:ext>
     <p:ext uri="{EFAFB233-063F-42B5-8137-9DF3F51BA10A}">
-      <p15:sldGuideLst xmlns:p15="http://schemas.microsoft.com/office/powerpoint/2012/main"/>
+      <p15:sldGuideLst xmlns:p15="http://schemas.microsoft.com/office/powerpoint/2012/main">
+        <p15:guide id="1" orient="horz" pos="2115" userDrawn="1">
+          <p15:clr>
+            <a:srgbClr val="A4A3A4"/>
+          </p15:clr>
+        </p15:guide>
+        <p15:guide id="2" pos="3840" userDrawn="1">
+          <p15:clr>
+            <a:srgbClr val="A4A3A4"/>
+          </p15:clr>
+        </p15:guide>
+      </p15:sldGuideLst>
     </p:ext>
   </p:extLst>
 </p:presentation>
@@ -248,7 +261,7 @@
           <a:p>
             <a:fld id="{84DF9958-7801-4618-B573-6309E75BC87B}" type="datetimeFigureOut">
               <a:rPr lang="es-ES" smtClean="0"/>
-              <a:t>13/05/2019</a:t>
+              <a:t>14/05/2019</a:t>
             </a:fld>
             <a:endParaRPr lang="es-ES"/>
           </a:p>
@@ -576,15 +589,6 @@
           <a:p>
             <a:r>
               <a:rPr lang="es-ES" dirty="0"/>
-              <a:t>Esta descontinuado desde 2012 pero es perfectamente usable</a:t>
-            </a:r>
-          </a:p>
-          <a:p>
-            <a:endParaRPr lang="es-ES" dirty="0"/>
-          </a:p>
-          <a:p>
-            <a:r>
-              <a:rPr lang="es-ES" dirty="0"/>
               <a:t>Para usarlo en código, desde visual </a:t>
             </a:r>
             <a:r>
@@ -616,6 +620,33 @@
             <a:r>
               <a:rPr lang="es-ES" dirty="0"/>
               <a:t>Si queremos usar la extensión de Excel y la documentación nos instalamos el paquete.</a:t>
+            </a:r>
+          </a:p>
+          <a:p>
+            <a:pPr marL="0" marR="0" lvl="0" indent="0" algn="l" defTabSz="914400" rtl="0" eaLnBrk="1" fontAlgn="auto" latinLnBrk="0" hangingPunct="1">
+              <a:lnSpc>
+                <a:spcPct val="100000"/>
+              </a:lnSpc>
+              <a:spcBef>
+                <a:spcPts val="0"/>
+              </a:spcBef>
+              <a:spcAft>
+                <a:spcPts val="0"/>
+              </a:spcAft>
+              <a:buClrTx/>
+              <a:buSzTx/>
+              <a:buFontTx/>
+              <a:buNone/>
+              <a:tabLst/>
+              <a:defRPr/>
+            </a:pPr>
+            <a:r>
+              <a:rPr lang="es-ES"/>
+              <a:t>Esta </a:t>
+            </a:r>
+            <a:r>
+              <a:rPr lang="es-ES" dirty="0"/>
+              <a:t>descontinuado desde 2012 pero es perfectamente usable</a:t>
             </a:r>
           </a:p>
           <a:p>
@@ -828,50 +859,33 @@
           <a:p>
             <a:r>
               <a:rPr lang="es-ES" dirty="0"/>
-              <a:t>Nos vamos a centrar en el </a:t>
+              <a:t>Lo primero que tenemos que decidir es que tipo de problema queremos solucionar, existen diferentes </a:t>
             </a:r>
             <a:r>
               <a:rPr lang="es-ES" dirty="0" err="1"/>
-              <a:t>solver</a:t>
-            </a:r>
-            <a:r>
-              <a:rPr lang="es-ES" dirty="0"/>
-              <a:t> específico para problemas de restricciones.</a:t>
+              <a:t>solvers</a:t>
+            </a:r>
+            <a:r>
+              <a:rPr lang="es-ES" dirty="0"/>
+              <a:t> que podemos usar en nuestro programa, dependiendo del modelo que queremos resolver, aunque siempre podemos usar el genérico y por debajo analizando el problema se elige un solucionador de los disponibles.</a:t>
+            </a:r>
+          </a:p>
+          <a:p>
+            <a:r>
+              <a:rPr lang="es-ES" dirty="0"/>
+              <a:t>También se pueden instalar </a:t>
+            </a:r>
+            <a:r>
+              <a:rPr lang="es-ES" dirty="0" err="1"/>
+              <a:t>solvers</a:t>
+            </a:r>
+            <a:r>
+              <a:rPr lang="es-ES" dirty="0"/>
+              <a:t> de terceros o desarrollarlos nosotros</a:t>
             </a:r>
           </a:p>
           <a:p>
             <a:endParaRPr lang="es-ES" dirty="0"/>
-          </a:p>
-          <a:p>
-            <a:r>
-              <a:rPr lang="es-ES" dirty="0"/>
-              <a:t>Tenemos que representar los dominios con un objeto </a:t>
-            </a:r>
-            <a:r>
-              <a:rPr lang="es-ES" dirty="0" err="1"/>
-              <a:t>CpsDomain</a:t>
-            </a:r>
-            <a:r>
-              <a:rPr lang="es-ES" dirty="0"/>
-              <a:t> de cualquiera de los dominios disponibles que tenemos que establecer siempre los limites superiores e inferiores.</a:t>
-            </a:r>
-          </a:p>
-          <a:p>
-            <a:endParaRPr lang="es-ES" dirty="0"/>
-          </a:p>
-          <a:p>
-            <a:r>
-              <a:rPr lang="es-ES" dirty="0"/>
-              <a:t>Para las variables tenemos que usar el objeto </a:t>
-            </a:r>
-            <a:r>
-              <a:rPr lang="es-ES" dirty="0" err="1"/>
-              <a:t>CpsTerm</a:t>
-            </a:r>
-            <a:r>
-              <a:rPr lang="es-ES" dirty="0"/>
-              <a:t> </a:t>
-            </a:r>
           </a:p>
         </p:txBody>
       </p:sp>
@@ -901,7 +915,7 @@
     </p:spTree>
     <p:extLst>
       <p:ext uri="{BB962C8B-B14F-4D97-AF65-F5344CB8AC3E}">
-        <p14:creationId xmlns:p14="http://schemas.microsoft.com/office/powerpoint/2010/main" val="2758117718"/>
+        <p14:creationId xmlns:p14="http://schemas.microsoft.com/office/powerpoint/2010/main" val="362776147"/>
       </p:ext>
     </p:extLst>
   </p:cSld>
@@ -957,7 +971,7 @@
           <a:p>
             <a:r>
               <a:rPr lang="es-ES" dirty="0"/>
-              <a:t>Cuando agregamos las restricciones los hacemos directamente al </a:t>
+              <a:t>Nos vamos a centrar en el </a:t>
             </a:r>
             <a:r>
               <a:rPr lang="es-ES" dirty="0" err="1"/>
@@ -965,15 +979,24 @@
             </a:r>
             <a:r>
               <a:rPr lang="es-ES" dirty="0"/>
-              <a:t> invocando el método </a:t>
+              <a:t> específico para problemas de restricciones.</a:t>
+            </a:r>
+          </a:p>
+          <a:p>
+            <a:endParaRPr lang="es-ES" dirty="0"/>
+          </a:p>
+          <a:p>
+            <a:r>
+              <a:rPr lang="es-ES" dirty="0"/>
+              <a:t>Tenemos que representar los dominios con un objeto </a:t>
             </a:r>
             <a:r>
               <a:rPr lang="es-ES" dirty="0" err="1"/>
-              <a:t>AddConstraint</a:t>
-            </a:r>
-            <a:r>
-              <a:rPr lang="es-ES" dirty="0"/>
-              <a:t>()</a:t>
+              <a:t>CpsDomain</a:t>
+            </a:r>
+            <a:r>
+              <a:rPr lang="es-ES" dirty="0"/>
+              <a:t> de cualquiera de los dominios disponibles que tenemos que establecer siempre los limites superiores e inferiores.</a:t>
             </a:r>
           </a:p>
           <a:p>
@@ -982,54 +1005,15 @@
           <a:p>
             <a:r>
               <a:rPr lang="es-ES" dirty="0"/>
-              <a:t>Todas son </a:t>
+              <a:t>Para las variables tenemos que usar el objeto </a:t>
             </a:r>
             <a:r>
               <a:rPr lang="es-ES" dirty="0" err="1"/>
-              <a:t>Hard</a:t>
+              <a:t>CpsTerm</a:t>
             </a:r>
             <a:r>
               <a:rPr lang="es-ES" dirty="0"/>
               <a:t> </a:t>
-            </a:r>
-            <a:r>
-              <a:rPr lang="es-ES" dirty="0" err="1"/>
-              <a:t>Constraint</a:t>
-            </a:r>
-            <a:r>
-              <a:rPr lang="es-ES" dirty="0"/>
-              <a:t>, si queremos crear </a:t>
-            </a:r>
-            <a:r>
-              <a:rPr lang="es-ES" dirty="0" err="1"/>
-              <a:t>Soft</a:t>
-            </a:r>
-            <a:r>
-              <a:rPr lang="es-ES" dirty="0"/>
-              <a:t> </a:t>
-            </a:r>
-            <a:r>
-              <a:rPr lang="es-ES" dirty="0" err="1"/>
-              <a:t>Constraint</a:t>
-            </a:r>
-            <a:r>
-              <a:rPr lang="es-ES" dirty="0"/>
-              <a:t> tenemos que hacer algún truco.</a:t>
-            </a:r>
-          </a:p>
-          <a:p>
-            <a:r>
-              <a:rPr lang="es-ES" dirty="0"/>
-              <a:t>En este caso si intentamos minimizar la variable d intentaremos que el objeto ocupado valga 1</a:t>
-            </a:r>
-          </a:p>
-          <a:p>
-            <a:endParaRPr lang="es-ES" dirty="0"/>
-          </a:p>
-          <a:p>
-            <a:r>
-              <a:rPr lang="es-ES" dirty="0"/>
-              <a:t>Como podemos ver en este ejemplo, que son las restricciones al problema de las n reinas </a:t>
             </a:r>
           </a:p>
         </p:txBody>
@@ -1060,7 +1044,7 @@
     </p:spTree>
     <p:extLst>
       <p:ext uri="{BB962C8B-B14F-4D97-AF65-F5344CB8AC3E}">
-        <p14:creationId xmlns:p14="http://schemas.microsoft.com/office/powerpoint/2010/main" val="1424467022"/>
+        <p14:creationId xmlns:p14="http://schemas.microsoft.com/office/powerpoint/2010/main" val="2758117718"/>
       </p:ext>
     </p:extLst>
   </p:cSld>
@@ -1115,186 +1099,81 @@
           <a:lstStyle/>
           <a:p>
             <a:r>
-              <a:rPr lang="es-ES" sz="1200" b="0" i="0" kern="1200" dirty="0" err="1">
-                <a:solidFill>
-                  <a:schemeClr val="tx1"/>
-                </a:solidFill>
-                <a:effectLst/>
-                <a:latin typeface="+mn-lt"/>
-                <a:ea typeface="+mn-ea"/>
-                <a:cs typeface="+mn-cs"/>
-              </a:rPr>
-              <a:t>AtMostMofN</a:t>
-            </a:r>
-            <a:r>
-              <a:rPr lang="es-ES" sz="1200" b="0" i="0" kern="1200" dirty="0">
-                <a:solidFill>
-                  <a:schemeClr val="tx1"/>
-                </a:solidFill>
-                <a:effectLst/>
-                <a:latin typeface="+mn-lt"/>
-                <a:ea typeface="+mn-ea"/>
-                <a:cs typeface="+mn-cs"/>
-              </a:rPr>
-              <a:t> Como mucho m elementos son true</a:t>
-            </a:r>
-          </a:p>
-          <a:p>
-            <a:r>
-              <a:rPr lang="es-ES" sz="1200" b="0" i="0" kern="1200" dirty="0" err="1">
-                <a:solidFill>
-                  <a:schemeClr val="tx1"/>
-                </a:solidFill>
-                <a:effectLst/>
-                <a:latin typeface="+mn-lt"/>
-                <a:ea typeface="+mn-ea"/>
-                <a:cs typeface="+mn-cs"/>
-              </a:rPr>
-              <a:t>Equal</a:t>
-            </a:r>
-            <a:r>
-              <a:rPr lang="es-ES" sz="1200" b="0" i="0" kern="1200" dirty="0">
-                <a:solidFill>
-                  <a:schemeClr val="tx1"/>
-                </a:solidFill>
-                <a:effectLst/>
-                <a:latin typeface="+mn-lt"/>
-                <a:ea typeface="+mn-ea"/>
-                <a:cs typeface="+mn-cs"/>
-              </a:rPr>
-              <a:t> y </a:t>
-            </a:r>
-            <a:r>
-              <a:rPr lang="es-ES" sz="1200" b="0" i="0" kern="1200" dirty="0" err="1">
-                <a:solidFill>
-                  <a:schemeClr val="tx1"/>
-                </a:solidFill>
-                <a:effectLst/>
-                <a:latin typeface="+mn-lt"/>
-                <a:ea typeface="+mn-ea"/>
-                <a:cs typeface="+mn-cs"/>
-              </a:rPr>
-              <a:t>Unecual</a:t>
-            </a:r>
-            <a:r>
-              <a:rPr lang="es-ES" sz="1200" b="0" i="0" kern="1200" dirty="0">
-                <a:solidFill>
-                  <a:schemeClr val="tx1"/>
-                </a:solidFill>
-                <a:effectLst/>
-                <a:latin typeface="+mn-lt"/>
-                <a:ea typeface="+mn-ea"/>
-                <a:cs typeface="+mn-cs"/>
-              </a:rPr>
-              <a:t> aseguran que todos los elementos de la entrada son iguales y tienen una sobrecarga para asegurar que todos los elementos son iguales a una constante</a:t>
-            </a:r>
-          </a:p>
-          <a:p>
-            <a:r>
-              <a:rPr lang="en-US" dirty="0" err="1"/>
-              <a:t>ExactlyMofN</a:t>
-            </a:r>
-            <a:r>
-              <a:rPr lang="en-US" dirty="0"/>
+              <a:rPr lang="es-ES" dirty="0"/>
+              <a:t>Cuando agregamos las restricciones los hacemos directamente al </a:t>
+            </a:r>
+            <a:r>
+              <a:rPr lang="es-ES" dirty="0" err="1"/>
+              <a:t>solver</a:t>
+            </a:r>
+            <a:r>
+              <a:rPr lang="es-ES" dirty="0"/>
+              <a:t> invocando el método </a:t>
+            </a:r>
+            <a:r>
+              <a:rPr lang="es-ES" dirty="0" err="1"/>
+              <a:t>AddConstraint</a:t>
+            </a:r>
+            <a:r>
+              <a:rPr lang="es-ES" dirty="0"/>
+              <a:t>()</a:t>
+            </a:r>
+          </a:p>
+          <a:p>
+            <a:endParaRPr lang="es-ES" dirty="0"/>
+          </a:p>
+          <a:p>
+            <a:r>
+              <a:rPr lang="es-ES" dirty="0"/>
+              <a:t>Todas son </a:t>
+            </a:r>
+            <a:r>
+              <a:rPr lang="es-ES" dirty="0" err="1"/>
+              <a:t>Hard</a:t>
+            </a:r>
+            <a:r>
+              <a:rPr lang="es-ES" dirty="0"/>
               <a:t> </a:t>
             </a:r>
             <a:r>
-              <a:rPr lang="en-US" dirty="0" err="1"/>
-              <a:t>Exactamente</a:t>
-            </a:r>
-            <a:r>
-              <a:rPr lang="en-US" dirty="0"/>
-              <a:t> M </a:t>
-            </a:r>
-            <a:r>
-              <a:rPr lang="en-US" dirty="0" err="1"/>
-              <a:t>elementos</a:t>
-            </a:r>
-            <a:r>
-              <a:rPr lang="en-US" dirty="0"/>
-              <a:t> son true</a:t>
-            </a:r>
-          </a:p>
-          <a:p>
-            <a:r>
-              <a:rPr lang="en-US" dirty="0"/>
-              <a:t>Grater, </a:t>
-            </a:r>
-            <a:r>
-              <a:rPr lang="en-US" dirty="0" err="1"/>
-              <a:t>asegura</a:t>
-            </a:r>
-            <a:r>
-              <a:rPr lang="en-US" dirty="0"/>
-              <a:t> que los </a:t>
-            </a:r>
-            <a:r>
-              <a:rPr lang="en-US" dirty="0" err="1"/>
-              <a:t>elementos</a:t>
-            </a:r>
-            <a:r>
-              <a:rPr lang="en-US" dirty="0"/>
+              <a:rPr lang="es-ES" dirty="0" err="1"/>
+              <a:t>Constraint</a:t>
+            </a:r>
+            <a:r>
+              <a:rPr lang="es-ES" dirty="0"/>
+              <a:t>, si queremos crear </a:t>
+            </a:r>
+            <a:r>
+              <a:rPr lang="es-ES" dirty="0" err="1"/>
+              <a:t>Soft</a:t>
+            </a:r>
+            <a:r>
+              <a:rPr lang="es-ES" dirty="0"/>
               <a:t> </a:t>
             </a:r>
             <a:r>
-              <a:rPr lang="en-US" dirty="0" err="1"/>
-              <a:t>estan</a:t>
-            </a:r>
-            <a:r>
-              <a:rPr lang="en-US" dirty="0"/>
-              <a:t> </a:t>
-            </a:r>
-            <a:r>
-              <a:rPr lang="en-US" dirty="0" err="1"/>
-              <a:t>ordenaos</a:t>
-            </a:r>
-            <a:r>
-              <a:rPr lang="en-US" dirty="0"/>
-              <a:t> </a:t>
-            </a:r>
-            <a:r>
-              <a:rPr lang="en-US" dirty="0" err="1"/>
-              <a:t>crecientemente</a:t>
-            </a:r>
-            <a:endParaRPr lang="en-US" dirty="0"/>
-          </a:p>
-          <a:p>
-            <a:r>
-              <a:rPr lang="en-US" dirty="0" err="1"/>
-              <a:t>Implica</a:t>
-            </a:r>
-            <a:r>
-              <a:rPr lang="en-US" dirty="0"/>
-              <a:t> </a:t>
-            </a:r>
-            <a:r>
-              <a:rPr lang="en-US" dirty="0" err="1"/>
-              <a:t>antecedente</a:t>
-            </a:r>
-            <a:r>
-              <a:rPr lang="en-US" dirty="0"/>
-              <a:t> </a:t>
-            </a:r>
-            <a:r>
-              <a:rPr lang="en-US" dirty="0" err="1"/>
-              <a:t>implica</a:t>
-            </a:r>
-            <a:r>
-              <a:rPr lang="en-US" dirty="0"/>
-              <a:t> </a:t>
-            </a:r>
-            <a:r>
-              <a:rPr lang="en-US" dirty="0" err="1"/>
-              <a:t>consecuente</a:t>
-            </a:r>
-            <a:endParaRPr lang="en-US" dirty="0"/>
-          </a:p>
-          <a:p>
-            <a:r>
-              <a:rPr lang="en-US" dirty="0"/>
-              <a:t>Maximo</a:t>
-            </a:r>
+              <a:rPr lang="es-ES" dirty="0" err="1"/>
+              <a:t>Constraint</a:t>
+            </a:r>
+            <a:r>
+              <a:rPr lang="es-ES" dirty="0"/>
+              <a:t> tenemos que hacer algún truco.</a:t>
+            </a:r>
+          </a:p>
+          <a:p>
+            <a:r>
+              <a:rPr lang="es-ES" dirty="0"/>
+              <a:t>En este caso si intentamos minimizar la variable d intentaremos que el objeto ocupado valga 1</a:t>
+            </a:r>
+          </a:p>
+          <a:p>
             <a:endParaRPr lang="es-ES" dirty="0"/>
+          </a:p>
+          <a:p>
+            <a:r>
+              <a:rPr lang="es-ES" dirty="0"/>
+              <a:t>Como podemos ver en este ejemplo, que son las restricciones al problema de las n reinas </a:t>
+            </a:r>
           </a:p>
         </p:txBody>
       </p:sp>
@@ -1324,7 +1203,7 @@
     </p:spTree>
     <p:extLst>
       <p:ext uri="{BB962C8B-B14F-4D97-AF65-F5344CB8AC3E}">
-        <p14:creationId xmlns:p14="http://schemas.microsoft.com/office/powerpoint/2010/main" val="2611748133"/>
+        <p14:creationId xmlns:p14="http://schemas.microsoft.com/office/powerpoint/2010/main" val="2665445021"/>
       </p:ext>
     </p:extLst>
   </p:cSld>
@@ -1378,85 +1257,97 @@
           <a:bodyPr/>
           <a:lstStyle/>
           <a:p>
-            <a:pPr marL="0" marR="0" lvl="0" indent="0" algn="l" defTabSz="914400" rtl="0" eaLnBrk="1" fontAlgn="auto" latinLnBrk="0" hangingPunct="1">
-              <a:lnSpc>
-                <a:spcPct val="100000"/>
-              </a:lnSpc>
-              <a:spcBef>
-                <a:spcPts val="0"/>
-              </a:spcBef>
-              <a:spcAft>
-                <a:spcPts val="0"/>
-              </a:spcAft>
-              <a:buClrTx/>
-              <a:buSzTx/>
-              <a:buFontTx/>
-              <a:buNone/>
-              <a:tabLst/>
-              <a:defRPr/>
-            </a:pPr>
+            <a:r>
+              <a:rPr lang="es-ES" sz="1200" b="0" i="0" kern="1200" dirty="0" err="1">
+                <a:solidFill>
+                  <a:schemeClr val="tx1"/>
+                </a:solidFill>
+                <a:effectLst/>
+                <a:latin typeface="+mn-lt"/>
+                <a:ea typeface="+mn-ea"/>
+                <a:cs typeface="+mn-cs"/>
+              </a:rPr>
+              <a:t>AtMostMofN</a:t>
+            </a:r>
+            <a:r>
+              <a:rPr lang="es-ES" sz="1200" b="0" i="0" kern="1200" dirty="0">
+                <a:solidFill>
+                  <a:schemeClr val="tx1"/>
+                </a:solidFill>
+                <a:effectLst/>
+                <a:latin typeface="+mn-lt"/>
+                <a:ea typeface="+mn-ea"/>
+                <a:cs typeface="+mn-cs"/>
+              </a:rPr>
+              <a:t> Como mucho m elementos son true</a:t>
+            </a:r>
+          </a:p>
+          <a:p>
+            <a:r>
+              <a:rPr lang="es-ES" sz="1200" b="0" i="0" kern="1200" dirty="0" err="1">
+                <a:solidFill>
+                  <a:schemeClr val="tx1"/>
+                </a:solidFill>
+                <a:effectLst/>
+                <a:latin typeface="+mn-lt"/>
+                <a:ea typeface="+mn-ea"/>
+                <a:cs typeface="+mn-cs"/>
+              </a:rPr>
+              <a:t>Equal</a:t>
+            </a:r>
+            <a:r>
+              <a:rPr lang="es-ES" sz="1200" b="0" i="0" kern="1200" dirty="0">
+                <a:solidFill>
+                  <a:schemeClr val="tx1"/>
+                </a:solidFill>
+                <a:effectLst/>
+                <a:latin typeface="+mn-lt"/>
+                <a:ea typeface="+mn-ea"/>
+                <a:cs typeface="+mn-cs"/>
+              </a:rPr>
+              <a:t> y </a:t>
+            </a:r>
+            <a:r>
+              <a:rPr lang="es-ES" sz="1200" b="0" i="0" kern="1200" dirty="0" err="1">
+                <a:solidFill>
+                  <a:schemeClr val="tx1"/>
+                </a:solidFill>
+                <a:effectLst/>
+                <a:latin typeface="+mn-lt"/>
+                <a:ea typeface="+mn-ea"/>
+                <a:cs typeface="+mn-cs"/>
+              </a:rPr>
+              <a:t>Unecual</a:t>
+            </a:r>
+            <a:r>
+              <a:rPr lang="es-ES" sz="1200" b="0" i="0" kern="1200" dirty="0">
+                <a:solidFill>
+                  <a:schemeClr val="tx1"/>
+                </a:solidFill>
+                <a:effectLst/>
+                <a:latin typeface="+mn-lt"/>
+                <a:ea typeface="+mn-ea"/>
+                <a:cs typeface="+mn-cs"/>
+              </a:rPr>
+              <a:t> aseguran que todos los elementos de la entrada son iguales y tienen una sobrecarga para asegurar que todos los elementos son iguales a una constante</a:t>
+            </a:r>
+          </a:p>
+          <a:p>
             <a:r>
               <a:rPr lang="en-US" dirty="0" err="1"/>
-              <a:t>Ademas</a:t>
-            </a:r>
-            <a:r>
-              <a:rPr lang="en-US" dirty="0"/>
-              <a:t> de las </a:t>
-            </a:r>
-            <a:r>
-              <a:rPr lang="en-US" dirty="0" err="1"/>
-              <a:t>operaciones</a:t>
-            </a:r>
-            <a:r>
-              <a:rPr lang="en-US" dirty="0"/>
-              <a:t> de las </a:t>
-            </a:r>
-            <a:r>
-              <a:rPr lang="en-US" dirty="0" err="1"/>
-              <a:t>restricciones</a:t>
-            </a:r>
-            <a:r>
-              <a:rPr lang="en-US" dirty="0"/>
-              <a:t>  temenos </a:t>
-            </a:r>
-            <a:r>
-              <a:rPr lang="en-US" dirty="0" err="1"/>
-              <a:t>operaciones</a:t>
+              <a:t>ExactlyMofN</a:t>
             </a:r>
             <a:r>
               <a:rPr lang="en-US" dirty="0"/>
               <a:t> </a:t>
             </a:r>
-          </a:p>
-          <a:p>
-            <a:pPr marL="0" marR="0" lvl="0" indent="0" algn="l" defTabSz="914400" rtl="0" eaLnBrk="1" fontAlgn="auto" latinLnBrk="0" hangingPunct="1">
-              <a:lnSpc>
-                <a:spcPct val="100000"/>
-              </a:lnSpc>
-              <a:spcBef>
-                <a:spcPts val="0"/>
-              </a:spcBef>
-              <a:spcAft>
-                <a:spcPts val="0"/>
-              </a:spcAft>
-              <a:buClrTx/>
-              <a:buSzTx/>
-              <a:buFontTx/>
-              <a:buNone/>
-              <a:tabLst/>
-              <a:defRPr/>
-            </a:pPr>
+            <a:r>
+              <a:rPr lang="en-US" dirty="0" err="1"/>
+              <a:t>Exactamente</a:t>
+            </a:r>
             <a:r>
               <a:rPr lang="en-US" dirty="0"/>
-              <a:t>And y Or </a:t>
-            </a:r>
-            <a:r>
-              <a:rPr lang="en-US" dirty="0" err="1"/>
-              <a:t>logicos</a:t>
-            </a:r>
-            <a:r>
-              <a:rPr lang="en-US" dirty="0"/>
-              <a:t> de los </a:t>
+              <a:t> M </a:t>
             </a:r>
             <a:r>
               <a:rPr lang="en-US" dirty="0" err="1"/>
@@ -1464,30 +1355,25 @@
             </a:r>
             <a:r>
               <a:rPr lang="en-US" dirty="0"/>
-              <a:t> de entrada</a:t>
-            </a:r>
-          </a:p>
-          <a:p>
-            <a:pPr marL="0" marR="0" lvl="0" indent="0" algn="l" defTabSz="914400" rtl="0" eaLnBrk="1" fontAlgn="auto" latinLnBrk="0" hangingPunct="1">
-              <a:lnSpc>
-                <a:spcPct val="100000"/>
-              </a:lnSpc>
-              <a:spcBef>
-                <a:spcPts val="0"/>
-              </a:spcBef>
-              <a:spcAft>
-                <a:spcPts val="0"/>
-              </a:spcAft>
-              <a:buClrTx/>
-              <a:buSzTx/>
-              <a:buFontTx/>
-              <a:buNone/>
-              <a:tabLst/>
-              <a:defRPr/>
-            </a:pPr>
+              <a:t> son true</a:t>
+            </a:r>
+          </a:p>
+          <a:p>
+            <a:r>
+              <a:rPr lang="en-US" dirty="0"/>
+              <a:t>Grater, </a:t>
+            </a:r>
             <a:r>
               <a:rPr lang="en-US" dirty="0" err="1"/>
-              <a:t>FilteredSum</a:t>
+              <a:t>asegura</a:t>
+            </a:r>
+            <a:r>
+              <a:rPr lang="en-US" dirty="0"/>
+              <a:t> que los </a:t>
+            </a:r>
+            <a:r>
+              <a:rPr lang="en-US" dirty="0" err="1"/>
+              <a:t>elementos</a:t>
             </a:r>
             <a:r>
               <a:rPr lang="en-US" dirty="0"/>
@@ -1495,47 +1381,7 @@
             </a:r>
             <a:r>
               <a:rPr lang="en-US" dirty="0" err="1"/>
-              <a:t>Sumamos</a:t>
-            </a:r>
-            <a:r>
-              <a:rPr lang="en-US" dirty="0"/>
-              <a:t> los terminus que </a:t>
-            </a:r>
-            <a:r>
-              <a:rPr lang="en-US" dirty="0" err="1"/>
-              <a:t>cumplan</a:t>
-            </a:r>
-            <a:r>
-              <a:rPr lang="en-US" dirty="0"/>
-              <a:t> la </a:t>
-            </a:r>
-            <a:r>
-              <a:rPr lang="en-US" dirty="0" err="1"/>
-              <a:t>condicion</a:t>
-            </a:r>
-            <a:r>
-              <a:rPr lang="en-US" dirty="0"/>
-              <a:t>, </a:t>
-            </a:r>
-            <a:r>
-              <a:rPr lang="en-US" dirty="0" err="1"/>
-              <a:t>pide</a:t>
-            </a:r>
-            <a:r>
-              <a:rPr lang="en-US" dirty="0"/>
-              <a:t> que los dos arrays </a:t>
-            </a:r>
-            <a:r>
-              <a:rPr lang="en-US" dirty="0" err="1"/>
-              <a:t>sean</a:t>
-            </a:r>
-            <a:r>
-              <a:rPr lang="en-US" dirty="0"/>
-              <a:t> del </a:t>
-            </a:r>
-            <a:r>
-              <a:rPr lang="en-US" dirty="0" err="1"/>
-              <a:t>mismo</a:t>
+              <a:t>estan</a:t>
             </a:r>
             <a:r>
               <a:rPr lang="en-US" dirty="0"/>
@@ -1543,15 +1389,7 @@
             </a:r>
             <a:r>
               <a:rPr lang="en-US" dirty="0" err="1"/>
-              <a:t>tamaño</a:t>
-            </a:r>
-            <a:r>
-              <a:rPr lang="en-US" dirty="0"/>
-              <a:t> y se </a:t>
-            </a:r>
-            <a:r>
-              <a:rPr lang="en-US" dirty="0" err="1"/>
-              <a:t>evalua</a:t>
+              <a:t>ordenaos</a:t>
             </a:r>
             <a:r>
               <a:rPr lang="en-US" dirty="0"/>
@@ -1559,7 +1397,14 @@
             </a:r>
             <a:r>
               <a:rPr lang="en-US" dirty="0" err="1"/>
-              <a:t>si</a:t>
+              <a:t>crecientemente</a:t>
+            </a:r>
+            <a:endParaRPr lang="en-US" dirty="0"/>
+          </a:p>
+          <a:p>
+            <a:r>
+              <a:rPr lang="en-US" dirty="0" err="1"/>
+              <a:t>Implica</a:t>
             </a:r>
             <a:r>
               <a:rPr lang="en-US" dirty="0"/>
@@ -1567,7 +1412,7 @@
             </a:r>
             <a:r>
               <a:rPr lang="en-US" dirty="0" err="1"/>
-              <a:t>cada</a:t>
+              <a:t>antecedente</a:t>
             </a:r>
             <a:r>
               <a:rPr lang="en-US" dirty="0"/>
@@ -1575,7 +1420,7 @@
             </a:r>
             <a:r>
               <a:rPr lang="en-US" dirty="0" err="1"/>
-              <a:t>termino</a:t>
+              <a:t>implica</a:t>
             </a:r>
             <a:r>
               <a:rPr lang="en-US" dirty="0"/>
@@ -1583,43 +1428,12 @@
             </a:r>
             <a:r>
               <a:rPr lang="en-US" dirty="0" err="1"/>
-              <a:t>cumple</a:t>
-            </a:r>
-            <a:r>
-              <a:rPr lang="en-US" dirty="0"/>
-              <a:t> </a:t>
-            </a:r>
-            <a:r>
-              <a:rPr lang="en-US" dirty="0" err="1"/>
-              <a:t>su</a:t>
-            </a:r>
-            <a:r>
-              <a:rPr lang="en-US" dirty="0"/>
-              <a:t> </a:t>
-            </a:r>
-            <a:r>
-              <a:rPr lang="en-US" dirty="0" err="1"/>
-              <a:t>condición</a:t>
-            </a:r>
-            <a:r>
-              <a:rPr lang="en-US" dirty="0"/>
-              <a:t> </a:t>
-            </a:r>
-            <a:r>
-              <a:rPr lang="en-US" dirty="0" err="1"/>
-              <a:t>asociada</a:t>
+              <a:t>consecuente</a:t>
             </a:r>
             <a:endParaRPr lang="en-US" dirty="0"/>
           </a:p>
           <a:p>
-            <a:r>
-              <a:rPr lang="es-ES" dirty="0" err="1"/>
-              <a:t>SumProduct</a:t>
-            </a:r>
-            <a:r>
-              <a:rPr lang="es-ES" dirty="0"/>
-              <a:t> suma los productos de los objetos de entrada</a:t>
-            </a:r>
+            <a:endParaRPr lang="es-ES" dirty="0"/>
           </a:p>
         </p:txBody>
       </p:sp>
@@ -1649,7 +1463,7 @@
     </p:spTree>
     <p:extLst>
       <p:ext uri="{BB962C8B-B14F-4D97-AF65-F5344CB8AC3E}">
-        <p14:creationId xmlns:p14="http://schemas.microsoft.com/office/powerpoint/2010/main" val="2717623907"/>
+        <p14:creationId xmlns:p14="http://schemas.microsoft.com/office/powerpoint/2010/main" val="1292857365"/>
       </p:ext>
     </p:extLst>
   </p:cSld>
@@ -1703,28 +1517,250 @@
           <a:bodyPr/>
           <a:lstStyle/>
           <a:p>
-            <a:r>
-              <a:rPr lang="es-ES" dirty="0"/>
-              <a:t>Para resolver el modelo tenemos que invocar el método </a:t>
-            </a:r>
+            <a:pPr marL="0" marR="0" lvl="0" indent="0" algn="l" defTabSz="914400" rtl="0" eaLnBrk="1" fontAlgn="auto" latinLnBrk="0" hangingPunct="1">
+              <a:lnSpc>
+                <a:spcPct val="100000"/>
+              </a:lnSpc>
+              <a:spcBef>
+                <a:spcPts val="0"/>
+              </a:spcBef>
+              <a:spcAft>
+                <a:spcPts val="0"/>
+              </a:spcAft>
+              <a:buClrTx/>
+              <a:buSzTx/>
+              <a:buFontTx/>
+              <a:buNone/>
+              <a:tabLst/>
+              <a:defRPr/>
+            </a:pPr>
+            <a:r>
+              <a:rPr lang="en-US" dirty="0" err="1"/>
+              <a:t>Ademas</a:t>
+            </a:r>
+            <a:r>
+              <a:rPr lang="en-US" dirty="0"/>
+              <a:t> de las </a:t>
+            </a:r>
+            <a:r>
+              <a:rPr lang="en-US" dirty="0" err="1"/>
+              <a:t>operaciones</a:t>
+            </a:r>
+            <a:r>
+              <a:rPr lang="en-US" dirty="0"/>
+              <a:t> de las </a:t>
+            </a:r>
+            <a:r>
+              <a:rPr lang="en-US" dirty="0" err="1"/>
+              <a:t>restricciones</a:t>
+            </a:r>
+            <a:r>
+              <a:rPr lang="en-US" dirty="0"/>
+              <a:t>  temenos </a:t>
+            </a:r>
+            <a:r>
+              <a:rPr lang="en-US" dirty="0" err="1"/>
+              <a:t>operaciones</a:t>
+            </a:r>
+            <a:r>
+              <a:rPr lang="en-US" dirty="0"/>
+              <a:t> </a:t>
+            </a:r>
+          </a:p>
+          <a:p>
+            <a:pPr marL="0" marR="0" lvl="0" indent="0" algn="l" defTabSz="914400" rtl="0" eaLnBrk="1" fontAlgn="auto" latinLnBrk="0" hangingPunct="1">
+              <a:lnSpc>
+                <a:spcPct val="100000"/>
+              </a:lnSpc>
+              <a:spcBef>
+                <a:spcPts val="0"/>
+              </a:spcBef>
+              <a:spcAft>
+                <a:spcPts val="0"/>
+              </a:spcAft>
+              <a:buClrTx/>
+              <a:buSzTx/>
+              <a:buFontTx/>
+              <a:buNone/>
+              <a:tabLst/>
+              <a:defRPr/>
+            </a:pPr>
+            <a:r>
+              <a:rPr lang="en-US" dirty="0"/>
+              <a:t>And y Or </a:t>
+            </a:r>
+            <a:r>
+              <a:rPr lang="en-US" dirty="0" err="1"/>
+              <a:t>logicos</a:t>
+            </a:r>
+            <a:r>
+              <a:rPr lang="en-US" dirty="0"/>
+              <a:t> de los </a:t>
+            </a:r>
+            <a:r>
+              <a:rPr lang="en-US" dirty="0" err="1"/>
+              <a:t>elementos</a:t>
+            </a:r>
+            <a:r>
+              <a:rPr lang="en-US" dirty="0"/>
+              <a:t> de entrada</a:t>
+            </a:r>
+          </a:p>
+          <a:p>
+            <a:pPr marL="0" marR="0" lvl="0" indent="0" algn="l" defTabSz="914400" rtl="0" eaLnBrk="1" fontAlgn="auto" latinLnBrk="0" hangingPunct="1">
+              <a:lnSpc>
+                <a:spcPct val="100000"/>
+              </a:lnSpc>
+              <a:spcBef>
+                <a:spcPts val="0"/>
+              </a:spcBef>
+              <a:spcAft>
+                <a:spcPts val="0"/>
+              </a:spcAft>
+              <a:buClrTx/>
+              <a:buSzTx/>
+              <a:buFontTx/>
+              <a:buNone/>
+              <a:tabLst/>
+              <a:defRPr/>
+            </a:pPr>
+            <a:r>
+              <a:rPr lang="en-US" dirty="0" err="1"/>
+              <a:t>FilteredSum</a:t>
+            </a:r>
+            <a:r>
+              <a:rPr lang="en-US" dirty="0"/>
+              <a:t> </a:t>
+            </a:r>
+            <a:r>
+              <a:rPr lang="en-US" dirty="0" err="1"/>
+              <a:t>Sumamos</a:t>
+            </a:r>
+            <a:r>
+              <a:rPr lang="en-US" dirty="0"/>
+              <a:t> los terminus que </a:t>
+            </a:r>
+            <a:r>
+              <a:rPr lang="en-US" dirty="0" err="1"/>
+              <a:t>cumplan</a:t>
+            </a:r>
+            <a:r>
+              <a:rPr lang="en-US" dirty="0"/>
+              <a:t> la </a:t>
+            </a:r>
+            <a:r>
+              <a:rPr lang="en-US" dirty="0" err="1"/>
+              <a:t>condicion</a:t>
+            </a:r>
+            <a:r>
+              <a:rPr lang="en-US" dirty="0"/>
+              <a:t>, </a:t>
+            </a:r>
+            <a:r>
+              <a:rPr lang="en-US" dirty="0" err="1"/>
+              <a:t>pide</a:t>
+            </a:r>
+            <a:r>
+              <a:rPr lang="en-US" dirty="0"/>
+              <a:t> que los dos arrays </a:t>
+            </a:r>
+            <a:r>
+              <a:rPr lang="en-US" dirty="0" err="1"/>
+              <a:t>sean</a:t>
+            </a:r>
+            <a:r>
+              <a:rPr lang="en-US" dirty="0"/>
+              <a:t> del </a:t>
+            </a:r>
+            <a:r>
+              <a:rPr lang="en-US" dirty="0" err="1"/>
+              <a:t>mismo</a:t>
+            </a:r>
+            <a:r>
+              <a:rPr lang="en-US" dirty="0"/>
+              <a:t> </a:t>
+            </a:r>
+            <a:r>
+              <a:rPr lang="en-US" dirty="0" err="1"/>
+              <a:t>tamaño</a:t>
+            </a:r>
+            <a:r>
+              <a:rPr lang="en-US" dirty="0"/>
+              <a:t> y se </a:t>
+            </a:r>
+            <a:r>
+              <a:rPr lang="en-US" dirty="0" err="1"/>
+              <a:t>evalua</a:t>
+            </a:r>
+            <a:r>
+              <a:rPr lang="en-US" dirty="0"/>
+              <a:t> </a:t>
+            </a:r>
+            <a:r>
+              <a:rPr lang="en-US" dirty="0" err="1"/>
+              <a:t>si</a:t>
+            </a:r>
+            <a:r>
+              <a:rPr lang="en-US" dirty="0"/>
+              <a:t> </a:t>
+            </a:r>
+            <a:r>
+              <a:rPr lang="en-US" dirty="0" err="1"/>
+              <a:t>cada</a:t>
+            </a:r>
+            <a:r>
+              <a:rPr lang="en-US" dirty="0"/>
+              <a:t> </a:t>
+            </a:r>
+            <a:r>
+              <a:rPr lang="en-US" dirty="0" err="1"/>
+              <a:t>termino</a:t>
+            </a:r>
+            <a:r>
+              <a:rPr lang="en-US" dirty="0"/>
+              <a:t> </a:t>
+            </a:r>
+            <a:r>
+              <a:rPr lang="en-US" dirty="0" err="1"/>
+              <a:t>cumple</a:t>
+            </a:r>
+            <a:r>
+              <a:rPr lang="en-US" dirty="0"/>
+              <a:t> </a:t>
+            </a:r>
+            <a:r>
+              <a:rPr lang="en-US" dirty="0" err="1"/>
+              <a:t>su</a:t>
+            </a:r>
+            <a:r>
+              <a:rPr lang="en-US" dirty="0"/>
+              <a:t> </a:t>
+            </a:r>
+            <a:r>
+              <a:rPr lang="en-US" dirty="0" err="1"/>
+              <a:t>condición</a:t>
+            </a:r>
+            <a:r>
+              <a:rPr lang="en-US" dirty="0"/>
+              <a:t> </a:t>
+            </a:r>
+            <a:r>
+              <a:rPr lang="en-US" dirty="0" err="1"/>
+              <a:t>asociada</a:t>
+            </a:r>
+            <a:endParaRPr lang="en-US" dirty="0"/>
+          </a:p>
+          <a:p>
             <a:r>
               <a:rPr lang="es-ES" dirty="0" err="1"/>
-              <a:t>Solve</a:t>
-            </a:r>
-            <a:r>
-              <a:rPr lang="es-ES" dirty="0"/>
-              <a:t>, una vez que procesa y resuelve el modelo, o no, podemos consultar si ha encontrado solución la calidad de la solución.</a:t>
-            </a:r>
-          </a:p>
-          <a:p>
-            <a:r>
-              <a:rPr lang="es-ES" dirty="0"/>
-              <a:t>Cuando resuelve el modelo las variables de decisión se modifican y rellenan, por defecto nos va a devolver la primera de las soluciones encontradas, si queremos revisar el resto de soluciones hay que invocar el método </a:t>
-            </a:r>
-            <a:r>
-              <a:rPr lang="es-ES" dirty="0" err="1"/>
-              <a:t>GetNext</a:t>
-            </a:r>
+              <a:t>SumProduct</a:t>
+            </a:r>
+            <a:r>
+              <a:rPr lang="es-ES" dirty="0"/>
+              <a:t> suma los productos de los objetos de entrada</a:t>
+            </a:r>
+          </a:p>
+          <a:p>
             <a:endParaRPr lang="es-ES" dirty="0"/>
           </a:p>
         </p:txBody>
@@ -1747,6 +1783,112 @@
             <a:fld id="{FCDA2D49-8E2A-4398-9C90-188927C70331}" type="slidenum">
               <a:rPr lang="es-ES" smtClean="0"/>
               <a:t>8</a:t>
+            </a:fld>
+            <a:endParaRPr lang="es-ES"/>
+          </a:p>
+        </p:txBody>
+      </p:sp>
+    </p:spTree>
+    <p:extLst>
+      <p:ext uri="{BB962C8B-B14F-4D97-AF65-F5344CB8AC3E}">
+        <p14:creationId xmlns:p14="http://schemas.microsoft.com/office/powerpoint/2010/main" val="2261118464"/>
+      </p:ext>
+    </p:extLst>
+  </p:cSld>
+  <p:clrMapOvr>
+    <a:masterClrMapping/>
+  </p:clrMapOvr>
+</p:notes>
+</file>
+
+<file path=ppt/notesSlides/notesSlide8.xml><?xml version="1.0" encoding="utf-8"?>
+<p:notes xmlns:a="http://schemas.openxmlformats.org/drawingml/2006/main" xmlns:r="http://schemas.openxmlformats.org/officeDocument/2006/relationships" xmlns:p="http://schemas.openxmlformats.org/presentationml/2006/main">
+  <p:cSld>
+    <p:spTree>
+      <p:nvGrpSpPr>
+        <p:cNvPr id="1" name=""/>
+        <p:cNvGrpSpPr/>
+        <p:nvPr/>
+      </p:nvGrpSpPr>
+      <p:grpSpPr>
+        <a:xfrm>
+          <a:off x="0" y="0"/>
+          <a:ext cx="0" cy="0"/>
+          <a:chOff x="0" y="0"/>
+          <a:chExt cx="0" cy="0"/>
+        </a:xfrm>
+      </p:grpSpPr>
+      <p:sp>
+        <p:nvSpPr>
+          <p:cNvPr id="2" name="Marcador de imagen de diapositiva 1"/>
+          <p:cNvSpPr>
+            <a:spLocks noGrp="1" noRot="1" noChangeAspect="1"/>
+          </p:cNvSpPr>
+          <p:nvPr>
+            <p:ph type="sldImg"/>
+          </p:nvPr>
+        </p:nvSpPr>
+        <p:spPr/>
+      </p:sp>
+      <p:sp>
+        <p:nvSpPr>
+          <p:cNvPr id="3" name="Marcador de notas 2"/>
+          <p:cNvSpPr>
+            <a:spLocks noGrp="1"/>
+          </p:cNvSpPr>
+          <p:nvPr>
+            <p:ph type="body" idx="1"/>
+          </p:nvPr>
+        </p:nvSpPr>
+        <p:spPr/>
+        <p:txBody>
+          <a:bodyPr/>
+          <a:lstStyle/>
+          <a:p>
+            <a:r>
+              <a:rPr lang="es-ES" dirty="0"/>
+              <a:t>Para resolver el modelo tenemos que invocar el método </a:t>
+            </a:r>
+            <a:r>
+              <a:rPr lang="es-ES" dirty="0" err="1"/>
+              <a:t>Solve</a:t>
+            </a:r>
+            <a:r>
+              <a:rPr lang="es-ES" dirty="0"/>
+              <a:t>, una vez que procesa y resuelve el modelo, o no, podemos consultar si ha encontrado solución la calidad de la solución.</a:t>
+            </a:r>
+          </a:p>
+          <a:p>
+            <a:r>
+              <a:rPr lang="es-ES" dirty="0"/>
+              <a:t>Cuando resuelve el modelo las variables de decisión se modifican y rellenan, por defecto nos va a devolver la primera de las soluciones encontradas, si queremos revisar el resto de soluciones hay que invocar el método </a:t>
+            </a:r>
+            <a:r>
+              <a:rPr lang="es-ES" dirty="0" err="1"/>
+              <a:t>GetNext</a:t>
+            </a:r>
+            <a:endParaRPr lang="es-ES" dirty="0"/>
+          </a:p>
+        </p:txBody>
+      </p:sp>
+      <p:sp>
+        <p:nvSpPr>
+          <p:cNvPr id="4" name="Marcador de número de diapositiva 3"/>
+          <p:cNvSpPr>
+            <a:spLocks noGrp="1"/>
+          </p:cNvSpPr>
+          <p:nvPr>
+            <p:ph type="sldNum" sz="quarter" idx="5"/>
+          </p:nvPr>
+        </p:nvSpPr>
+        <p:spPr/>
+        <p:txBody>
+          <a:bodyPr/>
+          <a:lstStyle/>
+          <a:p>
+            <a:fld id="{FCDA2D49-8E2A-4398-9C90-188927C70331}" type="slidenum">
+              <a:rPr lang="es-ES" smtClean="0"/>
+              <a:t>9</a:t>
             </a:fld>
             <a:endParaRPr lang="es-ES"/>
           </a:p>
@@ -1912,7 +2054,7 @@
           <a:p>
             <a:fld id="{EB538E4D-B150-4AC3-BB99-2E0AA2ACAD6A}" type="datetimeFigureOut">
               <a:rPr lang="es-ES" smtClean="0"/>
-              <a:t>13/05/2019</a:t>
+              <a:t>14/05/2019</a:t>
             </a:fld>
             <a:endParaRPr lang="es-ES"/>
           </a:p>
@@ -2110,7 +2252,7 @@
           <a:p>
             <a:fld id="{EB538E4D-B150-4AC3-BB99-2E0AA2ACAD6A}" type="datetimeFigureOut">
               <a:rPr lang="es-ES" smtClean="0"/>
-              <a:t>13/05/2019</a:t>
+              <a:t>14/05/2019</a:t>
             </a:fld>
             <a:endParaRPr lang="es-ES"/>
           </a:p>
@@ -2318,7 +2460,7 @@
           <a:p>
             <a:fld id="{EB538E4D-B150-4AC3-BB99-2E0AA2ACAD6A}" type="datetimeFigureOut">
               <a:rPr lang="es-ES" smtClean="0"/>
-              <a:t>13/05/2019</a:t>
+              <a:t>14/05/2019</a:t>
             </a:fld>
             <a:endParaRPr lang="es-ES"/>
           </a:p>
@@ -2516,7 +2658,7 @@
           <a:p>
             <a:fld id="{EB538E4D-B150-4AC3-BB99-2E0AA2ACAD6A}" type="datetimeFigureOut">
               <a:rPr lang="es-ES" smtClean="0"/>
-              <a:t>13/05/2019</a:t>
+              <a:t>14/05/2019</a:t>
             </a:fld>
             <a:endParaRPr lang="es-ES"/>
           </a:p>
@@ -2791,7 +2933,7 @@
           <a:p>
             <a:fld id="{EB538E4D-B150-4AC3-BB99-2E0AA2ACAD6A}" type="datetimeFigureOut">
               <a:rPr lang="es-ES" smtClean="0"/>
-              <a:t>13/05/2019</a:t>
+              <a:t>14/05/2019</a:t>
             </a:fld>
             <a:endParaRPr lang="es-ES"/>
           </a:p>
@@ -3056,7 +3198,7 @@
           <a:p>
             <a:fld id="{EB538E4D-B150-4AC3-BB99-2E0AA2ACAD6A}" type="datetimeFigureOut">
               <a:rPr lang="es-ES" smtClean="0"/>
-              <a:t>13/05/2019</a:t>
+              <a:t>14/05/2019</a:t>
             </a:fld>
             <a:endParaRPr lang="es-ES"/>
           </a:p>
@@ -3468,7 +3610,7 @@
           <a:p>
             <a:fld id="{EB538E4D-B150-4AC3-BB99-2E0AA2ACAD6A}" type="datetimeFigureOut">
               <a:rPr lang="es-ES" smtClean="0"/>
-              <a:t>13/05/2019</a:t>
+              <a:t>14/05/2019</a:t>
             </a:fld>
             <a:endParaRPr lang="es-ES"/>
           </a:p>
@@ -3609,7 +3751,7 @@
           <a:p>
             <a:fld id="{EB538E4D-B150-4AC3-BB99-2E0AA2ACAD6A}" type="datetimeFigureOut">
               <a:rPr lang="es-ES" smtClean="0"/>
-              <a:t>13/05/2019</a:t>
+              <a:t>14/05/2019</a:t>
             </a:fld>
             <a:endParaRPr lang="es-ES"/>
           </a:p>
@@ -3722,7 +3864,7 @@
           <a:p>
             <a:fld id="{EB538E4D-B150-4AC3-BB99-2E0AA2ACAD6A}" type="datetimeFigureOut">
               <a:rPr lang="es-ES" smtClean="0"/>
-              <a:t>13/05/2019</a:t>
+              <a:t>14/05/2019</a:t>
             </a:fld>
             <a:endParaRPr lang="es-ES"/>
           </a:p>
@@ -4033,7 +4175,7 @@
           <a:p>
             <a:fld id="{EB538E4D-B150-4AC3-BB99-2E0AA2ACAD6A}" type="datetimeFigureOut">
               <a:rPr lang="es-ES" smtClean="0"/>
-              <a:t>13/05/2019</a:t>
+              <a:t>14/05/2019</a:t>
             </a:fld>
             <a:endParaRPr lang="es-ES"/>
           </a:p>
@@ -4321,7 +4463,7 @@
           <a:p>
             <a:fld id="{EB538E4D-B150-4AC3-BB99-2E0AA2ACAD6A}" type="datetimeFigureOut">
               <a:rPr lang="es-ES" smtClean="0"/>
-              <a:t>13/05/2019</a:t>
+              <a:t>14/05/2019</a:t>
             </a:fld>
             <a:endParaRPr lang="es-ES"/>
           </a:p>
@@ -4562,7 +4704,7 @@
           <a:p>
             <a:fld id="{EB538E4D-B150-4AC3-BB99-2E0AA2ACAD6A}" type="datetimeFigureOut">
               <a:rPr lang="es-ES" smtClean="0"/>
-              <a:t>13/05/2019</a:t>
+              <a:t>14/05/2019</a:t>
             </a:fld>
             <a:endParaRPr lang="es-ES"/>
           </a:p>
@@ -5094,7 +5236,7 @@
           <a:p>
             <a:r>
               <a:rPr lang="es-ES" dirty="0"/>
-              <a:t>Ejemplo N Reinas</a:t>
+              <a:t>Ejemplo Calendario partidos</a:t>
             </a:r>
           </a:p>
         </p:txBody>
@@ -5114,7 +5256,7 @@
         <p:spPr>
           <a:xfrm>
             <a:off x="94343" y="1841242"/>
-            <a:ext cx="12003314" cy="4031873"/>
+            <a:ext cx="12003314" cy="5016758"/>
           </a:xfrm>
           <a:prstGeom prst="rect">
             <a:avLst/>
@@ -5283,7 +5425,7 @@
                 </a:solidFill>
                 <a:latin typeface="Consolas" panose="020B0609020204030204" pitchFamily="49" charset="0"/>
               </a:rPr>
-              <a:t> Filas = </a:t>
+              <a:t> Equipos = </a:t>
             </a:r>
             <a:r>
               <a:rPr lang="es-ES" sz="1600" dirty="0" err="1">
@@ -5330,7 +5472,7 @@
                 </a:solidFill>
                 <a:latin typeface="Consolas" panose="020B0609020204030204" pitchFamily="49" charset="0"/>
               </a:rPr>
-              <a:t>[] tablero = </a:t>
+              <a:t>[][] partidos = </a:t>
             </a:r>
             <a:r>
               <a:rPr lang="es-ES" sz="1600" dirty="0" err="1">
@@ -5339,16 +5481,16 @@
                 </a:solidFill>
                 <a:latin typeface="Consolas" panose="020B0609020204030204" pitchFamily="49" charset="0"/>
               </a:rPr>
-              <a:t>S.CreateVariableVector</a:t>
-            </a:r>
-            <a:r>
-              <a:rPr lang="es-ES" sz="1600" dirty="0">
-                <a:solidFill>
-                  <a:srgbClr val="000000"/>
-                </a:solidFill>
-                <a:latin typeface="Consolas" panose="020B0609020204030204" pitchFamily="49" charset="0"/>
-              </a:rPr>
-              <a:t>(Filas, </a:t>
+              <a:t>S.CreateVariableArray</a:t>
+            </a:r>
+            <a:r>
+              <a:rPr lang="es-ES" sz="1600" dirty="0">
+                <a:solidFill>
+                  <a:srgbClr val="000000"/>
+                </a:solidFill>
+                <a:latin typeface="Consolas" panose="020B0609020204030204" pitchFamily="49" charset="0"/>
+              </a:rPr>
+              <a:t>(Equipos, </a:t>
             </a:r>
             <a:r>
               <a:rPr lang="es-ES" sz="1600" dirty="0">
@@ -5357,16 +5499,16 @@
                 </a:solidFill>
                 <a:latin typeface="Consolas" panose="020B0609020204030204" pitchFamily="49" charset="0"/>
               </a:rPr>
-              <a:t>"Tablero"</a:t>
-            </a:r>
-            <a:r>
-              <a:rPr lang="es-ES" sz="1600" dirty="0">
-                <a:solidFill>
-                  <a:srgbClr val="000000"/>
-                </a:solidFill>
-                <a:latin typeface="Consolas" panose="020B0609020204030204" pitchFamily="49" charset="0"/>
-              </a:rPr>
-              <a:t>, N);</a:t>
+              <a:t>"Oponentes"</a:t>
+            </a:r>
+            <a:r>
+              <a:rPr lang="es-ES" sz="1600" dirty="0">
+                <a:solidFill>
+                  <a:srgbClr val="000000"/>
+                </a:solidFill>
+                <a:latin typeface="Consolas" panose="020B0609020204030204" pitchFamily="49" charset="0"/>
+              </a:rPr>
+              <a:t>, N, N - 1);</a:t>
             </a:r>
           </a:p>
           <a:p>
@@ -5379,7 +5521,7 @@
           </a:p>
           <a:p>
             <a:r>
-              <a:rPr lang="nn-NO" sz="1600" dirty="0">
+              <a:rPr lang="es-ES" sz="1600" dirty="0">
                 <a:solidFill>
                   <a:srgbClr val="000000"/>
                 </a:solidFill>
@@ -5388,7 +5530,7 @@
               <a:t>    </a:t>
             </a:r>
             <a:r>
-              <a:rPr lang="nn-NO" sz="1600" dirty="0">
+              <a:rPr lang="es-ES" sz="1600" dirty="0" err="1">
                 <a:solidFill>
                   <a:srgbClr val="0000FF"/>
                 </a:solidFill>
@@ -5397,7 +5539,7 @@
               <a:t>for</a:t>
             </a:r>
             <a:r>
-              <a:rPr lang="nn-NO" sz="1600" dirty="0">
+              <a:rPr lang="es-ES" sz="1600" dirty="0">
                 <a:solidFill>
                   <a:srgbClr val="000000"/>
                 </a:solidFill>
@@ -5406,7 +5548,7 @@
               <a:t> (</a:t>
             </a:r>
             <a:r>
-              <a:rPr lang="nn-NO" sz="1600" dirty="0">
+              <a:rPr lang="es-ES" sz="1600" dirty="0" err="1">
                 <a:solidFill>
                   <a:srgbClr val="0000FF"/>
                 </a:solidFill>
@@ -5415,13 +5557,71 @@
               <a:t>int</a:t>
             </a:r>
             <a:r>
-              <a:rPr lang="nn-NO" sz="1600" dirty="0">
-                <a:solidFill>
-                  <a:srgbClr val="000000"/>
-                </a:solidFill>
-                <a:latin typeface="Consolas" panose="020B0609020204030204" pitchFamily="49" charset="0"/>
-              </a:rPr>
-              <a:t> i = 0; i &lt; N; i++)</a:t>
+              <a:rPr lang="es-ES" sz="1600" dirty="0">
+                <a:solidFill>
+                  <a:srgbClr val="000000"/>
+                </a:solidFill>
+                <a:latin typeface="Consolas" panose="020B0609020204030204" pitchFamily="49" charset="0"/>
+              </a:rPr>
+              <a:t> t = 0; t &lt; N; t++)</a:t>
+            </a:r>
+          </a:p>
+          <a:p>
+            <a:r>
+              <a:rPr lang="es-ES" sz="1600" dirty="0">
+                <a:solidFill>
+                  <a:srgbClr val="000000"/>
+                </a:solidFill>
+                <a:latin typeface="Consolas" panose="020B0609020204030204" pitchFamily="49" charset="0"/>
+              </a:rPr>
+              <a:t>    {</a:t>
+            </a:r>
+          </a:p>
+          <a:p>
+            <a:r>
+              <a:rPr lang="es-ES" sz="1600" dirty="0">
+                <a:solidFill>
+                  <a:srgbClr val="000000"/>
+                </a:solidFill>
+                <a:latin typeface="Consolas" panose="020B0609020204030204" pitchFamily="49" charset="0"/>
+              </a:rPr>
+              <a:t>        </a:t>
+            </a:r>
+            <a:r>
+              <a:rPr lang="es-ES" sz="1600" dirty="0" err="1">
+                <a:solidFill>
+                  <a:srgbClr val="000000"/>
+                </a:solidFill>
+                <a:latin typeface="Consolas" panose="020B0609020204030204" pitchFamily="49" charset="0"/>
+              </a:rPr>
+              <a:t>S.AddConstraints</a:t>
+            </a:r>
+            <a:r>
+              <a:rPr lang="es-ES" sz="1600" dirty="0">
+                <a:solidFill>
+                  <a:srgbClr val="000000"/>
+                </a:solidFill>
+                <a:latin typeface="Consolas" panose="020B0609020204030204" pitchFamily="49" charset="0"/>
+              </a:rPr>
+              <a:t>(                   </a:t>
+            </a:r>
+            <a:r>
+              <a:rPr lang="es-ES" sz="1600" dirty="0">
+                <a:solidFill>
+                  <a:srgbClr val="008000"/>
+                </a:solidFill>
+                <a:latin typeface="Consolas" panose="020B0609020204030204" pitchFamily="49" charset="0"/>
+              </a:rPr>
+              <a:t>// Agregamos las </a:t>
+            </a:r>
+            <a:r>
+              <a:rPr lang="es-ES" sz="1600" dirty="0" err="1">
+                <a:solidFill>
+                  <a:srgbClr val="008000"/>
+                </a:solidFill>
+                <a:latin typeface="Consolas" panose="020B0609020204030204" pitchFamily="49" charset="0"/>
+              </a:rPr>
+              <a:t>constraints</a:t>
             </a:r>
             <a:endParaRPr lang="es-ES" sz="1600" dirty="0">
               <a:solidFill>
@@ -5432,49 +5632,40 @@
           </a:p>
           <a:p>
             <a:r>
-              <a:rPr lang="nb-NO" sz="1600" dirty="0">
-                <a:solidFill>
-                  <a:srgbClr val="000000"/>
-                </a:solidFill>
-                <a:latin typeface="Consolas" panose="020B0609020204030204" pitchFamily="49" charset="0"/>
-              </a:rPr>
-              <a:t>        </a:t>
-            </a:r>
-            <a:r>
-              <a:rPr lang="nb-NO" sz="1600" dirty="0">
-                <a:solidFill>
-                  <a:srgbClr val="0000FF"/>
-                </a:solidFill>
-                <a:latin typeface="Consolas" panose="020B0609020204030204" pitchFamily="49" charset="0"/>
-              </a:rPr>
-              <a:t>for</a:t>
-            </a:r>
-            <a:r>
-              <a:rPr lang="nb-NO" sz="1600" dirty="0">
-                <a:solidFill>
-                  <a:srgbClr val="000000"/>
-                </a:solidFill>
-                <a:latin typeface="Consolas" panose="020B0609020204030204" pitchFamily="49" charset="0"/>
-              </a:rPr>
-              <a:t> (</a:t>
-            </a:r>
-            <a:r>
-              <a:rPr lang="nb-NO" sz="1600" dirty="0">
-                <a:solidFill>
-                  <a:srgbClr val="0000FF"/>
-                </a:solidFill>
-                <a:latin typeface="Consolas" panose="020B0609020204030204" pitchFamily="49" charset="0"/>
-              </a:rPr>
-              <a:t>int</a:t>
-            </a:r>
-            <a:r>
-              <a:rPr lang="nb-NO" sz="1600" dirty="0">
-                <a:solidFill>
-                  <a:srgbClr val="000000"/>
-                </a:solidFill>
-                <a:latin typeface="Consolas" panose="020B0609020204030204" pitchFamily="49" charset="0"/>
-              </a:rPr>
-              <a:t> j = i + 1; j &lt; N; j++)</a:t>
+              <a:rPr lang="es-ES" sz="1600" dirty="0">
+                <a:solidFill>
+                  <a:srgbClr val="000000"/>
+                </a:solidFill>
+                <a:latin typeface="Consolas" panose="020B0609020204030204" pitchFamily="49" charset="0"/>
+              </a:rPr>
+              <a:t>          </a:t>
+            </a:r>
+            <a:r>
+              <a:rPr lang="es-ES" sz="1600" dirty="0" err="1">
+                <a:solidFill>
+                  <a:srgbClr val="000000"/>
+                </a:solidFill>
+                <a:latin typeface="Consolas" panose="020B0609020204030204" pitchFamily="49" charset="0"/>
+              </a:rPr>
+              <a:t>S.Unequal</a:t>
+            </a:r>
+            <a:r>
+              <a:rPr lang="es-ES" sz="1600" dirty="0">
+                <a:solidFill>
+                  <a:srgbClr val="000000"/>
+                </a:solidFill>
+                <a:latin typeface="Consolas" panose="020B0609020204030204" pitchFamily="49" charset="0"/>
+              </a:rPr>
+              <a:t>(t, partidos[t]),        </a:t>
+            </a:r>
+            <a:r>
+              <a:rPr lang="es-ES" sz="1600" dirty="0">
+                <a:solidFill>
+                  <a:srgbClr val="008000"/>
+                </a:solidFill>
+                <a:latin typeface="Consolas" panose="020B0609020204030204" pitchFamily="49" charset="0"/>
+              </a:rPr>
+              <a:t>// Un equipo no puede jugar consigo mismo</a:t>
             </a:r>
             <a:endParaRPr lang="es-ES" sz="1600" dirty="0">
               <a:solidFill>
@@ -5491,7 +5682,7 @@
                 </a:solidFill>
                 <a:latin typeface="Consolas" panose="020B0609020204030204" pitchFamily="49" charset="0"/>
               </a:rPr>
-              <a:t>            </a:t>
+              <a:t>          </a:t>
             </a:r>
             <a:r>
               <a:rPr lang="es-ES" sz="1600" dirty="0" err="1">
@@ -5500,45 +5691,16 @@
                 </a:solidFill>
                 <a:latin typeface="Consolas" panose="020B0609020204030204" pitchFamily="49" charset="0"/>
               </a:rPr>
-              <a:t>S.AddConstraints</a:t>
-            </a:r>
-            <a:r>
-              <a:rPr lang="es-ES" sz="1600" dirty="0">
-                <a:solidFill>
-                  <a:srgbClr val="000000"/>
-                </a:solidFill>
-                <a:latin typeface="Consolas" panose="020B0609020204030204" pitchFamily="49" charset="0"/>
-              </a:rPr>
-              <a:t>(</a:t>
-            </a:r>
-          </a:p>
-          <a:p>
-            <a:r>
-              <a:rPr lang="es-ES" sz="1600" dirty="0">
-                <a:solidFill>
-                  <a:srgbClr val="000000"/>
-                </a:solidFill>
-                <a:latin typeface="Consolas" panose="020B0609020204030204" pitchFamily="49" charset="0"/>
-              </a:rPr>
-              <a:t>                </a:t>
-            </a:r>
-            <a:r>
-              <a:rPr lang="es-ES" sz="1600" dirty="0" err="1">
-                <a:solidFill>
-                  <a:srgbClr val="000000"/>
-                </a:solidFill>
-                <a:latin typeface="Consolas" panose="020B0609020204030204" pitchFamily="49" charset="0"/>
-              </a:rPr>
-              <a:t>S.Unequal</a:t>
-            </a:r>
-            <a:r>
-              <a:rPr lang="es-ES" sz="1600" dirty="0">
-                <a:solidFill>
-                  <a:srgbClr val="000000"/>
-                </a:solidFill>
-                <a:latin typeface="Consolas" panose="020B0609020204030204" pitchFamily="49" charset="0"/>
-              </a:rPr>
-              <a:t>(tablero[i], tablero[j]) </a:t>
+              <a:t>S.Equal</a:t>
+            </a:r>
+            <a:r>
+              <a:rPr lang="es-ES" sz="1600" dirty="0">
+                <a:solidFill>
+                  <a:srgbClr val="000000"/>
+                </a:solidFill>
+                <a:latin typeface="Consolas" panose="020B0609020204030204" pitchFamily="49" charset="0"/>
+              </a:rPr>
+              <a:t>(t ^ 1, partidos[t][0])    </a:t>
             </a:r>
             <a:r>
               <a:rPr lang="es-ES" sz="1600" dirty="0">
@@ -5547,7 +5709,7 @@
                 </a:solidFill>
                 <a:latin typeface="Consolas" panose="020B0609020204030204" pitchFamily="49" charset="0"/>
               </a:rPr>
-              <a:t>// Fila</a:t>
+              <a:t>// la primera ronda se emparejan pares con impares</a:t>
             </a:r>
             <a:endParaRPr lang="es-ES" sz="1600" dirty="0">
               <a:solidFill>
@@ -5564,35 +5726,21 @@
                 </a:solidFill>
                 <a:latin typeface="Consolas" panose="020B0609020204030204" pitchFamily="49" charset="0"/>
               </a:rPr>
-              <a:t>                , </a:t>
-            </a:r>
-            <a:r>
-              <a:rPr lang="es-ES" sz="1600" dirty="0" err="1">
-                <a:solidFill>
-                  <a:srgbClr val="000000"/>
-                </a:solidFill>
-                <a:latin typeface="Consolas" panose="020B0609020204030204" pitchFamily="49" charset="0"/>
-              </a:rPr>
-              <a:t>S.Unequal</a:t>
-            </a:r>
-            <a:r>
-              <a:rPr lang="es-ES" sz="1600" dirty="0">
-                <a:solidFill>
-                  <a:srgbClr val="000000"/>
-                </a:solidFill>
-                <a:latin typeface="Consolas" panose="020B0609020204030204" pitchFamily="49" charset="0"/>
-              </a:rPr>
-              <a:t>(tablero[j] + (j - i), tablero[i]) </a:t>
-            </a:r>
-            <a:r>
-              <a:rPr lang="es-ES" sz="1600" dirty="0">
-                <a:solidFill>
-                  <a:srgbClr val="008000"/>
-                </a:solidFill>
-                <a:latin typeface="Consolas" panose="020B0609020204030204" pitchFamily="49" charset="0"/>
-              </a:rPr>
-              <a:t>// Diagonal 1</a:t>
-            </a:r>
+              <a:t>        );</a:t>
+            </a:r>
+          </a:p>
+          <a:p>
+            <a:r>
+              <a:rPr lang="es-ES" sz="1600" dirty="0">
+                <a:solidFill>
+                  <a:srgbClr val="000000"/>
+                </a:solidFill>
+                <a:latin typeface="Consolas" panose="020B0609020204030204" pitchFamily="49" charset="0"/>
+              </a:rPr>
+              <a:t>    }</a:t>
+            </a:r>
+          </a:p>
+          <a:p>
             <a:endParaRPr lang="es-ES" sz="1600" dirty="0">
               <a:solidFill>
                 <a:srgbClr val="000000"/>
@@ -5602,13 +5750,71 @@
           </a:p>
           <a:p>
             <a:r>
-              <a:rPr lang="es-ES" sz="1600" dirty="0">
-                <a:solidFill>
-                  <a:srgbClr val="000000"/>
-                </a:solidFill>
-                <a:latin typeface="Consolas" panose="020B0609020204030204" pitchFamily="49" charset="0"/>
-              </a:rPr>
-              <a:t>                , </a:t>
+              <a:rPr lang="pl-PL" sz="1600" dirty="0">
+                <a:solidFill>
+                  <a:srgbClr val="000000"/>
+                </a:solidFill>
+                <a:latin typeface="Consolas" panose="020B0609020204030204" pitchFamily="49" charset="0"/>
+              </a:rPr>
+              <a:t>    </a:t>
+            </a:r>
+            <a:r>
+              <a:rPr lang="pl-PL" sz="1600" dirty="0">
+                <a:solidFill>
+                  <a:srgbClr val="0000FF"/>
+                </a:solidFill>
+                <a:latin typeface="Consolas" panose="020B0609020204030204" pitchFamily="49" charset="0"/>
+              </a:rPr>
+              <a:t>for</a:t>
+            </a:r>
+            <a:r>
+              <a:rPr lang="pl-PL" sz="1600" dirty="0">
+                <a:solidFill>
+                  <a:srgbClr val="000000"/>
+                </a:solidFill>
+                <a:latin typeface="Consolas" panose="020B0609020204030204" pitchFamily="49" charset="0"/>
+              </a:rPr>
+              <a:t> (</a:t>
+            </a:r>
+            <a:r>
+              <a:rPr lang="pl-PL" sz="1600" dirty="0">
+                <a:solidFill>
+                  <a:srgbClr val="0000FF"/>
+                </a:solidFill>
+                <a:latin typeface="Consolas" panose="020B0609020204030204" pitchFamily="49" charset="0"/>
+              </a:rPr>
+              <a:t>int</a:t>
+            </a:r>
+            <a:r>
+              <a:rPr lang="pl-PL" sz="1600" dirty="0">
+                <a:solidFill>
+                  <a:srgbClr val="000000"/>
+                </a:solidFill>
+                <a:latin typeface="Consolas" panose="020B0609020204030204" pitchFamily="49" charset="0"/>
+              </a:rPr>
+              <a:t> w = 0; w &lt; N - 1; w++)</a:t>
+            </a:r>
+          </a:p>
+          <a:p>
+            <a:r>
+              <a:rPr lang="es-ES" sz="1600" dirty="0">
+                <a:solidFill>
+                  <a:srgbClr val="000000"/>
+                </a:solidFill>
+                <a:latin typeface="Consolas" panose="020B0609020204030204" pitchFamily="49" charset="0"/>
+              </a:rPr>
+              <a:t>    {</a:t>
+            </a:r>
+          </a:p>
+          <a:p>
+            <a:r>
+              <a:rPr lang="es-ES" sz="1600" dirty="0">
+                <a:solidFill>
+                  <a:srgbClr val="000000"/>
+                </a:solidFill>
+                <a:latin typeface="Consolas" panose="020B0609020204030204" pitchFamily="49" charset="0"/>
+              </a:rPr>
+              <a:t>       </a:t>
             </a:r>
             <a:r>
               <a:rPr lang="es-ES" sz="1600" dirty="0" err="1">
@@ -5617,6 +5823,24 @@
                 </a:solidFill>
                 <a:latin typeface="Consolas" panose="020B0609020204030204" pitchFamily="49" charset="0"/>
               </a:rPr>
+              <a:t>S.AddConstraints</a:t>
+            </a:r>
+            <a:r>
+              <a:rPr lang="es-ES" sz="1600" dirty="0">
+                <a:solidFill>
+                  <a:srgbClr val="000000"/>
+                </a:solidFill>
+                <a:latin typeface="Consolas" panose="020B0609020204030204" pitchFamily="49" charset="0"/>
+              </a:rPr>
+              <a:t>(</a:t>
+            </a:r>
+            <a:r>
+              <a:rPr lang="es-ES" sz="1600" dirty="0" err="1">
+                <a:solidFill>
+                  <a:srgbClr val="000000"/>
+                </a:solidFill>
+                <a:latin typeface="Consolas" panose="020B0609020204030204" pitchFamily="49" charset="0"/>
+              </a:rPr>
               <a:t>S.Unequal</a:t>
             </a:r>
             <a:r>
@@ -5626,7 +5850,25 @@
                 </a:solidFill>
                 <a:latin typeface="Consolas" panose="020B0609020204030204" pitchFamily="49" charset="0"/>
               </a:rPr>
-              <a:t>(tablero[j] - (j - i), tablero[i]) </a:t>
+              <a:t>(</a:t>
+            </a:r>
+            <a:r>
+              <a:rPr lang="es-ES" sz="1600" dirty="0" err="1">
+                <a:solidFill>
+                  <a:srgbClr val="000000"/>
+                </a:solidFill>
+                <a:latin typeface="Consolas" panose="020B0609020204030204" pitchFamily="49" charset="0"/>
+              </a:rPr>
+              <a:t>GetColumn</a:t>
+            </a:r>
+            <a:r>
+              <a:rPr lang="es-ES" sz="1600" dirty="0">
+                <a:solidFill>
+                  <a:srgbClr val="000000"/>
+                </a:solidFill>
+                <a:latin typeface="Consolas" panose="020B0609020204030204" pitchFamily="49" charset="0"/>
+              </a:rPr>
+              <a:t>(partidos, w))); </a:t>
             </a:r>
             <a:r>
               <a:rPr lang="es-ES" sz="1600" dirty="0">
@@ -5635,7 +5877,7 @@
                 </a:solidFill>
                 <a:latin typeface="Consolas" panose="020B0609020204030204" pitchFamily="49" charset="0"/>
               </a:rPr>
-              <a:t>// Diagonal 2</a:t>
+              <a:t>// cada equipo solo juega una vez cada jornada</a:t>
             </a:r>
             <a:endParaRPr lang="es-ES" sz="1600" dirty="0">
               <a:solidFill>
@@ -5652,72 +5894,7 @@
                 </a:solidFill>
                 <a:latin typeface="Consolas" panose="020B0609020204030204" pitchFamily="49" charset="0"/>
               </a:rPr>
-              <a:t>                );</a:t>
-            </a:r>
-          </a:p>
-          <a:p>
-            <a:r>
-              <a:rPr lang="es-ES" sz="1600" dirty="0">
-                <a:solidFill>
-                  <a:srgbClr val="000000"/>
-                </a:solidFill>
-                <a:latin typeface="Consolas" panose="020B0609020204030204" pitchFamily="49" charset="0"/>
-              </a:rPr>
-              <a:t>    </a:t>
-            </a:r>
-            <a:r>
-              <a:rPr lang="es-ES" sz="1600" dirty="0" err="1">
-                <a:solidFill>
-                  <a:srgbClr val="0000FF"/>
-                </a:solidFill>
-                <a:latin typeface="Consolas" panose="020B0609020204030204" pitchFamily="49" charset="0"/>
-              </a:rPr>
-              <a:t>bool</a:t>
-            </a:r>
-            <a:r>
-              <a:rPr lang="es-ES" sz="1600" dirty="0">
-                <a:solidFill>
-                  <a:srgbClr val="000000"/>
-                </a:solidFill>
-                <a:latin typeface="Consolas" panose="020B0609020204030204" pitchFamily="49" charset="0"/>
-              </a:rPr>
-              <a:t> </a:t>
-            </a:r>
-            <a:r>
-              <a:rPr lang="es-ES" sz="1600" dirty="0" err="1">
-                <a:solidFill>
-                  <a:srgbClr val="000000"/>
-                </a:solidFill>
-                <a:latin typeface="Consolas" panose="020B0609020204030204" pitchFamily="49" charset="0"/>
-              </a:rPr>
-              <a:t>unsolved</a:t>
-            </a:r>
-            <a:r>
-              <a:rPr lang="es-ES" sz="1600" dirty="0">
-                <a:solidFill>
-                  <a:srgbClr val="000000"/>
-                </a:solidFill>
-                <a:latin typeface="Consolas" panose="020B0609020204030204" pitchFamily="49" charset="0"/>
-              </a:rPr>
-              <a:t> = </a:t>
-            </a:r>
-            <a:r>
-              <a:rPr lang="es-ES" sz="1600" dirty="0">
-                <a:solidFill>
-                  <a:srgbClr val="0000FF"/>
-                </a:solidFill>
-                <a:latin typeface="Consolas" panose="020B0609020204030204" pitchFamily="49" charset="0"/>
-              </a:rPr>
-              <a:t>true</a:t>
-            </a:r>
-            <a:r>
-              <a:rPr lang="es-ES" sz="1600" dirty="0">
-                <a:solidFill>
-                  <a:srgbClr val="000000"/>
-                </a:solidFill>
-                <a:latin typeface="Consolas" panose="020B0609020204030204" pitchFamily="49" charset="0"/>
-              </a:rPr>
-              <a:t>;</a:t>
+              <a:t>    }</a:t>
             </a:r>
           </a:p>
           <a:p>
@@ -5802,7 +5979,7 @@
     </p:spTree>
     <p:extLst>
       <p:ext uri="{BB962C8B-B14F-4D97-AF65-F5344CB8AC3E}">
-        <p14:creationId xmlns:p14="http://schemas.microsoft.com/office/powerpoint/2010/main" val="389766790"/>
+        <p14:creationId xmlns:p14="http://schemas.microsoft.com/office/powerpoint/2010/main" val="1783863969"/>
       </p:ext>
     </p:extLst>
   </p:cSld>
@@ -5852,7 +6029,7 @@
           <a:p>
             <a:r>
               <a:rPr lang="es-ES" dirty="0"/>
-              <a:t>Ejemplo Pintar mapa</a:t>
+              <a:t>Ejemplo N Reinas</a:t>
             </a:r>
           </a:p>
         </p:txBody>
@@ -5872,7 +6049,7 @@
         <p:spPr>
           <a:xfrm>
             <a:off x="94343" y="1841242"/>
-            <a:ext cx="12003314" cy="5016758"/>
+            <a:ext cx="12003314" cy="4031873"/>
           </a:xfrm>
           <a:prstGeom prst="rect">
             <a:avLst/>
@@ -5885,69 +6062,181 @@
           <a:lstStyle/>
           <a:p>
             <a:r>
+              <a:rPr lang="en-US" sz="1600" dirty="0">
+                <a:solidFill>
+                  <a:srgbClr val="0000FF"/>
+                </a:solidFill>
+                <a:latin typeface="Consolas" panose="020B0609020204030204" pitchFamily="49" charset="0"/>
+              </a:rPr>
+              <a:t>public</a:t>
+            </a:r>
+            <a:r>
+              <a:rPr lang="en-US" sz="1600" dirty="0">
+                <a:solidFill>
+                  <a:srgbClr val="000000"/>
+                </a:solidFill>
+                <a:latin typeface="Consolas" panose="020B0609020204030204" pitchFamily="49" charset="0"/>
+              </a:rPr>
+              <a:t> </a:t>
+            </a:r>
+            <a:r>
+              <a:rPr lang="en-US" sz="1600" dirty="0">
+                <a:solidFill>
+                  <a:srgbClr val="0000FF"/>
+                </a:solidFill>
+                <a:latin typeface="Consolas" panose="020B0609020204030204" pitchFamily="49" charset="0"/>
+              </a:rPr>
+              <a:t>static</a:t>
+            </a:r>
+            <a:r>
+              <a:rPr lang="en-US" sz="1600" dirty="0">
+                <a:solidFill>
+                  <a:srgbClr val="000000"/>
+                </a:solidFill>
+                <a:latin typeface="Consolas" panose="020B0609020204030204" pitchFamily="49" charset="0"/>
+              </a:rPr>
+              <a:t> </a:t>
+            </a:r>
+            <a:r>
+              <a:rPr lang="en-US" sz="1600" dirty="0">
+                <a:solidFill>
+                  <a:srgbClr val="0000FF"/>
+                </a:solidFill>
+                <a:latin typeface="Consolas" panose="020B0609020204030204" pitchFamily="49" charset="0"/>
+              </a:rPr>
+              <a:t>void</a:t>
+            </a:r>
+            <a:r>
+              <a:rPr lang="en-US" sz="1600" dirty="0">
+                <a:solidFill>
+                  <a:srgbClr val="000000"/>
+                </a:solidFill>
+                <a:latin typeface="Consolas" panose="020B0609020204030204" pitchFamily="49" charset="0"/>
+              </a:rPr>
+              <a:t> Run(</a:t>
+            </a:r>
+            <a:r>
+              <a:rPr lang="en-US" sz="1600" dirty="0">
+                <a:solidFill>
+                  <a:srgbClr val="0000FF"/>
+                </a:solidFill>
+                <a:latin typeface="Consolas" panose="020B0609020204030204" pitchFamily="49" charset="0"/>
+              </a:rPr>
+              <a:t>int</a:t>
+            </a:r>
+            <a:r>
+              <a:rPr lang="en-US" sz="1600" dirty="0">
+                <a:solidFill>
+                  <a:srgbClr val="000000"/>
+                </a:solidFill>
+                <a:latin typeface="Consolas" panose="020B0609020204030204" pitchFamily="49" charset="0"/>
+              </a:rPr>
+              <a:t> N)</a:t>
+            </a:r>
+          </a:p>
+          <a:p>
+            <a:r>
+              <a:rPr lang="es-ES" sz="1600" dirty="0">
+                <a:solidFill>
+                  <a:srgbClr val="000000"/>
+                </a:solidFill>
+                <a:latin typeface="Consolas" panose="020B0609020204030204" pitchFamily="49" charset="0"/>
+              </a:rPr>
+              <a:t>{</a:t>
+            </a:r>
+          </a:p>
+          <a:p>
+            <a:r>
+              <a:rPr lang="es-ES" sz="1600" dirty="0">
+                <a:solidFill>
+                  <a:srgbClr val="000000"/>
+                </a:solidFill>
+                <a:latin typeface="Consolas" panose="020B0609020204030204" pitchFamily="49" charset="0"/>
+              </a:rPr>
+              <a:t>    </a:t>
+            </a:r>
+            <a:r>
               <a:rPr lang="es-ES" sz="1600" dirty="0" err="1">
                 <a:solidFill>
-                  <a:srgbClr val="0000FF"/>
-                </a:solidFill>
-                <a:latin typeface="Consolas" panose="020B0609020204030204" pitchFamily="49" charset="0"/>
-              </a:rPr>
-              <a:t>public</a:t>
-            </a:r>
-            <a:r>
-              <a:rPr lang="es-ES" sz="1600" dirty="0">
-                <a:solidFill>
-                  <a:srgbClr val="000000"/>
-                </a:solidFill>
-                <a:latin typeface="Consolas" panose="020B0609020204030204" pitchFamily="49" charset="0"/>
-              </a:rPr>
-              <a:t> </a:t>
+                  <a:srgbClr val="000000"/>
+                </a:solidFill>
+                <a:latin typeface="Consolas" panose="020B0609020204030204" pitchFamily="49" charset="0"/>
+              </a:rPr>
+              <a:t>ConstraintSystem</a:t>
+            </a:r>
+            <a:r>
+              <a:rPr lang="es-ES" sz="1600" dirty="0">
+                <a:solidFill>
+                  <a:srgbClr val="000000"/>
+                </a:solidFill>
+                <a:latin typeface="Consolas" panose="020B0609020204030204" pitchFamily="49" charset="0"/>
+              </a:rPr>
+              <a:t> S = </a:t>
             </a:r>
             <a:r>
               <a:rPr lang="es-ES" sz="1600" dirty="0" err="1">
                 <a:solidFill>
-                  <a:srgbClr val="0000FF"/>
-                </a:solidFill>
-                <a:latin typeface="Consolas" panose="020B0609020204030204" pitchFamily="49" charset="0"/>
-              </a:rPr>
-              <a:t>static</a:t>
-            </a:r>
-            <a:r>
-              <a:rPr lang="es-ES" sz="1600" dirty="0">
-                <a:solidFill>
-                  <a:srgbClr val="000000"/>
-                </a:solidFill>
-                <a:latin typeface="Consolas" panose="020B0609020204030204" pitchFamily="49" charset="0"/>
-              </a:rPr>
-              <a:t> </a:t>
+                  <a:srgbClr val="000000"/>
+                </a:solidFill>
+                <a:latin typeface="Consolas" panose="020B0609020204030204" pitchFamily="49" charset="0"/>
+              </a:rPr>
+              <a:t>ConstraintSystem.CreateSolver</a:t>
+            </a:r>
+            <a:r>
+              <a:rPr lang="es-ES" sz="1600" dirty="0">
+                <a:solidFill>
+                  <a:srgbClr val="000000"/>
+                </a:solidFill>
+                <a:latin typeface="Consolas" panose="020B0609020204030204" pitchFamily="49" charset="0"/>
+              </a:rPr>
+              <a:t>();</a:t>
+            </a:r>
+          </a:p>
+          <a:p>
+            <a:r>
+              <a:rPr lang="es-ES" sz="1600" dirty="0">
+                <a:solidFill>
+                  <a:srgbClr val="000000"/>
+                </a:solidFill>
+                <a:latin typeface="Consolas" panose="020B0609020204030204" pitchFamily="49" charset="0"/>
+              </a:rPr>
+              <a:t>    </a:t>
             </a:r>
             <a:r>
               <a:rPr lang="es-ES" sz="1600" dirty="0" err="1">
                 <a:solidFill>
-                  <a:srgbClr val="0000FF"/>
-                </a:solidFill>
-                <a:latin typeface="Consolas" panose="020B0609020204030204" pitchFamily="49" charset="0"/>
-              </a:rPr>
-              <a:t>void</a:t>
-            </a:r>
-            <a:r>
-              <a:rPr lang="es-ES" sz="1600" dirty="0">
-                <a:solidFill>
-                  <a:srgbClr val="000000"/>
-                </a:solidFill>
-                <a:latin typeface="Consolas" panose="020B0609020204030204" pitchFamily="49" charset="0"/>
-              </a:rPr>
-              <a:t> Run()</a:t>
-            </a:r>
-          </a:p>
-          <a:p>
-            <a:r>
-              <a:rPr lang="es-ES" sz="1600" dirty="0">
-                <a:solidFill>
-                  <a:srgbClr val="000000"/>
-                </a:solidFill>
-                <a:latin typeface="Consolas" panose="020B0609020204030204" pitchFamily="49" charset="0"/>
-              </a:rPr>
-              <a:t>{</a:t>
+                  <a:srgbClr val="000000"/>
+                </a:solidFill>
+                <a:latin typeface="Consolas" panose="020B0609020204030204" pitchFamily="49" charset="0"/>
+              </a:rPr>
+              <a:t>CspDomain</a:t>
+            </a:r>
+            <a:r>
+              <a:rPr lang="es-ES" sz="1600" dirty="0">
+                <a:solidFill>
+                  <a:srgbClr val="000000"/>
+                </a:solidFill>
+                <a:latin typeface="Consolas" panose="020B0609020204030204" pitchFamily="49" charset="0"/>
+              </a:rPr>
+              <a:t> Filas = </a:t>
+            </a:r>
+            <a:r>
+              <a:rPr lang="es-ES" sz="1600" dirty="0" err="1">
+                <a:solidFill>
+                  <a:srgbClr val="000000"/>
+                </a:solidFill>
+                <a:latin typeface="Consolas" panose="020B0609020204030204" pitchFamily="49" charset="0"/>
+              </a:rPr>
+              <a:t>S.CreateIntegerInterval</a:t>
+            </a:r>
+            <a:r>
+              <a:rPr lang="es-ES" sz="1600" dirty="0">
+                <a:solidFill>
+                  <a:srgbClr val="000000"/>
+                </a:solidFill>
+                <a:latin typeface="Consolas" panose="020B0609020204030204" pitchFamily="49" charset="0"/>
+              </a:rPr>
+              <a:t>(0, N - 1);</a:t>
             </a:r>
           </a:p>
           <a:p>
@@ -5967,16 +6256,16 @@
                 </a:solidFill>
                 <a:latin typeface="Consolas" panose="020B0609020204030204" pitchFamily="49" charset="0"/>
               </a:rPr>
-              <a:t>SolverContext</a:t>
-            </a:r>
-            <a:r>
-              <a:rPr lang="es-ES" sz="1600" dirty="0">
-                <a:solidFill>
-                  <a:srgbClr val="000000"/>
-                </a:solidFill>
-                <a:latin typeface="Consolas" panose="020B0609020204030204" pitchFamily="49" charset="0"/>
-              </a:rPr>
-              <a:t> </a:t>
+              <a:t>CspTerm</a:t>
+            </a:r>
+            <a:r>
+              <a:rPr lang="es-ES" sz="1600" dirty="0">
+                <a:solidFill>
+                  <a:srgbClr val="000000"/>
+                </a:solidFill>
+                <a:latin typeface="Consolas" panose="020B0609020204030204" pitchFamily="49" charset="0"/>
+              </a:rPr>
+              <a:t>[] tablero = </a:t>
             </a:r>
             <a:r>
               <a:rPr lang="es-ES" sz="1600" dirty="0" err="1">
@@ -5985,99 +6274,34 @@
                 </a:solidFill>
                 <a:latin typeface="Consolas" panose="020B0609020204030204" pitchFamily="49" charset="0"/>
               </a:rPr>
-              <a:t>context</a:t>
-            </a:r>
-            <a:r>
-              <a:rPr lang="es-ES" sz="1600" dirty="0">
-                <a:solidFill>
-                  <a:srgbClr val="000000"/>
-                </a:solidFill>
-                <a:latin typeface="Consolas" panose="020B0609020204030204" pitchFamily="49" charset="0"/>
-              </a:rPr>
-              <a:t> = </a:t>
-            </a:r>
-            <a:r>
-              <a:rPr lang="es-ES" sz="1600" dirty="0" err="1">
-                <a:solidFill>
-                  <a:srgbClr val="000000"/>
-                </a:solidFill>
-                <a:latin typeface="Consolas" panose="020B0609020204030204" pitchFamily="49" charset="0"/>
-              </a:rPr>
-              <a:t>SolverContext.GetContext</a:t>
-            </a:r>
-            <a:r>
-              <a:rPr lang="es-ES" sz="1600" dirty="0">
-                <a:solidFill>
-                  <a:srgbClr val="000000"/>
-                </a:solidFill>
-                <a:latin typeface="Consolas" panose="020B0609020204030204" pitchFamily="49" charset="0"/>
-              </a:rPr>
-              <a:t>();</a:t>
-            </a:r>
-          </a:p>
-          <a:p>
-            <a:r>
-              <a:rPr lang="es-ES" sz="1600" dirty="0">
-                <a:solidFill>
-                  <a:srgbClr val="000000"/>
-                </a:solidFill>
-                <a:latin typeface="Consolas" panose="020B0609020204030204" pitchFamily="49" charset="0"/>
-              </a:rPr>
-              <a:t>    </a:t>
-            </a:r>
-            <a:r>
-              <a:rPr lang="es-ES" sz="1600" dirty="0" err="1">
-                <a:solidFill>
-                  <a:srgbClr val="000000"/>
-                </a:solidFill>
-                <a:latin typeface="Consolas" panose="020B0609020204030204" pitchFamily="49" charset="0"/>
-              </a:rPr>
-              <a:t>Model</a:t>
-            </a:r>
-            <a:r>
-              <a:rPr lang="es-ES" sz="1600" dirty="0">
-                <a:solidFill>
-                  <a:srgbClr val="000000"/>
-                </a:solidFill>
-                <a:latin typeface="Consolas" panose="020B0609020204030204" pitchFamily="49" charset="0"/>
-              </a:rPr>
-              <a:t> </a:t>
-            </a:r>
-            <a:r>
-              <a:rPr lang="es-ES" sz="1600" dirty="0" err="1">
-                <a:solidFill>
-                  <a:srgbClr val="000000"/>
-                </a:solidFill>
-                <a:latin typeface="Consolas" panose="020B0609020204030204" pitchFamily="49" charset="0"/>
-              </a:rPr>
-              <a:t>model</a:t>
-            </a:r>
-            <a:r>
-              <a:rPr lang="es-ES" sz="1600" dirty="0">
-                <a:solidFill>
-                  <a:srgbClr val="000000"/>
-                </a:solidFill>
-                <a:latin typeface="Consolas" panose="020B0609020204030204" pitchFamily="49" charset="0"/>
-              </a:rPr>
-              <a:t> = </a:t>
-            </a:r>
-            <a:r>
-              <a:rPr lang="es-ES" sz="1600" dirty="0" err="1">
-                <a:solidFill>
-                  <a:srgbClr val="000000"/>
-                </a:solidFill>
-                <a:latin typeface="Consolas" panose="020B0609020204030204" pitchFamily="49" charset="0"/>
-              </a:rPr>
-              <a:t>context.CreateModel</a:t>
-            </a:r>
-            <a:r>
-              <a:rPr lang="es-ES" sz="1600" dirty="0">
-                <a:solidFill>
-                  <a:srgbClr val="000000"/>
-                </a:solidFill>
-                <a:latin typeface="Consolas" panose="020B0609020204030204" pitchFamily="49" charset="0"/>
-              </a:rPr>
-              <a:t>();</a:t>
+              <a:t>S.CreateVariableVector</a:t>
+            </a:r>
+            <a:r>
+              <a:rPr lang="es-ES" sz="1600" dirty="0">
+                <a:solidFill>
+                  <a:srgbClr val="000000"/>
+                </a:solidFill>
+                <a:latin typeface="Consolas" panose="020B0609020204030204" pitchFamily="49" charset="0"/>
+              </a:rPr>
+              <a:t>(Filas, </a:t>
+            </a:r>
+            <a:r>
+              <a:rPr lang="es-ES" sz="1600" dirty="0">
+                <a:solidFill>
+                  <a:srgbClr val="A31515"/>
+                </a:solidFill>
+                <a:latin typeface="Consolas" panose="020B0609020204030204" pitchFamily="49" charset="0"/>
+              </a:rPr>
+              <a:t>"Tablero"</a:t>
+            </a:r>
+            <a:r>
+              <a:rPr lang="es-ES" sz="1600" dirty="0">
+                <a:solidFill>
+                  <a:srgbClr val="000000"/>
+                </a:solidFill>
+                <a:latin typeface="Consolas" panose="020B0609020204030204" pitchFamily="49" charset="0"/>
+              </a:rPr>
+              <a:t>, N);</a:t>
             </a:r>
           </a:p>
           <a:p>
@@ -6090,463 +6314,50 @@
           </a:p>
           <a:p>
             <a:r>
-              <a:rPr lang="en-US" sz="1600" dirty="0">
-                <a:solidFill>
-                  <a:srgbClr val="000000"/>
-                </a:solidFill>
-                <a:latin typeface="Consolas" panose="020B0609020204030204" pitchFamily="49" charset="0"/>
-              </a:rPr>
-              <a:t>    Domain colors = </a:t>
-            </a:r>
-            <a:r>
-              <a:rPr lang="en-US" sz="1600" dirty="0" err="1">
-                <a:solidFill>
-                  <a:srgbClr val="000000"/>
-                </a:solidFill>
-                <a:latin typeface="Consolas" panose="020B0609020204030204" pitchFamily="49" charset="0"/>
-              </a:rPr>
-              <a:t>Domain.Enum</a:t>
-            </a:r>
-            <a:r>
-              <a:rPr lang="en-US" sz="1600" dirty="0">
-                <a:solidFill>
-                  <a:srgbClr val="000000"/>
-                </a:solidFill>
-                <a:latin typeface="Consolas" panose="020B0609020204030204" pitchFamily="49" charset="0"/>
-              </a:rPr>
-              <a:t>(</a:t>
-            </a:r>
-            <a:r>
-              <a:rPr lang="en-US" sz="1600" dirty="0">
-                <a:solidFill>
-                  <a:srgbClr val="A31515"/>
-                </a:solidFill>
-                <a:latin typeface="Consolas" panose="020B0609020204030204" pitchFamily="49" charset="0"/>
-              </a:rPr>
-              <a:t>“</a:t>
-            </a:r>
-            <a:r>
-              <a:rPr lang="en-US" sz="1600" dirty="0" err="1">
-                <a:solidFill>
-                  <a:srgbClr val="A31515"/>
-                </a:solidFill>
-                <a:latin typeface="Consolas" panose="020B0609020204030204" pitchFamily="49" charset="0"/>
-              </a:rPr>
-              <a:t>rojo</a:t>
-            </a:r>
-            <a:r>
-              <a:rPr lang="en-US" sz="1600" dirty="0">
-                <a:solidFill>
-                  <a:srgbClr val="A31515"/>
-                </a:solidFill>
-                <a:latin typeface="Consolas" panose="020B0609020204030204" pitchFamily="49" charset="0"/>
-              </a:rPr>
-              <a:t>"</a:t>
-            </a:r>
-            <a:r>
-              <a:rPr lang="en-US" sz="1600" dirty="0">
-                <a:solidFill>
-                  <a:srgbClr val="000000"/>
-                </a:solidFill>
-                <a:latin typeface="Consolas" panose="020B0609020204030204" pitchFamily="49" charset="0"/>
-              </a:rPr>
-              <a:t>, </a:t>
-            </a:r>
-            <a:r>
-              <a:rPr lang="en-US" sz="1600" dirty="0">
-                <a:solidFill>
-                  <a:srgbClr val="A31515"/>
-                </a:solidFill>
-                <a:latin typeface="Consolas" panose="020B0609020204030204" pitchFamily="49" charset="0"/>
-              </a:rPr>
-              <a:t>“</a:t>
-            </a:r>
-            <a:r>
-              <a:rPr lang="en-US" sz="1600" dirty="0" err="1">
-                <a:solidFill>
-                  <a:srgbClr val="A31515"/>
-                </a:solidFill>
-                <a:latin typeface="Consolas" panose="020B0609020204030204" pitchFamily="49" charset="0"/>
-              </a:rPr>
-              <a:t>verde</a:t>
-            </a:r>
-            <a:r>
-              <a:rPr lang="en-US" sz="1600" dirty="0">
-                <a:solidFill>
-                  <a:srgbClr val="A31515"/>
-                </a:solidFill>
-                <a:latin typeface="Consolas" panose="020B0609020204030204" pitchFamily="49" charset="0"/>
-              </a:rPr>
-              <a:t>"</a:t>
-            </a:r>
-            <a:r>
-              <a:rPr lang="en-US" sz="1600" dirty="0">
-                <a:solidFill>
-                  <a:srgbClr val="000000"/>
-                </a:solidFill>
-                <a:latin typeface="Consolas" panose="020B0609020204030204" pitchFamily="49" charset="0"/>
-              </a:rPr>
-              <a:t>, </a:t>
-            </a:r>
-            <a:r>
-              <a:rPr lang="en-US" sz="1600" dirty="0">
-                <a:solidFill>
-                  <a:srgbClr val="A31515"/>
-                </a:solidFill>
-                <a:latin typeface="Consolas" panose="020B0609020204030204" pitchFamily="49" charset="0"/>
-              </a:rPr>
-              <a:t>“</a:t>
-            </a:r>
-            <a:r>
-              <a:rPr lang="en-US" sz="1600" dirty="0" err="1">
-                <a:solidFill>
-                  <a:srgbClr val="A31515"/>
-                </a:solidFill>
-                <a:latin typeface="Consolas" panose="020B0609020204030204" pitchFamily="49" charset="0"/>
-              </a:rPr>
-              <a:t>azul</a:t>
-            </a:r>
-            <a:r>
-              <a:rPr lang="en-US" sz="1600" dirty="0">
-                <a:solidFill>
-                  <a:srgbClr val="A31515"/>
-                </a:solidFill>
-                <a:latin typeface="Consolas" panose="020B0609020204030204" pitchFamily="49" charset="0"/>
-              </a:rPr>
-              <a:t>"</a:t>
-            </a:r>
-            <a:r>
-              <a:rPr lang="en-US" sz="1600" dirty="0">
-                <a:solidFill>
-                  <a:srgbClr val="000000"/>
-                </a:solidFill>
-                <a:latin typeface="Consolas" panose="020B0609020204030204" pitchFamily="49" charset="0"/>
-              </a:rPr>
-              <a:t>, </a:t>
-            </a:r>
-            <a:r>
-              <a:rPr lang="en-US" sz="1600" dirty="0">
-                <a:solidFill>
-                  <a:srgbClr val="A31515"/>
-                </a:solidFill>
-                <a:latin typeface="Consolas" panose="020B0609020204030204" pitchFamily="49" charset="0"/>
-              </a:rPr>
-              <a:t>“</a:t>
-            </a:r>
-            <a:r>
-              <a:rPr lang="en-US" sz="1600" dirty="0" err="1">
-                <a:solidFill>
-                  <a:srgbClr val="A31515"/>
-                </a:solidFill>
-                <a:latin typeface="Consolas" panose="020B0609020204030204" pitchFamily="49" charset="0"/>
-              </a:rPr>
-              <a:t>amarillo</a:t>
-            </a:r>
-            <a:r>
-              <a:rPr lang="en-US" sz="1600" dirty="0">
-                <a:solidFill>
-                  <a:srgbClr val="A31515"/>
-                </a:solidFill>
-                <a:latin typeface="Consolas" panose="020B0609020204030204" pitchFamily="49" charset="0"/>
-              </a:rPr>
-              <a:t>"</a:t>
-            </a:r>
-            <a:r>
-              <a:rPr lang="en-US" sz="1600" dirty="0">
-                <a:solidFill>
-                  <a:srgbClr val="000000"/>
-                </a:solidFill>
-                <a:latin typeface="Consolas" panose="020B0609020204030204" pitchFamily="49" charset="0"/>
-              </a:rPr>
-              <a:t>);</a:t>
-            </a:r>
-          </a:p>
-          <a:p>
-            <a:r>
-              <a:rPr lang="en-US" sz="1600" dirty="0">
-                <a:solidFill>
-                  <a:srgbClr val="000000"/>
-                </a:solidFill>
-                <a:latin typeface="Consolas" panose="020B0609020204030204" pitchFamily="49" charset="0"/>
-              </a:rPr>
-              <a:t>    Decision be = </a:t>
-            </a:r>
-            <a:r>
-              <a:rPr lang="en-US" sz="1600" dirty="0">
+              <a:rPr lang="nn-NO" sz="1600" dirty="0">
+                <a:solidFill>
+                  <a:srgbClr val="000000"/>
+                </a:solidFill>
+                <a:latin typeface="Consolas" panose="020B0609020204030204" pitchFamily="49" charset="0"/>
+              </a:rPr>
+              <a:t>    </a:t>
+            </a:r>
+            <a:r>
+              <a:rPr lang="nn-NO" sz="1600" dirty="0">
                 <a:solidFill>
                   <a:srgbClr val="0000FF"/>
                 </a:solidFill>
                 <a:latin typeface="Consolas" panose="020B0609020204030204" pitchFamily="49" charset="0"/>
               </a:rPr>
-              <a:t>new</a:t>
-            </a:r>
-            <a:r>
-              <a:rPr lang="en-US" sz="1600" dirty="0">
-                <a:solidFill>
-                  <a:srgbClr val="000000"/>
-                </a:solidFill>
-                <a:latin typeface="Consolas" panose="020B0609020204030204" pitchFamily="49" charset="0"/>
-              </a:rPr>
-              <a:t> Decision(colors, </a:t>
-            </a:r>
-            <a:r>
-              <a:rPr lang="en-US" sz="1600" dirty="0">
-                <a:solidFill>
-                  <a:srgbClr val="A31515"/>
-                </a:solidFill>
-                <a:latin typeface="Consolas" panose="020B0609020204030204" pitchFamily="49" charset="0"/>
-              </a:rPr>
-              <a:t>“</a:t>
-            </a:r>
-            <a:r>
-              <a:rPr lang="en-US" sz="1600" dirty="0" err="1">
-                <a:solidFill>
-                  <a:srgbClr val="A31515"/>
-                </a:solidFill>
-                <a:latin typeface="Consolas" panose="020B0609020204030204" pitchFamily="49" charset="0"/>
-              </a:rPr>
-              <a:t>Belgica</a:t>
-            </a:r>
-            <a:r>
-              <a:rPr lang="en-US" sz="1600" dirty="0">
-                <a:solidFill>
-                  <a:srgbClr val="A31515"/>
-                </a:solidFill>
-                <a:latin typeface="Consolas" panose="020B0609020204030204" pitchFamily="49" charset="0"/>
-              </a:rPr>
-              <a:t>"</a:t>
-            </a:r>
-            <a:r>
-              <a:rPr lang="en-US" sz="1600" dirty="0">
-                <a:solidFill>
-                  <a:srgbClr val="000000"/>
-                </a:solidFill>
-                <a:latin typeface="Consolas" panose="020B0609020204030204" pitchFamily="49" charset="0"/>
-              </a:rPr>
-              <a:t>); Decision al = </a:t>
-            </a:r>
-            <a:r>
-              <a:rPr lang="en-US" sz="1600" dirty="0">
+              <a:t>for</a:t>
+            </a:r>
+            <a:r>
+              <a:rPr lang="nn-NO" sz="1600" dirty="0">
+                <a:solidFill>
+                  <a:srgbClr val="000000"/>
+                </a:solidFill>
+                <a:latin typeface="Consolas" panose="020B0609020204030204" pitchFamily="49" charset="0"/>
+              </a:rPr>
+              <a:t> (</a:t>
+            </a:r>
+            <a:r>
+              <a:rPr lang="nn-NO" sz="1600" dirty="0">
                 <a:solidFill>
                   <a:srgbClr val="0000FF"/>
                 </a:solidFill>
                 <a:latin typeface="Consolas" panose="020B0609020204030204" pitchFamily="49" charset="0"/>
               </a:rPr>
-              <a:t>new</a:t>
-            </a:r>
-            <a:r>
-              <a:rPr lang="en-US" sz="1600" dirty="0">
-                <a:solidFill>
-                  <a:srgbClr val="000000"/>
-                </a:solidFill>
-                <a:latin typeface="Consolas" panose="020B0609020204030204" pitchFamily="49" charset="0"/>
-              </a:rPr>
-              <a:t> Decision(colors, </a:t>
-            </a:r>
-            <a:r>
-              <a:rPr lang="en-US" sz="1600" dirty="0">
-                <a:solidFill>
-                  <a:srgbClr val="A31515"/>
-                </a:solidFill>
-                <a:latin typeface="Consolas" panose="020B0609020204030204" pitchFamily="49" charset="0"/>
-              </a:rPr>
-              <a:t>“</a:t>
-            </a:r>
-            <a:r>
-              <a:rPr lang="en-US" sz="1600" dirty="0" err="1">
-                <a:solidFill>
-                  <a:srgbClr val="A31515"/>
-                </a:solidFill>
-                <a:latin typeface="Consolas" panose="020B0609020204030204" pitchFamily="49" charset="0"/>
-              </a:rPr>
-              <a:t>Alemania</a:t>
-            </a:r>
-            <a:r>
-              <a:rPr lang="en-US" sz="1600" dirty="0">
-                <a:solidFill>
-                  <a:srgbClr val="A31515"/>
-                </a:solidFill>
-                <a:latin typeface="Consolas" panose="020B0609020204030204" pitchFamily="49" charset="0"/>
-              </a:rPr>
-              <a:t>"</a:t>
-            </a:r>
-            <a:r>
-              <a:rPr lang="en-US" sz="1600" dirty="0">
-                <a:solidFill>
-                  <a:srgbClr val="000000"/>
-                </a:solidFill>
-                <a:latin typeface="Consolas" panose="020B0609020204030204" pitchFamily="49" charset="0"/>
-              </a:rPr>
-              <a:t>);</a:t>
-            </a:r>
-          </a:p>
-          <a:p>
-            <a:r>
-              <a:rPr lang="en-US" sz="1600" dirty="0">
-                <a:solidFill>
-                  <a:srgbClr val="000000"/>
-                </a:solidFill>
-                <a:latin typeface="Consolas" panose="020B0609020204030204" pitchFamily="49" charset="0"/>
-              </a:rPr>
-              <a:t>    Decision </a:t>
-            </a:r>
-            <a:r>
-              <a:rPr lang="en-US" sz="1600" dirty="0" err="1">
-                <a:solidFill>
-                  <a:srgbClr val="000000"/>
-                </a:solidFill>
-                <a:latin typeface="Consolas" panose="020B0609020204030204" pitchFamily="49" charset="0"/>
-              </a:rPr>
-              <a:t>fr</a:t>
-            </a:r>
-            <a:r>
-              <a:rPr lang="en-US" sz="1600" dirty="0">
-                <a:solidFill>
-                  <a:srgbClr val="000000"/>
-                </a:solidFill>
-                <a:latin typeface="Consolas" panose="020B0609020204030204" pitchFamily="49" charset="0"/>
-              </a:rPr>
-              <a:t> = </a:t>
-            </a:r>
-            <a:r>
-              <a:rPr lang="en-US" sz="1600" dirty="0">
-                <a:solidFill>
-                  <a:srgbClr val="0000FF"/>
-                </a:solidFill>
-                <a:latin typeface="Consolas" panose="020B0609020204030204" pitchFamily="49" charset="0"/>
-              </a:rPr>
-              <a:t>new</a:t>
-            </a:r>
-            <a:r>
-              <a:rPr lang="en-US" sz="1600" dirty="0">
-                <a:solidFill>
-                  <a:srgbClr val="000000"/>
-                </a:solidFill>
-                <a:latin typeface="Consolas" panose="020B0609020204030204" pitchFamily="49" charset="0"/>
-              </a:rPr>
-              <a:t> Decision(colors, </a:t>
-            </a:r>
-            <a:r>
-              <a:rPr lang="en-US" sz="1600" dirty="0">
-                <a:solidFill>
-                  <a:srgbClr val="A31515"/>
-                </a:solidFill>
-                <a:latin typeface="Consolas" panose="020B0609020204030204" pitchFamily="49" charset="0"/>
-              </a:rPr>
-              <a:t>“Francia"</a:t>
-            </a:r>
-            <a:r>
-              <a:rPr lang="en-US" sz="1600" dirty="0">
-                <a:solidFill>
-                  <a:srgbClr val="000000"/>
-                </a:solidFill>
-                <a:latin typeface="Consolas" panose="020B0609020204030204" pitchFamily="49" charset="0"/>
-              </a:rPr>
-              <a:t>); Decision hl = </a:t>
-            </a:r>
-            <a:r>
-              <a:rPr lang="en-US" sz="1600" dirty="0">
-                <a:solidFill>
-                  <a:srgbClr val="0000FF"/>
-                </a:solidFill>
-                <a:latin typeface="Consolas" panose="020B0609020204030204" pitchFamily="49" charset="0"/>
-              </a:rPr>
-              <a:t>new</a:t>
-            </a:r>
-            <a:r>
-              <a:rPr lang="en-US" sz="1600" dirty="0">
-                <a:solidFill>
-                  <a:srgbClr val="000000"/>
-                </a:solidFill>
-                <a:latin typeface="Consolas" panose="020B0609020204030204" pitchFamily="49" charset="0"/>
-              </a:rPr>
-              <a:t> Decision(colors, </a:t>
-            </a:r>
-            <a:r>
-              <a:rPr lang="en-US" sz="1600" dirty="0">
-                <a:solidFill>
-                  <a:srgbClr val="A31515"/>
-                </a:solidFill>
-                <a:latin typeface="Consolas" panose="020B0609020204030204" pitchFamily="49" charset="0"/>
-              </a:rPr>
-              <a:t>“</a:t>
-            </a:r>
-            <a:r>
-              <a:rPr lang="en-US" sz="1600" dirty="0" err="1">
-                <a:solidFill>
-                  <a:srgbClr val="A31515"/>
-                </a:solidFill>
-                <a:latin typeface="Consolas" panose="020B0609020204030204" pitchFamily="49" charset="0"/>
-              </a:rPr>
-              <a:t>Holanda</a:t>
-            </a:r>
-            <a:r>
-              <a:rPr lang="en-US" sz="1600" dirty="0">
-                <a:solidFill>
-                  <a:srgbClr val="A31515"/>
-                </a:solidFill>
-                <a:latin typeface="Consolas" panose="020B0609020204030204" pitchFamily="49" charset="0"/>
-              </a:rPr>
-              <a:t>"</a:t>
-            </a:r>
-            <a:r>
-              <a:rPr lang="en-US" sz="1600" dirty="0">
-                <a:solidFill>
-                  <a:srgbClr val="000000"/>
-                </a:solidFill>
-                <a:latin typeface="Consolas" panose="020B0609020204030204" pitchFamily="49" charset="0"/>
-              </a:rPr>
-              <a:t>);</a:t>
-            </a:r>
-          </a:p>
-          <a:p>
-            <a:r>
-              <a:rPr lang="es-ES" sz="1600" dirty="0">
-                <a:solidFill>
-                  <a:srgbClr val="000000"/>
-                </a:solidFill>
-                <a:latin typeface="Consolas" panose="020B0609020204030204" pitchFamily="49" charset="0"/>
-              </a:rPr>
-              <a:t>    </a:t>
-            </a:r>
-            <a:r>
-              <a:rPr lang="es-ES" sz="1600" dirty="0" err="1">
-                <a:solidFill>
-                  <a:srgbClr val="000000"/>
-                </a:solidFill>
-                <a:latin typeface="Consolas" panose="020B0609020204030204" pitchFamily="49" charset="0"/>
-              </a:rPr>
-              <a:t>model.AddDecisions</a:t>
-            </a:r>
-            <a:r>
-              <a:rPr lang="es-ES" sz="1600" dirty="0">
-                <a:solidFill>
-                  <a:srgbClr val="000000"/>
-                </a:solidFill>
-                <a:latin typeface="Consolas" panose="020B0609020204030204" pitchFamily="49" charset="0"/>
-              </a:rPr>
-              <a:t>(be, al, </a:t>
-            </a:r>
-            <a:r>
-              <a:rPr lang="es-ES" sz="1600" dirty="0" err="1">
-                <a:solidFill>
-                  <a:srgbClr val="000000"/>
-                </a:solidFill>
-                <a:latin typeface="Consolas" panose="020B0609020204030204" pitchFamily="49" charset="0"/>
-              </a:rPr>
-              <a:t>fr</a:t>
-            </a:r>
-            <a:r>
-              <a:rPr lang="es-ES" sz="1600" dirty="0">
-                <a:solidFill>
-                  <a:srgbClr val="000000"/>
-                </a:solidFill>
-                <a:latin typeface="Consolas" panose="020B0609020204030204" pitchFamily="49" charset="0"/>
-              </a:rPr>
-              <a:t>, hl);</a:t>
-            </a:r>
-          </a:p>
-          <a:p>
+              <a:t>int</a:t>
+            </a:r>
+            <a:r>
+              <a:rPr lang="nn-NO" sz="1600" dirty="0">
+                <a:solidFill>
+                  <a:srgbClr val="000000"/>
+                </a:solidFill>
+                <a:latin typeface="Consolas" panose="020B0609020204030204" pitchFamily="49" charset="0"/>
+              </a:rPr>
+              <a:t> i = 0; i &lt; N; i++)</a:t>
+            </a:r>
             <a:endParaRPr lang="es-ES" sz="1600" dirty="0">
               <a:solidFill>
                 <a:srgbClr val="000000"/>
@@ -6556,88 +6367,50 @@
           </a:p>
           <a:p>
             <a:r>
-              <a:rPr lang="es-ES" sz="1600" dirty="0">
-                <a:solidFill>
-                  <a:srgbClr val="000000"/>
-                </a:solidFill>
-                <a:latin typeface="Consolas" panose="020B0609020204030204" pitchFamily="49" charset="0"/>
-              </a:rPr>
-              <a:t>    </a:t>
-            </a:r>
-            <a:r>
-              <a:rPr lang="es-ES" sz="1600" dirty="0" err="1">
-                <a:solidFill>
-                  <a:srgbClr val="000000"/>
-                </a:solidFill>
-                <a:latin typeface="Consolas" panose="020B0609020204030204" pitchFamily="49" charset="0"/>
-              </a:rPr>
-              <a:t>model.AddConstraints</a:t>
-            </a:r>
-            <a:r>
-              <a:rPr lang="es-ES" sz="1600" dirty="0">
-                <a:solidFill>
-                  <a:srgbClr val="000000"/>
-                </a:solidFill>
-                <a:latin typeface="Consolas" panose="020B0609020204030204" pitchFamily="49" charset="0"/>
-              </a:rPr>
-              <a:t>(</a:t>
-            </a:r>
-            <a:r>
-              <a:rPr lang="es-ES" sz="1600" dirty="0">
-                <a:solidFill>
-                  <a:srgbClr val="A31515"/>
-                </a:solidFill>
-                <a:latin typeface="Consolas" panose="020B0609020204030204" pitchFamily="49" charset="0"/>
-              </a:rPr>
-              <a:t>“fronteras"</a:t>
-            </a:r>
-            <a:r>
-              <a:rPr lang="es-ES" sz="1600" dirty="0">
-                <a:solidFill>
-                  <a:srgbClr val="000000"/>
-                </a:solidFill>
-                <a:latin typeface="Consolas" panose="020B0609020204030204" pitchFamily="49" charset="0"/>
-              </a:rPr>
-              <a:t>, be != al, be != </a:t>
-            </a:r>
-            <a:r>
-              <a:rPr lang="es-ES" sz="1600" dirty="0" err="1">
-                <a:solidFill>
-                  <a:srgbClr val="000000"/>
-                </a:solidFill>
-                <a:latin typeface="Consolas" panose="020B0609020204030204" pitchFamily="49" charset="0"/>
-              </a:rPr>
-              <a:t>fr</a:t>
-            </a:r>
-            <a:r>
-              <a:rPr lang="es-ES" sz="1600" dirty="0">
-                <a:solidFill>
-                  <a:srgbClr val="000000"/>
-                </a:solidFill>
-                <a:latin typeface="Consolas" panose="020B0609020204030204" pitchFamily="49" charset="0"/>
-              </a:rPr>
-              <a:t>, be != hl, al != </a:t>
-            </a:r>
-            <a:r>
-              <a:rPr lang="es-ES" sz="1600" dirty="0" err="1">
-                <a:solidFill>
-                  <a:srgbClr val="000000"/>
-                </a:solidFill>
-                <a:latin typeface="Consolas" panose="020B0609020204030204" pitchFamily="49" charset="0"/>
-              </a:rPr>
-              <a:t>fr</a:t>
-            </a:r>
-            <a:r>
-              <a:rPr lang="es-ES" sz="1600" dirty="0">
-                <a:solidFill>
-                  <a:srgbClr val="000000"/>
-                </a:solidFill>
-                <a:latin typeface="Consolas" panose="020B0609020204030204" pitchFamily="49" charset="0"/>
-              </a:rPr>
-              <a:t>, al != hl);</a:t>
-            </a:r>
-          </a:p>
-          <a:p>
+              <a:rPr lang="nb-NO" sz="1600" dirty="0">
+                <a:solidFill>
+                  <a:srgbClr val="000000"/>
+                </a:solidFill>
+                <a:latin typeface="Consolas" panose="020B0609020204030204" pitchFamily="49" charset="0"/>
+              </a:rPr>
+              <a:t>        </a:t>
+            </a:r>
+            <a:r>
+              <a:rPr lang="nb-NO" sz="1600" dirty="0">
+                <a:solidFill>
+                  <a:srgbClr val="0000FF"/>
+                </a:solidFill>
+                <a:latin typeface="Consolas" panose="020B0609020204030204" pitchFamily="49" charset="0"/>
+              </a:rPr>
+              <a:t>for</a:t>
+            </a:r>
+            <a:r>
+              <a:rPr lang="nb-NO" sz="1600" dirty="0">
+                <a:solidFill>
+                  <a:srgbClr val="000000"/>
+                </a:solidFill>
+                <a:latin typeface="Consolas" panose="020B0609020204030204" pitchFamily="49" charset="0"/>
+              </a:rPr>
+              <a:t> (</a:t>
+            </a:r>
+            <a:r>
+              <a:rPr lang="nb-NO" sz="1600" dirty="0">
+                <a:solidFill>
+                  <a:srgbClr val="0000FF"/>
+                </a:solidFill>
+                <a:latin typeface="Consolas" panose="020B0609020204030204" pitchFamily="49" charset="0"/>
+              </a:rPr>
+              <a:t>int</a:t>
+            </a:r>
+            <a:r>
+              <a:rPr lang="nb-NO" sz="1600" dirty="0">
+                <a:solidFill>
+                  <a:srgbClr val="000000"/>
+                </a:solidFill>
+                <a:latin typeface="Consolas" panose="020B0609020204030204" pitchFamily="49" charset="0"/>
+              </a:rPr>
+              <a:t> j = i + 1; j &lt; N; j++)</a:t>
+            </a:r>
             <a:endParaRPr lang="es-ES" sz="1600" dirty="0">
               <a:solidFill>
                 <a:srgbClr val="000000"/>
@@ -6653,16 +6426,188 @@
                 </a:solidFill>
                 <a:latin typeface="Consolas" panose="020B0609020204030204" pitchFamily="49" charset="0"/>
               </a:rPr>
+              <a:t>            </a:t>
+            </a:r>
+            <a:r>
+              <a:rPr lang="es-ES" sz="1600" dirty="0" err="1">
+                <a:solidFill>
+                  <a:srgbClr val="000000"/>
+                </a:solidFill>
+                <a:latin typeface="Consolas" panose="020B0609020204030204" pitchFamily="49" charset="0"/>
+              </a:rPr>
+              <a:t>S.AddConstraints</a:t>
+            </a:r>
+            <a:r>
+              <a:rPr lang="es-ES" sz="1600" dirty="0">
+                <a:solidFill>
+                  <a:srgbClr val="000000"/>
+                </a:solidFill>
+                <a:latin typeface="Consolas" panose="020B0609020204030204" pitchFamily="49" charset="0"/>
+              </a:rPr>
+              <a:t>(</a:t>
+            </a:r>
+          </a:p>
+          <a:p>
+            <a:r>
+              <a:rPr lang="es-ES" sz="1600" dirty="0">
+                <a:solidFill>
+                  <a:srgbClr val="000000"/>
+                </a:solidFill>
+                <a:latin typeface="Consolas" panose="020B0609020204030204" pitchFamily="49" charset="0"/>
+              </a:rPr>
+              <a:t>                </a:t>
+            </a:r>
+            <a:r>
+              <a:rPr lang="es-ES" sz="1600" dirty="0" err="1">
+                <a:solidFill>
+                  <a:srgbClr val="000000"/>
+                </a:solidFill>
+                <a:latin typeface="Consolas" panose="020B0609020204030204" pitchFamily="49" charset="0"/>
+              </a:rPr>
+              <a:t>S.Unequal</a:t>
+            </a:r>
+            <a:r>
+              <a:rPr lang="es-ES" sz="1600" dirty="0">
+                <a:solidFill>
+                  <a:srgbClr val="000000"/>
+                </a:solidFill>
+                <a:latin typeface="Consolas" panose="020B0609020204030204" pitchFamily="49" charset="0"/>
+              </a:rPr>
+              <a:t>(tablero[i], tablero[j]) </a:t>
+            </a:r>
+            <a:r>
+              <a:rPr lang="es-ES" sz="1600" dirty="0">
+                <a:solidFill>
+                  <a:srgbClr val="008000"/>
+                </a:solidFill>
+                <a:latin typeface="Consolas" panose="020B0609020204030204" pitchFamily="49" charset="0"/>
+              </a:rPr>
+              <a:t>// Fila</a:t>
+            </a:r>
+            <a:endParaRPr lang="es-ES" sz="1600" dirty="0">
+              <a:solidFill>
+                <a:srgbClr val="000000"/>
+              </a:solidFill>
+              <a:latin typeface="Consolas" panose="020B0609020204030204" pitchFamily="49" charset="0"/>
+            </a:endParaRPr>
+          </a:p>
+          <a:p>
+            <a:r>
+              <a:rPr lang="es-ES" sz="1600" dirty="0">
+                <a:solidFill>
+                  <a:srgbClr val="000000"/>
+                </a:solidFill>
+                <a:latin typeface="Consolas" panose="020B0609020204030204" pitchFamily="49" charset="0"/>
+              </a:rPr>
+              <a:t>                , </a:t>
+            </a:r>
+            <a:r>
+              <a:rPr lang="es-ES" sz="1600" dirty="0" err="1">
+                <a:solidFill>
+                  <a:srgbClr val="000000"/>
+                </a:solidFill>
+                <a:latin typeface="Consolas" panose="020B0609020204030204" pitchFamily="49" charset="0"/>
+              </a:rPr>
+              <a:t>S.Unequal</a:t>
+            </a:r>
+            <a:r>
+              <a:rPr lang="es-ES" sz="1600" dirty="0">
+                <a:solidFill>
+                  <a:srgbClr val="000000"/>
+                </a:solidFill>
+                <a:latin typeface="Consolas" panose="020B0609020204030204" pitchFamily="49" charset="0"/>
+              </a:rPr>
+              <a:t>(tablero[j] + (j - i), tablero[i]) </a:t>
+            </a:r>
+            <a:r>
+              <a:rPr lang="es-ES" sz="1600" dirty="0">
+                <a:solidFill>
+                  <a:srgbClr val="008000"/>
+                </a:solidFill>
+                <a:latin typeface="Consolas" panose="020B0609020204030204" pitchFamily="49" charset="0"/>
+              </a:rPr>
+              <a:t>// Diagonal 1</a:t>
+            </a:r>
+            <a:endParaRPr lang="es-ES" sz="1600" dirty="0">
+              <a:solidFill>
+                <a:srgbClr val="000000"/>
+              </a:solidFill>
+              <a:latin typeface="Consolas" panose="020B0609020204030204" pitchFamily="49" charset="0"/>
+            </a:endParaRPr>
+          </a:p>
+          <a:p>
+            <a:r>
+              <a:rPr lang="es-ES" sz="1600" dirty="0">
+                <a:solidFill>
+                  <a:srgbClr val="000000"/>
+                </a:solidFill>
+                <a:latin typeface="Consolas" panose="020B0609020204030204" pitchFamily="49" charset="0"/>
+              </a:rPr>
+              <a:t>                , </a:t>
+            </a:r>
+            <a:r>
+              <a:rPr lang="es-ES" sz="1600" dirty="0" err="1">
+                <a:solidFill>
+                  <a:srgbClr val="000000"/>
+                </a:solidFill>
+                <a:latin typeface="Consolas" panose="020B0609020204030204" pitchFamily="49" charset="0"/>
+              </a:rPr>
+              <a:t>S.Unequal</a:t>
+            </a:r>
+            <a:r>
+              <a:rPr lang="es-ES" sz="1600" dirty="0">
+                <a:solidFill>
+                  <a:srgbClr val="000000"/>
+                </a:solidFill>
+                <a:latin typeface="Consolas" panose="020B0609020204030204" pitchFamily="49" charset="0"/>
+              </a:rPr>
+              <a:t>(tablero[j] - (j - i), tablero[i]) </a:t>
+            </a:r>
+            <a:r>
+              <a:rPr lang="es-ES" sz="1600" dirty="0">
+                <a:solidFill>
+                  <a:srgbClr val="008000"/>
+                </a:solidFill>
+                <a:latin typeface="Consolas" panose="020B0609020204030204" pitchFamily="49" charset="0"/>
+              </a:rPr>
+              <a:t>// Diagonal 2</a:t>
+            </a:r>
+            <a:endParaRPr lang="es-ES" sz="1600" dirty="0">
+              <a:solidFill>
+                <a:srgbClr val="000000"/>
+              </a:solidFill>
+              <a:latin typeface="Consolas" panose="020B0609020204030204" pitchFamily="49" charset="0"/>
+            </a:endParaRPr>
+          </a:p>
+          <a:p>
+            <a:r>
+              <a:rPr lang="es-ES" sz="1600" dirty="0">
+                <a:solidFill>
+                  <a:srgbClr val="000000"/>
+                </a:solidFill>
+                <a:latin typeface="Consolas" panose="020B0609020204030204" pitchFamily="49" charset="0"/>
+              </a:rPr>
+              <a:t>                );</a:t>
+            </a:r>
+          </a:p>
+          <a:p>
+            <a:r>
+              <a:rPr lang="es-ES" sz="1600" dirty="0">
+                <a:solidFill>
+                  <a:srgbClr val="000000"/>
+                </a:solidFill>
+                <a:latin typeface="Consolas" panose="020B0609020204030204" pitchFamily="49" charset="0"/>
+              </a:rPr>
               <a:t>    </a:t>
             </a:r>
             <a:r>
               <a:rPr lang="es-ES" sz="1600" dirty="0" err="1">
                 <a:solidFill>
-                  <a:srgbClr val="000000"/>
-                </a:solidFill>
-                <a:latin typeface="Consolas" panose="020B0609020204030204" pitchFamily="49" charset="0"/>
-              </a:rPr>
-              <a:t>Solution</a:t>
+                  <a:srgbClr val="0000FF"/>
+                </a:solidFill>
+                <a:latin typeface="Consolas" panose="020B0609020204030204" pitchFamily="49" charset="0"/>
+              </a:rPr>
+              <a:t>bool</a:t>
             </a:r>
             <a:r>
               <a:rPr lang="es-ES" sz="1600" dirty="0">
@@ -6680,7 +6625,7 @@
                 </a:solidFill>
                 <a:latin typeface="Consolas" panose="020B0609020204030204" pitchFamily="49" charset="0"/>
               </a:rPr>
-              <a:t>solution</a:t>
+              <a:t>unsolved</a:t>
             </a:r>
             <a:r>
               <a:rPr lang="es-ES" sz="1600" dirty="0">
@@ -6692,31 +6637,42 @@
               <a:t> = </a:t>
             </a:r>
             <a:r>
+              <a:rPr lang="es-ES" sz="1600" dirty="0">
+                <a:solidFill>
+                  <a:srgbClr val="0000FF"/>
+                </a:solidFill>
+                <a:latin typeface="Consolas" panose="020B0609020204030204" pitchFamily="49" charset="0"/>
+              </a:rPr>
+              <a:t>true</a:t>
+            </a:r>
+            <a:r>
+              <a:rPr lang="es-ES" sz="1600" dirty="0">
+                <a:solidFill>
+                  <a:srgbClr val="000000"/>
+                </a:solidFill>
+                <a:latin typeface="Consolas" panose="020B0609020204030204" pitchFamily="49" charset="0"/>
+              </a:rPr>
+              <a:t>;</a:t>
+            </a:r>
+          </a:p>
+          <a:p>
+            <a:r>
+              <a:rPr lang="es-ES" sz="1600" dirty="0">
+                <a:solidFill>
+                  <a:srgbClr val="000000"/>
+                </a:solidFill>
+                <a:latin typeface="Consolas" panose="020B0609020204030204" pitchFamily="49" charset="0"/>
+              </a:rPr>
+              <a:t>    </a:t>
+            </a:r>
+            <a:r>
               <a:rPr lang="es-ES" sz="1600" dirty="0" err="1">
                 <a:solidFill>
                   <a:srgbClr val="000000"/>
                 </a:solidFill>
                 <a:latin typeface="Consolas" panose="020B0609020204030204" pitchFamily="49" charset="0"/>
               </a:rPr>
-              <a:t>context.Solve</a:t>
-            </a:r>
-            <a:r>
-              <a:rPr lang="es-ES" sz="1600" dirty="0">
-                <a:solidFill>
-                  <a:srgbClr val="000000"/>
-                </a:solidFill>
-                <a:latin typeface="Consolas" panose="020B0609020204030204" pitchFamily="49" charset="0"/>
-              </a:rPr>
-              <a:t>(</a:t>
-            </a:r>
-            <a:r>
-              <a:rPr lang="es-ES" sz="1600" dirty="0">
-                <a:solidFill>
-                  <a:srgbClr val="0000FF"/>
-                </a:solidFill>
-                <a:latin typeface="Consolas" panose="020B0609020204030204" pitchFamily="49" charset="0"/>
-              </a:rPr>
-              <a:t>new</a:t>
+              <a:t>ConstraintSolverSolution</a:t>
             </a:r>
             <a:r>
               <a:rPr lang="es-ES" sz="1600" dirty="0">
@@ -6734,103 +6690,16 @@
                 </a:solidFill>
                 <a:latin typeface="Consolas" panose="020B0609020204030204" pitchFamily="49" charset="0"/>
               </a:rPr>
-              <a:t>ConstraintProgrammingDirective</a:t>
-            </a:r>
-            <a:r>
-              <a:rPr lang="es-ES" sz="1600" dirty="0">
-                <a:solidFill>
-                  <a:srgbClr val="000000"/>
-                </a:solidFill>
-                <a:latin typeface="Consolas" panose="020B0609020204030204" pitchFamily="49" charset="0"/>
-              </a:rPr>
-              <a:t>());</a:t>
-            </a:r>
-          </a:p>
-          <a:p>
-            <a:r>
-              <a:rPr lang="en-US" sz="1600" dirty="0">
-                <a:solidFill>
-                  <a:srgbClr val="000000"/>
-                </a:solidFill>
-                <a:latin typeface="Consolas" panose="020B0609020204030204" pitchFamily="49" charset="0"/>
-              </a:rPr>
-              <a:t>    </a:t>
-            </a:r>
-            <a:r>
-              <a:rPr lang="en-US" sz="1600" dirty="0">
-                <a:solidFill>
-                  <a:srgbClr val="0000FF"/>
-                </a:solidFill>
-                <a:latin typeface="Consolas" panose="020B0609020204030204" pitchFamily="49" charset="0"/>
-              </a:rPr>
-              <a:t>while</a:t>
-            </a:r>
-            <a:r>
-              <a:rPr lang="en-US" sz="1600" dirty="0">
-                <a:solidFill>
-                  <a:srgbClr val="000000"/>
-                </a:solidFill>
-                <a:latin typeface="Consolas" panose="020B0609020204030204" pitchFamily="49" charset="0"/>
-              </a:rPr>
-              <a:t> (</a:t>
-            </a:r>
-            <a:r>
-              <a:rPr lang="en-US" sz="1600" dirty="0" err="1">
-                <a:solidFill>
-                  <a:srgbClr val="000000"/>
-                </a:solidFill>
-                <a:latin typeface="Consolas" panose="020B0609020204030204" pitchFamily="49" charset="0"/>
-              </a:rPr>
-              <a:t>solution.Quality</a:t>
-            </a:r>
-            <a:r>
-              <a:rPr lang="en-US" sz="1600" dirty="0">
-                <a:solidFill>
-                  <a:srgbClr val="000000"/>
-                </a:solidFill>
-                <a:latin typeface="Consolas" panose="020B0609020204030204" pitchFamily="49" charset="0"/>
-              </a:rPr>
-              <a:t> != </a:t>
-            </a:r>
-            <a:r>
-              <a:rPr lang="en-US" sz="1600" dirty="0" err="1">
-                <a:solidFill>
-                  <a:srgbClr val="000000"/>
-                </a:solidFill>
-                <a:latin typeface="Consolas" panose="020B0609020204030204" pitchFamily="49" charset="0"/>
-              </a:rPr>
-              <a:t>SolverQuality.Infeasible</a:t>
-            </a:r>
-            <a:r>
-              <a:rPr lang="en-US" sz="1600" dirty="0">
-                <a:solidFill>
-                  <a:srgbClr val="000000"/>
-                </a:solidFill>
-                <a:latin typeface="Consolas" panose="020B0609020204030204" pitchFamily="49" charset="0"/>
-              </a:rPr>
-              <a:t>)</a:t>
-            </a:r>
-          </a:p>
-          <a:p>
-            <a:r>
-              <a:rPr lang="es-ES" sz="1600" dirty="0">
-                <a:solidFill>
-                  <a:srgbClr val="000000"/>
-                </a:solidFill>
-                <a:latin typeface="Consolas" panose="020B0609020204030204" pitchFamily="49" charset="0"/>
-              </a:rPr>
-              <a:t>    {</a:t>
-            </a:r>
-          </a:p>
-          <a:p>
-            <a:r>
-              <a:rPr lang="es-ES" sz="1600" dirty="0">
-                <a:solidFill>
-                  <a:srgbClr val="000000"/>
-                </a:solidFill>
-                <a:latin typeface="Consolas" panose="020B0609020204030204" pitchFamily="49" charset="0"/>
-              </a:rPr>
-              <a:t>        </a:t>
+              <a:t>soln</a:t>
+            </a:r>
+            <a:r>
+              <a:rPr lang="es-ES" sz="1600" dirty="0">
+                <a:solidFill>
+                  <a:srgbClr val="000000"/>
+                </a:solidFill>
+                <a:latin typeface="Consolas" panose="020B0609020204030204" pitchFamily="49" charset="0"/>
+              </a:rPr>
+              <a:t> = </a:t>
             </a:r>
             <a:r>
               <a:rPr lang="es-ES" sz="1600" dirty="0" err="1">
@@ -6839,171 +6708,7 @@
                 </a:solidFill>
                 <a:latin typeface="Consolas" panose="020B0609020204030204" pitchFamily="49" charset="0"/>
               </a:rPr>
-              <a:t>Console.WriteLine</a:t>
-            </a:r>
-            <a:r>
-              <a:rPr lang="es-ES" sz="1600" dirty="0">
-                <a:solidFill>
-                  <a:srgbClr val="000000"/>
-                </a:solidFill>
-                <a:latin typeface="Consolas" panose="020B0609020204030204" pitchFamily="49" charset="0"/>
-              </a:rPr>
-              <a:t>(</a:t>
-            </a:r>
-            <a:r>
-              <a:rPr lang="es-ES" sz="1600" dirty="0" err="1">
-                <a:solidFill>
-                  <a:srgbClr val="0000FF"/>
-                </a:solidFill>
-                <a:latin typeface="Consolas" panose="020B0609020204030204" pitchFamily="49" charset="0"/>
-              </a:rPr>
-              <a:t>string</a:t>
-            </a:r>
-            <a:r>
-              <a:rPr lang="es-ES" sz="1600" dirty="0" err="1">
-                <a:solidFill>
-                  <a:srgbClr val="000000"/>
-                </a:solidFill>
-                <a:latin typeface="Consolas" panose="020B0609020204030204" pitchFamily="49" charset="0"/>
-              </a:rPr>
-              <a:t>.Format</a:t>
-            </a:r>
-            <a:r>
-              <a:rPr lang="es-ES" sz="1600" dirty="0">
-                <a:solidFill>
-                  <a:srgbClr val="000000"/>
-                </a:solidFill>
-                <a:latin typeface="Consolas" panose="020B0609020204030204" pitchFamily="49" charset="0"/>
-              </a:rPr>
-              <a:t>(</a:t>
-            </a:r>
-            <a:r>
-              <a:rPr lang="es-ES" sz="1600" dirty="0">
-                <a:solidFill>
-                  <a:srgbClr val="A31515"/>
-                </a:solidFill>
-                <a:latin typeface="Consolas" panose="020B0609020204030204" pitchFamily="49" charset="0"/>
-              </a:rPr>
-              <a:t>“</a:t>
-            </a:r>
-            <a:r>
-              <a:rPr lang="es-ES" sz="1600" dirty="0" err="1">
-                <a:solidFill>
-                  <a:srgbClr val="A31515"/>
-                </a:solidFill>
-                <a:latin typeface="Consolas" panose="020B0609020204030204" pitchFamily="49" charset="0"/>
-              </a:rPr>
-              <a:t>Belgica</a:t>
-            </a:r>
-            <a:r>
-              <a:rPr lang="es-ES" sz="1600" dirty="0">
-                <a:solidFill>
-                  <a:srgbClr val="A31515"/>
-                </a:solidFill>
-                <a:latin typeface="Consolas" panose="020B0609020204030204" pitchFamily="49" charset="0"/>
-              </a:rPr>
-              <a:t>: {0}\</a:t>
-            </a:r>
-            <a:r>
-              <a:rPr lang="es-ES" sz="1600" dirty="0" err="1">
-                <a:solidFill>
-                  <a:srgbClr val="A31515"/>
-                </a:solidFill>
-                <a:latin typeface="Consolas" panose="020B0609020204030204" pitchFamily="49" charset="0"/>
-              </a:rPr>
-              <a:t>tAlemania</a:t>
-            </a:r>
-            <a:r>
-              <a:rPr lang="es-ES" sz="1600" dirty="0">
-                <a:solidFill>
-                  <a:srgbClr val="A31515"/>
-                </a:solidFill>
-                <a:latin typeface="Consolas" panose="020B0609020204030204" pitchFamily="49" charset="0"/>
-              </a:rPr>
-              <a:t>: {1}\</a:t>
-            </a:r>
-            <a:r>
-              <a:rPr lang="es-ES" sz="1600" dirty="0" err="1">
-                <a:solidFill>
-                  <a:srgbClr val="A31515"/>
-                </a:solidFill>
-                <a:latin typeface="Consolas" panose="020B0609020204030204" pitchFamily="49" charset="0"/>
-              </a:rPr>
-              <a:t>tFrnacia</a:t>
-            </a:r>
-            <a:r>
-              <a:rPr lang="es-ES" sz="1600" dirty="0">
-                <a:solidFill>
-                  <a:srgbClr val="A31515"/>
-                </a:solidFill>
-                <a:latin typeface="Consolas" panose="020B0609020204030204" pitchFamily="49" charset="0"/>
-              </a:rPr>
-              <a:t>: {2}\</a:t>
-            </a:r>
-            <a:r>
-              <a:rPr lang="es-ES" sz="1600" dirty="0" err="1">
-                <a:solidFill>
-                  <a:srgbClr val="A31515"/>
-                </a:solidFill>
-                <a:latin typeface="Consolas" panose="020B0609020204030204" pitchFamily="49" charset="0"/>
-              </a:rPr>
-              <a:t>tHolanda</a:t>
-            </a:r>
-            <a:r>
-              <a:rPr lang="es-ES" sz="1600" dirty="0">
-                <a:solidFill>
-                  <a:srgbClr val="A31515"/>
-                </a:solidFill>
-                <a:latin typeface="Consolas" panose="020B0609020204030204" pitchFamily="49" charset="0"/>
-              </a:rPr>
-              <a:t>: {3}"</a:t>
-            </a:r>
-            <a:r>
-              <a:rPr lang="es-ES" sz="1600" dirty="0">
-                <a:solidFill>
-                  <a:srgbClr val="000000"/>
-                </a:solidFill>
-                <a:latin typeface="Consolas" panose="020B0609020204030204" pitchFamily="49" charset="0"/>
-              </a:rPr>
-              <a:t>, be, al, </a:t>
-            </a:r>
-            <a:r>
-              <a:rPr lang="es-ES" sz="1600" dirty="0" err="1">
-                <a:solidFill>
-                  <a:srgbClr val="000000"/>
-                </a:solidFill>
-                <a:latin typeface="Consolas" panose="020B0609020204030204" pitchFamily="49" charset="0"/>
-              </a:rPr>
-              <a:t>fr</a:t>
-            </a:r>
-            <a:r>
-              <a:rPr lang="es-ES" sz="1600" dirty="0">
-                <a:solidFill>
-                  <a:srgbClr val="000000"/>
-                </a:solidFill>
-                <a:latin typeface="Consolas" panose="020B0609020204030204" pitchFamily="49" charset="0"/>
-              </a:rPr>
-              <a:t>, hl));</a:t>
-            </a:r>
-          </a:p>
-          <a:p>
-            <a:r>
-              <a:rPr lang="es-ES" sz="1600" dirty="0">
-                <a:solidFill>
-                  <a:srgbClr val="000000"/>
-                </a:solidFill>
-                <a:latin typeface="Consolas" panose="020B0609020204030204" pitchFamily="49" charset="0"/>
-              </a:rPr>
-              <a:t>        </a:t>
-            </a:r>
-            <a:r>
-              <a:rPr lang="es-ES" sz="1600" dirty="0" err="1">
-                <a:solidFill>
-                  <a:srgbClr val="000000"/>
-                </a:solidFill>
-                <a:latin typeface="Consolas" panose="020B0609020204030204" pitchFamily="49" charset="0"/>
-              </a:rPr>
-              <a:t>solution.GetNext</a:t>
+              <a:t>S.Solve</a:t>
             </a:r>
             <a:r>
               <a:rPr lang="es-ES" sz="1600" dirty="0">
@@ -7023,26 +6728,16 @@
                 </a:solidFill>
                 <a:latin typeface="Consolas" panose="020B0609020204030204" pitchFamily="49" charset="0"/>
               </a:rPr>
-              <a:t>    }</a:t>
-            </a:r>
-          </a:p>
-          <a:p>
-            <a:r>
-              <a:rPr lang="es-ES" sz="1600" dirty="0">
-                <a:solidFill>
-                  <a:srgbClr val="000000"/>
-                </a:solidFill>
-                <a:latin typeface="Consolas" panose="020B0609020204030204" pitchFamily="49" charset="0"/>
-              </a:rPr>
               <a:t>}</a:t>
             </a:r>
+            <a:endParaRPr lang="es-ES" sz="1600" dirty="0"/>
           </a:p>
         </p:txBody>
       </p:sp>
     </p:spTree>
     <p:extLst>
       <p:ext uri="{BB962C8B-B14F-4D97-AF65-F5344CB8AC3E}">
-        <p14:creationId xmlns:p14="http://schemas.microsoft.com/office/powerpoint/2010/main" val="3559381407"/>
+        <p14:creationId xmlns:p14="http://schemas.microsoft.com/office/powerpoint/2010/main" val="389766790"/>
       </p:ext>
     </p:extLst>
   </p:cSld>
@@ -7071,6 +6766,1246 @@
       </p:grpSpPr>
       <p:sp>
         <p:nvSpPr>
+          <p:cNvPr id="7" name="Título 6">
+            <a:extLst>
+              <a:ext uri="{FF2B5EF4-FFF2-40B4-BE49-F238E27FC236}">
+                <a16:creationId xmlns:a16="http://schemas.microsoft.com/office/drawing/2014/main" id="{B26E78DD-498D-4BBF-9885-1B53A8041E14}"/>
+              </a:ext>
+            </a:extLst>
+          </p:cNvPr>
+          <p:cNvSpPr>
+            <a:spLocks noGrp="1"/>
+          </p:cNvSpPr>
+          <p:nvPr>
+            <p:ph type="title"/>
+          </p:nvPr>
+        </p:nvSpPr>
+        <p:spPr/>
+        <p:txBody>
+          <a:bodyPr/>
+          <a:lstStyle/>
+          <a:p>
+            <a:r>
+              <a:rPr lang="es-ES" dirty="0"/>
+              <a:t>Ejemplo Pintar mapa</a:t>
+            </a:r>
+          </a:p>
+        </p:txBody>
+      </p:sp>
+      <p:sp>
+        <p:nvSpPr>
+          <p:cNvPr id="8" name="Rectángulo 7">
+            <a:extLst>
+              <a:ext uri="{FF2B5EF4-FFF2-40B4-BE49-F238E27FC236}">
+                <a16:creationId xmlns:a16="http://schemas.microsoft.com/office/drawing/2014/main" id="{542D0EB3-CC32-41E1-912C-B40690212E56}"/>
+              </a:ext>
+            </a:extLst>
+          </p:cNvPr>
+          <p:cNvSpPr/>
+          <p:nvPr/>
+        </p:nvSpPr>
+        <p:spPr>
+          <a:xfrm>
+            <a:off x="94343" y="1841242"/>
+            <a:ext cx="12003314" cy="5016758"/>
+          </a:xfrm>
+          <a:prstGeom prst="rect">
+            <a:avLst/>
+          </a:prstGeom>
+        </p:spPr>
+        <p:txBody>
+          <a:bodyPr wrap="square">
+            <a:spAutoFit/>
+          </a:bodyPr>
+          <a:lstStyle/>
+          <a:p>
+            <a:r>
+              <a:rPr lang="es-ES" sz="1600" dirty="0" err="1">
+                <a:solidFill>
+                  <a:srgbClr val="0000FF"/>
+                </a:solidFill>
+                <a:latin typeface="Consolas" panose="020B0609020204030204" pitchFamily="49" charset="0"/>
+              </a:rPr>
+              <a:t>public</a:t>
+            </a:r>
+            <a:r>
+              <a:rPr lang="es-ES" sz="1600" dirty="0">
+                <a:solidFill>
+                  <a:srgbClr val="000000"/>
+                </a:solidFill>
+                <a:latin typeface="Consolas" panose="020B0609020204030204" pitchFamily="49" charset="0"/>
+              </a:rPr>
+              <a:t> </a:t>
+            </a:r>
+            <a:r>
+              <a:rPr lang="es-ES" sz="1600" dirty="0" err="1">
+                <a:solidFill>
+                  <a:srgbClr val="0000FF"/>
+                </a:solidFill>
+                <a:latin typeface="Consolas" panose="020B0609020204030204" pitchFamily="49" charset="0"/>
+              </a:rPr>
+              <a:t>static</a:t>
+            </a:r>
+            <a:r>
+              <a:rPr lang="es-ES" sz="1600" dirty="0">
+                <a:solidFill>
+                  <a:srgbClr val="000000"/>
+                </a:solidFill>
+                <a:latin typeface="Consolas" panose="020B0609020204030204" pitchFamily="49" charset="0"/>
+              </a:rPr>
+              <a:t> </a:t>
+            </a:r>
+            <a:r>
+              <a:rPr lang="es-ES" sz="1600" dirty="0" err="1">
+                <a:solidFill>
+                  <a:srgbClr val="0000FF"/>
+                </a:solidFill>
+                <a:latin typeface="Consolas" panose="020B0609020204030204" pitchFamily="49" charset="0"/>
+              </a:rPr>
+              <a:t>void</a:t>
+            </a:r>
+            <a:r>
+              <a:rPr lang="es-ES" sz="1600" dirty="0">
+                <a:solidFill>
+                  <a:srgbClr val="000000"/>
+                </a:solidFill>
+                <a:latin typeface="Consolas" panose="020B0609020204030204" pitchFamily="49" charset="0"/>
+              </a:rPr>
+              <a:t> Run()</a:t>
+            </a:r>
+          </a:p>
+          <a:p>
+            <a:r>
+              <a:rPr lang="es-ES" sz="1600" dirty="0">
+                <a:solidFill>
+                  <a:srgbClr val="000000"/>
+                </a:solidFill>
+                <a:latin typeface="Consolas" panose="020B0609020204030204" pitchFamily="49" charset="0"/>
+              </a:rPr>
+              <a:t>{</a:t>
+            </a:r>
+          </a:p>
+          <a:p>
+            <a:r>
+              <a:rPr lang="es-ES" sz="1600" dirty="0">
+                <a:solidFill>
+                  <a:srgbClr val="000000"/>
+                </a:solidFill>
+                <a:latin typeface="Consolas" panose="020B0609020204030204" pitchFamily="49" charset="0"/>
+              </a:rPr>
+              <a:t>    </a:t>
+            </a:r>
+            <a:r>
+              <a:rPr lang="es-ES" sz="1600" dirty="0" err="1">
+                <a:solidFill>
+                  <a:srgbClr val="000000"/>
+                </a:solidFill>
+                <a:latin typeface="Consolas" panose="020B0609020204030204" pitchFamily="49" charset="0"/>
+              </a:rPr>
+              <a:t>SolverContext</a:t>
+            </a:r>
+            <a:r>
+              <a:rPr lang="es-ES" sz="1600" dirty="0">
+                <a:solidFill>
+                  <a:srgbClr val="000000"/>
+                </a:solidFill>
+                <a:latin typeface="Consolas" panose="020B0609020204030204" pitchFamily="49" charset="0"/>
+              </a:rPr>
+              <a:t> </a:t>
+            </a:r>
+            <a:r>
+              <a:rPr lang="es-ES" sz="1600" dirty="0" err="1">
+                <a:solidFill>
+                  <a:srgbClr val="000000"/>
+                </a:solidFill>
+                <a:latin typeface="Consolas" panose="020B0609020204030204" pitchFamily="49" charset="0"/>
+              </a:rPr>
+              <a:t>context</a:t>
+            </a:r>
+            <a:r>
+              <a:rPr lang="es-ES" sz="1600" dirty="0">
+                <a:solidFill>
+                  <a:srgbClr val="000000"/>
+                </a:solidFill>
+                <a:latin typeface="Consolas" panose="020B0609020204030204" pitchFamily="49" charset="0"/>
+              </a:rPr>
+              <a:t> = </a:t>
+            </a:r>
+            <a:r>
+              <a:rPr lang="es-ES" sz="1600" dirty="0" err="1">
+                <a:solidFill>
+                  <a:srgbClr val="000000"/>
+                </a:solidFill>
+                <a:latin typeface="Consolas" panose="020B0609020204030204" pitchFamily="49" charset="0"/>
+              </a:rPr>
+              <a:t>SolverContext.GetContext</a:t>
+            </a:r>
+            <a:r>
+              <a:rPr lang="es-ES" sz="1600" dirty="0">
+                <a:solidFill>
+                  <a:srgbClr val="000000"/>
+                </a:solidFill>
+                <a:latin typeface="Consolas" panose="020B0609020204030204" pitchFamily="49" charset="0"/>
+              </a:rPr>
+              <a:t>();</a:t>
+            </a:r>
+          </a:p>
+          <a:p>
+            <a:r>
+              <a:rPr lang="es-ES" sz="1600" dirty="0">
+                <a:solidFill>
+                  <a:srgbClr val="000000"/>
+                </a:solidFill>
+                <a:latin typeface="Consolas" panose="020B0609020204030204" pitchFamily="49" charset="0"/>
+              </a:rPr>
+              <a:t>    </a:t>
+            </a:r>
+            <a:r>
+              <a:rPr lang="es-ES" sz="1600" dirty="0" err="1">
+                <a:solidFill>
+                  <a:srgbClr val="000000"/>
+                </a:solidFill>
+                <a:latin typeface="Consolas" panose="020B0609020204030204" pitchFamily="49" charset="0"/>
+              </a:rPr>
+              <a:t>Model</a:t>
+            </a:r>
+            <a:r>
+              <a:rPr lang="es-ES" sz="1600" dirty="0">
+                <a:solidFill>
+                  <a:srgbClr val="000000"/>
+                </a:solidFill>
+                <a:latin typeface="Consolas" panose="020B0609020204030204" pitchFamily="49" charset="0"/>
+              </a:rPr>
+              <a:t> </a:t>
+            </a:r>
+            <a:r>
+              <a:rPr lang="es-ES" sz="1600" dirty="0" err="1">
+                <a:solidFill>
+                  <a:srgbClr val="000000"/>
+                </a:solidFill>
+                <a:latin typeface="Consolas" panose="020B0609020204030204" pitchFamily="49" charset="0"/>
+              </a:rPr>
+              <a:t>model</a:t>
+            </a:r>
+            <a:r>
+              <a:rPr lang="es-ES" sz="1600" dirty="0">
+                <a:solidFill>
+                  <a:srgbClr val="000000"/>
+                </a:solidFill>
+                <a:latin typeface="Consolas" panose="020B0609020204030204" pitchFamily="49" charset="0"/>
+              </a:rPr>
+              <a:t> = </a:t>
+            </a:r>
+            <a:r>
+              <a:rPr lang="es-ES" sz="1600" dirty="0" err="1">
+                <a:solidFill>
+                  <a:srgbClr val="000000"/>
+                </a:solidFill>
+                <a:latin typeface="Consolas" panose="020B0609020204030204" pitchFamily="49" charset="0"/>
+              </a:rPr>
+              <a:t>context.CreateModel</a:t>
+            </a:r>
+            <a:r>
+              <a:rPr lang="es-ES" sz="1600" dirty="0">
+                <a:solidFill>
+                  <a:srgbClr val="000000"/>
+                </a:solidFill>
+                <a:latin typeface="Consolas" panose="020B0609020204030204" pitchFamily="49" charset="0"/>
+              </a:rPr>
+              <a:t>();</a:t>
+            </a:r>
+          </a:p>
+          <a:p>
+            <a:endParaRPr lang="es-ES" sz="1600" dirty="0">
+              <a:solidFill>
+                <a:srgbClr val="000000"/>
+              </a:solidFill>
+              <a:latin typeface="Consolas" panose="020B0609020204030204" pitchFamily="49" charset="0"/>
+            </a:endParaRPr>
+          </a:p>
+          <a:p>
+            <a:r>
+              <a:rPr lang="en-US" sz="1600" dirty="0">
+                <a:solidFill>
+                  <a:srgbClr val="000000"/>
+                </a:solidFill>
+                <a:latin typeface="Consolas" panose="020B0609020204030204" pitchFamily="49" charset="0"/>
+              </a:rPr>
+              <a:t>    Domain colors = </a:t>
+            </a:r>
+            <a:r>
+              <a:rPr lang="en-US" sz="1600" dirty="0" err="1">
+                <a:solidFill>
+                  <a:srgbClr val="000000"/>
+                </a:solidFill>
+                <a:latin typeface="Consolas" panose="020B0609020204030204" pitchFamily="49" charset="0"/>
+              </a:rPr>
+              <a:t>Domain.Enum</a:t>
+            </a:r>
+            <a:r>
+              <a:rPr lang="en-US" sz="1600" dirty="0">
+                <a:solidFill>
+                  <a:srgbClr val="000000"/>
+                </a:solidFill>
+                <a:latin typeface="Consolas" panose="020B0609020204030204" pitchFamily="49" charset="0"/>
+              </a:rPr>
+              <a:t>(</a:t>
+            </a:r>
+            <a:r>
+              <a:rPr lang="en-US" sz="1600" dirty="0">
+                <a:solidFill>
+                  <a:srgbClr val="A31515"/>
+                </a:solidFill>
+                <a:latin typeface="Consolas" panose="020B0609020204030204" pitchFamily="49" charset="0"/>
+              </a:rPr>
+              <a:t>“</a:t>
+            </a:r>
+            <a:r>
+              <a:rPr lang="en-US" sz="1600" dirty="0" err="1">
+                <a:solidFill>
+                  <a:srgbClr val="A31515"/>
+                </a:solidFill>
+                <a:latin typeface="Consolas" panose="020B0609020204030204" pitchFamily="49" charset="0"/>
+              </a:rPr>
+              <a:t>rojo</a:t>
+            </a:r>
+            <a:r>
+              <a:rPr lang="en-US" sz="1600" dirty="0">
+                <a:solidFill>
+                  <a:srgbClr val="A31515"/>
+                </a:solidFill>
+                <a:latin typeface="Consolas" panose="020B0609020204030204" pitchFamily="49" charset="0"/>
+              </a:rPr>
+              <a:t>"</a:t>
+            </a:r>
+            <a:r>
+              <a:rPr lang="en-US" sz="1600" dirty="0">
+                <a:solidFill>
+                  <a:srgbClr val="000000"/>
+                </a:solidFill>
+                <a:latin typeface="Consolas" panose="020B0609020204030204" pitchFamily="49" charset="0"/>
+              </a:rPr>
+              <a:t>, </a:t>
+            </a:r>
+            <a:r>
+              <a:rPr lang="en-US" sz="1600" dirty="0">
+                <a:solidFill>
+                  <a:srgbClr val="A31515"/>
+                </a:solidFill>
+                <a:latin typeface="Consolas" panose="020B0609020204030204" pitchFamily="49" charset="0"/>
+              </a:rPr>
+              <a:t>“</a:t>
+            </a:r>
+            <a:r>
+              <a:rPr lang="en-US" sz="1600" dirty="0" err="1">
+                <a:solidFill>
+                  <a:srgbClr val="A31515"/>
+                </a:solidFill>
+                <a:latin typeface="Consolas" panose="020B0609020204030204" pitchFamily="49" charset="0"/>
+              </a:rPr>
+              <a:t>verde</a:t>
+            </a:r>
+            <a:r>
+              <a:rPr lang="en-US" sz="1600" dirty="0">
+                <a:solidFill>
+                  <a:srgbClr val="A31515"/>
+                </a:solidFill>
+                <a:latin typeface="Consolas" panose="020B0609020204030204" pitchFamily="49" charset="0"/>
+              </a:rPr>
+              <a:t>"</a:t>
+            </a:r>
+            <a:r>
+              <a:rPr lang="en-US" sz="1600" dirty="0">
+                <a:solidFill>
+                  <a:srgbClr val="000000"/>
+                </a:solidFill>
+                <a:latin typeface="Consolas" panose="020B0609020204030204" pitchFamily="49" charset="0"/>
+              </a:rPr>
+              <a:t>, </a:t>
+            </a:r>
+            <a:r>
+              <a:rPr lang="en-US" sz="1600" dirty="0">
+                <a:solidFill>
+                  <a:srgbClr val="A31515"/>
+                </a:solidFill>
+                <a:latin typeface="Consolas" panose="020B0609020204030204" pitchFamily="49" charset="0"/>
+              </a:rPr>
+              <a:t>“</a:t>
+            </a:r>
+            <a:r>
+              <a:rPr lang="en-US" sz="1600" dirty="0" err="1">
+                <a:solidFill>
+                  <a:srgbClr val="A31515"/>
+                </a:solidFill>
+                <a:latin typeface="Consolas" panose="020B0609020204030204" pitchFamily="49" charset="0"/>
+              </a:rPr>
+              <a:t>azul</a:t>
+            </a:r>
+            <a:r>
+              <a:rPr lang="en-US" sz="1600" dirty="0">
+                <a:solidFill>
+                  <a:srgbClr val="A31515"/>
+                </a:solidFill>
+                <a:latin typeface="Consolas" panose="020B0609020204030204" pitchFamily="49" charset="0"/>
+              </a:rPr>
+              <a:t>"</a:t>
+            </a:r>
+            <a:r>
+              <a:rPr lang="en-US" sz="1600" dirty="0">
+                <a:solidFill>
+                  <a:srgbClr val="000000"/>
+                </a:solidFill>
+                <a:latin typeface="Consolas" panose="020B0609020204030204" pitchFamily="49" charset="0"/>
+              </a:rPr>
+              <a:t>, </a:t>
+            </a:r>
+            <a:r>
+              <a:rPr lang="en-US" sz="1600" dirty="0">
+                <a:solidFill>
+                  <a:srgbClr val="A31515"/>
+                </a:solidFill>
+                <a:latin typeface="Consolas" panose="020B0609020204030204" pitchFamily="49" charset="0"/>
+              </a:rPr>
+              <a:t>“</a:t>
+            </a:r>
+            <a:r>
+              <a:rPr lang="en-US" sz="1600" dirty="0" err="1">
+                <a:solidFill>
+                  <a:srgbClr val="A31515"/>
+                </a:solidFill>
+                <a:latin typeface="Consolas" panose="020B0609020204030204" pitchFamily="49" charset="0"/>
+              </a:rPr>
+              <a:t>amarillo</a:t>
+            </a:r>
+            <a:r>
+              <a:rPr lang="en-US" sz="1600" dirty="0">
+                <a:solidFill>
+                  <a:srgbClr val="A31515"/>
+                </a:solidFill>
+                <a:latin typeface="Consolas" panose="020B0609020204030204" pitchFamily="49" charset="0"/>
+              </a:rPr>
+              <a:t>"</a:t>
+            </a:r>
+            <a:r>
+              <a:rPr lang="en-US" sz="1600" dirty="0">
+                <a:solidFill>
+                  <a:srgbClr val="000000"/>
+                </a:solidFill>
+                <a:latin typeface="Consolas" panose="020B0609020204030204" pitchFamily="49" charset="0"/>
+              </a:rPr>
+              <a:t>);</a:t>
+            </a:r>
+          </a:p>
+          <a:p>
+            <a:r>
+              <a:rPr lang="en-US" sz="1600" dirty="0">
+                <a:solidFill>
+                  <a:srgbClr val="000000"/>
+                </a:solidFill>
+                <a:latin typeface="Consolas" panose="020B0609020204030204" pitchFamily="49" charset="0"/>
+              </a:rPr>
+              <a:t>    Decision be = </a:t>
+            </a:r>
+            <a:r>
+              <a:rPr lang="en-US" sz="1600" dirty="0">
+                <a:solidFill>
+                  <a:srgbClr val="0000FF"/>
+                </a:solidFill>
+                <a:latin typeface="Consolas" panose="020B0609020204030204" pitchFamily="49" charset="0"/>
+              </a:rPr>
+              <a:t>new</a:t>
+            </a:r>
+            <a:r>
+              <a:rPr lang="en-US" sz="1600" dirty="0">
+                <a:solidFill>
+                  <a:srgbClr val="000000"/>
+                </a:solidFill>
+                <a:latin typeface="Consolas" panose="020B0609020204030204" pitchFamily="49" charset="0"/>
+              </a:rPr>
+              <a:t> Decision(colors, </a:t>
+            </a:r>
+            <a:r>
+              <a:rPr lang="en-US" sz="1600" dirty="0">
+                <a:solidFill>
+                  <a:srgbClr val="A31515"/>
+                </a:solidFill>
+                <a:latin typeface="Consolas" panose="020B0609020204030204" pitchFamily="49" charset="0"/>
+              </a:rPr>
+              <a:t>“</a:t>
+            </a:r>
+            <a:r>
+              <a:rPr lang="en-US" sz="1600" dirty="0" err="1">
+                <a:solidFill>
+                  <a:srgbClr val="A31515"/>
+                </a:solidFill>
+                <a:latin typeface="Consolas" panose="020B0609020204030204" pitchFamily="49" charset="0"/>
+              </a:rPr>
+              <a:t>Belgica</a:t>
+            </a:r>
+            <a:r>
+              <a:rPr lang="en-US" sz="1600" dirty="0">
+                <a:solidFill>
+                  <a:srgbClr val="A31515"/>
+                </a:solidFill>
+                <a:latin typeface="Consolas" panose="020B0609020204030204" pitchFamily="49" charset="0"/>
+              </a:rPr>
+              <a:t>"</a:t>
+            </a:r>
+            <a:r>
+              <a:rPr lang="en-US" sz="1600" dirty="0">
+                <a:solidFill>
+                  <a:srgbClr val="000000"/>
+                </a:solidFill>
+                <a:latin typeface="Consolas" panose="020B0609020204030204" pitchFamily="49" charset="0"/>
+              </a:rPr>
+              <a:t>); Decision al = </a:t>
+            </a:r>
+            <a:r>
+              <a:rPr lang="en-US" sz="1600" dirty="0">
+                <a:solidFill>
+                  <a:srgbClr val="0000FF"/>
+                </a:solidFill>
+                <a:latin typeface="Consolas" panose="020B0609020204030204" pitchFamily="49" charset="0"/>
+              </a:rPr>
+              <a:t>new</a:t>
+            </a:r>
+            <a:r>
+              <a:rPr lang="en-US" sz="1600" dirty="0">
+                <a:solidFill>
+                  <a:srgbClr val="000000"/>
+                </a:solidFill>
+                <a:latin typeface="Consolas" panose="020B0609020204030204" pitchFamily="49" charset="0"/>
+              </a:rPr>
+              <a:t> Decision(colors, </a:t>
+            </a:r>
+            <a:r>
+              <a:rPr lang="en-US" sz="1600" dirty="0">
+                <a:solidFill>
+                  <a:srgbClr val="A31515"/>
+                </a:solidFill>
+                <a:latin typeface="Consolas" panose="020B0609020204030204" pitchFamily="49" charset="0"/>
+              </a:rPr>
+              <a:t>“</a:t>
+            </a:r>
+            <a:r>
+              <a:rPr lang="en-US" sz="1600" dirty="0" err="1">
+                <a:solidFill>
+                  <a:srgbClr val="A31515"/>
+                </a:solidFill>
+                <a:latin typeface="Consolas" panose="020B0609020204030204" pitchFamily="49" charset="0"/>
+              </a:rPr>
+              <a:t>Alemania</a:t>
+            </a:r>
+            <a:r>
+              <a:rPr lang="en-US" sz="1600" dirty="0">
+                <a:solidFill>
+                  <a:srgbClr val="A31515"/>
+                </a:solidFill>
+                <a:latin typeface="Consolas" panose="020B0609020204030204" pitchFamily="49" charset="0"/>
+              </a:rPr>
+              <a:t>"</a:t>
+            </a:r>
+            <a:r>
+              <a:rPr lang="en-US" sz="1600" dirty="0">
+                <a:solidFill>
+                  <a:srgbClr val="000000"/>
+                </a:solidFill>
+                <a:latin typeface="Consolas" panose="020B0609020204030204" pitchFamily="49" charset="0"/>
+              </a:rPr>
+              <a:t>);</a:t>
+            </a:r>
+          </a:p>
+          <a:p>
+            <a:r>
+              <a:rPr lang="en-US" sz="1600" dirty="0">
+                <a:solidFill>
+                  <a:srgbClr val="000000"/>
+                </a:solidFill>
+                <a:latin typeface="Consolas" panose="020B0609020204030204" pitchFamily="49" charset="0"/>
+              </a:rPr>
+              <a:t>    Decision </a:t>
+            </a:r>
+            <a:r>
+              <a:rPr lang="en-US" sz="1600" dirty="0" err="1">
+                <a:solidFill>
+                  <a:srgbClr val="000000"/>
+                </a:solidFill>
+                <a:latin typeface="Consolas" panose="020B0609020204030204" pitchFamily="49" charset="0"/>
+              </a:rPr>
+              <a:t>fr</a:t>
+            </a:r>
+            <a:r>
+              <a:rPr lang="en-US" sz="1600" dirty="0">
+                <a:solidFill>
+                  <a:srgbClr val="000000"/>
+                </a:solidFill>
+                <a:latin typeface="Consolas" panose="020B0609020204030204" pitchFamily="49" charset="0"/>
+              </a:rPr>
+              <a:t> = </a:t>
+            </a:r>
+            <a:r>
+              <a:rPr lang="en-US" sz="1600" dirty="0">
+                <a:solidFill>
+                  <a:srgbClr val="0000FF"/>
+                </a:solidFill>
+                <a:latin typeface="Consolas" panose="020B0609020204030204" pitchFamily="49" charset="0"/>
+              </a:rPr>
+              <a:t>new</a:t>
+            </a:r>
+            <a:r>
+              <a:rPr lang="en-US" sz="1600" dirty="0">
+                <a:solidFill>
+                  <a:srgbClr val="000000"/>
+                </a:solidFill>
+                <a:latin typeface="Consolas" panose="020B0609020204030204" pitchFamily="49" charset="0"/>
+              </a:rPr>
+              <a:t> Decision(colors, </a:t>
+            </a:r>
+            <a:r>
+              <a:rPr lang="en-US" sz="1600" dirty="0">
+                <a:solidFill>
+                  <a:srgbClr val="A31515"/>
+                </a:solidFill>
+                <a:latin typeface="Consolas" panose="020B0609020204030204" pitchFamily="49" charset="0"/>
+              </a:rPr>
+              <a:t>“Francia"</a:t>
+            </a:r>
+            <a:r>
+              <a:rPr lang="en-US" sz="1600" dirty="0">
+                <a:solidFill>
+                  <a:srgbClr val="000000"/>
+                </a:solidFill>
+                <a:latin typeface="Consolas" panose="020B0609020204030204" pitchFamily="49" charset="0"/>
+              </a:rPr>
+              <a:t>); Decision hl = </a:t>
+            </a:r>
+            <a:r>
+              <a:rPr lang="en-US" sz="1600" dirty="0">
+                <a:solidFill>
+                  <a:srgbClr val="0000FF"/>
+                </a:solidFill>
+                <a:latin typeface="Consolas" panose="020B0609020204030204" pitchFamily="49" charset="0"/>
+              </a:rPr>
+              <a:t>new</a:t>
+            </a:r>
+            <a:r>
+              <a:rPr lang="en-US" sz="1600" dirty="0">
+                <a:solidFill>
+                  <a:srgbClr val="000000"/>
+                </a:solidFill>
+                <a:latin typeface="Consolas" panose="020B0609020204030204" pitchFamily="49" charset="0"/>
+              </a:rPr>
+              <a:t> Decision(colors, </a:t>
+            </a:r>
+            <a:r>
+              <a:rPr lang="en-US" sz="1600" dirty="0">
+                <a:solidFill>
+                  <a:srgbClr val="A31515"/>
+                </a:solidFill>
+                <a:latin typeface="Consolas" panose="020B0609020204030204" pitchFamily="49" charset="0"/>
+              </a:rPr>
+              <a:t>“</a:t>
+            </a:r>
+            <a:r>
+              <a:rPr lang="en-US" sz="1600" dirty="0" err="1">
+                <a:solidFill>
+                  <a:srgbClr val="A31515"/>
+                </a:solidFill>
+                <a:latin typeface="Consolas" panose="020B0609020204030204" pitchFamily="49" charset="0"/>
+              </a:rPr>
+              <a:t>Holanda</a:t>
+            </a:r>
+            <a:r>
+              <a:rPr lang="en-US" sz="1600" dirty="0">
+                <a:solidFill>
+                  <a:srgbClr val="A31515"/>
+                </a:solidFill>
+                <a:latin typeface="Consolas" panose="020B0609020204030204" pitchFamily="49" charset="0"/>
+              </a:rPr>
+              <a:t>"</a:t>
+            </a:r>
+            <a:r>
+              <a:rPr lang="en-US" sz="1600" dirty="0">
+                <a:solidFill>
+                  <a:srgbClr val="000000"/>
+                </a:solidFill>
+                <a:latin typeface="Consolas" panose="020B0609020204030204" pitchFamily="49" charset="0"/>
+              </a:rPr>
+              <a:t>);</a:t>
+            </a:r>
+          </a:p>
+          <a:p>
+            <a:r>
+              <a:rPr lang="es-ES" sz="1600" dirty="0">
+                <a:solidFill>
+                  <a:srgbClr val="000000"/>
+                </a:solidFill>
+                <a:latin typeface="Consolas" panose="020B0609020204030204" pitchFamily="49" charset="0"/>
+              </a:rPr>
+              <a:t>    </a:t>
+            </a:r>
+            <a:r>
+              <a:rPr lang="es-ES" sz="1600" dirty="0" err="1">
+                <a:solidFill>
+                  <a:srgbClr val="000000"/>
+                </a:solidFill>
+                <a:latin typeface="Consolas" panose="020B0609020204030204" pitchFamily="49" charset="0"/>
+              </a:rPr>
+              <a:t>model.AddDecisions</a:t>
+            </a:r>
+            <a:r>
+              <a:rPr lang="es-ES" sz="1600" dirty="0">
+                <a:solidFill>
+                  <a:srgbClr val="000000"/>
+                </a:solidFill>
+                <a:latin typeface="Consolas" panose="020B0609020204030204" pitchFamily="49" charset="0"/>
+              </a:rPr>
+              <a:t>(be, al, </a:t>
+            </a:r>
+            <a:r>
+              <a:rPr lang="es-ES" sz="1600" dirty="0" err="1">
+                <a:solidFill>
+                  <a:srgbClr val="000000"/>
+                </a:solidFill>
+                <a:latin typeface="Consolas" panose="020B0609020204030204" pitchFamily="49" charset="0"/>
+              </a:rPr>
+              <a:t>fr</a:t>
+            </a:r>
+            <a:r>
+              <a:rPr lang="es-ES" sz="1600" dirty="0">
+                <a:solidFill>
+                  <a:srgbClr val="000000"/>
+                </a:solidFill>
+                <a:latin typeface="Consolas" panose="020B0609020204030204" pitchFamily="49" charset="0"/>
+              </a:rPr>
+              <a:t>, hl);</a:t>
+            </a:r>
+          </a:p>
+          <a:p>
+            <a:endParaRPr lang="es-ES" sz="1600" dirty="0">
+              <a:solidFill>
+                <a:srgbClr val="000000"/>
+              </a:solidFill>
+              <a:latin typeface="Consolas" panose="020B0609020204030204" pitchFamily="49" charset="0"/>
+            </a:endParaRPr>
+          </a:p>
+          <a:p>
+            <a:r>
+              <a:rPr lang="es-ES" sz="1600" dirty="0">
+                <a:solidFill>
+                  <a:srgbClr val="000000"/>
+                </a:solidFill>
+                <a:latin typeface="Consolas" panose="020B0609020204030204" pitchFamily="49" charset="0"/>
+              </a:rPr>
+              <a:t>    </a:t>
+            </a:r>
+            <a:r>
+              <a:rPr lang="es-ES" sz="1600" dirty="0" err="1">
+                <a:solidFill>
+                  <a:srgbClr val="000000"/>
+                </a:solidFill>
+                <a:latin typeface="Consolas" panose="020B0609020204030204" pitchFamily="49" charset="0"/>
+              </a:rPr>
+              <a:t>model.AddConstraints</a:t>
+            </a:r>
+            <a:r>
+              <a:rPr lang="es-ES" sz="1600" dirty="0">
+                <a:solidFill>
+                  <a:srgbClr val="000000"/>
+                </a:solidFill>
+                <a:latin typeface="Consolas" panose="020B0609020204030204" pitchFamily="49" charset="0"/>
+              </a:rPr>
+              <a:t>(</a:t>
+            </a:r>
+            <a:r>
+              <a:rPr lang="es-ES" sz="1600" dirty="0">
+                <a:solidFill>
+                  <a:srgbClr val="A31515"/>
+                </a:solidFill>
+                <a:latin typeface="Consolas" panose="020B0609020204030204" pitchFamily="49" charset="0"/>
+              </a:rPr>
+              <a:t>“fronteras"</a:t>
+            </a:r>
+            <a:r>
+              <a:rPr lang="es-ES" sz="1600" dirty="0">
+                <a:solidFill>
+                  <a:srgbClr val="000000"/>
+                </a:solidFill>
+                <a:latin typeface="Consolas" panose="020B0609020204030204" pitchFamily="49" charset="0"/>
+              </a:rPr>
+              <a:t>, be != al, be != </a:t>
+            </a:r>
+            <a:r>
+              <a:rPr lang="es-ES" sz="1600" dirty="0" err="1">
+                <a:solidFill>
+                  <a:srgbClr val="000000"/>
+                </a:solidFill>
+                <a:latin typeface="Consolas" panose="020B0609020204030204" pitchFamily="49" charset="0"/>
+              </a:rPr>
+              <a:t>fr</a:t>
+            </a:r>
+            <a:r>
+              <a:rPr lang="es-ES" sz="1600" dirty="0">
+                <a:solidFill>
+                  <a:srgbClr val="000000"/>
+                </a:solidFill>
+                <a:latin typeface="Consolas" panose="020B0609020204030204" pitchFamily="49" charset="0"/>
+              </a:rPr>
+              <a:t>, be != hl, al != </a:t>
+            </a:r>
+            <a:r>
+              <a:rPr lang="es-ES" sz="1600" dirty="0" err="1">
+                <a:solidFill>
+                  <a:srgbClr val="000000"/>
+                </a:solidFill>
+                <a:latin typeface="Consolas" panose="020B0609020204030204" pitchFamily="49" charset="0"/>
+              </a:rPr>
+              <a:t>fr</a:t>
+            </a:r>
+            <a:r>
+              <a:rPr lang="es-ES" sz="1600" dirty="0">
+                <a:solidFill>
+                  <a:srgbClr val="000000"/>
+                </a:solidFill>
+                <a:latin typeface="Consolas" panose="020B0609020204030204" pitchFamily="49" charset="0"/>
+              </a:rPr>
+              <a:t>, al != hl);</a:t>
+            </a:r>
+          </a:p>
+          <a:p>
+            <a:endParaRPr lang="es-ES" sz="1600" dirty="0">
+              <a:solidFill>
+                <a:srgbClr val="000000"/>
+              </a:solidFill>
+              <a:latin typeface="Consolas" panose="020B0609020204030204" pitchFamily="49" charset="0"/>
+            </a:endParaRPr>
+          </a:p>
+          <a:p>
+            <a:r>
+              <a:rPr lang="es-ES" sz="1600" dirty="0">
+                <a:solidFill>
+                  <a:srgbClr val="000000"/>
+                </a:solidFill>
+                <a:latin typeface="Consolas" panose="020B0609020204030204" pitchFamily="49" charset="0"/>
+              </a:rPr>
+              <a:t>    </a:t>
+            </a:r>
+            <a:r>
+              <a:rPr lang="es-ES" sz="1600" dirty="0" err="1">
+                <a:solidFill>
+                  <a:srgbClr val="000000"/>
+                </a:solidFill>
+                <a:latin typeface="Consolas" panose="020B0609020204030204" pitchFamily="49" charset="0"/>
+              </a:rPr>
+              <a:t>Solution</a:t>
+            </a:r>
+            <a:r>
+              <a:rPr lang="es-ES" sz="1600" dirty="0">
+                <a:solidFill>
+                  <a:srgbClr val="000000"/>
+                </a:solidFill>
+                <a:latin typeface="Consolas" panose="020B0609020204030204" pitchFamily="49" charset="0"/>
+              </a:rPr>
+              <a:t> </a:t>
+            </a:r>
+            <a:r>
+              <a:rPr lang="es-ES" sz="1600" dirty="0" err="1">
+                <a:solidFill>
+                  <a:srgbClr val="000000"/>
+                </a:solidFill>
+                <a:latin typeface="Consolas" panose="020B0609020204030204" pitchFamily="49" charset="0"/>
+              </a:rPr>
+              <a:t>solution</a:t>
+            </a:r>
+            <a:r>
+              <a:rPr lang="es-ES" sz="1600" dirty="0">
+                <a:solidFill>
+                  <a:srgbClr val="000000"/>
+                </a:solidFill>
+                <a:latin typeface="Consolas" panose="020B0609020204030204" pitchFamily="49" charset="0"/>
+              </a:rPr>
+              <a:t> = </a:t>
+            </a:r>
+            <a:r>
+              <a:rPr lang="es-ES" sz="1600" dirty="0" err="1">
+                <a:solidFill>
+                  <a:srgbClr val="000000"/>
+                </a:solidFill>
+                <a:latin typeface="Consolas" panose="020B0609020204030204" pitchFamily="49" charset="0"/>
+              </a:rPr>
+              <a:t>context.Solve</a:t>
+            </a:r>
+            <a:r>
+              <a:rPr lang="es-ES" sz="1600" dirty="0">
+                <a:solidFill>
+                  <a:srgbClr val="000000"/>
+                </a:solidFill>
+                <a:latin typeface="Consolas" panose="020B0609020204030204" pitchFamily="49" charset="0"/>
+              </a:rPr>
+              <a:t>(</a:t>
+            </a:r>
+            <a:r>
+              <a:rPr lang="es-ES" sz="1600" dirty="0">
+                <a:solidFill>
+                  <a:srgbClr val="0000FF"/>
+                </a:solidFill>
+                <a:latin typeface="Consolas" panose="020B0609020204030204" pitchFamily="49" charset="0"/>
+              </a:rPr>
+              <a:t>new</a:t>
+            </a:r>
+            <a:r>
+              <a:rPr lang="es-ES" sz="1600" dirty="0">
+                <a:solidFill>
+                  <a:srgbClr val="000000"/>
+                </a:solidFill>
+                <a:latin typeface="Consolas" panose="020B0609020204030204" pitchFamily="49" charset="0"/>
+              </a:rPr>
+              <a:t> </a:t>
+            </a:r>
+            <a:r>
+              <a:rPr lang="es-ES" sz="1600" dirty="0" err="1">
+                <a:solidFill>
+                  <a:srgbClr val="000000"/>
+                </a:solidFill>
+                <a:latin typeface="Consolas" panose="020B0609020204030204" pitchFamily="49" charset="0"/>
+              </a:rPr>
+              <a:t>ConstraintProgrammingDirective</a:t>
+            </a:r>
+            <a:r>
+              <a:rPr lang="es-ES" sz="1600" dirty="0">
+                <a:solidFill>
+                  <a:srgbClr val="000000"/>
+                </a:solidFill>
+                <a:latin typeface="Consolas" panose="020B0609020204030204" pitchFamily="49" charset="0"/>
+              </a:rPr>
+              <a:t>());</a:t>
+            </a:r>
+          </a:p>
+          <a:p>
+            <a:r>
+              <a:rPr lang="en-US" sz="1600" dirty="0">
+                <a:solidFill>
+                  <a:srgbClr val="000000"/>
+                </a:solidFill>
+                <a:latin typeface="Consolas" panose="020B0609020204030204" pitchFamily="49" charset="0"/>
+              </a:rPr>
+              <a:t>    </a:t>
+            </a:r>
+            <a:r>
+              <a:rPr lang="en-US" sz="1600" dirty="0">
+                <a:solidFill>
+                  <a:srgbClr val="0000FF"/>
+                </a:solidFill>
+                <a:latin typeface="Consolas" panose="020B0609020204030204" pitchFamily="49" charset="0"/>
+              </a:rPr>
+              <a:t>while</a:t>
+            </a:r>
+            <a:r>
+              <a:rPr lang="en-US" sz="1600" dirty="0">
+                <a:solidFill>
+                  <a:srgbClr val="000000"/>
+                </a:solidFill>
+                <a:latin typeface="Consolas" panose="020B0609020204030204" pitchFamily="49" charset="0"/>
+              </a:rPr>
+              <a:t> (</a:t>
+            </a:r>
+            <a:r>
+              <a:rPr lang="en-US" sz="1600" dirty="0" err="1">
+                <a:solidFill>
+                  <a:srgbClr val="000000"/>
+                </a:solidFill>
+                <a:latin typeface="Consolas" panose="020B0609020204030204" pitchFamily="49" charset="0"/>
+              </a:rPr>
+              <a:t>solution.Quality</a:t>
+            </a:r>
+            <a:r>
+              <a:rPr lang="en-US" sz="1600" dirty="0">
+                <a:solidFill>
+                  <a:srgbClr val="000000"/>
+                </a:solidFill>
+                <a:latin typeface="Consolas" panose="020B0609020204030204" pitchFamily="49" charset="0"/>
+              </a:rPr>
+              <a:t> != </a:t>
+            </a:r>
+            <a:r>
+              <a:rPr lang="en-US" sz="1600" dirty="0" err="1">
+                <a:solidFill>
+                  <a:srgbClr val="000000"/>
+                </a:solidFill>
+                <a:latin typeface="Consolas" panose="020B0609020204030204" pitchFamily="49" charset="0"/>
+              </a:rPr>
+              <a:t>SolverQuality.Infeasible</a:t>
+            </a:r>
+            <a:r>
+              <a:rPr lang="en-US" sz="1600" dirty="0">
+                <a:solidFill>
+                  <a:srgbClr val="000000"/>
+                </a:solidFill>
+                <a:latin typeface="Consolas" panose="020B0609020204030204" pitchFamily="49" charset="0"/>
+              </a:rPr>
+              <a:t>)</a:t>
+            </a:r>
+          </a:p>
+          <a:p>
+            <a:r>
+              <a:rPr lang="es-ES" sz="1600" dirty="0">
+                <a:solidFill>
+                  <a:srgbClr val="000000"/>
+                </a:solidFill>
+                <a:latin typeface="Consolas" panose="020B0609020204030204" pitchFamily="49" charset="0"/>
+              </a:rPr>
+              <a:t>    {</a:t>
+            </a:r>
+          </a:p>
+          <a:p>
+            <a:r>
+              <a:rPr lang="es-ES" sz="1600" dirty="0">
+                <a:solidFill>
+                  <a:srgbClr val="000000"/>
+                </a:solidFill>
+                <a:latin typeface="Consolas" panose="020B0609020204030204" pitchFamily="49" charset="0"/>
+              </a:rPr>
+              <a:t>        </a:t>
+            </a:r>
+            <a:r>
+              <a:rPr lang="es-ES" sz="1600" dirty="0" err="1">
+                <a:solidFill>
+                  <a:srgbClr val="000000"/>
+                </a:solidFill>
+                <a:latin typeface="Consolas" panose="020B0609020204030204" pitchFamily="49" charset="0"/>
+              </a:rPr>
+              <a:t>Console.WriteLine</a:t>
+            </a:r>
+            <a:r>
+              <a:rPr lang="es-ES" sz="1600" dirty="0">
+                <a:solidFill>
+                  <a:srgbClr val="000000"/>
+                </a:solidFill>
+                <a:latin typeface="Consolas" panose="020B0609020204030204" pitchFamily="49" charset="0"/>
+              </a:rPr>
+              <a:t>(</a:t>
+            </a:r>
+            <a:r>
+              <a:rPr lang="es-ES" sz="1600" dirty="0" err="1">
+                <a:solidFill>
+                  <a:srgbClr val="0000FF"/>
+                </a:solidFill>
+                <a:latin typeface="Consolas" panose="020B0609020204030204" pitchFamily="49" charset="0"/>
+              </a:rPr>
+              <a:t>string</a:t>
+            </a:r>
+            <a:r>
+              <a:rPr lang="es-ES" sz="1600" dirty="0" err="1">
+                <a:solidFill>
+                  <a:srgbClr val="000000"/>
+                </a:solidFill>
+                <a:latin typeface="Consolas" panose="020B0609020204030204" pitchFamily="49" charset="0"/>
+              </a:rPr>
+              <a:t>.Format</a:t>
+            </a:r>
+            <a:r>
+              <a:rPr lang="es-ES" sz="1600" dirty="0">
+                <a:solidFill>
+                  <a:srgbClr val="000000"/>
+                </a:solidFill>
+                <a:latin typeface="Consolas" panose="020B0609020204030204" pitchFamily="49" charset="0"/>
+              </a:rPr>
+              <a:t>(</a:t>
+            </a:r>
+            <a:r>
+              <a:rPr lang="es-ES" sz="1600" dirty="0">
+                <a:solidFill>
+                  <a:srgbClr val="A31515"/>
+                </a:solidFill>
+                <a:latin typeface="Consolas" panose="020B0609020204030204" pitchFamily="49" charset="0"/>
+              </a:rPr>
+              <a:t>“</a:t>
+            </a:r>
+            <a:r>
+              <a:rPr lang="es-ES" sz="1600" dirty="0" err="1">
+                <a:solidFill>
+                  <a:srgbClr val="A31515"/>
+                </a:solidFill>
+                <a:latin typeface="Consolas" panose="020B0609020204030204" pitchFamily="49" charset="0"/>
+              </a:rPr>
+              <a:t>Belgica</a:t>
+            </a:r>
+            <a:r>
+              <a:rPr lang="es-ES" sz="1600" dirty="0">
+                <a:solidFill>
+                  <a:srgbClr val="A31515"/>
+                </a:solidFill>
+                <a:latin typeface="Consolas" panose="020B0609020204030204" pitchFamily="49" charset="0"/>
+              </a:rPr>
+              <a:t>: {0}\</a:t>
+            </a:r>
+            <a:r>
+              <a:rPr lang="es-ES" sz="1600" dirty="0" err="1">
+                <a:solidFill>
+                  <a:srgbClr val="A31515"/>
+                </a:solidFill>
+                <a:latin typeface="Consolas" panose="020B0609020204030204" pitchFamily="49" charset="0"/>
+              </a:rPr>
+              <a:t>tAlemania</a:t>
+            </a:r>
+            <a:r>
+              <a:rPr lang="es-ES" sz="1600" dirty="0">
+                <a:solidFill>
+                  <a:srgbClr val="A31515"/>
+                </a:solidFill>
+                <a:latin typeface="Consolas" panose="020B0609020204030204" pitchFamily="49" charset="0"/>
+              </a:rPr>
+              <a:t>: {1}\</a:t>
+            </a:r>
+            <a:r>
+              <a:rPr lang="es-ES" sz="1600" dirty="0" err="1">
+                <a:solidFill>
+                  <a:srgbClr val="A31515"/>
+                </a:solidFill>
+                <a:latin typeface="Consolas" panose="020B0609020204030204" pitchFamily="49" charset="0"/>
+              </a:rPr>
+              <a:t>tFrnacia</a:t>
+            </a:r>
+            <a:r>
+              <a:rPr lang="es-ES" sz="1600" dirty="0">
+                <a:solidFill>
+                  <a:srgbClr val="A31515"/>
+                </a:solidFill>
+                <a:latin typeface="Consolas" panose="020B0609020204030204" pitchFamily="49" charset="0"/>
+              </a:rPr>
+              <a:t>: {2}\</a:t>
+            </a:r>
+            <a:r>
+              <a:rPr lang="es-ES" sz="1600" dirty="0" err="1">
+                <a:solidFill>
+                  <a:srgbClr val="A31515"/>
+                </a:solidFill>
+                <a:latin typeface="Consolas" panose="020B0609020204030204" pitchFamily="49" charset="0"/>
+              </a:rPr>
+              <a:t>tHolanda</a:t>
+            </a:r>
+            <a:r>
+              <a:rPr lang="es-ES" sz="1600" dirty="0">
+                <a:solidFill>
+                  <a:srgbClr val="A31515"/>
+                </a:solidFill>
+                <a:latin typeface="Consolas" panose="020B0609020204030204" pitchFamily="49" charset="0"/>
+              </a:rPr>
+              <a:t>: {3}"</a:t>
+            </a:r>
+            <a:r>
+              <a:rPr lang="es-ES" sz="1600" dirty="0">
+                <a:solidFill>
+                  <a:srgbClr val="000000"/>
+                </a:solidFill>
+                <a:latin typeface="Consolas" panose="020B0609020204030204" pitchFamily="49" charset="0"/>
+              </a:rPr>
+              <a:t>, be, al, </a:t>
+            </a:r>
+            <a:r>
+              <a:rPr lang="es-ES" sz="1600" dirty="0" err="1">
+                <a:solidFill>
+                  <a:srgbClr val="000000"/>
+                </a:solidFill>
+                <a:latin typeface="Consolas" panose="020B0609020204030204" pitchFamily="49" charset="0"/>
+              </a:rPr>
+              <a:t>fr</a:t>
+            </a:r>
+            <a:r>
+              <a:rPr lang="es-ES" sz="1600" dirty="0">
+                <a:solidFill>
+                  <a:srgbClr val="000000"/>
+                </a:solidFill>
+                <a:latin typeface="Consolas" panose="020B0609020204030204" pitchFamily="49" charset="0"/>
+              </a:rPr>
+              <a:t>, hl));</a:t>
+            </a:r>
+          </a:p>
+          <a:p>
+            <a:r>
+              <a:rPr lang="es-ES" sz="1600" dirty="0">
+                <a:solidFill>
+                  <a:srgbClr val="000000"/>
+                </a:solidFill>
+                <a:latin typeface="Consolas" panose="020B0609020204030204" pitchFamily="49" charset="0"/>
+              </a:rPr>
+              <a:t>        </a:t>
+            </a:r>
+            <a:r>
+              <a:rPr lang="es-ES" sz="1600" dirty="0" err="1">
+                <a:solidFill>
+                  <a:srgbClr val="000000"/>
+                </a:solidFill>
+                <a:latin typeface="Consolas" panose="020B0609020204030204" pitchFamily="49" charset="0"/>
+              </a:rPr>
+              <a:t>solution.GetNext</a:t>
+            </a:r>
+            <a:r>
+              <a:rPr lang="es-ES" sz="1600" dirty="0">
+                <a:solidFill>
+                  <a:srgbClr val="000000"/>
+                </a:solidFill>
+                <a:latin typeface="Consolas" panose="020B0609020204030204" pitchFamily="49" charset="0"/>
+              </a:rPr>
+              <a:t>();</a:t>
+            </a:r>
+          </a:p>
+          <a:p>
+            <a:r>
+              <a:rPr lang="es-ES" sz="1600" dirty="0">
+                <a:solidFill>
+                  <a:srgbClr val="000000"/>
+                </a:solidFill>
+                <a:latin typeface="Consolas" panose="020B0609020204030204" pitchFamily="49" charset="0"/>
+              </a:rPr>
+              <a:t>    }</a:t>
+            </a:r>
+          </a:p>
+          <a:p>
+            <a:r>
+              <a:rPr lang="es-ES" sz="1600" dirty="0">
+                <a:solidFill>
+                  <a:srgbClr val="000000"/>
+                </a:solidFill>
+                <a:latin typeface="Consolas" panose="020B0609020204030204" pitchFamily="49" charset="0"/>
+              </a:rPr>
+              <a:t>}</a:t>
+            </a:r>
+          </a:p>
+        </p:txBody>
+      </p:sp>
+    </p:spTree>
+    <p:extLst>
+      <p:ext uri="{BB962C8B-B14F-4D97-AF65-F5344CB8AC3E}">
+        <p14:creationId xmlns:p14="http://schemas.microsoft.com/office/powerpoint/2010/main" val="3559381407"/>
+      </p:ext>
+    </p:extLst>
+  </p:cSld>
+  <p:clrMapOvr>
+    <a:masterClrMapping/>
+  </p:clrMapOvr>
+</p:sld>
+</file>
+
+<file path=ppt/slides/slide13.xml><?xml version="1.0" encoding="utf-8"?>
+<p:sld xmlns:a="http://schemas.openxmlformats.org/drawingml/2006/main" xmlns:r="http://schemas.openxmlformats.org/officeDocument/2006/relationships" xmlns:p="http://schemas.openxmlformats.org/presentationml/2006/main">
+  <p:cSld>
+    <p:spTree>
+      <p:nvGrpSpPr>
+        <p:cNvPr id="1" name=""/>
+        <p:cNvGrpSpPr/>
+        <p:nvPr/>
+      </p:nvGrpSpPr>
+      <p:grpSpPr>
+        <a:xfrm>
+          <a:off x="0" y="0"/>
+          <a:ext cx="0" cy="0"/>
+          <a:chOff x="0" y="0"/>
+          <a:chExt cx="0" cy="0"/>
+        </a:xfrm>
+      </p:grpSpPr>
+      <p:sp>
+        <p:nvSpPr>
           <p:cNvPr id="6" name="Título 5">
             <a:extLst>
               <a:ext uri="{FF2B5EF4-FFF2-40B4-BE49-F238E27FC236}">
@@ -7085,7 +8020,12 @@
             <p:ph type="title"/>
           </p:nvPr>
         </p:nvSpPr>
-        <p:spPr/>
+        <p:spPr>
+          <a:xfrm>
+            <a:off x="839788" y="365125"/>
+            <a:ext cx="10515600" cy="1325563"/>
+          </a:xfrm>
+        </p:spPr>
         <p:txBody>
           <a:bodyPr/>
           <a:lstStyle/>
@@ -7115,8 +8055,8 @@
         </p:nvSpPr>
         <p:spPr>
           <a:xfrm>
-            <a:off x="839788" y="3679442"/>
-            <a:ext cx="5157787" cy="823912"/>
+            <a:off x="3036775" y="1690688"/>
+            <a:ext cx="2860463" cy="823912"/>
           </a:xfrm>
         </p:spPr>
         <p:txBody>
@@ -7160,7 +8100,7 @@
         </p:blipFill>
         <p:spPr>
           <a:xfrm>
-            <a:off x="1576387" y="4503354"/>
+            <a:off x="3773374" y="2514600"/>
             <a:ext cx="1514054" cy="1514054"/>
           </a:xfrm>
         </p:spPr>
@@ -7183,8 +8123,8 @@
         </p:nvSpPr>
         <p:spPr>
           <a:xfrm>
-            <a:off x="6172200" y="3679442"/>
-            <a:ext cx="5183188" cy="823912"/>
+            <a:off x="6087296" y="1690688"/>
+            <a:ext cx="3033010" cy="823912"/>
           </a:xfrm>
         </p:spPr>
         <p:txBody>
@@ -7228,7 +8168,7 @@
         </p:blipFill>
         <p:spPr>
           <a:xfrm>
-            <a:off x="6921500" y="4503354"/>
+            <a:off x="6836596" y="2514600"/>
             <a:ext cx="1514054" cy="1514054"/>
           </a:xfrm>
         </p:spPr>
@@ -7247,7 +8187,7 @@
         </p:nvSpPr>
         <p:spPr>
           <a:xfrm>
-            <a:off x="6351474" y="6123543"/>
+            <a:off x="6266570" y="4134789"/>
             <a:ext cx="3033010" cy="369332"/>
           </a:xfrm>
           <a:prstGeom prst="rect">
@@ -7261,10 +8201,6 @@
           </a:bodyPr>
           <a:lstStyle/>
           <a:p>
-            <a:r>
-              <a:rPr lang="es-ES" dirty="0"/>
-              <a:t> </a:t>
-            </a:r>
             <a:r>
               <a:rPr lang="es-ES" dirty="0">
                 <a:hlinkClick r:id="rId4"/>
@@ -7289,7 +8225,7 @@
         </p:nvSpPr>
         <p:spPr>
           <a:xfrm>
-            <a:off x="839788" y="6123543"/>
+            <a:off x="3036775" y="4134789"/>
             <a:ext cx="2860463" cy="369332"/>
           </a:xfrm>
           <a:prstGeom prst="rect">
@@ -7344,7 +8280,7 @@
         </p:blipFill>
         <p:spPr>
           <a:xfrm>
-            <a:off x="5982142" y="6123543"/>
+            <a:off x="5897238" y="4134789"/>
             <a:ext cx="369332" cy="369332"/>
           </a:xfrm>
           <a:prstGeom prst="rect">
@@ -7380,7 +8316,7 @@
         </p:blipFill>
         <p:spPr>
           <a:xfrm>
-            <a:off x="470456" y="6123543"/>
+            <a:off x="2667443" y="4134789"/>
             <a:ext cx="369332" cy="369332"/>
           </a:xfrm>
           <a:prstGeom prst="rect">
@@ -7402,7 +8338,7 @@
         </p:nvSpPr>
         <p:spPr>
           <a:xfrm>
-            <a:off x="6096000" y="2514600"/>
+            <a:off x="6266570" y="5325677"/>
             <a:ext cx="5549083" cy="646331"/>
           </a:xfrm>
           <a:prstGeom prst="rect">
@@ -7558,19 +8494,10 @@
             </a:r>
           </a:p>
           <a:p>
-            <a:pPr lvl="1"/>
-            <a:endParaRPr lang="es-ES" dirty="0"/>
-          </a:p>
-          <a:p>
-            <a:pPr lvl="1"/>
-            <a:r>
-              <a:rPr lang="es-ES" dirty="0"/>
-              <a:t>Descontinuado desde 2012</a:t>
-            </a:r>
-          </a:p>
-          <a:p>
-            <a:pPr lvl="1"/>
-            <a:endParaRPr lang="es-ES" dirty="0"/>
+            <a:r>
+              <a:rPr lang="es-ES" dirty="0"/>
+              <a:t>Instalación</a:t>
+            </a:r>
           </a:p>
           <a:p>
             <a:pPr lvl="1"/>
@@ -7591,19 +8518,28 @@
               <a:t>Instalador </a:t>
             </a:r>
             <a:r>
-              <a:rPr lang="es-ES" b="1" dirty="0">
+              <a:rPr lang="es-ES" dirty="0">
                 <a:hlinkClick r:id="rId3"/>
               </a:rPr>
               <a:t>http://xurl.es/36dzi</a:t>
             </a:r>
             <a:r>
-              <a:rPr lang="es-ES" b="1" dirty="0"/>
+              <a:rPr lang="es-ES" dirty="0"/>
               <a:t> </a:t>
             </a:r>
           </a:p>
           <a:p>
+            <a:r>
+              <a:rPr lang="es-ES" dirty="0"/>
+              <a:t>Mas información</a:t>
+            </a:r>
+          </a:p>
+          <a:p>
             <a:pPr lvl="1"/>
-            <a:endParaRPr lang="es-ES" b="1" dirty="0"/>
+            <a:r>
+              <a:rPr lang="es-ES" dirty="0"/>
+              <a:t>Descontinuado desde el 2012</a:t>
+            </a:r>
           </a:p>
           <a:p>
             <a:pPr lvl="1"/>
@@ -7612,16 +8548,15 @@
               <a:t>Documentación </a:t>
             </a:r>
             <a:r>
-              <a:rPr lang="es-ES" b="1" dirty="0">
+              <a:rPr lang="es-ES" dirty="0">
                 <a:hlinkClick r:id="rId4"/>
               </a:rPr>
               <a:t>http://xurl.es/09khe</a:t>
             </a:r>
             <a:r>
-              <a:rPr lang="es-ES" b="1" dirty="0"/>
+              <a:rPr lang="es-ES" dirty="0"/>
               <a:t> </a:t>
             </a:r>
-            <a:endParaRPr lang="es-ES" dirty="0"/>
           </a:p>
         </p:txBody>
       </p:sp>
@@ -7639,7 +8574,7 @@
 </file>
 
 <file path=ppt/slides/slide3.xml><?xml version="1.0" encoding="utf-8"?>
-<p:sld xmlns:a="http://schemas.openxmlformats.org/drawingml/2006/main" xmlns:r="http://schemas.openxmlformats.org/officeDocument/2006/relationships" xmlns:p="http://schemas.openxmlformats.org/presentationml/2006/main">
+<p:sld xmlns:a="http://schemas.openxmlformats.org/drawingml/2006/main" xmlns:r="http://schemas.openxmlformats.org/officeDocument/2006/relationships" xmlns:p="http://schemas.openxmlformats.org/presentationml/2006/main" show="0">
   <p:cSld>
     <p:spTree>
       <p:nvGrpSpPr>
@@ -7722,7 +8657,7 @@
             <a:pPr lvl="1"/>
             <a:r>
               <a:rPr lang="es-ES" dirty="0"/>
-              <a:t>Simplex		</a:t>
+              <a:t>Simplex</a:t>
             </a:r>
             <a:endParaRPr lang="es-ES" u="sng" dirty="0"/>
           </a:p>
@@ -7730,14 +8665,14 @@
             <a:pPr lvl="1"/>
             <a:r>
               <a:rPr lang="es-ES" dirty="0"/>
-              <a:t>Lineales		</a:t>
+              <a:t>Lineales</a:t>
             </a:r>
           </a:p>
           <a:p>
             <a:pPr lvl="1"/>
             <a:r>
               <a:rPr lang="es-ES" dirty="0"/>
-              <a:t>No lineales	</a:t>
+              <a:t>No lineales</a:t>
             </a:r>
           </a:p>
           <a:p>
@@ -7803,10 +8738,10 @@
       </p:grpSpPr>
       <p:sp>
         <p:nvSpPr>
-          <p:cNvPr id="2" name="Título 1">
+          <p:cNvPr id="4" name="Título 3">
             <a:extLst>
               <a:ext uri="{FF2B5EF4-FFF2-40B4-BE49-F238E27FC236}">
-                <a16:creationId xmlns:a16="http://schemas.microsoft.com/office/drawing/2014/main" id="{2A6E65A0-A6D2-468B-8DA1-0D5E4C493EC2}"/>
+                <a16:creationId xmlns:a16="http://schemas.microsoft.com/office/drawing/2014/main" id="{2D1BBA1E-F296-4966-88E6-46FA37DDE2BB}"/>
               </a:ext>
             </a:extLst>
           </p:cNvPr>
@@ -7824,7 +8759,7 @@
           <a:p>
             <a:r>
               <a:rPr lang="es-ES" dirty="0" err="1"/>
-              <a:t>ConstraintSystem</a:t>
+              <a:t>Solvers</a:t>
             </a:r>
             <a:endParaRPr lang="es-ES" dirty="0"/>
           </a:p>
@@ -7835,7 +8770,7 @@
           <p:cNvPr id="5" name="Marcador de contenido 4">
             <a:extLst>
               <a:ext uri="{FF2B5EF4-FFF2-40B4-BE49-F238E27FC236}">
-                <a16:creationId xmlns:a16="http://schemas.microsoft.com/office/drawing/2014/main" id="{5C6FD143-D5BC-4919-92B4-392A290B7E0E}"/>
+                <a16:creationId xmlns:a16="http://schemas.microsoft.com/office/drawing/2014/main" id="{BE4C88A8-1034-4E95-9653-40735B870C3A}"/>
               </a:ext>
             </a:extLst>
           </p:cNvPr>
@@ -7846,57 +8781,45 @@
             <p:ph sz="half" idx="1"/>
           </p:nvPr>
         </p:nvSpPr>
-        <p:spPr/>
-        <p:txBody>
-          <a:bodyPr>
-            <a:normAutofit/>
-          </a:bodyPr>
+        <p:spPr>
+          <a:xfrm>
+            <a:off x="838200" y="1825625"/>
+            <a:ext cx="7593106" cy="4351338"/>
+          </a:xfrm>
+        </p:spPr>
+        <p:txBody>
+          <a:bodyPr/>
           <a:lstStyle/>
           <a:p>
             <a:r>
               <a:rPr lang="es-ES" dirty="0"/>
-              <a:t>Dominios</a:t>
-            </a:r>
+              <a:t>Diferentes problemas, diferentes </a:t>
+            </a:r>
+            <a:r>
+              <a:rPr lang="es-ES" dirty="0" err="1"/>
+              <a:t>solvers</a:t>
+            </a:r>
+            <a:endParaRPr lang="es-ES" dirty="0"/>
           </a:p>
           <a:p>
             <a:pPr lvl="1"/>
             <a:r>
-              <a:rPr lang="es-ES" dirty="0" err="1"/>
-              <a:t>CspDomain</a:t>
-            </a:r>
-            <a:endParaRPr lang="es-ES" dirty="0"/>
-          </a:p>
-          <a:p>
-            <a:pPr lvl="2"/>
-            <a:r>
-              <a:rPr lang="es-ES" dirty="0" err="1"/>
-              <a:t>Boolean</a:t>
-            </a:r>
-            <a:endParaRPr lang="es-ES" dirty="0"/>
-          </a:p>
-          <a:p>
-            <a:pPr lvl="2"/>
-            <a:r>
-              <a:rPr lang="es-ES" dirty="0"/>
-              <a:t>Enteros</a:t>
-            </a:r>
-          </a:p>
-          <a:p>
-            <a:pPr lvl="2"/>
-            <a:r>
-              <a:rPr lang="es-ES" dirty="0"/>
-              <a:t>Reales</a:t>
-            </a:r>
-          </a:p>
-          <a:p>
-            <a:pPr lvl="2"/>
-            <a:r>
-              <a:rPr lang="es-ES" dirty="0" err="1"/>
-              <a:t>Double</a:t>
-            </a:r>
-            <a:r>
-              <a:rPr lang="es-ES" dirty="0"/>
-              <a:t> (Reales con doble precisión)</a:t>
+              <a:rPr lang="es-ES" dirty="0"/>
+              <a:t>Simplex</a:t>
+            </a:r>
+          </a:p>
+          <a:p>
+            <a:pPr lvl="1"/>
+            <a:r>
+              <a:rPr lang="es-ES" dirty="0"/>
+              <a:t>Lineales</a:t>
+            </a:r>
+          </a:p>
+          <a:p>
+            <a:pPr lvl="1"/>
+            <a:r>
+              <a:rPr lang="es-ES" dirty="0"/>
+              <a:t>No lineales</a:t>
             </a:r>
           </a:p>
         </p:txBody>
@@ -7906,7 +8829,7 @@
           <p:cNvPr id="6" name="Marcador de contenido 5">
             <a:extLst>
               <a:ext uri="{FF2B5EF4-FFF2-40B4-BE49-F238E27FC236}">
-                <a16:creationId xmlns:a16="http://schemas.microsoft.com/office/drawing/2014/main" id="{1F6A7091-8862-4125-A784-9FC111230730}"/>
+                <a16:creationId xmlns:a16="http://schemas.microsoft.com/office/drawing/2014/main" id="{51247D58-D427-4196-9C9C-A2D480DA350D}"/>
               </a:ext>
             </a:extLst>
           </p:cNvPr>
@@ -7917,83 +8840,35 @@
             <p:ph sz="half" idx="2"/>
           </p:nvPr>
         </p:nvSpPr>
-        <p:spPr/>
-        <p:txBody>
-          <a:bodyPr>
-            <a:normAutofit/>
-          </a:bodyPr>
+        <p:spPr>
+          <a:xfrm>
+            <a:off x="6172200" y="2272963"/>
+            <a:ext cx="5181600" cy="1213411"/>
+          </a:xfrm>
+        </p:spPr>
+        <p:txBody>
+          <a:bodyPr/>
           <a:lstStyle/>
           <a:p>
-            <a:r>
-              <a:rPr lang="es-ES" dirty="0"/>
-              <a:t>Variables</a:t>
-            </a:r>
-          </a:p>
-          <a:p>
             <a:pPr lvl="1"/>
             <a:r>
               <a:rPr lang="es-ES" dirty="0" err="1"/>
-              <a:t>CpsTerm</a:t>
+              <a:t>Constraints</a:t>
             </a:r>
             <a:endParaRPr lang="es-ES" dirty="0"/>
           </a:p>
           <a:p>
-            <a:pPr lvl="2"/>
-            <a:r>
-              <a:rPr lang="es-ES" dirty="0"/>
-              <a:t>Constantes</a:t>
-            </a:r>
-          </a:p>
-          <a:p>
-            <a:pPr lvl="2"/>
-            <a:r>
-              <a:rPr lang="es-ES" dirty="0"/>
-              <a:t>Variables </a:t>
-            </a:r>
-          </a:p>
-          <a:p>
             <a:pPr lvl="1"/>
-            <a:endParaRPr lang="es-ES" dirty="0"/>
+            <a:r>
+              <a:rPr lang="es-ES" dirty="0"/>
+              <a:t>Genérico</a:t>
+            </a:r>
           </a:p>
           <a:p>
             <a:pPr lvl="1"/>
             <a:r>
-              <a:rPr lang="es-ES" dirty="0" err="1"/>
-              <a:t>CpsTerm</a:t>
-            </a:r>
-            <a:r>
-              <a:rPr lang="es-ES" dirty="0"/>
-              <a:t> []</a:t>
-            </a:r>
-          </a:p>
-          <a:p>
-            <a:pPr lvl="2"/>
-            <a:r>
-              <a:rPr lang="es-ES" dirty="0" err="1"/>
-              <a:t>Arrays</a:t>
-            </a:r>
-            <a:endParaRPr lang="es-ES" dirty="0"/>
-          </a:p>
-          <a:p>
-            <a:pPr lvl="1"/>
-            <a:endParaRPr lang="es-ES" dirty="0"/>
-          </a:p>
-          <a:p>
-            <a:pPr lvl="1"/>
-            <a:r>
-              <a:rPr lang="es-ES" dirty="0" err="1"/>
-              <a:t>CpsTerm</a:t>
-            </a:r>
-            <a:r>
-              <a:rPr lang="es-ES" dirty="0"/>
-              <a:t>[][]</a:t>
-            </a:r>
-          </a:p>
-          <a:p>
-            <a:pPr lvl="2"/>
-            <a:r>
-              <a:rPr lang="es-ES" dirty="0"/>
-              <a:t>Matrices</a:t>
+              <a:rPr lang="es-ES" dirty="0"/>
+              <a:t>De terceros</a:t>
             </a:r>
           </a:p>
         </p:txBody>
@@ -8001,7 +8876,7 @@
     </p:spTree>
     <p:extLst>
       <p:ext uri="{BB962C8B-B14F-4D97-AF65-F5344CB8AC3E}">
-        <p14:creationId xmlns:p14="http://schemas.microsoft.com/office/powerpoint/2010/main" val="1242763647"/>
+        <p14:creationId xmlns:p14="http://schemas.microsoft.com/office/powerpoint/2010/main" val="641063502"/>
       </p:ext>
     </p:extLst>
   </p:cSld>
@@ -8033,7 +8908,7 @@
           <p:cNvPr id="2" name="Título 1">
             <a:extLst>
               <a:ext uri="{FF2B5EF4-FFF2-40B4-BE49-F238E27FC236}">
-                <a16:creationId xmlns:a16="http://schemas.microsoft.com/office/drawing/2014/main" id="{32EFB992-2C30-4EAF-BEBE-3956E22AED80}"/>
+                <a16:creationId xmlns:a16="http://schemas.microsoft.com/office/drawing/2014/main" id="{2A6E65A0-A6D2-468B-8DA1-0D5E4C493EC2}"/>
               </a:ext>
             </a:extLst>
           </p:cNvPr>
@@ -8062,7 +8937,7 @@
           <p:cNvPr id="5" name="Marcador de contenido 4">
             <a:extLst>
               <a:ext uri="{FF2B5EF4-FFF2-40B4-BE49-F238E27FC236}">
-                <a16:creationId xmlns:a16="http://schemas.microsoft.com/office/drawing/2014/main" id="{3439BB0B-C629-40B8-82D2-FF38350C8542}"/>
+                <a16:creationId xmlns:a16="http://schemas.microsoft.com/office/drawing/2014/main" id="{5C6FD143-D5BC-4919-92B4-392A290B7E0E}"/>
               </a:ext>
             </a:extLst>
           </p:cNvPr>
@@ -8070,195 +8945,157 @@
             <a:spLocks noGrp="1"/>
           </p:cNvSpPr>
           <p:nvPr>
-            <p:ph idx="1"/>
-          </p:nvPr>
-        </p:nvSpPr>
-        <p:spPr>
-          <a:xfrm>
-            <a:off x="838200" y="1825625"/>
-            <a:ext cx="10515600" cy="2107746"/>
-          </a:xfrm>
-        </p:spPr>
-        <p:txBody>
-          <a:bodyPr/>
+            <p:ph sz="half" idx="1"/>
+          </p:nvPr>
+        </p:nvSpPr>
+        <p:spPr/>
+        <p:txBody>
+          <a:bodyPr>
+            <a:normAutofit/>
+          </a:bodyPr>
           <a:lstStyle/>
           <a:p>
             <a:r>
               <a:rPr lang="es-ES" dirty="0"/>
-              <a:t>Restricciones</a:t>
+              <a:t>Dominios</a:t>
             </a:r>
           </a:p>
           <a:p>
             <a:pPr lvl="1"/>
             <a:r>
-              <a:rPr lang="es-ES" dirty="0"/>
-              <a:t>Se agregan al </a:t>
-            </a:r>
-            <a:r>
               <a:rPr lang="es-ES" dirty="0" err="1"/>
-              <a:t>solver</a:t>
-            </a:r>
-            <a:r>
-              <a:rPr lang="es-ES" dirty="0"/>
-              <a:t> invocando </a:t>
-            </a:r>
+              <a:t>CspDomain</a:t>
+            </a:r>
+            <a:endParaRPr lang="es-ES" dirty="0"/>
+          </a:p>
+          <a:p>
+            <a:pPr lvl="2"/>
             <a:r>
               <a:rPr lang="es-ES" dirty="0" err="1"/>
-              <a:t>AddConstraint</a:t>
-            </a:r>
-            <a:r>
-              <a:rPr lang="es-ES" dirty="0"/>
-              <a:t>()</a:t>
-            </a:r>
-          </a:p>
-          <a:p>
-            <a:pPr lvl="1"/>
-            <a:r>
-              <a:rPr lang="es-ES" dirty="0"/>
-              <a:t>Solo </a:t>
-            </a:r>
+              <a:t>Boolean</a:t>
+            </a:r>
+            <a:endParaRPr lang="es-ES" dirty="0"/>
+          </a:p>
+          <a:p>
+            <a:pPr lvl="2"/>
+            <a:r>
+              <a:rPr lang="es-ES" dirty="0"/>
+              <a:t>Enteros</a:t>
+            </a:r>
+          </a:p>
+          <a:p>
+            <a:pPr lvl="2"/>
+            <a:r>
+              <a:rPr lang="es-ES" dirty="0"/>
+              <a:t>Reales</a:t>
+            </a:r>
+          </a:p>
+          <a:p>
+            <a:pPr lvl="2"/>
             <a:r>
               <a:rPr lang="es-ES" dirty="0" err="1"/>
-              <a:t>Hard</a:t>
-            </a:r>
-            <a:r>
-              <a:rPr lang="es-ES" dirty="0"/>
-              <a:t> </a:t>
-            </a:r>
-            <a:r>
-              <a:rPr lang="es-ES" dirty="0" err="1"/>
-              <a:t>Constraint</a:t>
-            </a:r>
-            <a:endParaRPr lang="es-ES" dirty="0"/>
-          </a:p>
-          <a:p>
-            <a:pPr lvl="1"/>
-            <a:r>
-              <a:rPr lang="es-ES" dirty="0"/>
-              <a:t>Para crear </a:t>
-            </a:r>
-            <a:r>
-              <a:rPr lang="es-ES" dirty="0" err="1"/>
-              <a:t>Soft</a:t>
-            </a:r>
-            <a:r>
-              <a:rPr lang="es-ES" dirty="0"/>
-              <a:t> </a:t>
-            </a:r>
-            <a:r>
-              <a:rPr lang="es-ES" dirty="0" err="1"/>
-              <a:t>Constraint</a:t>
-            </a:r>
-            <a:r>
-              <a:rPr lang="es-ES" dirty="0"/>
-              <a:t> tenemos que ponernos creativos</a:t>
-            </a:r>
-          </a:p>
-          <a:p>
-            <a:pPr lvl="2"/>
-            <a:r>
-              <a:rPr lang="es-ES" dirty="0"/>
-              <a:t>d == 1 – ocupado</a:t>
-            </a:r>
-          </a:p>
-          <a:p>
-            <a:endParaRPr lang="es-ES" dirty="0"/>
-          </a:p>
-        </p:txBody>
-      </p:sp>
-      <p:sp>
-        <p:nvSpPr>
-          <p:cNvPr id="6" name="CuadroTexto 5">
+              <a:t>Double</a:t>
+            </a:r>
+            <a:r>
+              <a:rPr lang="es-ES" dirty="0"/>
+              <a:t> (Reales con doble precisión)</a:t>
+            </a:r>
+          </a:p>
+        </p:txBody>
+      </p:sp>
+      <p:sp>
+        <p:nvSpPr>
+          <p:cNvPr id="6" name="Marcador de contenido 5">
             <a:extLst>
               <a:ext uri="{FF2B5EF4-FFF2-40B4-BE49-F238E27FC236}">
-                <a16:creationId xmlns:a16="http://schemas.microsoft.com/office/drawing/2014/main" id="{E76BC3E1-C1AA-4E60-8A01-03548C28054A}"/>
+                <a16:creationId xmlns:a16="http://schemas.microsoft.com/office/drawing/2014/main" id="{1F6A7091-8862-4125-A784-9FC111230730}"/>
               </a:ext>
             </a:extLst>
           </p:cNvPr>
-          <p:cNvSpPr txBox="1"/>
-          <p:nvPr/>
-        </p:nvSpPr>
-        <p:spPr>
-          <a:xfrm>
-            <a:off x="2810759" y="4392890"/>
-            <a:ext cx="6570482" cy="1754326"/>
-          </a:xfrm>
-          <a:prstGeom prst="rect">
-            <a:avLst/>
-          </a:prstGeom>
-          <a:noFill/>
-        </p:spPr>
-        <p:txBody>
-          <a:bodyPr wrap="square" rtlCol="0">
-            <a:spAutoFit/>
+          <p:cNvSpPr>
+            <a:spLocks noGrp="1"/>
+          </p:cNvSpPr>
+          <p:nvPr>
+            <p:ph sz="half" idx="2"/>
+          </p:nvPr>
+        </p:nvSpPr>
+        <p:spPr/>
+        <p:txBody>
+          <a:bodyPr>
+            <a:normAutofit/>
           </a:bodyPr>
           <a:lstStyle/>
           <a:p>
             <a:r>
+              <a:rPr lang="es-ES" dirty="0"/>
+              <a:t>Variables</a:t>
+            </a:r>
+          </a:p>
+          <a:p>
+            <a:pPr lvl="1"/>
+            <a:r>
               <a:rPr lang="es-ES" dirty="0" err="1"/>
-              <a:t>CspTerm</a:t>
-            </a:r>
-            <a:r>
-              <a:rPr lang="es-ES" dirty="0"/>
-              <a:t>[] tablero;</a:t>
-            </a:r>
-          </a:p>
-          <a:p>
+              <a:t>CpsTerm</a:t>
+            </a:r>
+            <a:endParaRPr lang="es-ES" dirty="0"/>
+          </a:p>
+          <a:p>
+            <a:pPr lvl="2"/>
+            <a:r>
+              <a:rPr lang="es-ES" dirty="0"/>
+              <a:t>Constantes</a:t>
+            </a:r>
+          </a:p>
+          <a:p>
+            <a:pPr lvl="2"/>
+            <a:r>
+              <a:rPr lang="es-ES" dirty="0"/>
+              <a:t>Variables </a:t>
+            </a:r>
+          </a:p>
+          <a:p>
+            <a:pPr lvl="1"/>
+            <a:endParaRPr lang="es-ES" dirty="0"/>
+          </a:p>
+          <a:p>
+            <a:pPr lvl="1"/>
             <a:r>
               <a:rPr lang="es-ES" dirty="0" err="1"/>
-              <a:t>S.AddConstraints</a:t>
-            </a:r>
-            <a:r>
-              <a:rPr lang="es-ES" dirty="0"/>
-              <a:t>(</a:t>
-            </a:r>
-          </a:p>
-          <a:p>
-            <a:r>
-              <a:rPr lang="es-ES" dirty="0"/>
-              <a:t>                        </a:t>
-            </a:r>
+              <a:t>CpsTerm</a:t>
+            </a:r>
+            <a:r>
+              <a:rPr lang="es-ES" dirty="0"/>
+              <a:t> []</a:t>
+            </a:r>
+          </a:p>
+          <a:p>
+            <a:pPr lvl="2"/>
             <a:r>
               <a:rPr lang="es-ES" dirty="0" err="1"/>
-              <a:t>S.Unequal</a:t>
-            </a:r>
-            <a:r>
-              <a:rPr lang="es-ES" dirty="0"/>
-              <a:t>(tablero[i], tablero[j]) // Fila</a:t>
-            </a:r>
-          </a:p>
-          <a:p>
-            <a:r>
-              <a:rPr lang="es-ES" dirty="0"/>
-              <a:t>                        , </a:t>
-            </a:r>
+              <a:t>Arrays</a:t>
+            </a:r>
+            <a:endParaRPr lang="es-ES" dirty="0"/>
+          </a:p>
+          <a:p>
+            <a:pPr lvl="1"/>
+            <a:endParaRPr lang="es-ES" dirty="0"/>
+          </a:p>
+          <a:p>
+            <a:pPr lvl="1"/>
             <a:r>
               <a:rPr lang="es-ES" dirty="0" err="1"/>
-              <a:t>S.Unequal</a:t>
-            </a:r>
-            <a:r>
-              <a:rPr lang="es-ES" dirty="0"/>
-              <a:t>(tablero[j] + (j - i), tablero[i]) // Diagonal 1</a:t>
-            </a:r>
-          </a:p>
-          <a:p>
-            <a:r>
-              <a:rPr lang="es-ES" dirty="0"/>
-              <a:t>                        , </a:t>
-            </a:r>
-            <a:r>
-              <a:rPr lang="es-ES" dirty="0" err="1"/>
-              <a:t>S.Unequal</a:t>
-            </a:r>
-            <a:r>
-              <a:rPr lang="es-ES" dirty="0"/>
-              <a:t>(tablero[j] - (j - i), tablero[i]) // Diagonal 2</a:t>
-            </a:r>
-          </a:p>
-          <a:p>
-            <a:r>
-              <a:rPr lang="es-ES" dirty="0"/>
-              <a:t>                        );</a:t>
+              <a:t>CpsTerm</a:t>
+            </a:r>
+            <a:r>
+              <a:rPr lang="es-ES" dirty="0"/>
+              <a:t>[][]</a:t>
+            </a:r>
+          </a:p>
+          <a:p>
+            <a:pPr lvl="2"/>
+            <a:r>
+              <a:rPr lang="es-ES" dirty="0"/>
+              <a:t>Matrices</a:t>
             </a:r>
           </a:p>
         </p:txBody>
@@ -8266,7 +9103,7 @@
     </p:spTree>
     <p:extLst>
       <p:ext uri="{BB962C8B-B14F-4D97-AF65-F5344CB8AC3E}">
-        <p14:creationId xmlns:p14="http://schemas.microsoft.com/office/powerpoint/2010/main" val="2260284546"/>
+        <p14:creationId xmlns:p14="http://schemas.microsoft.com/office/powerpoint/2010/main" val="1242763647"/>
       </p:ext>
     </p:extLst>
   </p:cSld>
@@ -8298,7 +9135,7 @@
           <p:cNvPr id="2" name="Título 1">
             <a:extLst>
               <a:ext uri="{FF2B5EF4-FFF2-40B4-BE49-F238E27FC236}">
-                <a16:creationId xmlns:a16="http://schemas.microsoft.com/office/drawing/2014/main" id="{B79BAAA6-367C-4384-8DF7-1FDE238708AF}"/>
+                <a16:creationId xmlns:a16="http://schemas.microsoft.com/office/drawing/2014/main" id="{32EFB992-2C30-4EAF-BEBE-3956E22AED80}"/>
               </a:ext>
             </a:extLst>
           </p:cNvPr>
@@ -8324,10 +9161,10 @@
       </p:sp>
       <p:sp>
         <p:nvSpPr>
-          <p:cNvPr id="3" name="Marcador de contenido 2">
+          <p:cNvPr id="5" name="Marcador de contenido 4">
             <a:extLst>
               <a:ext uri="{FF2B5EF4-FFF2-40B4-BE49-F238E27FC236}">
-                <a16:creationId xmlns:a16="http://schemas.microsoft.com/office/drawing/2014/main" id="{CC5A98C9-1FD1-4AB0-8931-47D8BB94FFA6}"/>
+                <a16:creationId xmlns:a16="http://schemas.microsoft.com/office/drawing/2014/main" id="{3439BB0B-C629-40B8-82D2-FF38350C8542}"/>
               </a:ext>
             </a:extLst>
           </p:cNvPr>
@@ -8338,195 +9175,103 @@
             <p:ph idx="1"/>
           </p:nvPr>
         </p:nvSpPr>
-        <p:spPr/>
+        <p:spPr>
+          <a:xfrm>
+            <a:off x="838200" y="1825625"/>
+            <a:ext cx="10515600" cy="2107746"/>
+          </a:xfrm>
+        </p:spPr>
         <p:txBody>
           <a:bodyPr/>
           <a:lstStyle/>
           <a:p>
-            <a:pPr>
-              <a:lnSpc>
-                <a:spcPct val="150000"/>
-              </a:lnSpc>
-            </a:pPr>
-            <a:r>
-              <a:rPr lang="en-US" dirty="0" err="1"/>
+            <a:r>
+              <a:rPr lang="es-ES" dirty="0"/>
               <a:t>Restricciones</a:t>
             </a:r>
-            <a:endParaRPr lang="en-US" dirty="0"/>
-          </a:p>
-          <a:p>
-            <a:pPr lvl="1">
-              <a:lnSpc>
-                <a:spcPct val="150000"/>
-              </a:lnSpc>
-            </a:pPr>
-            <a:r>
-              <a:rPr lang="en-US" dirty="0" err="1"/>
-              <a:t>AtMostMofN</a:t>
-            </a:r>
-            <a:r>
-              <a:rPr lang="en-US" dirty="0"/>
-              <a:t> ( int M, params </a:t>
-            </a:r>
-            <a:r>
-              <a:rPr lang="en-US" dirty="0" err="1"/>
-              <a:t>CspTerm</a:t>
-            </a:r>
-            <a:r>
-              <a:rPr lang="en-US" dirty="0"/>
-              <a:t>[] inputs )</a:t>
+          </a:p>
+          <a:p>
+            <a:pPr lvl="1"/>
+            <a:r>
+              <a:rPr lang="es-ES" dirty="0"/>
+              <a:t>Se agregan al </a:t>
+            </a:r>
+            <a:r>
+              <a:rPr lang="es-ES" dirty="0" err="1"/>
+              <a:t>solver</a:t>
+            </a:r>
+            <a:r>
+              <a:rPr lang="es-ES" dirty="0"/>
+              <a:t> invocando </a:t>
+            </a:r>
+            <a:r>
+              <a:rPr lang="es-ES" dirty="0" err="1"/>
+              <a:t>AddConstraint</a:t>
+            </a:r>
+            <a:r>
+              <a:rPr lang="es-ES" dirty="0"/>
+              <a:t>()</a:t>
+            </a:r>
+          </a:p>
+          <a:p>
+            <a:pPr lvl="1"/>
+            <a:r>
+              <a:rPr lang="es-ES" dirty="0"/>
+              <a:t>Solo </a:t>
+            </a:r>
+            <a:r>
+              <a:rPr lang="es-ES" dirty="0" err="1"/>
+              <a:t>Hard</a:t>
+            </a:r>
+            <a:r>
+              <a:rPr lang="es-ES" dirty="0"/>
+              <a:t> </a:t>
+            </a:r>
+            <a:r>
+              <a:rPr lang="es-ES" dirty="0" err="1"/>
+              <a:t>Constraint</a:t>
             </a:r>
             <a:endParaRPr lang="es-ES" dirty="0"/>
           </a:p>
           <a:p>
-            <a:pPr lvl="1">
-              <a:lnSpc>
-                <a:spcPct val="150000"/>
-              </a:lnSpc>
-            </a:pPr>
-            <a:r>
-              <a:rPr lang="en-US" dirty="0"/>
-              <a:t>Equal, Unequal ( </a:t>
-            </a:r>
-            <a:r>
-              <a:rPr lang="en-US" dirty="0" err="1"/>
-              <a:t>CspTerm</a:t>
-            </a:r>
-            <a:r>
-              <a:rPr lang="en-US" dirty="0"/>
-              <a:t>[] inputs )</a:t>
-            </a:r>
-          </a:p>
-          <a:p>
-            <a:pPr lvl="1">
-              <a:lnSpc>
-                <a:spcPct val="150000"/>
-              </a:lnSpc>
-            </a:pPr>
-            <a:r>
-              <a:rPr lang="en-US" dirty="0"/>
-              <a:t>Equal, Unequal ( Int constant, </a:t>
-            </a:r>
-            <a:r>
-              <a:rPr lang="en-US" dirty="0" err="1"/>
-              <a:t>CspTerm</a:t>
-            </a:r>
-            <a:r>
-              <a:rPr lang="en-US" dirty="0"/>
-              <a:t>[] inputs )</a:t>
-            </a:r>
-          </a:p>
-          <a:p>
-            <a:pPr lvl="1">
-              <a:lnSpc>
-                <a:spcPct val="150000"/>
-              </a:lnSpc>
-            </a:pPr>
-            <a:r>
-              <a:rPr lang="en-US" dirty="0" err="1"/>
-              <a:t>ExactlyMofN</a:t>
-            </a:r>
-            <a:r>
-              <a:rPr lang="en-US" dirty="0"/>
-              <a:t> ( int M, params </a:t>
-            </a:r>
-            <a:r>
-              <a:rPr lang="en-US" dirty="0" err="1"/>
-              <a:t>CspTerm</a:t>
-            </a:r>
-            <a:r>
-              <a:rPr lang="en-US" dirty="0"/>
-              <a:t>[] inputs )</a:t>
-            </a:r>
-          </a:p>
-          <a:p>
-            <a:pPr lvl="1">
-              <a:lnSpc>
-                <a:spcPct val="150000"/>
-              </a:lnSpc>
-            </a:pPr>
-            <a:r>
-              <a:rPr lang="en-US" dirty="0"/>
-              <a:t>Greater, </a:t>
-            </a:r>
-            <a:r>
-              <a:rPr lang="en-US" dirty="0" err="1"/>
-              <a:t>GreaterEqual</a:t>
-            </a:r>
-            <a:r>
-              <a:rPr lang="en-US" dirty="0"/>
-              <a:t>, Less, </a:t>
-            </a:r>
-            <a:r>
-              <a:rPr lang="en-US" dirty="0" err="1"/>
-              <a:t>LessEqual</a:t>
-            </a:r>
-            <a:r>
-              <a:rPr lang="en-US" dirty="0"/>
-              <a:t> ( </a:t>
-            </a:r>
-            <a:r>
-              <a:rPr lang="en-US" dirty="0" err="1"/>
-              <a:t>CspTerm</a:t>
-            </a:r>
-            <a:r>
-              <a:rPr lang="en-US" dirty="0"/>
-              <a:t>[] inputs )</a:t>
-            </a:r>
-          </a:p>
-          <a:p>
-            <a:pPr lvl="1">
-              <a:lnSpc>
-                <a:spcPct val="150000"/>
-              </a:lnSpc>
-            </a:pPr>
+            <a:pPr lvl="1"/>
+            <a:r>
+              <a:rPr lang="es-ES" dirty="0"/>
+              <a:t>Para crear </a:t>
+            </a:r>
             <a:r>
               <a:rPr lang="es-ES" dirty="0" err="1"/>
-              <a:t>Implies</a:t>
-            </a:r>
-            <a:r>
-              <a:rPr lang="es-ES" dirty="0"/>
-              <a:t> ( </a:t>
+              <a:t>Soft</a:t>
+            </a:r>
+            <a:r>
+              <a:rPr lang="es-ES" dirty="0"/>
+              <a:t> </a:t>
             </a:r>
             <a:r>
               <a:rPr lang="es-ES" dirty="0" err="1"/>
-              <a:t>CspTerm</a:t>
-            </a:r>
-            <a:r>
-              <a:rPr lang="es-ES" dirty="0"/>
-              <a:t> </a:t>
-            </a:r>
-            <a:r>
-              <a:rPr lang="es-ES" dirty="0" err="1"/>
-              <a:t>antecedent</a:t>
-            </a:r>
-            <a:r>
-              <a:rPr lang="es-ES" dirty="0"/>
-              <a:t>, </a:t>
-            </a:r>
-            <a:r>
-              <a:rPr lang="es-ES" dirty="0" err="1"/>
-              <a:t>CspTerm</a:t>
-            </a:r>
-            <a:r>
-              <a:rPr lang="es-ES" dirty="0"/>
-              <a:t> </a:t>
-            </a:r>
-            <a:r>
-              <a:rPr lang="es-ES" dirty="0" err="1"/>
-              <a:t>consequent</a:t>
-            </a:r>
-            <a:r>
-              <a:rPr lang="es-ES" dirty="0"/>
-              <a:t>)</a:t>
-            </a:r>
+              <a:t>Constraint</a:t>
+            </a:r>
+            <a:r>
+              <a:rPr lang="es-ES" dirty="0"/>
+              <a:t> tenemos que ponernos creativos</a:t>
+            </a:r>
+          </a:p>
+          <a:p>
+            <a:pPr lvl="2"/>
+            <a:r>
+              <a:rPr lang="es-ES" dirty="0"/>
+              <a:t>d == 1 – ocupado</a:t>
+            </a:r>
+          </a:p>
+          <a:p>
+            <a:endParaRPr lang="es-ES" dirty="0"/>
           </a:p>
         </p:txBody>
       </p:sp>
     </p:spTree>
     <p:extLst>
       <p:ext uri="{BB962C8B-B14F-4D97-AF65-F5344CB8AC3E}">
-        <p14:creationId xmlns:p14="http://schemas.microsoft.com/office/powerpoint/2010/main" val="366485284"/>
+        <p14:creationId xmlns:p14="http://schemas.microsoft.com/office/powerpoint/2010/main" val="2818072368"/>
       </p:ext>
     </p:extLst>
   </p:cSld>
@@ -8558,7 +9303,7 @@
           <p:cNvPr id="2" name="Título 1">
             <a:extLst>
               <a:ext uri="{FF2B5EF4-FFF2-40B4-BE49-F238E27FC236}">
-                <a16:creationId xmlns:a16="http://schemas.microsoft.com/office/drawing/2014/main" id="{87C3067D-8A9C-45F2-9306-3680BE4FF7CD}"/>
+                <a16:creationId xmlns:a16="http://schemas.microsoft.com/office/drawing/2014/main" id="{7F50E3F3-8FDC-49B5-BEEB-2F5775924198}"/>
               </a:ext>
             </a:extLst>
           </p:cNvPr>
@@ -8587,7 +9332,7 @@
           <p:cNvPr id="3" name="Marcador de contenido 2">
             <a:extLst>
               <a:ext uri="{FF2B5EF4-FFF2-40B4-BE49-F238E27FC236}">
-                <a16:creationId xmlns:a16="http://schemas.microsoft.com/office/drawing/2014/main" id="{51C7F884-F8DB-4F05-AF35-8B326BA22301}"/>
+                <a16:creationId xmlns:a16="http://schemas.microsoft.com/office/drawing/2014/main" id="{6138A357-5510-4CF1-BD8A-5FA622E79BCF}"/>
               </a:ext>
             </a:extLst>
           </p:cNvPr>
@@ -8603,30 +9348,119 @@
           <a:bodyPr/>
           <a:lstStyle/>
           <a:p>
-            <a:pPr>
-              <a:lnSpc>
-                <a:spcPct val="100000"/>
-              </a:lnSpc>
-            </a:pPr>
+            <a:r>
+              <a:rPr lang="es-ES" dirty="0"/>
+              <a:t>Restricciones</a:t>
+            </a:r>
+          </a:p>
+          <a:p>
+            <a:pPr lvl="1"/>
             <a:r>
               <a:rPr lang="en-US" dirty="0" err="1"/>
-              <a:t>Funciones</a:t>
-            </a:r>
-            <a:endParaRPr lang="en-US" dirty="0"/>
-          </a:p>
-          <a:p>
-            <a:pPr lvl="1">
-              <a:lnSpc>
-                <a:spcPct val="100000"/>
-              </a:lnSpc>
-            </a:pPr>
+              <a:t>AtMostMofN</a:t>
+            </a:r>
+            <a:r>
+              <a:rPr lang="en-US" dirty="0"/>
+              <a:t> ( int M, params </a:t>
+            </a:r>
+            <a:r>
+              <a:rPr lang="en-US" dirty="0" err="1"/>
+              <a:t>CspTerm</a:t>
+            </a:r>
+            <a:r>
+              <a:rPr lang="en-US" dirty="0"/>
+              <a:t>[] inputs )</a:t>
+            </a:r>
+          </a:p>
+          <a:p>
+            <a:pPr lvl="1"/>
+            <a:r>
+              <a:rPr lang="en-US" dirty="0"/>
+              <a:t>Equal, Unequal ( </a:t>
+            </a:r>
+            <a:r>
+              <a:rPr lang="en-US" dirty="0" err="1"/>
+              <a:t>CspTerm</a:t>
+            </a:r>
+            <a:r>
+              <a:rPr lang="en-US" dirty="0"/>
+              <a:t>[] inputs )</a:t>
+            </a:r>
+          </a:p>
+          <a:p>
+            <a:pPr lvl="1"/>
+            <a:r>
+              <a:rPr lang="en-US" dirty="0"/>
+              <a:t>Equal, Unequal ( Int constant, </a:t>
+            </a:r>
+            <a:r>
+              <a:rPr lang="en-US" dirty="0" err="1"/>
+              <a:t>CspTerm</a:t>
+            </a:r>
+            <a:r>
+              <a:rPr lang="en-US" dirty="0"/>
+              <a:t>[] inputs )</a:t>
+            </a:r>
+          </a:p>
+          <a:p>
+            <a:pPr lvl="1"/>
+            <a:r>
+              <a:rPr lang="en-US" dirty="0" err="1"/>
+              <a:t>ExactlyMofN</a:t>
+            </a:r>
+            <a:r>
+              <a:rPr lang="en-US" dirty="0"/>
+              <a:t> ( int M, params </a:t>
+            </a:r>
+            <a:r>
+              <a:rPr lang="en-US" dirty="0" err="1"/>
+              <a:t>CspTerm</a:t>
+            </a:r>
+            <a:r>
+              <a:rPr lang="en-US" dirty="0"/>
+              <a:t>[] inputs )</a:t>
+            </a:r>
+          </a:p>
+          <a:p>
+            <a:pPr lvl="1"/>
+            <a:r>
+              <a:rPr lang="en-US" dirty="0"/>
+              <a:t>Greater, </a:t>
+            </a:r>
+            <a:r>
+              <a:rPr lang="en-US" dirty="0" err="1"/>
+              <a:t>GreaterEqual</a:t>
+            </a:r>
+            <a:r>
+              <a:rPr lang="en-US" dirty="0"/>
+              <a:t>, Less, </a:t>
+            </a:r>
+            <a:r>
+              <a:rPr lang="en-US" dirty="0" err="1"/>
+              <a:t>LessEqual</a:t>
+            </a:r>
+            <a:r>
+              <a:rPr lang="en-US" dirty="0"/>
+              <a:t> ( </a:t>
+            </a:r>
+            <a:r>
+              <a:rPr lang="en-US" dirty="0" err="1"/>
+              <a:t>CspTerm</a:t>
+            </a:r>
+            <a:r>
+              <a:rPr lang="en-US" dirty="0"/>
+              <a:t>[] inputs )</a:t>
+            </a:r>
+          </a:p>
+          <a:p>
+            <a:pPr lvl="1"/>
             <a:r>
               <a:rPr lang="es-ES" dirty="0" err="1"/>
-              <a:t>Abs</a:t>
-            </a:r>
-            <a:r>
-              <a:rPr lang="es-ES" dirty="0"/>
-              <a:t>( </a:t>
+              <a:t>Implies</a:t>
+            </a:r>
+            <a:r>
+              <a:rPr lang="es-ES" dirty="0"/>
+              <a:t> ( </a:t>
             </a:r>
             <a:r>
               <a:rPr lang="es-ES" dirty="0" err="1"/>
@@ -8634,34 +9468,15 @@
             </a:r>
             <a:r>
               <a:rPr lang="es-ES" dirty="0"/>
-              <a:t> input ) </a:t>
-            </a:r>
-          </a:p>
-          <a:p>
-            <a:pPr lvl="1">
-              <a:lnSpc>
-                <a:spcPct val="100000"/>
-              </a:lnSpc>
-            </a:pPr>
-            <a:r>
-              <a:rPr lang="es-ES" dirty="0"/>
-              <a:t>And, </a:t>
+              <a:t> </a:t>
             </a:r>
             <a:r>
               <a:rPr lang="es-ES" dirty="0" err="1"/>
-              <a:t>Or</a:t>
-            </a:r>
-            <a:r>
-              <a:rPr lang="es-ES" dirty="0"/>
-              <a:t> ( </a:t>
-            </a:r>
-            <a:r>
-              <a:rPr lang="es-ES" dirty="0" err="1"/>
-              <a:t>params</a:t>
-            </a:r>
-            <a:r>
-              <a:rPr lang="es-ES" dirty="0"/>
-              <a:t> </a:t>
+              <a:t>antecedent</a:t>
+            </a:r>
+            <a:r>
+              <a:rPr lang="es-ES" dirty="0"/>
+              <a:t>, </a:t>
             </a:r>
             <a:r>
               <a:rPr lang="es-ES" dirty="0" err="1"/>
@@ -8669,247 +9484,30 @@
             </a:r>
             <a:r>
               <a:rPr lang="es-ES" dirty="0"/>
-              <a:t>[] inputs )</a:t>
-            </a:r>
-          </a:p>
-          <a:p>
-            <a:pPr lvl="1">
-              <a:lnSpc>
-                <a:spcPct val="100000"/>
-              </a:lnSpc>
-            </a:pPr>
-            <a:r>
-              <a:rPr lang="en-US" dirty="0" err="1"/>
-              <a:t>FilteredSum</a:t>
-            </a:r>
-            <a:r>
-              <a:rPr lang="en-US" dirty="0"/>
-              <a:t>( </a:t>
-            </a:r>
-            <a:r>
-              <a:rPr lang="en-US" dirty="0" err="1"/>
-              <a:t>CspTerm</a:t>
-            </a:r>
-            <a:r>
-              <a:rPr lang="en-US" dirty="0"/>
-              <a:t>[] conditions, </a:t>
-            </a:r>
-            <a:r>
-              <a:rPr lang="en-US" dirty="0" err="1"/>
-              <a:t>CspTerm</a:t>
-            </a:r>
-            <a:r>
-              <a:rPr lang="en-US" dirty="0"/>
-              <a:t>[] inputs )</a:t>
-            </a:r>
-          </a:p>
-          <a:p>
-            <a:pPr lvl="1">
-              <a:lnSpc>
-                <a:spcPct val="100000"/>
-              </a:lnSpc>
-            </a:pPr>
-            <a:r>
-              <a:rPr lang="es-ES" dirty="0"/>
-              <a:t>Max, Min ( </a:t>
+              <a:t> </a:t>
             </a:r>
             <a:r>
               <a:rPr lang="es-ES" dirty="0" err="1"/>
-              <a:t>params</a:t>
-            </a:r>
-            <a:r>
-              <a:rPr lang="es-ES" dirty="0"/>
-              <a:t> </a:t>
-            </a:r>
-            <a:r>
-              <a:rPr lang="es-ES" dirty="0" err="1"/>
-              <a:t>CspTerm</a:t>
-            </a:r>
-            <a:r>
-              <a:rPr lang="es-ES" dirty="0"/>
-              <a:t>[] inputs )</a:t>
-            </a:r>
-          </a:p>
-          <a:p>
-            <a:pPr lvl="1">
-              <a:lnSpc>
-                <a:spcPct val="100000"/>
-              </a:lnSpc>
-            </a:pPr>
-            <a:r>
-              <a:rPr lang="es-ES" dirty="0"/>
-              <a:t>Sum( </a:t>
-            </a:r>
-            <a:r>
-              <a:rPr lang="es-ES" dirty="0" err="1"/>
-              <a:t>params</a:t>
-            </a:r>
-            <a:r>
-              <a:rPr lang="es-ES" dirty="0"/>
-              <a:t> </a:t>
-            </a:r>
-            <a:r>
-              <a:rPr lang="es-ES" dirty="0" err="1"/>
-              <a:t>CspTerm</a:t>
-            </a:r>
-            <a:r>
-              <a:rPr lang="es-ES" dirty="0"/>
-              <a:t>[] inputs )</a:t>
-            </a:r>
-          </a:p>
-          <a:p>
-            <a:pPr lvl="1">
-              <a:lnSpc>
-                <a:spcPct val="100000"/>
-              </a:lnSpc>
-            </a:pPr>
-            <a:r>
-              <a:rPr lang="en-US" dirty="0" err="1"/>
-              <a:t>SumProduct</a:t>
-            </a:r>
-            <a:r>
-              <a:rPr lang="en-US" dirty="0"/>
-              <a:t>( </a:t>
-            </a:r>
-            <a:r>
-              <a:rPr lang="en-US" dirty="0" err="1"/>
-              <a:t>CspTerm</a:t>
-            </a:r>
-            <a:r>
-              <a:rPr lang="en-US" dirty="0"/>
-              <a:t>[] inputs1, </a:t>
-            </a:r>
-            <a:r>
-              <a:rPr lang="en-US" dirty="0" err="1"/>
-              <a:t>CspTerm</a:t>
-            </a:r>
-            <a:r>
-              <a:rPr lang="en-US" dirty="0"/>
-              <a:t>[] inputs2 )</a:t>
-            </a:r>
+              <a:t>consequent</a:t>
+            </a:r>
+            <a:r>
+              <a:rPr lang="es-ES" dirty="0"/>
+              <a:t>)</a:t>
+            </a:r>
+          </a:p>
+          <a:p>
+            <a:pPr lvl="1"/>
             <a:endParaRPr lang="es-ES" dirty="0"/>
           </a:p>
           <a:p>
-            <a:pPr lvl="1">
-              <a:lnSpc>
-                <a:spcPct val="100000"/>
-              </a:lnSpc>
-            </a:pPr>
-            <a:endParaRPr lang="en-US" dirty="0"/>
-          </a:p>
-          <a:p>
-            <a:pPr>
-              <a:lnSpc>
-                <a:spcPct val="100000"/>
-              </a:lnSpc>
-            </a:pPr>
             <a:endParaRPr lang="es-ES" dirty="0"/>
-          </a:p>
-        </p:txBody>
-      </p:sp>
-      <p:sp>
-        <p:nvSpPr>
-          <p:cNvPr id="4" name="CuadroTexto 3">
-            <a:extLst>
-              <a:ext uri="{FF2B5EF4-FFF2-40B4-BE49-F238E27FC236}">
-                <a16:creationId xmlns:a16="http://schemas.microsoft.com/office/drawing/2014/main" id="{14EC115F-949E-4300-8516-DFD0DE912CF3}"/>
-              </a:ext>
-            </a:extLst>
-          </p:cNvPr>
-          <p:cNvSpPr txBox="1"/>
-          <p:nvPr/>
-        </p:nvSpPr>
-        <p:spPr>
-          <a:xfrm>
-            <a:off x="2810759" y="5015547"/>
-            <a:ext cx="6570482" cy="1477328"/>
-          </a:xfrm>
-          <a:prstGeom prst="rect">
-            <a:avLst/>
-          </a:prstGeom>
-          <a:noFill/>
-        </p:spPr>
-        <p:txBody>
-          <a:bodyPr wrap="square" rtlCol="0">
-            <a:spAutoFit/>
-          </a:bodyPr>
-          <a:lstStyle/>
-          <a:p>
-            <a:r>
-              <a:rPr lang="es-ES" dirty="0" err="1"/>
-              <a:t>CspTerm</a:t>
-            </a:r>
-            <a:r>
-              <a:rPr lang="es-ES" dirty="0"/>
-              <a:t>[] tablero;</a:t>
-            </a:r>
-          </a:p>
-          <a:p>
-            <a:r>
-              <a:rPr lang="es-ES" dirty="0" err="1"/>
-              <a:t>S.AddConstraints</a:t>
-            </a:r>
-            <a:r>
-              <a:rPr lang="es-ES" dirty="0"/>
-              <a:t>(</a:t>
-            </a:r>
-          </a:p>
-          <a:p>
-            <a:r>
-              <a:rPr lang="es-ES" dirty="0"/>
-              <a:t>                        </a:t>
-            </a:r>
-            <a:r>
-              <a:rPr lang="es-ES" dirty="0" err="1"/>
-              <a:t>S.Equal</a:t>
-            </a:r>
-            <a:r>
-              <a:rPr lang="es-ES" dirty="0"/>
-              <a:t>(3, </a:t>
-            </a:r>
-            <a:r>
-              <a:rPr lang="es-ES" dirty="0" err="1"/>
-              <a:t>S.Sum</a:t>
-            </a:r>
-            <a:r>
-              <a:rPr lang="es-ES" dirty="0"/>
-              <a:t>(tablero))</a:t>
-            </a:r>
-          </a:p>
-          <a:p>
-            <a:r>
-              <a:rPr lang="es-ES" dirty="0"/>
-              <a:t>                        , </a:t>
-            </a:r>
-            <a:r>
-              <a:rPr lang="es-ES" dirty="0" err="1"/>
-              <a:t>S.Equal</a:t>
-            </a:r>
-            <a:r>
-              <a:rPr lang="es-ES" dirty="0"/>
-              <a:t>(10, </a:t>
-            </a:r>
-            <a:r>
-              <a:rPr lang="es-ES" dirty="0" err="1"/>
-              <a:t>S.Max</a:t>
-            </a:r>
-            <a:r>
-              <a:rPr lang="es-ES" dirty="0"/>
-              <a:t>(tablero))</a:t>
-            </a:r>
-          </a:p>
-          <a:p>
-            <a:r>
-              <a:rPr lang="es-ES" dirty="0"/>
-              <a:t>	      );</a:t>
-            </a:r>
           </a:p>
         </p:txBody>
       </p:sp>
     </p:spTree>
     <p:extLst>
       <p:ext uri="{BB962C8B-B14F-4D97-AF65-F5344CB8AC3E}">
-        <p14:creationId xmlns:p14="http://schemas.microsoft.com/office/powerpoint/2010/main" val="3998718605"/>
+        <p14:creationId xmlns:p14="http://schemas.microsoft.com/office/powerpoint/2010/main" val="2002944151"/>
       </p:ext>
     </p:extLst>
   </p:cSld>
@@ -8941,7 +9539,7 @@
           <p:cNvPr id="2" name="Título 1">
             <a:extLst>
               <a:ext uri="{FF2B5EF4-FFF2-40B4-BE49-F238E27FC236}">
-                <a16:creationId xmlns:a16="http://schemas.microsoft.com/office/drawing/2014/main" id="{68E994DC-85C9-4AE6-807F-05DDA066B8D2}"/>
+                <a16:creationId xmlns:a16="http://schemas.microsoft.com/office/drawing/2014/main" id="{3E1C3735-1ED4-4475-91A0-E6BDF6263471}"/>
               </a:ext>
             </a:extLst>
           </p:cNvPr>
@@ -8970,7 +9568,7 @@
           <p:cNvPr id="3" name="Marcador de contenido 2">
             <a:extLst>
               <a:ext uri="{FF2B5EF4-FFF2-40B4-BE49-F238E27FC236}">
-                <a16:creationId xmlns:a16="http://schemas.microsoft.com/office/drawing/2014/main" id="{FB61EF6A-E054-42C2-AA50-0D7E326E425C}"/>
+                <a16:creationId xmlns:a16="http://schemas.microsoft.com/office/drawing/2014/main" id="{46BA2A96-3157-41E7-A6FD-A002105CE868}"/>
               </a:ext>
             </a:extLst>
           </p:cNvPr>
@@ -8988,97 +9586,171 @@
           <a:p>
             <a:r>
               <a:rPr lang="es-ES" dirty="0"/>
-              <a:t>Resolver el modelo</a:t>
+              <a:t>Funciones</a:t>
             </a:r>
           </a:p>
           <a:p>
             <a:pPr lvl="1"/>
             <a:r>
-              <a:rPr lang="es-ES" dirty="0"/>
-              <a:t>Invocamos el método </a:t>
-            </a:r>
-            <a:r>
               <a:rPr lang="es-ES" dirty="0" err="1"/>
-              <a:t>Solve</a:t>
-            </a:r>
-            <a:r>
-              <a:rPr lang="es-ES" dirty="0"/>
-              <a:t>() que nos devuelve un objeto </a:t>
+              <a:t>Abs</a:t>
+            </a:r>
+            <a:r>
+              <a:rPr lang="es-ES" dirty="0"/>
+              <a:t> ( </a:t>
             </a:r>
             <a:r>
               <a:rPr lang="es-ES" dirty="0" err="1"/>
-              <a:t>ConstraintSolverSolution</a:t>
-            </a:r>
-            <a:endParaRPr lang="es-ES" dirty="0"/>
+              <a:t>CspTerm</a:t>
+            </a:r>
+            <a:r>
+              <a:rPr lang="es-ES" dirty="0"/>
+              <a:t> input )</a:t>
+            </a:r>
           </a:p>
           <a:p>
             <a:pPr lvl="1"/>
             <a:r>
               <a:rPr lang="es-ES" dirty="0"/>
-              <a:t>Propiedades</a:t>
-            </a:r>
-          </a:p>
-          <a:p>
-            <a:pPr lvl="2"/>
+              <a:t>And, </a:t>
+            </a:r>
             <a:r>
               <a:rPr lang="es-ES" dirty="0" err="1"/>
-              <a:t>HasFoundSolution</a:t>
-            </a:r>
-            <a:endParaRPr lang="es-ES" dirty="0"/>
-          </a:p>
-          <a:p>
-            <a:pPr lvl="2"/>
+              <a:t>Or</a:t>
+            </a:r>
+            <a:r>
+              <a:rPr lang="es-ES" dirty="0"/>
+              <a:t> ( </a:t>
+            </a:r>
             <a:r>
               <a:rPr lang="es-ES" dirty="0" err="1"/>
-              <a:t>Quality</a:t>
-            </a:r>
-            <a:endParaRPr lang="es-ES" dirty="0"/>
-          </a:p>
-          <a:p>
-            <a:pPr lvl="3"/>
-            <a:r>
-              <a:rPr lang="es-ES" dirty="0"/>
-              <a:t>Sin solución</a:t>
-            </a:r>
-          </a:p>
-          <a:p>
-            <a:pPr lvl="3"/>
-            <a:r>
-              <a:rPr lang="es-ES" dirty="0"/>
-              <a:t>Inviable</a:t>
-            </a:r>
-          </a:p>
-          <a:p>
-            <a:pPr lvl="3"/>
-            <a:r>
-              <a:rPr lang="es-ES" dirty="0"/>
-              <a:t>Viable</a:t>
-            </a:r>
-          </a:p>
-          <a:p>
-            <a:pPr lvl="3"/>
-            <a:r>
-              <a:rPr lang="es-ES" dirty="0"/>
-              <a:t>Optima</a:t>
+              <a:t>params</a:t>
+            </a:r>
+            <a:r>
+              <a:rPr lang="es-ES" dirty="0"/>
+              <a:t> </a:t>
+            </a:r>
+            <a:r>
+              <a:rPr lang="es-ES" dirty="0" err="1"/>
+              <a:t>CspTerm</a:t>
+            </a:r>
+            <a:r>
+              <a:rPr lang="es-ES" dirty="0"/>
+              <a:t>[] inputs )</a:t>
             </a:r>
           </a:p>
           <a:p>
             <a:pPr lvl="1"/>
             <a:r>
-              <a:rPr lang="es-ES" dirty="0"/>
-              <a:t>Obtener soluciones</a:t>
-            </a:r>
-          </a:p>
-          <a:p>
-            <a:pPr lvl="2"/>
-            <a:r>
               <a:rPr lang="en-US" dirty="0" err="1"/>
-              <a:t>GetNext</a:t>
+              <a:t>FilteredSum</a:t>
             </a:r>
             <a:r>
               <a:rPr lang="en-US" dirty="0"/>
-              <a:t>()</a:t>
-            </a:r>
+              <a:t> ( </a:t>
+            </a:r>
+            <a:r>
+              <a:rPr lang="en-US" dirty="0" err="1"/>
+              <a:t>CspTerm</a:t>
+            </a:r>
+            <a:r>
+              <a:rPr lang="en-US" dirty="0"/>
+              <a:t>[] conditions, </a:t>
+            </a:r>
+            <a:r>
+              <a:rPr lang="en-US" dirty="0" err="1"/>
+              <a:t>CspTerm</a:t>
+            </a:r>
+            <a:r>
+              <a:rPr lang="en-US" dirty="0"/>
+              <a:t>[] inputs )</a:t>
+            </a:r>
+          </a:p>
+          <a:p>
+            <a:pPr lvl="1"/>
+            <a:r>
+              <a:rPr lang="en-US" dirty="0"/>
+              <a:t>Max, </a:t>
+            </a:r>
+            <a:r>
+              <a:rPr lang="es-ES" dirty="0"/>
+              <a:t>Min ( </a:t>
+            </a:r>
+            <a:r>
+              <a:rPr lang="es-ES" dirty="0" err="1"/>
+              <a:t>params</a:t>
+            </a:r>
+            <a:r>
+              <a:rPr lang="es-ES" dirty="0"/>
+              <a:t> </a:t>
+            </a:r>
+            <a:r>
+              <a:rPr lang="es-ES" dirty="0" err="1"/>
+              <a:t>CspTerm</a:t>
+            </a:r>
+            <a:r>
+              <a:rPr lang="es-ES" dirty="0"/>
+              <a:t>[] inputs )</a:t>
+            </a:r>
+            <a:endParaRPr lang="en-US" dirty="0"/>
+          </a:p>
+          <a:p>
+            <a:pPr lvl="1"/>
+            <a:r>
+              <a:rPr lang="en-US" dirty="0"/>
+              <a:t>Sum</a:t>
+            </a:r>
+            <a:r>
+              <a:rPr lang="es-ES" dirty="0"/>
+              <a:t> ( </a:t>
+            </a:r>
+            <a:r>
+              <a:rPr lang="es-ES" dirty="0" err="1"/>
+              <a:t>params</a:t>
+            </a:r>
+            <a:r>
+              <a:rPr lang="es-ES" dirty="0"/>
+              <a:t> </a:t>
+            </a:r>
+            <a:r>
+              <a:rPr lang="es-ES" dirty="0" err="1"/>
+              <a:t>CspTerm</a:t>
+            </a:r>
+            <a:r>
+              <a:rPr lang="es-ES" dirty="0"/>
+              <a:t>[] inputs )</a:t>
+            </a:r>
+            <a:endParaRPr lang="en-US" dirty="0"/>
+          </a:p>
+          <a:p>
+            <a:pPr lvl="1"/>
+            <a:r>
+              <a:rPr lang="en-US" dirty="0" err="1"/>
+              <a:t>SumProduct</a:t>
+            </a:r>
+            <a:r>
+              <a:rPr lang="en-US" dirty="0"/>
+              <a:t>( </a:t>
+            </a:r>
+            <a:r>
+              <a:rPr lang="en-US" dirty="0" err="1"/>
+              <a:t>CspTerm</a:t>
+            </a:r>
+            <a:r>
+              <a:rPr lang="en-US" dirty="0"/>
+              <a:t>[] inputs1, </a:t>
+            </a:r>
+            <a:r>
+              <a:rPr lang="en-US" dirty="0" err="1"/>
+              <a:t>CspTerm</a:t>
+            </a:r>
+            <a:r>
+              <a:rPr lang="en-US" dirty="0"/>
+              <a:t>[] inputs2 )</a:t>
+            </a:r>
+          </a:p>
+          <a:p>
+            <a:pPr lvl="1"/>
             <a:endParaRPr lang="es-ES" dirty="0"/>
           </a:p>
         </p:txBody>
@@ -9086,7 +9758,7 @@
     </p:spTree>
     <p:extLst>
       <p:ext uri="{BB962C8B-B14F-4D97-AF65-F5344CB8AC3E}">
-        <p14:creationId xmlns:p14="http://schemas.microsoft.com/office/powerpoint/2010/main" val="2833877487"/>
+        <p14:creationId xmlns:p14="http://schemas.microsoft.com/office/powerpoint/2010/main" val="3169637172"/>
       </p:ext>
     </p:extLst>
   </p:cSld>
@@ -9115,10 +9787,10 @@
       </p:grpSpPr>
       <p:sp>
         <p:nvSpPr>
-          <p:cNvPr id="7" name="Título 6">
+          <p:cNvPr id="2" name="Título 1">
             <a:extLst>
               <a:ext uri="{FF2B5EF4-FFF2-40B4-BE49-F238E27FC236}">
-                <a16:creationId xmlns:a16="http://schemas.microsoft.com/office/drawing/2014/main" id="{B26E78DD-498D-4BBF-9885-1B53A8041E14}"/>
+                <a16:creationId xmlns:a16="http://schemas.microsoft.com/office/drawing/2014/main" id="{68E994DC-85C9-4AE6-807F-05DDA066B8D2}"/>
               </a:ext>
             </a:extLst>
           </p:cNvPr>
@@ -9135,751 +9807,137 @@
           <a:lstStyle/>
           <a:p>
             <a:r>
-              <a:rPr lang="es-ES" dirty="0"/>
-              <a:t>Ejemplo Calendario partidos</a:t>
-            </a:r>
-          </a:p>
-        </p:txBody>
-      </p:sp>
-      <p:sp>
-        <p:nvSpPr>
-          <p:cNvPr id="8" name="Rectángulo 7">
+              <a:rPr lang="es-ES" dirty="0" err="1"/>
+              <a:t>ConstraintSystem</a:t>
+            </a:r>
+            <a:endParaRPr lang="es-ES" dirty="0"/>
+          </a:p>
+        </p:txBody>
+      </p:sp>
+      <p:sp>
+        <p:nvSpPr>
+          <p:cNvPr id="3" name="Marcador de contenido 2">
             <a:extLst>
               <a:ext uri="{FF2B5EF4-FFF2-40B4-BE49-F238E27FC236}">
-                <a16:creationId xmlns:a16="http://schemas.microsoft.com/office/drawing/2014/main" id="{542D0EB3-CC32-41E1-912C-B40690212E56}"/>
+                <a16:creationId xmlns:a16="http://schemas.microsoft.com/office/drawing/2014/main" id="{FB61EF6A-E054-42C2-AA50-0D7E326E425C}"/>
               </a:ext>
             </a:extLst>
           </p:cNvPr>
-          <p:cNvSpPr/>
-          <p:nvPr/>
-        </p:nvSpPr>
-        <p:spPr>
-          <a:xfrm>
-            <a:off x="94343" y="1841242"/>
-            <a:ext cx="12003314" cy="5016758"/>
-          </a:xfrm>
-          <a:prstGeom prst="rect">
-            <a:avLst/>
-          </a:prstGeom>
-        </p:spPr>
-        <p:txBody>
-          <a:bodyPr wrap="square">
-            <a:spAutoFit/>
+          <p:cNvSpPr>
+            <a:spLocks noGrp="1"/>
+          </p:cNvSpPr>
+          <p:nvPr>
+            <p:ph idx="1"/>
+          </p:nvPr>
+        </p:nvSpPr>
+        <p:spPr/>
+        <p:txBody>
+          <a:bodyPr vert="horz" lIns="91440" tIns="45720" rIns="91440" bIns="45720" rtlCol="0">
+            <a:normAutofit/>
           </a:bodyPr>
           <a:lstStyle/>
           <a:p>
             <a:r>
-              <a:rPr lang="en-US" sz="1600" dirty="0">
-                <a:solidFill>
-                  <a:srgbClr val="0000FF"/>
-                </a:solidFill>
-                <a:latin typeface="Consolas" panose="020B0609020204030204" pitchFamily="49" charset="0"/>
-              </a:rPr>
-              <a:t>public</a:t>
-            </a:r>
-            <a:r>
-              <a:rPr lang="en-US" sz="1600" dirty="0">
-                <a:solidFill>
-                  <a:srgbClr val="000000"/>
-                </a:solidFill>
-                <a:latin typeface="Consolas" panose="020B0609020204030204" pitchFamily="49" charset="0"/>
-              </a:rPr>
-              <a:t> </a:t>
-            </a:r>
-            <a:r>
-              <a:rPr lang="en-US" sz="1600" dirty="0">
-                <a:solidFill>
-                  <a:srgbClr val="0000FF"/>
-                </a:solidFill>
-                <a:latin typeface="Consolas" panose="020B0609020204030204" pitchFamily="49" charset="0"/>
-              </a:rPr>
-              <a:t>static</a:t>
-            </a:r>
-            <a:r>
-              <a:rPr lang="en-US" sz="1600" dirty="0">
-                <a:solidFill>
-                  <a:srgbClr val="000000"/>
-                </a:solidFill>
-                <a:latin typeface="Consolas" panose="020B0609020204030204" pitchFamily="49" charset="0"/>
-              </a:rPr>
-              <a:t> </a:t>
-            </a:r>
-            <a:r>
-              <a:rPr lang="en-US" sz="1600" dirty="0">
-                <a:solidFill>
-                  <a:srgbClr val="0000FF"/>
-                </a:solidFill>
-                <a:latin typeface="Consolas" panose="020B0609020204030204" pitchFamily="49" charset="0"/>
-              </a:rPr>
-              <a:t>void</a:t>
-            </a:r>
-            <a:r>
-              <a:rPr lang="en-US" sz="1600" dirty="0">
-                <a:solidFill>
-                  <a:srgbClr val="000000"/>
-                </a:solidFill>
-                <a:latin typeface="Consolas" panose="020B0609020204030204" pitchFamily="49" charset="0"/>
-              </a:rPr>
-              <a:t> Run(</a:t>
-            </a:r>
-            <a:r>
-              <a:rPr lang="en-US" sz="1600" dirty="0">
-                <a:solidFill>
-                  <a:srgbClr val="0000FF"/>
-                </a:solidFill>
-                <a:latin typeface="Consolas" panose="020B0609020204030204" pitchFamily="49" charset="0"/>
-              </a:rPr>
-              <a:t>int</a:t>
-            </a:r>
-            <a:r>
-              <a:rPr lang="en-US" sz="1600" dirty="0">
-                <a:solidFill>
-                  <a:srgbClr val="000000"/>
-                </a:solidFill>
-                <a:latin typeface="Consolas" panose="020B0609020204030204" pitchFamily="49" charset="0"/>
-              </a:rPr>
-              <a:t> N)</a:t>
-            </a:r>
-          </a:p>
-          <a:p>
-            <a:r>
-              <a:rPr lang="es-ES" sz="1600" dirty="0">
-                <a:solidFill>
-                  <a:srgbClr val="000000"/>
-                </a:solidFill>
-                <a:latin typeface="Consolas" panose="020B0609020204030204" pitchFamily="49" charset="0"/>
-              </a:rPr>
-              <a:t>{</a:t>
-            </a:r>
-          </a:p>
-          <a:p>
-            <a:r>
-              <a:rPr lang="es-ES" sz="1600" dirty="0">
-                <a:solidFill>
-                  <a:srgbClr val="000000"/>
-                </a:solidFill>
-                <a:latin typeface="Consolas" panose="020B0609020204030204" pitchFamily="49" charset="0"/>
-              </a:rPr>
-              <a:t>    </a:t>
-            </a:r>
-            <a:r>
-              <a:rPr lang="es-ES" sz="1600" dirty="0" err="1">
-                <a:solidFill>
-                  <a:srgbClr val="000000"/>
-                </a:solidFill>
-                <a:latin typeface="Consolas" panose="020B0609020204030204" pitchFamily="49" charset="0"/>
-              </a:rPr>
-              <a:t>ConstraintSystem</a:t>
-            </a:r>
-            <a:r>
-              <a:rPr lang="es-ES" sz="1600" dirty="0">
-                <a:solidFill>
-                  <a:srgbClr val="000000"/>
-                </a:solidFill>
-                <a:latin typeface="Consolas" panose="020B0609020204030204" pitchFamily="49" charset="0"/>
-              </a:rPr>
-              <a:t> S = </a:t>
-            </a:r>
-            <a:r>
-              <a:rPr lang="es-ES" sz="1600" dirty="0" err="1">
-                <a:solidFill>
-                  <a:srgbClr val="000000"/>
-                </a:solidFill>
-                <a:latin typeface="Consolas" panose="020B0609020204030204" pitchFamily="49" charset="0"/>
-              </a:rPr>
-              <a:t>ConstraintSystem.CreateSolver</a:t>
-            </a:r>
-            <a:r>
-              <a:rPr lang="es-ES" sz="1600" dirty="0">
-                <a:solidFill>
-                  <a:srgbClr val="000000"/>
-                </a:solidFill>
-                <a:latin typeface="Consolas" panose="020B0609020204030204" pitchFamily="49" charset="0"/>
-              </a:rPr>
-              <a:t>();</a:t>
-            </a:r>
-          </a:p>
-          <a:p>
-            <a:r>
-              <a:rPr lang="es-ES" sz="1600" dirty="0">
-                <a:solidFill>
-                  <a:srgbClr val="000000"/>
-                </a:solidFill>
-                <a:latin typeface="Consolas" panose="020B0609020204030204" pitchFamily="49" charset="0"/>
-              </a:rPr>
-              <a:t>    </a:t>
-            </a:r>
-            <a:r>
-              <a:rPr lang="es-ES" sz="1600" dirty="0" err="1">
-                <a:solidFill>
-                  <a:srgbClr val="000000"/>
-                </a:solidFill>
-                <a:latin typeface="Consolas" panose="020B0609020204030204" pitchFamily="49" charset="0"/>
-              </a:rPr>
-              <a:t>CspDomain</a:t>
-            </a:r>
-            <a:r>
-              <a:rPr lang="es-ES" sz="1600" dirty="0">
-                <a:solidFill>
-                  <a:srgbClr val="000000"/>
-                </a:solidFill>
-                <a:latin typeface="Consolas" panose="020B0609020204030204" pitchFamily="49" charset="0"/>
-              </a:rPr>
-              <a:t> Equipos = </a:t>
-            </a:r>
-            <a:r>
-              <a:rPr lang="es-ES" sz="1600" dirty="0" err="1">
-                <a:solidFill>
-                  <a:srgbClr val="000000"/>
-                </a:solidFill>
-                <a:latin typeface="Consolas" panose="020B0609020204030204" pitchFamily="49" charset="0"/>
-              </a:rPr>
-              <a:t>S.CreateIntegerInterval</a:t>
-            </a:r>
-            <a:r>
-              <a:rPr lang="es-ES" sz="1600" dirty="0">
-                <a:solidFill>
-                  <a:srgbClr val="000000"/>
-                </a:solidFill>
-                <a:latin typeface="Consolas" panose="020B0609020204030204" pitchFamily="49" charset="0"/>
-              </a:rPr>
-              <a:t>(0, N - 1);</a:t>
-            </a:r>
-          </a:p>
-          <a:p>
-            <a:r>
-              <a:rPr lang="es-ES" sz="1600" dirty="0">
-                <a:solidFill>
-                  <a:srgbClr val="000000"/>
-                </a:solidFill>
-                <a:latin typeface="Consolas" panose="020B0609020204030204" pitchFamily="49" charset="0"/>
-              </a:rPr>
-              <a:t>    </a:t>
-            </a:r>
-            <a:r>
-              <a:rPr lang="es-ES" sz="1600" dirty="0" err="1">
-                <a:solidFill>
-                  <a:srgbClr val="000000"/>
-                </a:solidFill>
-                <a:latin typeface="Consolas" panose="020B0609020204030204" pitchFamily="49" charset="0"/>
-              </a:rPr>
-              <a:t>CspTerm</a:t>
-            </a:r>
-            <a:r>
-              <a:rPr lang="es-ES" sz="1600" dirty="0">
-                <a:solidFill>
-                  <a:srgbClr val="000000"/>
-                </a:solidFill>
-                <a:latin typeface="Consolas" panose="020B0609020204030204" pitchFamily="49" charset="0"/>
-              </a:rPr>
-              <a:t>[][] partidos = </a:t>
-            </a:r>
-            <a:r>
-              <a:rPr lang="es-ES" sz="1600" dirty="0" err="1">
-                <a:solidFill>
-                  <a:srgbClr val="000000"/>
-                </a:solidFill>
-                <a:latin typeface="Consolas" panose="020B0609020204030204" pitchFamily="49" charset="0"/>
-              </a:rPr>
-              <a:t>S.CreateVariableArray</a:t>
-            </a:r>
-            <a:r>
-              <a:rPr lang="es-ES" sz="1600" dirty="0">
-                <a:solidFill>
-                  <a:srgbClr val="000000"/>
-                </a:solidFill>
-                <a:latin typeface="Consolas" panose="020B0609020204030204" pitchFamily="49" charset="0"/>
-              </a:rPr>
-              <a:t>(Equipos, </a:t>
-            </a:r>
-            <a:r>
-              <a:rPr lang="es-ES" sz="1600" dirty="0">
-                <a:solidFill>
-                  <a:srgbClr val="A31515"/>
-                </a:solidFill>
-                <a:latin typeface="Consolas" panose="020B0609020204030204" pitchFamily="49" charset="0"/>
-              </a:rPr>
-              <a:t>"Oponentes"</a:t>
-            </a:r>
-            <a:r>
-              <a:rPr lang="es-ES" sz="1600" dirty="0">
-                <a:solidFill>
-                  <a:srgbClr val="000000"/>
-                </a:solidFill>
-                <a:latin typeface="Consolas" panose="020B0609020204030204" pitchFamily="49" charset="0"/>
-              </a:rPr>
-              <a:t>, N, N - 1);</a:t>
-            </a:r>
-          </a:p>
-          <a:p>
-            <a:endParaRPr lang="es-ES" sz="1600" dirty="0">
-              <a:solidFill>
-                <a:srgbClr val="000000"/>
-              </a:solidFill>
-              <a:latin typeface="Consolas" panose="020B0609020204030204" pitchFamily="49" charset="0"/>
-            </a:endParaRPr>
-          </a:p>
-          <a:p>
-            <a:r>
-              <a:rPr lang="es-ES" sz="1600" dirty="0">
-                <a:solidFill>
-                  <a:srgbClr val="000000"/>
-                </a:solidFill>
-                <a:latin typeface="Consolas" panose="020B0609020204030204" pitchFamily="49" charset="0"/>
-              </a:rPr>
-              <a:t>    </a:t>
-            </a:r>
-            <a:r>
-              <a:rPr lang="es-ES" sz="1600" dirty="0" err="1">
-                <a:solidFill>
-                  <a:srgbClr val="0000FF"/>
-                </a:solidFill>
-                <a:latin typeface="Consolas" panose="020B0609020204030204" pitchFamily="49" charset="0"/>
-              </a:rPr>
-              <a:t>for</a:t>
-            </a:r>
-            <a:r>
-              <a:rPr lang="es-ES" sz="1600" dirty="0">
-                <a:solidFill>
-                  <a:srgbClr val="000000"/>
-                </a:solidFill>
-                <a:latin typeface="Consolas" panose="020B0609020204030204" pitchFamily="49" charset="0"/>
-              </a:rPr>
-              <a:t> (</a:t>
-            </a:r>
-            <a:r>
-              <a:rPr lang="es-ES" sz="1600" dirty="0" err="1">
-                <a:solidFill>
-                  <a:srgbClr val="0000FF"/>
-                </a:solidFill>
-                <a:latin typeface="Consolas" panose="020B0609020204030204" pitchFamily="49" charset="0"/>
-              </a:rPr>
-              <a:t>int</a:t>
-            </a:r>
-            <a:r>
-              <a:rPr lang="es-ES" sz="1600" dirty="0">
-                <a:solidFill>
-                  <a:srgbClr val="000000"/>
-                </a:solidFill>
-                <a:latin typeface="Consolas" panose="020B0609020204030204" pitchFamily="49" charset="0"/>
-              </a:rPr>
-              <a:t> t = 0; t &lt; N; t++)</a:t>
-            </a:r>
-          </a:p>
-          <a:p>
-            <a:r>
-              <a:rPr lang="es-ES" sz="1600" dirty="0">
-                <a:solidFill>
-                  <a:srgbClr val="000000"/>
-                </a:solidFill>
-                <a:latin typeface="Consolas" panose="020B0609020204030204" pitchFamily="49" charset="0"/>
-              </a:rPr>
-              <a:t>    {</a:t>
-            </a:r>
-          </a:p>
-          <a:p>
-            <a:r>
-              <a:rPr lang="es-ES" sz="1600" dirty="0">
-                <a:solidFill>
-                  <a:srgbClr val="000000"/>
-                </a:solidFill>
-                <a:latin typeface="Consolas" panose="020B0609020204030204" pitchFamily="49" charset="0"/>
-              </a:rPr>
-              <a:t>        </a:t>
-            </a:r>
-            <a:r>
-              <a:rPr lang="es-ES" sz="1600" dirty="0" err="1">
-                <a:solidFill>
-                  <a:srgbClr val="000000"/>
-                </a:solidFill>
-                <a:latin typeface="Consolas" panose="020B0609020204030204" pitchFamily="49" charset="0"/>
-              </a:rPr>
-              <a:t>S.AddConstraints</a:t>
-            </a:r>
-            <a:r>
-              <a:rPr lang="es-ES" sz="1600" dirty="0">
-                <a:solidFill>
-                  <a:srgbClr val="000000"/>
-                </a:solidFill>
-                <a:latin typeface="Consolas" panose="020B0609020204030204" pitchFamily="49" charset="0"/>
-              </a:rPr>
-              <a:t>(                   </a:t>
-            </a:r>
-            <a:r>
-              <a:rPr lang="es-ES" sz="1600" dirty="0">
-                <a:solidFill>
-                  <a:srgbClr val="008000"/>
-                </a:solidFill>
-                <a:latin typeface="Consolas" panose="020B0609020204030204" pitchFamily="49" charset="0"/>
-              </a:rPr>
-              <a:t>// Agregamos las </a:t>
-            </a:r>
-            <a:r>
-              <a:rPr lang="es-ES" sz="1600" dirty="0" err="1">
-                <a:solidFill>
-                  <a:srgbClr val="008000"/>
-                </a:solidFill>
-                <a:latin typeface="Consolas" panose="020B0609020204030204" pitchFamily="49" charset="0"/>
-              </a:rPr>
-              <a:t>constraints</a:t>
-            </a:r>
-            <a:endParaRPr lang="es-ES" sz="1600" dirty="0">
-              <a:solidFill>
-                <a:srgbClr val="000000"/>
-              </a:solidFill>
-              <a:latin typeface="Consolas" panose="020B0609020204030204" pitchFamily="49" charset="0"/>
-            </a:endParaRPr>
-          </a:p>
-          <a:p>
-            <a:r>
-              <a:rPr lang="es-ES" sz="1600" dirty="0">
-                <a:solidFill>
-                  <a:srgbClr val="000000"/>
-                </a:solidFill>
-                <a:latin typeface="Consolas" panose="020B0609020204030204" pitchFamily="49" charset="0"/>
-              </a:rPr>
-              <a:t>          </a:t>
-            </a:r>
-            <a:r>
-              <a:rPr lang="es-ES" sz="1600" dirty="0" err="1">
-                <a:solidFill>
-                  <a:srgbClr val="000000"/>
-                </a:solidFill>
-                <a:latin typeface="Consolas" panose="020B0609020204030204" pitchFamily="49" charset="0"/>
-              </a:rPr>
-              <a:t>S.Unequal</a:t>
-            </a:r>
-            <a:r>
-              <a:rPr lang="es-ES" sz="1600" dirty="0">
-                <a:solidFill>
-                  <a:srgbClr val="000000"/>
-                </a:solidFill>
-                <a:latin typeface="Consolas" panose="020B0609020204030204" pitchFamily="49" charset="0"/>
-              </a:rPr>
-              <a:t>(t, partidos[t]),        </a:t>
-            </a:r>
-            <a:r>
-              <a:rPr lang="es-ES" sz="1600" dirty="0">
-                <a:solidFill>
-                  <a:srgbClr val="008000"/>
-                </a:solidFill>
-                <a:latin typeface="Consolas" panose="020B0609020204030204" pitchFamily="49" charset="0"/>
-              </a:rPr>
-              <a:t>// Un equipo no puede jugar consigo mismo</a:t>
-            </a:r>
-            <a:endParaRPr lang="es-ES" sz="1600" dirty="0">
-              <a:solidFill>
-                <a:srgbClr val="000000"/>
-              </a:solidFill>
-              <a:latin typeface="Consolas" panose="020B0609020204030204" pitchFamily="49" charset="0"/>
-            </a:endParaRPr>
-          </a:p>
-          <a:p>
-            <a:r>
-              <a:rPr lang="es-ES" sz="1600" dirty="0">
-                <a:solidFill>
-                  <a:srgbClr val="000000"/>
-                </a:solidFill>
-                <a:latin typeface="Consolas" panose="020B0609020204030204" pitchFamily="49" charset="0"/>
-              </a:rPr>
-              <a:t>          </a:t>
-            </a:r>
-            <a:r>
-              <a:rPr lang="es-ES" sz="1600" dirty="0" err="1">
-                <a:solidFill>
-                  <a:srgbClr val="000000"/>
-                </a:solidFill>
-                <a:latin typeface="Consolas" panose="020B0609020204030204" pitchFamily="49" charset="0"/>
-              </a:rPr>
-              <a:t>S.Equal</a:t>
-            </a:r>
-            <a:r>
-              <a:rPr lang="es-ES" sz="1600" dirty="0">
-                <a:solidFill>
-                  <a:srgbClr val="000000"/>
-                </a:solidFill>
-                <a:latin typeface="Consolas" panose="020B0609020204030204" pitchFamily="49" charset="0"/>
-              </a:rPr>
-              <a:t>(t ^ 1, partidos[t][0])    </a:t>
-            </a:r>
-            <a:r>
-              <a:rPr lang="es-ES" sz="1600" dirty="0">
-                <a:solidFill>
-                  <a:srgbClr val="008000"/>
-                </a:solidFill>
-                <a:latin typeface="Consolas" panose="020B0609020204030204" pitchFamily="49" charset="0"/>
-              </a:rPr>
-              <a:t>// la primera ronda se emparejan pares con impares</a:t>
-            </a:r>
-            <a:endParaRPr lang="es-ES" sz="1600" dirty="0">
-              <a:solidFill>
-                <a:srgbClr val="000000"/>
-              </a:solidFill>
-              <a:latin typeface="Consolas" panose="020B0609020204030204" pitchFamily="49" charset="0"/>
-            </a:endParaRPr>
-          </a:p>
-          <a:p>
-            <a:r>
-              <a:rPr lang="es-ES" sz="1600" dirty="0">
-                <a:solidFill>
-                  <a:srgbClr val="000000"/>
-                </a:solidFill>
-                <a:latin typeface="Consolas" panose="020B0609020204030204" pitchFamily="49" charset="0"/>
-              </a:rPr>
-              <a:t>        );</a:t>
-            </a:r>
-          </a:p>
-          <a:p>
-            <a:r>
-              <a:rPr lang="es-ES" sz="1600" dirty="0">
-                <a:solidFill>
-                  <a:srgbClr val="000000"/>
-                </a:solidFill>
-                <a:latin typeface="Consolas" panose="020B0609020204030204" pitchFamily="49" charset="0"/>
-              </a:rPr>
-              <a:t>    }</a:t>
-            </a:r>
-          </a:p>
-          <a:p>
-            <a:endParaRPr lang="es-ES" sz="1600" dirty="0">
-              <a:solidFill>
-                <a:srgbClr val="000000"/>
-              </a:solidFill>
-              <a:latin typeface="Consolas" panose="020B0609020204030204" pitchFamily="49" charset="0"/>
-            </a:endParaRPr>
-          </a:p>
-          <a:p>
-            <a:r>
-              <a:rPr lang="pl-PL" sz="1600" dirty="0">
-                <a:solidFill>
-                  <a:srgbClr val="000000"/>
-                </a:solidFill>
-                <a:latin typeface="Consolas" panose="020B0609020204030204" pitchFamily="49" charset="0"/>
-              </a:rPr>
-              <a:t>    </a:t>
-            </a:r>
-            <a:r>
-              <a:rPr lang="pl-PL" sz="1600" dirty="0">
-                <a:solidFill>
-                  <a:srgbClr val="0000FF"/>
-                </a:solidFill>
-                <a:latin typeface="Consolas" panose="020B0609020204030204" pitchFamily="49" charset="0"/>
-              </a:rPr>
-              <a:t>for</a:t>
-            </a:r>
-            <a:r>
-              <a:rPr lang="pl-PL" sz="1600" dirty="0">
-                <a:solidFill>
-                  <a:srgbClr val="000000"/>
-                </a:solidFill>
-                <a:latin typeface="Consolas" panose="020B0609020204030204" pitchFamily="49" charset="0"/>
-              </a:rPr>
-              <a:t> (</a:t>
-            </a:r>
-            <a:r>
-              <a:rPr lang="pl-PL" sz="1600" dirty="0">
-                <a:solidFill>
-                  <a:srgbClr val="0000FF"/>
-                </a:solidFill>
-                <a:latin typeface="Consolas" panose="020B0609020204030204" pitchFamily="49" charset="0"/>
-              </a:rPr>
-              <a:t>int</a:t>
-            </a:r>
-            <a:r>
-              <a:rPr lang="pl-PL" sz="1600" dirty="0">
-                <a:solidFill>
-                  <a:srgbClr val="000000"/>
-                </a:solidFill>
-                <a:latin typeface="Consolas" panose="020B0609020204030204" pitchFamily="49" charset="0"/>
-              </a:rPr>
-              <a:t> w = 0; w &lt; N - 1; w++)</a:t>
-            </a:r>
-          </a:p>
-          <a:p>
-            <a:r>
-              <a:rPr lang="es-ES" sz="1600" dirty="0">
-                <a:solidFill>
-                  <a:srgbClr val="000000"/>
-                </a:solidFill>
-                <a:latin typeface="Consolas" panose="020B0609020204030204" pitchFamily="49" charset="0"/>
-              </a:rPr>
-              <a:t>    {</a:t>
-            </a:r>
-          </a:p>
-          <a:p>
-            <a:r>
-              <a:rPr lang="es-ES" sz="1600" dirty="0">
-                <a:solidFill>
-                  <a:srgbClr val="000000"/>
-                </a:solidFill>
-                <a:latin typeface="Consolas" panose="020B0609020204030204" pitchFamily="49" charset="0"/>
-              </a:rPr>
-              <a:t>       </a:t>
-            </a:r>
-            <a:r>
-              <a:rPr lang="es-ES" sz="1600" dirty="0" err="1">
-                <a:solidFill>
-                  <a:srgbClr val="000000"/>
-                </a:solidFill>
-                <a:latin typeface="Consolas" panose="020B0609020204030204" pitchFamily="49" charset="0"/>
-              </a:rPr>
-              <a:t>S.AddConstraints</a:t>
-            </a:r>
-            <a:r>
-              <a:rPr lang="es-ES" sz="1600" dirty="0">
-                <a:solidFill>
-                  <a:srgbClr val="000000"/>
-                </a:solidFill>
-                <a:latin typeface="Consolas" panose="020B0609020204030204" pitchFamily="49" charset="0"/>
-              </a:rPr>
-              <a:t>(</a:t>
-            </a:r>
-            <a:r>
-              <a:rPr lang="es-ES" sz="1600" dirty="0" err="1">
-                <a:solidFill>
-                  <a:srgbClr val="000000"/>
-                </a:solidFill>
-                <a:latin typeface="Consolas" panose="020B0609020204030204" pitchFamily="49" charset="0"/>
-              </a:rPr>
-              <a:t>S.Unequal</a:t>
-            </a:r>
-            <a:r>
-              <a:rPr lang="es-ES" sz="1600" dirty="0">
-                <a:solidFill>
-                  <a:srgbClr val="000000"/>
-                </a:solidFill>
-                <a:latin typeface="Consolas" panose="020B0609020204030204" pitchFamily="49" charset="0"/>
-              </a:rPr>
-              <a:t>(</a:t>
-            </a:r>
-            <a:r>
-              <a:rPr lang="es-ES" sz="1600" dirty="0" err="1">
-                <a:solidFill>
-                  <a:srgbClr val="000000"/>
-                </a:solidFill>
-                <a:latin typeface="Consolas" panose="020B0609020204030204" pitchFamily="49" charset="0"/>
-              </a:rPr>
-              <a:t>GetColumn</a:t>
-            </a:r>
-            <a:r>
-              <a:rPr lang="es-ES" sz="1600" dirty="0">
-                <a:solidFill>
-                  <a:srgbClr val="000000"/>
-                </a:solidFill>
-                <a:latin typeface="Consolas" panose="020B0609020204030204" pitchFamily="49" charset="0"/>
-              </a:rPr>
-              <a:t>(partidos, w))); </a:t>
-            </a:r>
-            <a:r>
-              <a:rPr lang="es-ES" sz="1600" dirty="0">
-                <a:solidFill>
-                  <a:srgbClr val="008000"/>
-                </a:solidFill>
-                <a:latin typeface="Consolas" panose="020B0609020204030204" pitchFamily="49" charset="0"/>
-              </a:rPr>
-              <a:t>// cada equipo solo juega una vez cada jornada</a:t>
-            </a:r>
-            <a:endParaRPr lang="es-ES" sz="1600" dirty="0">
-              <a:solidFill>
-                <a:srgbClr val="000000"/>
-              </a:solidFill>
-              <a:latin typeface="Consolas" panose="020B0609020204030204" pitchFamily="49" charset="0"/>
-            </a:endParaRPr>
-          </a:p>
-          <a:p>
-            <a:r>
-              <a:rPr lang="es-ES" sz="1600" dirty="0">
-                <a:solidFill>
-                  <a:srgbClr val="000000"/>
-                </a:solidFill>
-                <a:latin typeface="Consolas" panose="020B0609020204030204" pitchFamily="49" charset="0"/>
-              </a:rPr>
-              <a:t>    }</a:t>
-            </a:r>
-          </a:p>
-          <a:p>
-            <a:r>
-              <a:rPr lang="es-ES" sz="1600" dirty="0">
-                <a:solidFill>
-                  <a:srgbClr val="000000"/>
-                </a:solidFill>
-                <a:latin typeface="Consolas" panose="020B0609020204030204" pitchFamily="49" charset="0"/>
-              </a:rPr>
-              <a:t>    </a:t>
-            </a:r>
-            <a:r>
-              <a:rPr lang="es-ES" sz="1600" dirty="0" err="1">
-                <a:solidFill>
-                  <a:srgbClr val="000000"/>
-                </a:solidFill>
-                <a:latin typeface="Consolas" panose="020B0609020204030204" pitchFamily="49" charset="0"/>
-              </a:rPr>
+              <a:rPr lang="es-ES" dirty="0"/>
+              <a:t>Resolver el modelo</a:t>
+            </a:r>
+          </a:p>
+          <a:p>
+            <a:pPr lvl="1"/>
+            <a:r>
+              <a:rPr lang="es-ES" dirty="0"/>
+              <a:t>Invocamos el método </a:t>
+            </a:r>
+            <a:r>
+              <a:rPr lang="es-ES" dirty="0" err="1"/>
+              <a:t>Solve</a:t>
+            </a:r>
+            <a:r>
+              <a:rPr lang="es-ES" dirty="0"/>
+              <a:t>() que nos devuelve un objeto </a:t>
+            </a:r>
+            <a:r>
+              <a:rPr lang="es-ES" dirty="0" err="1"/>
               <a:t>ConstraintSolverSolution</a:t>
             </a:r>
-            <a:r>
-              <a:rPr lang="es-ES" sz="1600" dirty="0">
-                <a:solidFill>
-                  <a:srgbClr val="000000"/>
-                </a:solidFill>
-                <a:latin typeface="Consolas" panose="020B0609020204030204" pitchFamily="49" charset="0"/>
-              </a:rPr>
-              <a:t> </a:t>
-            </a:r>
-            <a:r>
-              <a:rPr lang="es-ES" sz="1600" dirty="0" err="1">
-                <a:solidFill>
-                  <a:srgbClr val="000000"/>
-                </a:solidFill>
-                <a:latin typeface="Consolas" panose="020B0609020204030204" pitchFamily="49" charset="0"/>
-              </a:rPr>
-              <a:t>soln</a:t>
-            </a:r>
-            <a:r>
-              <a:rPr lang="es-ES" sz="1600" dirty="0">
-                <a:solidFill>
-                  <a:srgbClr val="000000"/>
-                </a:solidFill>
-                <a:latin typeface="Consolas" panose="020B0609020204030204" pitchFamily="49" charset="0"/>
-              </a:rPr>
-              <a:t> = </a:t>
-            </a:r>
-            <a:r>
-              <a:rPr lang="es-ES" sz="1600" dirty="0" err="1">
-                <a:solidFill>
-                  <a:srgbClr val="000000"/>
-                </a:solidFill>
-                <a:latin typeface="Consolas" panose="020B0609020204030204" pitchFamily="49" charset="0"/>
-              </a:rPr>
-              <a:t>S.Solve</a:t>
-            </a:r>
-            <a:r>
-              <a:rPr lang="es-ES" sz="1600" dirty="0">
-                <a:solidFill>
-                  <a:srgbClr val="000000"/>
-                </a:solidFill>
-                <a:latin typeface="Consolas" panose="020B0609020204030204" pitchFamily="49" charset="0"/>
-              </a:rPr>
-              <a:t>();</a:t>
-            </a:r>
-          </a:p>
-          <a:p>
-            <a:r>
-              <a:rPr lang="es-ES" sz="1600" dirty="0">
-                <a:solidFill>
-                  <a:srgbClr val="000000"/>
-                </a:solidFill>
-                <a:latin typeface="Consolas" panose="020B0609020204030204" pitchFamily="49" charset="0"/>
-              </a:rPr>
-              <a:t>}</a:t>
-            </a:r>
-            <a:endParaRPr lang="es-ES" sz="1600" dirty="0"/>
+            <a:endParaRPr lang="es-ES" dirty="0"/>
+          </a:p>
+          <a:p>
+            <a:pPr lvl="1"/>
+            <a:r>
+              <a:rPr lang="es-ES" dirty="0"/>
+              <a:t>Propiedades</a:t>
+            </a:r>
+          </a:p>
+          <a:p>
+            <a:pPr lvl="2"/>
+            <a:r>
+              <a:rPr lang="es-ES" dirty="0" err="1"/>
+              <a:t>HasFoundSolution</a:t>
+            </a:r>
+            <a:endParaRPr lang="es-ES" dirty="0"/>
+          </a:p>
+          <a:p>
+            <a:pPr lvl="2"/>
+            <a:r>
+              <a:rPr lang="es-ES" dirty="0" err="1"/>
+              <a:t>Quality</a:t>
+            </a:r>
+            <a:endParaRPr lang="es-ES" dirty="0"/>
+          </a:p>
+          <a:p>
+            <a:pPr lvl="3"/>
+            <a:r>
+              <a:rPr lang="es-ES" dirty="0"/>
+              <a:t>Sin solución</a:t>
+            </a:r>
+          </a:p>
+          <a:p>
+            <a:pPr lvl="3"/>
+            <a:r>
+              <a:rPr lang="es-ES" dirty="0"/>
+              <a:t>Inviable</a:t>
+            </a:r>
+          </a:p>
+          <a:p>
+            <a:pPr lvl="3"/>
+            <a:r>
+              <a:rPr lang="es-ES" dirty="0"/>
+              <a:t>Viable</a:t>
+            </a:r>
+          </a:p>
+          <a:p>
+            <a:pPr lvl="3"/>
+            <a:r>
+              <a:rPr lang="es-ES" dirty="0"/>
+              <a:t>Optima</a:t>
+            </a:r>
+          </a:p>
+          <a:p>
+            <a:pPr lvl="1"/>
+            <a:r>
+              <a:rPr lang="es-ES" dirty="0"/>
+              <a:t>Obtener soluciones</a:t>
+            </a:r>
+          </a:p>
+          <a:p>
+            <a:pPr lvl="2"/>
+            <a:r>
+              <a:rPr lang="en-US" dirty="0" err="1"/>
+              <a:t>GetNext</a:t>
+            </a:r>
+            <a:r>
+              <a:rPr lang="en-US" dirty="0"/>
+              <a:t>()</a:t>
+            </a:r>
+            <a:endParaRPr lang="es-ES" dirty="0"/>
           </a:p>
         </p:txBody>
       </p:sp>
     </p:spTree>
     <p:extLst>
       <p:ext uri="{BB962C8B-B14F-4D97-AF65-F5344CB8AC3E}">
-        <p14:creationId xmlns:p14="http://schemas.microsoft.com/office/powerpoint/2010/main" val="1783863969"/>
+        <p14:creationId xmlns:p14="http://schemas.microsoft.com/office/powerpoint/2010/main" val="2833877487"/>
       </p:ext>
     </p:extLst>
   </p:cSld>

--- a/Presentacion/Solver Foundation.pptx
+++ b/Presentacion/Solver Foundation.pptx
@@ -5,22 +5,21 @@
     <p:sldMasterId id="2147483648" r:id="rId1"/>
   </p:sldMasterIdLst>
   <p:notesMasterIdLst>
-    <p:notesMasterId r:id="rId15"/>
+    <p:notesMasterId r:id="rId14"/>
   </p:notesMasterIdLst>
   <p:sldIdLst>
-    <p:sldId id="256" r:id="rId2"/>
+    <p:sldId id="275" r:id="rId2"/>
     <p:sldId id="267" r:id="rId3"/>
-    <p:sldId id="258" r:id="rId4"/>
-    <p:sldId id="274" r:id="rId5"/>
-    <p:sldId id="259" r:id="rId6"/>
-    <p:sldId id="273" r:id="rId7"/>
-    <p:sldId id="269" r:id="rId8"/>
-    <p:sldId id="272" r:id="rId9"/>
-    <p:sldId id="263" r:id="rId10"/>
-    <p:sldId id="264" r:id="rId11"/>
-    <p:sldId id="265" r:id="rId12"/>
-    <p:sldId id="266" r:id="rId13"/>
-    <p:sldId id="268" r:id="rId14"/>
+    <p:sldId id="274" r:id="rId4"/>
+    <p:sldId id="259" r:id="rId5"/>
+    <p:sldId id="269" r:id="rId6"/>
+    <p:sldId id="276" r:id="rId7"/>
+    <p:sldId id="272" r:id="rId8"/>
+    <p:sldId id="263" r:id="rId9"/>
+    <p:sldId id="264" r:id="rId10"/>
+    <p:sldId id="265" r:id="rId11"/>
+    <p:sldId id="266" r:id="rId12"/>
+    <p:sldId id="268" r:id="rId13"/>
   </p:sldIdLst>
   <p:sldSz cx="12192000" cy="6858000"/>
   <p:notesSz cx="6858000" cy="9144000"/>
@@ -124,7 +123,7 @@
       <p14:sectionLst xmlns:p14="http://schemas.microsoft.com/office/powerpoint/2010/main">
         <p14:section name="Sección predeterminada" id="{26FF7778-BBDB-4A14-A5D6-AD7C0D422153}">
           <p14:sldIdLst>
-            <p14:sldId id="256"/>
+            <p14:sldId id="275"/>
           </p14:sldIdLst>
         </p14:section>
         <p14:section name="Introducción" id="{3D3C67AF-4F43-4205-8F7E-C4BDD32ACBFF}">
@@ -134,15 +133,14 @@
         </p14:section>
         <p14:section name="Solvers" id="{9153F55B-B845-475C-A8AF-3F075C855332}">
           <p14:sldIdLst>
-            <p14:sldId id="258"/>
             <p14:sldId id="274"/>
           </p14:sldIdLst>
         </p14:section>
         <p14:section name="Restricciones" id="{44E19A14-BD1B-4B02-8FBC-DD59A9D4D976}">
           <p14:sldIdLst>
             <p14:sldId id="259"/>
-            <p14:sldId id="273"/>
             <p14:sldId id="269"/>
+            <p14:sldId id="276"/>
             <p14:sldId id="272"/>
             <p14:sldId id="263"/>
           </p14:sldIdLst>
@@ -261,7 +259,7 @@
           <a:p>
             <a:fld id="{84DF9958-7801-4618-B573-6309E75BC87B}" type="datetimeFigureOut">
               <a:rPr lang="es-ES" smtClean="0"/>
-              <a:t>14/05/2019</a:t>
+              <a:t>16/05/2019</a:t>
             </a:fld>
             <a:endParaRPr lang="es-ES"/>
           </a:p>
@@ -572,96 +570,7 @@
           <a:bodyPr/>
           <a:lstStyle/>
           <a:p>
-            <a:r>
-              <a:rPr lang="es-ES" dirty="0"/>
-              <a:t>Es una solución para realizar programación matemática, modelizar y optimizar</a:t>
-            </a:r>
-          </a:p>
-          <a:p>
-            <a:r>
-              <a:rPr lang="es-ES" dirty="0"/>
-              <a:t>Se puede usar como librería para programar o como extensión para Excel</a:t>
-            </a:r>
-          </a:p>
-          <a:p>
             <a:endParaRPr lang="es-ES" dirty="0"/>
-          </a:p>
-          <a:p>
-            <a:r>
-              <a:rPr lang="es-ES" dirty="0"/>
-              <a:t>Para usarlo en código, desde visual </a:t>
-            </a:r>
-            <a:r>
-              <a:rPr lang="es-ES" dirty="0" err="1"/>
-              <a:t>studio</a:t>
-            </a:r>
-            <a:r>
-              <a:rPr lang="es-ES" dirty="0"/>
-              <a:t> importamos la librería con </a:t>
-            </a:r>
-            <a:r>
-              <a:rPr lang="es-ES" dirty="0" err="1"/>
-              <a:t>NuGet</a:t>
-            </a:r>
-            <a:r>
-              <a:rPr lang="es-ES" dirty="0"/>
-              <a:t>, el gestor de paquetes de visual </a:t>
-            </a:r>
-            <a:r>
-              <a:rPr lang="es-ES" dirty="0" err="1"/>
-              <a:t>studio</a:t>
-            </a:r>
-            <a:r>
-              <a:rPr lang="es-ES" dirty="0"/>
-              <a:t>.</a:t>
-            </a:r>
-          </a:p>
-          <a:p>
-            <a:r>
-              <a:rPr lang="es-ES" dirty="0"/>
-              <a:t>Si queremos usar la extensión de Excel y la documentación nos instalamos el paquete.</a:t>
-            </a:r>
-          </a:p>
-          <a:p>
-            <a:pPr marL="0" marR="0" lvl="0" indent="0" algn="l" defTabSz="914400" rtl="0" eaLnBrk="1" fontAlgn="auto" latinLnBrk="0" hangingPunct="1">
-              <a:lnSpc>
-                <a:spcPct val="100000"/>
-              </a:lnSpc>
-              <a:spcBef>
-                <a:spcPts val="0"/>
-              </a:spcBef>
-              <a:spcAft>
-                <a:spcPts val="0"/>
-              </a:spcAft>
-              <a:buClrTx/>
-              <a:buSzTx/>
-              <a:buFontTx/>
-              <a:buNone/>
-              <a:tabLst/>
-              <a:defRPr/>
-            </a:pPr>
-            <a:r>
-              <a:rPr lang="es-ES"/>
-              <a:t>Esta </a:t>
-            </a:r>
-            <a:r>
-              <a:rPr lang="es-ES" dirty="0"/>
-              <a:t>descontinuado desde 2012 pero es perfectamente usable</a:t>
-            </a:r>
-          </a:p>
-          <a:p>
-            <a:r>
-              <a:rPr lang="es-ES" dirty="0"/>
-              <a:t>También dejamos la </a:t>
-            </a:r>
-            <a:r>
-              <a:rPr lang="es-ES" dirty="0" err="1"/>
-              <a:t>url</a:t>
-            </a:r>
-            <a:r>
-              <a:rPr lang="es-ES" dirty="0"/>
-              <a:t> de la pagina dedicada en la MSDN</a:t>
-            </a:r>
           </a:p>
         </p:txBody>
       </p:sp>
@@ -682,7 +591,7 @@
           <a:p>
             <a:fld id="{FCDA2D49-8E2A-4398-9C90-188927C70331}" type="slidenum">
               <a:rPr lang="es-ES" smtClean="0"/>
-              <a:t>2</a:t>
+              <a:t>1</a:t>
             </a:fld>
             <a:endParaRPr lang="es-ES"/>
           </a:p>
@@ -691,7 +600,91 @@
     </p:spTree>
     <p:extLst>
       <p:ext uri="{BB962C8B-B14F-4D97-AF65-F5344CB8AC3E}">
-        <p14:creationId xmlns:p14="http://schemas.microsoft.com/office/powerpoint/2010/main" val="1039840456"/>
+        <p14:creationId xmlns:p14="http://schemas.microsoft.com/office/powerpoint/2010/main" val="3067878450"/>
+      </p:ext>
+    </p:extLst>
+  </p:cSld>
+  <p:clrMapOvr>
+    <a:masterClrMapping/>
+  </p:clrMapOvr>
+</p:notes>
+</file>
+
+<file path=ppt/notesSlides/notesSlide10.xml><?xml version="1.0" encoding="utf-8"?>
+<p:notes xmlns:a="http://schemas.openxmlformats.org/drawingml/2006/main" xmlns:r="http://schemas.openxmlformats.org/officeDocument/2006/relationships" xmlns:p="http://schemas.openxmlformats.org/presentationml/2006/main">
+  <p:cSld>
+    <p:spTree>
+      <p:nvGrpSpPr>
+        <p:cNvPr id="1" name=""/>
+        <p:cNvGrpSpPr/>
+        <p:nvPr/>
+      </p:nvGrpSpPr>
+      <p:grpSpPr>
+        <a:xfrm>
+          <a:off x="0" y="0"/>
+          <a:ext cx="0" cy="0"/>
+          <a:chOff x="0" y="0"/>
+          <a:chExt cx="0" cy="0"/>
+        </a:xfrm>
+      </p:grpSpPr>
+      <p:sp>
+        <p:nvSpPr>
+          <p:cNvPr id="2" name="Marcador de imagen de diapositiva 1"/>
+          <p:cNvSpPr>
+            <a:spLocks noGrp="1" noRot="1" noChangeAspect="1"/>
+          </p:cNvSpPr>
+          <p:nvPr>
+            <p:ph type="sldImg"/>
+          </p:nvPr>
+        </p:nvSpPr>
+        <p:spPr/>
+      </p:sp>
+      <p:sp>
+        <p:nvSpPr>
+          <p:cNvPr id="3" name="Marcador de notas 2"/>
+          <p:cNvSpPr>
+            <a:spLocks noGrp="1"/>
+          </p:cNvSpPr>
+          <p:nvPr>
+            <p:ph type="body" idx="1"/>
+          </p:nvPr>
+        </p:nvSpPr>
+        <p:spPr/>
+        <p:txBody>
+          <a:bodyPr/>
+          <a:lstStyle/>
+          <a:p>
+            <a:endParaRPr lang="es-ES" dirty="0"/>
+          </a:p>
+        </p:txBody>
+      </p:sp>
+      <p:sp>
+        <p:nvSpPr>
+          <p:cNvPr id="4" name="Marcador de número de diapositiva 3"/>
+          <p:cNvSpPr>
+            <a:spLocks noGrp="1"/>
+          </p:cNvSpPr>
+          <p:nvPr>
+            <p:ph type="sldNum" sz="quarter" idx="5"/>
+          </p:nvPr>
+        </p:nvSpPr>
+        <p:spPr/>
+        <p:txBody>
+          <a:bodyPr/>
+          <a:lstStyle/>
+          <a:p>
+            <a:fld id="{FCDA2D49-8E2A-4398-9C90-188927C70331}" type="slidenum">
+              <a:rPr lang="es-ES" smtClean="0"/>
+              <a:t>10</a:t>
+            </a:fld>
+            <a:endParaRPr lang="es-ES"/>
+          </a:p>
+        </p:txBody>
+      </p:sp>
+    </p:spTree>
+    <p:extLst>
+      <p:ext uri="{BB962C8B-B14F-4D97-AF65-F5344CB8AC3E}">
+        <p14:creationId xmlns:p14="http://schemas.microsoft.com/office/powerpoint/2010/main" val="1074922629"/>
       </p:ext>
     </p:extLst>
   </p:cSld>
@@ -747,33 +740,94 @@
           <a:p>
             <a:r>
               <a:rPr lang="es-ES" dirty="0"/>
-              <a:t>Lo primero que tenemos que decidir es que tipo de problema queremos solucionar, existen diferentes </a:t>
+              <a:t>Es una solución para realizar programación matemática, modelizar y optimizar</a:t>
+            </a:r>
+          </a:p>
+          <a:p>
+            <a:r>
+              <a:rPr lang="es-ES" dirty="0"/>
+              <a:t>Se puede usar como librería para programar o como extensión para Excel</a:t>
+            </a:r>
+          </a:p>
+          <a:p>
+            <a:endParaRPr lang="es-ES" dirty="0"/>
+          </a:p>
+          <a:p>
+            <a:r>
+              <a:rPr lang="es-ES" dirty="0"/>
+              <a:t>Para usarlo en código, desde visual </a:t>
             </a:r>
             <a:r>
               <a:rPr lang="es-ES" dirty="0" err="1"/>
-              <a:t>solvers</a:t>
+              <a:t>studio</a:t>
             </a:r>
             <a:r>
               <a:rPr lang="es-ES" dirty="0"/>
-              <a:t> que podemos usar en nuestro programa, dependiendo del modelo que queremos resolver, aunque siempre podemos usar el genérico y por debajo analizando el problema se elige un solucionador de los disponibles.</a:t>
-            </a:r>
-          </a:p>
-          <a:p>
+              <a:t> importamos la librería con </a:t>
+            </a:r>
+            <a:r>
+              <a:rPr lang="es-ES" dirty="0" err="1"/>
+              <a:t>NuGet</a:t>
+            </a:r>
             <a:r>
               <a:rPr lang="es-ES" dirty="0"/>
-              <a:t>También se pueden instalar </a:t>
+              <a:t>, el gestor de paquetes de visual </a:t>
             </a:r>
             <a:r>
               <a:rPr lang="es-ES" dirty="0" err="1"/>
-              <a:t>solvers</a:t>
+              <a:t>studio</a:t>
             </a:r>
             <a:r>
               <a:rPr lang="es-ES" dirty="0"/>
-              <a:t> de terceros o desarrollarlos nosotros</a:t>
-            </a:r>
-          </a:p>
-          <a:p>
-            <a:endParaRPr lang="es-ES" dirty="0"/>
+              <a:t>.</a:t>
+            </a:r>
+          </a:p>
+          <a:p>
+            <a:r>
+              <a:rPr lang="es-ES" dirty="0"/>
+              <a:t>Si queremos usar la extensión de Excel y la documentación nos instalamos el paquete.</a:t>
+            </a:r>
+          </a:p>
+          <a:p>
+            <a:pPr marL="0" marR="0" lvl="0" indent="0" algn="l" defTabSz="914400" rtl="0" eaLnBrk="1" fontAlgn="auto" latinLnBrk="0" hangingPunct="1">
+              <a:lnSpc>
+                <a:spcPct val="100000"/>
+              </a:lnSpc>
+              <a:spcBef>
+                <a:spcPts val="0"/>
+              </a:spcBef>
+              <a:spcAft>
+                <a:spcPts val="0"/>
+              </a:spcAft>
+              <a:buClrTx/>
+              <a:buSzTx/>
+              <a:buFontTx/>
+              <a:buNone/>
+              <a:tabLst/>
+              <a:defRPr/>
+            </a:pPr>
+            <a:r>
+              <a:rPr lang="es-ES"/>
+              <a:t>Esta </a:t>
+            </a:r>
+            <a:r>
+              <a:rPr lang="es-ES" dirty="0"/>
+              <a:t>descontinuado desde 2012 pero es perfectamente usable</a:t>
+            </a:r>
+          </a:p>
+          <a:p>
+            <a:r>
+              <a:rPr lang="es-ES" dirty="0"/>
+              <a:t>También dejamos la </a:t>
+            </a:r>
+            <a:r>
+              <a:rPr lang="es-ES" dirty="0" err="1"/>
+              <a:t>url</a:t>
+            </a:r>
+            <a:r>
+              <a:rPr lang="es-ES" dirty="0"/>
+              <a:t> de la pagina dedicada en la MSDN</a:t>
+            </a:r>
           </a:p>
         </p:txBody>
       </p:sp>
@@ -794,7 +848,7 @@
           <a:p>
             <a:fld id="{FCDA2D49-8E2A-4398-9C90-188927C70331}" type="slidenum">
               <a:rPr lang="es-ES" smtClean="0"/>
-              <a:t>3</a:t>
+              <a:t>2</a:t>
             </a:fld>
             <a:endParaRPr lang="es-ES"/>
           </a:p>
@@ -803,7 +857,7 @@
     </p:spTree>
     <p:extLst>
       <p:ext uri="{BB962C8B-B14F-4D97-AF65-F5344CB8AC3E}">
-        <p14:creationId xmlns:p14="http://schemas.microsoft.com/office/powerpoint/2010/main" val="3573404221"/>
+        <p14:creationId xmlns:p14="http://schemas.microsoft.com/office/powerpoint/2010/main" val="1039840456"/>
       </p:ext>
     </p:extLst>
   </p:cSld>
@@ -906,7 +960,7 @@
           <a:p>
             <a:fld id="{FCDA2D49-8E2A-4398-9C90-188927C70331}" type="slidenum">
               <a:rPr lang="es-ES" smtClean="0"/>
-              <a:t>4</a:t>
+              <a:t>3</a:t>
             </a:fld>
             <a:endParaRPr lang="es-ES"/>
           </a:p>
@@ -1035,7 +1089,7 @@
           <a:p>
             <a:fld id="{FCDA2D49-8E2A-4398-9C90-188927C70331}" type="slidenum">
               <a:rPr lang="es-ES" smtClean="0"/>
-              <a:t>5</a:t>
+              <a:t>4</a:t>
             </a:fld>
             <a:endParaRPr lang="es-ES"/>
           </a:p>
@@ -1169,12 +1223,6 @@
           <a:p>
             <a:endParaRPr lang="es-ES" dirty="0"/>
           </a:p>
-          <a:p>
-            <a:r>
-              <a:rPr lang="es-ES" dirty="0"/>
-              <a:t>Como podemos ver en este ejemplo, que son las restricciones al problema de las n reinas </a:t>
-            </a:r>
-          </a:p>
         </p:txBody>
       </p:sp>
       <p:sp>
@@ -1194,7 +1242,7 @@
           <a:p>
             <a:fld id="{FCDA2D49-8E2A-4398-9C90-188927C70331}" type="slidenum">
               <a:rPr lang="es-ES" smtClean="0"/>
-              <a:t>6</a:t>
+              <a:t>5</a:t>
             </a:fld>
             <a:endParaRPr lang="es-ES"/>
           </a:p>
@@ -1203,7 +1251,7 @@
     </p:spTree>
     <p:extLst>
       <p:ext uri="{BB962C8B-B14F-4D97-AF65-F5344CB8AC3E}">
-        <p14:creationId xmlns:p14="http://schemas.microsoft.com/office/powerpoint/2010/main" val="2665445021"/>
+        <p14:creationId xmlns:p14="http://schemas.microsoft.com/office/powerpoint/2010/main" val="1292857365"/>
       </p:ext>
     </p:extLst>
   </p:cSld>
@@ -1454,7 +1502,7 @@
           <a:p>
             <a:fld id="{FCDA2D49-8E2A-4398-9C90-188927C70331}" type="slidenum">
               <a:rPr lang="es-ES" smtClean="0"/>
-              <a:t>7</a:t>
+              <a:t>6</a:t>
             </a:fld>
             <a:endParaRPr lang="es-ES"/>
           </a:p>
@@ -1463,7 +1511,7 @@
     </p:spTree>
     <p:extLst>
       <p:ext uri="{BB962C8B-B14F-4D97-AF65-F5344CB8AC3E}">
-        <p14:creationId xmlns:p14="http://schemas.microsoft.com/office/powerpoint/2010/main" val="1292857365"/>
+        <p14:creationId xmlns:p14="http://schemas.microsoft.com/office/powerpoint/2010/main" val="3584736823"/>
       </p:ext>
     </p:extLst>
   </p:cSld>
@@ -1782,7 +1830,7 @@
           <a:p>
             <a:fld id="{FCDA2D49-8E2A-4398-9C90-188927C70331}" type="slidenum">
               <a:rPr lang="es-ES" smtClean="0"/>
-              <a:t>8</a:t>
+              <a:t>7</a:t>
             </a:fld>
             <a:endParaRPr lang="es-ES"/>
           </a:p>
@@ -1888,7 +1936,7 @@
           <a:p>
             <a:fld id="{FCDA2D49-8E2A-4398-9C90-188927C70331}" type="slidenum">
               <a:rPr lang="es-ES" smtClean="0"/>
-              <a:t>9</a:t>
+              <a:t>8</a:t>
             </a:fld>
             <a:endParaRPr lang="es-ES"/>
           </a:p>
@@ -1898,6 +1946,90 @@
     <p:extLst>
       <p:ext uri="{BB962C8B-B14F-4D97-AF65-F5344CB8AC3E}">
         <p14:creationId xmlns:p14="http://schemas.microsoft.com/office/powerpoint/2010/main" val="597373434"/>
+      </p:ext>
+    </p:extLst>
+  </p:cSld>
+  <p:clrMapOvr>
+    <a:masterClrMapping/>
+  </p:clrMapOvr>
+</p:notes>
+</file>
+
+<file path=ppt/notesSlides/notesSlide9.xml><?xml version="1.0" encoding="utf-8"?>
+<p:notes xmlns:a="http://schemas.openxmlformats.org/drawingml/2006/main" xmlns:r="http://schemas.openxmlformats.org/officeDocument/2006/relationships" xmlns:p="http://schemas.openxmlformats.org/presentationml/2006/main">
+  <p:cSld>
+    <p:spTree>
+      <p:nvGrpSpPr>
+        <p:cNvPr id="1" name=""/>
+        <p:cNvGrpSpPr/>
+        <p:nvPr/>
+      </p:nvGrpSpPr>
+      <p:grpSpPr>
+        <a:xfrm>
+          <a:off x="0" y="0"/>
+          <a:ext cx="0" cy="0"/>
+          <a:chOff x="0" y="0"/>
+          <a:chExt cx="0" cy="0"/>
+        </a:xfrm>
+      </p:grpSpPr>
+      <p:sp>
+        <p:nvSpPr>
+          <p:cNvPr id="2" name="Marcador de imagen de diapositiva 1"/>
+          <p:cNvSpPr>
+            <a:spLocks noGrp="1" noRot="1" noChangeAspect="1"/>
+          </p:cNvSpPr>
+          <p:nvPr>
+            <p:ph type="sldImg"/>
+          </p:nvPr>
+        </p:nvSpPr>
+        <p:spPr/>
+      </p:sp>
+      <p:sp>
+        <p:nvSpPr>
+          <p:cNvPr id="3" name="Marcador de notas 2"/>
+          <p:cNvSpPr>
+            <a:spLocks noGrp="1"/>
+          </p:cNvSpPr>
+          <p:nvPr>
+            <p:ph type="body" idx="1"/>
+          </p:nvPr>
+        </p:nvSpPr>
+        <p:spPr/>
+        <p:txBody>
+          <a:bodyPr/>
+          <a:lstStyle/>
+          <a:p>
+            <a:endParaRPr lang="es-ES" dirty="0"/>
+          </a:p>
+        </p:txBody>
+      </p:sp>
+      <p:sp>
+        <p:nvSpPr>
+          <p:cNvPr id="4" name="Marcador de número de diapositiva 3"/>
+          <p:cNvSpPr>
+            <a:spLocks noGrp="1"/>
+          </p:cNvSpPr>
+          <p:nvPr>
+            <p:ph type="sldNum" sz="quarter" idx="5"/>
+          </p:nvPr>
+        </p:nvSpPr>
+        <p:spPr/>
+        <p:txBody>
+          <a:bodyPr/>
+          <a:lstStyle/>
+          <a:p>
+            <a:fld id="{FCDA2D49-8E2A-4398-9C90-188927C70331}" type="slidenum">
+              <a:rPr lang="es-ES" smtClean="0"/>
+              <a:t>9</a:t>
+            </a:fld>
+            <a:endParaRPr lang="es-ES"/>
+          </a:p>
+        </p:txBody>
+      </p:sp>
+    </p:spTree>
+    <p:extLst>
+      <p:ext uri="{BB962C8B-B14F-4D97-AF65-F5344CB8AC3E}">
+        <p14:creationId xmlns:p14="http://schemas.microsoft.com/office/powerpoint/2010/main" val="1707072512"/>
       </p:ext>
     </p:extLst>
   </p:cSld>
@@ -2054,7 +2186,7 @@
           <a:p>
             <a:fld id="{EB538E4D-B150-4AC3-BB99-2E0AA2ACAD6A}" type="datetimeFigureOut">
               <a:rPr lang="es-ES" smtClean="0"/>
-              <a:t>14/05/2019</a:t>
+              <a:t>16/05/2019</a:t>
             </a:fld>
             <a:endParaRPr lang="es-ES"/>
           </a:p>
@@ -2252,7 +2384,7 @@
           <a:p>
             <a:fld id="{EB538E4D-B150-4AC3-BB99-2E0AA2ACAD6A}" type="datetimeFigureOut">
               <a:rPr lang="es-ES" smtClean="0"/>
-              <a:t>14/05/2019</a:t>
+              <a:t>16/05/2019</a:t>
             </a:fld>
             <a:endParaRPr lang="es-ES"/>
           </a:p>
@@ -2460,7 +2592,7 @@
           <a:p>
             <a:fld id="{EB538E4D-B150-4AC3-BB99-2E0AA2ACAD6A}" type="datetimeFigureOut">
               <a:rPr lang="es-ES" smtClean="0"/>
-              <a:t>14/05/2019</a:t>
+              <a:t>16/05/2019</a:t>
             </a:fld>
             <a:endParaRPr lang="es-ES"/>
           </a:p>
@@ -2658,7 +2790,7 @@
           <a:p>
             <a:fld id="{EB538E4D-B150-4AC3-BB99-2E0AA2ACAD6A}" type="datetimeFigureOut">
               <a:rPr lang="es-ES" smtClean="0"/>
-              <a:t>14/05/2019</a:t>
+              <a:t>16/05/2019</a:t>
             </a:fld>
             <a:endParaRPr lang="es-ES"/>
           </a:p>
@@ -2933,7 +3065,7 @@
           <a:p>
             <a:fld id="{EB538E4D-B150-4AC3-BB99-2E0AA2ACAD6A}" type="datetimeFigureOut">
               <a:rPr lang="es-ES" smtClean="0"/>
-              <a:t>14/05/2019</a:t>
+              <a:t>16/05/2019</a:t>
             </a:fld>
             <a:endParaRPr lang="es-ES"/>
           </a:p>
@@ -3198,7 +3330,7 @@
           <a:p>
             <a:fld id="{EB538E4D-B150-4AC3-BB99-2E0AA2ACAD6A}" type="datetimeFigureOut">
               <a:rPr lang="es-ES" smtClean="0"/>
-              <a:t>14/05/2019</a:t>
+              <a:t>16/05/2019</a:t>
             </a:fld>
             <a:endParaRPr lang="es-ES"/>
           </a:p>
@@ -3610,7 +3742,7 @@
           <a:p>
             <a:fld id="{EB538E4D-B150-4AC3-BB99-2E0AA2ACAD6A}" type="datetimeFigureOut">
               <a:rPr lang="es-ES" smtClean="0"/>
-              <a:t>14/05/2019</a:t>
+              <a:t>16/05/2019</a:t>
             </a:fld>
             <a:endParaRPr lang="es-ES"/>
           </a:p>
@@ -3751,7 +3883,7 @@
           <a:p>
             <a:fld id="{EB538E4D-B150-4AC3-BB99-2E0AA2ACAD6A}" type="datetimeFigureOut">
               <a:rPr lang="es-ES" smtClean="0"/>
-              <a:t>14/05/2019</a:t>
+              <a:t>16/05/2019</a:t>
             </a:fld>
             <a:endParaRPr lang="es-ES"/>
           </a:p>
@@ -3864,7 +3996,7 @@
           <a:p>
             <a:fld id="{EB538E4D-B150-4AC3-BB99-2E0AA2ACAD6A}" type="datetimeFigureOut">
               <a:rPr lang="es-ES" smtClean="0"/>
-              <a:t>14/05/2019</a:t>
+              <a:t>16/05/2019</a:t>
             </a:fld>
             <a:endParaRPr lang="es-ES"/>
           </a:p>
@@ -4175,7 +4307,7 @@
           <a:p>
             <a:fld id="{EB538E4D-B150-4AC3-BB99-2E0AA2ACAD6A}" type="datetimeFigureOut">
               <a:rPr lang="es-ES" smtClean="0"/>
-              <a:t>14/05/2019</a:t>
+              <a:t>16/05/2019</a:t>
             </a:fld>
             <a:endParaRPr lang="es-ES"/>
           </a:p>
@@ -4463,7 +4595,7 @@
           <a:p>
             <a:fld id="{EB538E4D-B150-4AC3-BB99-2E0AA2ACAD6A}" type="datetimeFigureOut">
               <a:rPr lang="es-ES" smtClean="0"/>
-              <a:t>14/05/2019</a:t>
+              <a:t>16/05/2019</a:t>
             </a:fld>
             <a:endParaRPr lang="es-ES"/>
           </a:p>
@@ -4540,9 +4672,12 @@
 <p:sldMaster xmlns:a="http://schemas.openxmlformats.org/drawingml/2006/main" xmlns:r="http://schemas.openxmlformats.org/officeDocument/2006/relationships" xmlns:p="http://schemas.openxmlformats.org/presentationml/2006/main">
   <p:cSld>
     <p:bg>
-      <p:bgRef idx="1001">
-        <a:schemeClr val="bg1"/>
-      </p:bgRef>
+      <p:bgPr>
+        <a:solidFill>
+          <a:schemeClr val="bg1"/>
+        </a:solidFill>
+        <a:effectLst/>
+      </p:bgPr>
     </p:bg>
     <p:spTree>
       <p:nvGrpSpPr>
@@ -4704,7 +4839,7 @@
           <a:p>
             <a:fld id="{EB538E4D-B150-4AC3-BB99-2E0AA2ACAD6A}" type="datetimeFigureOut">
               <a:rPr lang="es-ES" smtClean="0"/>
-              <a:t>14/05/2019</a:t>
+              <a:t>16/05/2019</a:t>
             </a:fld>
             <a:endParaRPr lang="es-ES"/>
           </a:p>
@@ -5107,6 +5242,19 @@
 <file path=ppt/slides/slide1.xml><?xml version="1.0" encoding="utf-8"?>
 <p:sld xmlns:a="http://schemas.openxmlformats.org/drawingml/2006/main" xmlns:r="http://schemas.openxmlformats.org/officeDocument/2006/relationships" xmlns:p="http://schemas.openxmlformats.org/presentationml/2006/main">
   <p:cSld>
+    <p:bg>
+      <p:bgPr>
+        <a:pattFill prst="pct5">
+          <a:fgClr>
+            <a:schemeClr val="accent1"/>
+          </a:fgClr>
+          <a:bgClr>
+            <a:schemeClr val="bg1"/>
+          </a:bgClr>
+        </a:pattFill>
+        <a:effectLst/>
+      </p:bgPr>
+    </p:bg>
     <p:spTree>
       <p:nvGrpSpPr>
         <p:cNvPr id="1" name=""/>
@@ -5123,70 +5271,371 @@
       </p:grpSpPr>
       <p:sp>
         <p:nvSpPr>
-          <p:cNvPr id="2" name="Título 1">
+          <p:cNvPr id="8" name="Rectángulo 7">
             <a:extLst>
               <a:ext uri="{FF2B5EF4-FFF2-40B4-BE49-F238E27FC236}">
-                <a16:creationId xmlns:a16="http://schemas.microsoft.com/office/drawing/2014/main" id="{E3AE4BD8-6AA6-4B2C-899D-DBE038D36DB0}"/>
+                <a16:creationId xmlns:a16="http://schemas.microsoft.com/office/drawing/2014/main" id="{B290634D-5B27-47E5-97D7-4865E73A13BE}"/>
               </a:ext>
             </a:extLst>
           </p:cNvPr>
-          <p:cNvSpPr>
-            <a:spLocks noGrp="1"/>
-          </p:cNvSpPr>
-          <p:nvPr>
-            <p:ph type="ctrTitle"/>
-          </p:nvPr>
-        </p:nvSpPr>
-        <p:spPr/>
-        <p:txBody>
-          <a:bodyPr/>
+          <p:cNvSpPr/>
+          <p:nvPr/>
+        </p:nvSpPr>
+        <p:spPr>
+          <a:xfrm>
+            <a:off x="0" y="2051790"/>
+            <a:ext cx="12192000" cy="2754419"/>
+          </a:xfrm>
+          <a:prstGeom prst="rect">
+            <a:avLst/>
+          </a:prstGeom>
+          <a:solidFill>
+            <a:srgbClr val="002060"/>
+          </a:solidFill>
+        </p:spPr>
+        <p:style>
+          <a:lnRef idx="2">
+            <a:schemeClr val="accent1">
+              <a:shade val="50000"/>
+            </a:schemeClr>
+          </a:lnRef>
+          <a:fillRef idx="1">
+            <a:schemeClr val="accent1"/>
+          </a:fillRef>
+          <a:effectRef idx="0">
+            <a:schemeClr val="accent1"/>
+          </a:effectRef>
+          <a:fontRef idx="minor">
+            <a:schemeClr val="lt1"/>
+          </a:fontRef>
+        </p:style>
+        <p:txBody>
+          <a:bodyPr rtlCol="0" anchor="ctr"/>
           <a:lstStyle/>
           <a:p>
-            <a:r>
-              <a:rPr lang="es-ES" dirty="0" err="1"/>
-              <a:t>Solver</a:t>
-            </a:r>
-            <a:r>
-              <a:rPr lang="es-ES" dirty="0"/>
-              <a:t> </a:t>
-            </a:r>
-            <a:r>
-              <a:rPr lang="es-ES" dirty="0" err="1"/>
-              <a:t>Foundation</a:t>
-            </a:r>
+            <a:pPr algn="ctr"/>
             <a:endParaRPr lang="es-ES" dirty="0"/>
           </a:p>
         </p:txBody>
       </p:sp>
       <p:sp>
         <p:nvSpPr>
-          <p:cNvPr id="3" name="Subtítulo 2">
+          <p:cNvPr id="9" name="Rectángulo 8">
             <a:extLst>
               <a:ext uri="{FF2B5EF4-FFF2-40B4-BE49-F238E27FC236}">
-                <a16:creationId xmlns:a16="http://schemas.microsoft.com/office/drawing/2014/main" id="{2471E1AB-A1F8-4A89-B66D-A59E4B19E4F9}"/>
+                <a16:creationId xmlns:a16="http://schemas.microsoft.com/office/drawing/2014/main" id="{990C82C6-DF95-4948-9301-133055AA70E4}"/>
               </a:ext>
             </a:extLst>
           </p:cNvPr>
-          <p:cNvSpPr>
-            <a:spLocks noGrp="1"/>
-          </p:cNvSpPr>
-          <p:nvPr>
-            <p:ph type="subTitle" idx="1"/>
-          </p:nvPr>
-        </p:nvSpPr>
-        <p:spPr/>
-        <p:txBody>
-          <a:bodyPr/>
+          <p:cNvSpPr/>
+          <p:nvPr/>
+        </p:nvSpPr>
+        <p:spPr>
+          <a:xfrm>
+            <a:off x="1926876" y="2505669"/>
+            <a:ext cx="8338245" cy="923330"/>
+          </a:xfrm>
+          <a:prstGeom prst="rect">
+            <a:avLst/>
+          </a:prstGeom>
+          <a:noFill/>
+        </p:spPr>
+        <p:txBody>
+          <a:bodyPr wrap="none" lIns="91440" tIns="45720" rIns="91440" bIns="45720">
+            <a:spAutoFit/>
+          </a:bodyPr>
           <a:lstStyle/>
           <a:p>
-            <a:endParaRPr lang="es-ES" dirty="0"/>
+            <a:pPr algn="ctr"/>
+            <a:r>
+              <a:rPr lang="es-ES" sz="5400" b="1" dirty="0">
+                <a:ln w="10160">
+                  <a:solidFill>
+                    <a:schemeClr val="tx1"/>
+                  </a:solidFill>
+                  <a:prstDash val="solid"/>
+                </a:ln>
+                <a:solidFill>
+                  <a:srgbClr val="FFFFFF"/>
+                </a:solidFill>
+                <a:effectLst>
+                  <a:glow rad="63500">
+                    <a:schemeClr val="accent3">
+                      <a:satMod val="175000"/>
+                      <a:alpha val="40000"/>
+                    </a:schemeClr>
+                  </a:glow>
+                  <a:outerShdw blurRad="38100" dist="22860" dir="5400000" algn="tl" rotWithShape="0">
+                    <a:srgbClr val="000000">
+                      <a:alpha val="30000"/>
+                    </a:srgbClr>
+                  </a:outerShdw>
+                </a:effectLst>
+              </a:rPr>
+              <a:t>Microsoft </a:t>
+            </a:r>
+            <a:r>
+              <a:rPr lang="es-ES" sz="5400" b="1" dirty="0" err="1">
+                <a:ln w="10160">
+                  <a:solidFill>
+                    <a:schemeClr val="tx1"/>
+                  </a:solidFill>
+                  <a:prstDash val="solid"/>
+                </a:ln>
+                <a:solidFill>
+                  <a:srgbClr val="FFFFFF"/>
+                </a:solidFill>
+                <a:effectLst>
+                  <a:glow rad="63500">
+                    <a:schemeClr val="accent3">
+                      <a:satMod val="175000"/>
+                      <a:alpha val="40000"/>
+                    </a:schemeClr>
+                  </a:glow>
+                  <a:outerShdw blurRad="38100" dist="22860" dir="5400000" algn="tl" rotWithShape="0">
+                    <a:srgbClr val="000000">
+                      <a:alpha val="30000"/>
+                    </a:srgbClr>
+                  </a:outerShdw>
+                </a:effectLst>
+              </a:rPr>
+              <a:t>Solver</a:t>
+            </a:r>
+            <a:r>
+              <a:rPr lang="es-ES" sz="5400" b="1" dirty="0">
+                <a:ln w="10160">
+                  <a:solidFill>
+                    <a:schemeClr val="tx1"/>
+                  </a:solidFill>
+                  <a:prstDash val="solid"/>
+                </a:ln>
+                <a:solidFill>
+                  <a:srgbClr val="FFFFFF"/>
+                </a:solidFill>
+                <a:effectLst>
+                  <a:glow rad="63500">
+                    <a:schemeClr val="accent3">
+                      <a:satMod val="175000"/>
+                      <a:alpha val="40000"/>
+                    </a:schemeClr>
+                  </a:glow>
+                  <a:outerShdw blurRad="38100" dist="22860" dir="5400000" algn="tl" rotWithShape="0">
+                    <a:srgbClr val="000000">
+                      <a:alpha val="30000"/>
+                    </a:srgbClr>
+                  </a:outerShdw>
+                </a:effectLst>
+              </a:rPr>
+              <a:t> </a:t>
+            </a:r>
+            <a:r>
+              <a:rPr lang="es-ES" sz="5400" b="1" dirty="0" err="1">
+                <a:ln w="10160">
+                  <a:solidFill>
+                    <a:schemeClr val="tx1"/>
+                  </a:solidFill>
+                  <a:prstDash val="solid"/>
+                </a:ln>
+                <a:solidFill>
+                  <a:srgbClr val="FFFFFF"/>
+                </a:solidFill>
+                <a:effectLst>
+                  <a:glow rad="63500">
+                    <a:schemeClr val="accent3">
+                      <a:satMod val="175000"/>
+                      <a:alpha val="40000"/>
+                    </a:schemeClr>
+                  </a:glow>
+                  <a:outerShdw blurRad="38100" dist="22860" dir="5400000" algn="tl" rotWithShape="0">
+                    <a:srgbClr val="000000">
+                      <a:alpha val="30000"/>
+                    </a:srgbClr>
+                  </a:outerShdw>
+                </a:effectLst>
+              </a:rPr>
+              <a:t>Foundation</a:t>
+            </a:r>
+            <a:endParaRPr lang="es-ES" sz="5400" b="1" cap="none" spc="0" dirty="0">
+              <a:ln w="10160">
+                <a:solidFill>
+                  <a:schemeClr val="tx1"/>
+                </a:solidFill>
+                <a:prstDash val="solid"/>
+              </a:ln>
+              <a:solidFill>
+                <a:srgbClr val="FFFFFF"/>
+              </a:solidFill>
+              <a:effectLst>
+                <a:glow rad="63500">
+                  <a:schemeClr val="accent3">
+                    <a:satMod val="175000"/>
+                    <a:alpha val="40000"/>
+                  </a:schemeClr>
+                </a:glow>
+                <a:outerShdw blurRad="38100" dist="22860" dir="5400000" algn="tl" rotWithShape="0">
+                  <a:srgbClr val="000000">
+                    <a:alpha val="30000"/>
+                  </a:srgbClr>
+                </a:outerShdw>
+              </a:effectLst>
+            </a:endParaRPr>
+          </a:p>
+        </p:txBody>
+      </p:sp>
+      <p:sp>
+        <p:nvSpPr>
+          <p:cNvPr id="11" name="Rectángulo 10">
+            <a:extLst>
+              <a:ext uri="{FF2B5EF4-FFF2-40B4-BE49-F238E27FC236}">
+                <a16:creationId xmlns:a16="http://schemas.microsoft.com/office/drawing/2014/main" id="{E60F5F03-AEB4-4065-8E38-B9F627DF8C07}"/>
+              </a:ext>
+            </a:extLst>
+          </p:cNvPr>
+          <p:cNvSpPr/>
+          <p:nvPr/>
+        </p:nvSpPr>
+        <p:spPr>
+          <a:xfrm>
+            <a:off x="4843893" y="3428999"/>
+            <a:ext cx="2504212" cy="923330"/>
+          </a:xfrm>
+          <a:prstGeom prst="rect">
+            <a:avLst/>
+          </a:prstGeom>
+          <a:noFill/>
+        </p:spPr>
+        <p:txBody>
+          <a:bodyPr wrap="none" lIns="91440" tIns="45720" rIns="91440" bIns="45720">
+            <a:spAutoFit/>
+          </a:bodyPr>
+          <a:lstStyle/>
+          <a:p>
+            <a:pPr algn="ctr"/>
+            <a:r>
+              <a:rPr lang="es-ES" sz="5400" b="1" dirty="0">
+                <a:ln w="10160">
+                  <a:solidFill>
+                    <a:schemeClr val="tx1"/>
+                  </a:solidFill>
+                  <a:prstDash val="solid"/>
+                </a:ln>
+                <a:solidFill>
+                  <a:srgbClr val="FFFFFF"/>
+                </a:solidFill>
+                <a:effectLst>
+                  <a:glow rad="63500">
+                    <a:schemeClr val="accent3">
+                      <a:satMod val="175000"/>
+                      <a:alpha val="40000"/>
+                    </a:schemeClr>
+                  </a:glow>
+                  <a:outerShdw blurRad="38100" dist="22860" dir="5400000" algn="tl" rotWithShape="0">
+                    <a:srgbClr val="000000">
+                      <a:alpha val="30000"/>
+                    </a:srgbClr>
+                  </a:outerShdw>
+                </a:effectLst>
+              </a:rPr>
+              <a:t>PR 2019</a:t>
+            </a:r>
+            <a:endParaRPr lang="es-ES" sz="5400" b="1" cap="none" spc="0" dirty="0">
+              <a:ln w="10160">
+                <a:solidFill>
+                  <a:schemeClr val="tx1"/>
+                </a:solidFill>
+                <a:prstDash val="solid"/>
+              </a:ln>
+              <a:solidFill>
+                <a:srgbClr val="FFFFFF"/>
+              </a:solidFill>
+              <a:effectLst>
+                <a:glow rad="63500">
+                  <a:schemeClr val="accent3">
+                    <a:satMod val="175000"/>
+                    <a:alpha val="40000"/>
+                  </a:schemeClr>
+                </a:glow>
+                <a:outerShdw blurRad="38100" dist="22860" dir="5400000" algn="tl" rotWithShape="0">
+                  <a:srgbClr val="000000">
+                    <a:alpha val="30000"/>
+                  </a:srgbClr>
+                </a:outerShdw>
+              </a:effectLst>
+            </a:endParaRPr>
+          </a:p>
+        </p:txBody>
+      </p:sp>
+      <p:sp>
+        <p:nvSpPr>
+          <p:cNvPr id="12" name="Rectángulo 11">
+            <a:extLst>
+              <a:ext uri="{FF2B5EF4-FFF2-40B4-BE49-F238E27FC236}">
+                <a16:creationId xmlns:a16="http://schemas.microsoft.com/office/drawing/2014/main" id="{0B4934F7-6947-428D-BF04-93D9187099AE}"/>
+              </a:ext>
+            </a:extLst>
+          </p:cNvPr>
+          <p:cNvSpPr/>
+          <p:nvPr/>
+        </p:nvSpPr>
+        <p:spPr>
+          <a:xfrm>
+            <a:off x="7399337" y="5360341"/>
+            <a:ext cx="4484113" cy="1200329"/>
+          </a:xfrm>
+          <a:prstGeom prst="rect">
+            <a:avLst/>
+          </a:prstGeom>
+          <a:noFill/>
+        </p:spPr>
+        <p:txBody>
+          <a:bodyPr wrap="square" lIns="91440" tIns="45720" rIns="91440" bIns="45720">
+            <a:spAutoFit/>
+          </a:bodyPr>
+          <a:lstStyle/>
+          <a:p>
+            <a:pPr algn="r"/>
+            <a:r>
+              <a:rPr lang="es-ES" sz="3600" dirty="0">
+                <a:ln w="0"/>
+                <a:solidFill>
+                  <a:srgbClr val="002060"/>
+                </a:solidFill>
+                <a:effectLst>
+                  <a:outerShdw blurRad="38100" dist="19050" dir="2700000" algn="tl" rotWithShape="0">
+                    <a:schemeClr val="dk1">
+                      <a:alpha val="40000"/>
+                    </a:schemeClr>
+                  </a:outerShdw>
+                </a:effectLst>
+              </a:rPr>
+              <a:t>Víctor del Pino Castilla</a:t>
+            </a:r>
+          </a:p>
+          <a:p>
+            <a:pPr algn="r"/>
+            <a:r>
+              <a:rPr lang="es-ES" sz="3600" dirty="0">
+                <a:ln w="0"/>
+                <a:solidFill>
+                  <a:srgbClr val="002060"/>
+                </a:solidFill>
+                <a:effectLst>
+                  <a:outerShdw blurRad="38100" dist="19050" dir="2700000" algn="tl" rotWithShape="0">
+                    <a:schemeClr val="dk1">
+                      <a:alpha val="40000"/>
+                    </a:schemeClr>
+                  </a:outerShdw>
+                </a:effectLst>
+              </a:rPr>
+              <a:t>Leila Ruiz Casanova</a:t>
+            </a:r>
           </a:p>
         </p:txBody>
       </p:sp>
     </p:spTree>
     <p:extLst>
       <p:ext uri="{BB962C8B-B14F-4D97-AF65-F5344CB8AC3E}">
-        <p14:creationId xmlns:p14="http://schemas.microsoft.com/office/powerpoint/2010/main" val="3759568730"/>
+        <p14:creationId xmlns:p14="http://schemas.microsoft.com/office/powerpoint/2010/main" val="1931071367"/>
       </p:ext>
     </p:extLst>
   </p:cSld>
@@ -5215,34 +5664,6 @@
       </p:grpSpPr>
       <p:sp>
         <p:nvSpPr>
-          <p:cNvPr id="7" name="Título 6">
-            <a:extLst>
-              <a:ext uri="{FF2B5EF4-FFF2-40B4-BE49-F238E27FC236}">
-                <a16:creationId xmlns:a16="http://schemas.microsoft.com/office/drawing/2014/main" id="{B26E78DD-498D-4BBF-9885-1B53A8041E14}"/>
-              </a:ext>
-            </a:extLst>
-          </p:cNvPr>
-          <p:cNvSpPr>
-            <a:spLocks noGrp="1"/>
-          </p:cNvSpPr>
-          <p:nvPr>
-            <p:ph type="title"/>
-          </p:nvPr>
-        </p:nvSpPr>
-        <p:spPr/>
-        <p:txBody>
-          <a:bodyPr/>
-          <a:lstStyle/>
-          <a:p>
-            <a:r>
-              <a:rPr lang="es-ES" dirty="0"/>
-              <a:t>Ejemplo Calendario partidos</a:t>
-            </a:r>
-          </a:p>
-        </p:txBody>
-      </p:sp>
-      <p:sp>
-        <p:nvSpPr>
           <p:cNvPr id="8" name="Rectángulo 7">
             <a:extLst>
               <a:ext uri="{FF2B5EF4-FFF2-40B4-BE49-F238E27FC236}">
@@ -5255,8 +5676,8 @@
         </p:nvSpPr>
         <p:spPr>
           <a:xfrm>
-            <a:off x="94343" y="1841242"/>
-            <a:ext cx="12003314" cy="5016758"/>
+            <a:off x="96187" y="1325563"/>
+            <a:ext cx="10320728" cy="4031873"/>
           </a:xfrm>
           <a:prstGeom prst="rect">
             <a:avLst/>
@@ -5425,7 +5846,7 @@
                 </a:solidFill>
                 <a:latin typeface="Consolas" panose="020B0609020204030204" pitchFamily="49" charset="0"/>
               </a:rPr>
-              <a:t> Equipos = </a:t>
+              <a:t> Filas = </a:t>
             </a:r>
             <a:r>
               <a:rPr lang="es-ES" sz="1600" dirty="0" err="1">
@@ -5472,7 +5893,7 @@
                 </a:solidFill>
                 <a:latin typeface="Consolas" panose="020B0609020204030204" pitchFamily="49" charset="0"/>
               </a:rPr>
-              <a:t>[][] partidos = </a:t>
+              <a:t>[] tablero = </a:t>
             </a:r>
             <a:r>
               <a:rPr lang="es-ES" sz="1600" dirty="0" err="1">
@@ -5481,16 +5902,16 @@
                 </a:solidFill>
                 <a:latin typeface="Consolas" panose="020B0609020204030204" pitchFamily="49" charset="0"/>
               </a:rPr>
-              <a:t>S.CreateVariableArray</a:t>
-            </a:r>
-            <a:r>
-              <a:rPr lang="es-ES" sz="1600" dirty="0">
-                <a:solidFill>
-                  <a:srgbClr val="000000"/>
-                </a:solidFill>
-                <a:latin typeface="Consolas" panose="020B0609020204030204" pitchFamily="49" charset="0"/>
-              </a:rPr>
-              <a:t>(Equipos, </a:t>
+              <a:t>S.CreateVariableVector</a:t>
+            </a:r>
+            <a:r>
+              <a:rPr lang="es-ES" sz="1600" dirty="0">
+                <a:solidFill>
+                  <a:srgbClr val="000000"/>
+                </a:solidFill>
+                <a:latin typeface="Consolas" panose="020B0609020204030204" pitchFamily="49" charset="0"/>
+              </a:rPr>
+              <a:t>(Filas, </a:t>
             </a:r>
             <a:r>
               <a:rPr lang="es-ES" sz="1600" dirty="0">
@@ -5499,16 +5920,16 @@
                 </a:solidFill>
                 <a:latin typeface="Consolas" panose="020B0609020204030204" pitchFamily="49" charset="0"/>
               </a:rPr>
-              <a:t>"Oponentes"</a:t>
-            </a:r>
-            <a:r>
-              <a:rPr lang="es-ES" sz="1600" dirty="0">
-                <a:solidFill>
-                  <a:srgbClr val="000000"/>
-                </a:solidFill>
-                <a:latin typeface="Consolas" panose="020B0609020204030204" pitchFamily="49" charset="0"/>
-              </a:rPr>
-              <a:t>, N, N - 1);</a:t>
+              <a:t>"Tablero"</a:t>
+            </a:r>
+            <a:r>
+              <a:rPr lang="es-ES" sz="1600" dirty="0">
+                <a:solidFill>
+                  <a:srgbClr val="000000"/>
+                </a:solidFill>
+                <a:latin typeface="Consolas" panose="020B0609020204030204" pitchFamily="49" charset="0"/>
+              </a:rPr>
+              <a:t>, N);</a:t>
             </a:r>
           </a:p>
           <a:p>
@@ -5521,7 +5942,7 @@
           </a:p>
           <a:p>
             <a:r>
-              <a:rPr lang="es-ES" sz="1600" dirty="0">
+              <a:rPr lang="nn-NO" sz="1600" dirty="0">
                 <a:solidFill>
                   <a:srgbClr val="000000"/>
                 </a:solidFill>
@@ -5530,7 +5951,7 @@
               <a:t>    </a:t>
             </a:r>
             <a:r>
-              <a:rPr lang="es-ES" sz="1600" dirty="0" err="1">
+              <a:rPr lang="nn-NO" sz="1600" dirty="0">
                 <a:solidFill>
                   <a:srgbClr val="0000FF"/>
                 </a:solidFill>
@@ -5539,7 +5960,7 @@
               <a:t>for</a:t>
             </a:r>
             <a:r>
-              <a:rPr lang="es-ES" sz="1600" dirty="0">
+              <a:rPr lang="nn-NO" sz="1600" dirty="0">
                 <a:solidFill>
                   <a:srgbClr val="000000"/>
                 </a:solidFill>
@@ -5548,7 +5969,7 @@
               <a:t> (</a:t>
             </a:r>
             <a:r>
-              <a:rPr lang="es-ES" sz="1600" dirty="0" err="1">
+              <a:rPr lang="nn-NO" sz="1600" dirty="0">
                 <a:solidFill>
                   <a:srgbClr val="0000FF"/>
                 </a:solidFill>
@@ -5557,71 +5978,13 @@
               <a:t>int</a:t>
             </a:r>
             <a:r>
-              <a:rPr lang="es-ES" sz="1600" dirty="0">
-                <a:solidFill>
-                  <a:srgbClr val="000000"/>
-                </a:solidFill>
-                <a:latin typeface="Consolas" panose="020B0609020204030204" pitchFamily="49" charset="0"/>
-              </a:rPr>
-              <a:t> t = 0; t &lt; N; t++)</a:t>
-            </a:r>
-          </a:p>
-          <a:p>
-            <a:r>
-              <a:rPr lang="es-ES" sz="1600" dirty="0">
-                <a:solidFill>
-                  <a:srgbClr val="000000"/>
-                </a:solidFill>
-                <a:latin typeface="Consolas" panose="020B0609020204030204" pitchFamily="49" charset="0"/>
-              </a:rPr>
-              <a:t>    {</a:t>
-            </a:r>
-          </a:p>
-          <a:p>
-            <a:r>
-              <a:rPr lang="es-ES" sz="1600" dirty="0">
-                <a:solidFill>
-                  <a:srgbClr val="000000"/>
-                </a:solidFill>
-                <a:latin typeface="Consolas" panose="020B0609020204030204" pitchFamily="49" charset="0"/>
-              </a:rPr>
-              <a:t>        </a:t>
-            </a:r>
-            <a:r>
-              <a:rPr lang="es-ES" sz="1600" dirty="0" err="1">
-                <a:solidFill>
-                  <a:srgbClr val="000000"/>
-                </a:solidFill>
-                <a:latin typeface="Consolas" panose="020B0609020204030204" pitchFamily="49" charset="0"/>
-              </a:rPr>
-              <a:t>S.AddConstraints</a:t>
-            </a:r>
-            <a:r>
-              <a:rPr lang="es-ES" sz="1600" dirty="0">
-                <a:solidFill>
-                  <a:srgbClr val="000000"/>
-                </a:solidFill>
-                <a:latin typeface="Consolas" panose="020B0609020204030204" pitchFamily="49" charset="0"/>
-              </a:rPr>
-              <a:t>(                   </a:t>
-            </a:r>
-            <a:r>
-              <a:rPr lang="es-ES" sz="1600" dirty="0">
-                <a:solidFill>
-                  <a:srgbClr val="008000"/>
-                </a:solidFill>
-                <a:latin typeface="Consolas" panose="020B0609020204030204" pitchFamily="49" charset="0"/>
-              </a:rPr>
-              <a:t>// Agregamos las </a:t>
-            </a:r>
-            <a:r>
-              <a:rPr lang="es-ES" sz="1600" dirty="0" err="1">
-                <a:solidFill>
-                  <a:srgbClr val="008000"/>
-                </a:solidFill>
-                <a:latin typeface="Consolas" panose="020B0609020204030204" pitchFamily="49" charset="0"/>
-              </a:rPr>
-              <a:t>constraints</a:t>
+              <a:rPr lang="nn-NO" sz="1600" dirty="0">
+                <a:solidFill>
+                  <a:srgbClr val="000000"/>
+                </a:solidFill>
+                <a:latin typeface="Consolas" panose="020B0609020204030204" pitchFamily="49" charset="0"/>
+              </a:rPr>
+              <a:t> i = 0; i &lt; N; i++)</a:t>
             </a:r>
             <a:endParaRPr lang="es-ES" sz="1600" dirty="0">
               <a:solidFill>
@@ -5632,40 +5995,49 @@
           </a:p>
           <a:p>
             <a:r>
-              <a:rPr lang="es-ES" sz="1600" dirty="0">
-                <a:solidFill>
-                  <a:srgbClr val="000000"/>
-                </a:solidFill>
-                <a:latin typeface="Consolas" panose="020B0609020204030204" pitchFamily="49" charset="0"/>
-              </a:rPr>
-              <a:t>          </a:t>
-            </a:r>
-            <a:r>
-              <a:rPr lang="es-ES" sz="1600" dirty="0" err="1">
-                <a:solidFill>
-                  <a:srgbClr val="000000"/>
-                </a:solidFill>
-                <a:latin typeface="Consolas" panose="020B0609020204030204" pitchFamily="49" charset="0"/>
-              </a:rPr>
-              <a:t>S.Unequal</a:t>
-            </a:r>
-            <a:r>
-              <a:rPr lang="es-ES" sz="1600" dirty="0">
-                <a:solidFill>
-                  <a:srgbClr val="000000"/>
-                </a:solidFill>
-                <a:latin typeface="Consolas" panose="020B0609020204030204" pitchFamily="49" charset="0"/>
-              </a:rPr>
-              <a:t>(t, partidos[t]),        </a:t>
-            </a:r>
-            <a:r>
-              <a:rPr lang="es-ES" sz="1600" dirty="0">
-                <a:solidFill>
-                  <a:srgbClr val="008000"/>
-                </a:solidFill>
-                <a:latin typeface="Consolas" panose="020B0609020204030204" pitchFamily="49" charset="0"/>
-              </a:rPr>
-              <a:t>// Un equipo no puede jugar consigo mismo</a:t>
+              <a:rPr lang="nb-NO" sz="1600" dirty="0">
+                <a:solidFill>
+                  <a:srgbClr val="000000"/>
+                </a:solidFill>
+                <a:latin typeface="Consolas" panose="020B0609020204030204" pitchFamily="49" charset="0"/>
+              </a:rPr>
+              <a:t>        </a:t>
+            </a:r>
+            <a:r>
+              <a:rPr lang="nb-NO" sz="1600" dirty="0">
+                <a:solidFill>
+                  <a:srgbClr val="0000FF"/>
+                </a:solidFill>
+                <a:latin typeface="Consolas" panose="020B0609020204030204" pitchFamily="49" charset="0"/>
+              </a:rPr>
+              <a:t>for</a:t>
+            </a:r>
+            <a:r>
+              <a:rPr lang="nb-NO" sz="1600" dirty="0">
+                <a:solidFill>
+                  <a:srgbClr val="000000"/>
+                </a:solidFill>
+                <a:latin typeface="Consolas" panose="020B0609020204030204" pitchFamily="49" charset="0"/>
+              </a:rPr>
+              <a:t> (</a:t>
+            </a:r>
+            <a:r>
+              <a:rPr lang="nb-NO" sz="1600" dirty="0">
+                <a:solidFill>
+                  <a:srgbClr val="0000FF"/>
+                </a:solidFill>
+                <a:latin typeface="Consolas" panose="020B0609020204030204" pitchFamily="49" charset="0"/>
+              </a:rPr>
+              <a:t>int</a:t>
+            </a:r>
+            <a:r>
+              <a:rPr lang="nb-NO" sz="1600" dirty="0">
+                <a:solidFill>
+                  <a:srgbClr val="000000"/>
+                </a:solidFill>
+                <a:latin typeface="Consolas" panose="020B0609020204030204" pitchFamily="49" charset="0"/>
+              </a:rPr>
+              <a:t> j = i + 1; j &lt; N; j++)</a:t>
             </a:r>
             <a:endParaRPr lang="es-ES" sz="1600" dirty="0">
               <a:solidFill>
@@ -5682,7 +6054,7 @@
                 </a:solidFill>
                 <a:latin typeface="Consolas" panose="020B0609020204030204" pitchFamily="49" charset="0"/>
               </a:rPr>
-              <a:t>          </a:t>
+              <a:t>            </a:t>
             </a:r>
             <a:r>
               <a:rPr lang="es-ES" sz="1600" dirty="0" err="1">
@@ -5691,16 +6063,45 @@
                 </a:solidFill>
                 <a:latin typeface="Consolas" panose="020B0609020204030204" pitchFamily="49" charset="0"/>
               </a:rPr>
-              <a:t>S.Equal</a:t>
-            </a:r>
-            <a:r>
-              <a:rPr lang="es-ES" sz="1600" dirty="0">
-                <a:solidFill>
-                  <a:srgbClr val="000000"/>
-                </a:solidFill>
-                <a:latin typeface="Consolas" panose="020B0609020204030204" pitchFamily="49" charset="0"/>
-              </a:rPr>
-              <a:t>(t ^ 1, partidos[t][0])    </a:t>
+              <a:t>S.AddConstraints</a:t>
+            </a:r>
+            <a:r>
+              <a:rPr lang="es-ES" sz="1600" dirty="0">
+                <a:solidFill>
+                  <a:srgbClr val="000000"/>
+                </a:solidFill>
+                <a:latin typeface="Consolas" panose="020B0609020204030204" pitchFamily="49" charset="0"/>
+              </a:rPr>
+              <a:t>(</a:t>
+            </a:r>
+          </a:p>
+          <a:p>
+            <a:r>
+              <a:rPr lang="es-ES" sz="1600" dirty="0">
+                <a:solidFill>
+                  <a:srgbClr val="000000"/>
+                </a:solidFill>
+                <a:latin typeface="Consolas" panose="020B0609020204030204" pitchFamily="49" charset="0"/>
+              </a:rPr>
+              <a:t>                </a:t>
+            </a:r>
+            <a:r>
+              <a:rPr lang="es-ES" sz="1600" dirty="0" err="1">
+                <a:solidFill>
+                  <a:srgbClr val="000000"/>
+                </a:solidFill>
+                <a:latin typeface="Consolas" panose="020B0609020204030204" pitchFamily="49" charset="0"/>
+              </a:rPr>
+              <a:t>S.Unequal</a:t>
+            </a:r>
+            <a:r>
+              <a:rPr lang="es-ES" sz="1600" dirty="0">
+                <a:solidFill>
+                  <a:srgbClr val="000000"/>
+                </a:solidFill>
+                <a:latin typeface="Consolas" panose="020B0609020204030204" pitchFamily="49" charset="0"/>
+              </a:rPr>
+              <a:t>(tablero[i], tablero[j]) </a:t>
             </a:r>
             <a:r>
               <a:rPr lang="es-ES" sz="1600" dirty="0">
@@ -5709,7 +6110,7 @@
                 </a:solidFill>
                 <a:latin typeface="Consolas" panose="020B0609020204030204" pitchFamily="49" charset="0"/>
               </a:rPr>
-              <a:t>// la primera ronda se emparejan pares con impares</a:t>
+              <a:t>// Fila</a:t>
             </a:r>
             <a:endParaRPr lang="es-ES" sz="1600" dirty="0">
               <a:solidFill>
@@ -5726,21 +6127,35 @@
                 </a:solidFill>
                 <a:latin typeface="Consolas" panose="020B0609020204030204" pitchFamily="49" charset="0"/>
               </a:rPr>
-              <a:t>        );</a:t>
-            </a:r>
-          </a:p>
-          <a:p>
-            <a:r>
-              <a:rPr lang="es-ES" sz="1600" dirty="0">
-                <a:solidFill>
-                  <a:srgbClr val="000000"/>
-                </a:solidFill>
-                <a:latin typeface="Consolas" panose="020B0609020204030204" pitchFamily="49" charset="0"/>
-              </a:rPr>
-              <a:t>    }</a:t>
-            </a:r>
-          </a:p>
-          <a:p>
+              <a:t>                , </a:t>
+            </a:r>
+            <a:r>
+              <a:rPr lang="es-ES" sz="1600" dirty="0" err="1">
+                <a:solidFill>
+                  <a:srgbClr val="000000"/>
+                </a:solidFill>
+                <a:latin typeface="Consolas" panose="020B0609020204030204" pitchFamily="49" charset="0"/>
+              </a:rPr>
+              <a:t>S.Unequal</a:t>
+            </a:r>
+            <a:r>
+              <a:rPr lang="es-ES" sz="1600" dirty="0">
+                <a:solidFill>
+                  <a:srgbClr val="000000"/>
+                </a:solidFill>
+                <a:latin typeface="Consolas" panose="020B0609020204030204" pitchFamily="49" charset="0"/>
+              </a:rPr>
+              <a:t>(tablero[j] + (j - i), tablero[i]) </a:t>
+            </a:r>
+            <a:r>
+              <a:rPr lang="es-ES" sz="1600" dirty="0">
+                <a:solidFill>
+                  <a:srgbClr val="008000"/>
+                </a:solidFill>
+                <a:latin typeface="Consolas" panose="020B0609020204030204" pitchFamily="49" charset="0"/>
+              </a:rPr>
+              <a:t>// Diagonal 1</a:t>
+            </a:r>
             <a:endParaRPr lang="es-ES" sz="1600" dirty="0">
               <a:solidFill>
                 <a:srgbClr val="000000"/>
@@ -5750,71 +6165,13 @@
           </a:p>
           <a:p>
             <a:r>
-              <a:rPr lang="pl-PL" sz="1600" dirty="0">
-                <a:solidFill>
-                  <a:srgbClr val="000000"/>
-                </a:solidFill>
-                <a:latin typeface="Consolas" panose="020B0609020204030204" pitchFamily="49" charset="0"/>
-              </a:rPr>
-              <a:t>    </a:t>
-            </a:r>
-            <a:r>
-              <a:rPr lang="pl-PL" sz="1600" dirty="0">
-                <a:solidFill>
-                  <a:srgbClr val="0000FF"/>
-                </a:solidFill>
-                <a:latin typeface="Consolas" panose="020B0609020204030204" pitchFamily="49" charset="0"/>
-              </a:rPr>
-              <a:t>for</a:t>
-            </a:r>
-            <a:r>
-              <a:rPr lang="pl-PL" sz="1600" dirty="0">
-                <a:solidFill>
-                  <a:srgbClr val="000000"/>
-                </a:solidFill>
-                <a:latin typeface="Consolas" panose="020B0609020204030204" pitchFamily="49" charset="0"/>
-              </a:rPr>
-              <a:t> (</a:t>
-            </a:r>
-            <a:r>
-              <a:rPr lang="pl-PL" sz="1600" dirty="0">
-                <a:solidFill>
-                  <a:srgbClr val="0000FF"/>
-                </a:solidFill>
-                <a:latin typeface="Consolas" panose="020B0609020204030204" pitchFamily="49" charset="0"/>
-              </a:rPr>
-              <a:t>int</a:t>
-            </a:r>
-            <a:r>
-              <a:rPr lang="pl-PL" sz="1600" dirty="0">
-                <a:solidFill>
-                  <a:srgbClr val="000000"/>
-                </a:solidFill>
-                <a:latin typeface="Consolas" panose="020B0609020204030204" pitchFamily="49" charset="0"/>
-              </a:rPr>
-              <a:t> w = 0; w &lt; N - 1; w++)</a:t>
-            </a:r>
-          </a:p>
-          <a:p>
-            <a:r>
-              <a:rPr lang="es-ES" sz="1600" dirty="0">
-                <a:solidFill>
-                  <a:srgbClr val="000000"/>
-                </a:solidFill>
-                <a:latin typeface="Consolas" panose="020B0609020204030204" pitchFamily="49" charset="0"/>
-              </a:rPr>
-              <a:t>    {</a:t>
-            </a:r>
-          </a:p>
-          <a:p>
-            <a:r>
-              <a:rPr lang="es-ES" sz="1600" dirty="0">
-                <a:solidFill>
-                  <a:srgbClr val="000000"/>
-                </a:solidFill>
-                <a:latin typeface="Consolas" panose="020B0609020204030204" pitchFamily="49" charset="0"/>
-              </a:rPr>
-              <a:t>       </a:t>
+              <a:rPr lang="es-ES" sz="1600" dirty="0">
+                <a:solidFill>
+                  <a:srgbClr val="000000"/>
+                </a:solidFill>
+                <a:latin typeface="Consolas" panose="020B0609020204030204" pitchFamily="49" charset="0"/>
+              </a:rPr>
+              <a:t>                , </a:t>
             </a:r>
             <a:r>
               <a:rPr lang="es-ES" sz="1600" dirty="0" err="1">
@@ -5823,24 +6180,6 @@
                 </a:solidFill>
                 <a:latin typeface="Consolas" panose="020B0609020204030204" pitchFamily="49" charset="0"/>
               </a:rPr>
-              <a:t>S.AddConstraints</a:t>
-            </a:r>
-            <a:r>
-              <a:rPr lang="es-ES" sz="1600" dirty="0">
-                <a:solidFill>
-                  <a:srgbClr val="000000"/>
-                </a:solidFill>
-                <a:latin typeface="Consolas" panose="020B0609020204030204" pitchFamily="49" charset="0"/>
-              </a:rPr>
-              <a:t>(</a:t>
-            </a:r>
-            <a:r>
-              <a:rPr lang="es-ES" sz="1600" dirty="0" err="1">
-                <a:solidFill>
-                  <a:srgbClr val="000000"/>
-                </a:solidFill>
-                <a:latin typeface="Consolas" panose="020B0609020204030204" pitchFamily="49" charset="0"/>
-              </a:rPr>
               <a:t>S.Unequal</a:t>
             </a:r>
             <a:r>
@@ -5850,25 +6189,7 @@
                 </a:solidFill>
                 <a:latin typeface="Consolas" panose="020B0609020204030204" pitchFamily="49" charset="0"/>
               </a:rPr>
-              <a:t>(</a:t>
-            </a:r>
-            <a:r>
-              <a:rPr lang="es-ES" sz="1600" dirty="0" err="1">
-                <a:solidFill>
-                  <a:srgbClr val="000000"/>
-                </a:solidFill>
-                <a:latin typeface="Consolas" panose="020B0609020204030204" pitchFamily="49" charset="0"/>
-              </a:rPr>
-              <a:t>GetColumn</a:t>
-            </a:r>
-            <a:r>
-              <a:rPr lang="es-ES" sz="1600" dirty="0">
-                <a:solidFill>
-                  <a:srgbClr val="000000"/>
-                </a:solidFill>
-                <a:latin typeface="Consolas" panose="020B0609020204030204" pitchFamily="49" charset="0"/>
-              </a:rPr>
-              <a:t>(partidos, w))); </a:t>
+              <a:t>(tablero[j] - (j - i), tablero[i]) </a:t>
             </a:r>
             <a:r>
               <a:rPr lang="es-ES" sz="1600" dirty="0">
@@ -5877,7 +6198,7 @@
                 </a:solidFill>
                 <a:latin typeface="Consolas" panose="020B0609020204030204" pitchFamily="49" charset="0"/>
               </a:rPr>
-              <a:t>// cada equipo solo juega una vez cada jornada</a:t>
+              <a:t>// Diagonal 2</a:t>
             </a:r>
             <a:endParaRPr lang="es-ES" sz="1600" dirty="0">
               <a:solidFill>
@@ -5894,7 +6215,7 @@
                 </a:solidFill>
                 <a:latin typeface="Consolas" panose="020B0609020204030204" pitchFamily="49" charset="0"/>
               </a:rPr>
-              <a:t>    }</a:t>
+              <a:t>                );</a:t>
             </a:r>
           </a:p>
           <a:p>
@@ -5910,6 +6231,71 @@
             <a:r>
               <a:rPr lang="es-ES" sz="1600" dirty="0" err="1">
                 <a:solidFill>
+                  <a:srgbClr val="0000FF"/>
+                </a:solidFill>
+                <a:latin typeface="Consolas" panose="020B0609020204030204" pitchFamily="49" charset="0"/>
+              </a:rPr>
+              <a:t>bool</a:t>
+            </a:r>
+            <a:r>
+              <a:rPr lang="es-ES" sz="1600" dirty="0">
+                <a:solidFill>
+                  <a:srgbClr val="000000"/>
+                </a:solidFill>
+                <a:latin typeface="Consolas" panose="020B0609020204030204" pitchFamily="49" charset="0"/>
+              </a:rPr>
+              <a:t> </a:t>
+            </a:r>
+            <a:r>
+              <a:rPr lang="es-ES" sz="1600" dirty="0" err="1">
+                <a:solidFill>
+                  <a:srgbClr val="000000"/>
+                </a:solidFill>
+                <a:latin typeface="Consolas" panose="020B0609020204030204" pitchFamily="49" charset="0"/>
+              </a:rPr>
+              <a:t>unsolved</a:t>
+            </a:r>
+            <a:r>
+              <a:rPr lang="es-ES" sz="1600" dirty="0">
+                <a:solidFill>
+                  <a:srgbClr val="000000"/>
+                </a:solidFill>
+                <a:latin typeface="Consolas" panose="020B0609020204030204" pitchFamily="49" charset="0"/>
+              </a:rPr>
+              <a:t> = </a:t>
+            </a:r>
+            <a:r>
+              <a:rPr lang="es-ES" sz="1600" dirty="0">
+                <a:solidFill>
+                  <a:srgbClr val="0000FF"/>
+                </a:solidFill>
+                <a:latin typeface="Consolas" panose="020B0609020204030204" pitchFamily="49" charset="0"/>
+              </a:rPr>
+              <a:t>true</a:t>
+            </a:r>
+            <a:r>
+              <a:rPr lang="es-ES" sz="1600" dirty="0">
+                <a:solidFill>
+                  <a:srgbClr val="000000"/>
+                </a:solidFill>
+                <a:latin typeface="Consolas" panose="020B0609020204030204" pitchFamily="49" charset="0"/>
+              </a:rPr>
+              <a:t>;</a:t>
+            </a:r>
+          </a:p>
+          <a:p>
+            <a:r>
+              <a:rPr lang="es-ES" sz="1600" dirty="0">
+                <a:solidFill>
+                  <a:srgbClr val="000000"/>
+                </a:solidFill>
+                <a:latin typeface="Consolas" panose="020B0609020204030204" pitchFamily="49" charset="0"/>
+              </a:rPr>
+              <a:t>    </a:t>
+            </a:r>
+            <a:r>
+              <a:rPr lang="es-ES" sz="1600" dirty="0" err="1">
+                <a:solidFill>
                   <a:srgbClr val="000000"/>
                 </a:solidFill>
                 <a:latin typeface="Consolas" panose="020B0609020204030204" pitchFamily="49" charset="0"/>
@@ -5973,13 +6359,63 @@
               <a:t>}</a:t>
             </a:r>
             <a:endParaRPr lang="es-ES" sz="1600" dirty="0"/>
+          </a:p>
+        </p:txBody>
+      </p:sp>
+      <p:sp>
+        <p:nvSpPr>
+          <p:cNvPr id="10" name="Título 1">
+            <a:extLst>
+              <a:ext uri="{FF2B5EF4-FFF2-40B4-BE49-F238E27FC236}">
+                <a16:creationId xmlns:a16="http://schemas.microsoft.com/office/drawing/2014/main" id="{E7492409-5A19-45CA-AA3E-A64AAAFC24BA}"/>
+              </a:ext>
+            </a:extLst>
+          </p:cNvPr>
+          <p:cNvSpPr>
+            <a:spLocks noGrp="1"/>
+          </p:cNvSpPr>
+          <p:nvPr>
+            <p:ph type="title"/>
+          </p:nvPr>
+        </p:nvSpPr>
+        <p:spPr>
+          <a:xfrm>
+            <a:off x="484559" y="0"/>
+            <a:ext cx="7115454" cy="1325563"/>
+          </a:xfrm>
+        </p:spPr>
+        <p:txBody>
+          <a:bodyPr>
+            <a:normAutofit/>
+          </a:bodyPr>
+          <a:lstStyle/>
+          <a:p>
+            <a:r>
+              <a:rPr lang="es-ES" sz="4300" dirty="0">
+                <a:ln w="0"/>
+                <a:solidFill>
+                  <a:srgbClr val="002060"/>
+                </a:solidFill>
+                <a:effectLst>
+                  <a:outerShdw blurRad="38100" dist="19050" dir="2700000" algn="tl" rotWithShape="0">
+                    <a:schemeClr val="dk1">
+                      <a:alpha val="40000"/>
+                    </a:schemeClr>
+                  </a:outerShdw>
+                </a:effectLst>
+                <a:latin typeface="+mn-lt"/>
+                <a:ea typeface="+mn-ea"/>
+                <a:cs typeface="+mn-cs"/>
+              </a:rPr>
+              <a:t>Ejemplo N Reinas</a:t>
+            </a:r>
           </a:p>
         </p:txBody>
       </p:sp>
     </p:spTree>
     <p:extLst>
       <p:ext uri="{BB962C8B-B14F-4D97-AF65-F5344CB8AC3E}">
-        <p14:creationId xmlns:p14="http://schemas.microsoft.com/office/powerpoint/2010/main" val="1783863969"/>
+        <p14:creationId xmlns:p14="http://schemas.microsoft.com/office/powerpoint/2010/main" val="389766790"/>
       </p:ext>
     </p:extLst>
   </p:cSld>
@@ -6008,34 +6444,6 @@
       </p:grpSpPr>
       <p:sp>
         <p:nvSpPr>
-          <p:cNvPr id="7" name="Título 6">
-            <a:extLst>
-              <a:ext uri="{FF2B5EF4-FFF2-40B4-BE49-F238E27FC236}">
-                <a16:creationId xmlns:a16="http://schemas.microsoft.com/office/drawing/2014/main" id="{B26E78DD-498D-4BBF-9885-1B53A8041E14}"/>
-              </a:ext>
-            </a:extLst>
-          </p:cNvPr>
-          <p:cNvSpPr>
-            <a:spLocks noGrp="1"/>
-          </p:cNvSpPr>
-          <p:nvPr>
-            <p:ph type="title"/>
-          </p:nvPr>
-        </p:nvSpPr>
-        <p:spPr/>
-        <p:txBody>
-          <a:bodyPr/>
-          <a:lstStyle/>
-          <a:p>
-            <a:r>
-              <a:rPr lang="es-ES" dirty="0"/>
-              <a:t>Ejemplo N Reinas</a:t>
-            </a:r>
-          </a:p>
-        </p:txBody>
-      </p:sp>
-      <p:sp>
-        <p:nvSpPr>
           <p:cNvPr id="8" name="Rectángulo 7">
             <a:extLst>
               <a:ext uri="{FF2B5EF4-FFF2-40B4-BE49-F238E27FC236}">
@@ -6048,8 +6456,8 @@
         </p:nvSpPr>
         <p:spPr>
           <a:xfrm>
-            <a:off x="94343" y="1841242"/>
-            <a:ext cx="12003314" cy="4031873"/>
+            <a:off x="94343" y="1325563"/>
+            <a:ext cx="12003314" cy="5016758"/>
           </a:xfrm>
           <a:prstGeom prst="rect">
             <a:avLst/>
@@ -6062,7 +6470,7 @@
           <a:lstStyle/>
           <a:p>
             <a:r>
-              <a:rPr lang="en-US" sz="1600" dirty="0">
+              <a:rPr lang="es-ES" sz="1600" dirty="0" err="1">
                 <a:solidFill>
                   <a:srgbClr val="0000FF"/>
                 </a:solidFill>
@@ -6071,7 +6479,7 @@
               <a:t>public</a:t>
             </a:r>
             <a:r>
-              <a:rPr lang="en-US" sz="1600" dirty="0">
+              <a:rPr lang="es-ES" sz="1600" dirty="0">
                 <a:solidFill>
                   <a:srgbClr val="000000"/>
                 </a:solidFill>
@@ -6080,7 +6488,7 @@
               <a:t> </a:t>
             </a:r>
             <a:r>
-              <a:rPr lang="en-US" sz="1600" dirty="0">
+              <a:rPr lang="es-ES" sz="1600" dirty="0" err="1">
                 <a:solidFill>
                   <a:srgbClr val="0000FF"/>
                 </a:solidFill>
@@ -6089,7 +6497,7 @@
               <a:t>static</a:t>
             </a:r>
             <a:r>
-              <a:rPr lang="en-US" sz="1600" dirty="0">
+              <a:rPr lang="es-ES" sz="1600" dirty="0">
                 <a:solidFill>
                   <a:srgbClr val="000000"/>
                 </a:solidFill>
@@ -6098,7 +6506,7 @@
               <a:t> </a:t>
             </a:r>
             <a:r>
-              <a:rPr lang="en-US" sz="1600" dirty="0">
+              <a:rPr lang="es-ES" sz="1600" dirty="0" err="1">
                 <a:solidFill>
                   <a:srgbClr val="0000FF"/>
                 </a:solidFill>
@@ -6107,31 +6515,13 @@
               <a:t>void</a:t>
             </a:r>
             <a:r>
-              <a:rPr lang="en-US" sz="1600" dirty="0">
-                <a:solidFill>
-                  <a:srgbClr val="000000"/>
-                </a:solidFill>
-                <a:latin typeface="Consolas" panose="020B0609020204030204" pitchFamily="49" charset="0"/>
-              </a:rPr>
-              <a:t> Run(</a:t>
-            </a:r>
-            <a:r>
-              <a:rPr lang="en-US" sz="1600" dirty="0">
-                <a:solidFill>
-                  <a:srgbClr val="0000FF"/>
-                </a:solidFill>
-                <a:latin typeface="Consolas" panose="020B0609020204030204" pitchFamily="49" charset="0"/>
-              </a:rPr>
-              <a:t>int</a:t>
-            </a:r>
-            <a:r>
-              <a:rPr lang="en-US" sz="1600" dirty="0">
-                <a:solidFill>
-                  <a:srgbClr val="000000"/>
-                </a:solidFill>
-                <a:latin typeface="Consolas" panose="020B0609020204030204" pitchFamily="49" charset="0"/>
-              </a:rPr>
-              <a:t> N)</a:t>
+              <a:rPr lang="es-ES" sz="1600" dirty="0">
+                <a:solidFill>
+                  <a:srgbClr val="000000"/>
+                </a:solidFill>
+                <a:latin typeface="Consolas" panose="020B0609020204030204" pitchFamily="49" charset="0"/>
+              </a:rPr>
+              <a:t> Run()</a:t>
             </a:r>
           </a:p>
           <a:p>
@@ -6162,16 +6552,16 @@
                 </a:solidFill>
                 <a:latin typeface="Consolas" panose="020B0609020204030204" pitchFamily="49" charset="0"/>
               </a:rPr>
-              <a:t>ConstraintSystem</a:t>
-            </a:r>
-            <a:r>
-              <a:rPr lang="es-ES" sz="1600" dirty="0">
-                <a:solidFill>
-                  <a:srgbClr val="000000"/>
-                </a:solidFill>
-                <a:latin typeface="Consolas" panose="020B0609020204030204" pitchFamily="49" charset="0"/>
-              </a:rPr>
-              <a:t> S = </a:t>
+              <a:t>SolverContext</a:t>
+            </a:r>
+            <a:r>
+              <a:rPr lang="es-ES" sz="1600" dirty="0">
+                <a:solidFill>
+                  <a:srgbClr val="000000"/>
+                </a:solidFill>
+                <a:latin typeface="Consolas" panose="020B0609020204030204" pitchFamily="49" charset="0"/>
+              </a:rPr>
+              <a:t> </a:t>
             </a:r>
             <a:r>
               <a:rPr lang="es-ES" sz="1600" dirty="0" err="1">
@@ -6180,7 +6570,25 @@
                 </a:solidFill>
                 <a:latin typeface="Consolas" panose="020B0609020204030204" pitchFamily="49" charset="0"/>
               </a:rPr>
-              <a:t>ConstraintSystem.CreateSolver</a:t>
+              <a:t>context</a:t>
+            </a:r>
+            <a:r>
+              <a:rPr lang="es-ES" sz="1600" dirty="0">
+                <a:solidFill>
+                  <a:srgbClr val="000000"/>
+                </a:solidFill>
+                <a:latin typeface="Consolas" panose="020B0609020204030204" pitchFamily="49" charset="0"/>
+              </a:rPr>
+              <a:t> = </a:t>
+            </a:r>
+            <a:r>
+              <a:rPr lang="es-ES" sz="1600" dirty="0" err="1">
+                <a:solidFill>
+                  <a:srgbClr val="000000"/>
+                </a:solidFill>
+                <a:latin typeface="Consolas" panose="020B0609020204030204" pitchFamily="49" charset="0"/>
+              </a:rPr>
+              <a:t>SolverContext.GetContext</a:t>
             </a:r>
             <a:r>
               <a:rPr lang="es-ES" sz="1600" dirty="0">
@@ -6209,16 +6617,16 @@
                 </a:solidFill>
                 <a:latin typeface="Consolas" panose="020B0609020204030204" pitchFamily="49" charset="0"/>
               </a:rPr>
-              <a:t>CspDomain</a:t>
-            </a:r>
-            <a:r>
-              <a:rPr lang="es-ES" sz="1600" dirty="0">
-                <a:solidFill>
-                  <a:srgbClr val="000000"/>
-                </a:solidFill>
-                <a:latin typeface="Consolas" panose="020B0609020204030204" pitchFamily="49" charset="0"/>
-              </a:rPr>
-              <a:t> Filas = </a:t>
+              <a:t>Model</a:t>
+            </a:r>
+            <a:r>
+              <a:rPr lang="es-ES" sz="1600" dirty="0">
+                <a:solidFill>
+                  <a:srgbClr val="000000"/>
+                </a:solidFill>
+                <a:latin typeface="Consolas" panose="020B0609020204030204" pitchFamily="49" charset="0"/>
+              </a:rPr>
+              <a:t> </a:t>
             </a:r>
             <a:r>
               <a:rPr lang="es-ES" sz="1600" dirty="0" err="1">
@@ -6227,27 +6635,16 @@
                 </a:solidFill>
                 <a:latin typeface="Consolas" panose="020B0609020204030204" pitchFamily="49" charset="0"/>
               </a:rPr>
-              <a:t>S.CreateIntegerInterval</a:t>
-            </a:r>
-            <a:r>
-              <a:rPr lang="es-ES" sz="1600" dirty="0">
-                <a:solidFill>
-                  <a:srgbClr val="000000"/>
-                </a:solidFill>
-                <a:latin typeface="Consolas" panose="020B0609020204030204" pitchFamily="49" charset="0"/>
-              </a:rPr>
-              <a:t>(0, N - 1);</a:t>
-            </a:r>
-          </a:p>
-          <a:p>
-            <a:r>
-              <a:rPr lang="es-ES" sz="1600" dirty="0">
-                <a:solidFill>
-                  <a:srgbClr val="000000"/>
-                </a:solidFill>
-                <a:latin typeface="Consolas" panose="020B0609020204030204" pitchFamily="49" charset="0"/>
-              </a:rPr>
-              <a:t>    </a:t>
+              <a:t>model</a:t>
+            </a:r>
+            <a:r>
+              <a:rPr lang="es-ES" sz="1600" dirty="0">
+                <a:solidFill>
+                  <a:srgbClr val="000000"/>
+                </a:solidFill>
+                <a:latin typeface="Consolas" panose="020B0609020204030204" pitchFamily="49" charset="0"/>
+              </a:rPr>
+              <a:t> = </a:t>
             </a:r>
             <a:r>
               <a:rPr lang="es-ES" sz="1600" dirty="0" err="1">
@@ -6256,52 +6653,16 @@
                 </a:solidFill>
                 <a:latin typeface="Consolas" panose="020B0609020204030204" pitchFamily="49" charset="0"/>
               </a:rPr>
-              <a:t>CspTerm</a:t>
-            </a:r>
-            <a:r>
-              <a:rPr lang="es-ES" sz="1600" dirty="0">
-                <a:solidFill>
-                  <a:srgbClr val="000000"/>
-                </a:solidFill>
-                <a:latin typeface="Consolas" panose="020B0609020204030204" pitchFamily="49" charset="0"/>
-              </a:rPr>
-              <a:t>[] tablero = </a:t>
-            </a:r>
-            <a:r>
-              <a:rPr lang="es-ES" sz="1600" dirty="0" err="1">
-                <a:solidFill>
-                  <a:srgbClr val="000000"/>
-                </a:solidFill>
-                <a:latin typeface="Consolas" panose="020B0609020204030204" pitchFamily="49" charset="0"/>
-              </a:rPr>
-              <a:t>S.CreateVariableVector</a:t>
-            </a:r>
-            <a:r>
-              <a:rPr lang="es-ES" sz="1600" dirty="0">
-                <a:solidFill>
-                  <a:srgbClr val="000000"/>
-                </a:solidFill>
-                <a:latin typeface="Consolas" panose="020B0609020204030204" pitchFamily="49" charset="0"/>
-              </a:rPr>
-              <a:t>(Filas, </a:t>
-            </a:r>
-            <a:r>
-              <a:rPr lang="es-ES" sz="1600" dirty="0">
-                <a:solidFill>
-                  <a:srgbClr val="A31515"/>
-                </a:solidFill>
-                <a:latin typeface="Consolas" panose="020B0609020204030204" pitchFamily="49" charset="0"/>
-              </a:rPr>
-              <a:t>"Tablero"</a:t>
-            </a:r>
-            <a:r>
-              <a:rPr lang="es-ES" sz="1600" dirty="0">
-                <a:solidFill>
-                  <a:srgbClr val="000000"/>
-                </a:solidFill>
-                <a:latin typeface="Consolas" panose="020B0609020204030204" pitchFamily="49" charset="0"/>
-              </a:rPr>
-              <a:t>, N);</a:t>
+              <a:t>context.CreateModel</a:t>
+            </a:r>
+            <a:r>
+              <a:rPr lang="es-ES" sz="1600" dirty="0">
+                <a:solidFill>
+                  <a:srgbClr val="000000"/>
+                </a:solidFill>
+                <a:latin typeface="Consolas" panose="020B0609020204030204" pitchFamily="49" charset="0"/>
+              </a:rPr>
+              <a:t>();</a:t>
             </a:r>
           </a:p>
           <a:p>
@@ -6314,7 +6675,418 @@
           </a:p>
           <a:p>
             <a:r>
-              <a:rPr lang="nn-NO" sz="1600" dirty="0">
+              <a:rPr lang="en-US" sz="1600" dirty="0">
+                <a:solidFill>
+                  <a:srgbClr val="000000"/>
+                </a:solidFill>
+                <a:latin typeface="Consolas" panose="020B0609020204030204" pitchFamily="49" charset="0"/>
+              </a:rPr>
+              <a:t>    Domain colors = </a:t>
+            </a:r>
+            <a:r>
+              <a:rPr lang="en-US" sz="1600" dirty="0" err="1">
+                <a:solidFill>
+                  <a:srgbClr val="000000"/>
+                </a:solidFill>
+                <a:latin typeface="Consolas" panose="020B0609020204030204" pitchFamily="49" charset="0"/>
+              </a:rPr>
+              <a:t>Domain.Enum</a:t>
+            </a:r>
+            <a:r>
+              <a:rPr lang="en-US" sz="1600" dirty="0">
+                <a:solidFill>
+                  <a:srgbClr val="000000"/>
+                </a:solidFill>
+                <a:latin typeface="Consolas" panose="020B0609020204030204" pitchFamily="49" charset="0"/>
+              </a:rPr>
+              <a:t>(</a:t>
+            </a:r>
+            <a:r>
+              <a:rPr lang="en-US" sz="1600" dirty="0">
+                <a:solidFill>
+                  <a:srgbClr val="A31515"/>
+                </a:solidFill>
+                <a:latin typeface="Consolas" panose="020B0609020204030204" pitchFamily="49" charset="0"/>
+              </a:rPr>
+              <a:t>“</a:t>
+            </a:r>
+            <a:r>
+              <a:rPr lang="en-US" sz="1600" dirty="0" err="1">
+                <a:solidFill>
+                  <a:srgbClr val="A31515"/>
+                </a:solidFill>
+                <a:latin typeface="Consolas" panose="020B0609020204030204" pitchFamily="49" charset="0"/>
+              </a:rPr>
+              <a:t>rojo</a:t>
+            </a:r>
+            <a:r>
+              <a:rPr lang="en-US" sz="1600" dirty="0">
+                <a:solidFill>
+                  <a:srgbClr val="A31515"/>
+                </a:solidFill>
+                <a:latin typeface="Consolas" panose="020B0609020204030204" pitchFamily="49" charset="0"/>
+              </a:rPr>
+              <a:t>"</a:t>
+            </a:r>
+            <a:r>
+              <a:rPr lang="en-US" sz="1600" dirty="0">
+                <a:solidFill>
+                  <a:srgbClr val="000000"/>
+                </a:solidFill>
+                <a:latin typeface="Consolas" panose="020B0609020204030204" pitchFamily="49" charset="0"/>
+              </a:rPr>
+              <a:t>, </a:t>
+            </a:r>
+            <a:r>
+              <a:rPr lang="en-US" sz="1600" dirty="0">
+                <a:solidFill>
+                  <a:srgbClr val="A31515"/>
+                </a:solidFill>
+                <a:latin typeface="Consolas" panose="020B0609020204030204" pitchFamily="49" charset="0"/>
+              </a:rPr>
+              <a:t>“</a:t>
+            </a:r>
+            <a:r>
+              <a:rPr lang="en-US" sz="1600" dirty="0" err="1">
+                <a:solidFill>
+                  <a:srgbClr val="A31515"/>
+                </a:solidFill>
+                <a:latin typeface="Consolas" panose="020B0609020204030204" pitchFamily="49" charset="0"/>
+              </a:rPr>
+              <a:t>verde</a:t>
+            </a:r>
+            <a:r>
+              <a:rPr lang="en-US" sz="1600" dirty="0">
+                <a:solidFill>
+                  <a:srgbClr val="A31515"/>
+                </a:solidFill>
+                <a:latin typeface="Consolas" panose="020B0609020204030204" pitchFamily="49" charset="0"/>
+              </a:rPr>
+              <a:t>"</a:t>
+            </a:r>
+            <a:r>
+              <a:rPr lang="en-US" sz="1600" dirty="0">
+                <a:solidFill>
+                  <a:srgbClr val="000000"/>
+                </a:solidFill>
+                <a:latin typeface="Consolas" panose="020B0609020204030204" pitchFamily="49" charset="0"/>
+              </a:rPr>
+              <a:t>, </a:t>
+            </a:r>
+            <a:r>
+              <a:rPr lang="en-US" sz="1600" dirty="0">
+                <a:solidFill>
+                  <a:srgbClr val="A31515"/>
+                </a:solidFill>
+                <a:latin typeface="Consolas" panose="020B0609020204030204" pitchFamily="49" charset="0"/>
+              </a:rPr>
+              <a:t>“</a:t>
+            </a:r>
+            <a:r>
+              <a:rPr lang="en-US" sz="1600" dirty="0" err="1">
+                <a:solidFill>
+                  <a:srgbClr val="A31515"/>
+                </a:solidFill>
+                <a:latin typeface="Consolas" panose="020B0609020204030204" pitchFamily="49" charset="0"/>
+              </a:rPr>
+              <a:t>azul</a:t>
+            </a:r>
+            <a:r>
+              <a:rPr lang="en-US" sz="1600" dirty="0">
+                <a:solidFill>
+                  <a:srgbClr val="A31515"/>
+                </a:solidFill>
+                <a:latin typeface="Consolas" panose="020B0609020204030204" pitchFamily="49" charset="0"/>
+              </a:rPr>
+              <a:t>"</a:t>
+            </a:r>
+            <a:r>
+              <a:rPr lang="en-US" sz="1600" dirty="0">
+                <a:solidFill>
+                  <a:srgbClr val="000000"/>
+                </a:solidFill>
+                <a:latin typeface="Consolas" panose="020B0609020204030204" pitchFamily="49" charset="0"/>
+              </a:rPr>
+              <a:t>, </a:t>
+            </a:r>
+            <a:r>
+              <a:rPr lang="en-US" sz="1600" dirty="0">
+                <a:solidFill>
+                  <a:srgbClr val="A31515"/>
+                </a:solidFill>
+                <a:latin typeface="Consolas" panose="020B0609020204030204" pitchFamily="49" charset="0"/>
+              </a:rPr>
+              <a:t>“</a:t>
+            </a:r>
+            <a:r>
+              <a:rPr lang="en-US" sz="1600" dirty="0" err="1">
+                <a:solidFill>
+                  <a:srgbClr val="A31515"/>
+                </a:solidFill>
+                <a:latin typeface="Consolas" panose="020B0609020204030204" pitchFamily="49" charset="0"/>
+              </a:rPr>
+              <a:t>amarillo</a:t>
+            </a:r>
+            <a:r>
+              <a:rPr lang="en-US" sz="1600" dirty="0">
+                <a:solidFill>
+                  <a:srgbClr val="A31515"/>
+                </a:solidFill>
+                <a:latin typeface="Consolas" panose="020B0609020204030204" pitchFamily="49" charset="0"/>
+              </a:rPr>
+              <a:t>"</a:t>
+            </a:r>
+            <a:r>
+              <a:rPr lang="en-US" sz="1600" dirty="0">
+                <a:solidFill>
+                  <a:srgbClr val="000000"/>
+                </a:solidFill>
+                <a:latin typeface="Consolas" panose="020B0609020204030204" pitchFamily="49" charset="0"/>
+              </a:rPr>
+              <a:t>);</a:t>
+            </a:r>
+          </a:p>
+          <a:p>
+            <a:r>
+              <a:rPr lang="en-US" sz="1600" dirty="0">
+                <a:solidFill>
+                  <a:srgbClr val="000000"/>
+                </a:solidFill>
+                <a:latin typeface="Consolas" panose="020B0609020204030204" pitchFamily="49" charset="0"/>
+              </a:rPr>
+              <a:t>    Decision be = </a:t>
+            </a:r>
+            <a:r>
+              <a:rPr lang="en-US" sz="1600" dirty="0">
+                <a:solidFill>
+                  <a:srgbClr val="0000FF"/>
+                </a:solidFill>
+                <a:latin typeface="Consolas" panose="020B0609020204030204" pitchFamily="49" charset="0"/>
+              </a:rPr>
+              <a:t>new</a:t>
+            </a:r>
+            <a:r>
+              <a:rPr lang="en-US" sz="1600" dirty="0">
+                <a:solidFill>
+                  <a:srgbClr val="000000"/>
+                </a:solidFill>
+                <a:latin typeface="Consolas" panose="020B0609020204030204" pitchFamily="49" charset="0"/>
+              </a:rPr>
+              <a:t> Decision(colors, </a:t>
+            </a:r>
+            <a:r>
+              <a:rPr lang="en-US" sz="1600" dirty="0">
+                <a:solidFill>
+                  <a:srgbClr val="A31515"/>
+                </a:solidFill>
+                <a:latin typeface="Consolas" panose="020B0609020204030204" pitchFamily="49" charset="0"/>
+              </a:rPr>
+              <a:t>“</a:t>
+            </a:r>
+            <a:r>
+              <a:rPr lang="en-US" sz="1600" dirty="0" err="1">
+                <a:solidFill>
+                  <a:srgbClr val="A31515"/>
+                </a:solidFill>
+                <a:latin typeface="Consolas" panose="020B0609020204030204" pitchFamily="49" charset="0"/>
+              </a:rPr>
+              <a:t>Belgica</a:t>
+            </a:r>
+            <a:r>
+              <a:rPr lang="en-US" sz="1600" dirty="0">
+                <a:solidFill>
+                  <a:srgbClr val="A31515"/>
+                </a:solidFill>
+                <a:latin typeface="Consolas" panose="020B0609020204030204" pitchFamily="49" charset="0"/>
+              </a:rPr>
+              <a:t>"</a:t>
+            </a:r>
+            <a:r>
+              <a:rPr lang="en-US" sz="1600" dirty="0">
+                <a:solidFill>
+                  <a:srgbClr val="000000"/>
+                </a:solidFill>
+                <a:latin typeface="Consolas" panose="020B0609020204030204" pitchFamily="49" charset="0"/>
+              </a:rPr>
+              <a:t>); Decision al = </a:t>
+            </a:r>
+            <a:r>
+              <a:rPr lang="en-US" sz="1600" dirty="0">
+                <a:solidFill>
+                  <a:srgbClr val="0000FF"/>
+                </a:solidFill>
+                <a:latin typeface="Consolas" panose="020B0609020204030204" pitchFamily="49" charset="0"/>
+              </a:rPr>
+              <a:t>new</a:t>
+            </a:r>
+            <a:r>
+              <a:rPr lang="en-US" sz="1600" dirty="0">
+                <a:solidFill>
+                  <a:srgbClr val="000000"/>
+                </a:solidFill>
+                <a:latin typeface="Consolas" panose="020B0609020204030204" pitchFamily="49" charset="0"/>
+              </a:rPr>
+              <a:t> Decision(colors, </a:t>
+            </a:r>
+            <a:r>
+              <a:rPr lang="en-US" sz="1600" dirty="0">
+                <a:solidFill>
+                  <a:srgbClr val="A31515"/>
+                </a:solidFill>
+                <a:latin typeface="Consolas" panose="020B0609020204030204" pitchFamily="49" charset="0"/>
+              </a:rPr>
+              <a:t>“</a:t>
+            </a:r>
+            <a:r>
+              <a:rPr lang="en-US" sz="1600" dirty="0" err="1">
+                <a:solidFill>
+                  <a:srgbClr val="A31515"/>
+                </a:solidFill>
+                <a:latin typeface="Consolas" panose="020B0609020204030204" pitchFamily="49" charset="0"/>
+              </a:rPr>
+              <a:t>Alemania</a:t>
+            </a:r>
+            <a:r>
+              <a:rPr lang="en-US" sz="1600" dirty="0">
+                <a:solidFill>
+                  <a:srgbClr val="A31515"/>
+                </a:solidFill>
+                <a:latin typeface="Consolas" panose="020B0609020204030204" pitchFamily="49" charset="0"/>
+              </a:rPr>
+              <a:t>"</a:t>
+            </a:r>
+            <a:r>
+              <a:rPr lang="en-US" sz="1600" dirty="0">
+                <a:solidFill>
+                  <a:srgbClr val="000000"/>
+                </a:solidFill>
+                <a:latin typeface="Consolas" panose="020B0609020204030204" pitchFamily="49" charset="0"/>
+              </a:rPr>
+              <a:t>);</a:t>
+            </a:r>
+          </a:p>
+          <a:p>
+            <a:r>
+              <a:rPr lang="en-US" sz="1600" dirty="0">
+                <a:solidFill>
+                  <a:srgbClr val="000000"/>
+                </a:solidFill>
+                <a:latin typeface="Consolas" panose="020B0609020204030204" pitchFamily="49" charset="0"/>
+              </a:rPr>
+              <a:t>    Decision </a:t>
+            </a:r>
+            <a:r>
+              <a:rPr lang="en-US" sz="1600" dirty="0" err="1">
+                <a:solidFill>
+                  <a:srgbClr val="000000"/>
+                </a:solidFill>
+                <a:latin typeface="Consolas" panose="020B0609020204030204" pitchFamily="49" charset="0"/>
+              </a:rPr>
+              <a:t>fr</a:t>
+            </a:r>
+            <a:r>
+              <a:rPr lang="en-US" sz="1600" dirty="0">
+                <a:solidFill>
+                  <a:srgbClr val="000000"/>
+                </a:solidFill>
+                <a:latin typeface="Consolas" panose="020B0609020204030204" pitchFamily="49" charset="0"/>
+              </a:rPr>
+              <a:t> = </a:t>
+            </a:r>
+            <a:r>
+              <a:rPr lang="en-US" sz="1600" dirty="0">
+                <a:solidFill>
+                  <a:srgbClr val="0000FF"/>
+                </a:solidFill>
+                <a:latin typeface="Consolas" panose="020B0609020204030204" pitchFamily="49" charset="0"/>
+              </a:rPr>
+              <a:t>new</a:t>
+            </a:r>
+            <a:r>
+              <a:rPr lang="en-US" sz="1600" dirty="0">
+                <a:solidFill>
+                  <a:srgbClr val="000000"/>
+                </a:solidFill>
+                <a:latin typeface="Consolas" panose="020B0609020204030204" pitchFamily="49" charset="0"/>
+              </a:rPr>
+              <a:t> Decision(colors, </a:t>
+            </a:r>
+            <a:r>
+              <a:rPr lang="en-US" sz="1600" dirty="0">
+                <a:solidFill>
+                  <a:srgbClr val="A31515"/>
+                </a:solidFill>
+                <a:latin typeface="Consolas" panose="020B0609020204030204" pitchFamily="49" charset="0"/>
+              </a:rPr>
+              <a:t>“Francia"</a:t>
+            </a:r>
+            <a:r>
+              <a:rPr lang="en-US" sz="1600" dirty="0">
+                <a:solidFill>
+                  <a:srgbClr val="000000"/>
+                </a:solidFill>
+                <a:latin typeface="Consolas" panose="020B0609020204030204" pitchFamily="49" charset="0"/>
+              </a:rPr>
+              <a:t>); Decision hl = </a:t>
+            </a:r>
+            <a:r>
+              <a:rPr lang="en-US" sz="1600" dirty="0">
+                <a:solidFill>
+                  <a:srgbClr val="0000FF"/>
+                </a:solidFill>
+                <a:latin typeface="Consolas" panose="020B0609020204030204" pitchFamily="49" charset="0"/>
+              </a:rPr>
+              <a:t>new</a:t>
+            </a:r>
+            <a:r>
+              <a:rPr lang="en-US" sz="1600" dirty="0">
+                <a:solidFill>
+                  <a:srgbClr val="000000"/>
+                </a:solidFill>
+                <a:latin typeface="Consolas" panose="020B0609020204030204" pitchFamily="49" charset="0"/>
+              </a:rPr>
+              <a:t> Decision(colors, </a:t>
+            </a:r>
+            <a:r>
+              <a:rPr lang="en-US" sz="1600" dirty="0">
+                <a:solidFill>
+                  <a:srgbClr val="A31515"/>
+                </a:solidFill>
+                <a:latin typeface="Consolas" panose="020B0609020204030204" pitchFamily="49" charset="0"/>
+              </a:rPr>
+              <a:t>“</a:t>
+            </a:r>
+            <a:r>
+              <a:rPr lang="en-US" sz="1600" dirty="0" err="1">
+                <a:solidFill>
+                  <a:srgbClr val="A31515"/>
+                </a:solidFill>
+                <a:latin typeface="Consolas" panose="020B0609020204030204" pitchFamily="49" charset="0"/>
+              </a:rPr>
+              <a:t>Holanda</a:t>
+            </a:r>
+            <a:r>
+              <a:rPr lang="en-US" sz="1600" dirty="0">
+                <a:solidFill>
+                  <a:srgbClr val="A31515"/>
+                </a:solidFill>
+                <a:latin typeface="Consolas" panose="020B0609020204030204" pitchFamily="49" charset="0"/>
+              </a:rPr>
+              <a:t>"</a:t>
+            </a:r>
+            <a:r>
+              <a:rPr lang="en-US" sz="1600" dirty="0">
+                <a:solidFill>
+                  <a:srgbClr val="000000"/>
+                </a:solidFill>
+                <a:latin typeface="Consolas" panose="020B0609020204030204" pitchFamily="49" charset="0"/>
+              </a:rPr>
+              <a:t>);</a:t>
+            </a:r>
+          </a:p>
+          <a:p>
+            <a:r>
+              <a:rPr lang="es-ES" sz="1600" dirty="0">
                 <a:solidFill>
                   <a:srgbClr val="000000"/>
                 </a:solidFill>
@@ -6323,41 +7095,43 @@
               <a:t>    </a:t>
             </a:r>
             <a:r>
-              <a:rPr lang="nn-NO" sz="1600" dirty="0">
-                <a:solidFill>
-                  <a:srgbClr val="0000FF"/>
-                </a:solidFill>
-                <a:latin typeface="Consolas" panose="020B0609020204030204" pitchFamily="49" charset="0"/>
-              </a:rPr>
-              <a:t>for</a:t>
-            </a:r>
-            <a:r>
-              <a:rPr lang="nn-NO" sz="1600" dirty="0">
-                <a:solidFill>
-                  <a:srgbClr val="000000"/>
-                </a:solidFill>
-                <a:latin typeface="Consolas" panose="020B0609020204030204" pitchFamily="49" charset="0"/>
-              </a:rPr>
-              <a:t> (</a:t>
-            </a:r>
-            <a:r>
-              <a:rPr lang="nn-NO" sz="1600" dirty="0">
-                <a:solidFill>
-                  <a:srgbClr val="0000FF"/>
-                </a:solidFill>
-                <a:latin typeface="Consolas" panose="020B0609020204030204" pitchFamily="49" charset="0"/>
-              </a:rPr>
-              <a:t>int</a:t>
-            </a:r>
-            <a:r>
-              <a:rPr lang="nn-NO" sz="1600" dirty="0">
-                <a:solidFill>
-                  <a:srgbClr val="000000"/>
-                </a:solidFill>
-                <a:latin typeface="Consolas" panose="020B0609020204030204" pitchFamily="49" charset="0"/>
-              </a:rPr>
-              <a:t> i = 0; i &lt; N; i++)</a:t>
-            </a:r>
+              <a:rPr lang="es-ES" sz="1600" dirty="0" err="1">
+                <a:solidFill>
+                  <a:srgbClr val="000000"/>
+                </a:solidFill>
+                <a:latin typeface="Consolas" panose="020B0609020204030204" pitchFamily="49" charset="0"/>
+              </a:rPr>
+              <a:t>model.AddDecisions</a:t>
+            </a:r>
+            <a:r>
+              <a:rPr lang="es-ES" sz="1600" dirty="0">
+                <a:solidFill>
+                  <a:srgbClr val="000000"/>
+                </a:solidFill>
+                <a:latin typeface="Consolas" panose="020B0609020204030204" pitchFamily="49" charset="0"/>
+              </a:rPr>
+              <a:t>(be, al, </a:t>
+            </a:r>
+            <a:r>
+              <a:rPr lang="es-ES" sz="1600" dirty="0" err="1">
+                <a:solidFill>
+                  <a:srgbClr val="000000"/>
+                </a:solidFill>
+                <a:latin typeface="Consolas" panose="020B0609020204030204" pitchFamily="49" charset="0"/>
+              </a:rPr>
+              <a:t>fr</a:t>
+            </a:r>
+            <a:r>
+              <a:rPr lang="es-ES" sz="1600" dirty="0">
+                <a:solidFill>
+                  <a:srgbClr val="000000"/>
+                </a:solidFill>
+                <a:latin typeface="Consolas" panose="020B0609020204030204" pitchFamily="49" charset="0"/>
+              </a:rPr>
+              <a:t>, hl);</a:t>
+            </a:r>
+          </a:p>
+          <a:p>
             <a:endParaRPr lang="es-ES" sz="1600" dirty="0">
               <a:solidFill>
                 <a:srgbClr val="000000"/>
@@ -6367,50 +7141,88 @@
           </a:p>
           <a:p>
             <a:r>
-              <a:rPr lang="nb-NO" sz="1600" dirty="0">
-                <a:solidFill>
-                  <a:srgbClr val="000000"/>
-                </a:solidFill>
-                <a:latin typeface="Consolas" panose="020B0609020204030204" pitchFamily="49" charset="0"/>
-              </a:rPr>
-              <a:t>        </a:t>
-            </a:r>
-            <a:r>
-              <a:rPr lang="nb-NO" sz="1600" dirty="0">
-                <a:solidFill>
-                  <a:srgbClr val="0000FF"/>
-                </a:solidFill>
-                <a:latin typeface="Consolas" panose="020B0609020204030204" pitchFamily="49" charset="0"/>
-              </a:rPr>
-              <a:t>for</a:t>
-            </a:r>
-            <a:r>
-              <a:rPr lang="nb-NO" sz="1600" dirty="0">
-                <a:solidFill>
-                  <a:srgbClr val="000000"/>
-                </a:solidFill>
-                <a:latin typeface="Consolas" panose="020B0609020204030204" pitchFamily="49" charset="0"/>
-              </a:rPr>
-              <a:t> (</a:t>
-            </a:r>
-            <a:r>
-              <a:rPr lang="nb-NO" sz="1600" dirty="0">
-                <a:solidFill>
-                  <a:srgbClr val="0000FF"/>
-                </a:solidFill>
-                <a:latin typeface="Consolas" panose="020B0609020204030204" pitchFamily="49" charset="0"/>
-              </a:rPr>
-              <a:t>int</a:t>
-            </a:r>
-            <a:r>
-              <a:rPr lang="nb-NO" sz="1600" dirty="0">
-                <a:solidFill>
-                  <a:srgbClr val="000000"/>
-                </a:solidFill>
-                <a:latin typeface="Consolas" panose="020B0609020204030204" pitchFamily="49" charset="0"/>
-              </a:rPr>
-              <a:t> j = i + 1; j &lt; N; j++)</a:t>
-            </a:r>
+              <a:rPr lang="es-ES" sz="1600" dirty="0">
+                <a:solidFill>
+                  <a:srgbClr val="000000"/>
+                </a:solidFill>
+                <a:latin typeface="Consolas" panose="020B0609020204030204" pitchFamily="49" charset="0"/>
+              </a:rPr>
+              <a:t>    </a:t>
+            </a:r>
+            <a:r>
+              <a:rPr lang="es-ES" sz="1600" dirty="0" err="1">
+                <a:solidFill>
+                  <a:srgbClr val="000000"/>
+                </a:solidFill>
+                <a:latin typeface="Consolas" panose="020B0609020204030204" pitchFamily="49" charset="0"/>
+              </a:rPr>
+              <a:t>model.AddConstraints</a:t>
+            </a:r>
+            <a:r>
+              <a:rPr lang="es-ES" sz="1600" dirty="0">
+                <a:solidFill>
+                  <a:srgbClr val="000000"/>
+                </a:solidFill>
+                <a:latin typeface="Consolas" panose="020B0609020204030204" pitchFamily="49" charset="0"/>
+              </a:rPr>
+              <a:t>(</a:t>
+            </a:r>
+            <a:r>
+              <a:rPr lang="es-ES" sz="1600" dirty="0">
+                <a:solidFill>
+                  <a:srgbClr val="A31515"/>
+                </a:solidFill>
+                <a:latin typeface="Consolas" panose="020B0609020204030204" pitchFamily="49" charset="0"/>
+              </a:rPr>
+              <a:t>“fronteras"</a:t>
+            </a:r>
+            <a:r>
+              <a:rPr lang="es-ES" sz="1600" dirty="0">
+                <a:solidFill>
+                  <a:srgbClr val="000000"/>
+                </a:solidFill>
+                <a:latin typeface="Consolas" panose="020B0609020204030204" pitchFamily="49" charset="0"/>
+              </a:rPr>
+              <a:t>, be != al, be != </a:t>
+            </a:r>
+            <a:r>
+              <a:rPr lang="es-ES" sz="1600" dirty="0" err="1">
+                <a:solidFill>
+                  <a:srgbClr val="000000"/>
+                </a:solidFill>
+                <a:latin typeface="Consolas" panose="020B0609020204030204" pitchFamily="49" charset="0"/>
+              </a:rPr>
+              <a:t>fr</a:t>
+            </a:r>
+            <a:r>
+              <a:rPr lang="es-ES" sz="1600" dirty="0">
+                <a:solidFill>
+                  <a:srgbClr val="000000"/>
+                </a:solidFill>
+                <a:latin typeface="Consolas" panose="020B0609020204030204" pitchFamily="49" charset="0"/>
+              </a:rPr>
+              <a:t>, be != hl, al != </a:t>
+            </a:r>
+            <a:r>
+              <a:rPr lang="es-ES" sz="1600" dirty="0" err="1">
+                <a:solidFill>
+                  <a:srgbClr val="000000"/>
+                </a:solidFill>
+                <a:latin typeface="Consolas" panose="020B0609020204030204" pitchFamily="49" charset="0"/>
+              </a:rPr>
+              <a:t>fr</a:t>
+            </a:r>
+            <a:r>
+              <a:rPr lang="es-ES" sz="1600" dirty="0">
+                <a:solidFill>
+                  <a:srgbClr val="000000"/>
+                </a:solidFill>
+                <a:latin typeface="Consolas" panose="020B0609020204030204" pitchFamily="49" charset="0"/>
+              </a:rPr>
+              <a:t>, al != hl);</a:t>
+            </a:r>
+          </a:p>
+          <a:p>
             <a:endParaRPr lang="es-ES" sz="1600" dirty="0">
               <a:solidFill>
                 <a:srgbClr val="000000"/>
@@ -6426,7 +7238,7 @@
                 </a:solidFill>
                 <a:latin typeface="Consolas" panose="020B0609020204030204" pitchFamily="49" charset="0"/>
               </a:rPr>
-              <a:t>            </a:t>
+              <a:t>    </a:t>
             </a:r>
             <a:r>
               <a:rPr lang="es-ES" sz="1600" dirty="0" err="1">
@@ -6435,7 +7247,43 @@
                 </a:solidFill>
                 <a:latin typeface="Consolas" panose="020B0609020204030204" pitchFamily="49" charset="0"/>
               </a:rPr>
-              <a:t>S.AddConstraints</a:t>
+              <a:t>Solution</a:t>
+            </a:r>
+            <a:r>
+              <a:rPr lang="es-ES" sz="1600" dirty="0">
+                <a:solidFill>
+                  <a:srgbClr val="000000"/>
+                </a:solidFill>
+                <a:latin typeface="Consolas" panose="020B0609020204030204" pitchFamily="49" charset="0"/>
+              </a:rPr>
+              <a:t> </a:t>
+            </a:r>
+            <a:r>
+              <a:rPr lang="es-ES" sz="1600" dirty="0" err="1">
+                <a:solidFill>
+                  <a:srgbClr val="000000"/>
+                </a:solidFill>
+                <a:latin typeface="Consolas" panose="020B0609020204030204" pitchFamily="49" charset="0"/>
+              </a:rPr>
+              <a:t>solution</a:t>
+            </a:r>
+            <a:r>
+              <a:rPr lang="es-ES" sz="1600" dirty="0">
+                <a:solidFill>
+                  <a:srgbClr val="000000"/>
+                </a:solidFill>
+                <a:latin typeface="Consolas" panose="020B0609020204030204" pitchFamily="49" charset="0"/>
+              </a:rPr>
+              <a:t> = </a:t>
+            </a:r>
+            <a:r>
+              <a:rPr lang="es-ES" sz="1600" dirty="0" err="1">
+                <a:solidFill>
+                  <a:srgbClr val="000000"/>
+                </a:solidFill>
+                <a:latin typeface="Consolas" panose="020B0609020204030204" pitchFamily="49" charset="0"/>
+              </a:rPr>
+              <a:t>context.Solve</a:t>
             </a:r>
             <a:r>
               <a:rPr lang="es-ES" sz="1600" dirty="0">
@@ -6446,16 +7294,23 @@
               </a:rPr>
               <a:t>(</a:t>
             </a:r>
-          </a:p>
-          <a:p>
-            <a:r>
-              <a:rPr lang="es-ES" sz="1600" dirty="0">
-                <a:solidFill>
-                  <a:srgbClr val="000000"/>
-                </a:solidFill>
-                <a:latin typeface="Consolas" panose="020B0609020204030204" pitchFamily="49" charset="0"/>
-              </a:rPr>
-              <a:t>                </a:t>
+            <a:r>
+              <a:rPr lang="es-ES" sz="1600" dirty="0">
+                <a:solidFill>
+                  <a:srgbClr val="0000FF"/>
+                </a:solidFill>
+                <a:latin typeface="Consolas" panose="020B0609020204030204" pitchFamily="49" charset="0"/>
+              </a:rPr>
+              <a:t>new</a:t>
+            </a:r>
+            <a:r>
+              <a:rPr lang="es-ES" sz="1600" dirty="0">
+                <a:solidFill>
+                  <a:srgbClr val="000000"/>
+                </a:solidFill>
+                <a:latin typeface="Consolas" panose="020B0609020204030204" pitchFamily="49" charset="0"/>
+              </a:rPr>
+              <a:t> </a:t>
             </a:r>
             <a:r>
               <a:rPr lang="es-ES" sz="1600" dirty="0" err="1">
@@ -6464,42 +7319,103 @@
                 </a:solidFill>
                 <a:latin typeface="Consolas" panose="020B0609020204030204" pitchFamily="49" charset="0"/>
               </a:rPr>
-              <a:t>S.Unequal</a:t>
-            </a:r>
-            <a:r>
-              <a:rPr lang="es-ES" sz="1600" dirty="0">
-                <a:solidFill>
-                  <a:srgbClr val="000000"/>
-                </a:solidFill>
-                <a:latin typeface="Consolas" panose="020B0609020204030204" pitchFamily="49" charset="0"/>
-              </a:rPr>
-              <a:t>(tablero[i], tablero[j]) </a:t>
-            </a:r>
-            <a:r>
-              <a:rPr lang="es-ES" sz="1600" dirty="0">
-                <a:solidFill>
-                  <a:srgbClr val="008000"/>
-                </a:solidFill>
-                <a:latin typeface="Consolas" panose="020B0609020204030204" pitchFamily="49" charset="0"/>
-              </a:rPr>
-              <a:t>// Fila</a:t>
-            </a:r>
-            <a:endParaRPr lang="es-ES" sz="1600" dirty="0">
-              <a:solidFill>
-                <a:srgbClr val="000000"/>
-              </a:solidFill>
-              <a:latin typeface="Consolas" panose="020B0609020204030204" pitchFamily="49" charset="0"/>
-            </a:endParaRPr>
-          </a:p>
-          <a:p>
-            <a:r>
-              <a:rPr lang="es-ES" sz="1600" dirty="0">
-                <a:solidFill>
-                  <a:srgbClr val="000000"/>
-                </a:solidFill>
-                <a:latin typeface="Consolas" panose="020B0609020204030204" pitchFamily="49" charset="0"/>
-              </a:rPr>
-              <a:t>                , </a:t>
+              <a:t>ConstraintProgrammingDirective</a:t>
+            </a:r>
+            <a:r>
+              <a:rPr lang="es-ES" sz="1600" dirty="0">
+                <a:solidFill>
+                  <a:srgbClr val="000000"/>
+                </a:solidFill>
+                <a:latin typeface="Consolas" panose="020B0609020204030204" pitchFamily="49" charset="0"/>
+              </a:rPr>
+              <a:t>());</a:t>
+            </a:r>
+          </a:p>
+          <a:p>
+            <a:r>
+              <a:rPr lang="en-US" sz="1600" dirty="0">
+                <a:solidFill>
+                  <a:srgbClr val="000000"/>
+                </a:solidFill>
+                <a:latin typeface="Consolas" panose="020B0609020204030204" pitchFamily="49" charset="0"/>
+              </a:rPr>
+              <a:t>    </a:t>
+            </a:r>
+            <a:r>
+              <a:rPr lang="en-US" sz="1600" dirty="0">
+                <a:solidFill>
+                  <a:srgbClr val="0000FF"/>
+                </a:solidFill>
+                <a:latin typeface="Consolas" panose="020B0609020204030204" pitchFamily="49" charset="0"/>
+              </a:rPr>
+              <a:t>while</a:t>
+            </a:r>
+            <a:r>
+              <a:rPr lang="en-US" sz="1600" dirty="0">
+                <a:solidFill>
+                  <a:srgbClr val="000000"/>
+                </a:solidFill>
+                <a:latin typeface="Consolas" panose="020B0609020204030204" pitchFamily="49" charset="0"/>
+              </a:rPr>
+              <a:t> (</a:t>
+            </a:r>
+            <a:r>
+              <a:rPr lang="en-US" sz="1600" dirty="0" err="1">
+                <a:solidFill>
+                  <a:srgbClr val="000000"/>
+                </a:solidFill>
+                <a:latin typeface="Consolas" panose="020B0609020204030204" pitchFamily="49" charset="0"/>
+              </a:rPr>
+              <a:t>solution.Quality</a:t>
+            </a:r>
+            <a:r>
+              <a:rPr lang="en-US" sz="1600" dirty="0">
+                <a:solidFill>
+                  <a:srgbClr val="000000"/>
+                </a:solidFill>
+                <a:latin typeface="Consolas" panose="020B0609020204030204" pitchFamily="49" charset="0"/>
+              </a:rPr>
+              <a:t> != </a:t>
+            </a:r>
+            <a:r>
+              <a:rPr lang="en-US" sz="1600" dirty="0" err="1">
+                <a:solidFill>
+                  <a:srgbClr val="000000"/>
+                </a:solidFill>
+                <a:latin typeface="Consolas" panose="020B0609020204030204" pitchFamily="49" charset="0"/>
+              </a:rPr>
+              <a:t>SolverQuality.Infeasible</a:t>
+            </a:r>
+            <a:r>
+              <a:rPr lang="en-US" sz="1600" dirty="0">
+                <a:solidFill>
+                  <a:srgbClr val="000000"/>
+                </a:solidFill>
+                <a:latin typeface="Consolas" panose="020B0609020204030204" pitchFamily="49" charset="0"/>
+              </a:rPr>
+              <a:t>)</a:t>
+            </a:r>
+          </a:p>
+          <a:p>
+            <a:r>
+              <a:rPr lang="es-ES" sz="1600" dirty="0">
+                <a:solidFill>
+                  <a:srgbClr val="000000"/>
+                </a:solidFill>
+                <a:latin typeface="Consolas" panose="020B0609020204030204" pitchFamily="49" charset="0"/>
+              </a:rPr>
+              <a:t>    {</a:t>
+            </a:r>
+          </a:p>
+          <a:p>
+            <a:r>
+              <a:rPr lang="es-ES" sz="1600" dirty="0">
+                <a:solidFill>
+                  <a:srgbClr val="000000"/>
+                </a:solidFill>
+                <a:latin typeface="Consolas" panose="020B0609020204030204" pitchFamily="49" charset="0"/>
+              </a:rPr>
+              <a:t>        </a:t>
             </a:r>
             <a:r>
               <a:rPr lang="es-ES" sz="1600" dirty="0" err="1">
@@ -6508,236 +7424,298 @@
                 </a:solidFill>
                 <a:latin typeface="Consolas" panose="020B0609020204030204" pitchFamily="49" charset="0"/>
               </a:rPr>
-              <a:t>S.Unequal</a:t>
-            </a:r>
-            <a:r>
-              <a:rPr lang="es-ES" sz="1600" dirty="0">
-                <a:solidFill>
-                  <a:srgbClr val="000000"/>
-                </a:solidFill>
-                <a:latin typeface="Consolas" panose="020B0609020204030204" pitchFamily="49" charset="0"/>
-              </a:rPr>
-              <a:t>(tablero[j] + (j - i), tablero[i]) </a:t>
-            </a:r>
-            <a:r>
-              <a:rPr lang="es-ES" sz="1600" dirty="0">
-                <a:solidFill>
-                  <a:srgbClr val="008000"/>
-                </a:solidFill>
-                <a:latin typeface="Consolas" panose="020B0609020204030204" pitchFamily="49" charset="0"/>
-              </a:rPr>
-              <a:t>// Diagonal 1</a:t>
-            </a:r>
-            <a:endParaRPr lang="es-ES" sz="1600" dirty="0">
-              <a:solidFill>
-                <a:srgbClr val="000000"/>
-              </a:solidFill>
-              <a:latin typeface="Consolas" panose="020B0609020204030204" pitchFamily="49" charset="0"/>
-            </a:endParaRPr>
-          </a:p>
-          <a:p>
-            <a:r>
-              <a:rPr lang="es-ES" sz="1600" dirty="0">
-                <a:solidFill>
-                  <a:srgbClr val="000000"/>
-                </a:solidFill>
-                <a:latin typeface="Consolas" panose="020B0609020204030204" pitchFamily="49" charset="0"/>
-              </a:rPr>
-              <a:t>                , </a:t>
+              <a:t>Console.WriteLine</a:t>
+            </a:r>
+            <a:r>
+              <a:rPr lang="es-ES" sz="1600" dirty="0">
+                <a:solidFill>
+                  <a:srgbClr val="000000"/>
+                </a:solidFill>
+                <a:latin typeface="Consolas" panose="020B0609020204030204" pitchFamily="49" charset="0"/>
+              </a:rPr>
+              <a:t>(</a:t>
             </a:r>
             <a:r>
               <a:rPr lang="es-ES" sz="1600" dirty="0" err="1">
                 <a:solidFill>
-                  <a:srgbClr val="000000"/>
-                </a:solidFill>
-                <a:latin typeface="Consolas" panose="020B0609020204030204" pitchFamily="49" charset="0"/>
-              </a:rPr>
-              <a:t>S.Unequal</a:t>
-            </a:r>
-            <a:r>
-              <a:rPr lang="es-ES" sz="1600" dirty="0">
-                <a:solidFill>
-                  <a:srgbClr val="000000"/>
-                </a:solidFill>
-                <a:latin typeface="Consolas" panose="020B0609020204030204" pitchFamily="49" charset="0"/>
-              </a:rPr>
-              <a:t>(tablero[j] - (j - i), tablero[i]) </a:t>
-            </a:r>
-            <a:r>
-              <a:rPr lang="es-ES" sz="1600" dirty="0">
-                <a:solidFill>
-                  <a:srgbClr val="008000"/>
-                </a:solidFill>
-                <a:latin typeface="Consolas" panose="020B0609020204030204" pitchFamily="49" charset="0"/>
-              </a:rPr>
-              <a:t>// Diagonal 2</a:t>
-            </a:r>
-            <a:endParaRPr lang="es-ES" sz="1600" dirty="0">
-              <a:solidFill>
-                <a:srgbClr val="000000"/>
-              </a:solidFill>
-              <a:latin typeface="Consolas" panose="020B0609020204030204" pitchFamily="49" charset="0"/>
-            </a:endParaRPr>
-          </a:p>
-          <a:p>
-            <a:r>
-              <a:rPr lang="es-ES" sz="1600" dirty="0">
-                <a:solidFill>
-                  <a:srgbClr val="000000"/>
-                </a:solidFill>
-                <a:latin typeface="Consolas" panose="020B0609020204030204" pitchFamily="49" charset="0"/>
-              </a:rPr>
-              <a:t>                );</a:t>
-            </a:r>
-          </a:p>
-          <a:p>
-            <a:r>
-              <a:rPr lang="es-ES" sz="1600" dirty="0">
-                <a:solidFill>
-                  <a:srgbClr val="000000"/>
-                </a:solidFill>
-                <a:latin typeface="Consolas" panose="020B0609020204030204" pitchFamily="49" charset="0"/>
-              </a:rPr>
-              <a:t>    </a:t>
+                  <a:srgbClr val="0000FF"/>
+                </a:solidFill>
+                <a:latin typeface="Consolas" panose="020B0609020204030204" pitchFamily="49" charset="0"/>
+              </a:rPr>
+              <a:t>string</a:t>
             </a:r>
             <a:r>
               <a:rPr lang="es-ES" sz="1600" dirty="0" err="1">
                 <a:solidFill>
-                  <a:srgbClr val="0000FF"/>
-                </a:solidFill>
-                <a:latin typeface="Consolas" panose="020B0609020204030204" pitchFamily="49" charset="0"/>
-              </a:rPr>
-              <a:t>bool</a:t>
-            </a:r>
-            <a:r>
-              <a:rPr lang="es-ES" sz="1600" dirty="0">
-                <a:solidFill>
-                  <a:srgbClr val="000000"/>
-                </a:solidFill>
-                <a:latin typeface="Consolas" panose="020B0609020204030204" pitchFamily="49" charset="0"/>
+                  <a:srgbClr val="000000"/>
+                </a:solidFill>
+                <a:latin typeface="Consolas" panose="020B0609020204030204" pitchFamily="49" charset="0"/>
+              </a:rPr>
+              <a:t>.Format</a:t>
+            </a:r>
+            <a:r>
+              <a:rPr lang="es-ES" sz="1600" dirty="0">
+                <a:solidFill>
+                  <a:srgbClr val="000000"/>
+                </a:solidFill>
+                <a:latin typeface="Consolas" panose="020B0609020204030204" pitchFamily="49" charset="0"/>
+              </a:rPr>
+              <a:t>(</a:t>
+            </a:r>
+            <a:r>
+              <a:rPr lang="es-ES" sz="1600" dirty="0">
+                <a:solidFill>
+                  <a:srgbClr val="A31515"/>
+                </a:solidFill>
+                <a:latin typeface="Consolas" panose="020B0609020204030204" pitchFamily="49" charset="0"/>
+              </a:rPr>
+              <a:t>“</a:t>
+            </a:r>
+            <a:r>
+              <a:rPr lang="es-ES" sz="1600" dirty="0" err="1">
+                <a:solidFill>
+                  <a:srgbClr val="A31515"/>
+                </a:solidFill>
+                <a:latin typeface="Consolas" panose="020B0609020204030204" pitchFamily="49" charset="0"/>
+              </a:rPr>
+              <a:t>Belgica</a:t>
+            </a:r>
+            <a:r>
+              <a:rPr lang="es-ES" sz="1600" dirty="0">
+                <a:solidFill>
+                  <a:srgbClr val="A31515"/>
+                </a:solidFill>
+                <a:latin typeface="Consolas" panose="020B0609020204030204" pitchFamily="49" charset="0"/>
+              </a:rPr>
+              <a:t>: {0}\</a:t>
+            </a:r>
+            <a:r>
+              <a:rPr lang="es-ES" sz="1600" dirty="0" err="1">
+                <a:solidFill>
+                  <a:srgbClr val="A31515"/>
+                </a:solidFill>
+                <a:latin typeface="Consolas" panose="020B0609020204030204" pitchFamily="49" charset="0"/>
+              </a:rPr>
+              <a:t>tAlemania</a:t>
+            </a:r>
+            <a:r>
+              <a:rPr lang="es-ES" sz="1600" dirty="0">
+                <a:solidFill>
+                  <a:srgbClr val="A31515"/>
+                </a:solidFill>
+                <a:latin typeface="Consolas" panose="020B0609020204030204" pitchFamily="49" charset="0"/>
+              </a:rPr>
+              <a:t>: {1}\</a:t>
+            </a:r>
+            <a:r>
+              <a:rPr lang="es-ES" sz="1600" dirty="0" err="1">
+                <a:solidFill>
+                  <a:srgbClr val="A31515"/>
+                </a:solidFill>
+                <a:latin typeface="Consolas" panose="020B0609020204030204" pitchFamily="49" charset="0"/>
+              </a:rPr>
+              <a:t>tFrnacia</a:t>
+            </a:r>
+            <a:r>
+              <a:rPr lang="es-ES" sz="1600" dirty="0">
+                <a:solidFill>
+                  <a:srgbClr val="A31515"/>
+                </a:solidFill>
+                <a:latin typeface="Consolas" panose="020B0609020204030204" pitchFamily="49" charset="0"/>
+              </a:rPr>
+              <a:t>: {2}\</a:t>
+            </a:r>
+            <a:r>
+              <a:rPr lang="es-ES" sz="1600" dirty="0" err="1">
+                <a:solidFill>
+                  <a:srgbClr val="A31515"/>
+                </a:solidFill>
+                <a:latin typeface="Consolas" panose="020B0609020204030204" pitchFamily="49" charset="0"/>
+              </a:rPr>
+              <a:t>tHolanda</a:t>
+            </a:r>
+            <a:r>
+              <a:rPr lang="es-ES" sz="1600" dirty="0">
+                <a:solidFill>
+                  <a:srgbClr val="A31515"/>
+                </a:solidFill>
+                <a:latin typeface="Consolas" panose="020B0609020204030204" pitchFamily="49" charset="0"/>
+              </a:rPr>
+              <a:t>: {3}"</a:t>
+            </a:r>
+            <a:r>
+              <a:rPr lang="es-ES" sz="1600" dirty="0">
+                <a:solidFill>
+                  <a:srgbClr val="000000"/>
+                </a:solidFill>
+                <a:latin typeface="Consolas" panose="020B0609020204030204" pitchFamily="49" charset="0"/>
+              </a:rPr>
+              <a:t>, be, al, </a:t>
+            </a:r>
+            <a:r>
+              <a:rPr lang="es-ES" sz="1600" dirty="0" err="1">
+                <a:solidFill>
+                  <a:srgbClr val="000000"/>
+                </a:solidFill>
+                <a:latin typeface="Consolas" panose="020B0609020204030204" pitchFamily="49" charset="0"/>
+              </a:rPr>
+              <a:t>fr</a:t>
+            </a:r>
+            <a:r>
+              <a:rPr lang="es-ES" sz="1600" dirty="0">
+                <a:solidFill>
+                  <a:srgbClr val="000000"/>
+                </a:solidFill>
+                <a:latin typeface="Consolas" panose="020B0609020204030204" pitchFamily="49" charset="0"/>
+              </a:rPr>
+              <a:t>, hl));</a:t>
+            </a:r>
+          </a:p>
+          <a:p>
+            <a:r>
+              <a:rPr lang="es-ES" sz="1600" dirty="0">
+                <a:solidFill>
+                  <a:srgbClr val="000000"/>
+                </a:solidFill>
+                <a:latin typeface="Consolas" panose="020B0609020204030204" pitchFamily="49" charset="0"/>
+              </a:rPr>
+              <a:t>        </a:t>
+            </a:r>
+            <a:r>
+              <a:rPr lang="es-ES" sz="1600" dirty="0" err="1">
+                <a:solidFill>
+                  <a:srgbClr val="000000"/>
+                </a:solidFill>
+                <a:latin typeface="Consolas" panose="020B0609020204030204" pitchFamily="49" charset="0"/>
+              </a:rPr>
+              <a:t>solution.GetNext</a:t>
+            </a:r>
+            <a:r>
+              <a:rPr lang="es-ES" sz="1600" dirty="0">
+                <a:solidFill>
+                  <a:srgbClr val="000000"/>
+                </a:solidFill>
+                <a:latin typeface="Consolas" panose="020B0609020204030204" pitchFamily="49" charset="0"/>
+              </a:rPr>
+              <a:t>();</a:t>
+            </a:r>
+          </a:p>
+          <a:p>
+            <a:r>
+              <a:rPr lang="es-ES" sz="1600" dirty="0">
+                <a:solidFill>
+                  <a:srgbClr val="000000"/>
+                </a:solidFill>
+                <a:latin typeface="Consolas" panose="020B0609020204030204" pitchFamily="49" charset="0"/>
+              </a:rPr>
+              <a:t>    }</a:t>
+            </a:r>
+          </a:p>
+          <a:p>
+            <a:r>
+              <a:rPr lang="es-ES" sz="1600" dirty="0">
+                <a:solidFill>
+                  <a:srgbClr val="000000"/>
+                </a:solidFill>
+                <a:latin typeface="Consolas" panose="020B0609020204030204" pitchFamily="49" charset="0"/>
+              </a:rPr>
+              <a:t>}</a:t>
+            </a:r>
+          </a:p>
+        </p:txBody>
+      </p:sp>
+      <p:sp>
+        <p:nvSpPr>
+          <p:cNvPr id="9" name="Título 1">
+            <a:extLst>
+              <a:ext uri="{FF2B5EF4-FFF2-40B4-BE49-F238E27FC236}">
+                <a16:creationId xmlns:a16="http://schemas.microsoft.com/office/drawing/2014/main" id="{91C8E9D6-D5BB-42DF-B58D-7F1D641D9F35}"/>
+              </a:ext>
+            </a:extLst>
+          </p:cNvPr>
+          <p:cNvSpPr>
+            <a:spLocks noGrp="1"/>
+          </p:cNvSpPr>
+          <p:nvPr>
+            <p:ph type="title"/>
+          </p:nvPr>
+        </p:nvSpPr>
+        <p:spPr>
+          <a:xfrm>
+            <a:off x="484559" y="-22485"/>
+            <a:ext cx="7115454" cy="1325563"/>
+          </a:xfrm>
+        </p:spPr>
+        <p:txBody>
+          <a:bodyPr>
+            <a:normAutofit/>
+          </a:bodyPr>
+          <a:lstStyle/>
+          <a:p>
+            <a:r>
+              <a:rPr lang="es-ES" sz="4300" dirty="0">
+                <a:ln w="0"/>
+                <a:solidFill>
+                  <a:srgbClr val="002060"/>
+                </a:solidFill>
+                <a:effectLst>
+                  <a:outerShdw blurRad="38100" dist="19050" dir="2700000" algn="tl" rotWithShape="0">
+                    <a:schemeClr val="dk1">
+                      <a:alpha val="40000"/>
+                    </a:schemeClr>
+                  </a:outerShdw>
+                </a:effectLst>
+                <a:latin typeface="+mn-lt"/>
+                <a:ea typeface="+mn-ea"/>
+                <a:cs typeface="+mn-cs"/>
+              </a:rPr>
+              <a:t>Ejemplo</a:t>
+            </a:r>
+            <a:r>
+              <a:rPr lang="es-ES" sz="4800" dirty="0">
+                <a:ln w="0"/>
+                <a:solidFill>
+                  <a:srgbClr val="002060"/>
+                </a:solidFill>
+                <a:effectLst>
+                  <a:outerShdw blurRad="38100" dist="19050" dir="2700000" algn="tl" rotWithShape="0">
+                    <a:schemeClr val="dk1">
+                      <a:alpha val="40000"/>
+                    </a:schemeClr>
+                  </a:outerShdw>
+                </a:effectLst>
+                <a:latin typeface="+mn-lt"/>
+                <a:ea typeface="+mn-ea"/>
+                <a:cs typeface="+mn-cs"/>
               </a:rPr>
               <a:t> </a:t>
             </a:r>
             <a:r>
-              <a:rPr lang="es-ES" sz="1600" dirty="0" err="1">
-                <a:solidFill>
-                  <a:srgbClr val="000000"/>
-                </a:solidFill>
-                <a:latin typeface="Consolas" panose="020B0609020204030204" pitchFamily="49" charset="0"/>
-              </a:rPr>
-              <a:t>unsolved</a:t>
-            </a:r>
-            <a:r>
-              <a:rPr lang="es-ES" sz="1600" dirty="0">
-                <a:solidFill>
-                  <a:srgbClr val="000000"/>
-                </a:solidFill>
-                <a:latin typeface="Consolas" panose="020B0609020204030204" pitchFamily="49" charset="0"/>
-              </a:rPr>
-              <a:t> = </a:t>
-            </a:r>
-            <a:r>
-              <a:rPr lang="es-ES" sz="1600" dirty="0">
-                <a:solidFill>
-                  <a:srgbClr val="0000FF"/>
-                </a:solidFill>
-                <a:latin typeface="Consolas" panose="020B0609020204030204" pitchFamily="49" charset="0"/>
-              </a:rPr>
-              <a:t>true</a:t>
-            </a:r>
-            <a:r>
-              <a:rPr lang="es-ES" sz="1600" dirty="0">
-                <a:solidFill>
-                  <a:srgbClr val="000000"/>
-                </a:solidFill>
-                <a:latin typeface="Consolas" panose="020B0609020204030204" pitchFamily="49" charset="0"/>
-              </a:rPr>
-              <a:t>;</a:t>
-            </a:r>
-          </a:p>
-          <a:p>
-            <a:r>
-              <a:rPr lang="es-ES" sz="1600" dirty="0">
-                <a:solidFill>
-                  <a:srgbClr val="000000"/>
-                </a:solidFill>
-                <a:latin typeface="Consolas" panose="020B0609020204030204" pitchFamily="49" charset="0"/>
-              </a:rPr>
-              <a:t>    </a:t>
-            </a:r>
-            <a:r>
-              <a:rPr lang="es-ES" sz="1600" dirty="0" err="1">
-                <a:solidFill>
-                  <a:srgbClr val="000000"/>
-                </a:solidFill>
-                <a:latin typeface="Consolas" panose="020B0609020204030204" pitchFamily="49" charset="0"/>
-              </a:rPr>
-              <a:t>ConstraintSolverSolution</a:t>
-            </a:r>
-            <a:r>
-              <a:rPr lang="es-ES" sz="1600" dirty="0">
-                <a:solidFill>
-                  <a:srgbClr val="000000"/>
-                </a:solidFill>
-                <a:latin typeface="Consolas" panose="020B0609020204030204" pitchFamily="49" charset="0"/>
-              </a:rPr>
-              <a:t> </a:t>
-            </a:r>
-            <a:r>
-              <a:rPr lang="es-ES" sz="1600" dirty="0" err="1">
-                <a:solidFill>
-                  <a:srgbClr val="000000"/>
-                </a:solidFill>
-                <a:latin typeface="Consolas" panose="020B0609020204030204" pitchFamily="49" charset="0"/>
-              </a:rPr>
-              <a:t>soln</a:t>
-            </a:r>
-            <a:r>
-              <a:rPr lang="es-ES" sz="1600" dirty="0">
-                <a:solidFill>
-                  <a:srgbClr val="000000"/>
-                </a:solidFill>
-                <a:latin typeface="Consolas" panose="020B0609020204030204" pitchFamily="49" charset="0"/>
-              </a:rPr>
-              <a:t> = </a:t>
-            </a:r>
-            <a:r>
-              <a:rPr lang="es-ES" sz="1600" dirty="0" err="1">
-                <a:solidFill>
-                  <a:srgbClr val="000000"/>
-                </a:solidFill>
-                <a:latin typeface="Consolas" panose="020B0609020204030204" pitchFamily="49" charset="0"/>
-              </a:rPr>
-              <a:t>S.Solve</a:t>
-            </a:r>
-            <a:r>
-              <a:rPr lang="es-ES" sz="1600" dirty="0">
-                <a:solidFill>
-                  <a:srgbClr val="000000"/>
-                </a:solidFill>
-                <a:latin typeface="Consolas" panose="020B0609020204030204" pitchFamily="49" charset="0"/>
-              </a:rPr>
-              <a:t>();</a:t>
-            </a:r>
-          </a:p>
-          <a:p>
-            <a:r>
-              <a:rPr lang="es-ES" sz="1600" dirty="0">
-                <a:solidFill>
-                  <a:srgbClr val="000000"/>
-                </a:solidFill>
-                <a:latin typeface="Consolas" panose="020B0609020204030204" pitchFamily="49" charset="0"/>
-              </a:rPr>
-              <a:t>}</a:t>
-            </a:r>
-            <a:endParaRPr lang="es-ES" sz="1600" dirty="0"/>
+              <a:rPr lang="es-ES" sz="4300" dirty="0">
+                <a:ln w="0"/>
+                <a:solidFill>
+                  <a:srgbClr val="002060"/>
+                </a:solidFill>
+                <a:effectLst>
+                  <a:outerShdw blurRad="38100" dist="19050" dir="2700000" algn="tl" rotWithShape="0">
+                    <a:schemeClr val="dk1">
+                      <a:alpha val="40000"/>
+                    </a:schemeClr>
+                  </a:outerShdw>
+                </a:effectLst>
+                <a:latin typeface="+mn-lt"/>
+                <a:ea typeface="+mn-ea"/>
+                <a:cs typeface="+mn-cs"/>
+              </a:rPr>
+              <a:t>Pintar Mapa</a:t>
+            </a:r>
           </a:p>
         </p:txBody>
       </p:sp>
     </p:spTree>
     <p:extLst>
       <p:ext uri="{BB962C8B-B14F-4D97-AF65-F5344CB8AC3E}">
-        <p14:creationId xmlns:p14="http://schemas.microsoft.com/office/powerpoint/2010/main" val="389766790"/>
+        <p14:creationId xmlns:p14="http://schemas.microsoft.com/office/powerpoint/2010/main" val="3559381407"/>
       </p:ext>
     </p:extLst>
   </p:cSld>
@@ -6766,1279 +7744,6 @@
       </p:grpSpPr>
       <p:sp>
         <p:nvSpPr>
-          <p:cNvPr id="7" name="Título 6">
-            <a:extLst>
-              <a:ext uri="{FF2B5EF4-FFF2-40B4-BE49-F238E27FC236}">
-                <a16:creationId xmlns:a16="http://schemas.microsoft.com/office/drawing/2014/main" id="{B26E78DD-498D-4BBF-9885-1B53A8041E14}"/>
-              </a:ext>
-            </a:extLst>
-          </p:cNvPr>
-          <p:cNvSpPr>
-            <a:spLocks noGrp="1"/>
-          </p:cNvSpPr>
-          <p:nvPr>
-            <p:ph type="title"/>
-          </p:nvPr>
-        </p:nvSpPr>
-        <p:spPr/>
-        <p:txBody>
-          <a:bodyPr/>
-          <a:lstStyle/>
-          <a:p>
-            <a:r>
-              <a:rPr lang="es-ES" dirty="0"/>
-              <a:t>Ejemplo Pintar mapa</a:t>
-            </a:r>
-          </a:p>
-        </p:txBody>
-      </p:sp>
-      <p:sp>
-        <p:nvSpPr>
-          <p:cNvPr id="8" name="Rectángulo 7">
-            <a:extLst>
-              <a:ext uri="{FF2B5EF4-FFF2-40B4-BE49-F238E27FC236}">
-                <a16:creationId xmlns:a16="http://schemas.microsoft.com/office/drawing/2014/main" id="{542D0EB3-CC32-41E1-912C-B40690212E56}"/>
-              </a:ext>
-            </a:extLst>
-          </p:cNvPr>
-          <p:cNvSpPr/>
-          <p:nvPr/>
-        </p:nvSpPr>
-        <p:spPr>
-          <a:xfrm>
-            <a:off x="94343" y="1841242"/>
-            <a:ext cx="12003314" cy="5016758"/>
-          </a:xfrm>
-          <a:prstGeom prst="rect">
-            <a:avLst/>
-          </a:prstGeom>
-        </p:spPr>
-        <p:txBody>
-          <a:bodyPr wrap="square">
-            <a:spAutoFit/>
-          </a:bodyPr>
-          <a:lstStyle/>
-          <a:p>
-            <a:r>
-              <a:rPr lang="es-ES" sz="1600" dirty="0" err="1">
-                <a:solidFill>
-                  <a:srgbClr val="0000FF"/>
-                </a:solidFill>
-                <a:latin typeface="Consolas" panose="020B0609020204030204" pitchFamily="49" charset="0"/>
-              </a:rPr>
-              <a:t>public</a:t>
-            </a:r>
-            <a:r>
-              <a:rPr lang="es-ES" sz="1600" dirty="0">
-                <a:solidFill>
-                  <a:srgbClr val="000000"/>
-                </a:solidFill>
-                <a:latin typeface="Consolas" panose="020B0609020204030204" pitchFamily="49" charset="0"/>
-              </a:rPr>
-              <a:t> </a:t>
-            </a:r>
-            <a:r>
-              <a:rPr lang="es-ES" sz="1600" dirty="0" err="1">
-                <a:solidFill>
-                  <a:srgbClr val="0000FF"/>
-                </a:solidFill>
-                <a:latin typeface="Consolas" panose="020B0609020204030204" pitchFamily="49" charset="0"/>
-              </a:rPr>
-              <a:t>static</a:t>
-            </a:r>
-            <a:r>
-              <a:rPr lang="es-ES" sz="1600" dirty="0">
-                <a:solidFill>
-                  <a:srgbClr val="000000"/>
-                </a:solidFill>
-                <a:latin typeface="Consolas" panose="020B0609020204030204" pitchFamily="49" charset="0"/>
-              </a:rPr>
-              <a:t> </a:t>
-            </a:r>
-            <a:r>
-              <a:rPr lang="es-ES" sz="1600" dirty="0" err="1">
-                <a:solidFill>
-                  <a:srgbClr val="0000FF"/>
-                </a:solidFill>
-                <a:latin typeface="Consolas" panose="020B0609020204030204" pitchFamily="49" charset="0"/>
-              </a:rPr>
-              <a:t>void</a:t>
-            </a:r>
-            <a:r>
-              <a:rPr lang="es-ES" sz="1600" dirty="0">
-                <a:solidFill>
-                  <a:srgbClr val="000000"/>
-                </a:solidFill>
-                <a:latin typeface="Consolas" panose="020B0609020204030204" pitchFamily="49" charset="0"/>
-              </a:rPr>
-              <a:t> Run()</a:t>
-            </a:r>
-          </a:p>
-          <a:p>
-            <a:r>
-              <a:rPr lang="es-ES" sz="1600" dirty="0">
-                <a:solidFill>
-                  <a:srgbClr val="000000"/>
-                </a:solidFill>
-                <a:latin typeface="Consolas" panose="020B0609020204030204" pitchFamily="49" charset="0"/>
-              </a:rPr>
-              <a:t>{</a:t>
-            </a:r>
-          </a:p>
-          <a:p>
-            <a:r>
-              <a:rPr lang="es-ES" sz="1600" dirty="0">
-                <a:solidFill>
-                  <a:srgbClr val="000000"/>
-                </a:solidFill>
-                <a:latin typeface="Consolas" panose="020B0609020204030204" pitchFamily="49" charset="0"/>
-              </a:rPr>
-              <a:t>    </a:t>
-            </a:r>
-            <a:r>
-              <a:rPr lang="es-ES" sz="1600" dirty="0" err="1">
-                <a:solidFill>
-                  <a:srgbClr val="000000"/>
-                </a:solidFill>
-                <a:latin typeface="Consolas" panose="020B0609020204030204" pitchFamily="49" charset="0"/>
-              </a:rPr>
-              <a:t>SolverContext</a:t>
-            </a:r>
-            <a:r>
-              <a:rPr lang="es-ES" sz="1600" dirty="0">
-                <a:solidFill>
-                  <a:srgbClr val="000000"/>
-                </a:solidFill>
-                <a:latin typeface="Consolas" panose="020B0609020204030204" pitchFamily="49" charset="0"/>
-              </a:rPr>
-              <a:t> </a:t>
-            </a:r>
-            <a:r>
-              <a:rPr lang="es-ES" sz="1600" dirty="0" err="1">
-                <a:solidFill>
-                  <a:srgbClr val="000000"/>
-                </a:solidFill>
-                <a:latin typeface="Consolas" panose="020B0609020204030204" pitchFamily="49" charset="0"/>
-              </a:rPr>
-              <a:t>context</a:t>
-            </a:r>
-            <a:r>
-              <a:rPr lang="es-ES" sz="1600" dirty="0">
-                <a:solidFill>
-                  <a:srgbClr val="000000"/>
-                </a:solidFill>
-                <a:latin typeface="Consolas" panose="020B0609020204030204" pitchFamily="49" charset="0"/>
-              </a:rPr>
-              <a:t> = </a:t>
-            </a:r>
-            <a:r>
-              <a:rPr lang="es-ES" sz="1600" dirty="0" err="1">
-                <a:solidFill>
-                  <a:srgbClr val="000000"/>
-                </a:solidFill>
-                <a:latin typeface="Consolas" panose="020B0609020204030204" pitchFamily="49" charset="0"/>
-              </a:rPr>
-              <a:t>SolverContext.GetContext</a:t>
-            </a:r>
-            <a:r>
-              <a:rPr lang="es-ES" sz="1600" dirty="0">
-                <a:solidFill>
-                  <a:srgbClr val="000000"/>
-                </a:solidFill>
-                <a:latin typeface="Consolas" panose="020B0609020204030204" pitchFamily="49" charset="0"/>
-              </a:rPr>
-              <a:t>();</a:t>
-            </a:r>
-          </a:p>
-          <a:p>
-            <a:r>
-              <a:rPr lang="es-ES" sz="1600" dirty="0">
-                <a:solidFill>
-                  <a:srgbClr val="000000"/>
-                </a:solidFill>
-                <a:latin typeface="Consolas" panose="020B0609020204030204" pitchFamily="49" charset="0"/>
-              </a:rPr>
-              <a:t>    </a:t>
-            </a:r>
-            <a:r>
-              <a:rPr lang="es-ES" sz="1600" dirty="0" err="1">
-                <a:solidFill>
-                  <a:srgbClr val="000000"/>
-                </a:solidFill>
-                <a:latin typeface="Consolas" panose="020B0609020204030204" pitchFamily="49" charset="0"/>
-              </a:rPr>
-              <a:t>Model</a:t>
-            </a:r>
-            <a:r>
-              <a:rPr lang="es-ES" sz="1600" dirty="0">
-                <a:solidFill>
-                  <a:srgbClr val="000000"/>
-                </a:solidFill>
-                <a:latin typeface="Consolas" panose="020B0609020204030204" pitchFamily="49" charset="0"/>
-              </a:rPr>
-              <a:t> </a:t>
-            </a:r>
-            <a:r>
-              <a:rPr lang="es-ES" sz="1600" dirty="0" err="1">
-                <a:solidFill>
-                  <a:srgbClr val="000000"/>
-                </a:solidFill>
-                <a:latin typeface="Consolas" panose="020B0609020204030204" pitchFamily="49" charset="0"/>
-              </a:rPr>
-              <a:t>model</a:t>
-            </a:r>
-            <a:r>
-              <a:rPr lang="es-ES" sz="1600" dirty="0">
-                <a:solidFill>
-                  <a:srgbClr val="000000"/>
-                </a:solidFill>
-                <a:latin typeface="Consolas" panose="020B0609020204030204" pitchFamily="49" charset="0"/>
-              </a:rPr>
-              <a:t> = </a:t>
-            </a:r>
-            <a:r>
-              <a:rPr lang="es-ES" sz="1600" dirty="0" err="1">
-                <a:solidFill>
-                  <a:srgbClr val="000000"/>
-                </a:solidFill>
-                <a:latin typeface="Consolas" panose="020B0609020204030204" pitchFamily="49" charset="0"/>
-              </a:rPr>
-              <a:t>context.CreateModel</a:t>
-            </a:r>
-            <a:r>
-              <a:rPr lang="es-ES" sz="1600" dirty="0">
-                <a:solidFill>
-                  <a:srgbClr val="000000"/>
-                </a:solidFill>
-                <a:latin typeface="Consolas" panose="020B0609020204030204" pitchFamily="49" charset="0"/>
-              </a:rPr>
-              <a:t>();</a:t>
-            </a:r>
-          </a:p>
-          <a:p>
-            <a:endParaRPr lang="es-ES" sz="1600" dirty="0">
-              <a:solidFill>
-                <a:srgbClr val="000000"/>
-              </a:solidFill>
-              <a:latin typeface="Consolas" panose="020B0609020204030204" pitchFamily="49" charset="0"/>
-            </a:endParaRPr>
-          </a:p>
-          <a:p>
-            <a:r>
-              <a:rPr lang="en-US" sz="1600" dirty="0">
-                <a:solidFill>
-                  <a:srgbClr val="000000"/>
-                </a:solidFill>
-                <a:latin typeface="Consolas" panose="020B0609020204030204" pitchFamily="49" charset="0"/>
-              </a:rPr>
-              <a:t>    Domain colors = </a:t>
-            </a:r>
-            <a:r>
-              <a:rPr lang="en-US" sz="1600" dirty="0" err="1">
-                <a:solidFill>
-                  <a:srgbClr val="000000"/>
-                </a:solidFill>
-                <a:latin typeface="Consolas" panose="020B0609020204030204" pitchFamily="49" charset="0"/>
-              </a:rPr>
-              <a:t>Domain.Enum</a:t>
-            </a:r>
-            <a:r>
-              <a:rPr lang="en-US" sz="1600" dirty="0">
-                <a:solidFill>
-                  <a:srgbClr val="000000"/>
-                </a:solidFill>
-                <a:latin typeface="Consolas" panose="020B0609020204030204" pitchFamily="49" charset="0"/>
-              </a:rPr>
-              <a:t>(</a:t>
-            </a:r>
-            <a:r>
-              <a:rPr lang="en-US" sz="1600" dirty="0">
-                <a:solidFill>
-                  <a:srgbClr val="A31515"/>
-                </a:solidFill>
-                <a:latin typeface="Consolas" panose="020B0609020204030204" pitchFamily="49" charset="0"/>
-              </a:rPr>
-              <a:t>“</a:t>
-            </a:r>
-            <a:r>
-              <a:rPr lang="en-US" sz="1600" dirty="0" err="1">
-                <a:solidFill>
-                  <a:srgbClr val="A31515"/>
-                </a:solidFill>
-                <a:latin typeface="Consolas" panose="020B0609020204030204" pitchFamily="49" charset="0"/>
-              </a:rPr>
-              <a:t>rojo</a:t>
-            </a:r>
-            <a:r>
-              <a:rPr lang="en-US" sz="1600" dirty="0">
-                <a:solidFill>
-                  <a:srgbClr val="A31515"/>
-                </a:solidFill>
-                <a:latin typeface="Consolas" panose="020B0609020204030204" pitchFamily="49" charset="0"/>
-              </a:rPr>
-              <a:t>"</a:t>
-            </a:r>
-            <a:r>
-              <a:rPr lang="en-US" sz="1600" dirty="0">
-                <a:solidFill>
-                  <a:srgbClr val="000000"/>
-                </a:solidFill>
-                <a:latin typeface="Consolas" panose="020B0609020204030204" pitchFamily="49" charset="0"/>
-              </a:rPr>
-              <a:t>, </a:t>
-            </a:r>
-            <a:r>
-              <a:rPr lang="en-US" sz="1600" dirty="0">
-                <a:solidFill>
-                  <a:srgbClr val="A31515"/>
-                </a:solidFill>
-                <a:latin typeface="Consolas" panose="020B0609020204030204" pitchFamily="49" charset="0"/>
-              </a:rPr>
-              <a:t>“</a:t>
-            </a:r>
-            <a:r>
-              <a:rPr lang="en-US" sz="1600" dirty="0" err="1">
-                <a:solidFill>
-                  <a:srgbClr val="A31515"/>
-                </a:solidFill>
-                <a:latin typeface="Consolas" panose="020B0609020204030204" pitchFamily="49" charset="0"/>
-              </a:rPr>
-              <a:t>verde</a:t>
-            </a:r>
-            <a:r>
-              <a:rPr lang="en-US" sz="1600" dirty="0">
-                <a:solidFill>
-                  <a:srgbClr val="A31515"/>
-                </a:solidFill>
-                <a:latin typeface="Consolas" panose="020B0609020204030204" pitchFamily="49" charset="0"/>
-              </a:rPr>
-              <a:t>"</a:t>
-            </a:r>
-            <a:r>
-              <a:rPr lang="en-US" sz="1600" dirty="0">
-                <a:solidFill>
-                  <a:srgbClr val="000000"/>
-                </a:solidFill>
-                <a:latin typeface="Consolas" panose="020B0609020204030204" pitchFamily="49" charset="0"/>
-              </a:rPr>
-              <a:t>, </a:t>
-            </a:r>
-            <a:r>
-              <a:rPr lang="en-US" sz="1600" dirty="0">
-                <a:solidFill>
-                  <a:srgbClr val="A31515"/>
-                </a:solidFill>
-                <a:latin typeface="Consolas" panose="020B0609020204030204" pitchFamily="49" charset="0"/>
-              </a:rPr>
-              <a:t>“</a:t>
-            </a:r>
-            <a:r>
-              <a:rPr lang="en-US" sz="1600" dirty="0" err="1">
-                <a:solidFill>
-                  <a:srgbClr val="A31515"/>
-                </a:solidFill>
-                <a:latin typeface="Consolas" panose="020B0609020204030204" pitchFamily="49" charset="0"/>
-              </a:rPr>
-              <a:t>azul</a:t>
-            </a:r>
-            <a:r>
-              <a:rPr lang="en-US" sz="1600" dirty="0">
-                <a:solidFill>
-                  <a:srgbClr val="A31515"/>
-                </a:solidFill>
-                <a:latin typeface="Consolas" panose="020B0609020204030204" pitchFamily="49" charset="0"/>
-              </a:rPr>
-              <a:t>"</a:t>
-            </a:r>
-            <a:r>
-              <a:rPr lang="en-US" sz="1600" dirty="0">
-                <a:solidFill>
-                  <a:srgbClr val="000000"/>
-                </a:solidFill>
-                <a:latin typeface="Consolas" panose="020B0609020204030204" pitchFamily="49" charset="0"/>
-              </a:rPr>
-              <a:t>, </a:t>
-            </a:r>
-            <a:r>
-              <a:rPr lang="en-US" sz="1600" dirty="0">
-                <a:solidFill>
-                  <a:srgbClr val="A31515"/>
-                </a:solidFill>
-                <a:latin typeface="Consolas" panose="020B0609020204030204" pitchFamily="49" charset="0"/>
-              </a:rPr>
-              <a:t>“</a:t>
-            </a:r>
-            <a:r>
-              <a:rPr lang="en-US" sz="1600" dirty="0" err="1">
-                <a:solidFill>
-                  <a:srgbClr val="A31515"/>
-                </a:solidFill>
-                <a:latin typeface="Consolas" panose="020B0609020204030204" pitchFamily="49" charset="0"/>
-              </a:rPr>
-              <a:t>amarillo</a:t>
-            </a:r>
-            <a:r>
-              <a:rPr lang="en-US" sz="1600" dirty="0">
-                <a:solidFill>
-                  <a:srgbClr val="A31515"/>
-                </a:solidFill>
-                <a:latin typeface="Consolas" panose="020B0609020204030204" pitchFamily="49" charset="0"/>
-              </a:rPr>
-              <a:t>"</a:t>
-            </a:r>
-            <a:r>
-              <a:rPr lang="en-US" sz="1600" dirty="0">
-                <a:solidFill>
-                  <a:srgbClr val="000000"/>
-                </a:solidFill>
-                <a:latin typeface="Consolas" panose="020B0609020204030204" pitchFamily="49" charset="0"/>
-              </a:rPr>
-              <a:t>);</a:t>
-            </a:r>
-          </a:p>
-          <a:p>
-            <a:r>
-              <a:rPr lang="en-US" sz="1600" dirty="0">
-                <a:solidFill>
-                  <a:srgbClr val="000000"/>
-                </a:solidFill>
-                <a:latin typeface="Consolas" panose="020B0609020204030204" pitchFamily="49" charset="0"/>
-              </a:rPr>
-              <a:t>    Decision be = </a:t>
-            </a:r>
-            <a:r>
-              <a:rPr lang="en-US" sz="1600" dirty="0">
-                <a:solidFill>
-                  <a:srgbClr val="0000FF"/>
-                </a:solidFill>
-                <a:latin typeface="Consolas" panose="020B0609020204030204" pitchFamily="49" charset="0"/>
-              </a:rPr>
-              <a:t>new</a:t>
-            </a:r>
-            <a:r>
-              <a:rPr lang="en-US" sz="1600" dirty="0">
-                <a:solidFill>
-                  <a:srgbClr val="000000"/>
-                </a:solidFill>
-                <a:latin typeface="Consolas" panose="020B0609020204030204" pitchFamily="49" charset="0"/>
-              </a:rPr>
-              <a:t> Decision(colors, </a:t>
-            </a:r>
-            <a:r>
-              <a:rPr lang="en-US" sz="1600" dirty="0">
-                <a:solidFill>
-                  <a:srgbClr val="A31515"/>
-                </a:solidFill>
-                <a:latin typeface="Consolas" panose="020B0609020204030204" pitchFamily="49" charset="0"/>
-              </a:rPr>
-              <a:t>“</a:t>
-            </a:r>
-            <a:r>
-              <a:rPr lang="en-US" sz="1600" dirty="0" err="1">
-                <a:solidFill>
-                  <a:srgbClr val="A31515"/>
-                </a:solidFill>
-                <a:latin typeface="Consolas" panose="020B0609020204030204" pitchFamily="49" charset="0"/>
-              </a:rPr>
-              <a:t>Belgica</a:t>
-            </a:r>
-            <a:r>
-              <a:rPr lang="en-US" sz="1600" dirty="0">
-                <a:solidFill>
-                  <a:srgbClr val="A31515"/>
-                </a:solidFill>
-                <a:latin typeface="Consolas" panose="020B0609020204030204" pitchFamily="49" charset="0"/>
-              </a:rPr>
-              <a:t>"</a:t>
-            </a:r>
-            <a:r>
-              <a:rPr lang="en-US" sz="1600" dirty="0">
-                <a:solidFill>
-                  <a:srgbClr val="000000"/>
-                </a:solidFill>
-                <a:latin typeface="Consolas" panose="020B0609020204030204" pitchFamily="49" charset="0"/>
-              </a:rPr>
-              <a:t>); Decision al = </a:t>
-            </a:r>
-            <a:r>
-              <a:rPr lang="en-US" sz="1600" dirty="0">
-                <a:solidFill>
-                  <a:srgbClr val="0000FF"/>
-                </a:solidFill>
-                <a:latin typeface="Consolas" panose="020B0609020204030204" pitchFamily="49" charset="0"/>
-              </a:rPr>
-              <a:t>new</a:t>
-            </a:r>
-            <a:r>
-              <a:rPr lang="en-US" sz="1600" dirty="0">
-                <a:solidFill>
-                  <a:srgbClr val="000000"/>
-                </a:solidFill>
-                <a:latin typeface="Consolas" panose="020B0609020204030204" pitchFamily="49" charset="0"/>
-              </a:rPr>
-              <a:t> Decision(colors, </a:t>
-            </a:r>
-            <a:r>
-              <a:rPr lang="en-US" sz="1600" dirty="0">
-                <a:solidFill>
-                  <a:srgbClr val="A31515"/>
-                </a:solidFill>
-                <a:latin typeface="Consolas" panose="020B0609020204030204" pitchFamily="49" charset="0"/>
-              </a:rPr>
-              <a:t>“</a:t>
-            </a:r>
-            <a:r>
-              <a:rPr lang="en-US" sz="1600" dirty="0" err="1">
-                <a:solidFill>
-                  <a:srgbClr val="A31515"/>
-                </a:solidFill>
-                <a:latin typeface="Consolas" panose="020B0609020204030204" pitchFamily="49" charset="0"/>
-              </a:rPr>
-              <a:t>Alemania</a:t>
-            </a:r>
-            <a:r>
-              <a:rPr lang="en-US" sz="1600" dirty="0">
-                <a:solidFill>
-                  <a:srgbClr val="A31515"/>
-                </a:solidFill>
-                <a:latin typeface="Consolas" panose="020B0609020204030204" pitchFamily="49" charset="0"/>
-              </a:rPr>
-              <a:t>"</a:t>
-            </a:r>
-            <a:r>
-              <a:rPr lang="en-US" sz="1600" dirty="0">
-                <a:solidFill>
-                  <a:srgbClr val="000000"/>
-                </a:solidFill>
-                <a:latin typeface="Consolas" panose="020B0609020204030204" pitchFamily="49" charset="0"/>
-              </a:rPr>
-              <a:t>);</a:t>
-            </a:r>
-          </a:p>
-          <a:p>
-            <a:r>
-              <a:rPr lang="en-US" sz="1600" dirty="0">
-                <a:solidFill>
-                  <a:srgbClr val="000000"/>
-                </a:solidFill>
-                <a:latin typeface="Consolas" panose="020B0609020204030204" pitchFamily="49" charset="0"/>
-              </a:rPr>
-              <a:t>    Decision </a:t>
-            </a:r>
-            <a:r>
-              <a:rPr lang="en-US" sz="1600" dirty="0" err="1">
-                <a:solidFill>
-                  <a:srgbClr val="000000"/>
-                </a:solidFill>
-                <a:latin typeface="Consolas" panose="020B0609020204030204" pitchFamily="49" charset="0"/>
-              </a:rPr>
-              <a:t>fr</a:t>
-            </a:r>
-            <a:r>
-              <a:rPr lang="en-US" sz="1600" dirty="0">
-                <a:solidFill>
-                  <a:srgbClr val="000000"/>
-                </a:solidFill>
-                <a:latin typeface="Consolas" panose="020B0609020204030204" pitchFamily="49" charset="0"/>
-              </a:rPr>
-              <a:t> = </a:t>
-            </a:r>
-            <a:r>
-              <a:rPr lang="en-US" sz="1600" dirty="0">
-                <a:solidFill>
-                  <a:srgbClr val="0000FF"/>
-                </a:solidFill>
-                <a:latin typeface="Consolas" panose="020B0609020204030204" pitchFamily="49" charset="0"/>
-              </a:rPr>
-              <a:t>new</a:t>
-            </a:r>
-            <a:r>
-              <a:rPr lang="en-US" sz="1600" dirty="0">
-                <a:solidFill>
-                  <a:srgbClr val="000000"/>
-                </a:solidFill>
-                <a:latin typeface="Consolas" panose="020B0609020204030204" pitchFamily="49" charset="0"/>
-              </a:rPr>
-              <a:t> Decision(colors, </a:t>
-            </a:r>
-            <a:r>
-              <a:rPr lang="en-US" sz="1600" dirty="0">
-                <a:solidFill>
-                  <a:srgbClr val="A31515"/>
-                </a:solidFill>
-                <a:latin typeface="Consolas" panose="020B0609020204030204" pitchFamily="49" charset="0"/>
-              </a:rPr>
-              <a:t>“Francia"</a:t>
-            </a:r>
-            <a:r>
-              <a:rPr lang="en-US" sz="1600" dirty="0">
-                <a:solidFill>
-                  <a:srgbClr val="000000"/>
-                </a:solidFill>
-                <a:latin typeface="Consolas" panose="020B0609020204030204" pitchFamily="49" charset="0"/>
-              </a:rPr>
-              <a:t>); Decision hl = </a:t>
-            </a:r>
-            <a:r>
-              <a:rPr lang="en-US" sz="1600" dirty="0">
-                <a:solidFill>
-                  <a:srgbClr val="0000FF"/>
-                </a:solidFill>
-                <a:latin typeface="Consolas" panose="020B0609020204030204" pitchFamily="49" charset="0"/>
-              </a:rPr>
-              <a:t>new</a:t>
-            </a:r>
-            <a:r>
-              <a:rPr lang="en-US" sz="1600" dirty="0">
-                <a:solidFill>
-                  <a:srgbClr val="000000"/>
-                </a:solidFill>
-                <a:latin typeface="Consolas" panose="020B0609020204030204" pitchFamily="49" charset="0"/>
-              </a:rPr>
-              <a:t> Decision(colors, </a:t>
-            </a:r>
-            <a:r>
-              <a:rPr lang="en-US" sz="1600" dirty="0">
-                <a:solidFill>
-                  <a:srgbClr val="A31515"/>
-                </a:solidFill>
-                <a:latin typeface="Consolas" panose="020B0609020204030204" pitchFamily="49" charset="0"/>
-              </a:rPr>
-              <a:t>“</a:t>
-            </a:r>
-            <a:r>
-              <a:rPr lang="en-US" sz="1600" dirty="0" err="1">
-                <a:solidFill>
-                  <a:srgbClr val="A31515"/>
-                </a:solidFill>
-                <a:latin typeface="Consolas" panose="020B0609020204030204" pitchFamily="49" charset="0"/>
-              </a:rPr>
-              <a:t>Holanda</a:t>
-            </a:r>
-            <a:r>
-              <a:rPr lang="en-US" sz="1600" dirty="0">
-                <a:solidFill>
-                  <a:srgbClr val="A31515"/>
-                </a:solidFill>
-                <a:latin typeface="Consolas" panose="020B0609020204030204" pitchFamily="49" charset="0"/>
-              </a:rPr>
-              <a:t>"</a:t>
-            </a:r>
-            <a:r>
-              <a:rPr lang="en-US" sz="1600" dirty="0">
-                <a:solidFill>
-                  <a:srgbClr val="000000"/>
-                </a:solidFill>
-                <a:latin typeface="Consolas" panose="020B0609020204030204" pitchFamily="49" charset="0"/>
-              </a:rPr>
-              <a:t>);</a:t>
-            </a:r>
-          </a:p>
-          <a:p>
-            <a:r>
-              <a:rPr lang="es-ES" sz="1600" dirty="0">
-                <a:solidFill>
-                  <a:srgbClr val="000000"/>
-                </a:solidFill>
-                <a:latin typeface="Consolas" panose="020B0609020204030204" pitchFamily="49" charset="0"/>
-              </a:rPr>
-              <a:t>    </a:t>
-            </a:r>
-            <a:r>
-              <a:rPr lang="es-ES" sz="1600" dirty="0" err="1">
-                <a:solidFill>
-                  <a:srgbClr val="000000"/>
-                </a:solidFill>
-                <a:latin typeface="Consolas" panose="020B0609020204030204" pitchFamily="49" charset="0"/>
-              </a:rPr>
-              <a:t>model.AddDecisions</a:t>
-            </a:r>
-            <a:r>
-              <a:rPr lang="es-ES" sz="1600" dirty="0">
-                <a:solidFill>
-                  <a:srgbClr val="000000"/>
-                </a:solidFill>
-                <a:latin typeface="Consolas" panose="020B0609020204030204" pitchFamily="49" charset="0"/>
-              </a:rPr>
-              <a:t>(be, al, </a:t>
-            </a:r>
-            <a:r>
-              <a:rPr lang="es-ES" sz="1600" dirty="0" err="1">
-                <a:solidFill>
-                  <a:srgbClr val="000000"/>
-                </a:solidFill>
-                <a:latin typeface="Consolas" panose="020B0609020204030204" pitchFamily="49" charset="0"/>
-              </a:rPr>
-              <a:t>fr</a:t>
-            </a:r>
-            <a:r>
-              <a:rPr lang="es-ES" sz="1600" dirty="0">
-                <a:solidFill>
-                  <a:srgbClr val="000000"/>
-                </a:solidFill>
-                <a:latin typeface="Consolas" panose="020B0609020204030204" pitchFamily="49" charset="0"/>
-              </a:rPr>
-              <a:t>, hl);</a:t>
-            </a:r>
-          </a:p>
-          <a:p>
-            <a:endParaRPr lang="es-ES" sz="1600" dirty="0">
-              <a:solidFill>
-                <a:srgbClr val="000000"/>
-              </a:solidFill>
-              <a:latin typeface="Consolas" panose="020B0609020204030204" pitchFamily="49" charset="0"/>
-            </a:endParaRPr>
-          </a:p>
-          <a:p>
-            <a:r>
-              <a:rPr lang="es-ES" sz="1600" dirty="0">
-                <a:solidFill>
-                  <a:srgbClr val="000000"/>
-                </a:solidFill>
-                <a:latin typeface="Consolas" panose="020B0609020204030204" pitchFamily="49" charset="0"/>
-              </a:rPr>
-              <a:t>    </a:t>
-            </a:r>
-            <a:r>
-              <a:rPr lang="es-ES" sz="1600" dirty="0" err="1">
-                <a:solidFill>
-                  <a:srgbClr val="000000"/>
-                </a:solidFill>
-                <a:latin typeface="Consolas" panose="020B0609020204030204" pitchFamily="49" charset="0"/>
-              </a:rPr>
-              <a:t>model.AddConstraints</a:t>
-            </a:r>
-            <a:r>
-              <a:rPr lang="es-ES" sz="1600" dirty="0">
-                <a:solidFill>
-                  <a:srgbClr val="000000"/>
-                </a:solidFill>
-                <a:latin typeface="Consolas" panose="020B0609020204030204" pitchFamily="49" charset="0"/>
-              </a:rPr>
-              <a:t>(</a:t>
-            </a:r>
-            <a:r>
-              <a:rPr lang="es-ES" sz="1600" dirty="0">
-                <a:solidFill>
-                  <a:srgbClr val="A31515"/>
-                </a:solidFill>
-                <a:latin typeface="Consolas" panose="020B0609020204030204" pitchFamily="49" charset="0"/>
-              </a:rPr>
-              <a:t>“fronteras"</a:t>
-            </a:r>
-            <a:r>
-              <a:rPr lang="es-ES" sz="1600" dirty="0">
-                <a:solidFill>
-                  <a:srgbClr val="000000"/>
-                </a:solidFill>
-                <a:latin typeface="Consolas" panose="020B0609020204030204" pitchFamily="49" charset="0"/>
-              </a:rPr>
-              <a:t>, be != al, be != </a:t>
-            </a:r>
-            <a:r>
-              <a:rPr lang="es-ES" sz="1600" dirty="0" err="1">
-                <a:solidFill>
-                  <a:srgbClr val="000000"/>
-                </a:solidFill>
-                <a:latin typeface="Consolas" panose="020B0609020204030204" pitchFamily="49" charset="0"/>
-              </a:rPr>
-              <a:t>fr</a:t>
-            </a:r>
-            <a:r>
-              <a:rPr lang="es-ES" sz="1600" dirty="0">
-                <a:solidFill>
-                  <a:srgbClr val="000000"/>
-                </a:solidFill>
-                <a:latin typeface="Consolas" panose="020B0609020204030204" pitchFamily="49" charset="0"/>
-              </a:rPr>
-              <a:t>, be != hl, al != </a:t>
-            </a:r>
-            <a:r>
-              <a:rPr lang="es-ES" sz="1600" dirty="0" err="1">
-                <a:solidFill>
-                  <a:srgbClr val="000000"/>
-                </a:solidFill>
-                <a:latin typeface="Consolas" panose="020B0609020204030204" pitchFamily="49" charset="0"/>
-              </a:rPr>
-              <a:t>fr</a:t>
-            </a:r>
-            <a:r>
-              <a:rPr lang="es-ES" sz="1600" dirty="0">
-                <a:solidFill>
-                  <a:srgbClr val="000000"/>
-                </a:solidFill>
-                <a:latin typeface="Consolas" panose="020B0609020204030204" pitchFamily="49" charset="0"/>
-              </a:rPr>
-              <a:t>, al != hl);</a:t>
-            </a:r>
-          </a:p>
-          <a:p>
-            <a:endParaRPr lang="es-ES" sz="1600" dirty="0">
-              <a:solidFill>
-                <a:srgbClr val="000000"/>
-              </a:solidFill>
-              <a:latin typeface="Consolas" panose="020B0609020204030204" pitchFamily="49" charset="0"/>
-            </a:endParaRPr>
-          </a:p>
-          <a:p>
-            <a:r>
-              <a:rPr lang="es-ES" sz="1600" dirty="0">
-                <a:solidFill>
-                  <a:srgbClr val="000000"/>
-                </a:solidFill>
-                <a:latin typeface="Consolas" panose="020B0609020204030204" pitchFamily="49" charset="0"/>
-              </a:rPr>
-              <a:t>    </a:t>
-            </a:r>
-            <a:r>
-              <a:rPr lang="es-ES" sz="1600" dirty="0" err="1">
-                <a:solidFill>
-                  <a:srgbClr val="000000"/>
-                </a:solidFill>
-                <a:latin typeface="Consolas" panose="020B0609020204030204" pitchFamily="49" charset="0"/>
-              </a:rPr>
-              <a:t>Solution</a:t>
-            </a:r>
-            <a:r>
-              <a:rPr lang="es-ES" sz="1600" dirty="0">
-                <a:solidFill>
-                  <a:srgbClr val="000000"/>
-                </a:solidFill>
-                <a:latin typeface="Consolas" panose="020B0609020204030204" pitchFamily="49" charset="0"/>
-              </a:rPr>
-              <a:t> </a:t>
-            </a:r>
-            <a:r>
-              <a:rPr lang="es-ES" sz="1600" dirty="0" err="1">
-                <a:solidFill>
-                  <a:srgbClr val="000000"/>
-                </a:solidFill>
-                <a:latin typeface="Consolas" panose="020B0609020204030204" pitchFamily="49" charset="0"/>
-              </a:rPr>
-              <a:t>solution</a:t>
-            </a:r>
-            <a:r>
-              <a:rPr lang="es-ES" sz="1600" dirty="0">
-                <a:solidFill>
-                  <a:srgbClr val="000000"/>
-                </a:solidFill>
-                <a:latin typeface="Consolas" panose="020B0609020204030204" pitchFamily="49" charset="0"/>
-              </a:rPr>
-              <a:t> = </a:t>
-            </a:r>
-            <a:r>
-              <a:rPr lang="es-ES" sz="1600" dirty="0" err="1">
-                <a:solidFill>
-                  <a:srgbClr val="000000"/>
-                </a:solidFill>
-                <a:latin typeface="Consolas" panose="020B0609020204030204" pitchFamily="49" charset="0"/>
-              </a:rPr>
-              <a:t>context.Solve</a:t>
-            </a:r>
-            <a:r>
-              <a:rPr lang="es-ES" sz="1600" dirty="0">
-                <a:solidFill>
-                  <a:srgbClr val="000000"/>
-                </a:solidFill>
-                <a:latin typeface="Consolas" panose="020B0609020204030204" pitchFamily="49" charset="0"/>
-              </a:rPr>
-              <a:t>(</a:t>
-            </a:r>
-            <a:r>
-              <a:rPr lang="es-ES" sz="1600" dirty="0">
-                <a:solidFill>
-                  <a:srgbClr val="0000FF"/>
-                </a:solidFill>
-                <a:latin typeface="Consolas" panose="020B0609020204030204" pitchFamily="49" charset="0"/>
-              </a:rPr>
-              <a:t>new</a:t>
-            </a:r>
-            <a:r>
-              <a:rPr lang="es-ES" sz="1600" dirty="0">
-                <a:solidFill>
-                  <a:srgbClr val="000000"/>
-                </a:solidFill>
-                <a:latin typeface="Consolas" panose="020B0609020204030204" pitchFamily="49" charset="0"/>
-              </a:rPr>
-              <a:t> </a:t>
-            </a:r>
-            <a:r>
-              <a:rPr lang="es-ES" sz="1600" dirty="0" err="1">
-                <a:solidFill>
-                  <a:srgbClr val="000000"/>
-                </a:solidFill>
-                <a:latin typeface="Consolas" panose="020B0609020204030204" pitchFamily="49" charset="0"/>
-              </a:rPr>
-              <a:t>ConstraintProgrammingDirective</a:t>
-            </a:r>
-            <a:r>
-              <a:rPr lang="es-ES" sz="1600" dirty="0">
-                <a:solidFill>
-                  <a:srgbClr val="000000"/>
-                </a:solidFill>
-                <a:latin typeface="Consolas" panose="020B0609020204030204" pitchFamily="49" charset="0"/>
-              </a:rPr>
-              <a:t>());</a:t>
-            </a:r>
-          </a:p>
-          <a:p>
-            <a:r>
-              <a:rPr lang="en-US" sz="1600" dirty="0">
-                <a:solidFill>
-                  <a:srgbClr val="000000"/>
-                </a:solidFill>
-                <a:latin typeface="Consolas" panose="020B0609020204030204" pitchFamily="49" charset="0"/>
-              </a:rPr>
-              <a:t>    </a:t>
-            </a:r>
-            <a:r>
-              <a:rPr lang="en-US" sz="1600" dirty="0">
-                <a:solidFill>
-                  <a:srgbClr val="0000FF"/>
-                </a:solidFill>
-                <a:latin typeface="Consolas" panose="020B0609020204030204" pitchFamily="49" charset="0"/>
-              </a:rPr>
-              <a:t>while</a:t>
-            </a:r>
-            <a:r>
-              <a:rPr lang="en-US" sz="1600" dirty="0">
-                <a:solidFill>
-                  <a:srgbClr val="000000"/>
-                </a:solidFill>
-                <a:latin typeface="Consolas" panose="020B0609020204030204" pitchFamily="49" charset="0"/>
-              </a:rPr>
-              <a:t> (</a:t>
-            </a:r>
-            <a:r>
-              <a:rPr lang="en-US" sz="1600" dirty="0" err="1">
-                <a:solidFill>
-                  <a:srgbClr val="000000"/>
-                </a:solidFill>
-                <a:latin typeface="Consolas" panose="020B0609020204030204" pitchFamily="49" charset="0"/>
-              </a:rPr>
-              <a:t>solution.Quality</a:t>
-            </a:r>
-            <a:r>
-              <a:rPr lang="en-US" sz="1600" dirty="0">
-                <a:solidFill>
-                  <a:srgbClr val="000000"/>
-                </a:solidFill>
-                <a:latin typeface="Consolas" panose="020B0609020204030204" pitchFamily="49" charset="0"/>
-              </a:rPr>
-              <a:t> != </a:t>
-            </a:r>
-            <a:r>
-              <a:rPr lang="en-US" sz="1600" dirty="0" err="1">
-                <a:solidFill>
-                  <a:srgbClr val="000000"/>
-                </a:solidFill>
-                <a:latin typeface="Consolas" panose="020B0609020204030204" pitchFamily="49" charset="0"/>
-              </a:rPr>
-              <a:t>SolverQuality.Infeasible</a:t>
-            </a:r>
-            <a:r>
-              <a:rPr lang="en-US" sz="1600" dirty="0">
-                <a:solidFill>
-                  <a:srgbClr val="000000"/>
-                </a:solidFill>
-                <a:latin typeface="Consolas" panose="020B0609020204030204" pitchFamily="49" charset="0"/>
-              </a:rPr>
-              <a:t>)</a:t>
-            </a:r>
-          </a:p>
-          <a:p>
-            <a:r>
-              <a:rPr lang="es-ES" sz="1600" dirty="0">
-                <a:solidFill>
-                  <a:srgbClr val="000000"/>
-                </a:solidFill>
-                <a:latin typeface="Consolas" panose="020B0609020204030204" pitchFamily="49" charset="0"/>
-              </a:rPr>
-              <a:t>    {</a:t>
-            </a:r>
-          </a:p>
-          <a:p>
-            <a:r>
-              <a:rPr lang="es-ES" sz="1600" dirty="0">
-                <a:solidFill>
-                  <a:srgbClr val="000000"/>
-                </a:solidFill>
-                <a:latin typeface="Consolas" panose="020B0609020204030204" pitchFamily="49" charset="0"/>
-              </a:rPr>
-              <a:t>        </a:t>
-            </a:r>
-            <a:r>
-              <a:rPr lang="es-ES" sz="1600" dirty="0" err="1">
-                <a:solidFill>
-                  <a:srgbClr val="000000"/>
-                </a:solidFill>
-                <a:latin typeface="Consolas" panose="020B0609020204030204" pitchFamily="49" charset="0"/>
-              </a:rPr>
-              <a:t>Console.WriteLine</a:t>
-            </a:r>
-            <a:r>
-              <a:rPr lang="es-ES" sz="1600" dirty="0">
-                <a:solidFill>
-                  <a:srgbClr val="000000"/>
-                </a:solidFill>
-                <a:latin typeface="Consolas" panose="020B0609020204030204" pitchFamily="49" charset="0"/>
-              </a:rPr>
-              <a:t>(</a:t>
-            </a:r>
-            <a:r>
-              <a:rPr lang="es-ES" sz="1600" dirty="0" err="1">
-                <a:solidFill>
-                  <a:srgbClr val="0000FF"/>
-                </a:solidFill>
-                <a:latin typeface="Consolas" panose="020B0609020204030204" pitchFamily="49" charset="0"/>
-              </a:rPr>
-              <a:t>string</a:t>
-            </a:r>
-            <a:r>
-              <a:rPr lang="es-ES" sz="1600" dirty="0" err="1">
-                <a:solidFill>
-                  <a:srgbClr val="000000"/>
-                </a:solidFill>
-                <a:latin typeface="Consolas" panose="020B0609020204030204" pitchFamily="49" charset="0"/>
-              </a:rPr>
-              <a:t>.Format</a:t>
-            </a:r>
-            <a:r>
-              <a:rPr lang="es-ES" sz="1600" dirty="0">
-                <a:solidFill>
-                  <a:srgbClr val="000000"/>
-                </a:solidFill>
-                <a:latin typeface="Consolas" panose="020B0609020204030204" pitchFamily="49" charset="0"/>
-              </a:rPr>
-              <a:t>(</a:t>
-            </a:r>
-            <a:r>
-              <a:rPr lang="es-ES" sz="1600" dirty="0">
-                <a:solidFill>
-                  <a:srgbClr val="A31515"/>
-                </a:solidFill>
-                <a:latin typeface="Consolas" panose="020B0609020204030204" pitchFamily="49" charset="0"/>
-              </a:rPr>
-              <a:t>“</a:t>
-            </a:r>
-            <a:r>
-              <a:rPr lang="es-ES" sz="1600" dirty="0" err="1">
-                <a:solidFill>
-                  <a:srgbClr val="A31515"/>
-                </a:solidFill>
-                <a:latin typeface="Consolas" panose="020B0609020204030204" pitchFamily="49" charset="0"/>
-              </a:rPr>
-              <a:t>Belgica</a:t>
-            </a:r>
-            <a:r>
-              <a:rPr lang="es-ES" sz="1600" dirty="0">
-                <a:solidFill>
-                  <a:srgbClr val="A31515"/>
-                </a:solidFill>
-                <a:latin typeface="Consolas" panose="020B0609020204030204" pitchFamily="49" charset="0"/>
-              </a:rPr>
-              <a:t>: {0}\</a:t>
-            </a:r>
-            <a:r>
-              <a:rPr lang="es-ES" sz="1600" dirty="0" err="1">
-                <a:solidFill>
-                  <a:srgbClr val="A31515"/>
-                </a:solidFill>
-                <a:latin typeface="Consolas" panose="020B0609020204030204" pitchFamily="49" charset="0"/>
-              </a:rPr>
-              <a:t>tAlemania</a:t>
-            </a:r>
-            <a:r>
-              <a:rPr lang="es-ES" sz="1600" dirty="0">
-                <a:solidFill>
-                  <a:srgbClr val="A31515"/>
-                </a:solidFill>
-                <a:latin typeface="Consolas" panose="020B0609020204030204" pitchFamily="49" charset="0"/>
-              </a:rPr>
-              <a:t>: {1}\</a:t>
-            </a:r>
-            <a:r>
-              <a:rPr lang="es-ES" sz="1600" dirty="0" err="1">
-                <a:solidFill>
-                  <a:srgbClr val="A31515"/>
-                </a:solidFill>
-                <a:latin typeface="Consolas" panose="020B0609020204030204" pitchFamily="49" charset="0"/>
-              </a:rPr>
-              <a:t>tFrnacia</a:t>
-            </a:r>
-            <a:r>
-              <a:rPr lang="es-ES" sz="1600" dirty="0">
-                <a:solidFill>
-                  <a:srgbClr val="A31515"/>
-                </a:solidFill>
-                <a:latin typeface="Consolas" panose="020B0609020204030204" pitchFamily="49" charset="0"/>
-              </a:rPr>
-              <a:t>: {2}\</a:t>
-            </a:r>
-            <a:r>
-              <a:rPr lang="es-ES" sz="1600" dirty="0" err="1">
-                <a:solidFill>
-                  <a:srgbClr val="A31515"/>
-                </a:solidFill>
-                <a:latin typeface="Consolas" panose="020B0609020204030204" pitchFamily="49" charset="0"/>
-              </a:rPr>
-              <a:t>tHolanda</a:t>
-            </a:r>
-            <a:r>
-              <a:rPr lang="es-ES" sz="1600" dirty="0">
-                <a:solidFill>
-                  <a:srgbClr val="A31515"/>
-                </a:solidFill>
-                <a:latin typeface="Consolas" panose="020B0609020204030204" pitchFamily="49" charset="0"/>
-              </a:rPr>
-              <a:t>: {3}"</a:t>
-            </a:r>
-            <a:r>
-              <a:rPr lang="es-ES" sz="1600" dirty="0">
-                <a:solidFill>
-                  <a:srgbClr val="000000"/>
-                </a:solidFill>
-                <a:latin typeface="Consolas" panose="020B0609020204030204" pitchFamily="49" charset="0"/>
-              </a:rPr>
-              <a:t>, be, al, </a:t>
-            </a:r>
-            <a:r>
-              <a:rPr lang="es-ES" sz="1600" dirty="0" err="1">
-                <a:solidFill>
-                  <a:srgbClr val="000000"/>
-                </a:solidFill>
-                <a:latin typeface="Consolas" panose="020B0609020204030204" pitchFamily="49" charset="0"/>
-              </a:rPr>
-              <a:t>fr</a:t>
-            </a:r>
-            <a:r>
-              <a:rPr lang="es-ES" sz="1600" dirty="0">
-                <a:solidFill>
-                  <a:srgbClr val="000000"/>
-                </a:solidFill>
-                <a:latin typeface="Consolas" panose="020B0609020204030204" pitchFamily="49" charset="0"/>
-              </a:rPr>
-              <a:t>, hl));</a:t>
-            </a:r>
-          </a:p>
-          <a:p>
-            <a:r>
-              <a:rPr lang="es-ES" sz="1600" dirty="0">
-                <a:solidFill>
-                  <a:srgbClr val="000000"/>
-                </a:solidFill>
-                <a:latin typeface="Consolas" panose="020B0609020204030204" pitchFamily="49" charset="0"/>
-              </a:rPr>
-              <a:t>        </a:t>
-            </a:r>
-            <a:r>
-              <a:rPr lang="es-ES" sz="1600" dirty="0" err="1">
-                <a:solidFill>
-                  <a:srgbClr val="000000"/>
-                </a:solidFill>
-                <a:latin typeface="Consolas" panose="020B0609020204030204" pitchFamily="49" charset="0"/>
-              </a:rPr>
-              <a:t>solution.GetNext</a:t>
-            </a:r>
-            <a:r>
-              <a:rPr lang="es-ES" sz="1600" dirty="0">
-                <a:solidFill>
-                  <a:srgbClr val="000000"/>
-                </a:solidFill>
-                <a:latin typeface="Consolas" panose="020B0609020204030204" pitchFamily="49" charset="0"/>
-              </a:rPr>
-              <a:t>();</a:t>
-            </a:r>
-          </a:p>
-          <a:p>
-            <a:r>
-              <a:rPr lang="es-ES" sz="1600" dirty="0">
-                <a:solidFill>
-                  <a:srgbClr val="000000"/>
-                </a:solidFill>
-                <a:latin typeface="Consolas" panose="020B0609020204030204" pitchFamily="49" charset="0"/>
-              </a:rPr>
-              <a:t>    }</a:t>
-            </a:r>
-          </a:p>
-          <a:p>
-            <a:r>
-              <a:rPr lang="es-ES" sz="1600" dirty="0">
-                <a:solidFill>
-                  <a:srgbClr val="000000"/>
-                </a:solidFill>
-                <a:latin typeface="Consolas" panose="020B0609020204030204" pitchFamily="49" charset="0"/>
-              </a:rPr>
-              <a:t>}</a:t>
-            </a:r>
-          </a:p>
-        </p:txBody>
-      </p:sp>
-    </p:spTree>
-    <p:extLst>
-      <p:ext uri="{BB962C8B-B14F-4D97-AF65-F5344CB8AC3E}">
-        <p14:creationId xmlns:p14="http://schemas.microsoft.com/office/powerpoint/2010/main" val="3559381407"/>
-      </p:ext>
-    </p:extLst>
-  </p:cSld>
-  <p:clrMapOvr>
-    <a:masterClrMapping/>
-  </p:clrMapOvr>
-</p:sld>
-</file>
-
-<file path=ppt/slides/slide13.xml><?xml version="1.0" encoding="utf-8"?>
-<p:sld xmlns:a="http://schemas.openxmlformats.org/drawingml/2006/main" xmlns:r="http://schemas.openxmlformats.org/officeDocument/2006/relationships" xmlns:p="http://schemas.openxmlformats.org/presentationml/2006/main">
-  <p:cSld>
-    <p:spTree>
-      <p:nvGrpSpPr>
-        <p:cNvPr id="1" name=""/>
-        <p:cNvGrpSpPr/>
-        <p:nvPr/>
-      </p:nvGrpSpPr>
-      <p:grpSpPr>
-        <a:xfrm>
-          <a:off x="0" y="0"/>
-          <a:ext cx="0" cy="0"/>
-          <a:chOff x="0" y="0"/>
-          <a:chExt cx="0" cy="0"/>
-        </a:xfrm>
-      </p:grpSpPr>
-      <p:sp>
-        <p:nvSpPr>
-          <p:cNvPr id="6" name="Título 5">
-            <a:extLst>
-              <a:ext uri="{FF2B5EF4-FFF2-40B4-BE49-F238E27FC236}">
-                <a16:creationId xmlns:a16="http://schemas.microsoft.com/office/drawing/2014/main" id="{A4E12446-488B-4D39-BD9C-F49DAFF7762E}"/>
-              </a:ext>
-            </a:extLst>
-          </p:cNvPr>
-          <p:cNvSpPr>
-            <a:spLocks noGrp="1"/>
-          </p:cNvSpPr>
-          <p:nvPr>
-            <p:ph type="title"/>
-          </p:nvPr>
-        </p:nvSpPr>
-        <p:spPr>
-          <a:xfrm>
-            <a:off x="839788" y="365125"/>
-            <a:ext cx="10515600" cy="1325563"/>
-          </a:xfrm>
-        </p:spPr>
-        <p:txBody>
-          <a:bodyPr/>
-          <a:lstStyle/>
-          <a:p>
-            <a:r>
-              <a:rPr lang="es-ES" dirty="0"/>
-              <a:t>¿Dudas?</a:t>
-            </a:r>
-          </a:p>
-        </p:txBody>
-      </p:sp>
-      <p:sp>
-        <p:nvSpPr>
           <p:cNvPr id="7" name="Marcador de texto 6">
             <a:extLst>
               <a:ext uri="{FF2B5EF4-FFF2-40B4-BE49-F238E27FC236}">
@@ -8055,16 +7760,30 @@
         </p:nvSpPr>
         <p:spPr>
           <a:xfrm>
-            <a:off x="3036775" y="1690688"/>
-            <a:ext cx="2860463" cy="823912"/>
+            <a:off x="2159534" y="1414825"/>
+            <a:ext cx="3627284" cy="823912"/>
           </a:xfrm>
         </p:spPr>
         <p:txBody>
-          <a:bodyPr/>
+          <a:bodyPr>
+            <a:normAutofit fontScale="92500"/>
+          </a:bodyPr>
           <a:lstStyle/>
           <a:p>
             <a:r>
-              <a:rPr lang="es-ES" dirty="0"/>
+              <a:rPr lang="es-ES" sz="3600" dirty="0">
+                <a:ln w="0"/>
+                <a:solidFill>
+                  <a:srgbClr val="002060"/>
+                </a:solidFill>
+                <a:effectLst>
+                  <a:outerShdw blurRad="38100" dist="19050" dir="2700000" algn="tl" rotWithShape="0">
+                    <a:schemeClr val="dk1">
+                      <a:alpha val="40000"/>
+                    </a:schemeClr>
+                  </a:outerShdw>
+                </a:effectLst>
+              </a:rPr>
               <a:t>Leila Ruiz Casanova</a:t>
             </a:r>
           </a:p>
@@ -8100,9 +7819,18 @@
         </p:blipFill>
         <p:spPr>
           <a:xfrm>
-            <a:off x="3773374" y="2514600"/>
-            <a:ext cx="1514054" cy="1514054"/>
+            <a:off x="2987008" y="2213729"/>
+            <a:ext cx="1972337" cy="1972337"/>
           </a:xfrm>
+          <a:prstGeom prst="ellipse">
+            <a:avLst/>
+          </a:prstGeom>
+          <a:ln>
+            <a:noFill/>
+          </a:ln>
+          <a:effectLst>
+            <a:softEdge rad="112500"/>
+          </a:effectLst>
         </p:spPr>
       </p:pic>
       <p:sp>
@@ -8123,17 +7851,31 @@
         </p:nvSpPr>
         <p:spPr>
           <a:xfrm>
-            <a:off x="6087296" y="1690688"/>
-            <a:ext cx="3033010" cy="823912"/>
+            <a:off x="6162673" y="1414825"/>
+            <a:ext cx="4112302" cy="823912"/>
           </a:xfrm>
         </p:spPr>
         <p:txBody>
-          <a:bodyPr/>
+          <a:bodyPr>
+            <a:noAutofit/>
+          </a:bodyPr>
           <a:lstStyle/>
           <a:p>
             <a:r>
-              <a:rPr lang="es-ES" dirty="0"/>
-              <a:t>Víctor del Pino</a:t>
+              <a:rPr lang="es-ES" sz="3300" dirty="0">
+                <a:ln w="0"/>
+                <a:solidFill>
+                  <a:srgbClr val="002060"/>
+                </a:solidFill>
+                <a:effectLst>
+                  <a:outerShdw blurRad="38100" dist="19050" dir="2700000" algn="tl" rotWithShape="0">
+                    <a:schemeClr val="dk1">
+                      <a:alpha val="40000"/>
+                    </a:schemeClr>
+                  </a:outerShdw>
+                </a:effectLst>
+              </a:rPr>
+              <a:t>Víctor del Pino Castilla</a:t>
             </a:r>
           </a:p>
         </p:txBody>
@@ -8168,9 +7910,18 @@
         </p:blipFill>
         <p:spPr>
           <a:xfrm>
-            <a:off x="6836596" y="2514600"/>
-            <a:ext cx="1514054" cy="1514054"/>
+            <a:off x="7232657" y="2238737"/>
+            <a:ext cx="1972335" cy="1972335"/>
           </a:xfrm>
+          <a:prstGeom prst="ellipse">
+            <a:avLst/>
+          </a:prstGeom>
+          <a:ln>
+            <a:noFill/>
+          </a:ln>
+          <a:effectLst>
+            <a:softEdge rad="112500"/>
+          </a:effectLst>
         </p:spPr>
       </p:pic>
       <p:sp>
@@ -8187,8 +7938,8 @@
         </p:nvSpPr>
         <p:spPr>
           <a:xfrm>
-            <a:off x="6266570" y="4134789"/>
-            <a:ext cx="3033010" cy="369332"/>
+            <a:off x="6635649" y="4134789"/>
+            <a:ext cx="3986702" cy="461665"/>
           </a:xfrm>
           <a:prstGeom prst="rect">
             <a:avLst/>
@@ -8196,18 +7947,18 @@
           <a:noFill/>
         </p:spPr>
         <p:txBody>
-          <a:bodyPr wrap="none" rtlCol="0">
+          <a:bodyPr wrap="square" rtlCol="0">
             <a:spAutoFit/>
           </a:bodyPr>
           <a:lstStyle/>
           <a:p>
             <a:r>
-              <a:rPr lang="es-ES" dirty="0">
+              <a:rPr lang="es-ES" sz="2400" dirty="0">
                 <a:hlinkClick r:id="rId4"/>
               </a:rPr>
               <a:t>https://github.com/victordpc</a:t>
             </a:r>
-            <a:endParaRPr lang="es-ES" dirty="0"/>
+            <a:endParaRPr lang="es-ES" sz="2400" dirty="0"/>
           </a:p>
         </p:txBody>
       </p:sp>
@@ -8225,8 +7976,8 @@
         </p:nvSpPr>
         <p:spPr>
           <a:xfrm>
-            <a:off x="3036775" y="4134789"/>
-            <a:ext cx="2860463" cy="369332"/>
+            <a:off x="2376442" y="4134788"/>
+            <a:ext cx="3888556" cy="461665"/>
           </a:xfrm>
           <a:prstGeom prst="rect">
             <a:avLst/>
@@ -8234,19 +7985,19 @@
           <a:noFill/>
         </p:spPr>
         <p:txBody>
-          <a:bodyPr wrap="none" rtlCol="0">
+          <a:bodyPr wrap="square" rtlCol="0">
             <a:spAutoFit/>
           </a:bodyPr>
           <a:lstStyle/>
           <a:p>
             <a:r>
-              <a:rPr lang="es-ES" dirty="0">
+              <a:rPr lang="es-ES" sz="2400" dirty="0">
                 <a:hlinkClick r:id="rId5"/>
               </a:rPr>
               <a:t>https://github.com/monosa</a:t>
             </a:r>
             <a:r>
-              <a:rPr lang="es-ES" dirty="0"/>
+              <a:rPr lang="es-ES" sz="2400" dirty="0"/>
               <a:t> </a:t>
             </a:r>
           </a:p>
@@ -8280,20 +8031,112 @@
         </p:blipFill>
         <p:spPr>
           <a:xfrm>
-            <a:off x="5897238" y="4134789"/>
-            <a:ext cx="369332" cy="369332"/>
+            <a:off x="6090017" y="4134789"/>
+            <a:ext cx="461665" cy="461665"/>
           </a:xfrm>
           <a:prstGeom prst="rect">
             <a:avLst/>
           </a:prstGeom>
         </p:spPr>
       </p:pic>
+      <p:sp>
+        <p:nvSpPr>
+          <p:cNvPr id="23" name="CuadroTexto 22">
+            <a:extLst>
+              <a:ext uri="{FF2B5EF4-FFF2-40B4-BE49-F238E27FC236}">
+                <a16:creationId xmlns:a16="http://schemas.microsoft.com/office/drawing/2014/main" id="{FC94D6CA-4E0C-4C77-8663-701B55C2DC1A}"/>
+              </a:ext>
+            </a:extLst>
+          </p:cNvPr>
+          <p:cNvSpPr txBox="1"/>
+          <p:nvPr/>
+        </p:nvSpPr>
+        <p:spPr>
+          <a:xfrm>
+            <a:off x="1054138" y="5439285"/>
+            <a:ext cx="10083722" cy="461665"/>
+          </a:xfrm>
+          <a:prstGeom prst="rect">
+            <a:avLst/>
+          </a:prstGeom>
+          <a:noFill/>
+        </p:spPr>
+        <p:txBody>
+          <a:bodyPr wrap="none" rtlCol="0">
+            <a:spAutoFit/>
+          </a:bodyPr>
+          <a:lstStyle/>
+          <a:p>
+            <a:r>
+              <a:rPr lang="es-ES" sz="2400" dirty="0"/>
+              <a:t>Código disponible en: </a:t>
+            </a:r>
+            <a:r>
+              <a:rPr lang="es-ES" sz="2400" dirty="0">
+                <a:hlinkClick r:id="rId7"/>
+              </a:rPr>
+              <a:t>https://github.com/victordpc/ProgramacionRestricciones</a:t>
+            </a:r>
+            <a:endParaRPr lang="es-ES" sz="2400" dirty="0"/>
+          </a:p>
+        </p:txBody>
+      </p:sp>
+      <p:sp>
+        <p:nvSpPr>
+          <p:cNvPr id="15" name="Título 1">
+            <a:extLst>
+              <a:ext uri="{FF2B5EF4-FFF2-40B4-BE49-F238E27FC236}">
+                <a16:creationId xmlns:a16="http://schemas.microsoft.com/office/drawing/2014/main" id="{14A0B834-B1EE-49B9-B2DE-50418C312FA6}"/>
+              </a:ext>
+            </a:extLst>
+          </p:cNvPr>
+          <p:cNvSpPr>
+            <a:spLocks noGrp="1"/>
+          </p:cNvSpPr>
+          <p:nvPr>
+            <p:ph type="title"/>
+          </p:nvPr>
+        </p:nvSpPr>
+        <p:spPr>
+          <a:xfrm>
+            <a:off x="484559" y="0"/>
+            <a:ext cx="7115454" cy="1325563"/>
+          </a:xfrm>
+        </p:spPr>
+        <p:txBody>
+          <a:bodyPr>
+            <a:normAutofit/>
+          </a:bodyPr>
+          <a:lstStyle/>
+          <a:p>
+            <a:r>
+              <a:rPr lang="es-ES" sz="4300" dirty="0">
+                <a:ln w="0"/>
+                <a:solidFill>
+                  <a:srgbClr val="002060"/>
+                </a:solidFill>
+                <a:effectLst>
+                  <a:outerShdw blurRad="38100" dist="19050" dir="2700000" algn="tl" rotWithShape="0">
+                    <a:schemeClr val="dk1">
+                      <a:alpha val="40000"/>
+                    </a:schemeClr>
+                  </a:outerShdw>
+                </a:effectLst>
+                <a:latin typeface="+mn-lt"/>
+                <a:ea typeface="+mn-ea"/>
+                <a:cs typeface="+mn-cs"/>
+              </a:rPr>
+              <a:t>¿Dudas?</a:t>
+            </a:r>
+          </a:p>
+        </p:txBody>
+      </p:sp>
       <p:pic>
         <p:nvPicPr>
-          <p:cNvPr id="22" name="Imagen 21">
+          <p:cNvPr id="16" name="Imagen 15">
             <a:extLst>
               <a:ext uri="{FF2B5EF4-FFF2-40B4-BE49-F238E27FC236}">
-                <a16:creationId xmlns:a16="http://schemas.microsoft.com/office/drawing/2014/main" id="{12FAE767-4DE9-4766-8FFB-0CF92D317051}"/>
+                <a16:creationId xmlns:a16="http://schemas.microsoft.com/office/drawing/2014/main" id="{0CDC0F10-BEDA-43C9-9A80-B6D3E086624D}"/>
               </a:ext>
             </a:extLst>
           </p:cNvPr>
@@ -8316,59 +8159,14 @@
         </p:blipFill>
         <p:spPr>
           <a:xfrm>
-            <a:off x="2667443" y="4134789"/>
-            <a:ext cx="369332" cy="369332"/>
+            <a:off x="1872793" y="4134788"/>
+            <a:ext cx="461665" cy="461665"/>
           </a:xfrm>
           <a:prstGeom prst="rect">
             <a:avLst/>
           </a:prstGeom>
         </p:spPr>
       </p:pic>
-      <p:sp>
-        <p:nvSpPr>
-          <p:cNvPr id="23" name="CuadroTexto 22">
-            <a:extLst>
-              <a:ext uri="{FF2B5EF4-FFF2-40B4-BE49-F238E27FC236}">
-                <a16:creationId xmlns:a16="http://schemas.microsoft.com/office/drawing/2014/main" id="{FC94D6CA-4E0C-4C77-8663-701B55C2DC1A}"/>
-              </a:ext>
-            </a:extLst>
-          </p:cNvPr>
-          <p:cNvSpPr txBox="1"/>
-          <p:nvPr/>
-        </p:nvSpPr>
-        <p:spPr>
-          <a:xfrm>
-            <a:off x="6266570" y="5325677"/>
-            <a:ext cx="5549083" cy="646331"/>
-          </a:xfrm>
-          <a:prstGeom prst="rect">
-            <a:avLst/>
-          </a:prstGeom>
-          <a:noFill/>
-        </p:spPr>
-        <p:txBody>
-          <a:bodyPr wrap="none" rtlCol="0">
-            <a:spAutoFit/>
-          </a:bodyPr>
-          <a:lstStyle/>
-          <a:p>
-            <a:r>
-              <a:rPr lang="es-ES" dirty="0"/>
-              <a:t>Código disponible en: </a:t>
-            </a:r>
-            <a:br>
-              <a:rPr lang="es-ES" dirty="0"/>
-            </a:br>
-            <a:r>
-              <a:rPr lang="es-ES" dirty="0">
-                <a:hlinkClick r:id="rId7"/>
-              </a:rPr>
-              <a:t>https://github.com/victordpc/ProgramacionRestricciones</a:t>
-            </a:r>
-            <a:endParaRPr lang="es-ES" dirty="0"/>
-          </a:p>
-        </p:txBody>
-      </p:sp>
     </p:spTree>
     <p:extLst>
       <p:ext uri="{BB962C8B-B14F-4D97-AF65-F5344CB8AC3E}">
@@ -8415,13 +8213,35 @@
             <p:ph type="title"/>
           </p:nvPr>
         </p:nvSpPr>
-        <p:spPr/>
-        <p:txBody>
-          <a:bodyPr/>
+        <p:spPr>
+          <a:xfrm>
+            <a:off x="448456" y="22485"/>
+            <a:ext cx="3636365" cy="1325563"/>
+          </a:xfrm>
+        </p:spPr>
+        <p:txBody>
+          <a:bodyPr>
+            <a:normAutofit/>
+          </a:bodyPr>
           <a:lstStyle/>
           <a:p>
             <a:r>
-              <a:rPr lang="es-ES" dirty="0"/>
+              <a:rPr lang="es-ES" sz="4800" dirty="0">
+                <a:ln w="0"/>
+                <a:solidFill>
+                  <a:srgbClr val="002060"/>
+                </a:solidFill>
+                <a:effectLst>
+                  <a:outerShdw blurRad="38100" dist="19050" dir="2700000" algn="tl" rotWithShape="0">
+                    <a:schemeClr val="dk1">
+                      <a:alpha val="40000"/>
+                    </a:schemeClr>
+                  </a:outerShdw>
+                </a:effectLst>
+                <a:latin typeface="+mn-lt"/>
+                <a:ea typeface="+mn-ea"/>
+                <a:cs typeface="+mn-cs"/>
+              </a:rPr>
               <a:t>Introducción</a:t>
             </a:r>
           </a:p>
@@ -8443,7 +8263,12 @@
             <p:ph idx="1"/>
           </p:nvPr>
         </p:nvSpPr>
-        <p:spPr/>
+        <p:spPr>
+          <a:xfrm>
+            <a:off x="838200" y="1253331"/>
+            <a:ext cx="10515600" cy="4351338"/>
+          </a:xfrm>
+        </p:spPr>
         <p:txBody>
           <a:bodyPr>
             <a:normAutofit/>
@@ -8451,112 +8276,97 @@
           <a:lstStyle/>
           <a:p>
             <a:r>
-              <a:rPr lang="es-ES" dirty="0"/>
-              <a:t>¿Que es </a:t>
-            </a:r>
-            <a:r>
-              <a:rPr lang="es-ES" dirty="0" err="1"/>
-              <a:t>Solver</a:t>
-            </a:r>
-            <a:r>
-              <a:rPr lang="es-ES" dirty="0"/>
+              <a:rPr lang="es-ES" sz="3200" dirty="0"/>
+              <a:t>¿Qué es?</a:t>
+            </a:r>
+          </a:p>
+          <a:p>
+            <a:pPr lvl="1"/>
+            <a:r>
+              <a:rPr lang="es-ES" sz="2800" dirty="0"/>
+              <a:t>Programación matemática, modelizar y optimizar.</a:t>
+            </a:r>
+          </a:p>
+          <a:p>
+            <a:pPr lvl="1"/>
+            <a:r>
+              <a:rPr lang="es-ES" sz="2800" dirty="0"/>
+              <a:t>Librería </a:t>
+            </a:r>
+            <a:r>
+              <a:rPr lang="es-ES" sz="2800" dirty="0" err="1"/>
+              <a:t>.Net</a:t>
+            </a:r>
+            <a:r>
+              <a:rPr lang="es-ES" sz="2800" dirty="0"/>
+              <a:t> / Extensión Excel</a:t>
+            </a:r>
+          </a:p>
+          <a:p>
+            <a:r>
+              <a:rPr lang="es-ES" sz="3200" dirty="0"/>
+              <a:t>Instalación</a:t>
+            </a:r>
+          </a:p>
+          <a:p>
+            <a:pPr lvl="1"/>
+            <a:r>
+              <a:rPr lang="es-ES" sz="2800" dirty="0"/>
+              <a:t>Paquete </a:t>
+            </a:r>
+            <a:r>
+              <a:rPr lang="es-ES" sz="2800" dirty="0" err="1"/>
+              <a:t>NuGet</a:t>
+            </a:r>
+            <a:endParaRPr lang="es-ES" sz="2800" dirty="0"/>
+          </a:p>
+          <a:p>
+            <a:pPr lvl="1"/>
+            <a:r>
+              <a:rPr lang="es-ES" sz="2800" dirty="0"/>
+              <a:t>Instalador </a:t>
+            </a:r>
+            <a:r>
+              <a:rPr lang="es-ES" sz="2800" dirty="0">
+                <a:hlinkClick r:id="rId3"/>
+              </a:rPr>
+              <a:t>http://xurl.es/36dzi</a:t>
+            </a:r>
+            <a:r>
+              <a:rPr lang="es-ES" sz="2800" dirty="0"/>
               <a:t> </a:t>
             </a:r>
-            <a:r>
-              <a:rPr lang="es-ES" dirty="0" err="1"/>
-              <a:t>foundation</a:t>
-            </a:r>
-            <a:r>
-              <a:rPr lang="es-ES" dirty="0"/>
-              <a:t>?</a:t>
+          </a:p>
+          <a:p>
+            <a:r>
+              <a:rPr lang="es-ES" sz="3200" dirty="0"/>
+              <a:t>Más información</a:t>
             </a:r>
           </a:p>
           <a:p>
             <a:pPr lvl="1"/>
             <a:r>
-              <a:rPr lang="es-ES" dirty="0"/>
-              <a:t>Programación matemática, modelizar y optimizar.</a:t>
+              <a:rPr lang="es-ES" sz="2800" dirty="0"/>
+              <a:t>Descontinuado desde el 2012</a:t>
             </a:r>
           </a:p>
           <a:p>
             <a:pPr lvl="1"/>
             <a:r>
-              <a:rPr lang="es-ES" dirty="0"/>
-              <a:t>Librería </a:t>
-            </a:r>
-            <a:r>
-              <a:rPr lang="es-ES" dirty="0" err="1"/>
-              <a:t>.Net</a:t>
-            </a:r>
-            <a:r>
-              <a:rPr lang="es-ES" dirty="0"/>
-              <a:t> / Extensión Excel</a:t>
-            </a:r>
-          </a:p>
-          <a:p>
-            <a:r>
-              <a:rPr lang="es-ES" dirty="0"/>
-              <a:t>Instalación</a:t>
-            </a:r>
-          </a:p>
-          <a:p>
-            <a:pPr lvl="1"/>
-            <a:r>
-              <a:rPr lang="es-ES" dirty="0"/>
-              <a:t>Paquete </a:t>
-            </a:r>
-            <a:r>
-              <a:rPr lang="es-ES" dirty="0" err="1"/>
-              <a:t>NuGet</a:t>
+              <a:rPr lang="es-ES" sz="2800" dirty="0"/>
+              <a:t>Documentación </a:t>
+            </a:r>
+            <a:r>
+              <a:rPr lang="es-ES" sz="2800" dirty="0">
+                <a:hlinkClick r:id="rId4"/>
+              </a:rPr>
+              <a:t>http://xurl.es/09khe</a:t>
+            </a:r>
+            <a:r>
+              <a:rPr lang="es-ES" sz="2800" dirty="0"/>
+              <a:t> </a:t>
             </a:r>
             <a:endParaRPr lang="es-ES" dirty="0"/>
-          </a:p>
-          <a:p>
-            <a:pPr lvl="1"/>
-            <a:r>
-              <a:rPr lang="es-ES" dirty="0"/>
-              <a:t>Instalador </a:t>
-            </a:r>
-            <a:r>
-              <a:rPr lang="es-ES" dirty="0">
-                <a:hlinkClick r:id="rId3"/>
-              </a:rPr>
-              <a:t>http://xurl.es/36dzi</a:t>
-            </a:r>
-            <a:r>
-              <a:rPr lang="es-ES" dirty="0"/>
-              <a:t> </a:t>
-            </a:r>
-          </a:p>
-          <a:p>
-            <a:r>
-              <a:rPr lang="es-ES" dirty="0"/>
-              <a:t>Mas información</a:t>
-            </a:r>
-          </a:p>
-          <a:p>
-            <a:pPr lvl="1"/>
-            <a:r>
-              <a:rPr lang="es-ES" dirty="0"/>
-              <a:t>Descontinuado desde el 2012</a:t>
-            </a:r>
-          </a:p>
-          <a:p>
-            <a:pPr lvl="1"/>
-            <a:r>
-              <a:rPr lang="es-ES" dirty="0"/>
-              <a:t>Documentación </a:t>
-            </a:r>
-            <a:r>
-              <a:rPr lang="es-ES" dirty="0">
-                <a:hlinkClick r:id="rId4"/>
-              </a:rPr>
-              <a:t>http://xurl.es/09khe</a:t>
-            </a:r>
-            <a:r>
-              <a:rPr lang="es-ES" dirty="0"/>
-              <a:t> </a:t>
-            </a:r>
           </a:p>
         </p:txBody>
       </p:sp>
@@ -8574,7 +8384,7 @@
 </file>
 
 <file path=ppt/slides/slide3.xml><?xml version="1.0" encoding="utf-8"?>
-<p:sld xmlns:a="http://schemas.openxmlformats.org/drawingml/2006/main" xmlns:r="http://schemas.openxmlformats.org/officeDocument/2006/relationships" xmlns:p="http://schemas.openxmlformats.org/presentationml/2006/main" show="0">
+<p:sld xmlns:a="http://schemas.openxmlformats.org/drawingml/2006/main" xmlns:r="http://schemas.openxmlformats.org/officeDocument/2006/relationships" xmlns:p="http://schemas.openxmlformats.org/presentationml/2006/main">
   <p:cSld>
     <p:spTree>
       <p:nvGrpSpPr>
@@ -8592,10 +8402,10 @@
       </p:grpSpPr>
       <p:sp>
         <p:nvSpPr>
-          <p:cNvPr id="2" name="Título 1">
+          <p:cNvPr id="5" name="Marcador de contenido 4">
             <a:extLst>
               <a:ext uri="{FF2B5EF4-FFF2-40B4-BE49-F238E27FC236}">
-                <a16:creationId xmlns:a16="http://schemas.microsoft.com/office/drawing/2014/main" id="{360CBC80-E84D-4219-8585-E75ABE0BA9DB}"/>
+                <a16:creationId xmlns:a16="http://schemas.microsoft.com/office/drawing/2014/main" id="{BE4C88A8-1034-4E95-9653-40735B870C3A}"/>
               </a:ext>
             </a:extLst>
           </p:cNvPr>
@@ -8603,104 +8413,217 @@
             <a:spLocks noGrp="1"/>
           </p:cNvSpPr>
           <p:nvPr>
-            <p:ph type="title"/>
-          </p:nvPr>
-        </p:nvSpPr>
-        <p:spPr/>
-        <p:txBody>
-          <a:bodyPr/>
+            <p:ph sz="half" idx="1"/>
+          </p:nvPr>
+        </p:nvSpPr>
+        <p:spPr>
+          <a:xfrm>
+            <a:off x="836829" y="1253331"/>
+            <a:ext cx="7593106" cy="4351338"/>
+          </a:xfrm>
+        </p:spPr>
+        <p:txBody>
+          <a:bodyPr>
+            <a:normAutofit/>
+          </a:bodyPr>
           <a:lstStyle/>
           <a:p>
             <a:r>
-              <a:rPr lang="es-ES" dirty="0" err="1"/>
-              <a:t>Solvers</a:t>
-            </a:r>
-            <a:endParaRPr lang="es-ES" dirty="0"/>
-          </a:p>
-        </p:txBody>
-      </p:sp>
-      <p:sp>
-        <p:nvSpPr>
-          <p:cNvPr id="3" name="Marcador de contenido 2">
+              <a:rPr lang="es-ES" sz="3200" dirty="0"/>
+              <a:t>Diferentes problemas, diferentes </a:t>
+            </a:r>
+            <a:r>
+              <a:rPr lang="es-ES" sz="3200" dirty="0" err="1"/>
+              <a:t>solvers</a:t>
+            </a:r>
+            <a:endParaRPr lang="es-ES" sz="3200" dirty="0"/>
+          </a:p>
+          <a:p>
+            <a:pPr lvl="1"/>
+            <a:r>
+              <a:rPr lang="es-ES" sz="2800" dirty="0"/>
+              <a:t>Simplex</a:t>
+            </a:r>
+          </a:p>
+          <a:p>
+            <a:pPr lvl="1"/>
+            <a:r>
+              <a:rPr lang="es-ES" sz="2800" dirty="0"/>
+              <a:t>Lineales</a:t>
+            </a:r>
+          </a:p>
+          <a:p>
+            <a:pPr lvl="1"/>
+            <a:r>
+              <a:rPr lang="es-ES" sz="2800" dirty="0"/>
+              <a:t>No lineales</a:t>
+            </a:r>
+          </a:p>
+          <a:p>
+            <a:pPr marL="457200" lvl="1" indent="0">
+              <a:buNone/>
+            </a:pPr>
+            <a:endParaRPr lang="es-ES" sz="2800" dirty="0"/>
+          </a:p>
+        </p:txBody>
+      </p:sp>
+      <p:sp>
+        <p:nvSpPr>
+          <p:cNvPr id="14" name="Título 1">
             <a:extLst>
               <a:ext uri="{FF2B5EF4-FFF2-40B4-BE49-F238E27FC236}">
-                <a16:creationId xmlns:a16="http://schemas.microsoft.com/office/drawing/2014/main" id="{033AC1A0-78CC-4C1A-8B89-554FCA2B820F}"/>
+                <a16:creationId xmlns:a16="http://schemas.microsoft.com/office/drawing/2014/main" id="{F869ECC5-149B-4DE7-AF85-5E81B36A6C2A}"/>
               </a:ext>
             </a:extLst>
           </p:cNvPr>
-          <p:cNvSpPr>
-            <a:spLocks noGrp="1"/>
-          </p:cNvSpPr>
-          <p:nvPr>
-            <p:ph idx="1"/>
-          </p:nvPr>
-        </p:nvSpPr>
-        <p:spPr/>
-        <p:txBody>
-          <a:bodyPr/>
+          <p:cNvSpPr txBox="1">
+            <a:spLocks/>
+          </p:cNvSpPr>
+          <p:nvPr/>
+        </p:nvSpPr>
+        <p:spPr>
+          <a:xfrm>
+            <a:off x="484559" y="0"/>
+            <a:ext cx="2107367" cy="1325563"/>
+          </a:xfrm>
+          <a:prstGeom prst="rect">
+            <a:avLst/>
+          </a:prstGeom>
+        </p:spPr>
+        <p:txBody>
+          <a:bodyPr vert="horz" lIns="91440" tIns="45720" rIns="91440" bIns="45720" rtlCol="0" anchor="ctr">
+            <a:normAutofit/>
+          </a:bodyPr>
+          <a:lstStyle>
+            <a:lvl1pPr algn="l" defTabSz="914400" rtl="0" eaLnBrk="1" latinLnBrk="0" hangingPunct="1">
+              <a:lnSpc>
+                <a:spcPct val="90000"/>
+              </a:lnSpc>
+              <a:spcBef>
+                <a:spcPct val="0"/>
+              </a:spcBef>
+              <a:buNone/>
+              <a:defRPr sz="4400" kern="1200">
+                <a:solidFill>
+                  <a:schemeClr val="tx1"/>
+                </a:solidFill>
+                <a:latin typeface="+mj-lt"/>
+                <a:ea typeface="+mj-ea"/>
+                <a:cs typeface="+mj-cs"/>
+              </a:defRPr>
+            </a:lvl1pPr>
+          </a:lstStyle>
+          <a:p>
+            <a:r>
+              <a:rPr lang="es-ES" sz="4800" dirty="0" err="1">
+                <a:ln w="0"/>
+                <a:solidFill>
+                  <a:srgbClr val="002060"/>
+                </a:solidFill>
+                <a:effectLst>
+                  <a:outerShdw blurRad="38100" dist="19050" dir="2700000" algn="tl" rotWithShape="0">
+                    <a:schemeClr val="dk1">
+                      <a:alpha val="40000"/>
+                    </a:schemeClr>
+                  </a:outerShdw>
+                </a:effectLst>
+                <a:latin typeface="+mn-lt"/>
+                <a:ea typeface="+mn-ea"/>
+                <a:cs typeface="+mn-cs"/>
+              </a:rPr>
+              <a:t>Solvers</a:t>
+            </a:r>
+            <a:endParaRPr lang="es-ES" sz="4800" dirty="0">
+              <a:ln w="0"/>
+              <a:solidFill>
+                <a:srgbClr val="002060"/>
+              </a:solidFill>
+              <a:effectLst>
+                <a:outerShdw blurRad="38100" dist="19050" dir="2700000" algn="tl" rotWithShape="0">
+                  <a:schemeClr val="dk1">
+                    <a:alpha val="40000"/>
+                  </a:schemeClr>
+                </a:outerShdw>
+              </a:effectLst>
+              <a:latin typeface="+mn-lt"/>
+              <a:ea typeface="+mn-ea"/>
+              <a:cs typeface="+mn-cs"/>
+            </a:endParaRPr>
+          </a:p>
+        </p:txBody>
+      </p:sp>
+      <p:sp>
+        <p:nvSpPr>
+          <p:cNvPr id="17" name="Rectángulo 16">
+            <a:extLst>
+              <a:ext uri="{FF2B5EF4-FFF2-40B4-BE49-F238E27FC236}">
+                <a16:creationId xmlns:a16="http://schemas.microsoft.com/office/drawing/2014/main" id="{FADE3A83-9C32-4928-AB3D-D974D92EE39A}"/>
+              </a:ext>
+            </a:extLst>
+          </p:cNvPr>
+          <p:cNvSpPr/>
+          <p:nvPr/>
+        </p:nvSpPr>
+        <p:spPr>
+          <a:xfrm>
+            <a:off x="6173335" y="1754647"/>
+            <a:ext cx="6096000" cy="1384995"/>
+          </a:xfrm>
+          <a:prstGeom prst="rect">
+            <a:avLst/>
+          </a:prstGeom>
+        </p:spPr>
+        <p:txBody>
+          <a:bodyPr>
+            <a:spAutoFit/>
+          </a:bodyPr>
           <a:lstStyle/>
           <a:p>
-            <a:r>
-              <a:rPr lang="es-ES" dirty="0"/>
-              <a:t>Para diferentes problemas diferentes solucionadores (</a:t>
-            </a:r>
-            <a:r>
-              <a:rPr lang="es-ES" dirty="0" err="1"/>
-              <a:t>solvers</a:t>
-            </a:r>
-            <a:r>
-              <a:rPr lang="es-ES" dirty="0"/>
-              <a:t>)</a:t>
-            </a:r>
-          </a:p>
-          <a:p>
-            <a:pPr lvl="1"/>
-            <a:r>
-              <a:rPr lang="es-ES" dirty="0"/>
-              <a:t>Simplex</a:t>
-            </a:r>
-            <a:endParaRPr lang="es-ES" u="sng" dirty="0"/>
-          </a:p>
-          <a:p>
-            <a:pPr lvl="1"/>
-            <a:r>
-              <a:rPr lang="es-ES" dirty="0"/>
-              <a:t>Lineales</a:t>
-            </a:r>
-          </a:p>
-          <a:p>
-            <a:pPr lvl="1"/>
-            <a:r>
-              <a:rPr lang="es-ES" dirty="0"/>
-              <a:t>No lineales</a:t>
-            </a:r>
-          </a:p>
-          <a:p>
-            <a:pPr lvl="1"/>
-            <a:r>
-              <a:rPr lang="es-ES" dirty="0" err="1"/>
+            <a:pPr marL="685800" lvl="1" indent="-228600">
+              <a:lnSpc>
+                <a:spcPct val="90000"/>
+              </a:lnSpc>
+              <a:spcBef>
+                <a:spcPts val="500"/>
+              </a:spcBef>
+              <a:buFont typeface="Arial" panose="020B0604020202020204" pitchFamily="34" charset="0"/>
+              <a:buChar char="•"/>
+            </a:pPr>
+            <a:r>
+              <a:rPr lang="es-ES" sz="2800" dirty="0" err="1"/>
               <a:t>Constraints</a:t>
             </a:r>
-            <a:endParaRPr lang="es-ES" dirty="0"/>
-          </a:p>
-          <a:p>
-            <a:pPr lvl="1"/>
-            <a:r>
-              <a:rPr lang="es-ES" dirty="0"/>
-              <a:t>Satisfacción</a:t>
-            </a:r>
-          </a:p>
-          <a:p>
-            <a:pPr lvl="1"/>
-            <a:r>
-              <a:rPr lang="es-ES" dirty="0"/>
+            <a:endParaRPr lang="es-ES" sz="2800" dirty="0"/>
+          </a:p>
+          <a:p>
+            <a:pPr marL="685800" lvl="1" indent="-228600">
+              <a:lnSpc>
+                <a:spcPct val="90000"/>
+              </a:lnSpc>
+              <a:spcBef>
+                <a:spcPts val="500"/>
+              </a:spcBef>
+              <a:buFont typeface="Arial" panose="020B0604020202020204" pitchFamily="34" charset="0"/>
+              <a:buChar char="•"/>
+            </a:pPr>
+            <a:r>
+              <a:rPr lang="es-ES" sz="2800" dirty="0"/>
               <a:t>Genérico</a:t>
             </a:r>
           </a:p>
           <a:p>
-            <a:pPr lvl="1"/>
-            <a:r>
-              <a:rPr lang="es-ES" dirty="0"/>
+            <a:pPr marL="685800" lvl="1" indent="-228600">
+              <a:lnSpc>
+                <a:spcPct val="90000"/>
+              </a:lnSpc>
+              <a:spcBef>
+                <a:spcPts val="500"/>
+              </a:spcBef>
+              <a:buFont typeface="Arial" panose="020B0604020202020204" pitchFamily="34" charset="0"/>
+              <a:buChar char="•"/>
+            </a:pPr>
+            <a:r>
+              <a:rPr lang="es-ES" sz="2800" dirty="0"/>
               <a:t>De terceros</a:t>
             </a:r>
           </a:p>
@@ -8709,7 +8632,7 @@
     </p:spTree>
     <p:extLst>
       <p:ext uri="{BB962C8B-B14F-4D97-AF65-F5344CB8AC3E}">
-        <p14:creationId xmlns:p14="http://schemas.microsoft.com/office/powerpoint/2010/main" val="1656543725"/>
+        <p14:creationId xmlns:p14="http://schemas.microsoft.com/office/powerpoint/2010/main" val="641063502"/>
       </p:ext>
     </p:extLst>
   </p:cSld>
@@ -8738,10 +8661,10 @@
       </p:grpSpPr>
       <p:sp>
         <p:nvSpPr>
-          <p:cNvPr id="4" name="Título 3">
+          <p:cNvPr id="5" name="Marcador de contenido 4">
             <a:extLst>
               <a:ext uri="{FF2B5EF4-FFF2-40B4-BE49-F238E27FC236}">
-                <a16:creationId xmlns:a16="http://schemas.microsoft.com/office/drawing/2014/main" id="{2D1BBA1E-F296-4966-88E6-46FA37DDE2BB}"/>
+                <a16:creationId xmlns:a16="http://schemas.microsoft.com/office/drawing/2014/main" id="{5C6FD143-D5BC-4919-92B4-392A290B7E0E}"/>
               </a:ext>
             </a:extLst>
           </p:cNvPr>
@@ -8749,28 +8672,75 @@
             <a:spLocks noGrp="1"/>
           </p:cNvSpPr>
           <p:nvPr>
-            <p:ph type="title"/>
-          </p:nvPr>
-        </p:nvSpPr>
-        <p:spPr/>
-        <p:txBody>
-          <a:bodyPr/>
+            <p:ph sz="half" idx="1"/>
+          </p:nvPr>
+        </p:nvSpPr>
+        <p:spPr>
+          <a:xfrm>
+            <a:off x="838201" y="1253331"/>
+            <a:ext cx="5181600" cy="4351338"/>
+          </a:xfrm>
+        </p:spPr>
+        <p:txBody>
+          <a:bodyPr>
+            <a:normAutofit/>
+          </a:bodyPr>
           <a:lstStyle/>
           <a:p>
             <a:r>
-              <a:rPr lang="es-ES" dirty="0" err="1"/>
-              <a:t>Solvers</a:t>
-            </a:r>
-            <a:endParaRPr lang="es-ES" dirty="0"/>
-          </a:p>
-        </p:txBody>
-      </p:sp>
-      <p:sp>
-        <p:nvSpPr>
-          <p:cNvPr id="5" name="Marcador de contenido 4">
+              <a:rPr lang="es-ES" sz="3200" dirty="0"/>
+              <a:t>Dominios</a:t>
+            </a:r>
+          </a:p>
+          <a:p>
+            <a:pPr lvl="1"/>
+            <a:r>
+              <a:rPr lang="es-ES" sz="2800" dirty="0" err="1"/>
+              <a:t>CspDomain</a:t>
+            </a:r>
+            <a:endParaRPr lang="es-ES" sz="2800" dirty="0"/>
+          </a:p>
+          <a:p>
+            <a:pPr lvl="2"/>
+            <a:r>
+              <a:rPr lang="es-ES" sz="2400" dirty="0" err="1"/>
+              <a:t>Boolean</a:t>
+            </a:r>
+            <a:endParaRPr lang="es-ES" sz="2400" dirty="0"/>
+          </a:p>
+          <a:p>
+            <a:pPr lvl="2"/>
+            <a:r>
+              <a:rPr lang="es-ES" sz="2400" dirty="0"/>
+              <a:t>Enteros</a:t>
+            </a:r>
+          </a:p>
+          <a:p>
+            <a:pPr lvl="2"/>
+            <a:r>
+              <a:rPr lang="es-ES" sz="2400" dirty="0"/>
+              <a:t>Reales</a:t>
+            </a:r>
+          </a:p>
+          <a:p>
+            <a:pPr lvl="2"/>
+            <a:r>
+              <a:rPr lang="es-ES" sz="2400" dirty="0" err="1"/>
+              <a:t>Double</a:t>
+            </a:r>
+            <a:r>
+              <a:rPr lang="es-ES" sz="2400" dirty="0"/>
+              <a:t> (Reales con doble precisión)</a:t>
+            </a:r>
+          </a:p>
+        </p:txBody>
+      </p:sp>
+      <p:sp>
+        <p:nvSpPr>
+          <p:cNvPr id="6" name="Marcador de contenido 5">
             <a:extLst>
               <a:ext uri="{FF2B5EF4-FFF2-40B4-BE49-F238E27FC236}">
-                <a16:creationId xmlns:a16="http://schemas.microsoft.com/office/drawing/2014/main" id="{BE4C88A8-1034-4E95-9653-40735B870C3A}"/>
+                <a16:creationId xmlns:a16="http://schemas.microsoft.com/office/drawing/2014/main" id="{1F6A7091-8862-4125-A784-9FC111230730}"/>
               </a:ext>
             </a:extLst>
           </p:cNvPr>
@@ -8778,58 +8748,101 @@
             <a:spLocks noGrp="1"/>
           </p:cNvSpPr>
           <p:nvPr>
-            <p:ph sz="half" idx="1"/>
+            <p:ph sz="half" idx="2"/>
           </p:nvPr>
         </p:nvSpPr>
         <p:spPr>
           <a:xfrm>
-            <a:off x="838200" y="1825625"/>
-            <a:ext cx="7593106" cy="4351338"/>
+            <a:off x="6172199" y="1253331"/>
+            <a:ext cx="5181600" cy="4351338"/>
           </a:xfrm>
         </p:spPr>
         <p:txBody>
-          <a:bodyPr/>
+          <a:bodyPr>
+            <a:normAutofit/>
+          </a:bodyPr>
           <a:lstStyle/>
           <a:p>
             <a:r>
-              <a:rPr lang="es-ES" dirty="0"/>
-              <a:t>Diferentes problemas, diferentes </a:t>
-            </a:r>
-            <a:r>
-              <a:rPr lang="es-ES" dirty="0" err="1"/>
-              <a:t>solvers</a:t>
-            </a:r>
-            <a:endParaRPr lang="es-ES" dirty="0"/>
+              <a:rPr lang="es-ES" sz="3200" dirty="0"/>
+              <a:t>Variables</a:t>
+            </a:r>
           </a:p>
           <a:p>
             <a:pPr lvl="1"/>
             <a:r>
-              <a:rPr lang="es-ES" dirty="0"/>
-              <a:t>Simplex</a:t>
+              <a:rPr lang="es-ES" sz="2800" dirty="0" err="1"/>
+              <a:t>CpsTerm</a:t>
+            </a:r>
+            <a:endParaRPr lang="es-ES" sz="2800" dirty="0"/>
+          </a:p>
+          <a:p>
+            <a:pPr lvl="2"/>
+            <a:r>
+              <a:rPr lang="es-ES" sz="2400" dirty="0"/>
+              <a:t>Constantes</a:t>
+            </a:r>
+          </a:p>
+          <a:p>
+            <a:pPr lvl="2"/>
+            <a:r>
+              <a:rPr lang="es-ES" sz="2400" dirty="0"/>
+              <a:t>Variables </a:t>
             </a:r>
           </a:p>
           <a:p>
             <a:pPr lvl="1"/>
-            <a:r>
-              <a:rPr lang="es-ES" dirty="0"/>
-              <a:t>Lineales</a:t>
-            </a:r>
+            <a:endParaRPr lang="es-ES" sz="2800" dirty="0"/>
           </a:p>
           <a:p>
             <a:pPr lvl="1"/>
             <a:r>
-              <a:rPr lang="es-ES" dirty="0"/>
-              <a:t>No lineales</a:t>
-            </a:r>
-          </a:p>
-        </p:txBody>
-      </p:sp>
-      <p:sp>
-        <p:nvSpPr>
-          <p:cNvPr id="6" name="Marcador de contenido 5">
+              <a:rPr lang="es-ES" sz="2800" dirty="0" err="1"/>
+              <a:t>CpsTerm</a:t>
+            </a:r>
+            <a:r>
+              <a:rPr lang="es-ES" sz="2800" dirty="0"/>
+              <a:t> []</a:t>
+            </a:r>
+          </a:p>
+          <a:p>
+            <a:pPr lvl="2"/>
+            <a:r>
+              <a:rPr lang="es-ES" sz="2400" dirty="0" err="1"/>
+              <a:t>Arrays</a:t>
+            </a:r>
+            <a:endParaRPr lang="es-ES" sz="2400" dirty="0"/>
+          </a:p>
+          <a:p>
+            <a:pPr lvl="1"/>
+            <a:endParaRPr lang="es-ES" sz="2800" dirty="0"/>
+          </a:p>
+          <a:p>
+            <a:pPr lvl="1"/>
+            <a:r>
+              <a:rPr lang="es-ES" sz="2800" dirty="0" err="1"/>
+              <a:t>CpsTerm</a:t>
+            </a:r>
+            <a:r>
+              <a:rPr lang="es-ES" sz="2800" dirty="0"/>
+              <a:t>[][]</a:t>
+            </a:r>
+          </a:p>
+          <a:p>
+            <a:pPr lvl="2"/>
+            <a:r>
+              <a:rPr lang="es-ES" sz="2400" dirty="0"/>
+              <a:t>Matrices</a:t>
+            </a:r>
+          </a:p>
+        </p:txBody>
+      </p:sp>
+      <p:sp>
+        <p:nvSpPr>
+          <p:cNvPr id="9" name="Título 1">
             <a:extLst>
               <a:ext uri="{FF2B5EF4-FFF2-40B4-BE49-F238E27FC236}">
-                <a16:creationId xmlns:a16="http://schemas.microsoft.com/office/drawing/2014/main" id="{51247D58-D427-4196-9C9C-A2D480DA350D}"/>
+                <a16:creationId xmlns:a16="http://schemas.microsoft.com/office/drawing/2014/main" id="{7B412521-9FD5-4E55-901D-8175B947DB8F}"/>
               </a:ext>
             </a:extLst>
           </p:cNvPr>
@@ -8837,46 +8850,63 @@
             <a:spLocks noGrp="1"/>
           </p:cNvSpPr>
           <p:nvPr>
-            <p:ph sz="half" idx="2"/>
+            <p:ph type="title"/>
           </p:nvPr>
         </p:nvSpPr>
         <p:spPr>
           <a:xfrm>
-            <a:off x="6172200" y="2272963"/>
-            <a:ext cx="5181600" cy="1213411"/>
+            <a:off x="484559" y="0"/>
+            <a:ext cx="5256674" cy="1325563"/>
           </a:xfrm>
         </p:spPr>
         <p:txBody>
-          <a:bodyPr/>
+          <a:bodyPr>
+            <a:normAutofit/>
+          </a:bodyPr>
           <a:lstStyle/>
           <a:p>
-            <a:pPr lvl="1"/>
-            <a:r>
-              <a:rPr lang="es-ES" dirty="0" err="1"/>
-              <a:t>Constraints</a:t>
-            </a:r>
-            <a:endParaRPr lang="es-ES" dirty="0"/>
-          </a:p>
-          <a:p>
-            <a:pPr lvl="1"/>
-            <a:r>
-              <a:rPr lang="es-ES" dirty="0"/>
-              <a:t>Genérico</a:t>
-            </a:r>
-          </a:p>
-          <a:p>
-            <a:pPr lvl="1"/>
-            <a:r>
-              <a:rPr lang="es-ES" dirty="0"/>
-              <a:t>De terceros</a:t>
-            </a:r>
+            <a:r>
+              <a:rPr lang="es-ES" sz="4800" dirty="0" err="1">
+                <a:ln w="0"/>
+                <a:solidFill>
+                  <a:srgbClr val="002060"/>
+                </a:solidFill>
+                <a:effectLst>
+                  <a:outerShdw blurRad="38100" dist="19050" dir="2700000" algn="tl" rotWithShape="0">
+                    <a:schemeClr val="dk1">
+                      <a:alpha val="40000"/>
+                    </a:schemeClr>
+                  </a:outerShdw>
+                </a:effectLst>
+                <a:latin typeface="+mn-lt"/>
+                <a:ea typeface="+mn-ea"/>
+                <a:cs typeface="+mn-cs"/>
+              </a:rPr>
+              <a:t>ConstraintSystem</a:t>
+            </a:r>
+            <a:endParaRPr lang="es-ES" sz="4800" dirty="0">
+              <a:ln w="0"/>
+              <a:solidFill>
+                <a:srgbClr val="002060"/>
+              </a:solidFill>
+              <a:effectLst>
+                <a:outerShdw blurRad="38100" dist="19050" dir="2700000" algn="tl" rotWithShape="0">
+                  <a:schemeClr val="dk1">
+                    <a:alpha val="40000"/>
+                  </a:schemeClr>
+                </a:outerShdw>
+              </a:effectLst>
+              <a:latin typeface="+mn-lt"/>
+              <a:ea typeface="+mn-ea"/>
+              <a:cs typeface="+mn-cs"/>
+            </a:endParaRPr>
           </a:p>
         </p:txBody>
       </p:sp>
     </p:spTree>
     <p:extLst>
       <p:ext uri="{BB962C8B-B14F-4D97-AF65-F5344CB8AC3E}">
-        <p14:creationId xmlns:p14="http://schemas.microsoft.com/office/powerpoint/2010/main" val="641063502"/>
+        <p14:creationId xmlns:p14="http://schemas.microsoft.com/office/powerpoint/2010/main" val="1242763647"/>
       </p:ext>
     </p:extLst>
   </p:cSld>
@@ -8905,10 +8935,10 @@
       </p:grpSpPr>
       <p:sp>
         <p:nvSpPr>
-          <p:cNvPr id="2" name="Título 1">
+          <p:cNvPr id="3" name="Marcador de contenido 2">
             <a:extLst>
               <a:ext uri="{FF2B5EF4-FFF2-40B4-BE49-F238E27FC236}">
-                <a16:creationId xmlns:a16="http://schemas.microsoft.com/office/drawing/2014/main" id="{2A6E65A0-A6D2-468B-8DA1-0D5E4C493EC2}"/>
+                <a16:creationId xmlns:a16="http://schemas.microsoft.com/office/drawing/2014/main" id="{6138A357-5510-4CF1-BD8A-5FA622E79BCF}"/>
               </a:ext>
             </a:extLst>
           </p:cNvPr>
@@ -8916,28 +8946,101 @@
             <a:spLocks noGrp="1"/>
           </p:cNvSpPr>
           <p:nvPr>
-            <p:ph type="title"/>
-          </p:nvPr>
-        </p:nvSpPr>
-        <p:spPr/>
+            <p:ph idx="1"/>
+          </p:nvPr>
+        </p:nvSpPr>
+        <p:spPr>
+          <a:xfrm>
+            <a:off x="838200" y="1253331"/>
+            <a:ext cx="10515600" cy="4351338"/>
+          </a:xfrm>
+        </p:spPr>
         <p:txBody>
           <a:bodyPr/>
           <a:lstStyle/>
           <a:p>
             <a:r>
-              <a:rPr lang="es-ES" dirty="0" err="1"/>
-              <a:t>ConstraintSystem</a:t>
-            </a:r>
+              <a:rPr lang="es-ES" sz="3200" dirty="0"/>
+              <a:t>Restricciones</a:t>
+            </a:r>
+          </a:p>
+          <a:p>
+            <a:pPr lvl="1"/>
+            <a:r>
+              <a:rPr lang="es-ES" sz="2800" dirty="0"/>
+              <a:t>Se agregan al </a:t>
+            </a:r>
+            <a:r>
+              <a:rPr lang="es-ES" sz="2800" dirty="0" err="1"/>
+              <a:t>solver</a:t>
+            </a:r>
+            <a:r>
+              <a:rPr lang="es-ES" sz="2800" dirty="0"/>
+              <a:t> invocando </a:t>
+            </a:r>
+            <a:r>
+              <a:rPr lang="es-ES" sz="2800" dirty="0" err="1"/>
+              <a:t>AddConstraint</a:t>
+            </a:r>
+            <a:r>
+              <a:rPr lang="es-ES" sz="2800" dirty="0"/>
+              <a:t>()</a:t>
+            </a:r>
+            <a:endParaRPr lang="en-US" sz="2800" dirty="0"/>
+          </a:p>
+          <a:p>
+            <a:pPr lvl="1"/>
+            <a:r>
+              <a:rPr lang="en-US" sz="2800" dirty="0"/>
+              <a:t>Solo Hard Constraint</a:t>
+            </a:r>
+          </a:p>
+          <a:p>
+            <a:pPr lvl="1"/>
+            <a:r>
+              <a:rPr lang="es-ES" sz="2800" dirty="0"/>
+              <a:t>Para crear </a:t>
+            </a:r>
+            <a:r>
+              <a:rPr lang="es-ES" sz="2800" dirty="0" err="1"/>
+              <a:t>Soft</a:t>
+            </a:r>
+            <a:r>
+              <a:rPr lang="es-ES" sz="2800" dirty="0"/>
+              <a:t> </a:t>
+            </a:r>
+            <a:r>
+              <a:rPr lang="es-ES" sz="2800" dirty="0" err="1"/>
+              <a:t>Constraint</a:t>
+            </a:r>
+            <a:r>
+              <a:rPr lang="es-ES" sz="2800" dirty="0"/>
+              <a:t> tenemos que ponernos creativos</a:t>
+            </a:r>
+            <a:endParaRPr lang="en-US" sz="2800" dirty="0"/>
+          </a:p>
+          <a:p>
+            <a:pPr lvl="2"/>
+            <a:r>
+              <a:rPr lang="es-ES" sz="2400" dirty="0"/>
+              <a:t>d == 1 – ocupado</a:t>
+            </a:r>
+          </a:p>
+          <a:p>
+            <a:pPr lvl="1"/>
+            <a:endParaRPr lang="es-ES" sz="2800" dirty="0"/>
+          </a:p>
+          <a:p>
             <a:endParaRPr lang="es-ES" dirty="0"/>
           </a:p>
         </p:txBody>
       </p:sp>
       <p:sp>
         <p:nvSpPr>
-          <p:cNvPr id="5" name="Marcador de contenido 4">
+          <p:cNvPr id="8" name="Título 1">
             <a:extLst>
               <a:ext uri="{FF2B5EF4-FFF2-40B4-BE49-F238E27FC236}">
-                <a16:creationId xmlns:a16="http://schemas.microsoft.com/office/drawing/2014/main" id="{5C6FD143-D5BC-4919-92B4-392A290B7E0E}"/>
+                <a16:creationId xmlns:a16="http://schemas.microsoft.com/office/drawing/2014/main" id="{DA8C4208-E9AF-43AF-B399-1F7463C20FAF}"/>
               </a:ext>
             </a:extLst>
           </p:cNvPr>
@@ -8945,10 +9048,15 @@
             <a:spLocks noGrp="1"/>
           </p:cNvSpPr>
           <p:nvPr>
-            <p:ph sz="half" idx="1"/>
-          </p:nvPr>
-        </p:nvSpPr>
-        <p:spPr/>
+            <p:ph type="title"/>
+          </p:nvPr>
+        </p:nvSpPr>
+        <p:spPr>
+          <a:xfrm>
+            <a:off x="484559" y="0"/>
+            <a:ext cx="5256674" cy="1325563"/>
+          </a:xfrm>
+        </p:spPr>
         <p:txBody>
           <a:bodyPr>
             <a:normAutofit/>
@@ -8956,154 +9064,47 @@
           <a:lstStyle/>
           <a:p>
             <a:r>
-              <a:rPr lang="es-ES" dirty="0"/>
-              <a:t>Dominios</a:t>
-            </a:r>
-          </a:p>
-          <a:p>
-            <a:pPr lvl="1"/>
-            <a:r>
-              <a:rPr lang="es-ES" dirty="0" err="1"/>
-              <a:t>CspDomain</a:t>
-            </a:r>
-            <a:endParaRPr lang="es-ES" dirty="0"/>
-          </a:p>
-          <a:p>
-            <a:pPr lvl="2"/>
-            <a:r>
-              <a:rPr lang="es-ES" dirty="0" err="1"/>
-              <a:t>Boolean</a:t>
-            </a:r>
-            <a:endParaRPr lang="es-ES" dirty="0"/>
-          </a:p>
-          <a:p>
-            <a:pPr lvl="2"/>
-            <a:r>
-              <a:rPr lang="es-ES" dirty="0"/>
-              <a:t>Enteros</a:t>
-            </a:r>
-          </a:p>
-          <a:p>
-            <a:pPr lvl="2"/>
-            <a:r>
-              <a:rPr lang="es-ES" dirty="0"/>
-              <a:t>Reales</a:t>
-            </a:r>
-          </a:p>
-          <a:p>
-            <a:pPr lvl="2"/>
-            <a:r>
-              <a:rPr lang="es-ES" dirty="0" err="1"/>
-              <a:t>Double</a:t>
-            </a:r>
-            <a:r>
-              <a:rPr lang="es-ES" dirty="0"/>
-              <a:t> (Reales con doble precisión)</a:t>
-            </a:r>
-          </a:p>
-        </p:txBody>
-      </p:sp>
-      <p:sp>
-        <p:nvSpPr>
-          <p:cNvPr id="6" name="Marcador de contenido 5">
-            <a:extLst>
-              <a:ext uri="{FF2B5EF4-FFF2-40B4-BE49-F238E27FC236}">
-                <a16:creationId xmlns:a16="http://schemas.microsoft.com/office/drawing/2014/main" id="{1F6A7091-8862-4125-A784-9FC111230730}"/>
-              </a:ext>
-            </a:extLst>
-          </p:cNvPr>
-          <p:cNvSpPr>
-            <a:spLocks noGrp="1"/>
-          </p:cNvSpPr>
-          <p:nvPr>
-            <p:ph sz="half" idx="2"/>
-          </p:nvPr>
-        </p:nvSpPr>
-        <p:spPr/>
-        <p:txBody>
-          <a:bodyPr>
-            <a:normAutofit/>
-          </a:bodyPr>
-          <a:lstStyle/>
-          <a:p>
-            <a:r>
-              <a:rPr lang="es-ES" dirty="0"/>
-              <a:t>Variables</a:t>
-            </a:r>
-          </a:p>
-          <a:p>
-            <a:pPr lvl="1"/>
-            <a:r>
-              <a:rPr lang="es-ES" dirty="0" err="1"/>
-              <a:t>CpsTerm</a:t>
-            </a:r>
-            <a:endParaRPr lang="es-ES" dirty="0"/>
-          </a:p>
-          <a:p>
-            <a:pPr lvl="2"/>
-            <a:r>
-              <a:rPr lang="es-ES" dirty="0"/>
-              <a:t>Constantes</a:t>
-            </a:r>
-          </a:p>
-          <a:p>
-            <a:pPr lvl="2"/>
-            <a:r>
-              <a:rPr lang="es-ES" dirty="0"/>
-              <a:t>Variables </a:t>
-            </a:r>
-          </a:p>
-          <a:p>
-            <a:pPr lvl="1"/>
-            <a:endParaRPr lang="es-ES" dirty="0"/>
-          </a:p>
-          <a:p>
-            <a:pPr lvl="1"/>
-            <a:r>
-              <a:rPr lang="es-ES" dirty="0" err="1"/>
-              <a:t>CpsTerm</a:t>
-            </a:r>
-            <a:r>
-              <a:rPr lang="es-ES" dirty="0"/>
-              <a:t> []</a:t>
-            </a:r>
-          </a:p>
-          <a:p>
-            <a:pPr lvl="2"/>
-            <a:r>
-              <a:rPr lang="es-ES" dirty="0" err="1"/>
-              <a:t>Arrays</a:t>
-            </a:r>
-            <a:endParaRPr lang="es-ES" dirty="0"/>
-          </a:p>
-          <a:p>
-            <a:pPr lvl="1"/>
-            <a:endParaRPr lang="es-ES" dirty="0"/>
-          </a:p>
-          <a:p>
-            <a:pPr lvl="1"/>
-            <a:r>
-              <a:rPr lang="es-ES" dirty="0" err="1"/>
-              <a:t>CpsTerm</a:t>
-            </a:r>
-            <a:r>
-              <a:rPr lang="es-ES" dirty="0"/>
-              <a:t>[][]</a:t>
-            </a:r>
-          </a:p>
-          <a:p>
-            <a:pPr lvl="2"/>
-            <a:r>
-              <a:rPr lang="es-ES" dirty="0"/>
-              <a:t>Matrices</a:t>
-            </a:r>
+              <a:rPr lang="es-ES" sz="4800" dirty="0" err="1">
+                <a:ln w="0"/>
+                <a:solidFill>
+                  <a:srgbClr val="002060"/>
+                </a:solidFill>
+                <a:effectLst>
+                  <a:outerShdw blurRad="38100" dist="19050" dir="2700000" algn="tl" rotWithShape="0">
+                    <a:schemeClr val="dk1">
+                      <a:alpha val="40000"/>
+                    </a:schemeClr>
+                  </a:outerShdw>
+                </a:effectLst>
+                <a:latin typeface="+mn-lt"/>
+                <a:ea typeface="+mn-ea"/>
+                <a:cs typeface="+mn-cs"/>
+              </a:rPr>
+              <a:t>ConstraintSystem</a:t>
+            </a:r>
+            <a:endParaRPr lang="es-ES" sz="4800" dirty="0">
+              <a:ln w="0"/>
+              <a:solidFill>
+                <a:srgbClr val="002060"/>
+              </a:solidFill>
+              <a:effectLst>
+                <a:outerShdw blurRad="38100" dist="19050" dir="2700000" algn="tl" rotWithShape="0">
+                  <a:schemeClr val="dk1">
+                    <a:alpha val="40000"/>
+                  </a:schemeClr>
+                </a:outerShdw>
+              </a:effectLst>
+              <a:latin typeface="+mn-lt"/>
+              <a:ea typeface="+mn-ea"/>
+              <a:cs typeface="+mn-cs"/>
+            </a:endParaRPr>
           </a:p>
         </p:txBody>
       </p:sp>
     </p:spTree>
     <p:extLst>
       <p:ext uri="{BB962C8B-B14F-4D97-AF65-F5344CB8AC3E}">
-        <p14:creationId xmlns:p14="http://schemas.microsoft.com/office/powerpoint/2010/main" val="1242763647"/>
+        <p14:creationId xmlns:p14="http://schemas.microsoft.com/office/powerpoint/2010/main" val="2002944151"/>
       </p:ext>
     </p:extLst>
   </p:cSld>
@@ -9132,10 +9133,10 @@
       </p:grpSpPr>
       <p:sp>
         <p:nvSpPr>
-          <p:cNvPr id="2" name="Título 1">
+          <p:cNvPr id="3" name="Marcador de contenido 2">
             <a:extLst>
               <a:ext uri="{FF2B5EF4-FFF2-40B4-BE49-F238E27FC236}">
-                <a16:creationId xmlns:a16="http://schemas.microsoft.com/office/drawing/2014/main" id="{32EFB992-2C30-4EAF-BEBE-3956E22AED80}"/>
+                <a16:creationId xmlns:a16="http://schemas.microsoft.com/office/drawing/2014/main" id="{6138A357-5510-4CF1-BD8A-5FA622E79BCF}"/>
               </a:ext>
             </a:extLst>
           </p:cNvPr>
@@ -9143,28 +9144,181 @@
             <a:spLocks noGrp="1"/>
           </p:cNvSpPr>
           <p:nvPr>
-            <p:ph type="title"/>
-          </p:nvPr>
-        </p:nvSpPr>
-        <p:spPr/>
+            <p:ph idx="1"/>
+          </p:nvPr>
+        </p:nvSpPr>
+        <p:spPr>
+          <a:xfrm>
+            <a:off x="838200" y="1253331"/>
+            <a:ext cx="10515600" cy="4351338"/>
+          </a:xfrm>
+        </p:spPr>
         <p:txBody>
           <a:bodyPr/>
           <a:lstStyle/>
           <a:p>
             <a:r>
-              <a:rPr lang="es-ES" dirty="0" err="1"/>
-              <a:t>ConstraintSystem</a:t>
-            </a:r>
+              <a:rPr lang="es-ES" sz="3200" dirty="0"/>
+              <a:t>Restricciones</a:t>
+            </a:r>
+          </a:p>
+          <a:p>
+            <a:pPr lvl="1"/>
+            <a:r>
+              <a:rPr lang="en-US" sz="2800" dirty="0" err="1"/>
+              <a:t>AtMostMofN</a:t>
+            </a:r>
+            <a:r>
+              <a:rPr lang="en-US" sz="2800" dirty="0"/>
+              <a:t> ( int M, params </a:t>
+            </a:r>
+            <a:r>
+              <a:rPr lang="en-US" sz="2800" dirty="0" err="1"/>
+              <a:t>CspTerm</a:t>
+            </a:r>
+            <a:r>
+              <a:rPr lang="en-US" sz="2800" dirty="0"/>
+              <a:t>[] inputs )</a:t>
+            </a:r>
+          </a:p>
+          <a:p>
+            <a:pPr lvl="1"/>
+            <a:r>
+              <a:rPr lang="en-US" sz="2800" dirty="0"/>
+              <a:t>Equal, Unequal ( </a:t>
+            </a:r>
+            <a:r>
+              <a:rPr lang="en-US" sz="2800" dirty="0" err="1"/>
+              <a:t>CspTerm</a:t>
+            </a:r>
+            <a:r>
+              <a:rPr lang="en-US" sz="2800" dirty="0"/>
+              <a:t>[] inputs )</a:t>
+            </a:r>
+          </a:p>
+          <a:p>
+            <a:pPr lvl="1"/>
+            <a:r>
+              <a:rPr lang="en-US" sz="2800" dirty="0"/>
+              <a:t>Equal, Unequal ( Int constant, </a:t>
+            </a:r>
+            <a:r>
+              <a:rPr lang="en-US" sz="2800" dirty="0" err="1"/>
+              <a:t>CspTerm</a:t>
+            </a:r>
+            <a:r>
+              <a:rPr lang="en-US" sz="2800" dirty="0"/>
+              <a:t>[] inputs )</a:t>
+            </a:r>
+          </a:p>
+          <a:p>
+            <a:pPr lvl="1"/>
+            <a:r>
+              <a:rPr lang="en-US" sz="2800" dirty="0" err="1"/>
+              <a:t>ExactlyMofN</a:t>
+            </a:r>
+            <a:r>
+              <a:rPr lang="en-US" sz="2800" dirty="0"/>
+              <a:t> ( int M, params </a:t>
+            </a:r>
+            <a:r>
+              <a:rPr lang="en-US" sz="2800" dirty="0" err="1"/>
+              <a:t>CspTerm</a:t>
+            </a:r>
+            <a:r>
+              <a:rPr lang="en-US" sz="2800" dirty="0"/>
+              <a:t>[] inputs )</a:t>
+            </a:r>
+          </a:p>
+          <a:p>
+            <a:pPr lvl="1"/>
+            <a:r>
+              <a:rPr lang="en-US" sz="2800" dirty="0"/>
+              <a:t>Greater, </a:t>
+            </a:r>
+            <a:r>
+              <a:rPr lang="en-US" sz="2800" dirty="0" err="1"/>
+              <a:t>GreaterEqual</a:t>
+            </a:r>
+            <a:r>
+              <a:rPr lang="en-US" sz="2800" dirty="0"/>
+              <a:t>, Less, </a:t>
+            </a:r>
+            <a:r>
+              <a:rPr lang="en-US" sz="2800" dirty="0" err="1"/>
+              <a:t>LessEqual</a:t>
+            </a:r>
+            <a:r>
+              <a:rPr lang="en-US" sz="2800" dirty="0"/>
+              <a:t> ( </a:t>
+            </a:r>
+            <a:r>
+              <a:rPr lang="en-US" sz="2800" dirty="0" err="1"/>
+              <a:t>CspTerm</a:t>
+            </a:r>
+            <a:r>
+              <a:rPr lang="en-US" sz="2800" dirty="0"/>
+              <a:t>[] inputs )</a:t>
+            </a:r>
+          </a:p>
+          <a:p>
+            <a:pPr lvl="1"/>
+            <a:r>
+              <a:rPr lang="es-ES" sz="2800" dirty="0" err="1"/>
+              <a:t>Implies</a:t>
+            </a:r>
+            <a:r>
+              <a:rPr lang="es-ES" sz="2800" dirty="0"/>
+              <a:t> ( </a:t>
+            </a:r>
+            <a:r>
+              <a:rPr lang="es-ES" sz="2800" dirty="0" err="1"/>
+              <a:t>CspTerm</a:t>
+            </a:r>
+            <a:r>
+              <a:rPr lang="es-ES" sz="2800" dirty="0"/>
+              <a:t> </a:t>
+            </a:r>
+            <a:r>
+              <a:rPr lang="es-ES" sz="2800" dirty="0" err="1"/>
+              <a:t>antecedent</a:t>
+            </a:r>
+            <a:r>
+              <a:rPr lang="es-ES" sz="2800" dirty="0"/>
+              <a:t>, </a:t>
+            </a:r>
+            <a:r>
+              <a:rPr lang="es-ES" sz="2800" dirty="0" err="1"/>
+              <a:t>CspTerm</a:t>
+            </a:r>
+            <a:r>
+              <a:rPr lang="es-ES" sz="2800" dirty="0"/>
+              <a:t> </a:t>
+            </a:r>
+            <a:r>
+              <a:rPr lang="es-ES" sz="2800" dirty="0" err="1"/>
+              <a:t>consequent</a:t>
+            </a:r>
+            <a:r>
+              <a:rPr lang="es-ES" sz="2800" dirty="0"/>
+              <a:t>)</a:t>
+            </a:r>
+          </a:p>
+          <a:p>
+            <a:pPr lvl="1"/>
+            <a:endParaRPr lang="es-ES" sz="2800" dirty="0"/>
+          </a:p>
+          <a:p>
             <a:endParaRPr lang="es-ES" dirty="0"/>
           </a:p>
         </p:txBody>
       </p:sp>
       <p:sp>
         <p:nvSpPr>
-          <p:cNvPr id="5" name="Marcador de contenido 4">
+          <p:cNvPr id="8" name="Título 1">
             <a:extLst>
               <a:ext uri="{FF2B5EF4-FFF2-40B4-BE49-F238E27FC236}">
-                <a16:creationId xmlns:a16="http://schemas.microsoft.com/office/drawing/2014/main" id="{3439BB0B-C629-40B8-82D2-FF38350C8542}"/>
+                <a16:creationId xmlns:a16="http://schemas.microsoft.com/office/drawing/2014/main" id="{DA8C4208-E9AF-43AF-B399-1F7463C20FAF}"/>
               </a:ext>
             </a:extLst>
           </p:cNvPr>
@@ -9172,106 +9326,63 @@
             <a:spLocks noGrp="1"/>
           </p:cNvSpPr>
           <p:nvPr>
-            <p:ph idx="1"/>
+            <p:ph type="title"/>
           </p:nvPr>
         </p:nvSpPr>
         <p:spPr>
           <a:xfrm>
-            <a:off x="838200" y="1825625"/>
-            <a:ext cx="10515600" cy="2107746"/>
+            <a:off x="484559" y="0"/>
+            <a:ext cx="5256674" cy="1325563"/>
           </a:xfrm>
         </p:spPr>
         <p:txBody>
-          <a:bodyPr/>
+          <a:bodyPr>
+            <a:normAutofit/>
+          </a:bodyPr>
           <a:lstStyle/>
           <a:p>
             <a:r>
-              <a:rPr lang="es-ES" dirty="0"/>
-              <a:t>Restricciones</a:t>
-            </a:r>
-          </a:p>
-          <a:p>
-            <a:pPr lvl="1"/>
-            <a:r>
-              <a:rPr lang="es-ES" dirty="0"/>
-              <a:t>Se agregan al </a:t>
-            </a:r>
-            <a:r>
-              <a:rPr lang="es-ES" dirty="0" err="1"/>
-              <a:t>solver</a:t>
-            </a:r>
-            <a:r>
-              <a:rPr lang="es-ES" dirty="0"/>
-              <a:t> invocando </a:t>
-            </a:r>
-            <a:r>
-              <a:rPr lang="es-ES" dirty="0" err="1"/>
-              <a:t>AddConstraint</a:t>
-            </a:r>
-            <a:r>
-              <a:rPr lang="es-ES" dirty="0"/>
-              <a:t>()</a:t>
-            </a:r>
-          </a:p>
-          <a:p>
-            <a:pPr lvl="1"/>
-            <a:r>
-              <a:rPr lang="es-ES" dirty="0"/>
-              <a:t>Solo </a:t>
-            </a:r>
-            <a:r>
-              <a:rPr lang="es-ES" dirty="0" err="1"/>
-              <a:t>Hard</a:t>
-            </a:r>
-            <a:r>
-              <a:rPr lang="es-ES" dirty="0"/>
-              <a:t> </a:t>
-            </a:r>
-            <a:r>
-              <a:rPr lang="es-ES" dirty="0" err="1"/>
-              <a:t>Constraint</a:t>
-            </a:r>
-            <a:endParaRPr lang="es-ES" dirty="0"/>
-          </a:p>
-          <a:p>
-            <a:pPr lvl="1"/>
-            <a:r>
-              <a:rPr lang="es-ES" dirty="0"/>
-              <a:t>Para crear </a:t>
-            </a:r>
-            <a:r>
-              <a:rPr lang="es-ES" dirty="0" err="1"/>
-              <a:t>Soft</a:t>
-            </a:r>
-            <a:r>
-              <a:rPr lang="es-ES" dirty="0"/>
-              <a:t> </a:t>
-            </a:r>
-            <a:r>
-              <a:rPr lang="es-ES" dirty="0" err="1"/>
-              <a:t>Constraint</a:t>
-            </a:r>
-            <a:r>
-              <a:rPr lang="es-ES" dirty="0"/>
-              <a:t> tenemos que ponernos creativos</a:t>
-            </a:r>
-          </a:p>
-          <a:p>
-            <a:pPr lvl="2"/>
-            <a:r>
-              <a:rPr lang="es-ES" dirty="0"/>
-              <a:t>d == 1 – ocupado</a:t>
-            </a:r>
-          </a:p>
-          <a:p>
-            <a:endParaRPr lang="es-ES" dirty="0"/>
+              <a:rPr lang="es-ES" sz="4800" dirty="0" err="1">
+                <a:ln w="0"/>
+                <a:solidFill>
+                  <a:srgbClr val="002060"/>
+                </a:solidFill>
+                <a:effectLst>
+                  <a:outerShdw blurRad="38100" dist="19050" dir="2700000" algn="tl" rotWithShape="0">
+                    <a:schemeClr val="dk1">
+                      <a:alpha val="40000"/>
+                    </a:schemeClr>
+                  </a:outerShdw>
+                </a:effectLst>
+                <a:latin typeface="+mn-lt"/>
+                <a:ea typeface="+mn-ea"/>
+                <a:cs typeface="+mn-cs"/>
+              </a:rPr>
+              <a:t>ConstraintSystem</a:t>
+            </a:r>
+            <a:endParaRPr lang="es-ES" sz="4800" dirty="0">
+              <a:ln w="0"/>
+              <a:solidFill>
+                <a:srgbClr val="002060"/>
+              </a:solidFill>
+              <a:effectLst>
+                <a:outerShdw blurRad="38100" dist="19050" dir="2700000" algn="tl" rotWithShape="0">
+                  <a:schemeClr val="dk1">
+                    <a:alpha val="40000"/>
+                  </a:schemeClr>
+                </a:outerShdw>
+              </a:effectLst>
+              <a:latin typeface="+mn-lt"/>
+              <a:ea typeface="+mn-ea"/>
+              <a:cs typeface="+mn-cs"/>
+            </a:endParaRPr>
           </a:p>
         </p:txBody>
       </p:sp>
     </p:spTree>
     <p:extLst>
       <p:ext uri="{BB962C8B-B14F-4D97-AF65-F5344CB8AC3E}">
-        <p14:creationId xmlns:p14="http://schemas.microsoft.com/office/powerpoint/2010/main" val="2818072368"/>
+        <p14:creationId xmlns:p14="http://schemas.microsoft.com/office/powerpoint/2010/main" val="184494054"/>
       </p:ext>
     </p:extLst>
   </p:cSld>
@@ -9300,10 +9411,10 @@
       </p:grpSpPr>
       <p:sp>
         <p:nvSpPr>
-          <p:cNvPr id="2" name="Título 1">
+          <p:cNvPr id="3" name="Marcador de contenido 2">
             <a:extLst>
               <a:ext uri="{FF2B5EF4-FFF2-40B4-BE49-F238E27FC236}">
-                <a16:creationId xmlns:a16="http://schemas.microsoft.com/office/drawing/2014/main" id="{7F50E3F3-8FDC-49B5-BEEB-2F5775924198}"/>
+                <a16:creationId xmlns:a16="http://schemas.microsoft.com/office/drawing/2014/main" id="{46BA2A96-3157-41E7-A6FD-A002105CE868}"/>
               </a:ext>
             </a:extLst>
           </p:cNvPr>
@@ -9311,28 +9422,196 @@
             <a:spLocks noGrp="1"/>
           </p:cNvSpPr>
           <p:nvPr>
-            <p:ph type="title"/>
-          </p:nvPr>
-        </p:nvSpPr>
-        <p:spPr/>
+            <p:ph idx="1"/>
+          </p:nvPr>
+        </p:nvSpPr>
+        <p:spPr>
+          <a:xfrm>
+            <a:off x="838200" y="1253331"/>
+            <a:ext cx="10515600" cy="4351338"/>
+          </a:xfrm>
+        </p:spPr>
         <p:txBody>
           <a:bodyPr/>
           <a:lstStyle/>
           <a:p>
             <a:r>
-              <a:rPr lang="es-ES" dirty="0" err="1"/>
-              <a:t>ConstraintSystem</a:t>
-            </a:r>
+              <a:rPr lang="es-ES" sz="3200" dirty="0"/>
+              <a:t>Funciones</a:t>
+            </a:r>
+          </a:p>
+          <a:p>
+            <a:pPr lvl="1"/>
+            <a:r>
+              <a:rPr lang="es-ES" sz="2800" dirty="0" err="1"/>
+              <a:t>Abs</a:t>
+            </a:r>
+            <a:r>
+              <a:rPr lang="es-ES" sz="2800" dirty="0"/>
+              <a:t> ( </a:t>
+            </a:r>
+            <a:r>
+              <a:rPr lang="es-ES" sz="2800" dirty="0" err="1"/>
+              <a:t>CspTerm</a:t>
+            </a:r>
+            <a:r>
+              <a:rPr lang="es-ES" sz="2800" dirty="0"/>
+              <a:t> input )</a:t>
+            </a:r>
+          </a:p>
+          <a:p>
+            <a:pPr lvl="1"/>
+            <a:r>
+              <a:rPr lang="es-ES" sz="2800" dirty="0"/>
+              <a:t>And, </a:t>
+            </a:r>
+            <a:r>
+              <a:rPr lang="es-ES" sz="2800" dirty="0" err="1"/>
+              <a:t>Or</a:t>
+            </a:r>
+            <a:r>
+              <a:rPr lang="es-ES" sz="2800" dirty="0"/>
+              <a:t> ( </a:t>
+            </a:r>
+            <a:r>
+              <a:rPr lang="es-ES" sz="2800" dirty="0" err="1"/>
+              <a:t>params</a:t>
+            </a:r>
+            <a:r>
+              <a:rPr lang="es-ES" sz="2800" dirty="0"/>
+              <a:t> </a:t>
+            </a:r>
+            <a:r>
+              <a:rPr lang="es-ES" sz="2800" dirty="0" err="1"/>
+              <a:t>CspTerm</a:t>
+            </a:r>
+            <a:r>
+              <a:rPr lang="es-ES" sz="2800" dirty="0"/>
+              <a:t>[] inputs )</a:t>
+            </a:r>
+          </a:p>
+          <a:p>
+            <a:pPr lvl="1"/>
+            <a:r>
+              <a:rPr lang="en-US" sz="2800" dirty="0" err="1"/>
+              <a:t>FilteredSum</a:t>
+            </a:r>
+            <a:r>
+              <a:rPr lang="en-US" sz="2800" dirty="0"/>
+              <a:t> ( </a:t>
+            </a:r>
+            <a:r>
+              <a:rPr lang="en-US" sz="2800" dirty="0" err="1"/>
+              <a:t>CspTerm</a:t>
+            </a:r>
+            <a:r>
+              <a:rPr lang="en-US" sz="2800" dirty="0"/>
+              <a:t>[] conditions, </a:t>
+            </a:r>
+            <a:r>
+              <a:rPr lang="en-US" sz="2800" dirty="0" err="1"/>
+              <a:t>CspTerm</a:t>
+            </a:r>
+            <a:r>
+              <a:rPr lang="en-US" sz="2800" dirty="0"/>
+              <a:t>[] inputs )</a:t>
+            </a:r>
+          </a:p>
+          <a:p>
+            <a:pPr lvl="1"/>
+            <a:r>
+              <a:rPr lang="en-US" sz="2800" dirty="0"/>
+              <a:t>Max, </a:t>
+            </a:r>
+            <a:r>
+              <a:rPr lang="es-ES" sz="2800" dirty="0"/>
+              <a:t>Min ( </a:t>
+            </a:r>
+            <a:r>
+              <a:rPr lang="es-ES" sz="2800" dirty="0" err="1"/>
+              <a:t>params</a:t>
+            </a:r>
+            <a:r>
+              <a:rPr lang="es-ES" sz="2800" dirty="0"/>
+              <a:t> </a:t>
+            </a:r>
+            <a:r>
+              <a:rPr lang="es-ES" sz="2800" dirty="0" err="1"/>
+              <a:t>CspTerm</a:t>
+            </a:r>
+            <a:r>
+              <a:rPr lang="es-ES" sz="2800" dirty="0"/>
+              <a:t>[] inputs )</a:t>
+            </a:r>
+            <a:endParaRPr lang="en-US" sz="2800" dirty="0"/>
+          </a:p>
+          <a:p>
+            <a:pPr lvl="1"/>
+            <a:r>
+              <a:rPr lang="en-US" sz="2800" dirty="0"/>
+              <a:t>Sum</a:t>
+            </a:r>
+            <a:r>
+              <a:rPr lang="es-ES" sz="2800" dirty="0"/>
+              <a:t> ( </a:t>
+            </a:r>
+            <a:r>
+              <a:rPr lang="es-ES" sz="2800" dirty="0" err="1"/>
+              <a:t>params</a:t>
+            </a:r>
+            <a:r>
+              <a:rPr lang="es-ES" sz="2800" dirty="0"/>
+              <a:t> </a:t>
+            </a:r>
+            <a:r>
+              <a:rPr lang="es-ES" sz="2800" dirty="0" err="1"/>
+              <a:t>CspTerm</a:t>
+            </a:r>
+            <a:r>
+              <a:rPr lang="es-ES" sz="2800" dirty="0"/>
+              <a:t>[] inputs )</a:t>
+            </a:r>
+            <a:endParaRPr lang="en-US" sz="2800" dirty="0"/>
+          </a:p>
+          <a:p>
+            <a:pPr lvl="1"/>
+            <a:r>
+              <a:rPr lang="en-US" sz="2800" dirty="0" err="1"/>
+              <a:t>SumProduct</a:t>
+            </a:r>
+            <a:r>
+              <a:rPr lang="en-US" sz="2800" dirty="0"/>
+              <a:t>( </a:t>
+            </a:r>
+            <a:r>
+              <a:rPr lang="en-US" sz="2800" dirty="0" err="1"/>
+              <a:t>CspTerm</a:t>
+            </a:r>
+            <a:r>
+              <a:rPr lang="en-US" sz="2800" dirty="0"/>
+              <a:t>[] inputs1, </a:t>
+            </a:r>
+            <a:r>
+              <a:rPr lang="en-US" sz="2800" dirty="0" err="1"/>
+              <a:t>CspTerm</a:t>
+            </a:r>
+            <a:r>
+              <a:rPr lang="en-US" sz="2800" dirty="0"/>
+              <a:t>[] inputs2 )</a:t>
+            </a:r>
+          </a:p>
+          <a:p>
+            <a:pPr lvl="1"/>
             <a:endParaRPr lang="es-ES" dirty="0"/>
           </a:p>
         </p:txBody>
       </p:sp>
       <p:sp>
         <p:nvSpPr>
-          <p:cNvPr id="3" name="Marcador de contenido 2">
+          <p:cNvPr id="8" name="Título 1">
             <a:extLst>
               <a:ext uri="{FF2B5EF4-FFF2-40B4-BE49-F238E27FC236}">
-                <a16:creationId xmlns:a16="http://schemas.microsoft.com/office/drawing/2014/main" id="{6138A357-5510-4CF1-BD8A-5FA622E79BCF}"/>
+                <a16:creationId xmlns:a16="http://schemas.microsoft.com/office/drawing/2014/main" id="{5D4E20E5-6216-4D2E-8423-53E303373455}"/>
               </a:ext>
             </a:extLst>
           </p:cNvPr>
@@ -9340,174 +9619,63 @@
             <a:spLocks noGrp="1"/>
           </p:cNvSpPr>
           <p:nvPr>
-            <p:ph idx="1"/>
-          </p:nvPr>
-        </p:nvSpPr>
-        <p:spPr/>
-        <p:txBody>
-          <a:bodyPr/>
+            <p:ph type="title"/>
+          </p:nvPr>
+        </p:nvSpPr>
+        <p:spPr>
+          <a:xfrm>
+            <a:off x="484559" y="0"/>
+            <a:ext cx="5256674" cy="1325563"/>
+          </a:xfrm>
+        </p:spPr>
+        <p:txBody>
+          <a:bodyPr>
+            <a:normAutofit/>
+          </a:bodyPr>
           <a:lstStyle/>
           <a:p>
             <a:r>
-              <a:rPr lang="es-ES" dirty="0"/>
-              <a:t>Restricciones</a:t>
-            </a:r>
-          </a:p>
-          <a:p>
-            <a:pPr lvl="1"/>
-            <a:r>
-              <a:rPr lang="en-US" dirty="0" err="1"/>
-              <a:t>AtMostMofN</a:t>
-            </a:r>
-            <a:r>
-              <a:rPr lang="en-US" dirty="0"/>
-              <a:t> ( int M, params </a:t>
-            </a:r>
-            <a:r>
-              <a:rPr lang="en-US" dirty="0" err="1"/>
-              <a:t>CspTerm</a:t>
-            </a:r>
-            <a:r>
-              <a:rPr lang="en-US" dirty="0"/>
-              <a:t>[] inputs )</a:t>
-            </a:r>
-          </a:p>
-          <a:p>
-            <a:pPr lvl="1"/>
-            <a:r>
-              <a:rPr lang="en-US" dirty="0"/>
-              <a:t>Equal, Unequal ( </a:t>
-            </a:r>
-            <a:r>
-              <a:rPr lang="en-US" dirty="0" err="1"/>
-              <a:t>CspTerm</a:t>
-            </a:r>
-            <a:r>
-              <a:rPr lang="en-US" dirty="0"/>
-              <a:t>[] inputs )</a:t>
-            </a:r>
-          </a:p>
-          <a:p>
-            <a:pPr lvl="1"/>
-            <a:r>
-              <a:rPr lang="en-US" dirty="0"/>
-              <a:t>Equal, Unequal ( Int constant, </a:t>
-            </a:r>
-            <a:r>
-              <a:rPr lang="en-US" dirty="0" err="1"/>
-              <a:t>CspTerm</a:t>
-            </a:r>
-            <a:r>
-              <a:rPr lang="en-US" dirty="0"/>
-              <a:t>[] inputs )</a:t>
-            </a:r>
-          </a:p>
-          <a:p>
-            <a:pPr lvl="1"/>
-            <a:r>
-              <a:rPr lang="en-US" dirty="0" err="1"/>
-              <a:t>ExactlyMofN</a:t>
-            </a:r>
-            <a:r>
-              <a:rPr lang="en-US" dirty="0"/>
-              <a:t> ( int M, params </a:t>
-            </a:r>
-            <a:r>
-              <a:rPr lang="en-US" dirty="0" err="1"/>
-              <a:t>CspTerm</a:t>
-            </a:r>
-            <a:r>
-              <a:rPr lang="en-US" dirty="0"/>
-              <a:t>[] inputs )</a:t>
-            </a:r>
-          </a:p>
-          <a:p>
-            <a:pPr lvl="1"/>
-            <a:r>
-              <a:rPr lang="en-US" dirty="0"/>
-              <a:t>Greater, </a:t>
-            </a:r>
-            <a:r>
-              <a:rPr lang="en-US" dirty="0" err="1"/>
-              <a:t>GreaterEqual</a:t>
-            </a:r>
-            <a:r>
-              <a:rPr lang="en-US" dirty="0"/>
-              <a:t>, Less, </a:t>
-            </a:r>
-            <a:r>
-              <a:rPr lang="en-US" dirty="0" err="1"/>
-              <a:t>LessEqual</a:t>
-            </a:r>
-            <a:r>
-              <a:rPr lang="en-US" dirty="0"/>
-              <a:t> ( </a:t>
-            </a:r>
-            <a:r>
-              <a:rPr lang="en-US" dirty="0" err="1"/>
-              <a:t>CspTerm</a:t>
-            </a:r>
-            <a:r>
-              <a:rPr lang="en-US" dirty="0"/>
-              <a:t>[] inputs )</a:t>
-            </a:r>
-          </a:p>
-          <a:p>
-            <a:pPr lvl="1"/>
-            <a:r>
-              <a:rPr lang="es-ES" dirty="0" err="1"/>
-              <a:t>Implies</a:t>
-            </a:r>
-            <a:r>
-              <a:rPr lang="es-ES" dirty="0"/>
-              <a:t> ( </a:t>
-            </a:r>
-            <a:r>
-              <a:rPr lang="es-ES" dirty="0" err="1"/>
-              <a:t>CspTerm</a:t>
-            </a:r>
-            <a:r>
-              <a:rPr lang="es-ES" dirty="0"/>
-              <a:t> </a:t>
-            </a:r>
-            <a:r>
-              <a:rPr lang="es-ES" dirty="0" err="1"/>
-              <a:t>antecedent</a:t>
-            </a:r>
-            <a:r>
-              <a:rPr lang="es-ES" dirty="0"/>
-              <a:t>, </a:t>
-            </a:r>
-            <a:r>
-              <a:rPr lang="es-ES" dirty="0" err="1"/>
-              <a:t>CspTerm</a:t>
-            </a:r>
-            <a:r>
-              <a:rPr lang="es-ES" dirty="0"/>
-              <a:t> </a:t>
-            </a:r>
-            <a:r>
-              <a:rPr lang="es-ES" dirty="0" err="1"/>
-              <a:t>consequent</a:t>
-            </a:r>
-            <a:r>
-              <a:rPr lang="es-ES" dirty="0"/>
-              <a:t>)</a:t>
-            </a:r>
-          </a:p>
-          <a:p>
-            <a:pPr lvl="1"/>
-            <a:endParaRPr lang="es-ES" dirty="0"/>
-          </a:p>
-          <a:p>
-            <a:endParaRPr lang="es-ES" dirty="0"/>
+              <a:rPr lang="es-ES" sz="4800" dirty="0" err="1">
+                <a:ln w="0"/>
+                <a:solidFill>
+                  <a:srgbClr val="002060"/>
+                </a:solidFill>
+                <a:effectLst>
+                  <a:outerShdw blurRad="38100" dist="19050" dir="2700000" algn="tl" rotWithShape="0">
+                    <a:schemeClr val="dk1">
+                      <a:alpha val="40000"/>
+                    </a:schemeClr>
+                  </a:outerShdw>
+                </a:effectLst>
+                <a:latin typeface="+mn-lt"/>
+                <a:ea typeface="+mn-ea"/>
+                <a:cs typeface="+mn-cs"/>
+              </a:rPr>
+              <a:t>ConstraintSystem</a:t>
+            </a:r>
+            <a:endParaRPr lang="es-ES" sz="4800" dirty="0">
+              <a:ln w="0"/>
+              <a:solidFill>
+                <a:srgbClr val="002060"/>
+              </a:solidFill>
+              <a:effectLst>
+                <a:outerShdw blurRad="38100" dist="19050" dir="2700000" algn="tl" rotWithShape="0">
+                  <a:schemeClr val="dk1">
+                    <a:alpha val="40000"/>
+                  </a:schemeClr>
+                </a:outerShdw>
+              </a:effectLst>
+              <a:latin typeface="+mn-lt"/>
+              <a:ea typeface="+mn-ea"/>
+              <a:cs typeface="+mn-cs"/>
+            </a:endParaRPr>
           </a:p>
         </p:txBody>
       </p:sp>
     </p:spTree>
     <p:extLst>
       <p:ext uri="{BB962C8B-B14F-4D97-AF65-F5344CB8AC3E}">
-        <p14:creationId xmlns:p14="http://schemas.microsoft.com/office/powerpoint/2010/main" val="2002944151"/>
+        <p14:creationId xmlns:p14="http://schemas.microsoft.com/office/powerpoint/2010/main" val="3169637172"/>
       </p:ext>
     </p:extLst>
   </p:cSld>
@@ -9536,10 +9704,10 @@
       </p:grpSpPr>
       <p:sp>
         <p:nvSpPr>
-          <p:cNvPr id="2" name="Título 1">
+          <p:cNvPr id="3" name="Marcador de contenido 2">
             <a:extLst>
               <a:ext uri="{FF2B5EF4-FFF2-40B4-BE49-F238E27FC236}">
-                <a16:creationId xmlns:a16="http://schemas.microsoft.com/office/drawing/2014/main" id="{3E1C3735-1ED4-4475-91A0-E6BDF6263471}"/>
+                <a16:creationId xmlns:a16="http://schemas.microsoft.com/office/drawing/2014/main" id="{FB61EF6A-E054-42C2-AA50-0D7E326E425C}"/>
               </a:ext>
             </a:extLst>
           </p:cNvPr>
@@ -9547,28 +9715,124 @@
             <a:spLocks noGrp="1"/>
           </p:cNvSpPr>
           <p:nvPr>
-            <p:ph type="title"/>
-          </p:nvPr>
-        </p:nvSpPr>
-        <p:spPr/>
-        <p:txBody>
-          <a:bodyPr/>
+            <p:ph idx="1"/>
+          </p:nvPr>
+        </p:nvSpPr>
+        <p:spPr>
+          <a:xfrm>
+            <a:off x="838200" y="1290806"/>
+            <a:ext cx="10515600" cy="4351338"/>
+          </a:xfrm>
+        </p:spPr>
+        <p:txBody>
+          <a:bodyPr vert="horz" lIns="91440" tIns="45720" rIns="91440" bIns="45720" rtlCol="0">
+            <a:normAutofit lnSpcReduction="10000"/>
+          </a:bodyPr>
           <a:lstStyle/>
           <a:p>
             <a:r>
-              <a:rPr lang="es-ES" dirty="0" err="1"/>
-              <a:t>ConstraintSystem</a:t>
-            </a:r>
-            <a:endParaRPr lang="es-ES" dirty="0"/>
-          </a:p>
-        </p:txBody>
-      </p:sp>
-      <p:sp>
-        <p:nvSpPr>
-          <p:cNvPr id="3" name="Marcador de contenido 2">
+              <a:rPr lang="es-ES" sz="3200" dirty="0"/>
+              <a:t>Resolver el modelo</a:t>
+            </a:r>
+          </a:p>
+          <a:p>
+            <a:pPr lvl="1"/>
+            <a:r>
+              <a:rPr lang="es-ES" sz="2800" dirty="0"/>
+              <a:t>Invocamos el método </a:t>
+            </a:r>
+            <a:r>
+              <a:rPr lang="es-ES" sz="2800" dirty="0" err="1"/>
+              <a:t>Solve</a:t>
+            </a:r>
+            <a:r>
+              <a:rPr lang="es-ES" sz="2800" dirty="0"/>
+              <a:t>() que nos devuelve un objeto </a:t>
+            </a:r>
+            <a:r>
+              <a:rPr lang="es-ES" sz="2800" dirty="0" err="1"/>
+              <a:t>ConstraintSolverSolution</a:t>
+            </a:r>
+            <a:endParaRPr lang="es-ES" sz="2800" dirty="0"/>
+          </a:p>
+          <a:p>
+            <a:pPr lvl="1"/>
+            <a:r>
+              <a:rPr lang="es-ES" sz="2800" dirty="0"/>
+              <a:t>Propiedades</a:t>
+            </a:r>
+          </a:p>
+          <a:p>
+            <a:pPr lvl="2"/>
+            <a:r>
+              <a:rPr lang="es-ES" sz="2400" dirty="0" err="1"/>
+              <a:t>HasFoundSolution</a:t>
+            </a:r>
+            <a:endParaRPr lang="es-ES" sz="2400" dirty="0"/>
+          </a:p>
+          <a:p>
+            <a:pPr lvl="2"/>
+            <a:r>
+              <a:rPr lang="es-ES" sz="2400" dirty="0" err="1"/>
+              <a:t>Quality</a:t>
+            </a:r>
+            <a:endParaRPr lang="es-ES" sz="2400" dirty="0"/>
+          </a:p>
+          <a:p>
+            <a:pPr lvl="3"/>
+            <a:r>
+              <a:rPr lang="es-ES" sz="2000" dirty="0"/>
+              <a:t>Sin solución</a:t>
+            </a:r>
+          </a:p>
+          <a:p>
+            <a:pPr lvl="3"/>
+            <a:r>
+              <a:rPr lang="es-ES" sz="2000" dirty="0"/>
+              <a:t>Inviable</a:t>
+            </a:r>
+          </a:p>
+          <a:p>
+            <a:pPr lvl="3"/>
+            <a:r>
+              <a:rPr lang="es-ES" sz="2000" dirty="0"/>
+              <a:t>Viable</a:t>
+            </a:r>
+          </a:p>
+          <a:p>
+            <a:pPr lvl="3"/>
+            <a:r>
+              <a:rPr lang="es-ES" sz="2000" dirty="0"/>
+              <a:t>Optima</a:t>
+            </a:r>
+          </a:p>
+          <a:p>
+            <a:pPr lvl="1"/>
+            <a:r>
+              <a:rPr lang="es-ES" sz="2800" dirty="0"/>
+              <a:t>Obtener soluciones</a:t>
+            </a:r>
+          </a:p>
+          <a:p>
+            <a:pPr lvl="2"/>
+            <a:r>
+              <a:rPr lang="en-US" sz="2400" dirty="0" err="1"/>
+              <a:t>GetNext</a:t>
+            </a:r>
+            <a:r>
+              <a:rPr lang="en-US" sz="2400" dirty="0"/>
+              <a:t>()</a:t>
+            </a:r>
+            <a:endParaRPr lang="es-ES" sz="2400" dirty="0"/>
+          </a:p>
+        </p:txBody>
+      </p:sp>
+      <p:sp>
+        <p:nvSpPr>
+          <p:cNvPr id="10" name="Título 1">
             <a:extLst>
               <a:ext uri="{FF2B5EF4-FFF2-40B4-BE49-F238E27FC236}">
-                <a16:creationId xmlns:a16="http://schemas.microsoft.com/office/drawing/2014/main" id="{46BA2A96-3157-41E7-A6FD-A002105CE868}"/>
+                <a16:creationId xmlns:a16="http://schemas.microsoft.com/office/drawing/2014/main" id="{1DFEFB3F-04A8-487A-8921-9FB2BB3B546D}"/>
               </a:ext>
             </a:extLst>
           </p:cNvPr>
@@ -9576,189 +9840,63 @@
             <a:spLocks noGrp="1"/>
           </p:cNvSpPr>
           <p:nvPr>
-            <p:ph idx="1"/>
-          </p:nvPr>
-        </p:nvSpPr>
-        <p:spPr/>
-        <p:txBody>
-          <a:bodyPr/>
+            <p:ph type="title"/>
+          </p:nvPr>
+        </p:nvSpPr>
+        <p:spPr>
+          <a:xfrm>
+            <a:off x="484559" y="0"/>
+            <a:ext cx="5256674" cy="1325563"/>
+          </a:xfrm>
+        </p:spPr>
+        <p:txBody>
+          <a:bodyPr>
+            <a:normAutofit/>
+          </a:bodyPr>
           <a:lstStyle/>
           <a:p>
             <a:r>
-              <a:rPr lang="es-ES" dirty="0"/>
-              <a:t>Funciones</a:t>
-            </a:r>
-          </a:p>
-          <a:p>
-            <a:pPr lvl="1"/>
-            <a:r>
-              <a:rPr lang="es-ES" dirty="0" err="1"/>
-              <a:t>Abs</a:t>
-            </a:r>
-            <a:r>
-              <a:rPr lang="es-ES" dirty="0"/>
-              <a:t> ( </a:t>
-            </a:r>
-            <a:r>
-              <a:rPr lang="es-ES" dirty="0" err="1"/>
-              <a:t>CspTerm</a:t>
-            </a:r>
-            <a:r>
-              <a:rPr lang="es-ES" dirty="0"/>
-              <a:t> input )</a:t>
-            </a:r>
-          </a:p>
-          <a:p>
-            <a:pPr lvl="1"/>
-            <a:r>
-              <a:rPr lang="es-ES" dirty="0"/>
-              <a:t>And, </a:t>
-            </a:r>
-            <a:r>
-              <a:rPr lang="es-ES" dirty="0" err="1"/>
-              <a:t>Or</a:t>
-            </a:r>
-            <a:r>
-              <a:rPr lang="es-ES" dirty="0"/>
-              <a:t> ( </a:t>
-            </a:r>
-            <a:r>
-              <a:rPr lang="es-ES" dirty="0" err="1"/>
-              <a:t>params</a:t>
-            </a:r>
-            <a:r>
-              <a:rPr lang="es-ES" dirty="0"/>
-              <a:t> </a:t>
-            </a:r>
-            <a:r>
-              <a:rPr lang="es-ES" dirty="0" err="1"/>
-              <a:t>CspTerm</a:t>
-            </a:r>
-            <a:r>
-              <a:rPr lang="es-ES" dirty="0"/>
-              <a:t>[] inputs )</a:t>
-            </a:r>
-          </a:p>
-          <a:p>
-            <a:pPr lvl="1"/>
-            <a:r>
-              <a:rPr lang="en-US" dirty="0" err="1"/>
-              <a:t>FilteredSum</a:t>
-            </a:r>
-            <a:r>
-              <a:rPr lang="en-US" dirty="0"/>
-              <a:t> ( </a:t>
-            </a:r>
-            <a:r>
-              <a:rPr lang="en-US" dirty="0" err="1"/>
-              <a:t>CspTerm</a:t>
-            </a:r>
-            <a:r>
-              <a:rPr lang="en-US" dirty="0"/>
-              <a:t>[] conditions, </a:t>
-            </a:r>
-            <a:r>
-              <a:rPr lang="en-US" dirty="0" err="1"/>
-              <a:t>CspTerm</a:t>
-            </a:r>
-            <a:r>
-              <a:rPr lang="en-US" dirty="0"/>
-              <a:t>[] inputs )</a:t>
-            </a:r>
-          </a:p>
-          <a:p>
-            <a:pPr lvl="1"/>
-            <a:r>
-              <a:rPr lang="en-US" dirty="0"/>
-              <a:t>Max, </a:t>
-            </a:r>
-            <a:r>
-              <a:rPr lang="es-ES" dirty="0"/>
-              <a:t>Min ( </a:t>
-            </a:r>
-            <a:r>
-              <a:rPr lang="es-ES" dirty="0" err="1"/>
-              <a:t>params</a:t>
-            </a:r>
-            <a:r>
-              <a:rPr lang="es-ES" dirty="0"/>
-              <a:t> </a:t>
-            </a:r>
-            <a:r>
-              <a:rPr lang="es-ES" dirty="0" err="1"/>
-              <a:t>CspTerm</a:t>
-            </a:r>
-            <a:r>
-              <a:rPr lang="es-ES" dirty="0"/>
-              <a:t>[] inputs )</a:t>
-            </a:r>
-            <a:endParaRPr lang="en-US" dirty="0"/>
-          </a:p>
-          <a:p>
-            <a:pPr lvl="1"/>
-            <a:r>
-              <a:rPr lang="en-US" dirty="0"/>
-              <a:t>Sum</a:t>
-            </a:r>
-            <a:r>
-              <a:rPr lang="es-ES" dirty="0"/>
-              <a:t> ( </a:t>
-            </a:r>
-            <a:r>
-              <a:rPr lang="es-ES" dirty="0" err="1"/>
-              <a:t>params</a:t>
-            </a:r>
-            <a:r>
-              <a:rPr lang="es-ES" dirty="0"/>
-              <a:t> </a:t>
-            </a:r>
-            <a:r>
-              <a:rPr lang="es-ES" dirty="0" err="1"/>
-              <a:t>CspTerm</a:t>
-            </a:r>
-            <a:r>
-              <a:rPr lang="es-ES" dirty="0"/>
-              <a:t>[] inputs )</a:t>
-            </a:r>
-            <a:endParaRPr lang="en-US" dirty="0"/>
-          </a:p>
-          <a:p>
-            <a:pPr lvl="1"/>
-            <a:r>
-              <a:rPr lang="en-US" dirty="0" err="1"/>
-              <a:t>SumProduct</a:t>
-            </a:r>
-            <a:r>
-              <a:rPr lang="en-US" dirty="0"/>
-              <a:t>( </a:t>
-            </a:r>
-            <a:r>
-              <a:rPr lang="en-US" dirty="0" err="1"/>
-              <a:t>CspTerm</a:t>
-            </a:r>
-            <a:r>
-              <a:rPr lang="en-US" dirty="0"/>
-              <a:t>[] inputs1, </a:t>
-            </a:r>
-            <a:r>
-              <a:rPr lang="en-US" dirty="0" err="1"/>
-              <a:t>CspTerm</a:t>
-            </a:r>
-            <a:r>
-              <a:rPr lang="en-US" dirty="0"/>
-              <a:t>[] inputs2 )</a:t>
-            </a:r>
-          </a:p>
-          <a:p>
-            <a:pPr lvl="1"/>
-            <a:endParaRPr lang="es-ES" dirty="0"/>
+              <a:rPr lang="es-ES" sz="4800" dirty="0" err="1">
+                <a:ln w="0"/>
+                <a:solidFill>
+                  <a:srgbClr val="002060"/>
+                </a:solidFill>
+                <a:effectLst>
+                  <a:outerShdw blurRad="38100" dist="19050" dir="2700000" algn="tl" rotWithShape="0">
+                    <a:schemeClr val="dk1">
+                      <a:alpha val="40000"/>
+                    </a:schemeClr>
+                  </a:outerShdw>
+                </a:effectLst>
+                <a:latin typeface="+mn-lt"/>
+                <a:ea typeface="+mn-ea"/>
+                <a:cs typeface="+mn-cs"/>
+              </a:rPr>
+              <a:t>ConstraintSystem</a:t>
+            </a:r>
+            <a:endParaRPr lang="es-ES" sz="4800" dirty="0">
+              <a:ln w="0"/>
+              <a:solidFill>
+                <a:srgbClr val="002060"/>
+              </a:solidFill>
+              <a:effectLst>
+                <a:outerShdw blurRad="38100" dist="19050" dir="2700000" algn="tl" rotWithShape="0">
+                  <a:schemeClr val="dk1">
+                    <a:alpha val="40000"/>
+                  </a:schemeClr>
+                </a:outerShdw>
+              </a:effectLst>
+              <a:latin typeface="+mn-lt"/>
+              <a:ea typeface="+mn-ea"/>
+              <a:cs typeface="+mn-cs"/>
+            </a:endParaRPr>
           </a:p>
         </p:txBody>
       </p:sp>
     </p:spTree>
     <p:extLst>
       <p:ext uri="{BB962C8B-B14F-4D97-AF65-F5344CB8AC3E}">
-        <p14:creationId xmlns:p14="http://schemas.microsoft.com/office/powerpoint/2010/main" val="3169637172"/>
+        <p14:creationId xmlns:p14="http://schemas.microsoft.com/office/powerpoint/2010/main" val="2833877487"/>
       </p:ext>
     </p:extLst>
   </p:cSld>
@@ -9787,39 +9925,745 @@
       </p:grpSpPr>
       <p:sp>
         <p:nvSpPr>
-          <p:cNvPr id="2" name="Título 1">
+          <p:cNvPr id="8" name="Rectángulo 7">
             <a:extLst>
               <a:ext uri="{FF2B5EF4-FFF2-40B4-BE49-F238E27FC236}">
-                <a16:creationId xmlns:a16="http://schemas.microsoft.com/office/drawing/2014/main" id="{68E994DC-85C9-4AE6-807F-05DDA066B8D2}"/>
+                <a16:creationId xmlns:a16="http://schemas.microsoft.com/office/drawing/2014/main" id="{542D0EB3-CC32-41E1-912C-B40690212E56}"/>
               </a:ext>
             </a:extLst>
           </p:cNvPr>
-          <p:cNvSpPr>
-            <a:spLocks noGrp="1"/>
-          </p:cNvSpPr>
-          <p:nvPr>
-            <p:ph type="title"/>
-          </p:nvPr>
-        </p:nvSpPr>
-        <p:spPr/>
-        <p:txBody>
-          <a:bodyPr/>
+          <p:cNvSpPr/>
+          <p:nvPr/>
+        </p:nvSpPr>
+        <p:spPr>
+          <a:xfrm>
+            <a:off x="94343" y="1325563"/>
+            <a:ext cx="12003314" cy="5016758"/>
+          </a:xfrm>
+          <a:prstGeom prst="rect">
+            <a:avLst/>
+          </a:prstGeom>
+        </p:spPr>
+        <p:txBody>
+          <a:bodyPr wrap="square">
+            <a:spAutoFit/>
+          </a:bodyPr>
           <a:lstStyle/>
           <a:p>
             <a:r>
-              <a:rPr lang="es-ES" dirty="0" err="1"/>
+              <a:rPr lang="en-US" sz="1600" dirty="0">
+                <a:solidFill>
+                  <a:srgbClr val="0000FF"/>
+                </a:solidFill>
+                <a:latin typeface="Consolas" panose="020B0609020204030204" pitchFamily="49" charset="0"/>
+              </a:rPr>
+              <a:t>public</a:t>
+            </a:r>
+            <a:r>
+              <a:rPr lang="en-US" sz="1600" dirty="0">
+                <a:solidFill>
+                  <a:srgbClr val="000000"/>
+                </a:solidFill>
+                <a:latin typeface="Consolas" panose="020B0609020204030204" pitchFamily="49" charset="0"/>
+              </a:rPr>
+              <a:t> </a:t>
+            </a:r>
+            <a:r>
+              <a:rPr lang="en-US" sz="1600" dirty="0">
+                <a:solidFill>
+                  <a:srgbClr val="0000FF"/>
+                </a:solidFill>
+                <a:latin typeface="Consolas" panose="020B0609020204030204" pitchFamily="49" charset="0"/>
+              </a:rPr>
+              <a:t>static</a:t>
+            </a:r>
+            <a:r>
+              <a:rPr lang="en-US" sz="1600" dirty="0">
+                <a:solidFill>
+                  <a:srgbClr val="000000"/>
+                </a:solidFill>
+                <a:latin typeface="Consolas" panose="020B0609020204030204" pitchFamily="49" charset="0"/>
+              </a:rPr>
+              <a:t> </a:t>
+            </a:r>
+            <a:r>
+              <a:rPr lang="en-US" sz="1600" dirty="0">
+                <a:solidFill>
+                  <a:srgbClr val="0000FF"/>
+                </a:solidFill>
+                <a:latin typeface="Consolas" panose="020B0609020204030204" pitchFamily="49" charset="0"/>
+              </a:rPr>
+              <a:t>void</a:t>
+            </a:r>
+            <a:r>
+              <a:rPr lang="en-US" sz="1600" dirty="0">
+                <a:solidFill>
+                  <a:srgbClr val="000000"/>
+                </a:solidFill>
+                <a:latin typeface="Consolas" panose="020B0609020204030204" pitchFamily="49" charset="0"/>
+              </a:rPr>
+              <a:t> Run(</a:t>
+            </a:r>
+            <a:r>
+              <a:rPr lang="en-US" sz="1600" dirty="0">
+                <a:solidFill>
+                  <a:srgbClr val="0000FF"/>
+                </a:solidFill>
+                <a:latin typeface="Consolas" panose="020B0609020204030204" pitchFamily="49" charset="0"/>
+              </a:rPr>
+              <a:t>int</a:t>
+            </a:r>
+            <a:r>
+              <a:rPr lang="en-US" sz="1600" dirty="0">
+                <a:solidFill>
+                  <a:srgbClr val="000000"/>
+                </a:solidFill>
+                <a:latin typeface="Consolas" panose="020B0609020204030204" pitchFamily="49" charset="0"/>
+              </a:rPr>
+              <a:t> N)</a:t>
+            </a:r>
+          </a:p>
+          <a:p>
+            <a:r>
+              <a:rPr lang="es-ES" sz="1600" dirty="0">
+                <a:solidFill>
+                  <a:srgbClr val="000000"/>
+                </a:solidFill>
+                <a:latin typeface="Consolas" panose="020B0609020204030204" pitchFamily="49" charset="0"/>
+              </a:rPr>
+              <a:t>{</a:t>
+            </a:r>
+          </a:p>
+          <a:p>
+            <a:r>
+              <a:rPr lang="es-ES" sz="1600" dirty="0">
+                <a:solidFill>
+                  <a:srgbClr val="000000"/>
+                </a:solidFill>
+                <a:latin typeface="Consolas" panose="020B0609020204030204" pitchFamily="49" charset="0"/>
+              </a:rPr>
+              <a:t>    </a:t>
+            </a:r>
+            <a:r>
+              <a:rPr lang="es-ES" sz="1600" dirty="0" err="1">
+                <a:solidFill>
+                  <a:srgbClr val="000000"/>
+                </a:solidFill>
+                <a:latin typeface="Consolas" panose="020B0609020204030204" pitchFamily="49" charset="0"/>
+              </a:rPr>
               <a:t>ConstraintSystem</a:t>
             </a:r>
-            <a:endParaRPr lang="es-ES" dirty="0"/>
-          </a:p>
-        </p:txBody>
-      </p:sp>
-      <p:sp>
-        <p:nvSpPr>
-          <p:cNvPr id="3" name="Marcador de contenido 2">
+            <a:r>
+              <a:rPr lang="es-ES" sz="1600" dirty="0">
+                <a:solidFill>
+                  <a:srgbClr val="000000"/>
+                </a:solidFill>
+                <a:latin typeface="Consolas" panose="020B0609020204030204" pitchFamily="49" charset="0"/>
+              </a:rPr>
+              <a:t> S = </a:t>
+            </a:r>
+            <a:r>
+              <a:rPr lang="es-ES" sz="1600" dirty="0" err="1">
+                <a:solidFill>
+                  <a:srgbClr val="000000"/>
+                </a:solidFill>
+                <a:latin typeface="Consolas" panose="020B0609020204030204" pitchFamily="49" charset="0"/>
+              </a:rPr>
+              <a:t>ConstraintSystem.CreateSolver</a:t>
+            </a:r>
+            <a:r>
+              <a:rPr lang="es-ES" sz="1600" dirty="0">
+                <a:solidFill>
+                  <a:srgbClr val="000000"/>
+                </a:solidFill>
+                <a:latin typeface="Consolas" panose="020B0609020204030204" pitchFamily="49" charset="0"/>
+              </a:rPr>
+              <a:t>();</a:t>
+            </a:r>
+          </a:p>
+          <a:p>
+            <a:r>
+              <a:rPr lang="es-ES" sz="1600" dirty="0">
+                <a:solidFill>
+                  <a:srgbClr val="000000"/>
+                </a:solidFill>
+                <a:latin typeface="Consolas" panose="020B0609020204030204" pitchFamily="49" charset="0"/>
+              </a:rPr>
+              <a:t>    </a:t>
+            </a:r>
+            <a:r>
+              <a:rPr lang="es-ES" sz="1600" dirty="0" err="1">
+                <a:solidFill>
+                  <a:srgbClr val="000000"/>
+                </a:solidFill>
+                <a:latin typeface="Consolas" panose="020B0609020204030204" pitchFamily="49" charset="0"/>
+              </a:rPr>
+              <a:t>CspDomain</a:t>
+            </a:r>
+            <a:r>
+              <a:rPr lang="es-ES" sz="1600" dirty="0">
+                <a:solidFill>
+                  <a:srgbClr val="000000"/>
+                </a:solidFill>
+                <a:latin typeface="Consolas" panose="020B0609020204030204" pitchFamily="49" charset="0"/>
+              </a:rPr>
+              <a:t> Equipos = </a:t>
+            </a:r>
+            <a:r>
+              <a:rPr lang="es-ES" sz="1600" dirty="0" err="1">
+                <a:solidFill>
+                  <a:srgbClr val="000000"/>
+                </a:solidFill>
+                <a:latin typeface="Consolas" panose="020B0609020204030204" pitchFamily="49" charset="0"/>
+              </a:rPr>
+              <a:t>S.CreateIntegerInterval</a:t>
+            </a:r>
+            <a:r>
+              <a:rPr lang="es-ES" sz="1600" dirty="0">
+                <a:solidFill>
+                  <a:srgbClr val="000000"/>
+                </a:solidFill>
+                <a:latin typeface="Consolas" panose="020B0609020204030204" pitchFamily="49" charset="0"/>
+              </a:rPr>
+              <a:t>(0, N - 1);</a:t>
+            </a:r>
+          </a:p>
+          <a:p>
+            <a:r>
+              <a:rPr lang="es-ES" sz="1600" dirty="0">
+                <a:solidFill>
+                  <a:srgbClr val="000000"/>
+                </a:solidFill>
+                <a:latin typeface="Consolas" panose="020B0609020204030204" pitchFamily="49" charset="0"/>
+              </a:rPr>
+              <a:t>    </a:t>
+            </a:r>
+            <a:r>
+              <a:rPr lang="es-ES" sz="1600" dirty="0" err="1">
+                <a:solidFill>
+                  <a:srgbClr val="000000"/>
+                </a:solidFill>
+                <a:latin typeface="Consolas" panose="020B0609020204030204" pitchFamily="49" charset="0"/>
+              </a:rPr>
+              <a:t>CspTerm</a:t>
+            </a:r>
+            <a:r>
+              <a:rPr lang="es-ES" sz="1600" dirty="0">
+                <a:solidFill>
+                  <a:srgbClr val="000000"/>
+                </a:solidFill>
+                <a:latin typeface="Consolas" panose="020B0609020204030204" pitchFamily="49" charset="0"/>
+              </a:rPr>
+              <a:t>[][] partidos = </a:t>
+            </a:r>
+            <a:r>
+              <a:rPr lang="es-ES" sz="1600" dirty="0" err="1">
+                <a:solidFill>
+                  <a:srgbClr val="000000"/>
+                </a:solidFill>
+                <a:latin typeface="Consolas" panose="020B0609020204030204" pitchFamily="49" charset="0"/>
+              </a:rPr>
+              <a:t>S.CreateVariableArray</a:t>
+            </a:r>
+            <a:r>
+              <a:rPr lang="es-ES" sz="1600" dirty="0">
+                <a:solidFill>
+                  <a:srgbClr val="000000"/>
+                </a:solidFill>
+                <a:latin typeface="Consolas" panose="020B0609020204030204" pitchFamily="49" charset="0"/>
+              </a:rPr>
+              <a:t>(Equipos, </a:t>
+            </a:r>
+            <a:r>
+              <a:rPr lang="es-ES" sz="1600" dirty="0">
+                <a:solidFill>
+                  <a:srgbClr val="A31515"/>
+                </a:solidFill>
+                <a:latin typeface="Consolas" panose="020B0609020204030204" pitchFamily="49" charset="0"/>
+              </a:rPr>
+              <a:t>"Oponentes"</a:t>
+            </a:r>
+            <a:r>
+              <a:rPr lang="es-ES" sz="1600" dirty="0">
+                <a:solidFill>
+                  <a:srgbClr val="000000"/>
+                </a:solidFill>
+                <a:latin typeface="Consolas" panose="020B0609020204030204" pitchFamily="49" charset="0"/>
+              </a:rPr>
+              <a:t>, N, N - 1);</a:t>
+            </a:r>
+          </a:p>
+          <a:p>
+            <a:endParaRPr lang="es-ES" sz="1600" dirty="0">
+              <a:solidFill>
+                <a:srgbClr val="000000"/>
+              </a:solidFill>
+              <a:latin typeface="Consolas" panose="020B0609020204030204" pitchFamily="49" charset="0"/>
+            </a:endParaRPr>
+          </a:p>
+          <a:p>
+            <a:r>
+              <a:rPr lang="es-ES" sz="1600" dirty="0">
+                <a:solidFill>
+                  <a:srgbClr val="000000"/>
+                </a:solidFill>
+                <a:latin typeface="Consolas" panose="020B0609020204030204" pitchFamily="49" charset="0"/>
+              </a:rPr>
+              <a:t>    </a:t>
+            </a:r>
+            <a:r>
+              <a:rPr lang="es-ES" sz="1600" dirty="0" err="1">
+                <a:solidFill>
+                  <a:srgbClr val="0000FF"/>
+                </a:solidFill>
+                <a:latin typeface="Consolas" panose="020B0609020204030204" pitchFamily="49" charset="0"/>
+              </a:rPr>
+              <a:t>for</a:t>
+            </a:r>
+            <a:r>
+              <a:rPr lang="es-ES" sz="1600" dirty="0">
+                <a:solidFill>
+                  <a:srgbClr val="000000"/>
+                </a:solidFill>
+                <a:latin typeface="Consolas" panose="020B0609020204030204" pitchFamily="49" charset="0"/>
+              </a:rPr>
+              <a:t> (</a:t>
+            </a:r>
+            <a:r>
+              <a:rPr lang="es-ES" sz="1600" dirty="0" err="1">
+                <a:solidFill>
+                  <a:srgbClr val="0000FF"/>
+                </a:solidFill>
+                <a:latin typeface="Consolas" panose="020B0609020204030204" pitchFamily="49" charset="0"/>
+              </a:rPr>
+              <a:t>int</a:t>
+            </a:r>
+            <a:r>
+              <a:rPr lang="es-ES" sz="1600" dirty="0">
+                <a:solidFill>
+                  <a:srgbClr val="000000"/>
+                </a:solidFill>
+                <a:latin typeface="Consolas" panose="020B0609020204030204" pitchFamily="49" charset="0"/>
+              </a:rPr>
+              <a:t> t = 0; t &lt; N; t++)</a:t>
+            </a:r>
+          </a:p>
+          <a:p>
+            <a:r>
+              <a:rPr lang="es-ES" sz="1600" dirty="0">
+                <a:solidFill>
+                  <a:srgbClr val="000000"/>
+                </a:solidFill>
+                <a:latin typeface="Consolas" panose="020B0609020204030204" pitchFamily="49" charset="0"/>
+              </a:rPr>
+              <a:t>    {</a:t>
+            </a:r>
+          </a:p>
+          <a:p>
+            <a:r>
+              <a:rPr lang="es-ES" sz="1600" dirty="0">
+                <a:solidFill>
+                  <a:srgbClr val="000000"/>
+                </a:solidFill>
+                <a:latin typeface="Consolas" panose="020B0609020204030204" pitchFamily="49" charset="0"/>
+              </a:rPr>
+              <a:t>        </a:t>
+            </a:r>
+            <a:r>
+              <a:rPr lang="es-ES" sz="1600" dirty="0" err="1">
+                <a:solidFill>
+                  <a:srgbClr val="000000"/>
+                </a:solidFill>
+                <a:latin typeface="Consolas" panose="020B0609020204030204" pitchFamily="49" charset="0"/>
+              </a:rPr>
+              <a:t>S.AddConstraints</a:t>
+            </a:r>
+            <a:r>
+              <a:rPr lang="es-ES" sz="1600" dirty="0">
+                <a:solidFill>
+                  <a:srgbClr val="000000"/>
+                </a:solidFill>
+                <a:latin typeface="Consolas" panose="020B0609020204030204" pitchFamily="49" charset="0"/>
+              </a:rPr>
+              <a:t>(                   </a:t>
+            </a:r>
+            <a:r>
+              <a:rPr lang="es-ES" sz="1600" dirty="0">
+                <a:solidFill>
+                  <a:srgbClr val="008000"/>
+                </a:solidFill>
+                <a:latin typeface="Consolas" panose="020B0609020204030204" pitchFamily="49" charset="0"/>
+              </a:rPr>
+              <a:t>// Agregamos las </a:t>
+            </a:r>
+            <a:r>
+              <a:rPr lang="es-ES" sz="1600" dirty="0" err="1">
+                <a:solidFill>
+                  <a:srgbClr val="008000"/>
+                </a:solidFill>
+                <a:latin typeface="Consolas" panose="020B0609020204030204" pitchFamily="49" charset="0"/>
+              </a:rPr>
+              <a:t>constraints</a:t>
+            </a:r>
+            <a:endParaRPr lang="es-ES" sz="1600" dirty="0">
+              <a:solidFill>
+                <a:srgbClr val="000000"/>
+              </a:solidFill>
+              <a:latin typeface="Consolas" panose="020B0609020204030204" pitchFamily="49" charset="0"/>
+            </a:endParaRPr>
+          </a:p>
+          <a:p>
+            <a:r>
+              <a:rPr lang="es-ES" sz="1600" dirty="0">
+                <a:solidFill>
+                  <a:srgbClr val="000000"/>
+                </a:solidFill>
+                <a:latin typeface="Consolas" panose="020B0609020204030204" pitchFamily="49" charset="0"/>
+              </a:rPr>
+              <a:t>          </a:t>
+            </a:r>
+            <a:r>
+              <a:rPr lang="es-ES" sz="1600" dirty="0" err="1">
+                <a:solidFill>
+                  <a:srgbClr val="000000"/>
+                </a:solidFill>
+                <a:latin typeface="Consolas" panose="020B0609020204030204" pitchFamily="49" charset="0"/>
+              </a:rPr>
+              <a:t>S.Unequal</a:t>
+            </a:r>
+            <a:r>
+              <a:rPr lang="es-ES" sz="1600" dirty="0">
+                <a:solidFill>
+                  <a:srgbClr val="000000"/>
+                </a:solidFill>
+                <a:latin typeface="Consolas" panose="020B0609020204030204" pitchFamily="49" charset="0"/>
+              </a:rPr>
+              <a:t>(t, partidos[t]),        </a:t>
+            </a:r>
+            <a:r>
+              <a:rPr lang="es-ES" sz="1600" dirty="0">
+                <a:solidFill>
+                  <a:srgbClr val="008000"/>
+                </a:solidFill>
+                <a:latin typeface="Consolas" panose="020B0609020204030204" pitchFamily="49" charset="0"/>
+              </a:rPr>
+              <a:t>// Un equipo no puede jugar consigo mismo</a:t>
+            </a:r>
+            <a:endParaRPr lang="es-ES" sz="1600" dirty="0">
+              <a:solidFill>
+                <a:srgbClr val="000000"/>
+              </a:solidFill>
+              <a:latin typeface="Consolas" panose="020B0609020204030204" pitchFamily="49" charset="0"/>
+            </a:endParaRPr>
+          </a:p>
+          <a:p>
+            <a:r>
+              <a:rPr lang="es-ES" sz="1600" dirty="0">
+                <a:solidFill>
+                  <a:srgbClr val="000000"/>
+                </a:solidFill>
+                <a:latin typeface="Consolas" panose="020B0609020204030204" pitchFamily="49" charset="0"/>
+              </a:rPr>
+              <a:t>          </a:t>
+            </a:r>
+            <a:r>
+              <a:rPr lang="es-ES" sz="1600" dirty="0" err="1">
+                <a:solidFill>
+                  <a:srgbClr val="000000"/>
+                </a:solidFill>
+                <a:latin typeface="Consolas" panose="020B0609020204030204" pitchFamily="49" charset="0"/>
+              </a:rPr>
+              <a:t>S.Equal</a:t>
+            </a:r>
+            <a:r>
+              <a:rPr lang="es-ES" sz="1600" dirty="0">
+                <a:solidFill>
+                  <a:srgbClr val="000000"/>
+                </a:solidFill>
+                <a:latin typeface="Consolas" panose="020B0609020204030204" pitchFamily="49" charset="0"/>
+              </a:rPr>
+              <a:t>(t ^ 1, partidos[t][0])    </a:t>
+            </a:r>
+            <a:r>
+              <a:rPr lang="es-ES" sz="1600" dirty="0">
+                <a:solidFill>
+                  <a:srgbClr val="008000"/>
+                </a:solidFill>
+                <a:latin typeface="Consolas" panose="020B0609020204030204" pitchFamily="49" charset="0"/>
+              </a:rPr>
+              <a:t>// la primera ronda se emparejan pares con impares</a:t>
+            </a:r>
+            <a:endParaRPr lang="es-ES" sz="1600" dirty="0">
+              <a:solidFill>
+                <a:srgbClr val="000000"/>
+              </a:solidFill>
+              <a:latin typeface="Consolas" panose="020B0609020204030204" pitchFamily="49" charset="0"/>
+            </a:endParaRPr>
+          </a:p>
+          <a:p>
+            <a:r>
+              <a:rPr lang="es-ES" sz="1600" dirty="0">
+                <a:solidFill>
+                  <a:srgbClr val="000000"/>
+                </a:solidFill>
+                <a:latin typeface="Consolas" panose="020B0609020204030204" pitchFamily="49" charset="0"/>
+              </a:rPr>
+              <a:t>        );</a:t>
+            </a:r>
+          </a:p>
+          <a:p>
+            <a:r>
+              <a:rPr lang="es-ES" sz="1600" dirty="0">
+                <a:solidFill>
+                  <a:srgbClr val="000000"/>
+                </a:solidFill>
+                <a:latin typeface="Consolas" panose="020B0609020204030204" pitchFamily="49" charset="0"/>
+              </a:rPr>
+              <a:t>    }</a:t>
+            </a:r>
+          </a:p>
+          <a:p>
+            <a:endParaRPr lang="es-ES" sz="1600" dirty="0">
+              <a:solidFill>
+                <a:srgbClr val="000000"/>
+              </a:solidFill>
+              <a:latin typeface="Consolas" panose="020B0609020204030204" pitchFamily="49" charset="0"/>
+            </a:endParaRPr>
+          </a:p>
+          <a:p>
+            <a:r>
+              <a:rPr lang="pl-PL" sz="1600" dirty="0">
+                <a:solidFill>
+                  <a:srgbClr val="000000"/>
+                </a:solidFill>
+                <a:latin typeface="Consolas" panose="020B0609020204030204" pitchFamily="49" charset="0"/>
+              </a:rPr>
+              <a:t>    </a:t>
+            </a:r>
+            <a:r>
+              <a:rPr lang="pl-PL" sz="1600" dirty="0">
+                <a:solidFill>
+                  <a:srgbClr val="0000FF"/>
+                </a:solidFill>
+                <a:latin typeface="Consolas" panose="020B0609020204030204" pitchFamily="49" charset="0"/>
+              </a:rPr>
+              <a:t>for</a:t>
+            </a:r>
+            <a:r>
+              <a:rPr lang="pl-PL" sz="1600" dirty="0">
+                <a:solidFill>
+                  <a:srgbClr val="000000"/>
+                </a:solidFill>
+                <a:latin typeface="Consolas" panose="020B0609020204030204" pitchFamily="49" charset="0"/>
+              </a:rPr>
+              <a:t> (</a:t>
+            </a:r>
+            <a:r>
+              <a:rPr lang="pl-PL" sz="1600" dirty="0">
+                <a:solidFill>
+                  <a:srgbClr val="0000FF"/>
+                </a:solidFill>
+                <a:latin typeface="Consolas" panose="020B0609020204030204" pitchFamily="49" charset="0"/>
+              </a:rPr>
+              <a:t>int</a:t>
+            </a:r>
+            <a:r>
+              <a:rPr lang="pl-PL" sz="1600" dirty="0">
+                <a:solidFill>
+                  <a:srgbClr val="000000"/>
+                </a:solidFill>
+                <a:latin typeface="Consolas" panose="020B0609020204030204" pitchFamily="49" charset="0"/>
+              </a:rPr>
+              <a:t> w = 0; w &lt; N - 1; w++)</a:t>
+            </a:r>
+          </a:p>
+          <a:p>
+            <a:r>
+              <a:rPr lang="es-ES" sz="1600" dirty="0">
+                <a:solidFill>
+                  <a:srgbClr val="000000"/>
+                </a:solidFill>
+                <a:latin typeface="Consolas" panose="020B0609020204030204" pitchFamily="49" charset="0"/>
+              </a:rPr>
+              <a:t>    {</a:t>
+            </a:r>
+          </a:p>
+          <a:p>
+            <a:r>
+              <a:rPr lang="es-ES" sz="1600" dirty="0">
+                <a:solidFill>
+                  <a:srgbClr val="000000"/>
+                </a:solidFill>
+                <a:latin typeface="Consolas" panose="020B0609020204030204" pitchFamily="49" charset="0"/>
+              </a:rPr>
+              <a:t>       </a:t>
+            </a:r>
+            <a:r>
+              <a:rPr lang="es-ES" sz="1600" dirty="0" err="1">
+                <a:solidFill>
+                  <a:srgbClr val="000000"/>
+                </a:solidFill>
+                <a:latin typeface="Consolas" panose="020B0609020204030204" pitchFamily="49" charset="0"/>
+              </a:rPr>
+              <a:t>S.AddConstraints</a:t>
+            </a:r>
+            <a:r>
+              <a:rPr lang="es-ES" sz="1600" dirty="0">
+                <a:solidFill>
+                  <a:srgbClr val="000000"/>
+                </a:solidFill>
+                <a:latin typeface="Consolas" panose="020B0609020204030204" pitchFamily="49" charset="0"/>
+              </a:rPr>
+              <a:t>(</a:t>
+            </a:r>
+            <a:r>
+              <a:rPr lang="es-ES" sz="1600" dirty="0" err="1">
+                <a:solidFill>
+                  <a:srgbClr val="000000"/>
+                </a:solidFill>
+                <a:latin typeface="Consolas" panose="020B0609020204030204" pitchFamily="49" charset="0"/>
+              </a:rPr>
+              <a:t>S.Unequal</a:t>
+            </a:r>
+            <a:r>
+              <a:rPr lang="es-ES" sz="1600" dirty="0">
+                <a:solidFill>
+                  <a:srgbClr val="000000"/>
+                </a:solidFill>
+                <a:latin typeface="Consolas" panose="020B0609020204030204" pitchFamily="49" charset="0"/>
+              </a:rPr>
+              <a:t>(</a:t>
+            </a:r>
+            <a:r>
+              <a:rPr lang="es-ES" sz="1600" dirty="0" err="1">
+                <a:solidFill>
+                  <a:srgbClr val="000000"/>
+                </a:solidFill>
+                <a:latin typeface="Consolas" panose="020B0609020204030204" pitchFamily="49" charset="0"/>
+              </a:rPr>
+              <a:t>GetColumn</a:t>
+            </a:r>
+            <a:r>
+              <a:rPr lang="es-ES" sz="1600" dirty="0">
+                <a:solidFill>
+                  <a:srgbClr val="000000"/>
+                </a:solidFill>
+                <a:latin typeface="Consolas" panose="020B0609020204030204" pitchFamily="49" charset="0"/>
+              </a:rPr>
+              <a:t>(partidos, w))); </a:t>
+            </a:r>
+            <a:r>
+              <a:rPr lang="es-ES" sz="1600" dirty="0">
+                <a:solidFill>
+                  <a:srgbClr val="008000"/>
+                </a:solidFill>
+                <a:latin typeface="Consolas" panose="020B0609020204030204" pitchFamily="49" charset="0"/>
+              </a:rPr>
+              <a:t>// cada equipo solo juega una vez cada jornada</a:t>
+            </a:r>
+            <a:endParaRPr lang="es-ES" sz="1600" dirty="0">
+              <a:solidFill>
+                <a:srgbClr val="000000"/>
+              </a:solidFill>
+              <a:latin typeface="Consolas" panose="020B0609020204030204" pitchFamily="49" charset="0"/>
+            </a:endParaRPr>
+          </a:p>
+          <a:p>
+            <a:r>
+              <a:rPr lang="es-ES" sz="1600" dirty="0">
+                <a:solidFill>
+                  <a:srgbClr val="000000"/>
+                </a:solidFill>
+                <a:latin typeface="Consolas" panose="020B0609020204030204" pitchFamily="49" charset="0"/>
+              </a:rPr>
+              <a:t>    }</a:t>
+            </a:r>
+          </a:p>
+          <a:p>
+            <a:r>
+              <a:rPr lang="es-ES" sz="1600" dirty="0">
+                <a:solidFill>
+                  <a:srgbClr val="000000"/>
+                </a:solidFill>
+                <a:latin typeface="Consolas" panose="020B0609020204030204" pitchFamily="49" charset="0"/>
+              </a:rPr>
+              <a:t>    </a:t>
+            </a:r>
+            <a:r>
+              <a:rPr lang="es-ES" sz="1600" dirty="0" err="1">
+                <a:solidFill>
+                  <a:srgbClr val="000000"/>
+                </a:solidFill>
+                <a:latin typeface="Consolas" panose="020B0609020204030204" pitchFamily="49" charset="0"/>
+              </a:rPr>
+              <a:t>ConstraintSolverSolution</a:t>
+            </a:r>
+            <a:r>
+              <a:rPr lang="es-ES" sz="1600" dirty="0">
+                <a:solidFill>
+                  <a:srgbClr val="000000"/>
+                </a:solidFill>
+                <a:latin typeface="Consolas" panose="020B0609020204030204" pitchFamily="49" charset="0"/>
+              </a:rPr>
+              <a:t> </a:t>
+            </a:r>
+            <a:r>
+              <a:rPr lang="es-ES" sz="1600" dirty="0" err="1">
+                <a:solidFill>
+                  <a:srgbClr val="000000"/>
+                </a:solidFill>
+                <a:latin typeface="Consolas" panose="020B0609020204030204" pitchFamily="49" charset="0"/>
+              </a:rPr>
+              <a:t>soln</a:t>
+            </a:r>
+            <a:r>
+              <a:rPr lang="es-ES" sz="1600" dirty="0">
+                <a:solidFill>
+                  <a:srgbClr val="000000"/>
+                </a:solidFill>
+                <a:latin typeface="Consolas" panose="020B0609020204030204" pitchFamily="49" charset="0"/>
+              </a:rPr>
+              <a:t> = </a:t>
+            </a:r>
+            <a:r>
+              <a:rPr lang="es-ES" sz="1600" dirty="0" err="1">
+                <a:solidFill>
+                  <a:srgbClr val="000000"/>
+                </a:solidFill>
+                <a:latin typeface="Consolas" panose="020B0609020204030204" pitchFamily="49" charset="0"/>
+              </a:rPr>
+              <a:t>S.Solve</a:t>
+            </a:r>
+            <a:r>
+              <a:rPr lang="es-ES" sz="1600" dirty="0">
+                <a:solidFill>
+                  <a:srgbClr val="000000"/>
+                </a:solidFill>
+                <a:latin typeface="Consolas" panose="020B0609020204030204" pitchFamily="49" charset="0"/>
+              </a:rPr>
+              <a:t>();</a:t>
+            </a:r>
+          </a:p>
+          <a:p>
+            <a:r>
+              <a:rPr lang="es-ES" sz="1600" dirty="0">
+                <a:solidFill>
+                  <a:srgbClr val="000000"/>
+                </a:solidFill>
+                <a:latin typeface="Consolas" panose="020B0609020204030204" pitchFamily="49" charset="0"/>
+              </a:rPr>
+              <a:t>}</a:t>
+            </a:r>
+            <a:endParaRPr lang="es-ES" sz="1600" dirty="0"/>
+          </a:p>
+        </p:txBody>
+      </p:sp>
+      <p:sp>
+        <p:nvSpPr>
+          <p:cNvPr id="6" name="Título 1">
             <a:extLst>
               <a:ext uri="{FF2B5EF4-FFF2-40B4-BE49-F238E27FC236}">
-                <a16:creationId xmlns:a16="http://schemas.microsoft.com/office/drawing/2014/main" id="{FB61EF6A-E054-42C2-AA50-0D7E326E425C}"/>
+                <a16:creationId xmlns:a16="http://schemas.microsoft.com/office/drawing/2014/main" id="{5101961D-4757-4492-AEAC-FA9C56FE1C0B}"/>
               </a:ext>
             </a:extLst>
           </p:cNvPr>
@@ -9827,117 +10671,47 @@
             <a:spLocks noGrp="1"/>
           </p:cNvSpPr>
           <p:nvPr>
-            <p:ph idx="1"/>
-          </p:nvPr>
-        </p:nvSpPr>
-        <p:spPr/>
-        <p:txBody>
-          <a:bodyPr vert="horz" lIns="91440" tIns="45720" rIns="91440" bIns="45720" rtlCol="0">
-            <a:normAutofit/>
+            <p:ph type="title"/>
+          </p:nvPr>
+        </p:nvSpPr>
+        <p:spPr>
+          <a:xfrm>
+            <a:off x="484559" y="0"/>
+            <a:ext cx="7115454" cy="1325563"/>
+          </a:xfrm>
+        </p:spPr>
+        <p:txBody>
+          <a:bodyPr>
+            <a:normAutofit fontScale="90000"/>
           </a:bodyPr>
           <a:lstStyle/>
           <a:p>
             <a:r>
-              <a:rPr lang="es-ES" dirty="0"/>
-              <a:t>Resolver el modelo</a:t>
-            </a:r>
-          </a:p>
-          <a:p>
-            <a:pPr lvl="1"/>
-            <a:r>
-              <a:rPr lang="es-ES" dirty="0"/>
-              <a:t>Invocamos el método </a:t>
-            </a:r>
-            <a:r>
-              <a:rPr lang="es-ES" dirty="0" err="1"/>
-              <a:t>Solve</a:t>
-            </a:r>
-            <a:r>
-              <a:rPr lang="es-ES" dirty="0"/>
-              <a:t>() que nos devuelve un objeto </a:t>
-            </a:r>
-            <a:r>
-              <a:rPr lang="es-ES" dirty="0" err="1"/>
-              <a:t>ConstraintSolverSolution</a:t>
-            </a:r>
-            <a:endParaRPr lang="es-ES" dirty="0"/>
-          </a:p>
-          <a:p>
-            <a:pPr lvl="1"/>
-            <a:r>
-              <a:rPr lang="es-ES" dirty="0"/>
-              <a:t>Propiedades</a:t>
-            </a:r>
-          </a:p>
-          <a:p>
-            <a:pPr lvl="2"/>
-            <a:r>
-              <a:rPr lang="es-ES" dirty="0" err="1"/>
-              <a:t>HasFoundSolution</a:t>
-            </a:r>
-            <a:endParaRPr lang="es-ES" dirty="0"/>
-          </a:p>
-          <a:p>
-            <a:pPr lvl="2"/>
-            <a:r>
-              <a:rPr lang="es-ES" dirty="0" err="1"/>
-              <a:t>Quality</a:t>
-            </a:r>
-            <a:endParaRPr lang="es-ES" dirty="0"/>
-          </a:p>
-          <a:p>
-            <a:pPr lvl="3"/>
-            <a:r>
-              <a:rPr lang="es-ES" dirty="0"/>
-              <a:t>Sin solución</a:t>
-            </a:r>
-          </a:p>
-          <a:p>
-            <a:pPr lvl="3"/>
-            <a:r>
-              <a:rPr lang="es-ES" dirty="0"/>
-              <a:t>Inviable</a:t>
-            </a:r>
-          </a:p>
-          <a:p>
-            <a:pPr lvl="3"/>
-            <a:r>
-              <a:rPr lang="es-ES" dirty="0"/>
-              <a:t>Viable</a:t>
-            </a:r>
-          </a:p>
-          <a:p>
-            <a:pPr lvl="3"/>
-            <a:r>
-              <a:rPr lang="es-ES" dirty="0"/>
-              <a:t>Optima</a:t>
-            </a:r>
-          </a:p>
-          <a:p>
-            <a:pPr lvl="1"/>
-            <a:r>
-              <a:rPr lang="es-ES" dirty="0"/>
-              <a:t>Obtener soluciones</a:t>
-            </a:r>
-          </a:p>
-          <a:p>
-            <a:pPr lvl="2"/>
-            <a:r>
-              <a:rPr lang="en-US" dirty="0" err="1"/>
-              <a:t>GetNext</a:t>
-            </a:r>
-            <a:r>
-              <a:rPr lang="en-US" dirty="0"/>
-              <a:t>()</a:t>
-            </a:r>
-            <a:endParaRPr lang="es-ES" dirty="0"/>
+              <a:rPr lang="es-ES" sz="4800" dirty="0">
+                <a:ln w="0"/>
+                <a:solidFill>
+                  <a:srgbClr val="002060"/>
+                </a:solidFill>
+                <a:effectLst>
+                  <a:outerShdw blurRad="38100" dist="19050" dir="2700000" algn="tl" rotWithShape="0">
+                    <a:schemeClr val="dk1">
+                      <a:alpha val="40000"/>
+                    </a:schemeClr>
+                  </a:outerShdw>
+                </a:effectLst>
+                <a:latin typeface="+mn-lt"/>
+                <a:ea typeface="+mn-ea"/>
+                <a:cs typeface="+mn-cs"/>
+              </a:rPr>
+              <a:t>Ejemplo Calendario Partidos</a:t>
+            </a:r>
           </a:p>
         </p:txBody>
       </p:sp>
     </p:spTree>
     <p:extLst>
       <p:ext uri="{BB962C8B-B14F-4D97-AF65-F5344CB8AC3E}">
-        <p14:creationId xmlns:p14="http://schemas.microsoft.com/office/powerpoint/2010/main" val="2833877487"/>
+        <p14:creationId xmlns:p14="http://schemas.microsoft.com/office/powerpoint/2010/main" val="1783863969"/>
       </p:ext>
     </p:extLst>
   </p:cSld>

--- a/Presentacion/Solver Foundation.pptx
+++ b/Presentacion/Solver Foundation.pptx
@@ -5,7 +5,7 @@
     <p:sldMasterId id="2147483648" r:id="rId1"/>
   </p:sldMasterIdLst>
   <p:notesMasterIdLst>
-    <p:notesMasterId r:id="rId14"/>
+    <p:notesMasterId r:id="rId15"/>
   </p:notesMasterIdLst>
   <p:sldIdLst>
     <p:sldId id="275" r:id="rId2"/>
@@ -20,6 +20,7 @@
     <p:sldId id="265" r:id="rId11"/>
     <p:sldId id="266" r:id="rId12"/>
     <p:sldId id="268" r:id="rId13"/>
+    <p:sldId id="277" r:id="rId14"/>
   </p:sldIdLst>
   <p:sldSz cx="12192000" cy="6858000"/>
   <p:notesSz cx="6858000" cy="9144000"/>
@@ -155,6 +156,7 @@
         <p14:section name="Fin" id="{A72BCC1D-3677-4BFA-854B-443C49B23962}">
           <p14:sldIdLst>
             <p14:sldId id="268"/>
+            <p14:sldId id="277"/>
           </p14:sldIdLst>
         </p14:section>
       </p14:sectionLst>
@@ -694,6 +696,174 @@
 </p:notes>
 </file>
 
+<file path=ppt/notesSlides/notesSlide11.xml><?xml version="1.0" encoding="utf-8"?>
+<p:notes xmlns:a="http://schemas.openxmlformats.org/drawingml/2006/main" xmlns:r="http://schemas.openxmlformats.org/officeDocument/2006/relationships" xmlns:p="http://schemas.openxmlformats.org/presentationml/2006/main">
+  <p:cSld>
+    <p:spTree>
+      <p:nvGrpSpPr>
+        <p:cNvPr id="1" name=""/>
+        <p:cNvGrpSpPr/>
+        <p:nvPr/>
+      </p:nvGrpSpPr>
+      <p:grpSpPr>
+        <a:xfrm>
+          <a:off x="0" y="0"/>
+          <a:ext cx="0" cy="0"/>
+          <a:chOff x="0" y="0"/>
+          <a:chExt cx="0" cy="0"/>
+        </a:xfrm>
+      </p:grpSpPr>
+      <p:sp>
+        <p:nvSpPr>
+          <p:cNvPr id="2" name="Marcador de imagen de diapositiva 1"/>
+          <p:cNvSpPr>
+            <a:spLocks noGrp="1" noRot="1" noChangeAspect="1"/>
+          </p:cNvSpPr>
+          <p:nvPr>
+            <p:ph type="sldImg"/>
+          </p:nvPr>
+        </p:nvSpPr>
+        <p:spPr/>
+      </p:sp>
+      <p:sp>
+        <p:nvSpPr>
+          <p:cNvPr id="3" name="Marcador de notas 2"/>
+          <p:cNvSpPr>
+            <a:spLocks noGrp="1"/>
+          </p:cNvSpPr>
+          <p:nvPr>
+            <p:ph type="body" idx="1"/>
+          </p:nvPr>
+        </p:nvSpPr>
+        <p:spPr/>
+        <p:txBody>
+          <a:bodyPr/>
+          <a:lstStyle/>
+          <a:p>
+            <a:endParaRPr lang="es-ES" dirty="0"/>
+          </a:p>
+        </p:txBody>
+      </p:sp>
+      <p:sp>
+        <p:nvSpPr>
+          <p:cNvPr id="4" name="Marcador de número de diapositiva 3"/>
+          <p:cNvSpPr>
+            <a:spLocks noGrp="1"/>
+          </p:cNvSpPr>
+          <p:nvPr>
+            <p:ph type="sldNum" sz="quarter" idx="5"/>
+          </p:nvPr>
+        </p:nvSpPr>
+        <p:spPr/>
+        <p:txBody>
+          <a:bodyPr/>
+          <a:lstStyle/>
+          <a:p>
+            <a:fld id="{FCDA2D49-8E2A-4398-9C90-188927C70331}" type="slidenum">
+              <a:rPr lang="es-ES" smtClean="0"/>
+              <a:t>12</a:t>
+            </a:fld>
+            <a:endParaRPr lang="es-ES"/>
+          </a:p>
+        </p:txBody>
+      </p:sp>
+    </p:spTree>
+    <p:extLst>
+      <p:ext uri="{BB962C8B-B14F-4D97-AF65-F5344CB8AC3E}">
+        <p14:creationId xmlns:p14="http://schemas.microsoft.com/office/powerpoint/2010/main" val="1648230907"/>
+      </p:ext>
+    </p:extLst>
+  </p:cSld>
+  <p:clrMapOvr>
+    <a:masterClrMapping/>
+  </p:clrMapOvr>
+</p:notes>
+</file>
+
+<file path=ppt/notesSlides/notesSlide12.xml><?xml version="1.0" encoding="utf-8"?>
+<p:notes xmlns:a="http://schemas.openxmlformats.org/drawingml/2006/main" xmlns:r="http://schemas.openxmlformats.org/officeDocument/2006/relationships" xmlns:p="http://schemas.openxmlformats.org/presentationml/2006/main">
+  <p:cSld>
+    <p:spTree>
+      <p:nvGrpSpPr>
+        <p:cNvPr id="1" name=""/>
+        <p:cNvGrpSpPr/>
+        <p:nvPr/>
+      </p:nvGrpSpPr>
+      <p:grpSpPr>
+        <a:xfrm>
+          <a:off x="0" y="0"/>
+          <a:ext cx="0" cy="0"/>
+          <a:chOff x="0" y="0"/>
+          <a:chExt cx="0" cy="0"/>
+        </a:xfrm>
+      </p:grpSpPr>
+      <p:sp>
+        <p:nvSpPr>
+          <p:cNvPr id="2" name="Marcador de imagen de diapositiva 1"/>
+          <p:cNvSpPr>
+            <a:spLocks noGrp="1" noRot="1" noChangeAspect="1"/>
+          </p:cNvSpPr>
+          <p:nvPr>
+            <p:ph type="sldImg"/>
+          </p:nvPr>
+        </p:nvSpPr>
+        <p:spPr/>
+      </p:sp>
+      <p:sp>
+        <p:nvSpPr>
+          <p:cNvPr id="3" name="Marcador de notas 2"/>
+          <p:cNvSpPr>
+            <a:spLocks noGrp="1"/>
+          </p:cNvSpPr>
+          <p:nvPr>
+            <p:ph type="body" idx="1"/>
+          </p:nvPr>
+        </p:nvSpPr>
+        <p:spPr/>
+        <p:txBody>
+          <a:bodyPr/>
+          <a:lstStyle/>
+          <a:p>
+            <a:endParaRPr lang="es-ES" dirty="0"/>
+          </a:p>
+        </p:txBody>
+      </p:sp>
+      <p:sp>
+        <p:nvSpPr>
+          <p:cNvPr id="4" name="Marcador de número de diapositiva 3"/>
+          <p:cNvSpPr>
+            <a:spLocks noGrp="1"/>
+          </p:cNvSpPr>
+          <p:nvPr>
+            <p:ph type="sldNum" sz="quarter" idx="5"/>
+          </p:nvPr>
+        </p:nvSpPr>
+        <p:spPr/>
+        <p:txBody>
+          <a:bodyPr/>
+          <a:lstStyle/>
+          <a:p>
+            <a:fld id="{FCDA2D49-8E2A-4398-9C90-188927C70331}" type="slidenum">
+              <a:rPr lang="es-ES" smtClean="0"/>
+              <a:t>13</a:t>
+            </a:fld>
+            <a:endParaRPr lang="es-ES"/>
+          </a:p>
+        </p:txBody>
+      </p:sp>
+    </p:spTree>
+    <p:extLst>
+      <p:ext uri="{BB962C8B-B14F-4D97-AF65-F5344CB8AC3E}">
+        <p14:creationId xmlns:p14="http://schemas.microsoft.com/office/powerpoint/2010/main" val="4273505209"/>
+      </p:ext>
+    </p:extLst>
+  </p:cSld>
+  <p:clrMapOvr>
+    <a:masterClrMapping/>
+  </p:clrMapOvr>
+</p:notes>
+</file>
+
 <file path=ppt/notesSlides/notesSlide2.xml><?xml version="1.0" encoding="utf-8"?>
 <p:notes xmlns:a="http://schemas.openxmlformats.org/drawingml/2006/main" xmlns:r="http://schemas.openxmlformats.org/officeDocument/2006/relationships" xmlns:p="http://schemas.openxmlformats.org/presentationml/2006/main">
   <p:cSld>
@@ -746,7 +916,15 @@
           <a:p>
             <a:r>
               <a:rPr lang="es-ES" dirty="0"/>
-              <a:t>Se puede usar como librería para programar o como extensión para Excel</a:t>
+              <a:t>Se puede usar como librería para programar con lenguajes </a:t>
+            </a:r>
+            <a:r>
+              <a:rPr lang="es-ES" dirty="0" err="1"/>
+              <a:t>.net</a:t>
+            </a:r>
+            <a:r>
+              <a:rPr lang="es-ES" dirty="0"/>
+              <a:t> o como extensión para Excel</a:t>
             </a:r>
           </a:p>
           <a:p>
@@ -806,13 +984,29 @@
               <a:tabLst/>
               <a:defRPr/>
             </a:pPr>
-            <a:r>
-              <a:rPr lang="es-ES"/>
-              <a:t>Esta </a:t>
-            </a:r>
+            <a:endParaRPr lang="es-ES" dirty="0"/>
+          </a:p>
+          <a:p>
+            <a:pPr marL="0" marR="0" lvl="0" indent="0" algn="l" defTabSz="914400" rtl="0" eaLnBrk="1" fontAlgn="auto" latinLnBrk="0" hangingPunct="1">
+              <a:lnSpc>
+                <a:spcPct val="100000"/>
+              </a:lnSpc>
+              <a:spcBef>
+                <a:spcPts val="0"/>
+              </a:spcBef>
+              <a:spcAft>
+                <a:spcPts val="0"/>
+              </a:spcAft>
+              <a:buClrTx/>
+              <a:buSzTx/>
+              <a:buFontTx/>
+              <a:buNone/>
+              <a:tabLst/>
+              <a:defRPr/>
+            </a:pPr>
             <a:r>
               <a:rPr lang="es-ES" dirty="0"/>
-              <a:t>descontinuado desde 2012 pero es perfectamente usable</a:t>
+              <a:t>Esta descontinuado desde 2012 pero es perfectamente usable</a:t>
             </a:r>
           </a:p>
           <a:p>
@@ -826,7 +1020,23 @@
             </a:r>
             <a:r>
               <a:rPr lang="es-ES" dirty="0"/>
-              <a:t> de la pagina dedicada en la MSDN</a:t>
+              <a:t> de la pagina dedicada a </a:t>
+            </a:r>
+            <a:r>
+              <a:rPr lang="es-ES" dirty="0" err="1"/>
+              <a:t>Solver</a:t>
+            </a:r>
+            <a:r>
+              <a:rPr lang="es-ES" dirty="0"/>
+              <a:t> </a:t>
+            </a:r>
+            <a:r>
+              <a:rPr lang="es-ES" dirty="0" err="1"/>
+              <a:t>Foundation</a:t>
+            </a:r>
+            <a:r>
+              <a:rPr lang="es-ES" dirty="0"/>
+              <a:t> en la MSDN</a:t>
             </a:r>
           </a:p>
         </p:txBody>
@@ -921,7 +1131,7 @@
             </a:r>
             <a:r>
               <a:rPr lang="es-ES" dirty="0"/>
-              <a:t> que podemos usar en nuestro programa, dependiendo del modelo que queremos resolver, aunque siempre podemos usar el genérico y por debajo analizando el problema se elige un solucionador de los disponibles.</a:t>
+              <a:t> que podemos usar en nuestro programa, aunque siempre podemos usar el genérico, el cual, por debajo va analizando el problema eligiendo un solucionador de los disponibles.</a:t>
             </a:r>
           </a:p>
           <a:p>
@@ -1033,8 +1243,13 @@
             </a:r>
             <a:r>
               <a:rPr lang="es-ES" dirty="0"/>
-              <a:t> específico para problemas de restricciones.</a:t>
-            </a:r>
+              <a:t> específico para problemas de restricciones. Se llama </a:t>
+            </a:r>
+            <a:r>
+              <a:rPr lang="es-ES" dirty="0" err="1"/>
+              <a:t>constraintSystem</a:t>
+            </a:r>
+            <a:endParaRPr lang="es-ES" dirty="0"/>
           </a:p>
           <a:p>
             <a:endParaRPr lang="es-ES" dirty="0"/>
@@ -1046,11 +1261,11 @@
             </a:r>
             <a:r>
               <a:rPr lang="es-ES" dirty="0" err="1"/>
-              <a:t>CpsDomain</a:t>
+              <a:t>CspDomain</a:t>
             </a:r>
             <a:r>
               <a:rPr lang="es-ES" dirty="0"/>
-              <a:t> de cualquiera de los dominios disponibles que tenemos que establecer siempre los limites superiores e inferiores.</a:t>
+              <a:t>, en los dominios disponibles tenemos que establecer siempre los limites superiores e inferiores.</a:t>
             </a:r>
           </a:p>
           <a:p>
@@ -1063,11 +1278,11 @@
             </a:r>
             <a:r>
               <a:rPr lang="es-ES" dirty="0" err="1"/>
-              <a:t>CpsTerm</a:t>
+              <a:t>CspTerm</a:t>
             </a:r>
             <a:r>
               <a:rPr lang="es-ES" dirty="0"/>
-              <a:t> </a:t>
+              <a:t>, donde podemos tener una variable, un array o una matriz.</a:t>
             </a:r>
           </a:p>
         </p:txBody>
@@ -7742,6 +7957,42 @@
           <a:chExt cx="0" cy="0"/>
         </a:xfrm>
       </p:grpSpPr>
+      <p:pic>
+        <p:nvPicPr>
+          <p:cNvPr id="8" name="Imagen 7" descr="Imagen que contiene cielo&#10;&#10;Descripción generada automáticamente">
+            <a:extLst>
+              <a:ext uri="{FF2B5EF4-FFF2-40B4-BE49-F238E27FC236}">
+                <a16:creationId xmlns:a16="http://schemas.microsoft.com/office/drawing/2014/main" id="{7333242B-298E-40FC-85B4-5130148F5C26}"/>
+              </a:ext>
+            </a:extLst>
+          </p:cNvPr>
+          <p:cNvPicPr>
+            <a:picLocks noChangeAspect="1"/>
+          </p:cNvPicPr>
+          <p:nvPr/>
+        </p:nvPicPr>
+        <p:blipFill>
+          <a:blip r:embed="rId3">
+            <a:extLst>
+              <a:ext uri="{28A0092B-C50C-407E-A947-70E740481C1C}">
+                <a14:useLocalDpi xmlns:a14="http://schemas.microsoft.com/office/drawing/2010/main" val="0"/>
+              </a:ext>
+            </a:extLst>
+          </a:blip>
+          <a:stretch>
+            <a:fillRect/>
+          </a:stretch>
+        </p:blipFill>
+        <p:spPr>
+          <a:xfrm>
+            <a:off x="247521" y="-133702"/>
+            <a:ext cx="2856367" cy="2856367"/>
+          </a:xfrm>
+          <a:prstGeom prst="rect">
+            <a:avLst/>
+          </a:prstGeom>
+        </p:spPr>
+      </p:pic>
       <p:sp>
         <p:nvSpPr>
           <p:cNvPr id="7" name="Marcador de texto 6">
@@ -7806,7 +8057,7 @@
           </p:nvPr>
         </p:nvPicPr>
         <p:blipFill>
-          <a:blip r:embed="rId2">
+          <a:blip r:embed="rId4">
             <a:extLst>
               <a:ext uri="{28A0092B-C50C-407E-A947-70E740481C1C}">
                 <a14:useLocalDpi xmlns:a14="http://schemas.microsoft.com/office/drawing/2010/main" val="0"/>
@@ -7897,7 +8148,7 @@
           </p:nvPr>
         </p:nvPicPr>
         <p:blipFill>
-          <a:blip r:embed="rId3">
+          <a:blip r:embed="rId5">
             <a:extLst>
               <a:ext uri="{28A0092B-C50C-407E-A947-70E740481C1C}">
                 <a14:useLocalDpi xmlns:a14="http://schemas.microsoft.com/office/drawing/2010/main" val="0"/>
@@ -7954,7 +8205,7 @@
           <a:p>
             <a:r>
               <a:rPr lang="es-ES" sz="2400" dirty="0">
-                <a:hlinkClick r:id="rId4"/>
+                <a:hlinkClick r:id="rId6"/>
               </a:rPr>
               <a:t>https://github.com/victordpc</a:t>
             </a:r>
@@ -7992,7 +8243,7 @@
           <a:p>
             <a:r>
               <a:rPr lang="es-ES" sz="2400" dirty="0">
-                <a:hlinkClick r:id="rId5"/>
+                <a:hlinkClick r:id="rId7"/>
               </a:rPr>
               <a:t>https://github.com/monosa</a:t>
             </a:r>
@@ -8018,7 +8269,7 @@
           <p:nvPr/>
         </p:nvPicPr>
         <p:blipFill>
-          <a:blip r:embed="rId6">
+          <a:blip r:embed="rId8">
             <a:extLst>
               <a:ext uri="{28A0092B-C50C-407E-A947-70E740481C1C}">
                 <a14:useLocalDpi xmlns:a14="http://schemas.microsoft.com/office/drawing/2010/main" val="0"/>
@@ -8073,7 +8324,7 @@
             </a:r>
             <a:r>
               <a:rPr lang="es-ES" sz="2400" dirty="0">
-                <a:hlinkClick r:id="rId7"/>
+                <a:hlinkClick r:id="rId9"/>
               </a:rPr>
               <a:t>https://github.com/victordpc/ProgramacionRestricciones</a:t>
             </a:r>
@@ -8099,8 +8350,8 @@
         </p:nvSpPr>
         <p:spPr>
           <a:xfrm>
-            <a:off x="484559" y="0"/>
-            <a:ext cx="7115454" cy="1325563"/>
+            <a:off x="5023676" y="0"/>
+            <a:ext cx="2132681" cy="1325563"/>
           </a:xfrm>
         </p:spPr>
         <p:txBody>
@@ -8146,7 +8397,7 @@
           <p:nvPr/>
         </p:nvPicPr>
         <p:blipFill>
-          <a:blip r:embed="rId6">
+          <a:blip r:embed="rId8">
             <a:extLst>
               <a:ext uri="{28A0092B-C50C-407E-A947-70E740481C1C}">
                 <a14:useLocalDpi xmlns:a14="http://schemas.microsoft.com/office/drawing/2010/main" val="0"/>
@@ -8180,6 +8431,667 @@
 </p:sld>
 </file>
 
+<file path=ppt/slides/slide13.xml><?xml version="1.0" encoding="utf-8"?>
+<p:sld xmlns:a="http://schemas.openxmlformats.org/drawingml/2006/main" xmlns:r="http://schemas.openxmlformats.org/officeDocument/2006/relationships" xmlns:p="http://schemas.openxmlformats.org/presentationml/2006/main">
+  <p:cSld>
+    <p:spTree>
+      <p:nvGrpSpPr>
+        <p:cNvPr id="1" name=""/>
+        <p:cNvGrpSpPr/>
+        <p:nvPr/>
+      </p:nvGrpSpPr>
+      <p:grpSpPr>
+        <a:xfrm>
+          <a:off x="0" y="0"/>
+          <a:ext cx="0" cy="0"/>
+          <a:chOff x="0" y="0"/>
+          <a:chExt cx="0" cy="0"/>
+        </a:xfrm>
+      </p:grpSpPr>
+      <p:sp>
+        <p:nvSpPr>
+          <p:cNvPr id="15" name="Título 1">
+            <a:extLst>
+              <a:ext uri="{FF2B5EF4-FFF2-40B4-BE49-F238E27FC236}">
+                <a16:creationId xmlns:a16="http://schemas.microsoft.com/office/drawing/2014/main" id="{14A0B834-B1EE-49B9-B2DE-50418C312FA6}"/>
+              </a:ext>
+            </a:extLst>
+          </p:cNvPr>
+          <p:cNvSpPr>
+            <a:spLocks noGrp="1"/>
+          </p:cNvSpPr>
+          <p:nvPr>
+            <p:ph type="title"/>
+          </p:nvPr>
+        </p:nvSpPr>
+        <p:spPr>
+          <a:xfrm>
+            <a:off x="5023676" y="0"/>
+            <a:ext cx="2132681" cy="1325563"/>
+          </a:xfrm>
+        </p:spPr>
+        <p:txBody>
+          <a:bodyPr>
+            <a:normAutofit/>
+          </a:bodyPr>
+          <a:lstStyle/>
+          <a:p>
+            <a:r>
+              <a:rPr lang="es-ES" sz="4300" dirty="0">
+                <a:ln w="0"/>
+                <a:solidFill>
+                  <a:srgbClr val="002060"/>
+                </a:solidFill>
+                <a:effectLst>
+                  <a:outerShdw blurRad="38100" dist="19050" dir="2700000" algn="tl" rotWithShape="0">
+                    <a:schemeClr val="dk1">
+                      <a:alpha val="40000"/>
+                    </a:schemeClr>
+                  </a:outerShdw>
+                </a:effectLst>
+                <a:latin typeface="+mn-lt"/>
+                <a:ea typeface="+mn-ea"/>
+                <a:cs typeface="+mn-cs"/>
+              </a:rPr>
+              <a:t>¿Dudas?</a:t>
+            </a:r>
+          </a:p>
+        </p:txBody>
+      </p:sp>
+      <p:pic>
+        <p:nvPicPr>
+          <p:cNvPr id="8" name="Imagen 7" descr="Imagen que contiene cielo&#10;&#10;Descripción generada automáticamente">
+            <a:extLst>
+              <a:ext uri="{FF2B5EF4-FFF2-40B4-BE49-F238E27FC236}">
+                <a16:creationId xmlns:a16="http://schemas.microsoft.com/office/drawing/2014/main" id="{7333242B-298E-40FC-85B4-5130148F5C26}"/>
+              </a:ext>
+            </a:extLst>
+          </p:cNvPr>
+          <p:cNvPicPr>
+            <a:picLocks noChangeAspect="1"/>
+          </p:cNvPicPr>
+          <p:nvPr/>
+        </p:nvPicPr>
+        <p:blipFill>
+          <a:blip r:embed="rId3">
+            <a:extLst>
+              <a:ext uri="{28A0092B-C50C-407E-A947-70E740481C1C}">
+                <a14:useLocalDpi xmlns:a14="http://schemas.microsoft.com/office/drawing/2010/main" val="0"/>
+              </a:ext>
+            </a:extLst>
+          </a:blip>
+          <a:stretch>
+            <a:fillRect/>
+          </a:stretch>
+        </p:blipFill>
+        <p:spPr>
+          <a:xfrm>
+            <a:off x="247521" y="-133702"/>
+            <a:ext cx="2856367" cy="2856367"/>
+          </a:xfrm>
+          <a:prstGeom prst="rect">
+            <a:avLst/>
+          </a:prstGeom>
+        </p:spPr>
+      </p:pic>
+      <p:sp>
+        <p:nvSpPr>
+          <p:cNvPr id="7" name="Marcador de texto 6">
+            <a:extLst>
+              <a:ext uri="{FF2B5EF4-FFF2-40B4-BE49-F238E27FC236}">
+                <a16:creationId xmlns:a16="http://schemas.microsoft.com/office/drawing/2014/main" id="{4D9F8FB2-62AC-4A4A-8224-B1623B6DC753}"/>
+              </a:ext>
+            </a:extLst>
+          </p:cNvPr>
+          <p:cNvSpPr>
+            <a:spLocks noGrp="1"/>
+          </p:cNvSpPr>
+          <p:nvPr>
+            <p:ph type="body" idx="1"/>
+          </p:nvPr>
+        </p:nvSpPr>
+        <p:spPr>
+          <a:xfrm>
+            <a:off x="2159534" y="1414825"/>
+            <a:ext cx="3627284" cy="823912"/>
+          </a:xfrm>
+        </p:spPr>
+        <p:txBody>
+          <a:bodyPr>
+            <a:normAutofit fontScale="92500"/>
+          </a:bodyPr>
+          <a:lstStyle/>
+          <a:p>
+            <a:r>
+              <a:rPr lang="es-ES" sz="3600" dirty="0">
+                <a:ln w="0"/>
+                <a:solidFill>
+                  <a:srgbClr val="002060"/>
+                </a:solidFill>
+                <a:effectLst>
+                  <a:outerShdw blurRad="38100" dist="19050" dir="2700000" algn="tl" rotWithShape="0">
+                    <a:schemeClr val="dk1">
+                      <a:alpha val="40000"/>
+                    </a:schemeClr>
+                  </a:outerShdw>
+                </a:effectLst>
+              </a:rPr>
+              <a:t>Leila Ruiz Casanova</a:t>
+            </a:r>
+          </a:p>
+        </p:txBody>
+      </p:sp>
+      <p:pic>
+        <p:nvPicPr>
+          <p:cNvPr id="14" name="Marcador de contenido 13" descr="Imagen que contiene persona, mujer, interior, ventana&#10;&#10;Descripción generada automáticamente">
+            <a:extLst>
+              <a:ext uri="{FF2B5EF4-FFF2-40B4-BE49-F238E27FC236}">
+                <a16:creationId xmlns:a16="http://schemas.microsoft.com/office/drawing/2014/main" id="{0028C90A-34B3-4858-A6BB-21C28542A36F}"/>
+              </a:ext>
+            </a:extLst>
+          </p:cNvPr>
+          <p:cNvPicPr>
+            <a:picLocks noGrp="1" noChangeAspect="1"/>
+          </p:cNvPicPr>
+          <p:nvPr>
+            <p:ph sz="half" idx="2"/>
+          </p:nvPr>
+        </p:nvPicPr>
+        <p:blipFill>
+          <a:blip r:embed="rId4">
+            <a:extLst>
+              <a:ext uri="{28A0092B-C50C-407E-A947-70E740481C1C}">
+                <a14:useLocalDpi xmlns:a14="http://schemas.microsoft.com/office/drawing/2010/main" val="0"/>
+              </a:ext>
+            </a:extLst>
+          </a:blip>
+          <a:stretch>
+            <a:fillRect/>
+          </a:stretch>
+        </p:blipFill>
+        <p:spPr>
+          <a:xfrm>
+            <a:off x="2987008" y="2213729"/>
+            <a:ext cx="1972337" cy="1972337"/>
+          </a:xfrm>
+          <a:prstGeom prst="ellipse">
+            <a:avLst/>
+          </a:prstGeom>
+          <a:ln>
+            <a:noFill/>
+          </a:ln>
+          <a:effectLst>
+            <a:softEdge rad="112500"/>
+          </a:effectLst>
+        </p:spPr>
+      </p:pic>
+      <p:sp>
+        <p:nvSpPr>
+          <p:cNvPr id="9" name="Marcador de texto 8">
+            <a:extLst>
+              <a:ext uri="{FF2B5EF4-FFF2-40B4-BE49-F238E27FC236}">
+                <a16:creationId xmlns:a16="http://schemas.microsoft.com/office/drawing/2014/main" id="{EF64071D-A000-45EB-A005-CE29CC1E2000}"/>
+              </a:ext>
+            </a:extLst>
+          </p:cNvPr>
+          <p:cNvSpPr>
+            <a:spLocks noGrp="1"/>
+          </p:cNvSpPr>
+          <p:nvPr>
+            <p:ph type="body" sz="quarter" idx="3"/>
+          </p:nvPr>
+        </p:nvSpPr>
+        <p:spPr>
+          <a:xfrm>
+            <a:off x="6162673" y="1414825"/>
+            <a:ext cx="4112302" cy="823912"/>
+          </a:xfrm>
+        </p:spPr>
+        <p:txBody>
+          <a:bodyPr>
+            <a:noAutofit/>
+          </a:bodyPr>
+          <a:lstStyle/>
+          <a:p>
+            <a:r>
+              <a:rPr lang="es-ES" sz="3300" dirty="0">
+                <a:ln w="0"/>
+                <a:solidFill>
+                  <a:srgbClr val="002060"/>
+                </a:solidFill>
+                <a:effectLst>
+                  <a:outerShdw blurRad="38100" dist="19050" dir="2700000" algn="tl" rotWithShape="0">
+                    <a:schemeClr val="dk1">
+                      <a:alpha val="40000"/>
+                    </a:schemeClr>
+                  </a:outerShdw>
+                </a:effectLst>
+              </a:rPr>
+              <a:t>Víctor del Pino Castilla</a:t>
+            </a:r>
+          </a:p>
+        </p:txBody>
+      </p:sp>
+      <p:pic>
+        <p:nvPicPr>
+          <p:cNvPr id="12" name="Marcador de contenido 11" descr="Imagen que contiene hombre, persona, árbol, exterior&#10;&#10;Descripción generada automáticamente">
+            <a:extLst>
+              <a:ext uri="{FF2B5EF4-FFF2-40B4-BE49-F238E27FC236}">
+                <a16:creationId xmlns:a16="http://schemas.microsoft.com/office/drawing/2014/main" id="{838C0123-72D7-4E75-B392-FCF45AD992A5}"/>
+              </a:ext>
+            </a:extLst>
+          </p:cNvPr>
+          <p:cNvPicPr>
+            <a:picLocks noGrp="1" noChangeAspect="1"/>
+          </p:cNvPicPr>
+          <p:nvPr>
+            <p:ph sz="quarter" idx="4"/>
+          </p:nvPr>
+        </p:nvPicPr>
+        <p:blipFill>
+          <a:blip r:embed="rId5">
+            <a:extLst>
+              <a:ext uri="{28A0092B-C50C-407E-A947-70E740481C1C}">
+                <a14:useLocalDpi xmlns:a14="http://schemas.microsoft.com/office/drawing/2010/main" val="0"/>
+              </a:ext>
+            </a:extLst>
+          </a:blip>
+          <a:stretch>
+            <a:fillRect/>
+          </a:stretch>
+        </p:blipFill>
+        <p:spPr>
+          <a:xfrm>
+            <a:off x="7232657" y="2238737"/>
+            <a:ext cx="1972335" cy="1972335"/>
+          </a:xfrm>
+          <a:prstGeom prst="ellipse">
+            <a:avLst/>
+          </a:prstGeom>
+          <a:ln>
+            <a:noFill/>
+          </a:ln>
+          <a:effectLst>
+            <a:softEdge rad="112500"/>
+          </a:effectLst>
+        </p:spPr>
+      </p:pic>
+      <p:sp>
+        <p:nvSpPr>
+          <p:cNvPr id="17" name="CuadroTexto 16">
+            <a:extLst>
+              <a:ext uri="{FF2B5EF4-FFF2-40B4-BE49-F238E27FC236}">
+                <a16:creationId xmlns:a16="http://schemas.microsoft.com/office/drawing/2014/main" id="{9D14570C-5C40-480F-A9BD-1423FCE7310A}"/>
+              </a:ext>
+            </a:extLst>
+          </p:cNvPr>
+          <p:cNvSpPr txBox="1"/>
+          <p:nvPr/>
+        </p:nvSpPr>
+        <p:spPr>
+          <a:xfrm>
+            <a:off x="6635649" y="4134789"/>
+            <a:ext cx="3986702" cy="461665"/>
+          </a:xfrm>
+          <a:prstGeom prst="rect">
+            <a:avLst/>
+          </a:prstGeom>
+          <a:noFill/>
+        </p:spPr>
+        <p:txBody>
+          <a:bodyPr wrap="square" rtlCol="0">
+            <a:spAutoFit/>
+          </a:bodyPr>
+          <a:lstStyle/>
+          <a:p>
+            <a:r>
+              <a:rPr lang="es-ES" sz="2400" dirty="0">
+                <a:hlinkClick r:id="rId6"/>
+              </a:rPr>
+              <a:t>https://github.com/victordpc</a:t>
+            </a:r>
+            <a:endParaRPr lang="es-ES" sz="2400" dirty="0"/>
+          </a:p>
+        </p:txBody>
+      </p:sp>
+      <p:sp>
+        <p:nvSpPr>
+          <p:cNvPr id="19" name="CuadroTexto 18">
+            <a:extLst>
+              <a:ext uri="{FF2B5EF4-FFF2-40B4-BE49-F238E27FC236}">
+                <a16:creationId xmlns:a16="http://schemas.microsoft.com/office/drawing/2014/main" id="{74AE241F-0627-4F9E-B4A7-622E6A2DC48C}"/>
+              </a:ext>
+            </a:extLst>
+          </p:cNvPr>
+          <p:cNvSpPr txBox="1"/>
+          <p:nvPr/>
+        </p:nvSpPr>
+        <p:spPr>
+          <a:xfrm>
+            <a:off x="2376442" y="4134788"/>
+            <a:ext cx="3888556" cy="461665"/>
+          </a:xfrm>
+          <a:prstGeom prst="rect">
+            <a:avLst/>
+          </a:prstGeom>
+          <a:noFill/>
+        </p:spPr>
+        <p:txBody>
+          <a:bodyPr wrap="square" rtlCol="0">
+            <a:spAutoFit/>
+          </a:bodyPr>
+          <a:lstStyle/>
+          <a:p>
+            <a:r>
+              <a:rPr lang="es-ES" sz="2400" dirty="0">
+                <a:hlinkClick r:id="rId7"/>
+              </a:rPr>
+              <a:t>https://github.com/monosa</a:t>
+            </a:r>
+            <a:r>
+              <a:rPr lang="es-ES" sz="2400" dirty="0"/>
+              <a:t> </a:t>
+            </a:r>
+          </a:p>
+        </p:txBody>
+      </p:sp>
+      <p:pic>
+        <p:nvPicPr>
+          <p:cNvPr id="21" name="Imagen 20">
+            <a:extLst>
+              <a:ext uri="{FF2B5EF4-FFF2-40B4-BE49-F238E27FC236}">
+                <a16:creationId xmlns:a16="http://schemas.microsoft.com/office/drawing/2014/main" id="{CB31D5E7-45F9-4762-9A25-A63359D8C4E1}"/>
+              </a:ext>
+            </a:extLst>
+          </p:cNvPr>
+          <p:cNvPicPr>
+            <a:picLocks noChangeAspect="1"/>
+          </p:cNvPicPr>
+          <p:nvPr/>
+        </p:nvPicPr>
+        <p:blipFill>
+          <a:blip r:embed="rId8">
+            <a:extLst>
+              <a:ext uri="{28A0092B-C50C-407E-A947-70E740481C1C}">
+                <a14:useLocalDpi xmlns:a14="http://schemas.microsoft.com/office/drawing/2010/main" val="0"/>
+              </a:ext>
+            </a:extLst>
+          </a:blip>
+          <a:stretch>
+            <a:fillRect/>
+          </a:stretch>
+        </p:blipFill>
+        <p:spPr>
+          <a:xfrm>
+            <a:off x="6090017" y="4134789"/>
+            <a:ext cx="461665" cy="461665"/>
+          </a:xfrm>
+          <a:prstGeom prst="rect">
+            <a:avLst/>
+          </a:prstGeom>
+        </p:spPr>
+      </p:pic>
+      <p:sp>
+        <p:nvSpPr>
+          <p:cNvPr id="23" name="CuadroTexto 22">
+            <a:extLst>
+              <a:ext uri="{FF2B5EF4-FFF2-40B4-BE49-F238E27FC236}">
+                <a16:creationId xmlns:a16="http://schemas.microsoft.com/office/drawing/2014/main" id="{FC94D6CA-4E0C-4C77-8663-701B55C2DC1A}"/>
+              </a:ext>
+            </a:extLst>
+          </p:cNvPr>
+          <p:cNvSpPr txBox="1"/>
+          <p:nvPr/>
+        </p:nvSpPr>
+        <p:spPr>
+          <a:xfrm>
+            <a:off x="1054138" y="5439285"/>
+            <a:ext cx="10083722" cy="461665"/>
+          </a:xfrm>
+          <a:prstGeom prst="rect">
+            <a:avLst/>
+          </a:prstGeom>
+          <a:noFill/>
+        </p:spPr>
+        <p:txBody>
+          <a:bodyPr wrap="none" rtlCol="0">
+            <a:spAutoFit/>
+          </a:bodyPr>
+          <a:lstStyle/>
+          <a:p>
+            <a:r>
+              <a:rPr lang="es-ES" sz="2400" dirty="0"/>
+              <a:t>Código disponible en: </a:t>
+            </a:r>
+            <a:r>
+              <a:rPr lang="es-ES" sz="2400" dirty="0">
+                <a:hlinkClick r:id="rId9"/>
+              </a:rPr>
+              <a:t>https://github.com/victordpc/ProgramacionRestricciones</a:t>
+            </a:r>
+            <a:endParaRPr lang="es-ES" sz="2400" dirty="0"/>
+          </a:p>
+        </p:txBody>
+      </p:sp>
+      <p:pic>
+        <p:nvPicPr>
+          <p:cNvPr id="16" name="Imagen 15">
+            <a:extLst>
+              <a:ext uri="{FF2B5EF4-FFF2-40B4-BE49-F238E27FC236}">
+                <a16:creationId xmlns:a16="http://schemas.microsoft.com/office/drawing/2014/main" id="{0CDC0F10-BEDA-43C9-9A80-B6D3E086624D}"/>
+              </a:ext>
+            </a:extLst>
+          </p:cNvPr>
+          <p:cNvPicPr>
+            <a:picLocks noChangeAspect="1"/>
+          </p:cNvPicPr>
+          <p:nvPr/>
+        </p:nvPicPr>
+        <p:blipFill>
+          <a:blip r:embed="rId8">
+            <a:extLst>
+              <a:ext uri="{28A0092B-C50C-407E-A947-70E740481C1C}">
+                <a14:useLocalDpi xmlns:a14="http://schemas.microsoft.com/office/drawing/2010/main" val="0"/>
+              </a:ext>
+            </a:extLst>
+          </a:blip>
+          <a:stretch>
+            <a:fillRect/>
+          </a:stretch>
+        </p:blipFill>
+        <p:spPr>
+          <a:xfrm>
+            <a:off x="1872793" y="4134788"/>
+            <a:ext cx="461665" cy="461665"/>
+          </a:xfrm>
+          <a:prstGeom prst="rect">
+            <a:avLst/>
+          </a:prstGeom>
+        </p:spPr>
+      </p:pic>
+    </p:spTree>
+    <p:extLst>
+      <p:ext uri="{BB962C8B-B14F-4D97-AF65-F5344CB8AC3E}">
+        <p14:creationId xmlns:p14="http://schemas.microsoft.com/office/powerpoint/2010/main" val="1136949064"/>
+      </p:ext>
+    </p:extLst>
+  </p:cSld>
+  <p:clrMapOvr>
+    <a:masterClrMapping/>
+  </p:clrMapOvr>
+  <p:timing>
+    <p:tnLst>
+      <p:par>
+        <p:cTn id="1" dur="indefinite" restart="never" nodeType="tmRoot">
+          <p:childTnLst>
+            <p:seq concurrent="1" nextAc="seek">
+              <p:cTn id="2" dur="indefinite" nodeType="mainSeq">
+                <p:childTnLst>
+                  <p:par>
+                    <p:cTn id="3" fill="hold">
+                      <p:stCondLst>
+                        <p:cond delay="indefinite"/>
+                        <p:cond evt="onBegin" delay="0">
+                          <p:tn val="2"/>
+                        </p:cond>
+                      </p:stCondLst>
+                      <p:childTnLst>
+                        <p:par>
+                          <p:cTn id="4" fill="hold">
+                            <p:stCondLst>
+                              <p:cond delay="0"/>
+                            </p:stCondLst>
+                            <p:childTnLst>
+                              <p:par>
+                                <p:cTn id="5" presetID="42" presetClass="path" presetSubtype="0" accel="50000" decel="50000" fill="hold" nodeType="withEffect">
+                                  <p:stCondLst>
+                                    <p:cond delay="0"/>
+                                  </p:stCondLst>
+                                  <p:childTnLst>
+                                    <p:animMotion origin="layout" path="M 2.08333E-7 2.59259E-6 L 0.35625 -0.09027 " pathEditMode="relative" rAng="0" ptsTypes="AA">
+                                      <p:cBhvr>
+                                        <p:cTn id="6" dur="2000" fill="hold"/>
+                                        <p:tgtEl>
+                                          <p:spTgt spid="8"/>
+                                        </p:tgtEl>
+                                        <p:attrNameLst>
+                                          <p:attrName>ppt_x</p:attrName>
+                                          <p:attrName>ppt_y</p:attrName>
+                                        </p:attrNameLst>
+                                      </p:cBhvr>
+                                      <p:rCtr x="17773" y="-4468"/>
+                                    </p:animMotion>
+                                  </p:childTnLst>
+                                </p:cTn>
+                              </p:par>
+                              <p:par>
+                                <p:cTn id="7" presetID="1" presetClass="exit" presetSubtype="0" fill="hold" grpId="0" nodeType="withEffect">
+                                  <p:stCondLst>
+                                    <p:cond delay="1570"/>
+                                  </p:stCondLst>
+                                  <p:childTnLst>
+                                    <p:set>
+                                      <p:cBhvr>
+                                        <p:cTn id="8" dur="1" fill="hold">
+                                          <p:stCondLst>
+                                            <p:cond delay="0"/>
+                                          </p:stCondLst>
+                                        </p:cTn>
+                                        <p:tgtEl>
+                                          <p:spTgt spid="15"/>
+                                        </p:tgtEl>
+                                        <p:attrNameLst>
+                                          <p:attrName>style.visibility</p:attrName>
+                                        </p:attrNameLst>
+                                      </p:cBhvr>
+                                      <p:to>
+                                        <p:strVal val="hidden"/>
+                                      </p:to>
+                                    </p:set>
+                                  </p:childTnLst>
+                                </p:cTn>
+                              </p:par>
+                              <p:par>
+                                <p:cTn id="9" presetID="63" presetClass="path" presetSubtype="0" accel="50000" decel="50000" fill="hold" nodeType="withEffect">
+                                  <p:stCondLst>
+                                    <p:cond delay="1580"/>
+                                  </p:stCondLst>
+                                  <p:childTnLst>
+                                    <p:animMotion origin="layout" path="M 0.35625 -0.09028 L 0.94232 0.0419 " pathEditMode="relative" rAng="0" ptsTypes="AA">
+                                      <p:cBhvr>
+                                        <p:cTn id="10" dur="3000" fill="hold"/>
+                                        <p:tgtEl>
+                                          <p:spTgt spid="8"/>
+                                        </p:tgtEl>
+                                        <p:attrNameLst>
+                                          <p:attrName>ppt_x</p:attrName>
+                                          <p:attrName>ppt_y</p:attrName>
+                                        </p:attrNameLst>
+                                      </p:cBhvr>
+                                      <p:rCtr x="29297" y="6597"/>
+                                    </p:animMotion>
+                                  </p:childTnLst>
+                                </p:cTn>
+                              </p:par>
+                            </p:childTnLst>
+                          </p:cTn>
+                        </p:par>
+                      </p:childTnLst>
+                    </p:cTn>
+                  </p:par>
+                  <p:par>
+                    <p:cTn id="11" fill="hold">
+                      <p:stCondLst>
+                        <p:cond delay="indefinite"/>
+                      </p:stCondLst>
+                      <p:childTnLst>
+                        <p:par>
+                          <p:cTn id="12" fill="hold">
+                            <p:stCondLst>
+                              <p:cond delay="0"/>
+                            </p:stCondLst>
+                            <p:childTnLst>
+                              <p:par>
+                                <p:cTn id="13" presetID="1" presetClass="exit" presetSubtype="0" fill="hold" nodeType="clickEffect">
+                                  <p:stCondLst>
+                                    <p:cond delay="0"/>
+                                  </p:stCondLst>
+                                  <p:childTnLst>
+                                    <p:set>
+                                      <p:cBhvr>
+                                        <p:cTn id="14" dur="1" fill="hold">
+                                          <p:stCondLst>
+                                            <p:cond delay="0"/>
+                                          </p:stCondLst>
+                                        </p:cTn>
+                                        <p:tgtEl>
+                                          <p:spTgt spid="8"/>
+                                        </p:tgtEl>
+                                        <p:attrNameLst>
+                                          <p:attrName>style.visibility</p:attrName>
+                                        </p:attrNameLst>
+                                      </p:cBhvr>
+                                      <p:to>
+                                        <p:strVal val="hidden"/>
+                                      </p:to>
+                                    </p:set>
+                                  </p:childTnLst>
+                                </p:cTn>
+                              </p:par>
+                            </p:childTnLst>
+                          </p:cTn>
+                        </p:par>
+                      </p:childTnLst>
+                    </p:cTn>
+                  </p:par>
+                </p:childTnLst>
+              </p:cTn>
+              <p:prevCondLst>
+                <p:cond evt="onPrev" delay="0">
+                  <p:tgtEl>
+                    <p:sldTgt/>
+                  </p:tgtEl>
+                </p:cond>
+              </p:prevCondLst>
+              <p:nextCondLst>
+                <p:cond evt="onNext" delay="0">
+                  <p:tgtEl>
+                    <p:sldTgt/>
+                  </p:tgtEl>
+                </p:cond>
+              </p:nextCondLst>
+            </p:seq>
+          </p:childTnLst>
+        </p:cTn>
+      </p:par>
+    </p:tnLst>
+    <p:bldLst>
+      <p:bldP spid="15" grpId="0"/>
+    </p:bldLst>
+  </p:timing>
+</p:sld>
+</file>
+
 <file path=ppt/slides/slide2.xml><?xml version="1.0" encoding="utf-8"?>
 <p:sld xmlns:a="http://schemas.openxmlformats.org/drawingml/2006/main" xmlns:r="http://schemas.openxmlformats.org/officeDocument/2006/relationships" xmlns:p="http://schemas.openxmlformats.org/presentationml/2006/main">
   <p:cSld>
@@ -8590,10 +9502,10 @@
               <a:buChar char="•"/>
             </a:pPr>
             <a:r>
-              <a:rPr lang="es-ES" sz="2800" dirty="0" err="1"/>
+              <a:rPr lang="es-ES" sz="2800" b="1" dirty="0" err="1"/>
               <a:t>Constraints</a:t>
             </a:r>
-            <a:endParaRPr lang="es-ES" sz="2800" dirty="0"/>
+            <a:endParaRPr lang="es-ES" sz="2800" b="1" dirty="0"/>
           </a:p>
           <a:p>
             <a:pPr marL="685800" lvl="1" indent="-228600">
@@ -8772,7 +9684,7 @@
             <a:pPr lvl="1"/>
             <a:r>
               <a:rPr lang="es-ES" sz="2800" dirty="0" err="1"/>
-              <a:t>CpsTerm</a:t>
+              <a:t>CspTerm</a:t>
             </a:r>
             <a:endParaRPr lang="es-ES" sz="2800" dirty="0"/>
           </a:p>
@@ -8798,7 +9710,7 @@
             <a:pPr lvl="1"/>
             <a:r>
               <a:rPr lang="es-ES" sz="2800" dirty="0" err="1"/>
-              <a:t>CpsTerm</a:t>
+              <a:t>CspTerm</a:t>
             </a:r>
             <a:r>
               <a:rPr lang="es-ES" sz="2800" dirty="0"/>
@@ -8821,7 +9733,7 @@
             <a:pPr lvl="1"/>
             <a:r>
               <a:rPr lang="es-ES" sz="2800" dirty="0" err="1"/>
-              <a:t>CpsTerm</a:t>
+              <a:t>CspTerm</a:t>
             </a:r>
             <a:r>
               <a:rPr lang="es-ES" sz="2800" dirty="0"/>
